--- a/BorsodNet.pptx
+++ b/BorsodNet.pptx
@@ -153,6 +153,7 @@
 <p1510:revInfo xmlns:a="http://schemas.openxmlformats.org/drawingml/2006/main" xmlns:r="http://schemas.openxmlformats.org/officeDocument/2006/relationships" xmlns:p1510="http://schemas.microsoft.com/office/powerpoint/2015/10/main">
   <p1510:revLst>
     <p1510:client id="{14520C34-3973-AEF7-9FD3-07F122E92C4D}" v="254" dt="2025-03-03T10:06:26.522"/>
+    <p1510:client id="{200E0311-376F-BF2D-DD2F-CFA66653B402}" v="9" dt="2025-03-03T11:05:18.534"/>
     <p1510:client id="{2AA57C14-3A64-00A8-AD32-C1D485DB9175}" v="419" dt="2025-03-03T08:27:39.020"/>
     <p1510:client id="{82B49F11-5C3A-8549-5C06-D48C7E11207D}" v="699" dt="2025-03-03T08:58:39.164"/>
   </p1510:revLst>
@@ -1586,6 +1587,45 @@
             <pc:docMk/>
             <pc:sldMk cId="1179111677" sldId="295"/>
             <ac:picMk id="3" creationId="{D3C71E2F-069D-6659-2797-5646D25CEE45}"/>
+          </ac:picMkLst>
+        </pc:picChg>
+      </pc:sldChg>
+    </pc:docChg>
+  </pc:docChgLst>
+  <pc:docChgLst>
+    <pc:chgData name="Kristóf Lajka" userId="5e6963896e59b084" providerId="Windows Live" clId="Web-{200E0311-376F-BF2D-DD2F-CFA66653B402}"/>
+    <pc:docChg chg="modSld">
+      <pc:chgData name="Kristóf Lajka" userId="5e6963896e59b084" providerId="Windows Live" clId="Web-{200E0311-376F-BF2D-DD2F-CFA66653B402}" dt="2025-03-03T11:05:18.534" v="7"/>
+      <pc:docMkLst>
+        <pc:docMk/>
+      </pc:docMkLst>
+      <pc:sldChg chg="addSp modSp">
+        <pc:chgData name="Kristóf Lajka" userId="5e6963896e59b084" providerId="Windows Live" clId="Web-{200E0311-376F-BF2D-DD2F-CFA66653B402}" dt="2025-03-03T11:04:34.485" v="3" actId="1076"/>
+        <pc:sldMkLst>
+          <pc:docMk/>
+          <pc:sldMk cId="2767495509" sldId="256"/>
+        </pc:sldMkLst>
+        <pc:picChg chg="add mod">
+          <ac:chgData name="Kristóf Lajka" userId="5e6963896e59b084" providerId="Windows Live" clId="Web-{200E0311-376F-BF2D-DD2F-CFA66653B402}" dt="2025-03-03T11:04:34.485" v="3" actId="1076"/>
+          <ac:picMkLst>
+            <pc:docMk/>
+            <pc:sldMk cId="2767495509" sldId="256"/>
+            <ac:picMk id="4" creationId="{5BE683FD-69A6-0889-A45B-C4CD0AD2426F}"/>
+          </ac:picMkLst>
+        </pc:picChg>
+      </pc:sldChg>
+      <pc:sldChg chg="addSp delSp modSp">
+        <pc:chgData name="Kristóf Lajka" userId="5e6963896e59b084" providerId="Windows Live" clId="Web-{200E0311-376F-BF2D-DD2F-CFA66653B402}" dt="2025-03-03T11:05:18.534" v="7"/>
+        <pc:sldMkLst>
+          <pc:docMk/>
+          <pc:sldMk cId="2149205326" sldId="285"/>
+        </pc:sldMkLst>
+        <pc:picChg chg="add del mod">
+          <ac:chgData name="Kristóf Lajka" userId="5e6963896e59b084" providerId="Windows Live" clId="Web-{200E0311-376F-BF2D-DD2F-CFA66653B402}" dt="2025-03-03T11:05:18.534" v="7"/>
+          <ac:picMkLst>
+            <pc:docMk/>
+            <pc:sldMk cId="2149205326" sldId="285"/>
+            <ac:picMk id="5" creationId="{3C7F40E5-0EDB-4515-2BE0-C69035FB3E89}"/>
           </ac:picMkLst>
         </pc:picChg>
       </pc:sldChg>
@@ -9420,6 +9460,39 @@
           </a:p>
         </p:txBody>
       </p:sp>
+      <p:pic>
+        <p:nvPicPr>
+          <p:cNvPr id="4" name="Kép 3">
+            <a:extLst>
+              <a:ext uri="{FF2B5EF4-FFF2-40B4-BE49-F238E27FC236}">
+                <a16:creationId xmlns:a16="http://schemas.microsoft.com/office/drawing/2014/main" id="{5BE683FD-69A6-0889-A45B-C4CD0AD2426F}"/>
+              </a:ext>
+            </a:extLst>
+          </p:cNvPr>
+          <p:cNvPicPr>
+            <a:picLocks noChangeAspect="1"/>
+          </p:cNvPicPr>
+          <p:nvPr/>
+        </p:nvPicPr>
+        <p:blipFill>
+          <a:blip r:embed="rId3"/>
+          <a:stretch>
+            <a:fillRect/>
+          </a:stretch>
+        </p:blipFill>
+        <p:spPr>
+          <a:xfrm>
+            <a:off x="-60" y="655"/>
+            <a:ext cx="2895600" cy="2219325"/>
+          </a:xfrm>
+          <a:prstGeom prst="rect">
+            <a:avLst/>
+          </a:prstGeom>
+          <a:ln>
+            <a:noFill/>
+          </a:ln>
+        </p:spPr>
+      </p:pic>
     </p:spTree>
     <p:extLst>
       <p:ext uri="{BB962C8B-B14F-4D97-AF65-F5344CB8AC3E}">

--- a/BorsodNet.pptx
+++ b/BorsodNet.pptx
@@ -152,16 +152,607 @@
 <file path=ppt/revisionInfo.xml><?xml version="1.0" encoding="utf-8"?>
 <p1510:revInfo xmlns:a="http://schemas.openxmlformats.org/drawingml/2006/main" xmlns:r="http://schemas.openxmlformats.org/officeDocument/2006/relationships" xmlns:p1510="http://schemas.microsoft.com/office/powerpoint/2015/10/main">
   <p1510:revLst>
-    <p1510:client id="{14520C34-3973-AEF7-9FD3-07F122E92C4D}" v="254" dt="2025-03-03T10:06:26.522"/>
-    <p1510:client id="{200E0311-376F-BF2D-DD2F-CFA66653B402}" v="9" dt="2025-03-03T11:05:18.534"/>
-    <p1510:client id="{2AA57C14-3A64-00A8-AD32-C1D485DB9175}" v="419" dt="2025-03-03T08:27:39.020"/>
-    <p1510:client id="{82B49F11-5C3A-8549-5C06-D48C7E11207D}" v="699" dt="2025-03-03T08:58:39.164"/>
+    <p1510:client id="{7D9035FE-41C0-E025-4305-8A227E9B18C9}" v="318" dt="2025-03-12T10:54:25.660"/>
   </p1510:revLst>
 </p1510:revInfo>
 </file>
 
 <file path=ppt/changesInfos/changesInfo1.xml><?xml version="1.0" encoding="utf-8"?>
 <pc:chgInfo xmlns:a="http://schemas.openxmlformats.org/drawingml/2006/main" xmlns:r="http://schemas.openxmlformats.org/officeDocument/2006/relationships" xmlns:ac="http://schemas.microsoft.com/office/drawing/2013/main/command" xmlns:pc="http://schemas.microsoft.com/office/powerpoint/2013/main/command">
+  <pc:docChgLst>
+    <pc:chgData name="Kristóf Lajka" userId="5e6963896e59b084" providerId="Windows Live" clId="Web-{7D9035FE-41C0-E025-4305-8A227E9B18C9}"/>
+    <pc:docChg chg="modSld">
+      <pc:chgData name="Kristóf Lajka" userId="5e6963896e59b084" providerId="Windows Live" clId="Web-{7D9035FE-41C0-E025-4305-8A227E9B18C9}" dt="2025-03-12T10:54:24.535" v="203" actId="20577"/>
+      <pc:docMkLst>
+        <pc:docMk/>
+      </pc:docMkLst>
+      <pc:sldChg chg="addSp delSp modSp">
+        <pc:chgData name="Kristóf Lajka" userId="5e6963896e59b084" providerId="Windows Live" clId="Web-{7D9035FE-41C0-E025-4305-8A227E9B18C9}" dt="2025-03-12T10:40:53.600" v="4" actId="1076"/>
+        <pc:sldMkLst>
+          <pc:docMk/>
+          <pc:sldMk cId="280766078" sldId="259"/>
+        </pc:sldMkLst>
+        <pc:spChg chg="mod">
+          <ac:chgData name="Kristóf Lajka" userId="5e6963896e59b084" providerId="Windows Live" clId="Web-{7D9035FE-41C0-E025-4305-8A227E9B18C9}" dt="2025-03-12T10:40:53.600" v="4" actId="1076"/>
+          <ac:spMkLst>
+            <pc:docMk/>
+            <pc:sldMk cId="280766078" sldId="259"/>
+            <ac:spMk id="2" creationId="{949C163E-5A6C-C99F-38D2-6AF608301887}"/>
+          </ac:spMkLst>
+        </pc:spChg>
+        <pc:graphicFrameChg chg="mod">
+          <ac:chgData name="Kristóf Lajka" userId="5e6963896e59b084" providerId="Windows Live" clId="Web-{7D9035FE-41C0-E025-4305-8A227E9B18C9}" dt="2025-03-12T10:40:40.459" v="2" actId="1076"/>
+          <ac:graphicFrameMkLst>
+            <pc:docMk/>
+            <pc:sldMk cId="280766078" sldId="259"/>
+            <ac:graphicFrameMk id="8" creationId="{57BD3877-1494-77FD-5DCF-838AA688127B}"/>
+          </ac:graphicFrameMkLst>
+        </pc:graphicFrameChg>
+        <pc:picChg chg="add del mod">
+          <ac:chgData name="Kristóf Lajka" userId="5e6963896e59b084" providerId="Windows Live" clId="Web-{7D9035FE-41C0-E025-4305-8A227E9B18C9}" dt="2025-03-12T10:40:23.334" v="1"/>
+          <ac:picMkLst>
+            <pc:docMk/>
+            <pc:sldMk cId="280766078" sldId="259"/>
+            <ac:picMk id="3" creationId="{3F27E0AD-4590-D5D0-B18D-3663E2060681}"/>
+          </ac:picMkLst>
+        </pc:picChg>
+      </pc:sldChg>
+      <pc:sldChg chg="addSp delSp modSp">
+        <pc:chgData name="Kristóf Lajka" userId="5e6963896e59b084" providerId="Windows Live" clId="Web-{7D9035FE-41C0-E025-4305-8A227E9B18C9}" dt="2025-03-12T10:52:52.985" v="201" actId="20577"/>
+        <pc:sldMkLst>
+          <pc:docMk/>
+          <pc:sldMk cId="590870679" sldId="262"/>
+        </pc:sldMkLst>
+        <pc:spChg chg="del">
+          <ac:chgData name="Kristóf Lajka" userId="5e6963896e59b084" providerId="Windows Live" clId="Web-{7D9035FE-41C0-E025-4305-8A227E9B18C9}" dt="2025-03-12T10:49:44.010" v="130"/>
+          <ac:spMkLst>
+            <pc:docMk/>
+            <pc:sldMk cId="590870679" sldId="262"/>
+            <ac:spMk id="10" creationId="{84D44A4B-E27F-C00F-AB4D-DB201E684186}"/>
+          </ac:spMkLst>
+        </pc:spChg>
+        <pc:spChg chg="del">
+          <ac:chgData name="Kristóf Lajka" userId="5e6963896e59b084" providerId="Windows Live" clId="Web-{7D9035FE-41C0-E025-4305-8A227E9B18C9}" dt="2025-03-12T10:49:44.010" v="129"/>
+          <ac:spMkLst>
+            <pc:docMk/>
+            <pc:sldMk cId="590870679" sldId="262"/>
+            <ac:spMk id="11" creationId="{587D9C0F-A73A-F61E-9216-D8715154DC4D}"/>
+          </ac:spMkLst>
+        </pc:spChg>
+        <pc:spChg chg="add mod">
+          <ac:chgData name="Kristóf Lajka" userId="5e6963896e59b084" providerId="Windows Live" clId="Web-{7D9035FE-41C0-E025-4305-8A227E9B18C9}" dt="2025-03-12T10:52:04.109" v="156" actId="20577"/>
+          <ac:spMkLst>
+            <pc:docMk/>
+            <pc:sldMk cId="590870679" sldId="262"/>
+            <ac:spMk id="12" creationId="{31CBE573-8513-DE83-20BE-3238AC15D8B0}"/>
+          </ac:spMkLst>
+        </pc:spChg>
+        <pc:spChg chg="del">
+          <ac:chgData name="Kristóf Lajka" userId="5e6963896e59b084" providerId="Windows Live" clId="Web-{7D9035FE-41C0-E025-4305-8A227E9B18C9}" dt="2025-03-12T10:49:44.010" v="125"/>
+          <ac:spMkLst>
+            <pc:docMk/>
+            <pc:sldMk cId="590870679" sldId="262"/>
+            <ac:spMk id="14" creationId="{00000000-0000-0000-0000-000000000000}"/>
+          </ac:spMkLst>
+        </pc:spChg>
+        <pc:spChg chg="del">
+          <ac:chgData name="Kristóf Lajka" userId="5e6963896e59b084" providerId="Windows Live" clId="Web-{7D9035FE-41C0-E025-4305-8A227E9B18C9}" dt="2025-03-12T10:49:44.010" v="124"/>
+          <ac:spMkLst>
+            <pc:docMk/>
+            <pc:sldMk cId="590870679" sldId="262"/>
+            <ac:spMk id="15" creationId="{00000000-0000-0000-0000-000000000000}"/>
+          </ac:spMkLst>
+        </pc:spChg>
+        <pc:spChg chg="del">
+          <ac:chgData name="Kristóf Lajka" userId="5e6963896e59b084" providerId="Windows Live" clId="Web-{7D9035FE-41C0-E025-4305-8A227E9B18C9}" dt="2025-03-12T10:49:32.681" v="122"/>
+          <ac:spMkLst>
+            <pc:docMk/>
+            <pc:sldMk cId="590870679" sldId="262"/>
+            <ac:spMk id="16" creationId="{00000000-0000-0000-0000-000000000000}"/>
+          </ac:spMkLst>
+        </pc:spChg>
+        <pc:spChg chg="del">
+          <ac:chgData name="Kristóf Lajka" userId="5e6963896e59b084" providerId="Windows Live" clId="Web-{7D9035FE-41C0-E025-4305-8A227E9B18C9}" dt="2025-03-12T10:49:44.010" v="123"/>
+          <ac:spMkLst>
+            <pc:docMk/>
+            <pc:sldMk cId="590870679" sldId="262"/>
+            <ac:spMk id="17" creationId="{00000000-0000-0000-0000-000000000000}"/>
+          </ac:spMkLst>
+        </pc:spChg>
+        <pc:spChg chg="add mod">
+          <ac:chgData name="Kristóf Lajka" userId="5e6963896e59b084" providerId="Windows Live" clId="Web-{7D9035FE-41C0-E025-4305-8A227E9B18C9}" dt="2025-03-12T10:52:23.797" v="173" actId="1076"/>
+          <ac:spMkLst>
+            <pc:docMk/>
+            <pc:sldMk cId="590870679" sldId="262"/>
+            <ac:spMk id="18" creationId="{A614D6DF-656F-A8A8-0344-8C9DE830071E}"/>
+          </ac:spMkLst>
+        </pc:spChg>
+        <pc:spChg chg="add mod">
+          <ac:chgData name="Kristóf Lajka" userId="5e6963896e59b084" providerId="Windows Live" clId="Web-{7D9035FE-41C0-E025-4305-8A227E9B18C9}" dt="2025-03-12T10:52:40.938" v="191" actId="20577"/>
+          <ac:spMkLst>
+            <pc:docMk/>
+            <pc:sldMk cId="590870679" sldId="262"/>
+            <ac:spMk id="19" creationId="{85A87586-A8B4-D16A-A98E-0E4F4DC63080}"/>
+          </ac:spMkLst>
+        </pc:spChg>
+        <pc:spChg chg="add mod">
+          <ac:chgData name="Kristóf Lajka" userId="5e6963896e59b084" providerId="Windows Live" clId="Web-{7D9035FE-41C0-E025-4305-8A227E9B18C9}" dt="2025-03-12T10:52:52.985" v="201" actId="20577"/>
+          <ac:spMkLst>
+            <pc:docMk/>
+            <pc:sldMk cId="590870679" sldId="262"/>
+            <ac:spMk id="20" creationId="{B504728D-D55A-8056-C733-6F6E5580AC70}"/>
+          </ac:spMkLst>
+        </pc:spChg>
+        <pc:picChg chg="add mod">
+          <ac:chgData name="Kristóf Lajka" userId="5e6963896e59b084" providerId="Windows Live" clId="Web-{7D9035FE-41C0-E025-4305-8A227E9B18C9}" dt="2025-03-12T10:51:13.826" v="134" actId="1076"/>
+          <ac:picMkLst>
+            <pc:docMk/>
+            <pc:sldMk cId="590870679" sldId="262"/>
+            <ac:picMk id="3" creationId="{F4E82EDB-CB58-242E-1D63-A75724CDE164}"/>
+          </ac:picMkLst>
+        </pc:picChg>
+        <pc:picChg chg="add mod">
+          <ac:chgData name="Kristóf Lajka" userId="5e6963896e59b084" providerId="Windows Live" clId="Web-{7D9035FE-41C0-E025-4305-8A227E9B18C9}" dt="2025-03-12T10:51:30.592" v="136" actId="1076"/>
+          <ac:picMkLst>
+            <pc:docMk/>
+            <pc:sldMk cId="590870679" sldId="262"/>
+            <ac:picMk id="4" creationId="{98DFA00E-D078-DF0B-8581-6171CA8683C8}"/>
+          </ac:picMkLst>
+        </pc:picChg>
+        <pc:picChg chg="add mod">
+          <ac:chgData name="Kristóf Lajka" userId="5e6963896e59b084" providerId="Windows Live" clId="Web-{7D9035FE-41C0-E025-4305-8A227E9B18C9}" dt="2025-03-12T10:51:39.483" v="138" actId="1076"/>
+          <ac:picMkLst>
+            <pc:docMk/>
+            <pc:sldMk cId="590870679" sldId="262"/>
+            <ac:picMk id="5" creationId="{AB3B01A7-DDD5-58BF-CB8F-2218D62ACC28}"/>
+          </ac:picMkLst>
+        </pc:picChg>
+        <pc:picChg chg="del">
+          <ac:chgData name="Kristóf Lajka" userId="5e6963896e59b084" providerId="Windows Live" clId="Web-{7D9035FE-41C0-E025-4305-8A227E9B18C9}" dt="2025-03-12T10:49:44.010" v="128"/>
+          <ac:picMkLst>
+            <pc:docMk/>
+            <pc:sldMk cId="590870679" sldId="262"/>
+            <ac:picMk id="6" creationId="{00000000-0000-0000-0000-000000000000}"/>
+          </ac:picMkLst>
+        </pc:picChg>
+        <pc:picChg chg="del">
+          <ac:chgData name="Kristóf Lajka" userId="5e6963896e59b084" providerId="Windows Live" clId="Web-{7D9035FE-41C0-E025-4305-8A227E9B18C9}" dt="2025-03-12T10:49:28.759" v="121"/>
+          <ac:picMkLst>
+            <pc:docMk/>
+            <pc:sldMk cId="590870679" sldId="262"/>
+            <ac:picMk id="7" creationId="{00000000-0000-0000-0000-000000000000}"/>
+          </ac:picMkLst>
+        </pc:picChg>
+        <pc:picChg chg="add mod">
+          <ac:chgData name="Kristóf Lajka" userId="5e6963896e59b084" providerId="Windows Live" clId="Web-{7D9035FE-41C0-E025-4305-8A227E9B18C9}" dt="2025-03-12T10:51:47.139" v="140" actId="1076"/>
+          <ac:picMkLst>
+            <pc:docMk/>
+            <pc:sldMk cId="590870679" sldId="262"/>
+            <ac:picMk id="8" creationId="{6A0EC73D-CF8E-EF2D-C6DE-20F625ACFEC5}"/>
+          </ac:picMkLst>
+        </pc:picChg>
+        <pc:picChg chg="del">
+          <ac:chgData name="Kristóf Lajka" userId="5e6963896e59b084" providerId="Windows Live" clId="Web-{7D9035FE-41C0-E025-4305-8A227E9B18C9}" dt="2025-03-12T10:49:44.010" v="127"/>
+          <ac:picMkLst>
+            <pc:docMk/>
+            <pc:sldMk cId="590870679" sldId="262"/>
+            <ac:picMk id="9" creationId="{00000000-0000-0000-0000-000000000000}"/>
+          </ac:picMkLst>
+        </pc:picChg>
+        <pc:picChg chg="del">
+          <ac:chgData name="Kristóf Lajka" userId="5e6963896e59b084" providerId="Windows Live" clId="Web-{7D9035FE-41C0-E025-4305-8A227E9B18C9}" dt="2025-03-12T10:49:44.010" v="126"/>
+          <ac:picMkLst>
+            <pc:docMk/>
+            <pc:sldMk cId="590870679" sldId="262"/>
+            <ac:picMk id="13" creationId="{00000000-0000-0000-0000-000000000000}"/>
+          </ac:picMkLst>
+        </pc:picChg>
+      </pc:sldChg>
+      <pc:sldChg chg="addSp delSp modSp">
+        <pc:chgData name="Kristóf Lajka" userId="5e6963896e59b084" providerId="Windows Live" clId="Web-{7D9035FE-41C0-E025-4305-8A227E9B18C9}" dt="2025-03-12T10:46:51.426" v="96" actId="20577"/>
+        <pc:sldMkLst>
+          <pc:docMk/>
+          <pc:sldMk cId="1164550516" sldId="264"/>
+        </pc:sldMkLst>
+        <pc:spChg chg="add del mod">
+          <ac:chgData name="Kristóf Lajka" userId="5e6963896e59b084" providerId="Windows Live" clId="Web-{7D9035FE-41C0-E025-4305-8A227E9B18C9}" dt="2025-03-12T10:45:25.782" v="70"/>
+          <ac:spMkLst>
+            <pc:docMk/>
+            <pc:sldMk cId="1164550516" sldId="264"/>
+            <ac:spMk id="4" creationId="{C0125F22-E8F2-D4C4-8056-A8FBB95FAA1E}"/>
+          </ac:spMkLst>
+        </pc:spChg>
+        <pc:spChg chg="add mod">
+          <ac:chgData name="Kristóf Lajka" userId="5e6963896e59b084" providerId="Windows Live" clId="Web-{7D9035FE-41C0-E025-4305-8A227E9B18C9}" dt="2025-03-12T10:46:40.660" v="90" actId="20577"/>
+          <ac:spMkLst>
+            <pc:docMk/>
+            <pc:sldMk cId="1164550516" sldId="264"/>
+            <ac:spMk id="9" creationId="{6756BDFE-CA98-847F-7F34-2021040CD922}"/>
+          </ac:spMkLst>
+        </pc:spChg>
+        <pc:spChg chg="add mod">
+          <ac:chgData name="Kristóf Lajka" userId="5e6963896e59b084" providerId="Windows Live" clId="Web-{7D9035FE-41C0-E025-4305-8A227E9B18C9}" dt="2025-03-12T10:46:51.426" v="96" actId="20577"/>
+          <ac:spMkLst>
+            <pc:docMk/>
+            <pc:sldMk cId="1164550516" sldId="264"/>
+            <ac:spMk id="10" creationId="{5CF803F1-DEBC-53A7-5C1A-AD4D4308CFDC}"/>
+          </ac:spMkLst>
+        </pc:spChg>
+        <pc:picChg chg="del">
+          <ac:chgData name="Kristóf Lajka" userId="5e6963896e59b084" providerId="Windows Live" clId="Web-{7D9035FE-41C0-E025-4305-8A227E9B18C9}" dt="2025-03-12T10:45:28.735" v="71"/>
+          <ac:picMkLst>
+            <pc:docMk/>
+            <pc:sldMk cId="1164550516" sldId="264"/>
+            <ac:picMk id="5" creationId="{00000000-0000-0000-0000-000000000000}"/>
+          </ac:picMkLst>
+        </pc:picChg>
+        <pc:picChg chg="add mod">
+          <ac:chgData name="Kristóf Lajka" userId="5e6963896e59b084" providerId="Windows Live" clId="Web-{7D9035FE-41C0-E025-4305-8A227E9B18C9}" dt="2025-03-12T10:46:26.300" v="85" actId="1076"/>
+          <ac:picMkLst>
+            <pc:docMk/>
+            <pc:sldMk cId="1164550516" sldId="264"/>
+            <ac:picMk id="6" creationId="{0CE04A7B-39CA-0C55-A194-E64639AAED13}"/>
+          </ac:picMkLst>
+        </pc:picChg>
+        <pc:picChg chg="del">
+          <ac:chgData name="Kristóf Lajka" userId="5e6963896e59b084" providerId="Windows Live" clId="Web-{7D9035FE-41C0-E025-4305-8A227E9B18C9}" dt="2025-03-12T10:45:20.422" v="69"/>
+          <ac:picMkLst>
+            <pc:docMk/>
+            <pc:sldMk cId="1164550516" sldId="264"/>
+            <ac:picMk id="7" creationId="{00000000-0000-0000-0000-000000000000}"/>
+          </ac:picMkLst>
+        </pc:picChg>
+        <pc:picChg chg="add mod">
+          <ac:chgData name="Kristóf Lajka" userId="5e6963896e59b084" providerId="Windows Live" clId="Web-{7D9035FE-41C0-E025-4305-8A227E9B18C9}" dt="2025-03-12T10:46:17.706" v="84" actId="1076"/>
+          <ac:picMkLst>
+            <pc:docMk/>
+            <pc:sldMk cId="1164550516" sldId="264"/>
+            <ac:picMk id="8" creationId="{7400E651-B61D-5CBA-7E23-76A235EAF73B}"/>
+          </ac:picMkLst>
+        </pc:picChg>
+      </pc:sldChg>
+      <pc:sldChg chg="addSp delSp modSp">
+        <pc:chgData name="Kristóf Lajka" userId="5e6963896e59b084" providerId="Windows Live" clId="Web-{7D9035FE-41C0-E025-4305-8A227E9B18C9}" dt="2025-03-12T10:49:05.977" v="120" actId="1076"/>
+        <pc:sldMkLst>
+          <pc:docMk/>
+          <pc:sldMk cId="2015113315" sldId="265"/>
+        </pc:sldMkLst>
+        <pc:spChg chg="add del mod">
+          <ac:chgData name="Kristóf Lajka" userId="5e6963896e59b084" providerId="Windows Live" clId="Web-{7D9035FE-41C0-E025-4305-8A227E9B18C9}" dt="2025-03-12T10:47:16.552" v="101"/>
+          <ac:spMkLst>
+            <pc:docMk/>
+            <pc:sldMk cId="2015113315" sldId="265"/>
+            <ac:spMk id="7" creationId="{DE273FD5-5D40-224C-3B03-736D60165829}"/>
+          </ac:spMkLst>
+        </pc:spChg>
+        <pc:spChg chg="add mod">
+          <ac:chgData name="Kristóf Lajka" userId="5e6963896e59b084" providerId="Windows Live" clId="Web-{7D9035FE-41C0-E025-4305-8A227E9B18C9}" dt="2025-03-12T10:47:46.349" v="107" actId="20577"/>
+          <ac:spMkLst>
+            <pc:docMk/>
+            <pc:sldMk cId="2015113315" sldId="265"/>
+            <ac:spMk id="9" creationId="{69A2943B-6BB4-7F22-9F16-CF8871446020}"/>
+          </ac:spMkLst>
+        </pc:spChg>
+        <pc:picChg chg="del">
+          <ac:chgData name="Kristóf Lajka" userId="5e6963896e59b084" providerId="Windows Live" clId="Web-{7D9035FE-41C0-E025-4305-8A227E9B18C9}" dt="2025-03-12T10:46:58.598" v="97"/>
+          <ac:picMkLst>
+            <pc:docMk/>
+            <pc:sldMk cId="2015113315" sldId="265"/>
+            <ac:picMk id="3" creationId="{00000000-0000-0000-0000-000000000000}"/>
+          </ac:picMkLst>
+        </pc:picChg>
+        <pc:picChg chg="del">
+          <ac:chgData name="Kristóf Lajka" userId="5e6963896e59b084" providerId="Windows Live" clId="Web-{7D9035FE-41C0-E025-4305-8A227E9B18C9}" dt="2025-03-12T10:47:18.927" v="102"/>
+          <ac:picMkLst>
+            <pc:docMk/>
+            <pc:sldMk cId="2015113315" sldId="265"/>
+            <ac:picMk id="4" creationId="{00000000-0000-0000-0000-000000000000}"/>
+          </ac:picMkLst>
+        </pc:picChg>
+        <pc:picChg chg="del">
+          <ac:chgData name="Kristóf Lajka" userId="5e6963896e59b084" providerId="Windows Live" clId="Web-{7D9035FE-41C0-E025-4305-8A227E9B18C9}" dt="2025-03-12T10:47:08.754" v="100"/>
+          <ac:picMkLst>
+            <pc:docMk/>
+            <pc:sldMk cId="2015113315" sldId="265"/>
+            <ac:picMk id="5" creationId="{00000000-0000-0000-0000-000000000000}"/>
+          </ac:picMkLst>
+        </pc:picChg>
+        <pc:picChg chg="add mod">
+          <ac:chgData name="Kristóf Lajka" userId="5e6963896e59b084" providerId="Windows Live" clId="Web-{7D9035FE-41C0-E025-4305-8A227E9B18C9}" dt="2025-03-12T10:48:42.117" v="115" actId="1076"/>
+          <ac:picMkLst>
+            <pc:docMk/>
+            <pc:sldMk cId="2015113315" sldId="265"/>
+            <ac:picMk id="8" creationId="{1D95BAE3-5034-7C3B-755C-C0B2D3E70A96}"/>
+          </ac:picMkLst>
+        </pc:picChg>
+        <pc:picChg chg="add mod">
+          <ac:chgData name="Kristóf Lajka" userId="5e6963896e59b084" providerId="Windows Live" clId="Web-{7D9035FE-41C0-E025-4305-8A227E9B18C9}" dt="2025-03-12T10:48:46.195" v="117" actId="1076"/>
+          <ac:picMkLst>
+            <pc:docMk/>
+            <pc:sldMk cId="2015113315" sldId="265"/>
+            <ac:picMk id="10" creationId="{C01ED7CC-5BCE-001F-04F3-0BA78237ADFF}"/>
+          </ac:picMkLst>
+        </pc:picChg>
+        <pc:picChg chg="add mod">
+          <ac:chgData name="Kristóf Lajka" userId="5e6963896e59b084" providerId="Windows Live" clId="Web-{7D9035FE-41C0-E025-4305-8A227E9B18C9}" dt="2025-03-12T10:48:48.742" v="118" actId="1076"/>
+          <ac:picMkLst>
+            <pc:docMk/>
+            <pc:sldMk cId="2015113315" sldId="265"/>
+            <ac:picMk id="11" creationId="{B060F405-5ED9-5F7E-B03C-C0A586C676D0}"/>
+          </ac:picMkLst>
+        </pc:picChg>
+        <pc:picChg chg="add mod">
+          <ac:chgData name="Kristóf Lajka" userId="5e6963896e59b084" providerId="Windows Live" clId="Web-{7D9035FE-41C0-E025-4305-8A227E9B18C9}" dt="2025-03-12T10:49:05.977" v="120" actId="1076"/>
+          <ac:picMkLst>
+            <pc:docMk/>
+            <pc:sldMk cId="2015113315" sldId="265"/>
+            <ac:picMk id="12" creationId="{37665D6D-BA95-3AC9-F37E-4089A337290B}"/>
+          </ac:picMkLst>
+        </pc:picChg>
+        <pc:picChg chg="del">
+          <ac:chgData name="Kristóf Lajka" userId="5e6963896e59b084" providerId="Windows Live" clId="Web-{7D9035FE-41C0-E025-4305-8A227E9B18C9}" dt="2025-03-12T10:47:05.723" v="99"/>
+          <ac:picMkLst>
+            <pc:docMk/>
+            <pc:sldMk cId="2015113315" sldId="265"/>
+            <ac:picMk id="13" creationId="{00000000-0000-0000-0000-000000000000}"/>
+          </ac:picMkLst>
+        </pc:picChg>
+        <pc:picChg chg="del">
+          <ac:chgData name="Kristóf Lajka" userId="5e6963896e59b084" providerId="Windows Live" clId="Web-{7D9035FE-41C0-E025-4305-8A227E9B18C9}" dt="2025-03-12T10:47:02.160" v="98"/>
+          <ac:picMkLst>
+            <pc:docMk/>
+            <pc:sldMk cId="2015113315" sldId="265"/>
+            <ac:picMk id="14" creationId="{00000000-0000-0000-0000-000000000000}"/>
+          </ac:picMkLst>
+        </pc:picChg>
+      </pc:sldChg>
+      <pc:sldChg chg="addSp delSp modSp">
+        <pc:chgData name="Kristóf Lajka" userId="5e6963896e59b084" providerId="Windows Live" clId="Web-{7D9035FE-41C0-E025-4305-8A227E9B18C9}" dt="2025-03-12T10:44:59.109" v="68" actId="20577"/>
+        <pc:sldMkLst>
+          <pc:docMk/>
+          <pc:sldMk cId="263871110" sldId="274"/>
+        </pc:sldMkLst>
+        <pc:spChg chg="mod">
+          <ac:chgData name="Kristóf Lajka" userId="5e6963896e59b084" providerId="Windows Live" clId="Web-{7D9035FE-41C0-E025-4305-8A227E9B18C9}" dt="2025-03-12T10:44:05.764" v="47" actId="14100"/>
+          <ac:spMkLst>
+            <pc:docMk/>
+            <pc:sldMk cId="263871110" sldId="274"/>
+            <ac:spMk id="4" creationId="{00000000-0000-0000-0000-000000000000}"/>
+          </ac:spMkLst>
+        </pc:spChg>
+        <pc:spChg chg="mod">
+          <ac:chgData name="Kristóf Lajka" userId="5e6963896e59b084" providerId="Windows Live" clId="Web-{7D9035FE-41C0-E025-4305-8A227E9B18C9}" dt="2025-03-12T10:44:59.109" v="68" actId="20577"/>
+          <ac:spMkLst>
+            <pc:docMk/>
+            <pc:sldMk cId="263871110" sldId="274"/>
+            <ac:spMk id="5" creationId="{061CDD4A-897E-440E-CB45-70C89985EE10}"/>
+          </ac:spMkLst>
+        </pc:spChg>
+        <pc:spChg chg="mod">
+          <ac:chgData name="Kristóf Lajka" userId="5e6963896e59b084" providerId="Windows Live" clId="Web-{7D9035FE-41C0-E025-4305-8A227E9B18C9}" dt="2025-03-12T10:44:51.984" v="62" actId="20577"/>
+          <ac:spMkLst>
+            <pc:docMk/>
+            <pc:sldMk cId="263871110" sldId="274"/>
+            <ac:spMk id="7" creationId="{76F60A54-300A-ACA9-6AC4-80133601EA2C}"/>
+          </ac:spMkLst>
+        </pc:spChg>
+        <pc:spChg chg="add del mod">
+          <ac:chgData name="Kristóf Lajka" userId="5e6963896e59b084" providerId="Windows Live" clId="Web-{7D9035FE-41C0-E025-4305-8A227E9B18C9}" dt="2025-03-12T10:43:53.919" v="45"/>
+          <ac:spMkLst>
+            <pc:docMk/>
+            <pc:sldMk cId="263871110" sldId="274"/>
+            <ac:spMk id="12" creationId="{D511C55C-1816-68F4-69ED-A0AA12A48D05}"/>
+          </ac:spMkLst>
+        </pc:spChg>
+        <pc:picChg chg="add mod ord">
+          <ac:chgData name="Kristóf Lajka" userId="5e6963896e59b084" providerId="Windows Live" clId="Web-{7D9035FE-41C0-E025-4305-8A227E9B18C9}" dt="2025-03-12T10:43:32.919" v="42"/>
+          <ac:picMkLst>
+            <pc:docMk/>
+            <pc:sldMk cId="263871110" sldId="274"/>
+            <ac:picMk id="8" creationId="{3B66ECD0-2826-D138-BB2B-8F0A7D36DD31}"/>
+          </ac:picMkLst>
+        </pc:picChg>
+        <pc:picChg chg="del">
+          <ac:chgData name="Kristóf Lajka" userId="5e6963896e59b084" providerId="Windows Live" clId="Web-{7D9035FE-41C0-E025-4305-8A227E9B18C9}" dt="2025-03-12T10:43:47.341" v="44"/>
+          <ac:picMkLst>
+            <pc:docMk/>
+            <pc:sldMk cId="263871110" sldId="274"/>
+            <ac:picMk id="9" creationId="{00000000-0000-0000-0000-000000000000}"/>
+          </ac:picMkLst>
+        </pc:picChg>
+        <pc:picChg chg="del">
+          <ac:chgData name="Kristóf Lajka" userId="5e6963896e59b084" providerId="Windows Live" clId="Web-{7D9035FE-41C0-E025-4305-8A227E9B18C9}" dt="2025-03-12T10:42:46.542" v="36"/>
+          <ac:picMkLst>
+            <pc:docMk/>
+            <pc:sldMk cId="263871110" sldId="274"/>
+            <ac:picMk id="11" creationId="{00000000-0000-0000-0000-000000000000}"/>
+          </ac:picMkLst>
+        </pc:picChg>
+        <pc:picChg chg="add mod ord">
+          <ac:chgData name="Kristóf Lajka" userId="5e6963896e59b084" providerId="Windows Live" clId="Web-{7D9035FE-41C0-E025-4305-8A227E9B18C9}" dt="2025-03-12T10:44:40.655" v="54" actId="14100"/>
+          <ac:picMkLst>
+            <pc:docMk/>
+            <pc:sldMk cId="263871110" sldId="274"/>
+            <ac:picMk id="13" creationId="{9B31AAEE-7AD5-1C02-D66E-5AB5D265FDCF}"/>
+          </ac:picMkLst>
+        </pc:picChg>
+      </pc:sldChg>
+      <pc:sldChg chg="addSp delSp modSp">
+        <pc:chgData name="Kristóf Lajka" userId="5e6963896e59b084" providerId="Windows Live" clId="Web-{7D9035FE-41C0-E025-4305-8A227E9B18C9}" dt="2025-03-12T10:42:30.885" v="35"/>
+        <pc:sldMkLst>
+          <pc:docMk/>
+          <pc:sldMk cId="1225385382" sldId="286"/>
+        </pc:sldMkLst>
+        <pc:spChg chg="del">
+          <ac:chgData name="Kristóf Lajka" userId="5e6963896e59b084" providerId="Windows Live" clId="Web-{7D9035FE-41C0-E025-4305-8A227E9B18C9}" dt="2025-03-12T10:41:11.132" v="6"/>
+          <ac:spMkLst>
+            <pc:docMk/>
+            <pc:sldMk cId="1225385382" sldId="286"/>
+            <ac:spMk id="2" creationId="{00000000-0000-0000-0000-000000000000}"/>
+          </ac:spMkLst>
+        </pc:spChg>
+        <pc:spChg chg="del">
+          <ac:chgData name="Kristóf Lajka" userId="5e6963896e59b084" providerId="Windows Live" clId="Web-{7D9035FE-41C0-E025-4305-8A227E9B18C9}" dt="2025-03-12T10:41:17.476" v="7"/>
+          <ac:spMkLst>
+            <pc:docMk/>
+            <pc:sldMk cId="1225385382" sldId="286"/>
+            <ac:spMk id="3" creationId="{00000000-0000-0000-0000-000000000000}"/>
+          </ac:spMkLst>
+        </pc:spChg>
+        <pc:spChg chg="del">
+          <ac:chgData name="Kristóf Lajka" userId="5e6963896e59b084" providerId="Windows Live" clId="Web-{7D9035FE-41C0-E025-4305-8A227E9B18C9}" dt="2025-03-12T10:41:41.024" v="11"/>
+          <ac:spMkLst>
+            <pc:docMk/>
+            <pc:sldMk cId="1225385382" sldId="286"/>
+            <ac:spMk id="5" creationId="{00000000-0000-0000-0000-000000000000}"/>
+          </ac:spMkLst>
+        </pc:spChg>
+        <pc:spChg chg="del">
+          <ac:chgData name="Kristóf Lajka" userId="5e6963896e59b084" providerId="Windows Live" clId="Web-{7D9035FE-41C0-E025-4305-8A227E9B18C9}" dt="2025-03-12T10:41:17.476" v="9"/>
+          <ac:spMkLst>
+            <pc:docMk/>
+            <pc:sldMk cId="1225385382" sldId="286"/>
+            <ac:spMk id="6" creationId="{00000000-0000-0000-0000-000000000000}"/>
+          </ac:spMkLst>
+        </pc:spChg>
+        <pc:spChg chg="add del mod">
+          <ac:chgData name="Kristóf Lajka" userId="5e6963896e59b084" providerId="Windows Live" clId="Web-{7D9035FE-41C0-E025-4305-8A227E9B18C9}" dt="2025-03-12T10:41:34.852" v="10"/>
+          <ac:spMkLst>
+            <pc:docMk/>
+            <pc:sldMk cId="1225385382" sldId="286"/>
+            <ac:spMk id="9" creationId="{6335A133-E6F5-9D54-CFEE-E1F82E43AF77}"/>
+          </ac:spMkLst>
+        </pc:spChg>
+        <pc:picChg chg="del">
+          <ac:chgData name="Kristóf Lajka" userId="5e6963896e59b084" providerId="Windows Live" clId="Web-{7D9035FE-41C0-E025-4305-8A227E9B18C9}" dt="2025-03-12T10:41:02.679" v="5"/>
+          <ac:picMkLst>
+            <pc:docMk/>
+            <pc:sldMk cId="1225385382" sldId="286"/>
+            <ac:picMk id="4" creationId="{00000000-0000-0000-0000-000000000000}"/>
+          </ac:picMkLst>
+        </pc:picChg>
+        <pc:picChg chg="del">
+          <ac:chgData name="Kristóf Lajka" userId="5e6963896e59b084" providerId="Windows Live" clId="Web-{7D9035FE-41C0-E025-4305-8A227E9B18C9}" dt="2025-03-12T10:41:17.476" v="8"/>
+          <ac:picMkLst>
+            <pc:docMk/>
+            <pc:sldMk cId="1225385382" sldId="286"/>
+            <ac:picMk id="7" creationId="{00000000-0000-0000-0000-000000000000}"/>
+          </ac:picMkLst>
+        </pc:picChg>
+        <pc:picChg chg="add del mod">
+          <ac:chgData name="Kristóf Lajka" userId="5e6963896e59b084" providerId="Windows Live" clId="Web-{7D9035FE-41C0-E025-4305-8A227E9B18C9}" dt="2025-03-12T10:41:58.868" v="13"/>
+          <ac:picMkLst>
+            <pc:docMk/>
+            <pc:sldMk cId="1225385382" sldId="286"/>
+            <ac:picMk id="10" creationId="{6ADCBAC6-9FEF-7BFC-A0FA-AB1FDB7F8741}"/>
+          </ac:picMkLst>
+        </pc:picChg>
+        <pc:picChg chg="add del mod">
+          <ac:chgData name="Kristóf Lajka" userId="5e6963896e59b084" providerId="Windows Live" clId="Web-{7D9035FE-41C0-E025-4305-8A227E9B18C9}" dt="2025-03-12T10:42:30.885" v="35"/>
+          <ac:picMkLst>
+            <pc:docMk/>
+            <pc:sldMk cId="1225385382" sldId="286"/>
+            <ac:picMk id="11" creationId="{D729B4D9-2FBF-C1C5-27C0-63524A99D190}"/>
+          </ac:picMkLst>
+        </pc:picChg>
+        <pc:picChg chg="add del mod">
+          <ac:chgData name="Kristóf Lajka" userId="5e6963896e59b084" providerId="Windows Live" clId="Web-{7D9035FE-41C0-E025-4305-8A227E9B18C9}" dt="2025-03-12T10:42:29.057" v="34"/>
+          <ac:picMkLst>
+            <pc:docMk/>
+            <pc:sldMk cId="1225385382" sldId="286"/>
+            <ac:picMk id="12" creationId="{9E649CE9-9254-BA2B-2874-FED671E5213B}"/>
+          </ac:picMkLst>
+        </pc:picChg>
+        <pc:picChg chg="add del mod">
+          <ac:chgData name="Kristóf Lajka" userId="5e6963896e59b084" providerId="Windows Live" clId="Web-{7D9035FE-41C0-E025-4305-8A227E9B18C9}" dt="2025-03-12T10:42:27.104" v="33"/>
+          <ac:picMkLst>
+            <pc:docMk/>
+            <pc:sldMk cId="1225385382" sldId="286"/>
+            <ac:picMk id="13" creationId="{A917EDF5-43C0-C6B7-2026-BDD8F9E28689}"/>
+          </ac:picMkLst>
+        </pc:picChg>
+        <pc:picChg chg="add del mod">
+          <ac:chgData name="Kristóf Lajka" userId="5e6963896e59b084" providerId="Windows Live" clId="Web-{7D9035FE-41C0-E025-4305-8A227E9B18C9}" dt="2025-03-12T10:42:25.588" v="32"/>
+          <ac:picMkLst>
+            <pc:docMk/>
+            <pc:sldMk cId="1225385382" sldId="286"/>
+            <ac:picMk id="14" creationId="{4FA9A820-8323-4606-04E2-C6DA9E52297C}"/>
+          </ac:picMkLst>
+        </pc:picChg>
+        <pc:picChg chg="add del mod">
+          <ac:chgData name="Kristóf Lajka" userId="5e6963896e59b084" providerId="Windows Live" clId="Web-{7D9035FE-41C0-E025-4305-8A227E9B18C9}" dt="2025-03-12T10:42:23.744" v="31"/>
+          <ac:picMkLst>
+            <pc:docMk/>
+            <pc:sldMk cId="1225385382" sldId="286"/>
+            <ac:picMk id="15" creationId="{61556112-ADA7-2A15-B0C4-71CF3B31570A}"/>
+          </ac:picMkLst>
+        </pc:picChg>
+        <pc:picChg chg="add del mod">
+          <ac:chgData name="Kristóf Lajka" userId="5e6963896e59b084" providerId="Windows Live" clId="Web-{7D9035FE-41C0-E025-4305-8A227E9B18C9}" dt="2025-03-12T10:42:21.713" v="30"/>
+          <ac:picMkLst>
+            <pc:docMk/>
+            <pc:sldMk cId="1225385382" sldId="286"/>
+            <ac:picMk id="16" creationId="{AAE90455-FCA6-5036-839A-CF563B4DEEE6}"/>
+          </ac:picMkLst>
+        </pc:picChg>
+        <pc:picChg chg="add del mod">
+          <ac:chgData name="Kristóf Lajka" userId="5e6963896e59b084" providerId="Windows Live" clId="Web-{7D9035FE-41C0-E025-4305-8A227E9B18C9}" dt="2025-03-12T10:42:19.041" v="29"/>
+          <ac:picMkLst>
+            <pc:docMk/>
+            <pc:sldMk cId="1225385382" sldId="286"/>
+            <ac:picMk id="17" creationId="{AA20F774-5205-2412-8BBD-1CDE60D12BF4}"/>
+          </ac:picMkLst>
+        </pc:picChg>
+        <pc:picChg chg="add del mod">
+          <ac:chgData name="Kristóf Lajka" userId="5e6963896e59b084" providerId="Windows Live" clId="Web-{7D9035FE-41C0-E025-4305-8A227E9B18C9}" dt="2025-03-12T10:42:16.728" v="28"/>
+          <ac:picMkLst>
+            <pc:docMk/>
+            <pc:sldMk cId="1225385382" sldId="286"/>
+            <ac:picMk id="18" creationId="{67D9BE3F-E802-57D3-3E36-90B1D969F72A}"/>
+          </ac:picMkLst>
+        </pc:picChg>
+        <pc:picChg chg="add del mod">
+          <ac:chgData name="Kristóf Lajka" userId="5e6963896e59b084" providerId="Windows Live" clId="Web-{7D9035FE-41C0-E025-4305-8A227E9B18C9}" dt="2025-03-12T10:42:12.728" v="27"/>
+          <ac:picMkLst>
+            <pc:docMk/>
+            <pc:sldMk cId="1225385382" sldId="286"/>
+            <ac:picMk id="19" creationId="{77CAB95E-E250-1D14-9FAA-BCC3CE5AC08E}"/>
+          </ac:picMkLst>
+        </pc:picChg>
+        <pc:picChg chg="add del mod">
+          <ac:chgData name="Kristóf Lajka" userId="5e6963896e59b084" providerId="Windows Live" clId="Web-{7D9035FE-41C0-E025-4305-8A227E9B18C9}" dt="2025-03-12T10:42:09.259" v="26"/>
+          <ac:picMkLst>
+            <pc:docMk/>
+            <pc:sldMk cId="1225385382" sldId="286"/>
+            <ac:picMk id="20" creationId="{C104379F-796B-9C02-9D60-F9C827321EC9}"/>
+          </ac:picMkLst>
+        </pc:picChg>
+        <pc:picChg chg="add del mod">
+          <ac:chgData name="Kristóf Lajka" userId="5e6963896e59b084" providerId="Windows Live" clId="Web-{7D9035FE-41C0-E025-4305-8A227E9B18C9}" dt="2025-03-12T10:42:06.806" v="25"/>
+          <ac:picMkLst>
+            <pc:docMk/>
+            <pc:sldMk cId="1225385382" sldId="286"/>
+            <ac:picMk id="21" creationId="{4D4CA189-0590-FD48-D369-396FCDA02E1F}"/>
+          </ac:picMkLst>
+        </pc:picChg>
+      </pc:sldChg>
+      <pc:sldChg chg="modSp">
+        <pc:chgData name="Kristóf Lajka" userId="5e6963896e59b084" providerId="Windows Live" clId="Web-{7D9035FE-41C0-E025-4305-8A227E9B18C9}" dt="2025-03-12T10:54:24.535" v="203" actId="20577"/>
+        <pc:sldMkLst>
+          <pc:docMk/>
+          <pc:sldMk cId="1670723877" sldId="292"/>
+        </pc:sldMkLst>
+        <pc:spChg chg="mod">
+          <ac:chgData name="Kristóf Lajka" userId="5e6963896e59b084" providerId="Windows Live" clId="Web-{7D9035FE-41C0-E025-4305-8A227E9B18C9}" dt="2025-03-12T10:54:24.535" v="203" actId="20577"/>
+          <ac:spMkLst>
+            <pc:docMk/>
+            <pc:sldMk cId="1670723877" sldId="292"/>
+            <ac:spMk id="2" creationId="{00000000-0000-0000-0000-000000000000}"/>
+          </ac:spMkLst>
+        </pc:spChg>
+      </pc:sldChg>
+    </pc:docChg>
+  </pc:docChgLst>
   <pc:docChgLst>
     <pc:chgData name="Kristóf Lajka" userId="5e6963896e59b084" providerId="Windows Live" clId="Web-{276793A2-DAAA-5195-7BFA-1DB080F0A86C}"/>
     <pc:docChg chg="modSld">
@@ -3680,7 +4271,7 @@
           <a:p>
             <a:fld id="{4AAD347D-5ACD-4C99-B74B-A9C85AD731AF}" type="datetimeFigureOut">
               <a:rPr lang="en-US" dirty="0"/>
-              <a:t>3/3/2025</a:t>
+              <a:t>3/12/2025</a:t>
             </a:fld>
             <a:endParaRPr lang="en-US" dirty="0"/>
           </a:p>
@@ -3950,7 +4541,7 @@
           <a:p>
             <a:fld id="{4509A250-FF31-4206-8172-F9D3106AACB1}" type="datetimeFigureOut">
               <a:rPr lang="en-US" dirty="0"/>
-              <a:t>3/3/2025</a:t>
+              <a:t>3/12/2025</a:t>
             </a:fld>
             <a:endParaRPr lang="en-US" dirty="0"/>
           </a:p>
@@ -4143,7 +4734,7 @@
           <a:p>
             <a:fld id="{4509A250-FF31-4206-8172-F9D3106AACB1}" type="datetimeFigureOut">
               <a:rPr lang="en-US" dirty="0"/>
-              <a:t>3/3/2025</a:t>
+              <a:t>3/12/2025</a:t>
             </a:fld>
             <a:endParaRPr lang="en-US" dirty="0"/>
           </a:p>
@@ -4410,7 +5001,7 @@
           <a:p>
             <a:fld id="{4509A250-FF31-4206-8172-F9D3106AACB1}" type="datetimeFigureOut">
               <a:rPr lang="en-US" dirty="0"/>
-              <a:t>3/3/2025</a:t>
+              <a:t>3/12/2025</a:t>
             </a:fld>
             <a:endParaRPr lang="en-US" dirty="0"/>
           </a:p>
@@ -4741,7 +5332,7 @@
           <a:p>
             <a:fld id="{4509A250-FF31-4206-8172-F9D3106AACB1}" type="datetimeFigureOut">
               <a:rPr lang="en-US" dirty="0"/>
-              <a:t>3/3/2025</a:t>
+              <a:t>3/12/2025</a:t>
             </a:fld>
             <a:endParaRPr lang="en-US" dirty="0"/>
           </a:p>
@@ -5350,7 +5941,7 @@
           <a:p>
             <a:fld id="{4509A250-FF31-4206-8172-F9D3106AACB1}" type="datetimeFigureOut">
               <a:rPr lang="en-US" dirty="0"/>
-              <a:t>3/3/2025</a:t>
+              <a:t>3/12/2025</a:t>
             </a:fld>
             <a:endParaRPr lang="en-US" dirty="0"/>
           </a:p>
@@ -6184,7 +6775,7 @@
           <a:p>
             <a:fld id="{4509A250-FF31-4206-8172-F9D3106AACB1}" type="datetimeFigureOut">
               <a:rPr lang="en-US" dirty="0"/>
-              <a:t>3/3/2025</a:t>
+              <a:t>3/12/2025</a:t>
             </a:fld>
             <a:endParaRPr lang="en-US" dirty="0"/>
           </a:p>
@@ -6352,7 +6943,7 @@
           <a:p>
             <a:fld id="{4509A250-FF31-4206-8172-F9D3106AACB1}" type="datetimeFigureOut">
               <a:rPr lang="en-US" dirty="0"/>
-              <a:t>3/3/2025</a:t>
+              <a:t>3/12/2025</a:t>
             </a:fld>
             <a:endParaRPr lang="en-US" dirty="0"/>
           </a:p>
@@ -6530,7 +7121,7 @@
           <a:p>
             <a:fld id="{4509A250-FF31-4206-8172-F9D3106AACB1}" type="datetimeFigureOut">
               <a:rPr lang="en-US" dirty="0"/>
-              <a:t>3/3/2025</a:t>
+              <a:t>3/12/2025</a:t>
             </a:fld>
             <a:endParaRPr lang="en-US" dirty="0"/>
           </a:p>
@@ -6698,7 +7289,7 @@
           <a:p>
             <a:fld id="{4509A250-FF31-4206-8172-F9D3106AACB1}" type="datetimeFigureOut">
               <a:rPr lang="en-US" dirty="0"/>
-              <a:t>3/3/2025</a:t>
+              <a:t>3/12/2025</a:t>
             </a:fld>
             <a:endParaRPr lang="en-US" dirty="0"/>
           </a:p>
@@ -6941,7 +7532,7 @@
           <a:p>
             <a:fld id="{9796027F-7875-4030-9381-8BD8C4F21935}" type="datetimeFigureOut">
               <a:rPr lang="en-US" dirty="0"/>
-              <a:t>3/3/2025</a:t>
+              <a:t>3/12/2025</a:t>
             </a:fld>
             <a:endParaRPr lang="en-US" dirty="0"/>
           </a:p>
@@ -7230,7 +7821,7 @@
           <a:p>
             <a:fld id="{9796027F-7875-4030-9381-8BD8C4F21935}" type="datetimeFigureOut">
               <a:rPr lang="en-US" dirty="0"/>
-              <a:t>3/3/2025</a:t>
+              <a:t>3/12/2025</a:t>
             </a:fld>
             <a:endParaRPr lang="en-US" dirty="0"/>
           </a:p>
@@ -7665,7 +8256,7 @@
           <a:p>
             <a:fld id="{9796027F-7875-4030-9381-8BD8C4F21935}" type="datetimeFigureOut">
               <a:rPr lang="en-US" dirty="0"/>
-              <a:t>3/3/2025</a:t>
+              <a:t>3/12/2025</a:t>
             </a:fld>
             <a:endParaRPr lang="en-US" dirty="0"/>
           </a:p>
@@ -7782,7 +8373,7 @@
           <a:p>
             <a:fld id="{4509A250-FF31-4206-8172-F9D3106AACB1}" type="datetimeFigureOut">
               <a:rPr lang="en-US" dirty="0"/>
-              <a:t>3/3/2025</a:t>
+              <a:t>3/12/2025</a:t>
             </a:fld>
             <a:endParaRPr lang="en-US" dirty="0"/>
           </a:p>
@@ -7877,7 +8468,7 @@
           <a:p>
             <a:fld id="{4509A250-FF31-4206-8172-F9D3106AACB1}" type="datetimeFigureOut">
               <a:rPr lang="en-US" dirty="0"/>
-              <a:t>3/3/2025</a:t>
+              <a:t>3/12/2025</a:t>
             </a:fld>
             <a:endParaRPr lang="en-US" dirty="0"/>
           </a:p>
@@ -8154,7 +8745,7 @@
           <a:p>
             <a:fld id="{4509A250-FF31-4206-8172-F9D3106AACB1}" type="datetimeFigureOut">
               <a:rPr lang="en-US" dirty="0"/>
-              <a:t>3/3/2025</a:t>
+              <a:t>3/12/2025</a:t>
             </a:fld>
             <a:endParaRPr lang="en-US" dirty="0"/>
           </a:p>
@@ -8424,7 +9015,7 @@
           <a:p>
             <a:fld id="{4509A250-FF31-4206-8172-F9D3106AACB1}" type="datetimeFigureOut">
               <a:rPr lang="en-US" dirty="0"/>
-              <a:t>3/3/2025</a:t>
+              <a:t>3/12/2025</a:t>
             </a:fld>
             <a:endParaRPr lang="en-US" dirty="0"/>
           </a:p>
@@ -8851,7 +9442,7 @@
           <a:p>
             <a:fld id="{4AAD347D-5ACD-4C99-B74B-A9C85AD731AF}" type="datetimeFigureOut">
               <a:rPr lang="en-US" dirty="0"/>
-              <a:t>3/3/2025</a:t>
+              <a:t>3/12/2025</a:t>
             </a:fld>
             <a:endParaRPr lang="en-US" dirty="0"/>
           </a:p>
@@ -9526,215 +10117,6 @@
           <a:chExt cx="0" cy="0"/>
         </a:xfrm>
       </p:grpSpPr>
-      <p:pic>
-        <p:nvPicPr>
-          <p:cNvPr id="4" name="Tartalom helye 3"/>
-          <p:cNvPicPr>
-            <a:picLocks noGrp="1" noChangeAspect="1"/>
-          </p:cNvPicPr>
-          <p:nvPr>
-            <p:ph idx="1"/>
-          </p:nvPr>
-        </p:nvPicPr>
-        <p:blipFill>
-          <a:blip r:embed="rId2">
-            <a:extLst>
-              <a:ext uri="{28A0092B-C50C-407E-A947-70E740481C1C}">
-                <a14:useLocalDpi xmlns:a14="http://schemas.microsoft.com/office/drawing/2010/main" val="0"/>
-              </a:ext>
-            </a:extLst>
-          </a:blip>
-          <a:stretch>
-            <a:fillRect/>
-          </a:stretch>
-        </p:blipFill>
-        <p:spPr>
-          <a:xfrm>
-            <a:off x="347226" y="395226"/>
-            <a:ext cx="5148807" cy="4742831"/>
-          </a:xfrm>
-        </p:spPr>
-      </p:pic>
-      <p:sp>
-        <p:nvSpPr>
-          <p:cNvPr id="5" name="Szövegdoboz 4"/>
-          <p:cNvSpPr txBox="1"/>
-          <p:nvPr/>
-        </p:nvSpPr>
-        <p:spPr>
-          <a:xfrm>
-            <a:off x="1191149" y="5294812"/>
-            <a:ext cx="2455817" cy="369332"/>
-          </a:xfrm>
-          <a:prstGeom prst="rect">
-            <a:avLst/>
-          </a:prstGeom>
-          <a:noFill/>
-        </p:spPr>
-        <p:txBody>
-          <a:bodyPr wrap="square" rtlCol="0">
-            <a:spAutoFit/>
-          </a:bodyPr>
-          <a:lstStyle/>
-          <a:p>
-            <a:r>
-              <a:rPr lang="hu-HU" dirty="0"/>
-              <a:t>DeliverySW1</a:t>
-            </a:r>
-          </a:p>
-        </p:txBody>
-      </p:sp>
-      <p:sp>
-        <p:nvSpPr>
-          <p:cNvPr id="6" name="Szövegdoboz 5"/>
-          <p:cNvSpPr txBox="1"/>
-          <p:nvPr/>
-        </p:nvSpPr>
-        <p:spPr>
-          <a:xfrm>
-            <a:off x="7959635" y="5294812"/>
-            <a:ext cx="1863634" cy="369332"/>
-          </a:xfrm>
-          <a:prstGeom prst="rect">
-            <a:avLst/>
-          </a:prstGeom>
-          <a:noFill/>
-        </p:spPr>
-        <p:txBody>
-          <a:bodyPr wrap="square" rtlCol="0">
-            <a:spAutoFit/>
-          </a:bodyPr>
-          <a:lstStyle/>
-          <a:p>
-            <a:r>
-              <a:rPr lang="hu-HU" dirty="0"/>
-              <a:t>DeliverySW2</a:t>
-            </a:r>
-          </a:p>
-        </p:txBody>
-      </p:sp>
-      <p:pic>
-        <p:nvPicPr>
-          <p:cNvPr id="7" name="Kép 6"/>
-          <p:cNvPicPr>
-            <a:picLocks noChangeAspect="1"/>
-          </p:cNvPicPr>
-          <p:nvPr/>
-        </p:nvPicPr>
-        <p:blipFill>
-          <a:blip r:embed="rId3">
-            <a:extLst>
-              <a:ext uri="{28A0092B-C50C-407E-A947-70E740481C1C}">
-                <a14:useLocalDpi xmlns:a14="http://schemas.microsoft.com/office/drawing/2010/main" val="0"/>
-              </a:ext>
-            </a:extLst>
-          </a:blip>
-          <a:stretch>
-            <a:fillRect/>
-          </a:stretch>
-        </p:blipFill>
-        <p:spPr>
-          <a:xfrm>
-            <a:off x="6132905" y="395225"/>
-            <a:ext cx="5183422" cy="4742831"/>
-          </a:xfrm>
-          <a:prstGeom prst="rect">
-            <a:avLst/>
-          </a:prstGeom>
-        </p:spPr>
-      </p:pic>
-      <p:sp>
-        <p:nvSpPr>
-          <p:cNvPr id="2" name="Téglalap 1"/>
-          <p:cNvSpPr/>
-          <p:nvPr/>
-        </p:nvSpPr>
-        <p:spPr>
-          <a:xfrm>
-            <a:off x="347226" y="1062446"/>
-            <a:ext cx="5086923" cy="1280160"/>
-          </a:xfrm>
-          <a:prstGeom prst="rect">
-            <a:avLst/>
-          </a:prstGeom>
-          <a:noFill/>
-          <a:ln>
-            <a:solidFill>
-              <a:schemeClr val="accent1"/>
-            </a:solidFill>
-          </a:ln>
-        </p:spPr>
-        <p:style>
-          <a:lnRef idx="2">
-            <a:schemeClr val="accent1">
-              <a:shade val="50000"/>
-            </a:schemeClr>
-          </a:lnRef>
-          <a:fillRef idx="1">
-            <a:schemeClr val="accent1"/>
-          </a:fillRef>
-          <a:effectRef idx="0">
-            <a:schemeClr val="accent1"/>
-          </a:effectRef>
-          <a:fontRef idx="minor">
-            <a:schemeClr val="lt1"/>
-          </a:fontRef>
-        </p:style>
-        <p:txBody>
-          <a:bodyPr rtlCol="0" anchor="ctr"/>
-          <a:lstStyle/>
-          <a:p>
-            <a:pPr algn="ctr"/>
-            <a:endParaRPr lang="hu-HU"/>
-          </a:p>
-        </p:txBody>
-      </p:sp>
-      <p:sp>
-        <p:nvSpPr>
-          <p:cNvPr id="3" name="Téglalap 2"/>
-          <p:cNvSpPr/>
-          <p:nvPr/>
-        </p:nvSpPr>
-        <p:spPr>
-          <a:xfrm>
-            <a:off x="6132905" y="1062446"/>
-            <a:ext cx="5040192" cy="1280160"/>
-          </a:xfrm>
-          <a:prstGeom prst="rect">
-            <a:avLst/>
-          </a:prstGeom>
-          <a:noFill/>
-          <a:ln>
-            <a:solidFill>
-              <a:schemeClr val="accent2"/>
-            </a:solidFill>
-          </a:ln>
-        </p:spPr>
-        <p:style>
-          <a:lnRef idx="2">
-            <a:schemeClr val="accent1">
-              <a:shade val="50000"/>
-            </a:schemeClr>
-          </a:lnRef>
-          <a:fillRef idx="1">
-            <a:schemeClr val="accent1"/>
-          </a:fillRef>
-          <a:effectRef idx="0">
-            <a:schemeClr val="accent1"/>
-          </a:effectRef>
-          <a:fontRef idx="minor">
-            <a:schemeClr val="lt1"/>
-          </a:fontRef>
-        </p:style>
-        <p:txBody>
-          <a:bodyPr rtlCol="0" anchor="ctr"/>
-          <a:lstStyle/>
-          <a:p>
-            <a:pPr algn="ctr"/>
-            <a:endParaRPr lang="hu-HU"/>
-          </a:p>
-        </p:txBody>
-      </p:sp>
     </p:spTree>
     <p:extLst>
       <p:ext uri="{BB962C8B-B14F-4D97-AF65-F5344CB8AC3E}">
@@ -10292,6 +10674,66 @@
           <a:chExt cx="0" cy="0"/>
         </a:xfrm>
       </p:grpSpPr>
+      <p:pic>
+        <p:nvPicPr>
+          <p:cNvPr id="13" name="Kép 12" descr="A képen szöveg, képernyőkép, Betűtípus látható&#10;&#10;Lehet, hogy a mesterséges intelligencia által generált tartalom helytelen.">
+            <a:extLst>
+              <a:ext uri="{FF2B5EF4-FFF2-40B4-BE49-F238E27FC236}">
+                <a16:creationId xmlns:a16="http://schemas.microsoft.com/office/drawing/2014/main" id="{9B31AAEE-7AD5-1C02-D66E-5AB5D265FDCF}"/>
+              </a:ext>
+            </a:extLst>
+          </p:cNvPr>
+          <p:cNvPicPr>
+            <a:picLocks noChangeAspect="1"/>
+          </p:cNvPicPr>
+          <p:nvPr/>
+        </p:nvPicPr>
+        <p:blipFill>
+          <a:blip r:embed="rId2"/>
+          <a:stretch>
+            <a:fillRect/>
+          </a:stretch>
+        </p:blipFill>
+        <p:spPr>
+          <a:xfrm>
+            <a:off x="6888764" y="1153426"/>
+            <a:ext cx="5303367" cy="3336067"/>
+          </a:xfrm>
+          <a:prstGeom prst="rect">
+            <a:avLst/>
+          </a:prstGeom>
+        </p:spPr>
+      </p:pic>
+      <p:pic>
+        <p:nvPicPr>
+          <p:cNvPr id="8" name="Kép 7" descr="A képen szöveg, képernyőkép, Betűtípus látható&#10;&#10;Lehet, hogy a mesterséges intelligencia által generált tartalom helytelen.">
+            <a:extLst>
+              <a:ext uri="{FF2B5EF4-FFF2-40B4-BE49-F238E27FC236}">
+                <a16:creationId xmlns:a16="http://schemas.microsoft.com/office/drawing/2014/main" id="{3B66ECD0-2826-D138-BB2B-8F0A7D36DD31}"/>
+              </a:ext>
+            </a:extLst>
+          </p:cNvPr>
+          <p:cNvPicPr>
+            <a:picLocks noChangeAspect="1"/>
+          </p:cNvPicPr>
+          <p:nvPr/>
+        </p:nvPicPr>
+        <p:blipFill>
+          <a:blip r:embed="rId3"/>
+          <a:stretch>
+            <a:fillRect/>
+          </a:stretch>
+        </p:blipFill>
+        <p:spPr>
+          <a:xfrm>
+            <a:off x="107607" y="1379966"/>
+            <a:ext cx="5232057" cy="3109528"/>
+          </a:xfrm>
+          <a:prstGeom prst="rect">
+            <a:avLst/>
+          </a:prstGeom>
+        </p:spPr>
+      </p:pic>
       <p:sp>
         <p:nvSpPr>
           <p:cNvPr id="2" name="Cím 1">
@@ -10320,35 +10762,6 @@
           </a:p>
         </p:txBody>
       </p:sp>
-      <p:pic>
-        <p:nvPicPr>
-          <p:cNvPr id="9" name="Tartalom helye 8"/>
-          <p:cNvPicPr>
-            <a:picLocks noGrp="1" noChangeAspect="1"/>
-          </p:cNvPicPr>
-          <p:nvPr>
-            <p:ph idx="1"/>
-          </p:nvPr>
-        </p:nvPicPr>
-        <p:blipFill>
-          <a:blip r:embed="rId2">
-            <a:extLst>
-              <a:ext uri="{28A0092B-C50C-407E-A947-70E740481C1C}">
-                <a14:useLocalDpi xmlns:a14="http://schemas.microsoft.com/office/drawing/2010/main" val="0"/>
-              </a:ext>
-            </a:extLst>
-          </a:blip>
-          <a:stretch>
-            <a:fillRect/>
-          </a:stretch>
-        </p:blipFill>
-        <p:spPr>
-          <a:xfrm>
-            <a:off x="6890509" y="1387384"/>
-            <a:ext cx="5301491" cy="3102836"/>
-          </a:xfrm>
-        </p:spPr>
-      </p:pic>
       <p:sp>
         <p:nvSpPr>
           <p:cNvPr id="5" name="Szövegdoboz 4">
@@ -10381,12 +10794,8 @@
           <a:lstStyle/>
           <a:p>
             <a:r>
-              <a:rPr lang="hu-HU" dirty="0" err="1"/>
-              <a:t>Delivery</a:t>
-            </a:r>
-            <a:r>
               <a:rPr lang="hu-HU" dirty="0"/>
-              <a:t> SW1</a:t>
+              <a:t>AssemblySW1</a:t>
             </a:r>
           </a:p>
         </p:txBody>
@@ -10425,7 +10834,7 @@
             <a:pPr algn="l"/>
             <a:r>
               <a:rPr lang="hu-HU" dirty="0"/>
-              <a:t>DeliverySW2</a:t>
+              <a:t>AssemblySW2</a:t>
             </a:r>
           </a:p>
         </p:txBody>
@@ -10445,7 +10854,7 @@
           <p:nvPr/>
         </p:nvPicPr>
         <p:blipFill>
-          <a:blip r:embed="rId3"/>
+          <a:blip r:embed="rId4"/>
           <a:stretch>
             <a:fillRect/>
           </a:stretch>
@@ -10460,36 +10869,6 @@
           </a:prstGeom>
         </p:spPr>
       </p:pic>
-      <p:pic>
-        <p:nvPicPr>
-          <p:cNvPr id="11" name="Kép 10"/>
-          <p:cNvPicPr>
-            <a:picLocks noChangeAspect="1"/>
-          </p:cNvPicPr>
-          <p:nvPr/>
-        </p:nvPicPr>
-        <p:blipFill>
-          <a:blip r:embed="rId4">
-            <a:extLst>
-              <a:ext uri="{28A0092B-C50C-407E-A947-70E740481C1C}">
-                <a14:useLocalDpi xmlns:a14="http://schemas.microsoft.com/office/drawing/2010/main" val="0"/>
-              </a:ext>
-            </a:extLst>
-          </a:blip>
-          <a:stretch>
-            <a:fillRect/>
-          </a:stretch>
-        </p:blipFill>
-        <p:spPr>
-          <a:xfrm>
-            <a:off x="186716" y="1462344"/>
-            <a:ext cx="4878923" cy="2761314"/>
-          </a:xfrm>
-          <a:prstGeom prst="rect">
-            <a:avLst/>
-          </a:prstGeom>
-        </p:spPr>
-      </p:pic>
       <p:sp>
         <p:nvSpPr>
           <p:cNvPr id="4" name="Téglalap 3"/>
@@ -10498,8 +10877,8 @@
         </p:nvSpPr>
         <p:spPr>
           <a:xfrm>
-            <a:off x="186716" y="4014651"/>
-            <a:ext cx="4878923" cy="209007"/>
+            <a:off x="104338" y="4179408"/>
+            <a:ext cx="4940707" cy="311979"/>
           </a:xfrm>
           <a:prstGeom prst="rect">
             <a:avLst/>
@@ -10676,63 +11055,142 @@
       </p:sp>
       <p:pic>
         <p:nvPicPr>
-          <p:cNvPr id="7" name="Tartalom helye 6"/>
+          <p:cNvPr id="6" name="Kép 5" descr="A képen szöveg, képernyőkép, Betűtípus látható&#10;&#10;Lehet, hogy a mesterséges intelligencia által generált tartalom helytelen.">
+            <a:extLst>
+              <a:ext uri="{FF2B5EF4-FFF2-40B4-BE49-F238E27FC236}">
+                <a16:creationId xmlns:a16="http://schemas.microsoft.com/office/drawing/2014/main" id="{0CE04A7B-39CA-0C55-A194-E64639AAED13}"/>
+              </a:ext>
+            </a:extLst>
+          </p:cNvPr>
           <p:cNvPicPr>
-            <a:picLocks noGrp="1" noChangeAspect="1"/>
+            <a:picLocks noChangeAspect="1"/>
           </p:cNvPicPr>
-          <p:nvPr>
-            <p:ph idx="1"/>
-          </p:nvPr>
+          <p:nvPr/>
         </p:nvPicPr>
         <p:blipFill>
-          <a:blip r:embed="rId3">
-            <a:extLst>
-              <a:ext uri="{28A0092B-C50C-407E-A947-70E740481C1C}">
-                <a14:useLocalDpi xmlns:a14="http://schemas.microsoft.com/office/drawing/2010/main" val="0"/>
-              </a:ext>
-            </a:extLst>
-          </a:blip>
+          <a:blip r:embed="rId3"/>
           <a:stretch>
             <a:fillRect/>
           </a:stretch>
         </p:blipFill>
         <p:spPr>
           <a:xfrm>
-            <a:off x="738335" y="1454963"/>
-            <a:ext cx="6017342" cy="1880420"/>
+            <a:off x="773970" y="99754"/>
+            <a:ext cx="5207087" cy="3136814"/>
           </a:xfrm>
+          <a:prstGeom prst="rect">
+            <a:avLst/>
+          </a:prstGeom>
         </p:spPr>
       </p:pic>
       <p:pic>
         <p:nvPicPr>
-          <p:cNvPr id="5" name="Kép 4"/>
+          <p:cNvPr id="8" name="Kép 7" descr="A képen szöveg, képernyőkép, Betűtípus látható&#10;&#10;Lehet, hogy a mesterséges intelligencia által generált tartalom helytelen.">
+            <a:extLst>
+              <a:ext uri="{FF2B5EF4-FFF2-40B4-BE49-F238E27FC236}">
+                <a16:creationId xmlns:a16="http://schemas.microsoft.com/office/drawing/2014/main" id="{7400E651-B61D-5CBA-7E23-76A235EAF73B}"/>
+              </a:ext>
+            </a:extLst>
+          </p:cNvPr>
           <p:cNvPicPr>
             <a:picLocks noChangeAspect="1"/>
           </p:cNvPicPr>
           <p:nvPr/>
         </p:nvPicPr>
         <p:blipFill>
-          <a:blip r:embed="rId4">
-            <a:extLst>
-              <a:ext uri="{28A0092B-C50C-407E-A947-70E740481C1C}">
-                <a14:useLocalDpi xmlns:a14="http://schemas.microsoft.com/office/drawing/2010/main" val="0"/>
-              </a:ext>
-            </a:extLst>
-          </a:blip>
+          <a:blip r:embed="rId4"/>
           <a:stretch>
             <a:fillRect/>
           </a:stretch>
         </p:blipFill>
         <p:spPr>
           <a:xfrm>
-            <a:off x="738335" y="3861101"/>
-            <a:ext cx="6012701" cy="1417443"/>
+            <a:off x="769208" y="3231934"/>
+            <a:ext cx="5556422" cy="3308265"/>
           </a:xfrm>
           <a:prstGeom prst="rect">
             <a:avLst/>
           </a:prstGeom>
         </p:spPr>
       </p:pic>
+      <p:sp>
+        <p:nvSpPr>
+          <p:cNvPr id="9" name="Szövegdoboz 8">
+            <a:extLst>
+              <a:ext uri="{FF2B5EF4-FFF2-40B4-BE49-F238E27FC236}">
+                <a16:creationId xmlns:a16="http://schemas.microsoft.com/office/drawing/2014/main" id="{6756BDFE-CA98-847F-7F34-2021040CD922}"/>
+              </a:ext>
+            </a:extLst>
+          </p:cNvPr>
+          <p:cNvSpPr txBox="1"/>
+          <p:nvPr/>
+        </p:nvSpPr>
+        <p:spPr>
+          <a:xfrm>
+            <a:off x="7231840" y="1656146"/>
+            <a:ext cx="2743199" cy="365760"/>
+          </a:xfrm>
+          <a:prstGeom prst="rect">
+            <a:avLst/>
+          </a:prstGeom>
+          <a:noFill/>
+        </p:spPr>
+        <p:txBody>
+          <a:bodyPr rot="0" spcFirstLastPara="0" vertOverflow="overflow" horzOverflow="overflow" vert="horz" wrap="square" lIns="91440" tIns="45720" rIns="91440" bIns="45720" numCol="1" spcCol="0" rtlCol="0" fromWordArt="0" anchor="t" anchorCtr="0" forceAA="0" compatLnSpc="1">
+            <a:prstTxWarp prst="textNoShape">
+              <a:avLst/>
+            </a:prstTxWarp>
+            <a:spAutoFit/>
+          </a:bodyPr>
+          <a:lstStyle/>
+          <a:p>
+            <a:pPr algn="l"/>
+            <a:r>
+              <a:rPr lang="hu-HU" dirty="0"/>
+              <a:t>AssemblyR1</a:t>
+            </a:r>
+          </a:p>
+        </p:txBody>
+      </p:sp>
+      <p:sp>
+        <p:nvSpPr>
+          <p:cNvPr id="10" name="Szövegdoboz 9">
+            <a:extLst>
+              <a:ext uri="{FF2B5EF4-FFF2-40B4-BE49-F238E27FC236}">
+                <a16:creationId xmlns:a16="http://schemas.microsoft.com/office/drawing/2014/main" id="{5CF803F1-DEBC-53A7-5C1A-AD4D4308CFDC}"/>
+              </a:ext>
+            </a:extLst>
+          </p:cNvPr>
+          <p:cNvSpPr txBox="1"/>
+          <p:nvPr/>
+        </p:nvSpPr>
+        <p:spPr>
+          <a:xfrm>
+            <a:off x="6900610" y="5396277"/>
+            <a:ext cx="2743199" cy="365760"/>
+          </a:xfrm>
+          <a:prstGeom prst="rect">
+            <a:avLst/>
+          </a:prstGeom>
+          <a:noFill/>
+        </p:spPr>
+        <p:txBody>
+          <a:bodyPr rot="0" spcFirstLastPara="0" vertOverflow="overflow" horzOverflow="overflow" vert="horz" wrap="square" lIns="91440" tIns="45720" rIns="91440" bIns="45720" numCol="1" spcCol="0" rtlCol="0" fromWordArt="0" anchor="t" anchorCtr="0" forceAA="0" compatLnSpc="1">
+            <a:prstTxWarp prst="textNoShape">
+              <a:avLst/>
+            </a:prstTxWarp>
+            <a:spAutoFit/>
+          </a:bodyPr>
+          <a:lstStyle/>
+          <a:p>
+            <a:pPr algn="l"/>
+            <a:r>
+              <a:rPr lang="hu-HU" dirty="0"/>
+              <a:t>AssemblyR2</a:t>
+            </a:r>
+          </a:p>
+        </p:txBody>
+      </p:sp>
     </p:spTree>
     <p:extLst>
       <p:ext uri="{BB962C8B-B14F-4D97-AF65-F5344CB8AC3E}">
@@ -10831,57 +11289,97 @@
       </p:sp>
       <p:pic>
         <p:nvPicPr>
-          <p:cNvPr id="5" name="Tartalom helye 4"/>
+          <p:cNvPr id="8" name="Kép 7" descr="A képen szöveg, képernyőkép, Betűtípus, szoftver látható&#10;&#10;Lehet, hogy a mesterséges intelligencia által generált tartalom helytelen.">
+            <a:extLst>
+              <a:ext uri="{FF2B5EF4-FFF2-40B4-BE49-F238E27FC236}">
+                <a16:creationId xmlns:a16="http://schemas.microsoft.com/office/drawing/2014/main" id="{1D95BAE3-5034-7C3B-755C-C0B2D3E70A96}"/>
+              </a:ext>
+            </a:extLst>
+          </p:cNvPr>
           <p:cNvPicPr>
-            <a:picLocks noGrp="1" noChangeAspect="1"/>
+            <a:picLocks noChangeAspect="1"/>
           </p:cNvPicPr>
-          <p:nvPr>
-            <p:ph idx="1"/>
-          </p:nvPr>
+          <p:nvPr/>
         </p:nvPicPr>
         <p:blipFill>
-          <a:blip r:embed="rId3">
-            <a:extLst>
-              <a:ext uri="{28A0092B-C50C-407E-A947-70E740481C1C}">
-                <a14:useLocalDpi xmlns:a14="http://schemas.microsoft.com/office/drawing/2010/main" val="0"/>
-              </a:ext>
-            </a:extLst>
-          </a:blip>
+          <a:blip r:embed="rId3"/>
           <a:stretch>
             <a:fillRect/>
           </a:stretch>
         </p:blipFill>
         <p:spPr>
           <a:xfrm>
-            <a:off x="2335396" y="3835664"/>
-            <a:ext cx="4248130" cy="2669958"/>
+            <a:off x="5061121" y="-3476"/>
+            <a:ext cx="5715000" cy="1819275"/>
           </a:xfrm>
+          <a:prstGeom prst="rect">
+            <a:avLst/>
+          </a:prstGeom>
         </p:spPr>
       </p:pic>
+      <p:sp>
+        <p:nvSpPr>
+          <p:cNvPr id="9" name="Szövegdoboz 8">
+            <a:extLst>
+              <a:ext uri="{FF2B5EF4-FFF2-40B4-BE49-F238E27FC236}">
+                <a16:creationId xmlns:a16="http://schemas.microsoft.com/office/drawing/2014/main" id="{69A2943B-6BB4-7F22-9F16-CF8871446020}"/>
+              </a:ext>
+            </a:extLst>
+          </p:cNvPr>
+          <p:cNvSpPr txBox="1"/>
+          <p:nvPr/>
+        </p:nvSpPr>
+        <p:spPr>
+          <a:xfrm>
+            <a:off x="6555580" y="2994865"/>
+            <a:ext cx="2743199" cy="365760"/>
+          </a:xfrm>
+          <a:prstGeom prst="rect">
+            <a:avLst/>
+          </a:prstGeom>
+          <a:noFill/>
+        </p:spPr>
+        <p:txBody>
+          <a:bodyPr rot="0" spcFirstLastPara="0" vertOverflow="overflow" horzOverflow="overflow" vert="horz" wrap="square" lIns="91440" tIns="45720" rIns="91440" bIns="45720" numCol="1" spcCol="0" rtlCol="0" fromWordArt="0" anchor="t" anchorCtr="0" forceAA="0" compatLnSpc="1">
+            <a:prstTxWarp prst="textNoShape">
+              <a:avLst/>
+            </a:prstTxWarp>
+            <a:spAutoFit/>
+          </a:bodyPr>
+          <a:lstStyle/>
+          <a:p>
+            <a:pPr algn="l"/>
+            <a:r>
+              <a:rPr lang="hu-HU" dirty="0"/>
+              <a:t>AssemblyR1</a:t>
+            </a:r>
+          </a:p>
+        </p:txBody>
+      </p:sp>
       <p:pic>
         <p:nvPicPr>
-          <p:cNvPr id="13" name="Kép 12"/>
+          <p:cNvPr id="10" name="Kép 9" descr="A képen szöveg, képernyőkép, Betűtípus, szoftver látható&#10;&#10;Lehet, hogy a mesterséges intelligencia által generált tartalom helytelen.">
+            <a:extLst>
+              <a:ext uri="{FF2B5EF4-FFF2-40B4-BE49-F238E27FC236}">
+                <a16:creationId xmlns:a16="http://schemas.microsoft.com/office/drawing/2014/main" id="{C01ED7CC-5BCE-001F-04F3-0BA78237ADFF}"/>
+              </a:ext>
+            </a:extLst>
+          </p:cNvPr>
           <p:cNvPicPr>
             <a:picLocks noChangeAspect="1"/>
           </p:cNvPicPr>
           <p:nvPr/>
         </p:nvPicPr>
         <p:blipFill>
-          <a:blip r:embed="rId4">
-            <a:extLst>
-              <a:ext uri="{28A0092B-C50C-407E-A947-70E740481C1C}">
-                <a14:useLocalDpi xmlns:a14="http://schemas.microsoft.com/office/drawing/2010/main" val="0"/>
-              </a:ext>
-            </a:extLst>
-          </a:blip>
+          <a:blip r:embed="rId4"/>
           <a:stretch>
             <a:fillRect/>
           </a:stretch>
         </p:blipFill>
         <p:spPr>
           <a:xfrm>
-            <a:off x="7114138" y="4569048"/>
-            <a:ext cx="4663112" cy="1484772"/>
+            <a:off x="5050825" y="1937179"/>
+            <a:ext cx="5715000" cy="1809750"/>
           </a:xfrm>
           <a:prstGeom prst="rect">
             <a:avLst/>
@@ -10890,28 +11388,28 @@
       </p:pic>
       <p:pic>
         <p:nvPicPr>
-          <p:cNvPr id="14" name="Kép 13"/>
+          <p:cNvPr id="11" name="Kép 10" descr="A képen szöveg, képernyőkép, Betűtípus, szoftver látható&#10;&#10;Lehet, hogy a mesterséges intelligencia által generált tartalom helytelen.">
+            <a:extLst>
+              <a:ext uri="{FF2B5EF4-FFF2-40B4-BE49-F238E27FC236}">
+                <a16:creationId xmlns:a16="http://schemas.microsoft.com/office/drawing/2014/main" id="{B060F405-5ED9-5F7E-B03C-C0A586C676D0}"/>
+              </a:ext>
+            </a:extLst>
+          </p:cNvPr>
           <p:cNvPicPr>
             <a:picLocks noChangeAspect="1"/>
           </p:cNvPicPr>
           <p:nvPr/>
         </p:nvPicPr>
         <p:blipFill>
-          <a:blip r:embed="rId5">
-            <a:extLst>
-              <a:ext uri="{28A0092B-C50C-407E-A947-70E740481C1C}">
-                <a14:useLocalDpi xmlns:a14="http://schemas.microsoft.com/office/drawing/2010/main" val="0"/>
-              </a:ext>
-            </a:extLst>
-          </a:blip>
+          <a:blip r:embed="rId5"/>
           <a:stretch>
             <a:fillRect/>
           </a:stretch>
         </p:blipFill>
         <p:spPr>
           <a:xfrm>
-            <a:off x="7105785" y="3244930"/>
-            <a:ext cx="4671465" cy="1181469"/>
+            <a:off x="5065884" y="3848100"/>
+            <a:ext cx="5705475" cy="1447800"/>
           </a:xfrm>
           <a:prstGeom prst="rect">
             <a:avLst/>
@@ -10920,58 +11418,28 @@
       </p:pic>
       <p:pic>
         <p:nvPicPr>
-          <p:cNvPr id="3" name="Kép 2"/>
+          <p:cNvPr id="12" name="Kép 11" descr="A képen szöveg, képernyőkép, Betűtípus, szoftver látható&#10;&#10;Lehet, hogy a mesterséges intelligencia által generált tartalom helytelen.">
+            <a:extLst>
+              <a:ext uri="{FF2B5EF4-FFF2-40B4-BE49-F238E27FC236}">
+                <a16:creationId xmlns:a16="http://schemas.microsoft.com/office/drawing/2014/main" id="{37665D6D-BA95-3AC9-F37E-4089A337290B}"/>
+              </a:ext>
+            </a:extLst>
+          </p:cNvPr>
           <p:cNvPicPr>
             <a:picLocks noChangeAspect="1"/>
           </p:cNvPicPr>
           <p:nvPr/>
         </p:nvPicPr>
         <p:blipFill>
-          <a:blip r:embed="rId6">
-            <a:extLst>
-              <a:ext uri="{28A0092B-C50C-407E-A947-70E740481C1C}">
-                <a14:useLocalDpi xmlns:a14="http://schemas.microsoft.com/office/drawing/2010/main" val="0"/>
-              </a:ext>
-            </a:extLst>
-          </a:blip>
+          <a:blip r:embed="rId6"/>
           <a:stretch>
             <a:fillRect/>
           </a:stretch>
         </p:blipFill>
         <p:spPr>
           <a:xfrm>
-            <a:off x="4653237" y="207371"/>
-            <a:ext cx="4232631" cy="2735337"/>
-          </a:xfrm>
-          <a:prstGeom prst="rect">
-            <a:avLst/>
-          </a:prstGeom>
-        </p:spPr>
-      </p:pic>
-      <p:pic>
-        <p:nvPicPr>
-          <p:cNvPr id="4" name="Kép 3"/>
-          <p:cNvPicPr>
-            <a:picLocks noChangeAspect="1"/>
-          </p:cNvPicPr>
-          <p:nvPr/>
-        </p:nvPicPr>
-        <p:blipFill>
-          <a:blip r:embed="rId7">
-            <a:extLst>
-              <a:ext uri="{28A0092B-C50C-407E-A947-70E740481C1C}">
-                <a14:useLocalDpi xmlns:a14="http://schemas.microsoft.com/office/drawing/2010/main" val="0"/>
-              </a:ext>
-            </a:extLst>
-          </a:blip>
-          <a:stretch>
-            <a:fillRect/>
-          </a:stretch>
-        </p:blipFill>
-        <p:spPr>
-          <a:xfrm>
-            <a:off x="587519" y="1142656"/>
-            <a:ext cx="3495754" cy="2092776"/>
+            <a:off x="5050052" y="5437873"/>
+            <a:ext cx="5695950" cy="1419225"/>
           </a:xfrm>
           <a:prstGeom prst="rect">
             <a:avLst/>
@@ -11060,12 +11528,132 @@
           </a:p>
         </p:txBody>
       </p:sp>
+      <p:pic>
+        <p:nvPicPr>
+          <p:cNvPr id="3" name="Kép 2" descr="A képen szöveg, képernyőkép, Betűtípus látható&#10;&#10;Lehet, hogy a mesterséges intelligencia által generált tartalom helytelen.">
+            <a:extLst>
+              <a:ext uri="{FF2B5EF4-FFF2-40B4-BE49-F238E27FC236}">
+                <a16:creationId xmlns:a16="http://schemas.microsoft.com/office/drawing/2014/main" id="{F4E82EDB-CB58-242E-1D63-A75724CDE164}"/>
+              </a:ext>
+            </a:extLst>
+          </p:cNvPr>
+          <p:cNvPicPr>
+            <a:picLocks noChangeAspect="1"/>
+          </p:cNvPicPr>
+          <p:nvPr/>
+        </p:nvPicPr>
+        <p:blipFill>
+          <a:blip r:embed="rId2"/>
+          <a:stretch>
+            <a:fillRect/>
+          </a:stretch>
+        </p:blipFill>
+        <p:spPr>
+          <a:xfrm>
+            <a:off x="6090852" y="1479207"/>
+            <a:ext cx="5745891" cy="1953397"/>
+          </a:xfrm>
+          <a:prstGeom prst="rect">
+            <a:avLst/>
+          </a:prstGeom>
+        </p:spPr>
+      </p:pic>
+      <p:pic>
+        <p:nvPicPr>
+          <p:cNvPr id="4" name="Kép 3" descr="A képen szöveg, képernyőkép, Betűtípus látható&#10;&#10;Lehet, hogy a mesterséges intelligencia által generált tartalom helytelen.">
+            <a:extLst>
+              <a:ext uri="{FF2B5EF4-FFF2-40B4-BE49-F238E27FC236}">
+                <a16:creationId xmlns:a16="http://schemas.microsoft.com/office/drawing/2014/main" id="{98DFA00E-D078-DF0B-8581-6171CA8683C8}"/>
+              </a:ext>
+            </a:extLst>
+          </p:cNvPr>
+          <p:cNvPicPr>
+            <a:picLocks noChangeAspect="1"/>
+          </p:cNvPicPr>
+          <p:nvPr/>
+        </p:nvPicPr>
+        <p:blipFill>
+          <a:blip r:embed="rId3"/>
+          <a:stretch>
+            <a:fillRect/>
+          </a:stretch>
+        </p:blipFill>
+        <p:spPr>
+          <a:xfrm>
+            <a:off x="1059334" y="1712441"/>
+            <a:ext cx="4286250" cy="1600200"/>
+          </a:xfrm>
+          <a:prstGeom prst="rect">
+            <a:avLst/>
+          </a:prstGeom>
+        </p:spPr>
+      </p:pic>
+      <p:pic>
+        <p:nvPicPr>
+          <p:cNvPr id="5" name="Kép 4" descr="A képen szöveg, képernyőkép, Betűtípus látható&#10;&#10;Lehet, hogy a mesterséges intelligencia által generált tartalom helytelen.">
+            <a:extLst>
+              <a:ext uri="{FF2B5EF4-FFF2-40B4-BE49-F238E27FC236}">
+                <a16:creationId xmlns:a16="http://schemas.microsoft.com/office/drawing/2014/main" id="{AB3B01A7-DDD5-58BF-CB8F-2218D62ACC28}"/>
+              </a:ext>
+            </a:extLst>
+          </p:cNvPr>
+          <p:cNvPicPr>
+            <a:picLocks noChangeAspect="1"/>
+          </p:cNvPicPr>
+          <p:nvPr/>
+        </p:nvPicPr>
+        <p:blipFill>
+          <a:blip r:embed="rId4"/>
+          <a:stretch>
+            <a:fillRect/>
+          </a:stretch>
+        </p:blipFill>
+        <p:spPr>
+          <a:xfrm>
+            <a:off x="6215191" y="3895081"/>
+            <a:ext cx="5734050" cy="1971675"/>
+          </a:xfrm>
+          <a:prstGeom prst="rect">
+            <a:avLst/>
+          </a:prstGeom>
+        </p:spPr>
+      </p:pic>
+      <p:pic>
+        <p:nvPicPr>
+          <p:cNvPr id="8" name="Kép 7" descr="A képen szöveg, képernyőkép, Betűtípus látható&#10;&#10;Lehet, hogy a mesterséges intelligencia által generált tartalom helytelen.">
+            <a:extLst>
+              <a:ext uri="{FF2B5EF4-FFF2-40B4-BE49-F238E27FC236}">
+                <a16:creationId xmlns:a16="http://schemas.microsoft.com/office/drawing/2014/main" id="{6A0EC73D-CF8E-EF2D-C6DE-20F625ACFEC5}"/>
+              </a:ext>
+            </a:extLst>
+          </p:cNvPr>
+          <p:cNvPicPr>
+            <a:picLocks noChangeAspect="1"/>
+          </p:cNvPicPr>
+          <p:nvPr/>
+        </p:nvPicPr>
+        <p:blipFill>
+          <a:blip r:embed="rId5"/>
+          <a:stretch>
+            <a:fillRect/>
+          </a:stretch>
+        </p:blipFill>
+        <p:spPr>
+          <a:xfrm>
+            <a:off x="1059334" y="4085581"/>
+            <a:ext cx="4286250" cy="1590675"/>
+          </a:xfrm>
+          <a:prstGeom prst="rect">
+            <a:avLst/>
+          </a:prstGeom>
+        </p:spPr>
+      </p:pic>
       <p:sp>
         <p:nvSpPr>
-          <p:cNvPr id="10" name="TextBox 9">
+          <p:cNvPr id="12" name="Szövegdoboz 11">
             <a:extLst>
               <a:ext uri="{FF2B5EF4-FFF2-40B4-BE49-F238E27FC236}">
-                <a16:creationId xmlns:a16="http://schemas.microsoft.com/office/drawing/2014/main" id="{84D44A4B-E27F-C00F-AB4D-DB201E684186}"/>
+                <a16:creationId xmlns:a16="http://schemas.microsoft.com/office/drawing/2014/main" id="{31CBE573-8513-DE83-20BE-3238AC15D8B0}"/>
               </a:ext>
             </a:extLst>
           </p:cNvPr>
@@ -11074,8 +11662,8 @@
         </p:nvSpPr>
         <p:spPr>
           <a:xfrm>
-            <a:off x="2225494" y="2087126"/>
-            <a:ext cx="1855960" cy="369332"/>
+            <a:off x="2056382" y="3505510"/>
+            <a:ext cx="2743199" cy="365760"/>
           </a:xfrm>
           <a:prstGeom prst="rect">
             <a:avLst/>
@@ -11083,24 +11671,27 @@
           <a:noFill/>
         </p:spPr>
         <p:txBody>
-          <a:bodyPr wrap="square" rtlCol="0">
+          <a:bodyPr rot="0" spcFirstLastPara="0" vertOverflow="overflow" horzOverflow="overflow" vert="horz" wrap="square" lIns="91440" tIns="45720" rIns="91440" bIns="45720" numCol="1" spcCol="0" rtlCol="0" fromWordArt="0" anchor="t" anchorCtr="0" forceAA="0" compatLnSpc="1">
+            <a:prstTxWarp prst="textNoShape">
+              <a:avLst/>
+            </a:prstTxWarp>
             <a:spAutoFit/>
           </a:bodyPr>
           <a:lstStyle/>
           <a:p>
             <a:r>
               <a:rPr lang="hu-HU" dirty="0"/>
-              <a:t>Delivery SW1</a:t>
+              <a:t>AssemblySW1 G1/0/10</a:t>
             </a:r>
           </a:p>
         </p:txBody>
       </p:sp>
       <p:sp>
         <p:nvSpPr>
-          <p:cNvPr id="11" name="TextBox 10">
+          <p:cNvPr id="18" name="Szövegdoboz 17">
             <a:extLst>
               <a:ext uri="{FF2B5EF4-FFF2-40B4-BE49-F238E27FC236}">
-                <a16:creationId xmlns:a16="http://schemas.microsoft.com/office/drawing/2014/main" id="{587D9C0F-A73A-F61E-9216-D8715154DC4D}"/>
+                <a16:creationId xmlns:a16="http://schemas.microsoft.com/office/drawing/2014/main" id="{A614D6DF-656F-A8A8-0344-8C9DE830071E}"/>
               </a:ext>
             </a:extLst>
           </p:cNvPr>
@@ -11109,8 +11700,8 @@
         </p:nvSpPr>
         <p:spPr>
           <a:xfrm>
-            <a:off x="7763774" y="2196875"/>
-            <a:ext cx="2777705" cy="369332"/>
+            <a:off x="7586954" y="3509229"/>
+            <a:ext cx="2743199" cy="365760"/>
           </a:xfrm>
           <a:prstGeom prst="rect">
             <a:avLst/>
@@ -11118,325 +11709,94 @@
           <a:noFill/>
         </p:spPr>
         <p:txBody>
-          <a:bodyPr wrap="square" rtlCol="0">
+          <a:bodyPr rot="0" spcFirstLastPara="0" vertOverflow="overflow" horzOverflow="overflow" vert="horz" wrap="square" lIns="91440" tIns="45720" rIns="91440" bIns="45720" numCol="1" spcCol="0" rtlCol="0" fromWordArt="0" anchor="t" anchorCtr="0" forceAA="0" compatLnSpc="1">
+            <a:prstTxWarp prst="textNoShape">
+              <a:avLst/>
+            </a:prstTxWarp>
             <a:spAutoFit/>
           </a:bodyPr>
           <a:lstStyle/>
           <a:p>
             <a:r>
               <a:rPr lang="hu-HU" dirty="0"/>
-              <a:t>Delivery SW2</a:t>
+              <a:t>AssemblySW1 G1/0/5</a:t>
             </a:r>
           </a:p>
         </p:txBody>
       </p:sp>
-      <p:pic>
-        <p:nvPicPr>
-          <p:cNvPr id="6" name="Kép 5"/>
-          <p:cNvPicPr>
-            <a:picLocks noChangeAspect="1"/>
-          </p:cNvPicPr>
-          <p:nvPr/>
-        </p:nvPicPr>
-        <p:blipFill>
-          <a:blip r:embed="rId2">
+      <p:sp>
+        <p:nvSpPr>
+          <p:cNvPr id="19" name="Szövegdoboz 18">
             <a:extLst>
-              <a:ext uri="{28A0092B-C50C-407E-A947-70E740481C1C}">
-                <a14:useLocalDpi xmlns:a14="http://schemas.microsoft.com/office/drawing/2010/main" val="0"/>
+              <a:ext uri="{FF2B5EF4-FFF2-40B4-BE49-F238E27FC236}">
+                <a16:creationId xmlns:a16="http://schemas.microsoft.com/office/drawing/2014/main" id="{85A87586-A8B4-D16A-A98E-0E4F4DC63080}"/>
               </a:ext>
             </a:extLst>
-          </a:blip>
-          <a:stretch>
-            <a:fillRect/>
-          </a:stretch>
-        </p:blipFill>
-        <p:spPr>
-          <a:xfrm>
-            <a:off x="184767" y="4186348"/>
-            <a:ext cx="4081454" cy="2353667"/>
-          </a:xfrm>
-          <a:prstGeom prst="rect">
-            <a:avLst/>
-          </a:prstGeom>
-        </p:spPr>
-      </p:pic>
-      <p:pic>
-        <p:nvPicPr>
-          <p:cNvPr id="7" name="Kép 6"/>
-          <p:cNvPicPr>
-            <a:picLocks noChangeAspect="1"/>
-          </p:cNvPicPr>
-          <p:nvPr/>
-        </p:nvPicPr>
-        <p:blipFill>
-          <a:blip r:embed="rId3">
-            <a:extLst>
-              <a:ext uri="{28A0092B-C50C-407E-A947-70E740481C1C}">
-                <a14:useLocalDpi xmlns:a14="http://schemas.microsoft.com/office/drawing/2010/main" val="0"/>
-              </a:ext>
-            </a:extLst>
-          </a:blip>
-          <a:stretch>
-            <a:fillRect/>
-          </a:stretch>
-        </p:blipFill>
-        <p:spPr>
-          <a:xfrm>
-            <a:off x="459093" y="2456459"/>
-            <a:ext cx="4562487" cy="1729023"/>
-          </a:xfrm>
-          <a:prstGeom prst="rect">
-            <a:avLst/>
-          </a:prstGeom>
-        </p:spPr>
-      </p:pic>
-      <p:pic>
-        <p:nvPicPr>
-          <p:cNvPr id="9" name="Kép 8"/>
-          <p:cNvPicPr>
-            <a:picLocks noChangeAspect="1"/>
-          </p:cNvPicPr>
-          <p:nvPr/>
-        </p:nvPicPr>
-        <p:blipFill>
-          <a:blip r:embed="rId4">
-            <a:extLst>
-              <a:ext uri="{28A0092B-C50C-407E-A947-70E740481C1C}">
-                <a14:useLocalDpi xmlns:a14="http://schemas.microsoft.com/office/drawing/2010/main" val="0"/>
-              </a:ext>
-            </a:extLst>
-          </a:blip>
-          <a:stretch>
-            <a:fillRect/>
-          </a:stretch>
-        </p:blipFill>
-        <p:spPr>
-          <a:xfrm>
-            <a:off x="6531429" y="2566207"/>
-            <a:ext cx="4354286" cy="1757161"/>
-          </a:xfrm>
-          <a:prstGeom prst="rect">
-            <a:avLst/>
-          </a:prstGeom>
-        </p:spPr>
-      </p:pic>
-      <p:pic>
-        <p:nvPicPr>
-          <p:cNvPr id="13" name="Kép 12"/>
-          <p:cNvPicPr>
-            <a:picLocks noChangeAspect="1"/>
-          </p:cNvPicPr>
-          <p:nvPr/>
-        </p:nvPicPr>
-        <p:blipFill>
-          <a:blip r:embed="rId5">
-            <a:extLst>
-              <a:ext uri="{28A0092B-C50C-407E-A947-70E740481C1C}">
-                <a14:useLocalDpi xmlns:a14="http://schemas.microsoft.com/office/drawing/2010/main" val="0"/>
-              </a:ext>
-            </a:extLst>
-          </a:blip>
-          <a:stretch>
-            <a:fillRect/>
-          </a:stretch>
-        </p:blipFill>
-        <p:spPr>
-          <a:xfrm>
-            <a:off x="7156352" y="4323368"/>
-            <a:ext cx="4428226" cy="2380960"/>
-          </a:xfrm>
-          <a:prstGeom prst="rect">
-            <a:avLst/>
-          </a:prstGeom>
-        </p:spPr>
-      </p:pic>
-      <p:sp>
-        <p:nvSpPr>
-          <p:cNvPr id="14" name="Téglalap 13"/>
-          <p:cNvSpPr/>
+          </p:cNvPr>
+          <p:cNvSpPr txBox="1"/>
           <p:nvPr/>
         </p:nvSpPr>
         <p:spPr>
           <a:xfrm>
-            <a:off x="184767" y="4366260"/>
-            <a:ext cx="3629587" cy="548640"/>
+            <a:off x="1738953" y="6058736"/>
+            <a:ext cx="2743199" cy="365760"/>
           </a:xfrm>
           <a:prstGeom prst="rect">
             <a:avLst/>
           </a:prstGeom>
           <a:noFill/>
-          <a:ln>
-            <a:solidFill>
-              <a:schemeClr val="accent6">
-                <a:lumMod val="60000"/>
-                <a:lumOff val="40000"/>
-              </a:schemeClr>
-            </a:solidFill>
-          </a:ln>
         </p:spPr>
-        <p:style>
-          <a:lnRef idx="2">
-            <a:schemeClr val="accent1">
-              <a:shade val="50000"/>
-            </a:schemeClr>
-          </a:lnRef>
-          <a:fillRef idx="1">
-            <a:schemeClr val="accent1"/>
-          </a:fillRef>
-          <a:effectRef idx="0">
-            <a:schemeClr val="accent1"/>
-          </a:effectRef>
-          <a:fontRef idx="minor">
-            <a:schemeClr val="lt1"/>
-          </a:fontRef>
-        </p:style>
         <p:txBody>
-          <a:bodyPr rtlCol="0" anchor="ctr"/>
+          <a:bodyPr rot="0" spcFirstLastPara="0" vertOverflow="overflow" horzOverflow="overflow" vert="horz" wrap="square" lIns="91440" tIns="45720" rIns="91440" bIns="45720" numCol="1" spcCol="0" rtlCol="0" fromWordArt="0" anchor="t" anchorCtr="0" forceAA="0" compatLnSpc="1">
+            <a:prstTxWarp prst="textNoShape">
+              <a:avLst/>
+            </a:prstTxWarp>
+            <a:spAutoFit/>
+          </a:bodyPr>
           <a:lstStyle/>
           <a:p>
-            <a:pPr algn="ctr"/>
-            <a:endParaRPr lang="hu-HU"/>
+            <a:r>
+              <a:rPr lang="hu-HU" dirty="0"/>
+              <a:t>AssemblySW2 G1/0/10</a:t>
+            </a:r>
           </a:p>
         </p:txBody>
       </p:sp>
       <p:sp>
         <p:nvSpPr>
-          <p:cNvPr id="15" name="Téglalap 14"/>
-          <p:cNvSpPr/>
+          <p:cNvPr id="20" name="Szövegdoboz 19">
+            <a:extLst>
+              <a:ext uri="{FF2B5EF4-FFF2-40B4-BE49-F238E27FC236}">
+                <a16:creationId xmlns:a16="http://schemas.microsoft.com/office/drawing/2014/main" id="{B504728D-D55A-8056-C733-6F6E5580AC70}"/>
+              </a:ext>
+            </a:extLst>
+          </p:cNvPr>
+          <p:cNvSpPr txBox="1"/>
           <p:nvPr/>
         </p:nvSpPr>
         <p:spPr>
           <a:xfrm>
-            <a:off x="7156352" y="4502331"/>
-            <a:ext cx="3729363" cy="531223"/>
+            <a:off x="8059913" y="6224350"/>
+            <a:ext cx="2743199" cy="365760"/>
           </a:xfrm>
           <a:prstGeom prst="rect">
             <a:avLst/>
           </a:prstGeom>
           <a:noFill/>
-          <a:ln>
-            <a:solidFill>
-              <a:schemeClr val="accent6">
-                <a:lumMod val="60000"/>
-                <a:lumOff val="40000"/>
-              </a:schemeClr>
-            </a:solidFill>
-          </a:ln>
         </p:spPr>
-        <p:style>
-          <a:lnRef idx="2">
-            <a:schemeClr val="accent1">
-              <a:shade val="50000"/>
-            </a:schemeClr>
-          </a:lnRef>
-          <a:fillRef idx="1">
-            <a:schemeClr val="accent1"/>
-          </a:fillRef>
-          <a:effectRef idx="0">
-            <a:schemeClr val="accent1"/>
-          </a:effectRef>
-          <a:fontRef idx="minor">
-            <a:schemeClr val="lt1"/>
-          </a:fontRef>
-        </p:style>
         <p:txBody>
-          <a:bodyPr rtlCol="0" anchor="ctr"/>
+          <a:bodyPr rot="0" spcFirstLastPara="0" vertOverflow="overflow" horzOverflow="overflow" vert="horz" wrap="square" lIns="91440" tIns="45720" rIns="91440" bIns="45720" numCol="1" spcCol="0" rtlCol="0" fromWordArt="0" anchor="t" anchorCtr="0" forceAA="0" compatLnSpc="1">
+            <a:prstTxWarp prst="textNoShape">
+              <a:avLst/>
+            </a:prstTxWarp>
+            <a:spAutoFit/>
+          </a:bodyPr>
           <a:lstStyle/>
           <a:p>
-            <a:pPr algn="ctr"/>
-            <a:endParaRPr lang="hu-HU"/>
-          </a:p>
-        </p:txBody>
-      </p:sp>
-      <p:sp>
-        <p:nvSpPr>
-          <p:cNvPr id="16" name="Téglalap 15"/>
-          <p:cNvSpPr/>
-          <p:nvPr/>
-        </p:nvSpPr>
-        <p:spPr>
-          <a:xfrm>
-            <a:off x="507972" y="3322320"/>
-            <a:ext cx="4475508" cy="838200"/>
-          </a:xfrm>
-          <a:prstGeom prst="rect">
-            <a:avLst/>
-          </a:prstGeom>
-          <a:noFill/>
-          <a:ln>
-            <a:solidFill>
-              <a:schemeClr val="accent6"/>
-            </a:solidFill>
-          </a:ln>
-        </p:spPr>
-        <p:style>
-          <a:lnRef idx="2">
-            <a:schemeClr val="accent1">
-              <a:shade val="50000"/>
-            </a:schemeClr>
-          </a:lnRef>
-          <a:fillRef idx="1">
-            <a:schemeClr val="accent1"/>
-          </a:fillRef>
-          <a:effectRef idx="0">
-            <a:schemeClr val="accent1"/>
-          </a:effectRef>
-          <a:fontRef idx="minor">
-            <a:schemeClr val="lt1"/>
-          </a:fontRef>
-        </p:style>
-        <p:txBody>
-          <a:bodyPr rtlCol="0" anchor="ctr"/>
-          <a:lstStyle/>
-          <a:p>
-            <a:pPr algn="ctr"/>
-            <a:endParaRPr lang="hu-HU"/>
-          </a:p>
-        </p:txBody>
-      </p:sp>
-      <p:sp>
-        <p:nvSpPr>
-          <p:cNvPr id="17" name="Téglalap 16"/>
-          <p:cNvSpPr/>
-          <p:nvPr/>
-        </p:nvSpPr>
-        <p:spPr>
-          <a:xfrm>
-            <a:off x="6619603" y="3444240"/>
-            <a:ext cx="4197531" cy="856268"/>
-          </a:xfrm>
-          <a:prstGeom prst="rect">
-            <a:avLst/>
-          </a:prstGeom>
-          <a:noFill/>
-          <a:ln>
-            <a:solidFill>
-              <a:schemeClr val="accent6"/>
-            </a:solidFill>
-          </a:ln>
-        </p:spPr>
-        <p:style>
-          <a:lnRef idx="2">
-            <a:schemeClr val="accent1">
-              <a:shade val="50000"/>
-            </a:schemeClr>
-          </a:lnRef>
-          <a:fillRef idx="1">
-            <a:schemeClr val="accent1"/>
-          </a:fillRef>
-          <a:effectRef idx="0">
-            <a:schemeClr val="accent1"/>
-          </a:effectRef>
-          <a:fontRef idx="minor">
-            <a:schemeClr val="lt1"/>
-          </a:fontRef>
-        </p:style>
-        <p:txBody>
-          <a:bodyPr rtlCol="0" anchor="ctr"/>
-          <a:lstStyle/>
-          <a:p>
-            <a:pPr algn="ctr"/>
-            <a:endParaRPr lang="hu-HU"/>
+            <a:r>
+              <a:rPr lang="hu-HU" dirty="0"/>
+              <a:t>AssemblySW2 G1/0/5</a:t>
+            </a:r>
           </a:p>
         </p:txBody>
       </p:sp>
@@ -14011,15 +14371,7 @@
           <a:p>
             <a:r>
               <a:rPr lang="hu-HU" dirty="0"/>
-              <a:t>DHCP server(</a:t>
-            </a:r>
-            <a:r>
-              <a:rPr lang="hu-HU" dirty="0" err="1"/>
-              <a:t>Ubuntu</a:t>
-            </a:r>
-            <a:r>
-              <a:rPr lang="hu-HU" dirty="0"/>
-              <a:t>)</a:t>
+              <a:t>DHCP server(Windows)</a:t>
             </a:r>
           </a:p>
         </p:txBody>
@@ -28010,7 +28362,7 @@
         </p:nvSpPr>
         <p:spPr>
           <a:xfrm>
-            <a:off x="4325519" y="3490544"/>
+            <a:off x="4191654" y="730868"/>
             <a:ext cx="9404723" cy="1400530"/>
           </a:xfrm>
         </p:spPr>
@@ -28050,13 +28402,13 @@
             <p:ph idx="1"/>
             <p:extLst>
               <p:ext uri="{D42A27DB-BD31-4B8C-83A1-F6EECF244321}">
-                <p14:modId xmlns:p14="http://schemas.microsoft.com/office/powerpoint/2010/main" val="1810973671"/>
+                <p14:modId xmlns:p14="http://schemas.microsoft.com/office/powerpoint/2010/main" val="1396513646"/>
               </p:ext>
             </p:extLst>
           </p:nvPr>
         </p:nvGraphicFramePr>
         <p:xfrm>
-          <a:off x="2383890" y="0"/>
+          <a:off x="1189404" y="2275703"/>
           <a:ext cx="9808110" cy="2870772"/>
         </p:xfrm>
         <a:graphic>

--- a/BorsodNet.pptx
+++ b/BorsodNet.pptx
@@ -15,34 +15,37 @@
     <p:sldId id="258" r:id="rId9"/>
     <p:sldId id="259" r:id="rId10"/>
     <p:sldId id="286" r:id="rId11"/>
-    <p:sldId id="261" r:id="rId12"/>
-    <p:sldId id="274" r:id="rId13"/>
-    <p:sldId id="264" r:id="rId14"/>
-    <p:sldId id="265" r:id="rId15"/>
-    <p:sldId id="262" r:id="rId16"/>
-    <p:sldId id="263" r:id="rId17"/>
-    <p:sldId id="288" r:id="rId18"/>
-    <p:sldId id="272" r:id="rId19"/>
-    <p:sldId id="290" r:id="rId20"/>
-    <p:sldId id="267" r:id="rId21"/>
-    <p:sldId id="268" r:id="rId22"/>
-    <p:sldId id="291" r:id="rId23"/>
-    <p:sldId id="292" r:id="rId24"/>
-    <p:sldId id="293" r:id="rId25"/>
-    <p:sldId id="275" r:id="rId26"/>
-    <p:sldId id="294" r:id="rId27"/>
-    <p:sldId id="278" r:id="rId28"/>
-    <p:sldId id="279" r:id="rId29"/>
-    <p:sldId id="270" r:id="rId30"/>
-    <p:sldId id="271" r:id="rId31"/>
-    <p:sldId id="276" r:id="rId32"/>
-    <p:sldId id="277" r:id="rId33"/>
-    <p:sldId id="283" r:id="rId34"/>
-    <p:sldId id="295" r:id="rId35"/>
-    <p:sldId id="281" r:id="rId36"/>
-    <p:sldId id="282" r:id="rId37"/>
-    <p:sldId id="296" r:id="rId38"/>
-    <p:sldId id="273" r:id="rId39"/>
+    <p:sldId id="297" r:id="rId12"/>
+    <p:sldId id="261" r:id="rId13"/>
+    <p:sldId id="274" r:id="rId14"/>
+    <p:sldId id="264" r:id="rId15"/>
+    <p:sldId id="265" r:id="rId16"/>
+    <p:sldId id="262" r:id="rId17"/>
+    <p:sldId id="263" r:id="rId18"/>
+    <p:sldId id="288" r:id="rId19"/>
+    <p:sldId id="272" r:id="rId20"/>
+    <p:sldId id="290" r:id="rId21"/>
+    <p:sldId id="267" r:id="rId22"/>
+    <p:sldId id="268" r:id="rId23"/>
+    <p:sldId id="291" r:id="rId24"/>
+    <p:sldId id="292" r:id="rId25"/>
+    <p:sldId id="298" r:id="rId26"/>
+    <p:sldId id="299" r:id="rId27"/>
+    <p:sldId id="293" r:id="rId28"/>
+    <p:sldId id="275" r:id="rId29"/>
+    <p:sldId id="294" r:id="rId30"/>
+    <p:sldId id="278" r:id="rId31"/>
+    <p:sldId id="279" r:id="rId32"/>
+    <p:sldId id="270" r:id="rId33"/>
+    <p:sldId id="271" r:id="rId34"/>
+    <p:sldId id="276" r:id="rId35"/>
+    <p:sldId id="277" r:id="rId36"/>
+    <p:sldId id="283" r:id="rId37"/>
+    <p:sldId id="295" r:id="rId38"/>
+    <p:sldId id="281" r:id="rId39"/>
+    <p:sldId id="282" r:id="rId40"/>
+    <p:sldId id="296" r:id="rId41"/>
+    <p:sldId id="273" r:id="rId42"/>
   </p:sldIdLst>
   <p:sldSz cx="12192000" cy="6858000"/>
   <p:notesSz cx="6858000" cy="9144000"/>
@@ -152,7 +155,7 @@
 <file path=ppt/revisionInfo.xml><?xml version="1.0" encoding="utf-8"?>
 <p1510:revInfo xmlns:a="http://schemas.openxmlformats.org/drawingml/2006/main" xmlns:r="http://schemas.openxmlformats.org/officeDocument/2006/relationships" xmlns:p1510="http://schemas.microsoft.com/office/powerpoint/2015/10/main">
   <p1510:revLst>
-    <p1510:client id="{7D9035FE-41C0-E025-4305-8A227E9B18C9}" v="318" dt="2025-03-12T10:54:25.660"/>
+    <p1510:client id="{C766CDF1-C6F3-F1D1-A60D-8ED6C0F87FF6}" v="557" dt="2025-03-17T09:12:45.245"/>
   </p1510:revLst>
 </p1510:revInfo>
 </file>
@@ -2217,6 +2220,860 @@
             <pc:docMk/>
             <pc:sldMk cId="2149205326" sldId="285"/>
             <ac:picMk id="5" creationId="{3C7F40E5-0EDB-4515-2BE0-C69035FB3E89}"/>
+          </ac:picMkLst>
+        </pc:picChg>
+      </pc:sldChg>
+    </pc:docChg>
+  </pc:docChgLst>
+  <pc:docChgLst>
+    <pc:chgData name="Kristóf Lajka" userId="5e6963896e59b084" providerId="Windows Live" clId="Web-{C766CDF1-C6F3-F1D1-A60D-8ED6C0F87FF6}"/>
+    <pc:docChg chg="addSld modSld">
+      <pc:chgData name="Kristóf Lajka" userId="5e6963896e59b084" providerId="Windows Live" clId="Web-{C766CDF1-C6F3-F1D1-A60D-8ED6C0F87FF6}" dt="2025-03-17T09:12:45.245" v="402" actId="1076"/>
+      <pc:docMkLst>
+        <pc:docMk/>
+      </pc:docMkLst>
+      <pc:sldChg chg="modSp">
+        <pc:chgData name="Kristóf Lajka" userId="5e6963896e59b084" providerId="Windows Live" clId="Web-{C766CDF1-C6F3-F1D1-A60D-8ED6C0F87FF6}" dt="2025-03-17T07:29:30.613" v="39"/>
+        <pc:sldMkLst>
+          <pc:docMk/>
+          <pc:sldMk cId="280766078" sldId="259"/>
+        </pc:sldMkLst>
+        <pc:graphicFrameChg chg="mod modGraphic">
+          <ac:chgData name="Kristóf Lajka" userId="5e6963896e59b084" providerId="Windows Live" clId="Web-{C766CDF1-C6F3-F1D1-A60D-8ED6C0F87FF6}" dt="2025-03-17T07:29:30.613" v="39"/>
+          <ac:graphicFrameMkLst>
+            <pc:docMk/>
+            <pc:sldMk cId="280766078" sldId="259"/>
+            <ac:graphicFrameMk id="8" creationId="{57BD3877-1494-77FD-5DCF-838AA688127B}"/>
+          </ac:graphicFrameMkLst>
+        </pc:graphicFrameChg>
+      </pc:sldChg>
+      <pc:sldChg chg="addSp delSp modSp">
+        <pc:chgData name="Kristóf Lajka" userId="5e6963896e59b084" providerId="Windows Live" clId="Web-{C766CDF1-C6F3-F1D1-A60D-8ED6C0F87FF6}" dt="2025-03-17T09:02:29.413" v="347"/>
+        <pc:sldMkLst>
+          <pc:docMk/>
+          <pc:sldMk cId="410447792" sldId="263"/>
+        </pc:sldMkLst>
+        <pc:spChg chg="add del">
+          <ac:chgData name="Kristóf Lajka" userId="5e6963896e59b084" providerId="Windows Live" clId="Web-{C766CDF1-C6F3-F1D1-A60D-8ED6C0F87FF6}" dt="2025-03-17T07:35:30.300" v="81"/>
+          <ac:spMkLst>
+            <pc:docMk/>
+            <pc:sldMk cId="410447792" sldId="263"/>
+            <ac:spMk id="2" creationId="{C5212948-0142-3E06-0AD6-9CD0827A0754}"/>
+          </ac:spMkLst>
+        </pc:spChg>
+        <pc:spChg chg="add del">
+          <ac:chgData name="Kristóf Lajka" userId="5e6963896e59b084" providerId="Windows Live" clId="Web-{C766CDF1-C6F3-F1D1-A60D-8ED6C0F87FF6}" dt="2025-03-17T07:35:42.082" v="94"/>
+          <ac:spMkLst>
+            <pc:docMk/>
+            <pc:sldMk cId="410447792" sldId="263"/>
+            <ac:spMk id="3" creationId="{00000000-0000-0000-0000-000000000000}"/>
+          </ac:spMkLst>
+        </pc:spChg>
+        <pc:spChg chg="add mod">
+          <ac:chgData name="Kristóf Lajka" userId="5e6963896e59b084" providerId="Windows Live" clId="Web-{C766CDF1-C6F3-F1D1-A60D-8ED6C0F87FF6}" dt="2025-03-17T09:01:14.395" v="336"/>
+          <ac:spMkLst>
+            <pc:docMk/>
+            <pc:sldMk cId="410447792" sldId="263"/>
+            <ac:spMk id="3" creationId="{EE3B2000-E809-520C-D088-E4179B0DD179}"/>
+          </ac:spMkLst>
+        </pc:spChg>
+        <pc:spChg chg="add mod">
+          <ac:chgData name="Kristóf Lajka" userId="5e6963896e59b084" providerId="Windows Live" clId="Web-{C766CDF1-C6F3-F1D1-A60D-8ED6C0F87FF6}" dt="2025-03-17T09:01:38.490" v="339"/>
+          <ac:spMkLst>
+            <pc:docMk/>
+            <pc:sldMk cId="410447792" sldId="263"/>
+            <ac:spMk id="4" creationId="{6DED2F2A-FD39-2F19-BFD0-E8178437EBDB}"/>
+          </ac:spMkLst>
+        </pc:spChg>
+        <pc:spChg chg="add del">
+          <ac:chgData name="Kristóf Lajka" userId="5e6963896e59b084" providerId="Windows Live" clId="Web-{C766CDF1-C6F3-F1D1-A60D-8ED6C0F87FF6}" dt="2025-03-17T07:35:42.082" v="93"/>
+          <ac:spMkLst>
+            <pc:docMk/>
+            <pc:sldMk cId="410447792" sldId="263"/>
+            <ac:spMk id="5" creationId="{00000000-0000-0000-0000-000000000000}"/>
+          </ac:spMkLst>
+        </pc:spChg>
+        <pc:spChg chg="add mod">
+          <ac:chgData name="Kristóf Lajka" userId="5e6963896e59b084" providerId="Windows Live" clId="Web-{C766CDF1-C6F3-F1D1-A60D-8ED6C0F87FF6}" dt="2025-03-17T09:02:14.975" v="343"/>
+          <ac:spMkLst>
+            <pc:docMk/>
+            <pc:sldMk cId="410447792" sldId="263"/>
+            <ac:spMk id="5" creationId="{731DF5AE-F685-C172-853A-A6DA3E7B851C}"/>
+          </ac:spMkLst>
+        </pc:spChg>
+        <pc:spChg chg="add del">
+          <ac:chgData name="Kristóf Lajka" userId="5e6963896e59b084" providerId="Windows Live" clId="Web-{C766CDF1-C6F3-F1D1-A60D-8ED6C0F87FF6}" dt="2025-03-17T07:35:42.082" v="92"/>
+          <ac:spMkLst>
+            <pc:docMk/>
+            <pc:sldMk cId="410447792" sldId="263"/>
+            <ac:spMk id="6" creationId="{00000000-0000-0000-0000-000000000000}"/>
+          </ac:spMkLst>
+        </pc:spChg>
+        <pc:spChg chg="add del">
+          <ac:chgData name="Kristóf Lajka" userId="5e6963896e59b084" providerId="Windows Live" clId="Web-{C766CDF1-C6F3-F1D1-A60D-8ED6C0F87FF6}" dt="2025-03-17T09:02:27.366" v="345"/>
+          <ac:spMkLst>
+            <pc:docMk/>
+            <pc:sldMk cId="410447792" sldId="263"/>
+            <ac:spMk id="6" creationId="{A619E14B-2B01-83BB-3F2E-6D42EB8CE87F}"/>
+          </ac:spMkLst>
+        </pc:spChg>
+        <pc:spChg chg="add mod">
+          <ac:chgData name="Kristóf Lajka" userId="5e6963896e59b084" providerId="Windows Live" clId="Web-{C766CDF1-C6F3-F1D1-A60D-8ED6C0F87FF6}" dt="2025-03-17T09:02:29.413" v="347"/>
+          <ac:spMkLst>
+            <pc:docMk/>
+            <pc:sldMk cId="410447792" sldId="263"/>
+            <ac:spMk id="7" creationId="{D9A4F23B-5C79-15F6-FEAB-7544433C6C8A}"/>
+          </ac:spMkLst>
+        </pc:spChg>
+        <pc:spChg chg="add del">
+          <ac:chgData name="Kristóf Lajka" userId="5e6963896e59b084" providerId="Windows Live" clId="Web-{C766CDF1-C6F3-F1D1-A60D-8ED6C0F87FF6}" dt="2025-03-17T07:35:42.082" v="91"/>
+          <ac:spMkLst>
+            <pc:docMk/>
+            <pc:sldMk cId="410447792" sldId="263"/>
+            <ac:spMk id="9" creationId="{00000000-0000-0000-0000-000000000000}"/>
+          </ac:spMkLst>
+        </pc:spChg>
+        <pc:spChg chg="del">
+          <ac:chgData name="Kristóf Lajka" userId="5e6963896e59b084" providerId="Windows Live" clId="Web-{C766CDF1-C6F3-F1D1-A60D-8ED6C0F87FF6}" dt="2025-03-17T07:35:23.378" v="71"/>
+          <ac:spMkLst>
+            <pc:docMk/>
+            <pc:sldMk cId="410447792" sldId="263"/>
+            <ac:spMk id="10" creationId="{F987FC22-7588-E1A3-5358-3DA087A4E833}"/>
+          </ac:spMkLst>
+        </pc:spChg>
+        <pc:spChg chg="add del">
+          <ac:chgData name="Kristóf Lajka" userId="5e6963896e59b084" providerId="Windows Live" clId="Web-{C766CDF1-C6F3-F1D1-A60D-8ED6C0F87FF6}" dt="2025-03-17T07:35:42.082" v="95"/>
+          <ac:spMkLst>
+            <pc:docMk/>
+            <pc:sldMk cId="410447792" sldId="263"/>
+            <ac:spMk id="11" creationId="{08E189C2-0C59-B446-197E-FE15E0A7973F}"/>
+          </ac:spMkLst>
+        </pc:spChg>
+        <pc:spChg chg="add del">
+          <ac:chgData name="Kristóf Lajka" userId="5e6963896e59b084" providerId="Windows Live" clId="Web-{C766CDF1-C6F3-F1D1-A60D-8ED6C0F87FF6}" dt="2025-03-17T07:35:42.082" v="90"/>
+          <ac:spMkLst>
+            <pc:docMk/>
+            <pc:sldMk cId="410447792" sldId="263"/>
+            <ac:spMk id="12" creationId="{00000000-0000-0000-0000-000000000000}"/>
+          </ac:spMkLst>
+        </pc:spChg>
+        <pc:spChg chg="add del">
+          <ac:chgData name="Kristóf Lajka" userId="5e6963896e59b084" providerId="Windows Live" clId="Web-{C766CDF1-C6F3-F1D1-A60D-8ED6C0F87FF6}" dt="2025-03-17T07:35:42.082" v="89"/>
+          <ac:spMkLst>
+            <pc:docMk/>
+            <pc:sldMk cId="410447792" sldId="263"/>
+            <ac:spMk id="13" creationId="{00000000-0000-0000-0000-000000000000}"/>
+          </ac:spMkLst>
+        </pc:spChg>
+        <pc:spChg chg="del">
+          <ac:chgData name="Kristóf Lajka" userId="5e6963896e59b084" providerId="Windows Live" clId="Web-{C766CDF1-C6F3-F1D1-A60D-8ED6C0F87FF6}" dt="2025-03-17T07:35:23.378" v="69"/>
+          <ac:spMkLst>
+            <pc:docMk/>
+            <pc:sldMk cId="410447792" sldId="263"/>
+            <ac:spMk id="14" creationId="{00000000-0000-0000-0000-000000000000}"/>
+          </ac:spMkLst>
+        </pc:spChg>
+        <pc:spChg chg="del">
+          <ac:chgData name="Kristóf Lajka" userId="5e6963896e59b084" providerId="Windows Live" clId="Web-{C766CDF1-C6F3-F1D1-A60D-8ED6C0F87FF6}" dt="2025-03-17T07:35:23.378" v="68"/>
+          <ac:spMkLst>
+            <pc:docMk/>
+            <pc:sldMk cId="410447792" sldId="263"/>
+            <ac:spMk id="15" creationId="{00000000-0000-0000-0000-000000000000}"/>
+          </ac:spMkLst>
+        </pc:spChg>
+        <pc:spChg chg="del">
+          <ac:chgData name="Kristóf Lajka" userId="5e6963896e59b084" providerId="Windows Live" clId="Web-{C766CDF1-C6F3-F1D1-A60D-8ED6C0F87FF6}" dt="2025-03-17T07:35:23.378" v="67"/>
+          <ac:spMkLst>
+            <pc:docMk/>
+            <pc:sldMk cId="410447792" sldId="263"/>
+            <ac:spMk id="16" creationId="{00000000-0000-0000-0000-000000000000}"/>
+          </ac:spMkLst>
+        </pc:spChg>
+        <pc:spChg chg="del">
+          <ac:chgData name="Kristóf Lajka" userId="5e6963896e59b084" providerId="Windows Live" clId="Web-{C766CDF1-C6F3-F1D1-A60D-8ED6C0F87FF6}" dt="2025-03-17T07:35:23.378" v="66"/>
+          <ac:spMkLst>
+            <pc:docMk/>
+            <pc:sldMk cId="410447792" sldId="263"/>
+            <ac:spMk id="17" creationId="{00000000-0000-0000-0000-000000000000}"/>
+          </ac:spMkLst>
+        </pc:spChg>
+        <pc:spChg chg="del">
+          <ac:chgData name="Kristóf Lajka" userId="5e6963896e59b084" providerId="Windows Live" clId="Web-{C766CDF1-C6F3-F1D1-A60D-8ED6C0F87FF6}" dt="2025-03-17T07:35:23.378" v="65"/>
+          <ac:spMkLst>
+            <pc:docMk/>
+            <pc:sldMk cId="410447792" sldId="263"/>
+            <ac:spMk id="18" creationId="{00000000-0000-0000-0000-000000000000}"/>
+          </ac:spMkLst>
+        </pc:spChg>
+        <pc:spChg chg="del">
+          <ac:chgData name="Kristóf Lajka" userId="5e6963896e59b084" providerId="Windows Live" clId="Web-{C766CDF1-C6F3-F1D1-A60D-8ED6C0F87FF6}" dt="2025-03-17T07:35:23.378" v="64"/>
+          <ac:spMkLst>
+            <pc:docMk/>
+            <pc:sldMk cId="410447792" sldId="263"/>
+            <ac:spMk id="19" creationId="{00000000-0000-0000-0000-000000000000}"/>
+          </ac:spMkLst>
+        </pc:spChg>
+        <pc:spChg chg="add del mod">
+          <ac:chgData name="Kristóf Lajka" userId="5e6963896e59b084" providerId="Windows Live" clId="Web-{C766CDF1-C6F3-F1D1-A60D-8ED6C0F87FF6}" dt="2025-03-17T07:35:46.129" v="96"/>
+          <ac:spMkLst>
+            <pc:docMk/>
+            <pc:sldMk cId="410447792" sldId="263"/>
+            <ac:spMk id="21" creationId="{42EE1366-3734-A331-32BB-B33557886548}"/>
+          </ac:spMkLst>
+        </pc:spChg>
+        <pc:spChg chg="add del mod">
+          <ac:chgData name="Kristóf Lajka" userId="5e6963896e59b084" providerId="Windows Live" clId="Web-{C766CDF1-C6F3-F1D1-A60D-8ED6C0F87FF6}" dt="2025-03-17T07:35:30.300" v="81"/>
+          <ac:spMkLst>
+            <pc:docMk/>
+            <pc:sldMk cId="410447792" sldId="263"/>
+            <ac:spMk id="23" creationId="{D3B562D8-62A0-5EBD-8739-A07C3B87B716}"/>
+          </ac:spMkLst>
+        </pc:spChg>
+        <pc:spChg chg="add mod">
+          <ac:chgData name="Kristóf Lajka" userId="5e6963896e59b084" providerId="Windows Live" clId="Web-{C766CDF1-C6F3-F1D1-A60D-8ED6C0F87FF6}" dt="2025-03-17T07:46:13.936" v="198" actId="20577"/>
+          <ac:spMkLst>
+            <pc:docMk/>
+            <pc:sldMk cId="410447792" sldId="263"/>
+            <ac:spMk id="26" creationId="{E086F4C9-9B2F-56BB-861A-CDC257D3DB5C}"/>
+          </ac:spMkLst>
+        </pc:spChg>
+        <pc:spChg chg="add mod">
+          <ac:chgData name="Kristóf Lajka" userId="5e6963896e59b084" providerId="Windows Live" clId="Web-{C766CDF1-C6F3-F1D1-A60D-8ED6C0F87FF6}" dt="2025-03-17T07:46:11.014" v="195" actId="20577"/>
+          <ac:spMkLst>
+            <pc:docMk/>
+            <pc:sldMk cId="410447792" sldId="263"/>
+            <ac:spMk id="27" creationId="{1A637E19-EC17-A3F5-92D4-BD8FB05D1162}"/>
+          </ac:spMkLst>
+        </pc:spChg>
+        <pc:picChg chg="del">
+          <ac:chgData name="Kristóf Lajka" userId="5e6963896e59b084" providerId="Windows Live" clId="Web-{C766CDF1-C6F3-F1D1-A60D-8ED6C0F87FF6}" dt="2025-03-17T07:35:23.565" v="72"/>
+          <ac:picMkLst>
+            <pc:docMk/>
+            <pc:sldMk cId="410447792" sldId="263"/>
+            <ac:picMk id="4" creationId="{00000000-0000-0000-0000-000000000000}"/>
+          </ac:picMkLst>
+        </pc:picChg>
+        <pc:picChg chg="del">
+          <ac:chgData name="Kristóf Lajka" userId="5e6963896e59b084" providerId="Windows Live" clId="Web-{C766CDF1-C6F3-F1D1-A60D-8ED6C0F87FF6}" dt="2025-03-17T07:35:23.378" v="70"/>
+          <ac:picMkLst>
+            <pc:docMk/>
+            <pc:sldMk cId="410447792" sldId="263"/>
+            <ac:picMk id="7" creationId="{00000000-0000-0000-0000-000000000000}"/>
+          </ac:picMkLst>
+        </pc:picChg>
+        <pc:picChg chg="mod">
+          <ac:chgData name="Kristóf Lajka" userId="5e6963896e59b084" providerId="Windows Live" clId="Web-{C766CDF1-C6F3-F1D1-A60D-8ED6C0F87FF6}" dt="2025-03-17T07:45:33.247" v="164" actId="1076"/>
+          <ac:picMkLst>
+            <pc:docMk/>
+            <pc:sldMk cId="410447792" sldId="263"/>
+            <ac:picMk id="8" creationId="{00000000-0000-0000-0000-000000000000}"/>
+          </ac:picMkLst>
+        </pc:picChg>
+        <pc:picChg chg="add mod">
+          <ac:chgData name="Kristóf Lajka" userId="5e6963896e59b084" providerId="Windows Live" clId="Web-{C766CDF1-C6F3-F1D1-A60D-8ED6C0F87FF6}" dt="2025-03-17T07:45:28.606" v="161" actId="14100"/>
+          <ac:picMkLst>
+            <pc:docMk/>
+            <pc:sldMk cId="410447792" sldId="263"/>
+            <ac:picMk id="24" creationId="{9DDCF6F5-3015-9293-5381-91A9B683D8AA}"/>
+          </ac:picMkLst>
+        </pc:picChg>
+        <pc:picChg chg="add mod">
+          <ac:chgData name="Kristóf Lajka" userId="5e6963896e59b084" providerId="Windows Live" clId="Web-{C766CDF1-C6F3-F1D1-A60D-8ED6C0F87FF6}" dt="2025-03-17T07:45:36.419" v="165" actId="1076"/>
+          <ac:picMkLst>
+            <pc:docMk/>
+            <pc:sldMk cId="410447792" sldId="263"/>
+            <ac:picMk id="25" creationId="{40BBC710-8510-5495-F1EA-8426BED99C54}"/>
+          </ac:picMkLst>
+        </pc:picChg>
+      </pc:sldChg>
+      <pc:sldChg chg="addSp delSp modSp">
+        <pc:chgData name="Kristóf Lajka" userId="5e6963896e59b084" providerId="Windows Live" clId="Web-{C766CDF1-C6F3-F1D1-A60D-8ED6C0F87FF6}" dt="2025-03-17T09:03:30.806" v="356"/>
+        <pc:sldMkLst>
+          <pc:docMk/>
+          <pc:sldMk cId="1164550516" sldId="264"/>
+        </pc:sldMkLst>
+        <pc:spChg chg="add del">
+          <ac:chgData name="Kristóf Lajka" userId="5e6963896e59b084" providerId="Windows Live" clId="Web-{C766CDF1-C6F3-F1D1-A60D-8ED6C0F87FF6}" dt="2025-03-17T09:02:57.852" v="349"/>
+          <ac:spMkLst>
+            <pc:docMk/>
+            <pc:sldMk cId="1164550516" sldId="264"/>
+            <ac:spMk id="5" creationId="{9BE7DD5F-D4D9-310D-962F-6FBA9C558177}"/>
+          </ac:spMkLst>
+        </pc:spChg>
+        <pc:spChg chg="add mod">
+          <ac:chgData name="Kristóf Lajka" userId="5e6963896e59b084" providerId="Windows Live" clId="Web-{C766CDF1-C6F3-F1D1-A60D-8ED6C0F87FF6}" dt="2025-03-17T09:03:16.337" v="352"/>
+          <ac:spMkLst>
+            <pc:docMk/>
+            <pc:sldMk cId="1164550516" sldId="264"/>
+            <ac:spMk id="6" creationId="{BAA70F2B-F5C1-D075-8548-863ECAE56FF7}"/>
+          </ac:spMkLst>
+        </pc:spChg>
+        <pc:spChg chg="add del">
+          <ac:chgData name="Kristóf Lajka" userId="5e6963896e59b084" providerId="Windows Live" clId="Web-{C766CDF1-C6F3-F1D1-A60D-8ED6C0F87FF6}" dt="2025-03-17T09:03:25.165" v="354"/>
+          <ac:spMkLst>
+            <pc:docMk/>
+            <pc:sldMk cId="1164550516" sldId="264"/>
+            <ac:spMk id="7" creationId="{0EE69B1E-CE2D-583E-62A3-50354853CAAD}"/>
+          </ac:spMkLst>
+        </pc:spChg>
+        <pc:spChg chg="add mod">
+          <ac:chgData name="Kristóf Lajka" userId="5e6963896e59b084" providerId="Windows Live" clId="Web-{C766CDF1-C6F3-F1D1-A60D-8ED6C0F87FF6}" dt="2025-03-17T09:03:30.806" v="356"/>
+          <ac:spMkLst>
+            <pc:docMk/>
+            <pc:sldMk cId="1164550516" sldId="264"/>
+            <ac:spMk id="8" creationId="{5CA140C6-B81C-B4D0-09DA-F71B1F3E4C7E}"/>
+          </ac:spMkLst>
+        </pc:spChg>
+        <pc:spChg chg="mod">
+          <ac:chgData name="Kristóf Lajka" userId="5e6963896e59b084" providerId="Windows Live" clId="Web-{C766CDF1-C6F3-F1D1-A60D-8ED6C0F87FF6}" dt="2025-03-17T07:42:19.333" v="141" actId="1076"/>
+          <ac:spMkLst>
+            <pc:docMk/>
+            <pc:sldMk cId="1164550516" sldId="264"/>
+            <ac:spMk id="9" creationId="{6756BDFE-CA98-847F-7F34-2021040CD922}"/>
+          </ac:spMkLst>
+        </pc:spChg>
+        <pc:spChg chg="mod">
+          <ac:chgData name="Kristóf Lajka" userId="5e6963896e59b084" providerId="Windows Live" clId="Web-{C766CDF1-C6F3-F1D1-A60D-8ED6C0F87FF6}" dt="2025-03-17T07:42:41.771" v="147" actId="1076"/>
+          <ac:spMkLst>
+            <pc:docMk/>
+            <pc:sldMk cId="1164550516" sldId="264"/>
+            <ac:spMk id="10" creationId="{5CF803F1-DEBC-53A7-5C1A-AD4D4308CFDC}"/>
+          </ac:spMkLst>
+        </pc:spChg>
+        <pc:picChg chg="add mod">
+          <ac:chgData name="Kristóf Lajka" userId="5e6963896e59b084" providerId="Windows Live" clId="Web-{C766CDF1-C6F3-F1D1-A60D-8ED6C0F87FF6}" dt="2025-03-17T07:42:15.801" v="140" actId="1076"/>
+          <ac:picMkLst>
+            <pc:docMk/>
+            <pc:sldMk cId="1164550516" sldId="264"/>
+            <ac:picMk id="3" creationId="{9F122677-9F5E-E911-2545-499FE36105EE}"/>
+          </ac:picMkLst>
+        </pc:picChg>
+        <pc:picChg chg="add mod">
+          <ac:chgData name="Kristóf Lajka" userId="5e6963896e59b084" providerId="Windows Live" clId="Web-{C766CDF1-C6F3-F1D1-A60D-8ED6C0F87FF6}" dt="2025-03-17T07:42:37.568" v="146" actId="1076"/>
+          <ac:picMkLst>
+            <pc:docMk/>
+            <pc:sldMk cId="1164550516" sldId="264"/>
+            <ac:picMk id="4" creationId="{53D28135-B0F8-B9C3-F345-5D8F83F5FA3F}"/>
+          </ac:picMkLst>
+        </pc:picChg>
+        <pc:picChg chg="del">
+          <ac:chgData name="Kristóf Lajka" userId="5e6963896e59b084" providerId="Windows Live" clId="Web-{C766CDF1-C6F3-F1D1-A60D-8ED6C0F87FF6}" dt="2025-03-17T07:41:48.441" v="129"/>
+          <ac:picMkLst>
+            <pc:docMk/>
+            <pc:sldMk cId="1164550516" sldId="264"/>
+            <ac:picMk id="6" creationId="{0CE04A7B-39CA-0C55-A194-E64639AAED13}"/>
+          </ac:picMkLst>
+        </pc:picChg>
+        <pc:picChg chg="del">
+          <ac:chgData name="Kristóf Lajka" userId="5e6963896e59b084" providerId="Windows Live" clId="Web-{C766CDF1-C6F3-F1D1-A60D-8ED6C0F87FF6}" dt="2025-03-17T07:41:49.988" v="130"/>
+          <ac:picMkLst>
+            <pc:docMk/>
+            <pc:sldMk cId="1164550516" sldId="264"/>
+            <ac:picMk id="8" creationId="{7400E651-B61D-5CBA-7E23-76A235EAF73B}"/>
+          </ac:picMkLst>
+        </pc:picChg>
+      </pc:sldChg>
+      <pc:sldChg chg="addSp delSp modSp">
+        <pc:chgData name="Kristóf Lajka" userId="5e6963896e59b084" providerId="Windows Live" clId="Web-{C766CDF1-C6F3-F1D1-A60D-8ED6C0F87FF6}" dt="2025-03-17T08:59:35.861" v="324" actId="14100"/>
+        <pc:sldMkLst>
+          <pc:docMk/>
+          <pc:sldMk cId="1348046584" sldId="271"/>
+        </pc:sldMkLst>
+        <pc:spChg chg="add del mod">
+          <ac:chgData name="Kristóf Lajka" userId="5e6963896e59b084" providerId="Windows Live" clId="Web-{C766CDF1-C6F3-F1D1-A60D-8ED6C0F87FF6}" dt="2025-03-17T08:47:34.651" v="308"/>
+          <ac:spMkLst>
+            <pc:docMk/>
+            <pc:sldMk cId="1348046584" sldId="271"/>
+            <ac:spMk id="4" creationId="{C6763D4D-29EC-8816-0889-293C1BB8E530}"/>
+          </ac:spMkLst>
+        </pc:spChg>
+        <pc:spChg chg="add del mod">
+          <ac:chgData name="Kristóf Lajka" userId="5e6963896e59b084" providerId="Windows Live" clId="Web-{C766CDF1-C6F3-F1D1-A60D-8ED6C0F87FF6}" dt="2025-03-17T08:47:24.822" v="304"/>
+          <ac:spMkLst>
+            <pc:docMk/>
+            <pc:sldMk cId="1348046584" sldId="271"/>
+            <ac:spMk id="10" creationId="{B19B9E74-A0A8-D254-97E1-2B662B0A10CE}"/>
+          </ac:spMkLst>
+        </pc:spChg>
+        <pc:spChg chg="add del mod">
+          <ac:chgData name="Kristóf Lajka" userId="5e6963896e59b084" providerId="Windows Live" clId="Web-{C766CDF1-C6F3-F1D1-A60D-8ED6C0F87FF6}" dt="2025-03-17T08:47:24.822" v="305"/>
+          <ac:spMkLst>
+            <pc:docMk/>
+            <pc:sldMk cId="1348046584" sldId="271"/>
+            <ac:spMk id="11" creationId="{D9C616B7-823F-D0DB-AD4C-ABB881117D32}"/>
+          </ac:spMkLst>
+        </pc:spChg>
+        <pc:spChg chg="add del">
+          <ac:chgData name="Kristóf Lajka" userId="5e6963896e59b084" providerId="Windows Live" clId="Web-{C766CDF1-C6F3-F1D1-A60D-8ED6C0F87FF6}" dt="2025-03-17T08:47:24.822" v="306"/>
+          <ac:spMkLst>
+            <pc:docMk/>
+            <pc:sldMk cId="1348046584" sldId="271"/>
+            <ac:spMk id="12" creationId="{5164443B-8AE6-626F-5D9A-0BCC4B694EA9}"/>
+          </ac:spMkLst>
+        </pc:spChg>
+        <pc:spChg chg="add del mod">
+          <ac:chgData name="Kristóf Lajka" userId="5e6963896e59b084" providerId="Windows Live" clId="Web-{C766CDF1-C6F3-F1D1-A60D-8ED6C0F87FF6}" dt="2025-03-17T08:47:24.822" v="307"/>
+          <ac:spMkLst>
+            <pc:docMk/>
+            <pc:sldMk cId="1348046584" sldId="271"/>
+            <ac:spMk id="13" creationId="{29C38240-1003-C6BF-6C01-F2454510A908}"/>
+          </ac:spMkLst>
+        </pc:spChg>
+        <pc:spChg chg="add del mod">
+          <ac:chgData name="Kristóf Lajka" userId="5e6963896e59b084" providerId="Windows Live" clId="Web-{C766CDF1-C6F3-F1D1-A60D-8ED6C0F87FF6}" dt="2025-03-17T08:47:11.431" v="297"/>
+          <ac:spMkLst>
+            <pc:docMk/>
+            <pc:sldMk cId="1348046584" sldId="271"/>
+            <ac:spMk id="14" creationId="{F2132247-A3B4-AF33-9ABC-6B75F7E87741}"/>
+          </ac:spMkLst>
+        </pc:spChg>
+        <pc:spChg chg="add del mod">
+          <ac:chgData name="Kristóf Lajka" userId="5e6963896e59b084" providerId="Windows Live" clId="Web-{C766CDF1-C6F3-F1D1-A60D-8ED6C0F87FF6}" dt="2025-03-17T08:46:52.227" v="285"/>
+          <ac:spMkLst>
+            <pc:docMk/>
+            <pc:sldMk cId="1348046584" sldId="271"/>
+            <ac:spMk id="16" creationId="{7A3FBEF5-170C-FBFF-E588-D5EC5D3FF8FA}"/>
+          </ac:spMkLst>
+        </pc:spChg>
+        <pc:picChg chg="add del mod">
+          <ac:chgData name="Kristóf Lajka" userId="5e6963896e59b084" providerId="Windows Live" clId="Web-{C766CDF1-C6F3-F1D1-A60D-8ED6C0F87FF6}" dt="2025-03-17T08:47:16.603" v="299"/>
+          <ac:picMkLst>
+            <pc:docMk/>
+            <pc:sldMk cId="1348046584" sldId="271"/>
+            <ac:picMk id="5" creationId="{EE97466D-1B70-7EC3-17C0-76440262F245}"/>
+          </ac:picMkLst>
+        </pc:picChg>
+        <pc:picChg chg="del">
+          <ac:chgData name="Kristóf Lajka" userId="5e6963896e59b084" providerId="Windows Live" clId="Web-{C766CDF1-C6F3-F1D1-A60D-8ED6C0F87FF6}" dt="2025-03-17T08:31:53.152" v="253"/>
+          <ac:picMkLst>
+            <pc:docMk/>
+            <pc:sldMk cId="1348046584" sldId="271"/>
+            <ac:picMk id="6" creationId="{38940B46-06A4-6EC9-4ED3-FF44C92B2438}"/>
+          </ac:picMkLst>
+        </pc:picChg>
+        <pc:picChg chg="add del">
+          <ac:chgData name="Kristóf Lajka" userId="5e6963896e59b084" providerId="Windows Live" clId="Web-{C766CDF1-C6F3-F1D1-A60D-8ED6C0F87FF6}" dt="2025-03-17T08:59:23.829" v="321"/>
+          <ac:picMkLst>
+            <pc:docMk/>
+            <pc:sldMk cId="1348046584" sldId="271"/>
+            <ac:picMk id="7" creationId="{94F552DB-9DC0-0910-666C-77BC0E693B01}"/>
+          </ac:picMkLst>
+        </pc:picChg>
+        <pc:picChg chg="add del">
+          <ac:chgData name="Kristóf Lajka" userId="5e6963896e59b084" providerId="Windows Live" clId="Web-{C766CDF1-C6F3-F1D1-A60D-8ED6C0F87FF6}" dt="2025-03-17T08:47:49.870" v="311"/>
+          <ac:picMkLst>
+            <pc:docMk/>
+            <pc:sldMk cId="1348046584" sldId="271"/>
+            <ac:picMk id="8" creationId="{BE06EF38-B4BE-847B-F04C-86736F1263A9}"/>
+          </ac:picMkLst>
+        </pc:picChg>
+        <pc:picChg chg="add del">
+          <ac:chgData name="Kristóf Lajka" userId="5e6963896e59b084" providerId="Windows Live" clId="Web-{C766CDF1-C6F3-F1D1-A60D-8ED6C0F87FF6}" dt="2025-03-17T08:52:08.909" v="316"/>
+          <ac:picMkLst>
+            <pc:docMk/>
+            <pc:sldMk cId="1348046584" sldId="271"/>
+            <ac:picMk id="9" creationId="{BC4B287C-5DAC-DD05-F62D-E8D65DAC30D6}"/>
+          </ac:picMkLst>
+        </pc:picChg>
+        <pc:picChg chg="add del mod">
+          <ac:chgData name="Kristóf Lajka" userId="5e6963896e59b084" providerId="Windows Live" clId="Web-{C766CDF1-C6F3-F1D1-A60D-8ED6C0F87FF6}" dt="2025-03-17T08:47:03.697" v="289"/>
+          <ac:picMkLst>
+            <pc:docMk/>
+            <pc:sldMk cId="1348046584" sldId="271"/>
+            <ac:picMk id="15" creationId="{A7378A3E-B404-99AC-2E0F-7F34A4C5F9C4}"/>
+          </ac:picMkLst>
+        </pc:picChg>
+        <pc:picChg chg="add mod">
+          <ac:chgData name="Kristóf Lajka" userId="5e6963896e59b084" providerId="Windows Live" clId="Web-{C766CDF1-C6F3-F1D1-A60D-8ED6C0F87FF6}" dt="2025-03-17T08:47:45.385" v="310" actId="1076"/>
+          <ac:picMkLst>
+            <pc:docMk/>
+            <pc:sldMk cId="1348046584" sldId="271"/>
+            <ac:picMk id="17" creationId="{CA331E65-0457-9791-1436-65DA82E0EDB8}"/>
+          </ac:picMkLst>
+        </pc:picChg>
+        <pc:picChg chg="add mod">
+          <ac:chgData name="Kristóf Lajka" userId="5e6963896e59b084" providerId="Windows Live" clId="Web-{C766CDF1-C6F3-F1D1-A60D-8ED6C0F87FF6}" dt="2025-03-17T08:48:01.464" v="315" actId="1076"/>
+          <ac:picMkLst>
+            <pc:docMk/>
+            <pc:sldMk cId="1348046584" sldId="271"/>
+            <ac:picMk id="18" creationId="{B082D70C-3CBD-BBB4-DFD3-B5291309FC60}"/>
+          </ac:picMkLst>
+        </pc:picChg>
+        <pc:picChg chg="add mod">
+          <ac:chgData name="Kristóf Lajka" userId="5e6963896e59b084" providerId="Windows Live" clId="Web-{C766CDF1-C6F3-F1D1-A60D-8ED6C0F87FF6}" dt="2025-03-17T08:52:24.363" v="320" actId="1076"/>
+          <ac:picMkLst>
+            <pc:docMk/>
+            <pc:sldMk cId="1348046584" sldId="271"/>
+            <ac:picMk id="19" creationId="{22C44EAD-3696-96E6-3BC3-3444AEEE6D9E}"/>
+          </ac:picMkLst>
+        </pc:picChg>
+        <pc:picChg chg="add mod">
+          <ac:chgData name="Kristóf Lajka" userId="5e6963896e59b084" providerId="Windows Live" clId="Web-{C766CDF1-C6F3-F1D1-A60D-8ED6C0F87FF6}" dt="2025-03-17T08:59:35.861" v="324" actId="14100"/>
+          <ac:picMkLst>
+            <pc:docMk/>
+            <pc:sldMk cId="1348046584" sldId="271"/>
+            <ac:picMk id="20" creationId="{DE6A7FBD-A104-F6B9-D134-BDD542982F61}"/>
+          </ac:picMkLst>
+        </pc:picChg>
+      </pc:sldChg>
+      <pc:sldChg chg="addSp delSp modSp">
+        <pc:chgData name="Kristóf Lajka" userId="5e6963896e59b084" providerId="Windows Live" clId="Web-{C766CDF1-C6F3-F1D1-A60D-8ED6C0F87FF6}" dt="2025-03-17T09:04:21.636" v="360"/>
+        <pc:sldMkLst>
+          <pc:docMk/>
+          <pc:sldMk cId="1225385382" sldId="286"/>
+        </pc:sldMkLst>
+        <pc:spChg chg="add mod">
+          <ac:chgData name="Kristóf Lajka" userId="5e6963896e59b084" providerId="Windows Live" clId="Web-{C766CDF1-C6F3-F1D1-A60D-8ED6C0F87FF6}" dt="2025-03-17T07:36:54.366" v="128" actId="14100"/>
+          <ac:spMkLst>
+            <pc:docMk/>
+            <pc:sldMk cId="1225385382" sldId="286"/>
+            <ac:spMk id="3" creationId="{1B1F4E60-CEFB-8C93-D41E-B9667FE6914F}"/>
+          </ac:spMkLst>
+        </pc:spChg>
+        <pc:spChg chg="add mod">
+          <ac:chgData name="Kristóf Lajka" userId="5e6963896e59b084" providerId="Windows Live" clId="Web-{C766CDF1-C6F3-F1D1-A60D-8ED6C0F87FF6}" dt="2025-03-17T07:36:42.131" v="120" actId="14100"/>
+          <ac:spMkLst>
+            <pc:docMk/>
+            <pc:sldMk cId="1225385382" sldId="286"/>
+            <ac:spMk id="5" creationId="{2BFACA69-4C82-643E-5213-F7633E42029D}"/>
+          </ac:spMkLst>
+        </pc:spChg>
+        <pc:spChg chg="add del">
+          <ac:chgData name="Kristóf Lajka" userId="5e6963896e59b084" providerId="Windows Live" clId="Web-{C766CDF1-C6F3-F1D1-A60D-8ED6C0F87FF6}" dt="2025-03-17T09:04:13.979" v="358"/>
+          <ac:spMkLst>
+            <pc:docMk/>
+            <pc:sldMk cId="1225385382" sldId="286"/>
+            <ac:spMk id="6" creationId="{2E0D4982-FA2A-D372-020A-52D360506B7A}"/>
+          </ac:spMkLst>
+        </pc:spChg>
+        <pc:spChg chg="add del">
+          <ac:chgData name="Kristóf Lajka" userId="5e6963896e59b084" providerId="Windows Live" clId="Web-{C766CDF1-C6F3-F1D1-A60D-8ED6C0F87FF6}" dt="2025-03-17T09:04:21.636" v="360"/>
+          <ac:spMkLst>
+            <pc:docMk/>
+            <pc:sldMk cId="1225385382" sldId="286"/>
+            <ac:spMk id="7" creationId="{F9864D25-D11E-465E-7E7D-3934FC08851B}"/>
+          </ac:spMkLst>
+        </pc:spChg>
+        <pc:picChg chg="add mod">
+          <ac:chgData name="Kristóf Lajka" userId="5e6963896e59b084" providerId="Windows Live" clId="Web-{C766CDF1-C6F3-F1D1-A60D-8ED6C0F87FF6}" dt="2025-03-17T07:33:51.843" v="42" actId="14100"/>
+          <ac:picMkLst>
+            <pc:docMk/>
+            <pc:sldMk cId="1225385382" sldId="286"/>
+            <ac:picMk id="2" creationId="{336CCBC2-18B6-77FC-82BA-EABC719F68E5}"/>
+          </ac:picMkLst>
+        </pc:picChg>
+        <pc:picChg chg="add mod">
+          <ac:chgData name="Kristóf Lajka" userId="5e6963896e59b084" providerId="Windows Live" clId="Web-{C766CDF1-C6F3-F1D1-A60D-8ED6C0F87FF6}" dt="2025-03-17T07:34:17.938" v="55" actId="14100"/>
+          <ac:picMkLst>
+            <pc:docMk/>
+            <pc:sldMk cId="1225385382" sldId="286"/>
+            <ac:picMk id="4" creationId="{A941A41A-5938-559C-E290-E7C987C3E7A7}"/>
+          </ac:picMkLst>
+        </pc:picChg>
+      </pc:sldChg>
+      <pc:sldChg chg="addSp delSp modSp">
+        <pc:chgData name="Kristóf Lajka" userId="5e6963896e59b084" providerId="Windows Live" clId="Web-{C766CDF1-C6F3-F1D1-A60D-8ED6C0F87FF6}" dt="2025-03-17T07:48:55.240" v="229" actId="20577"/>
+        <pc:sldMkLst>
+          <pc:docMk/>
+          <pc:sldMk cId="1114361946" sldId="288"/>
+        </pc:sldMkLst>
+        <pc:spChg chg="add del mod">
+          <ac:chgData name="Kristóf Lajka" userId="5e6963896e59b084" providerId="Windows Live" clId="Web-{C766CDF1-C6F3-F1D1-A60D-8ED6C0F87FF6}" dt="2025-03-17T07:48:11.426" v="203"/>
+          <ac:spMkLst>
+            <pc:docMk/>
+            <pc:sldMk cId="1114361946" sldId="288"/>
+            <ac:spMk id="4" creationId="{A1F36A3C-A4E7-7045-A01A-3DAA80FD825C}"/>
+          </ac:spMkLst>
+        </pc:spChg>
+        <pc:spChg chg="del">
+          <ac:chgData name="Kristóf Lajka" userId="5e6963896e59b084" providerId="Windows Live" clId="Web-{C766CDF1-C6F3-F1D1-A60D-8ED6C0F87FF6}" dt="2025-03-17T07:46:27.171" v="200"/>
+          <ac:spMkLst>
+            <pc:docMk/>
+            <pc:sldMk cId="1114361946" sldId="288"/>
+            <ac:spMk id="9" creationId="{00000000-0000-0000-0000-000000000000}"/>
+          </ac:spMkLst>
+        </pc:spChg>
+        <pc:spChg chg="del">
+          <ac:chgData name="Kristóf Lajka" userId="5e6963896e59b084" providerId="Windows Live" clId="Web-{C766CDF1-C6F3-F1D1-A60D-8ED6C0F87FF6}" dt="2025-03-17T07:46:27.171" v="199"/>
+          <ac:spMkLst>
+            <pc:docMk/>
+            <pc:sldMk cId="1114361946" sldId="288"/>
+            <ac:spMk id="10" creationId="{00000000-0000-0000-0000-000000000000}"/>
+          </ac:spMkLst>
+        </pc:spChg>
+        <pc:spChg chg="add mod">
+          <ac:chgData name="Kristóf Lajka" userId="5e6963896e59b084" providerId="Windows Live" clId="Web-{C766CDF1-C6F3-F1D1-A60D-8ED6C0F87FF6}" dt="2025-03-17T07:48:45.427" v="218" actId="20577"/>
+          <ac:spMkLst>
+            <pc:docMk/>
+            <pc:sldMk cId="1114361946" sldId="288"/>
+            <ac:spMk id="11" creationId="{2680A411-DEE9-F72A-1486-BE34A49921A2}"/>
+          </ac:spMkLst>
+        </pc:spChg>
+        <pc:spChg chg="add mod">
+          <ac:chgData name="Kristóf Lajka" userId="5e6963896e59b084" providerId="Windows Live" clId="Web-{C766CDF1-C6F3-F1D1-A60D-8ED6C0F87FF6}" dt="2025-03-17T07:48:55.240" v="229" actId="20577"/>
+          <ac:spMkLst>
+            <pc:docMk/>
+            <pc:sldMk cId="1114361946" sldId="288"/>
+            <ac:spMk id="12" creationId="{57F9AEAD-BF3D-4CC1-E461-2D8CF4C86B7B}"/>
+          </ac:spMkLst>
+        </pc:spChg>
+        <pc:picChg chg="add mod ord">
+          <ac:chgData name="Kristóf Lajka" userId="5e6963896e59b084" providerId="Windows Live" clId="Web-{C766CDF1-C6F3-F1D1-A60D-8ED6C0F87FF6}" dt="2025-03-17T07:48:11.785" v="204" actId="1076"/>
+          <ac:picMkLst>
+            <pc:docMk/>
+            <pc:sldMk cId="1114361946" sldId="288"/>
+            <ac:picMk id="5" creationId="{9C6E9830-26CE-7A0D-8390-B808ECDD2759}"/>
+          </ac:picMkLst>
+        </pc:picChg>
+        <pc:picChg chg="add mod">
+          <ac:chgData name="Kristóf Lajka" userId="5e6963896e59b084" providerId="Windows Live" clId="Web-{C766CDF1-C6F3-F1D1-A60D-8ED6C0F87FF6}" dt="2025-03-17T07:48:23.864" v="208" actId="14100"/>
+          <ac:picMkLst>
+            <pc:docMk/>
+            <pc:sldMk cId="1114361946" sldId="288"/>
+            <ac:picMk id="6" creationId="{D4669E77-2306-A1CE-104A-9B2D8DC9B2C3}"/>
+          </ac:picMkLst>
+        </pc:picChg>
+        <pc:picChg chg="del">
+          <ac:chgData name="Kristóf Lajka" userId="5e6963896e59b084" providerId="Windows Live" clId="Web-{C766CDF1-C6F3-F1D1-A60D-8ED6C0F87FF6}" dt="2025-03-17T07:46:27.312" v="202"/>
+          <ac:picMkLst>
+            <pc:docMk/>
+            <pc:sldMk cId="1114361946" sldId="288"/>
+            <ac:picMk id="7" creationId="{00000000-0000-0000-0000-000000000000}"/>
+          </ac:picMkLst>
+        </pc:picChg>
+        <pc:picChg chg="del">
+          <ac:chgData name="Kristóf Lajka" userId="5e6963896e59b084" providerId="Windows Live" clId="Web-{C766CDF1-C6F3-F1D1-A60D-8ED6C0F87FF6}" dt="2025-03-17T07:46:27.171" v="201"/>
+          <ac:picMkLst>
+            <pc:docMk/>
+            <pc:sldMk cId="1114361946" sldId="288"/>
+            <ac:picMk id="8" creationId="{00000000-0000-0000-0000-000000000000}"/>
+          </ac:picMkLst>
+        </pc:picChg>
+      </pc:sldChg>
+      <pc:sldChg chg="addSp delSp modSp">
+        <pc:chgData name="Kristóf Lajka" userId="5e6963896e59b084" providerId="Windows Live" clId="Web-{C766CDF1-C6F3-F1D1-A60D-8ED6C0F87FF6}" dt="2025-03-17T09:11:20.336" v="385" actId="1076"/>
+        <pc:sldMkLst>
+          <pc:docMk/>
+          <pc:sldMk cId="1670723877" sldId="292"/>
+        </pc:sldMkLst>
+        <pc:spChg chg="del">
+          <ac:chgData name="Kristóf Lajka" userId="5e6963896e59b084" providerId="Windows Live" clId="Web-{C766CDF1-C6F3-F1D1-A60D-8ED6C0F87FF6}" dt="2025-03-17T09:07:33.829" v="373"/>
+          <ac:spMkLst>
+            <pc:docMk/>
+            <pc:sldMk cId="1670723877" sldId="292"/>
+            <ac:spMk id="7" creationId="{00000000-0000-0000-0000-000000000000}"/>
+          </ac:spMkLst>
+        </pc:spChg>
+        <pc:spChg chg="del">
+          <ac:chgData name="Kristóf Lajka" userId="5e6963896e59b084" providerId="Windows Live" clId="Web-{C766CDF1-C6F3-F1D1-A60D-8ED6C0F87FF6}" dt="2025-03-17T09:07:33.829" v="371"/>
+          <ac:spMkLst>
+            <pc:docMk/>
+            <pc:sldMk cId="1670723877" sldId="292"/>
+            <ac:spMk id="13" creationId="{00000000-0000-0000-0000-000000000000}"/>
+          </ac:spMkLst>
+        </pc:spChg>
+        <pc:picChg chg="add mod">
+          <ac:chgData name="Kristóf Lajka" userId="5e6963896e59b084" providerId="Windows Live" clId="Web-{C766CDF1-C6F3-F1D1-A60D-8ED6C0F87FF6}" dt="2025-03-17T09:09:58.490" v="376" actId="1076"/>
+          <ac:picMkLst>
+            <pc:docMk/>
+            <pc:sldMk cId="1670723877" sldId="292"/>
+            <ac:picMk id="3" creationId="{4C85B061-FEBA-1C73-ABFC-DB1A03D6EFBB}"/>
+          </ac:picMkLst>
+        </pc:picChg>
+        <pc:picChg chg="add mod modCrop">
+          <ac:chgData name="Kristóf Lajka" userId="5e6963896e59b084" providerId="Windows Live" clId="Web-{C766CDF1-C6F3-F1D1-A60D-8ED6C0F87FF6}" dt="2025-03-17T09:11:20.336" v="385" actId="1076"/>
+          <ac:picMkLst>
+            <pc:docMk/>
+            <pc:sldMk cId="1670723877" sldId="292"/>
+            <ac:picMk id="4" creationId="{34B642A8-73BD-F6A7-D26E-E644D6DB9701}"/>
+          </ac:picMkLst>
+        </pc:picChg>
+        <pc:picChg chg="del">
+          <ac:chgData name="Kristóf Lajka" userId="5e6963896e59b084" providerId="Windows Live" clId="Web-{C766CDF1-C6F3-F1D1-A60D-8ED6C0F87FF6}" dt="2025-03-17T09:07:33.829" v="374"/>
+          <ac:picMkLst>
+            <pc:docMk/>
+            <pc:sldMk cId="1670723877" sldId="292"/>
+            <ac:picMk id="5" creationId="{00000000-0000-0000-0000-000000000000}"/>
+          </ac:picMkLst>
+        </pc:picChg>
+        <pc:picChg chg="del">
+          <ac:chgData name="Kristóf Lajka" userId="5e6963896e59b084" providerId="Windows Live" clId="Web-{C766CDF1-C6F3-F1D1-A60D-8ED6C0F87FF6}" dt="2025-03-17T09:07:33.829" v="372"/>
+          <ac:picMkLst>
+            <pc:docMk/>
+            <pc:sldMk cId="1670723877" sldId="292"/>
+            <ac:picMk id="11" creationId="{00000000-0000-0000-0000-000000000000}"/>
+          </ac:picMkLst>
+        </pc:picChg>
+      </pc:sldChg>
+      <pc:sldChg chg="addSp delSp modSp">
+        <pc:chgData name="Kristóf Lajka" userId="5e6963896e59b084" providerId="Windows Live" clId="Web-{C766CDF1-C6F3-F1D1-A60D-8ED6C0F87FF6}" dt="2025-03-17T09:07:20.329" v="370" actId="1076"/>
+        <pc:sldMkLst>
+          <pc:docMk/>
+          <pc:sldMk cId="1771298315" sldId="293"/>
+        </pc:sldMkLst>
+        <pc:spChg chg="del">
+          <ac:chgData name="Kristóf Lajka" userId="5e6963896e59b084" providerId="Windows Live" clId="Web-{C766CDF1-C6F3-F1D1-A60D-8ED6C0F87FF6}" dt="2025-03-17T09:07:03.031" v="364"/>
+          <ac:spMkLst>
+            <pc:docMk/>
+            <pc:sldMk cId="1771298315" sldId="293"/>
+            <ac:spMk id="6" creationId="{00000000-0000-0000-0000-000000000000}"/>
+          </ac:spMkLst>
+        </pc:spChg>
+        <pc:spChg chg="mod">
+          <ac:chgData name="Kristóf Lajka" userId="5e6963896e59b084" providerId="Windows Live" clId="Web-{C766CDF1-C6F3-F1D1-A60D-8ED6C0F87FF6}" dt="2025-03-17T09:07:20.251" v="369" actId="1076"/>
+          <ac:spMkLst>
+            <pc:docMk/>
+            <pc:sldMk cId="1771298315" sldId="293"/>
+            <ac:spMk id="7" creationId="{00000000-0000-0000-0000-000000000000}"/>
+          </ac:spMkLst>
+        </pc:spChg>
+        <pc:spChg chg="del">
+          <ac:chgData name="Kristóf Lajka" userId="5e6963896e59b084" providerId="Windows Live" clId="Web-{C766CDF1-C6F3-F1D1-A60D-8ED6C0F87FF6}" dt="2025-03-17T09:04:51.793" v="362"/>
+          <ac:spMkLst>
+            <pc:docMk/>
+            <pc:sldMk cId="1771298315" sldId="293"/>
+            <ac:spMk id="8" creationId="{00000000-0000-0000-0000-000000000000}"/>
+          </ac:spMkLst>
+        </pc:spChg>
+        <pc:spChg chg="del mod">
+          <ac:chgData name="Kristóf Lajka" userId="5e6963896e59b084" providerId="Windows Live" clId="Web-{C766CDF1-C6F3-F1D1-A60D-8ED6C0F87FF6}" dt="2025-03-17T09:07:15.141" v="368"/>
+          <ac:spMkLst>
+            <pc:docMk/>
+            <pc:sldMk cId="1771298315" sldId="293"/>
+            <ac:spMk id="9" creationId="{00000000-0000-0000-0000-000000000000}"/>
+          </ac:spMkLst>
+        </pc:spChg>
+        <pc:picChg chg="add mod">
+          <ac:chgData name="Kristóf Lajka" userId="5e6963896e59b084" providerId="Windows Live" clId="Web-{C766CDF1-C6F3-F1D1-A60D-8ED6C0F87FF6}" dt="2025-03-17T09:07:20.329" v="370" actId="1076"/>
+          <ac:picMkLst>
+            <pc:docMk/>
+            <pc:sldMk cId="1771298315" sldId="293"/>
+            <ac:picMk id="3" creationId="{05920D74-048D-77FF-26E5-8D0E6B9C3030}"/>
+          </ac:picMkLst>
+        </pc:picChg>
+        <pc:picChg chg="del">
+          <ac:chgData name="Kristóf Lajka" userId="5e6963896e59b084" providerId="Windows Live" clId="Web-{C766CDF1-C6F3-F1D1-A60D-8ED6C0F87FF6}" dt="2025-03-17T07:49:40.945" v="230"/>
+          <ac:picMkLst>
+            <pc:docMk/>
+            <pc:sldMk cId="1771298315" sldId="293"/>
+            <ac:picMk id="4" creationId="{00000000-0000-0000-0000-000000000000}"/>
+          </ac:picMkLst>
+        </pc:picChg>
+        <pc:picChg chg="del">
+          <ac:chgData name="Kristóf Lajka" userId="5e6963896e59b084" providerId="Windows Live" clId="Web-{C766CDF1-C6F3-F1D1-A60D-8ED6C0F87FF6}" dt="2025-03-17T09:04:51.715" v="361"/>
+          <ac:picMkLst>
+            <pc:docMk/>
+            <pc:sldMk cId="1771298315" sldId="293"/>
+            <ac:picMk id="5" creationId="{00000000-0000-0000-0000-000000000000}"/>
+          </ac:picMkLst>
+        </pc:picChg>
+      </pc:sldChg>
+      <pc:sldChg chg="addSp delSp modSp new">
+        <pc:chgData name="Kristóf Lajka" userId="5e6963896e59b084" providerId="Windows Live" clId="Web-{C766CDF1-C6F3-F1D1-A60D-8ED6C0F87FF6}" dt="2025-03-17T07:36:30.224" v="112" actId="1076"/>
+        <pc:sldMkLst>
+          <pc:docMk/>
+          <pc:sldMk cId="3547147334" sldId="297"/>
+        </pc:sldMkLst>
+        <pc:spChg chg="del">
+          <ac:chgData name="Kristóf Lajka" userId="5e6963896e59b084" providerId="Windows Live" clId="Web-{C766CDF1-C6F3-F1D1-A60D-8ED6C0F87FF6}" dt="2025-03-17T07:36:02.036" v="98"/>
+          <ac:spMkLst>
+            <pc:docMk/>
+            <pc:sldMk cId="3547147334" sldId="297"/>
+            <ac:spMk id="2" creationId="{FE928D80-EA5A-F724-9271-B0CB3A43FD36}"/>
+          </ac:spMkLst>
+        </pc:spChg>
+        <pc:spChg chg="del">
+          <ac:chgData name="Kristóf Lajka" userId="5e6963896e59b084" providerId="Windows Live" clId="Web-{C766CDF1-C6F3-F1D1-A60D-8ED6C0F87FF6}" dt="2025-03-17T07:36:07.161" v="99"/>
+          <ac:spMkLst>
+            <pc:docMk/>
+            <pc:sldMk cId="3547147334" sldId="297"/>
+            <ac:spMk id="3" creationId="{C087973B-BBC3-CB98-1421-567001EC896F}"/>
+          </ac:spMkLst>
+        </pc:spChg>
+        <pc:spChg chg="add mod">
+          <ac:chgData name="Kristóf Lajka" userId="5e6963896e59b084" providerId="Windows Live" clId="Web-{C766CDF1-C6F3-F1D1-A60D-8ED6C0F87FF6}" dt="2025-03-17T07:36:30.224" v="112" actId="1076"/>
+          <ac:spMkLst>
+            <pc:docMk/>
+            <pc:sldMk cId="3547147334" sldId="297"/>
+            <ac:spMk id="5" creationId="{6751D41C-D457-1D0F-C3F2-8B1C379689DF}"/>
+          </ac:spMkLst>
+        </pc:spChg>
+        <pc:picChg chg="add mod ord">
+          <ac:chgData name="Kristóf Lajka" userId="5e6963896e59b084" providerId="Windows Live" clId="Web-{C766CDF1-C6F3-F1D1-A60D-8ED6C0F87FF6}" dt="2025-03-17T07:36:14.708" v="102" actId="1076"/>
+          <ac:picMkLst>
+            <pc:docMk/>
+            <pc:sldMk cId="3547147334" sldId="297"/>
+            <ac:picMk id="4" creationId="{D780B238-9E57-CDF9-EDF6-5EEBFB2DB468}"/>
+          </ac:picMkLst>
+        </pc:picChg>
+      </pc:sldChg>
+      <pc:sldChg chg="addSp delSp modSp new">
+        <pc:chgData name="Kristóf Lajka" userId="5e6963896e59b084" providerId="Windows Live" clId="Web-{C766CDF1-C6F3-F1D1-A60D-8ED6C0F87FF6}" dt="2025-03-17T09:11:39.837" v="388" actId="1076"/>
+        <pc:sldMkLst>
+          <pc:docMk/>
+          <pc:sldMk cId="3680533596" sldId="298"/>
+        </pc:sldMkLst>
+        <pc:spChg chg="mod">
+          <ac:chgData name="Kristóf Lajka" userId="5e6963896e59b084" providerId="Windows Live" clId="Web-{C766CDF1-C6F3-F1D1-A60D-8ED6C0F87FF6}" dt="2025-03-17T09:00:28.284" v="333" actId="20577"/>
+          <ac:spMkLst>
+            <pc:docMk/>
+            <pc:sldMk cId="3680533596" sldId="298"/>
+            <ac:spMk id="2" creationId="{3D170FFE-FE17-FE29-166E-8197BFA15920}"/>
+          </ac:spMkLst>
+        </pc:spChg>
+        <pc:spChg chg="del">
+          <ac:chgData name="Kristóf Lajka" userId="5e6963896e59b084" providerId="Windows Live" clId="Web-{C766CDF1-C6F3-F1D1-A60D-8ED6C0F87FF6}" dt="2025-03-17T09:11:25.993" v="386"/>
+          <ac:spMkLst>
+            <pc:docMk/>
+            <pc:sldMk cId="3680533596" sldId="298"/>
+            <ac:spMk id="3" creationId="{E443B27D-E280-B20D-7717-F8E557F83A80}"/>
+          </ac:spMkLst>
+        </pc:spChg>
+        <pc:picChg chg="add mod ord">
+          <ac:chgData name="Kristóf Lajka" userId="5e6963896e59b084" providerId="Windows Live" clId="Web-{C766CDF1-C6F3-F1D1-A60D-8ED6C0F87FF6}" dt="2025-03-17T09:11:39.837" v="388" actId="1076"/>
+          <ac:picMkLst>
+            <pc:docMk/>
+            <pc:sldMk cId="3680533596" sldId="298"/>
+            <ac:picMk id="4" creationId="{AD9186D2-5B81-71B8-A9E7-33B3AD9896D2}"/>
+          </ac:picMkLst>
+        </pc:picChg>
+      </pc:sldChg>
+      <pc:sldChg chg="addSp delSp modSp new">
+        <pc:chgData name="Kristóf Lajka" userId="5e6963896e59b084" providerId="Windows Live" clId="Web-{C766CDF1-C6F3-F1D1-A60D-8ED6C0F87FF6}" dt="2025-03-17T09:12:45.245" v="402" actId="1076"/>
+        <pc:sldMkLst>
+          <pc:docMk/>
+          <pc:sldMk cId="3242572730" sldId="299"/>
+        </pc:sldMkLst>
+        <pc:spChg chg="mod">
+          <ac:chgData name="Kristóf Lajka" userId="5e6963896e59b084" providerId="Windows Live" clId="Web-{C766CDF1-C6F3-F1D1-A60D-8ED6C0F87FF6}" dt="2025-03-17T09:12:00.306" v="393" actId="20577"/>
+          <ac:spMkLst>
+            <pc:docMk/>
+            <pc:sldMk cId="3242572730" sldId="299"/>
+            <ac:spMk id="2" creationId="{F7954DA2-A3EE-A0F6-1EA5-90C15F89CDA6}"/>
+          </ac:spMkLst>
+        </pc:spChg>
+        <pc:spChg chg="del">
+          <ac:chgData name="Kristóf Lajka" userId="5e6963896e59b084" providerId="Windows Live" clId="Web-{C766CDF1-C6F3-F1D1-A60D-8ED6C0F87FF6}" dt="2025-03-17T09:12:07.635" v="394"/>
+          <ac:spMkLst>
+            <pc:docMk/>
+            <pc:sldMk cId="3242572730" sldId="299"/>
+            <ac:spMk id="3" creationId="{E2A584C7-A855-1EB5-72F9-15498CBF04AF}"/>
+          </ac:spMkLst>
+        </pc:spChg>
+        <pc:picChg chg="add mod ord">
+          <ac:chgData name="Kristóf Lajka" userId="5e6963896e59b084" providerId="Windows Live" clId="Web-{C766CDF1-C6F3-F1D1-A60D-8ED6C0F87FF6}" dt="2025-03-17T09:12:45.245" v="402" actId="1076"/>
+          <ac:picMkLst>
+            <pc:docMk/>
+            <pc:sldMk cId="3242572730" sldId="299"/>
+            <ac:picMk id="4" creationId="{C977240F-71D8-CBDA-340A-7C4EF93FD1DB}"/>
+          </ac:picMkLst>
+        </pc:picChg>
+        <pc:picChg chg="add mod ord">
+          <ac:chgData name="Kristóf Lajka" userId="5e6963896e59b084" providerId="Windows Live" clId="Web-{C766CDF1-C6F3-F1D1-A60D-8ED6C0F87FF6}" dt="2025-03-17T09:12:29.573" v="401"/>
+          <ac:picMkLst>
+            <pc:docMk/>
+            <pc:sldMk cId="3242572730" sldId="299"/>
+            <ac:picMk id="5" creationId="{6510D0A9-A6DE-39B1-6CF1-FFD13FC7E140}"/>
           </ac:picMkLst>
         </pc:picChg>
       </pc:sldChg>
@@ -4271,7 +5128,7 @@
           <a:p>
             <a:fld id="{4AAD347D-5ACD-4C99-B74B-A9C85AD731AF}" type="datetimeFigureOut">
               <a:rPr lang="en-US" dirty="0"/>
-              <a:t>3/12/2025</a:t>
+              <a:t>3/17/2025</a:t>
             </a:fld>
             <a:endParaRPr lang="en-US" dirty="0"/>
           </a:p>
@@ -4541,7 +5398,7 @@
           <a:p>
             <a:fld id="{4509A250-FF31-4206-8172-F9D3106AACB1}" type="datetimeFigureOut">
               <a:rPr lang="en-US" dirty="0"/>
-              <a:t>3/12/2025</a:t>
+              <a:t>3/17/2025</a:t>
             </a:fld>
             <a:endParaRPr lang="en-US" dirty="0"/>
           </a:p>
@@ -4734,7 +5591,7 @@
           <a:p>
             <a:fld id="{4509A250-FF31-4206-8172-F9D3106AACB1}" type="datetimeFigureOut">
               <a:rPr lang="en-US" dirty="0"/>
-              <a:t>3/12/2025</a:t>
+              <a:t>3/17/2025</a:t>
             </a:fld>
             <a:endParaRPr lang="en-US" dirty="0"/>
           </a:p>
@@ -5001,7 +5858,7 @@
           <a:p>
             <a:fld id="{4509A250-FF31-4206-8172-F9D3106AACB1}" type="datetimeFigureOut">
               <a:rPr lang="en-US" dirty="0"/>
-              <a:t>3/12/2025</a:t>
+              <a:t>3/17/2025</a:t>
             </a:fld>
             <a:endParaRPr lang="en-US" dirty="0"/>
           </a:p>
@@ -5332,7 +6189,7 @@
           <a:p>
             <a:fld id="{4509A250-FF31-4206-8172-F9D3106AACB1}" type="datetimeFigureOut">
               <a:rPr lang="en-US" dirty="0"/>
-              <a:t>3/12/2025</a:t>
+              <a:t>3/17/2025</a:t>
             </a:fld>
             <a:endParaRPr lang="en-US" dirty="0"/>
           </a:p>
@@ -5941,7 +6798,7 @@
           <a:p>
             <a:fld id="{4509A250-FF31-4206-8172-F9D3106AACB1}" type="datetimeFigureOut">
               <a:rPr lang="en-US" dirty="0"/>
-              <a:t>3/12/2025</a:t>
+              <a:t>3/17/2025</a:t>
             </a:fld>
             <a:endParaRPr lang="en-US" dirty="0"/>
           </a:p>
@@ -6775,7 +7632,7 @@
           <a:p>
             <a:fld id="{4509A250-FF31-4206-8172-F9D3106AACB1}" type="datetimeFigureOut">
               <a:rPr lang="en-US" dirty="0"/>
-              <a:t>3/12/2025</a:t>
+              <a:t>3/17/2025</a:t>
             </a:fld>
             <a:endParaRPr lang="en-US" dirty="0"/>
           </a:p>
@@ -6943,7 +7800,7 @@
           <a:p>
             <a:fld id="{4509A250-FF31-4206-8172-F9D3106AACB1}" type="datetimeFigureOut">
               <a:rPr lang="en-US" dirty="0"/>
-              <a:t>3/12/2025</a:t>
+              <a:t>3/17/2025</a:t>
             </a:fld>
             <a:endParaRPr lang="en-US" dirty="0"/>
           </a:p>
@@ -7121,7 +7978,7 @@
           <a:p>
             <a:fld id="{4509A250-FF31-4206-8172-F9D3106AACB1}" type="datetimeFigureOut">
               <a:rPr lang="en-US" dirty="0"/>
-              <a:t>3/12/2025</a:t>
+              <a:t>3/17/2025</a:t>
             </a:fld>
             <a:endParaRPr lang="en-US" dirty="0"/>
           </a:p>
@@ -7289,7 +8146,7 @@
           <a:p>
             <a:fld id="{4509A250-FF31-4206-8172-F9D3106AACB1}" type="datetimeFigureOut">
               <a:rPr lang="en-US" dirty="0"/>
-              <a:t>3/12/2025</a:t>
+              <a:t>3/17/2025</a:t>
             </a:fld>
             <a:endParaRPr lang="en-US" dirty="0"/>
           </a:p>
@@ -7532,7 +8389,7 @@
           <a:p>
             <a:fld id="{9796027F-7875-4030-9381-8BD8C4F21935}" type="datetimeFigureOut">
               <a:rPr lang="en-US" dirty="0"/>
-              <a:t>3/12/2025</a:t>
+              <a:t>3/17/2025</a:t>
             </a:fld>
             <a:endParaRPr lang="en-US" dirty="0"/>
           </a:p>
@@ -7821,7 +8678,7 @@
           <a:p>
             <a:fld id="{9796027F-7875-4030-9381-8BD8C4F21935}" type="datetimeFigureOut">
               <a:rPr lang="en-US" dirty="0"/>
-              <a:t>3/12/2025</a:t>
+              <a:t>3/17/2025</a:t>
             </a:fld>
             <a:endParaRPr lang="en-US" dirty="0"/>
           </a:p>
@@ -8256,7 +9113,7 @@
           <a:p>
             <a:fld id="{9796027F-7875-4030-9381-8BD8C4F21935}" type="datetimeFigureOut">
               <a:rPr lang="en-US" dirty="0"/>
-              <a:t>3/12/2025</a:t>
+              <a:t>3/17/2025</a:t>
             </a:fld>
             <a:endParaRPr lang="en-US" dirty="0"/>
           </a:p>
@@ -8373,7 +9230,7 @@
           <a:p>
             <a:fld id="{4509A250-FF31-4206-8172-F9D3106AACB1}" type="datetimeFigureOut">
               <a:rPr lang="en-US" dirty="0"/>
-              <a:t>3/12/2025</a:t>
+              <a:t>3/17/2025</a:t>
             </a:fld>
             <a:endParaRPr lang="en-US" dirty="0"/>
           </a:p>
@@ -8468,7 +9325,7 @@
           <a:p>
             <a:fld id="{4509A250-FF31-4206-8172-F9D3106AACB1}" type="datetimeFigureOut">
               <a:rPr lang="en-US" dirty="0"/>
-              <a:t>3/12/2025</a:t>
+              <a:t>3/17/2025</a:t>
             </a:fld>
             <a:endParaRPr lang="en-US" dirty="0"/>
           </a:p>
@@ -8745,7 +9602,7 @@
           <a:p>
             <a:fld id="{4509A250-FF31-4206-8172-F9D3106AACB1}" type="datetimeFigureOut">
               <a:rPr lang="en-US" dirty="0"/>
-              <a:t>3/12/2025</a:t>
+              <a:t>3/17/2025</a:t>
             </a:fld>
             <a:endParaRPr lang="en-US" dirty="0"/>
           </a:p>
@@ -9015,7 +9872,7 @@
           <a:p>
             <a:fld id="{4509A250-FF31-4206-8172-F9D3106AACB1}" type="datetimeFigureOut">
               <a:rPr lang="en-US" dirty="0"/>
-              <a:t>3/12/2025</a:t>
+              <a:t>3/17/2025</a:t>
             </a:fld>
             <a:endParaRPr lang="en-US" dirty="0"/>
           </a:p>
@@ -9442,7 +10299,7 @@
           <a:p>
             <a:fld id="{4AAD347D-5ACD-4C99-B74B-A9C85AD731AF}" type="datetimeFigureOut">
               <a:rPr lang="en-US" dirty="0"/>
-              <a:t>3/12/2025</a:t>
+              <a:t>3/17/2025</a:t>
             </a:fld>
             <a:endParaRPr lang="en-US" dirty="0"/>
           </a:p>
@@ -10117,6 +10974,150 @@
           <a:chExt cx="0" cy="0"/>
         </a:xfrm>
       </p:grpSpPr>
+      <p:pic>
+        <p:nvPicPr>
+          <p:cNvPr id="2" name="Kép 1" descr="A képen szöveg, képernyőkép, Betűtípus látható&#10;&#10;Lehet, hogy a mesterséges intelligencia által generált tartalom helytelen.">
+            <a:extLst>
+              <a:ext uri="{FF2B5EF4-FFF2-40B4-BE49-F238E27FC236}">
+                <a16:creationId xmlns:a16="http://schemas.microsoft.com/office/drawing/2014/main" id="{336CCBC2-18B6-77FC-82BA-EABC719F68E5}"/>
+              </a:ext>
+            </a:extLst>
+          </p:cNvPr>
+          <p:cNvPicPr>
+            <a:picLocks noChangeAspect="1"/>
+          </p:cNvPicPr>
+          <p:nvPr/>
+        </p:nvPicPr>
+        <p:blipFill>
+          <a:blip r:embed="rId2"/>
+          <a:stretch>
+            <a:fillRect/>
+          </a:stretch>
+        </p:blipFill>
+        <p:spPr>
+          <a:xfrm>
+            <a:off x="-257" y="644"/>
+            <a:ext cx="7517542" cy="3427713"/>
+          </a:xfrm>
+          <a:prstGeom prst="rect">
+            <a:avLst/>
+          </a:prstGeom>
+        </p:spPr>
+      </p:pic>
+      <p:sp>
+        <p:nvSpPr>
+          <p:cNvPr id="3" name="Szövegdoboz 2">
+            <a:extLst>
+              <a:ext uri="{FF2B5EF4-FFF2-40B4-BE49-F238E27FC236}">
+                <a16:creationId xmlns:a16="http://schemas.microsoft.com/office/drawing/2014/main" id="{1B1F4E60-CEFB-8C93-D41E-B9667FE6914F}"/>
+              </a:ext>
+            </a:extLst>
+          </p:cNvPr>
+          <p:cNvSpPr txBox="1"/>
+          <p:nvPr/>
+        </p:nvSpPr>
+        <p:spPr>
+          <a:xfrm>
+            <a:off x="306270" y="3424204"/>
+            <a:ext cx="3474306" cy="369332"/>
+          </a:xfrm>
+          <a:prstGeom prst="rect">
+            <a:avLst/>
+          </a:prstGeom>
+          <a:noFill/>
+        </p:spPr>
+        <p:txBody>
+          <a:bodyPr rot="0" spcFirstLastPara="0" vertOverflow="overflow" horzOverflow="overflow" vert="horz" wrap="square" lIns="91440" tIns="45720" rIns="91440" bIns="45720" numCol="1" spcCol="0" rtlCol="0" fromWordArt="0" anchor="t" anchorCtr="0" forceAA="0" compatLnSpc="1">
+            <a:prstTxWarp prst="textNoShape">
+              <a:avLst/>
+            </a:prstTxWarp>
+            <a:spAutoFit/>
+          </a:bodyPr>
+          <a:lstStyle/>
+          <a:p>
+            <a:r>
+              <a:rPr lang="hu-HU" dirty="0"/>
+              <a:t>AssemblySW1 VLAN </a:t>
+            </a:r>
+            <a:r>
+              <a:rPr lang="hu-HU" dirty="0" err="1"/>
+              <a:t>Table</a:t>
+            </a:r>
+          </a:p>
+        </p:txBody>
+      </p:sp>
+      <p:pic>
+        <p:nvPicPr>
+          <p:cNvPr id="4" name="Kép 3" descr="A képen szöveg, képernyőkép, Betűtípus látható&#10;&#10;Lehet, hogy a mesterséges intelligencia által generált tartalom helytelen.">
+            <a:extLst>
+              <a:ext uri="{FF2B5EF4-FFF2-40B4-BE49-F238E27FC236}">
+                <a16:creationId xmlns:a16="http://schemas.microsoft.com/office/drawing/2014/main" id="{A941A41A-5938-559C-E290-E7C987C3E7A7}"/>
+              </a:ext>
+            </a:extLst>
+          </p:cNvPr>
+          <p:cNvPicPr>
+            <a:picLocks noChangeAspect="1"/>
+          </p:cNvPicPr>
+          <p:nvPr/>
+        </p:nvPicPr>
+        <p:blipFill>
+          <a:blip r:embed="rId3"/>
+          <a:stretch>
+            <a:fillRect/>
+          </a:stretch>
+        </p:blipFill>
+        <p:spPr>
+          <a:xfrm>
+            <a:off x="4683081" y="3264114"/>
+            <a:ext cx="7511107" cy="3594015"/>
+          </a:xfrm>
+          <a:prstGeom prst="rect">
+            <a:avLst/>
+          </a:prstGeom>
+        </p:spPr>
+      </p:pic>
+      <p:sp>
+        <p:nvSpPr>
+          <p:cNvPr id="5" name="Szövegdoboz 4">
+            <a:extLst>
+              <a:ext uri="{FF2B5EF4-FFF2-40B4-BE49-F238E27FC236}">
+                <a16:creationId xmlns:a16="http://schemas.microsoft.com/office/drawing/2014/main" id="{2BFACA69-4C82-643E-5213-F7633E42029D}"/>
+              </a:ext>
+            </a:extLst>
+          </p:cNvPr>
+          <p:cNvSpPr txBox="1"/>
+          <p:nvPr/>
+        </p:nvSpPr>
+        <p:spPr>
+          <a:xfrm>
+            <a:off x="7979251" y="2895181"/>
+            <a:ext cx="3608171" cy="369332"/>
+          </a:xfrm>
+          <a:prstGeom prst="rect">
+            <a:avLst/>
+          </a:prstGeom>
+          <a:noFill/>
+        </p:spPr>
+        <p:txBody>
+          <a:bodyPr rot="0" spcFirstLastPara="0" vertOverflow="overflow" horzOverflow="overflow" vert="horz" wrap="square" lIns="91440" tIns="45720" rIns="91440" bIns="45720" numCol="1" spcCol="0" rtlCol="0" fromWordArt="0" anchor="t" anchorCtr="0" forceAA="0" compatLnSpc="1">
+            <a:prstTxWarp prst="textNoShape">
+              <a:avLst/>
+            </a:prstTxWarp>
+            <a:spAutoFit/>
+          </a:bodyPr>
+          <a:lstStyle/>
+          <a:p>
+            <a:r>
+              <a:rPr lang="hu-HU" dirty="0"/>
+              <a:t>AssemblySW2 VLAN </a:t>
+            </a:r>
+            <a:r>
+              <a:rPr lang="hu-HU" dirty="0" err="1"/>
+              <a:t>Table</a:t>
+            </a:r>
+          </a:p>
+        </p:txBody>
+      </p:sp>
     </p:spTree>
     <p:extLst>
       <p:ext uri="{BB962C8B-B14F-4D97-AF65-F5344CB8AC3E}">
@@ -10131,6 +11132,111 @@
 </file>
 
 <file path=ppt/slides/slide11.xml><?xml version="1.0" encoding="utf-8"?>
+<p:sld xmlns:a="http://schemas.openxmlformats.org/drawingml/2006/main" xmlns:r="http://schemas.openxmlformats.org/officeDocument/2006/relationships" xmlns:p="http://schemas.openxmlformats.org/presentationml/2006/main">
+  <p:cSld>
+    <p:spTree>
+      <p:nvGrpSpPr>
+        <p:cNvPr id="1" name=""/>
+        <p:cNvGrpSpPr/>
+        <p:nvPr/>
+      </p:nvGrpSpPr>
+      <p:grpSpPr>
+        <a:xfrm>
+          <a:off x="0" y="0"/>
+          <a:ext cx="0" cy="0"/>
+          <a:chOff x="0" y="0"/>
+          <a:chExt cx="0" cy="0"/>
+        </a:xfrm>
+      </p:grpSpPr>
+      <p:pic>
+        <p:nvPicPr>
+          <p:cNvPr id="4" name="Tartalom helye 3" descr="A képen szöveg, képernyőkép, Betűtípus látható&#10;&#10;Lehet, hogy a mesterséges intelligencia által generált tartalom helytelen.">
+            <a:extLst>
+              <a:ext uri="{FF2B5EF4-FFF2-40B4-BE49-F238E27FC236}">
+                <a16:creationId xmlns:a16="http://schemas.microsoft.com/office/drawing/2014/main" id="{D780B238-9E57-CDF9-EDF6-5EEBFB2DB468}"/>
+              </a:ext>
+            </a:extLst>
+          </p:cNvPr>
+          <p:cNvPicPr>
+            <a:picLocks noGrp="1" noChangeAspect="1"/>
+          </p:cNvPicPr>
+          <p:nvPr>
+            <p:ph idx="1"/>
+          </p:nvPr>
+        </p:nvPicPr>
+        <p:blipFill>
+          <a:blip r:embed="rId2"/>
+          <a:stretch>
+            <a:fillRect/>
+          </a:stretch>
+        </p:blipFill>
+        <p:spPr>
+          <a:xfrm>
+            <a:off x="2106393" y="2211341"/>
+            <a:ext cx="7517027" cy="3435849"/>
+          </a:xfrm>
+        </p:spPr>
+      </p:pic>
+      <p:sp>
+        <p:nvSpPr>
+          <p:cNvPr id="5" name="Szövegdoboz 4">
+            <a:extLst>
+              <a:ext uri="{FF2B5EF4-FFF2-40B4-BE49-F238E27FC236}">
+                <a16:creationId xmlns:a16="http://schemas.microsoft.com/office/drawing/2014/main" id="{6751D41C-D457-1D0F-C3F2-8B1C379689DF}"/>
+              </a:ext>
+            </a:extLst>
+          </p:cNvPr>
+          <p:cNvSpPr txBox="1"/>
+          <p:nvPr/>
+        </p:nvSpPr>
+        <p:spPr>
+          <a:xfrm>
+            <a:off x="4493621" y="1524713"/>
+            <a:ext cx="2743199" cy="365760"/>
+          </a:xfrm>
+          <a:prstGeom prst="rect">
+            <a:avLst/>
+          </a:prstGeom>
+          <a:noFill/>
+        </p:spPr>
+        <p:txBody>
+          <a:bodyPr rot="0" spcFirstLastPara="0" vertOverflow="overflow" horzOverflow="overflow" vert="horz" wrap="square" lIns="91440" tIns="45720" rIns="91440" bIns="45720" numCol="1" spcCol="0" rtlCol="0" fromWordArt="0" anchor="t" anchorCtr="0" forceAA="0" compatLnSpc="1">
+            <a:prstTxWarp prst="textNoShape">
+              <a:avLst/>
+            </a:prstTxWarp>
+            <a:spAutoFit/>
+          </a:bodyPr>
+          <a:lstStyle/>
+          <a:p>
+            <a:r>
+              <a:rPr lang="hu-HU" dirty="0" err="1"/>
+              <a:t>SrvSW</a:t>
+            </a:r>
+            <a:r>
+              <a:rPr lang="hu-HU" dirty="0"/>
+              <a:t> VLAN </a:t>
+            </a:r>
+            <a:r>
+              <a:rPr lang="hu-HU" dirty="0" err="1"/>
+              <a:t>Table</a:t>
+            </a:r>
+          </a:p>
+        </p:txBody>
+      </p:sp>
+    </p:spTree>
+    <p:extLst>
+      <p:ext uri="{BB962C8B-B14F-4D97-AF65-F5344CB8AC3E}">
+        <p14:creationId xmlns:p14="http://schemas.microsoft.com/office/powerpoint/2010/main" val="3547147334"/>
+      </p:ext>
+    </p:extLst>
+  </p:cSld>
+  <p:clrMapOvr>
+    <a:masterClrMapping/>
+  </p:clrMapOvr>
+</p:sld>
+</file>
+
+<file path=ppt/slides/slide12.xml><?xml version="1.0" encoding="utf-8"?>
 <p:sld xmlns:a="http://schemas.openxmlformats.org/drawingml/2006/main" xmlns:r="http://schemas.openxmlformats.org/officeDocument/2006/relationships" xmlns:p="http://schemas.openxmlformats.org/presentationml/2006/main">
   <p:cSld>
     <p:spTree>
@@ -10657,7 +11763,7 @@
 </p:sld>
 </file>
 
-<file path=ppt/slides/slide12.xml><?xml version="1.0" encoding="utf-8"?>
+<file path=ppt/slides/slide13.xml><?xml version="1.0" encoding="utf-8"?>
 <p:sld xmlns:a="http://schemas.openxmlformats.org/drawingml/2006/main" xmlns:r="http://schemas.openxmlformats.org/officeDocument/2006/relationships" xmlns:p="http://schemas.openxmlformats.org/presentationml/2006/main">
   <p:cSld>
     <p:spTree>
@@ -10977,7 +12083,7 @@
 </p:sld>
 </file>
 
-<file path=ppt/slides/slide13.xml><?xml version="1.0" encoding="utf-8"?>
+<file path=ppt/slides/slide14.xml><?xml version="1.0" encoding="utf-8"?>
 <p:sld xmlns:a="http://schemas.openxmlformats.org/drawingml/2006/main" xmlns:r="http://schemas.openxmlformats.org/officeDocument/2006/relationships" xmlns:p="http://schemas.openxmlformats.org/presentationml/2006/main">
   <p:cSld>
     <p:bg>
@@ -11053,66 +12159,6 @@
           </a:p>
         </p:txBody>
       </p:sp>
-      <p:pic>
-        <p:nvPicPr>
-          <p:cNvPr id="6" name="Kép 5" descr="A képen szöveg, képernyőkép, Betűtípus látható&#10;&#10;Lehet, hogy a mesterséges intelligencia által generált tartalom helytelen.">
-            <a:extLst>
-              <a:ext uri="{FF2B5EF4-FFF2-40B4-BE49-F238E27FC236}">
-                <a16:creationId xmlns:a16="http://schemas.microsoft.com/office/drawing/2014/main" id="{0CE04A7B-39CA-0C55-A194-E64639AAED13}"/>
-              </a:ext>
-            </a:extLst>
-          </p:cNvPr>
-          <p:cNvPicPr>
-            <a:picLocks noChangeAspect="1"/>
-          </p:cNvPicPr>
-          <p:nvPr/>
-        </p:nvPicPr>
-        <p:blipFill>
-          <a:blip r:embed="rId3"/>
-          <a:stretch>
-            <a:fillRect/>
-          </a:stretch>
-        </p:blipFill>
-        <p:spPr>
-          <a:xfrm>
-            <a:off x="773970" y="99754"/>
-            <a:ext cx="5207087" cy="3136814"/>
-          </a:xfrm>
-          <a:prstGeom prst="rect">
-            <a:avLst/>
-          </a:prstGeom>
-        </p:spPr>
-      </p:pic>
-      <p:pic>
-        <p:nvPicPr>
-          <p:cNvPr id="8" name="Kép 7" descr="A képen szöveg, képernyőkép, Betűtípus látható&#10;&#10;Lehet, hogy a mesterséges intelligencia által generált tartalom helytelen.">
-            <a:extLst>
-              <a:ext uri="{FF2B5EF4-FFF2-40B4-BE49-F238E27FC236}">
-                <a16:creationId xmlns:a16="http://schemas.microsoft.com/office/drawing/2014/main" id="{7400E651-B61D-5CBA-7E23-76A235EAF73B}"/>
-              </a:ext>
-            </a:extLst>
-          </p:cNvPr>
-          <p:cNvPicPr>
-            <a:picLocks noChangeAspect="1"/>
-          </p:cNvPicPr>
-          <p:nvPr/>
-        </p:nvPicPr>
-        <p:blipFill>
-          <a:blip r:embed="rId4"/>
-          <a:stretch>
-            <a:fillRect/>
-          </a:stretch>
-        </p:blipFill>
-        <p:spPr>
-          <a:xfrm>
-            <a:off x="769208" y="3231934"/>
-            <a:ext cx="5556422" cy="3308265"/>
-          </a:xfrm>
-          <a:prstGeom prst="rect">
-            <a:avLst/>
-          </a:prstGeom>
-        </p:spPr>
-      </p:pic>
       <p:sp>
         <p:nvSpPr>
           <p:cNvPr id="9" name="Szövegdoboz 8">
@@ -11127,8 +12173,8 @@
         </p:nvSpPr>
         <p:spPr>
           <a:xfrm>
-            <a:off x="7231840" y="1656146"/>
-            <a:ext cx="2743199" cy="365760"/>
+            <a:off x="6233002" y="1511984"/>
+            <a:ext cx="2743199" cy="400110"/>
           </a:xfrm>
           <a:prstGeom prst="rect">
             <a:avLst/>
@@ -11146,7 +12192,7 @@
           <a:p>
             <a:pPr algn="l"/>
             <a:r>
-              <a:rPr lang="hu-HU" dirty="0"/>
+              <a:rPr lang="hu-HU" sz="2000" dirty="0"/>
               <a:t>AssemblyR1</a:t>
             </a:r>
           </a:p>
@@ -11166,8 +12212,8 @@
         </p:nvSpPr>
         <p:spPr>
           <a:xfrm>
-            <a:off x="6900610" y="5396277"/>
-            <a:ext cx="2743199" cy="365760"/>
+            <a:off x="6571096" y="5107953"/>
+            <a:ext cx="2743199" cy="400110"/>
           </a:xfrm>
           <a:prstGeom prst="rect">
             <a:avLst/>
@@ -11185,9 +12231,172 @@
           <a:p>
             <a:pPr algn="l"/>
             <a:r>
-              <a:rPr lang="hu-HU" dirty="0"/>
+              <a:rPr lang="hu-HU" sz="2000" dirty="0"/>
               <a:t>AssemblyR2</a:t>
             </a:r>
+          </a:p>
+        </p:txBody>
+      </p:sp>
+      <p:pic>
+        <p:nvPicPr>
+          <p:cNvPr id="3" name="Kép 2" descr="A képen szöveg, képernyőkép, Betűtípus látható&#10;&#10;Lehet, hogy a mesterséges intelligencia által generált tartalom helytelen.">
+            <a:extLst>
+              <a:ext uri="{FF2B5EF4-FFF2-40B4-BE49-F238E27FC236}">
+                <a16:creationId xmlns:a16="http://schemas.microsoft.com/office/drawing/2014/main" id="{9F122677-9F5E-E911-2545-499FE36105EE}"/>
+              </a:ext>
+            </a:extLst>
+          </p:cNvPr>
+          <p:cNvPicPr>
+            <a:picLocks noChangeAspect="1"/>
+          </p:cNvPicPr>
+          <p:nvPr/>
+        </p:nvPicPr>
+        <p:blipFill>
+          <a:blip r:embed="rId3"/>
+          <a:stretch>
+            <a:fillRect/>
+          </a:stretch>
+        </p:blipFill>
+        <p:spPr>
+          <a:xfrm>
+            <a:off x="380999" y="58952"/>
+            <a:ext cx="5539946" cy="3321394"/>
+          </a:xfrm>
+          <a:prstGeom prst="rect">
+            <a:avLst/>
+          </a:prstGeom>
+        </p:spPr>
+      </p:pic>
+      <p:pic>
+        <p:nvPicPr>
+          <p:cNvPr id="4" name="Kép 3" descr="A képen szöveg, képernyőkép, Betűtípus látható&#10;&#10;Lehet, hogy a mesterséges intelligencia által generált tartalom helytelen.">
+            <a:extLst>
+              <a:ext uri="{FF2B5EF4-FFF2-40B4-BE49-F238E27FC236}">
+                <a16:creationId xmlns:a16="http://schemas.microsoft.com/office/drawing/2014/main" id="{53D28135-B0F8-B9C3-F345-5D8F83F5FA3F}"/>
+              </a:ext>
+            </a:extLst>
+          </p:cNvPr>
+          <p:cNvPicPr>
+            <a:picLocks noChangeAspect="1"/>
+          </p:cNvPicPr>
+          <p:nvPr/>
+        </p:nvPicPr>
+        <p:blipFill>
+          <a:blip r:embed="rId4"/>
+          <a:stretch>
+            <a:fillRect/>
+          </a:stretch>
+        </p:blipFill>
+        <p:spPr>
+          <a:xfrm>
+            <a:off x="199253" y="3428613"/>
+            <a:ext cx="5893144" cy="3357692"/>
+          </a:xfrm>
+          <a:prstGeom prst="rect">
+            <a:avLst/>
+          </a:prstGeom>
+        </p:spPr>
+      </p:pic>
+      <p:sp>
+        <p:nvSpPr>
+          <p:cNvPr id="6" name="Téglalap 5">
+            <a:extLst>
+              <a:ext uri="{FF2B5EF4-FFF2-40B4-BE49-F238E27FC236}">
+                <a16:creationId xmlns:a16="http://schemas.microsoft.com/office/drawing/2014/main" id="{BAA70F2B-F5C1-D075-8548-863ECAE56FF7}"/>
+              </a:ext>
+            </a:extLst>
+          </p:cNvPr>
+          <p:cNvSpPr/>
+          <p:nvPr/>
+        </p:nvSpPr>
+        <p:spPr>
+          <a:xfrm>
+            <a:off x="382876" y="2002742"/>
+            <a:ext cx="5536993" cy="1364613"/>
+          </a:xfrm>
+          <a:prstGeom prst="rect">
+            <a:avLst/>
+          </a:prstGeom>
+          <a:noFill/>
+          <a:ln>
+            <a:solidFill>
+              <a:srgbClr val="0070C0"/>
+            </a:solidFill>
+          </a:ln>
+        </p:spPr>
+        <p:style>
+          <a:lnRef idx="2">
+            <a:schemeClr val="accent1">
+              <a:shade val="15000"/>
+            </a:schemeClr>
+          </a:lnRef>
+          <a:fillRef idx="1">
+            <a:schemeClr val="accent1"/>
+          </a:fillRef>
+          <a:effectRef idx="0">
+            <a:schemeClr val="accent1"/>
+          </a:effectRef>
+          <a:fontRef idx="minor">
+            <a:schemeClr val="lt1"/>
+          </a:fontRef>
+        </p:style>
+        <p:txBody>
+          <a:bodyPr rtlCol="0" anchor="ctr"/>
+          <a:lstStyle/>
+          <a:p>
+            <a:pPr algn="ctr"/>
+            <a:endParaRPr lang="hu-HU"/>
+          </a:p>
+        </p:txBody>
+      </p:sp>
+      <p:sp>
+        <p:nvSpPr>
+          <p:cNvPr id="8" name="Téglalap 7">
+            <a:extLst>
+              <a:ext uri="{FF2B5EF4-FFF2-40B4-BE49-F238E27FC236}">
+                <a16:creationId xmlns:a16="http://schemas.microsoft.com/office/drawing/2014/main" id="{5CA140C6-B81C-B4D0-09DA-F71B1F3E4C7E}"/>
+              </a:ext>
+            </a:extLst>
+          </p:cNvPr>
+          <p:cNvSpPr/>
+          <p:nvPr/>
+        </p:nvSpPr>
+        <p:spPr>
+          <a:xfrm>
+            <a:off x="206164" y="5409367"/>
+            <a:ext cx="5860966" cy="1364613"/>
+          </a:xfrm>
+          <a:prstGeom prst="rect">
+            <a:avLst/>
+          </a:prstGeom>
+          <a:ln>
+            <a:solidFill>
+              <a:srgbClr val="0070C0"/>
+            </a:solidFill>
+          </a:ln>
+        </p:spPr>
+        <p:style>
+          <a:lnRef idx="2">
+            <a:schemeClr val="accent1">
+              <a:shade val="15000"/>
+            </a:schemeClr>
+          </a:lnRef>
+          <a:fillRef idx="1">
+            <a:schemeClr val="accent1"/>
+          </a:fillRef>
+          <a:effectRef idx="0">
+            <a:schemeClr val="accent1"/>
+          </a:effectRef>
+          <a:fontRef idx="minor">
+            <a:schemeClr val="lt1"/>
+          </a:fontRef>
+        </p:style>
+        <p:txBody>
+          <a:bodyPr rtlCol="0" anchor="ctr"/>
+          <a:lstStyle/>
+          <a:p>
+            <a:pPr algn="ctr"/>
+            <a:endParaRPr lang="hu-HU"/>
           </a:p>
         </p:txBody>
       </p:sp>
@@ -11207,7 +12416,7 @@
 </p:sld>
 </file>
 
-<file path=ppt/slides/slide14.xml><?xml version="1.0" encoding="utf-8"?>
+<file path=ppt/slides/slide15.xml><?xml version="1.0" encoding="utf-8"?>
 <p:sld xmlns:a="http://schemas.openxmlformats.org/drawingml/2006/main" xmlns:r="http://schemas.openxmlformats.org/officeDocument/2006/relationships" xmlns:p="http://schemas.openxmlformats.org/presentationml/2006/main">
   <p:cSld>
     <p:bg>
@@ -11462,7 +12671,7 @@
 </p:sld>
 </file>
 
-<file path=ppt/slides/slide15.xml><?xml version="1.0" encoding="utf-8"?>
+<file path=ppt/slides/slide16.xml><?xml version="1.0" encoding="utf-8"?>
 <p:sld xmlns:a="http://schemas.openxmlformats.org/drawingml/2006/main" xmlns:r="http://schemas.openxmlformats.org/officeDocument/2006/relationships" xmlns:p="http://schemas.openxmlformats.org/presentationml/2006/main">
   <p:cSld>
     <p:spTree>
@@ -11816,7 +13025,7 @@
 </p:sld>
 </file>
 
-<file path=ppt/slides/slide16.xml><?xml version="1.0" encoding="utf-8"?>
+<file path=ppt/slides/slide17.xml><?xml version="1.0" encoding="utf-8"?>
 <p:sld xmlns:a="http://schemas.openxmlformats.org/drawingml/2006/main" xmlns:r="http://schemas.openxmlformats.org/officeDocument/2006/relationships" xmlns:p="http://schemas.openxmlformats.org/presentationml/2006/main">
   <p:cSld>
     <p:spTree>
@@ -11863,13 +13072,11 @@
       </p:sp>
       <p:pic>
         <p:nvPicPr>
-          <p:cNvPr id="4" name="Tartalom helye 3"/>
+          <p:cNvPr id="8" name="Kép 7"/>
           <p:cNvPicPr>
-            <a:picLocks noGrp="1" noChangeAspect="1"/>
+            <a:picLocks noChangeAspect="1"/>
           </p:cNvPicPr>
-          <p:nvPr>
-            <p:ph idx="1"/>
-          </p:nvPr>
+          <p:nvPr/>
         </p:nvPicPr>
         <p:blipFill>
           <a:blip r:embed="rId2">
@@ -11885,17 +13092,80 @@
         </p:blipFill>
         <p:spPr>
           <a:xfrm>
-            <a:off x="3120662" y="2052638"/>
-            <a:ext cx="4912451" cy="4195762"/>
+            <a:off x="5050474" y="1849353"/>
+            <a:ext cx="1978660" cy="3735915"/>
           </a:xfrm>
+          <a:prstGeom prst="rect">
+            <a:avLst/>
+          </a:prstGeom>
+        </p:spPr>
+      </p:pic>
+      <p:pic>
+        <p:nvPicPr>
+          <p:cNvPr id="24" name="Kép 23" descr="A képen szöveg, képernyőkép, Betűtípus látható&#10;&#10;Lehet, hogy a mesterséges intelligencia által generált tartalom helytelen.">
+            <a:extLst>
+              <a:ext uri="{FF2B5EF4-FFF2-40B4-BE49-F238E27FC236}">
+                <a16:creationId xmlns:a16="http://schemas.microsoft.com/office/drawing/2014/main" id="{9DDCF6F5-3015-9293-5381-91A9B683D8AA}"/>
+              </a:ext>
+            </a:extLst>
+          </p:cNvPr>
+          <p:cNvPicPr>
+            <a:picLocks noChangeAspect="1"/>
+          </p:cNvPicPr>
+          <p:nvPr/>
+        </p:nvPicPr>
+        <p:blipFill>
+          <a:blip r:embed="rId3"/>
+          <a:stretch>
+            <a:fillRect/>
+          </a:stretch>
+        </p:blipFill>
+        <p:spPr>
+          <a:xfrm>
+            <a:off x="4762" y="1858018"/>
+            <a:ext cx="5036151" cy="3728909"/>
+          </a:xfrm>
+          <a:prstGeom prst="rect">
+            <a:avLst/>
+          </a:prstGeom>
+        </p:spPr>
+      </p:pic>
+      <p:pic>
+        <p:nvPicPr>
+          <p:cNvPr id="25" name="Kép 24" descr="A képen szöveg, képernyőkép, Betűtípus látható&#10;&#10;Lehet, hogy a mesterséges intelligencia által generált tartalom helytelen.">
+            <a:extLst>
+              <a:ext uri="{FF2B5EF4-FFF2-40B4-BE49-F238E27FC236}">
+                <a16:creationId xmlns:a16="http://schemas.microsoft.com/office/drawing/2014/main" id="{40BBC710-8510-5495-F1EA-8426BED99C54}"/>
+              </a:ext>
+            </a:extLst>
+          </p:cNvPr>
+          <p:cNvPicPr>
+            <a:picLocks noChangeAspect="1"/>
+          </p:cNvPicPr>
+          <p:nvPr/>
+        </p:nvPicPr>
+        <p:blipFill>
+          <a:blip r:embed="rId4"/>
+          <a:stretch>
+            <a:fillRect/>
+          </a:stretch>
+        </p:blipFill>
+        <p:spPr>
+          <a:xfrm>
+            <a:off x="7040649" y="1856860"/>
+            <a:ext cx="5051082" cy="3741523"/>
+          </a:xfrm>
+          <a:prstGeom prst="rect">
+            <a:avLst/>
+          </a:prstGeom>
         </p:spPr>
       </p:pic>
       <p:sp>
         <p:nvSpPr>
-          <p:cNvPr id="10" name="TextBox 9">
+          <p:cNvPr id="26" name="Szövegdoboz 25">
             <a:extLst>
               <a:ext uri="{FF2B5EF4-FFF2-40B4-BE49-F238E27FC236}">
-                <a16:creationId xmlns:a16="http://schemas.microsoft.com/office/drawing/2014/main" id="{F987FC22-7588-E1A3-5358-3DA087A4E833}"/>
+                <a16:creationId xmlns:a16="http://schemas.microsoft.com/office/drawing/2014/main" id="{E086F4C9-9B2F-56BB-861A-CDC257D3DB5C}"/>
               </a:ext>
             </a:extLst>
           </p:cNvPr>
@@ -11904,8 +13174,8 @@
         </p:nvSpPr>
         <p:spPr>
           <a:xfrm>
-            <a:off x="1050012" y="1717833"/>
-            <a:ext cx="3358836" cy="584775"/>
+            <a:off x="966728" y="5779636"/>
+            <a:ext cx="2743199" cy="400110"/>
           </a:xfrm>
           <a:prstGeom prst="rect">
             <a:avLst/>
@@ -11913,24 +13183,28 @@
           <a:noFill/>
         </p:spPr>
         <p:txBody>
-          <a:bodyPr wrap="square" lIns="91440" tIns="45720" rIns="91440" bIns="45720" rtlCol="0" anchor="t">
+          <a:bodyPr rot="0" spcFirstLastPara="0" vertOverflow="overflow" horzOverflow="overflow" vert="horz" wrap="square" lIns="91440" tIns="45720" rIns="91440" bIns="45720" numCol="1" spcCol="0" rtlCol="0" fromWordArt="0" anchor="t" anchorCtr="0" forceAA="0" compatLnSpc="1">
+            <a:prstTxWarp prst="textNoShape">
+              <a:avLst/>
+            </a:prstTxWarp>
             <a:spAutoFit/>
           </a:bodyPr>
           <a:lstStyle/>
           <a:p>
+            <a:pPr algn="l"/>
             <a:r>
-              <a:rPr lang="hu-HU" sz="3200" dirty="0"/>
-              <a:t>DeliveryR1</a:t>
+              <a:rPr lang="hu-HU" sz="2000" dirty="0"/>
+              <a:t>AssemblyR1-Active</a:t>
             </a:r>
           </a:p>
         </p:txBody>
       </p:sp>
       <p:sp>
         <p:nvSpPr>
-          <p:cNvPr id="11" name="TextBox 10">
+          <p:cNvPr id="27" name="Szövegdoboz 26">
             <a:extLst>
               <a:ext uri="{FF2B5EF4-FFF2-40B4-BE49-F238E27FC236}">
-                <a16:creationId xmlns:a16="http://schemas.microsoft.com/office/drawing/2014/main" id="{08E189C2-0C59-B446-197E-FE15E0A7973F}"/>
+                <a16:creationId xmlns:a16="http://schemas.microsoft.com/office/drawing/2014/main" id="{1A637E19-EC17-A3F5-92D4-BD8FB05D1162}"/>
               </a:ext>
             </a:extLst>
           </p:cNvPr>
@@ -11939,8 +13213,8 @@
         </p:nvSpPr>
         <p:spPr>
           <a:xfrm>
-            <a:off x="8825576" y="1560860"/>
-            <a:ext cx="2933323" cy="584775"/>
+            <a:off x="8170323" y="5782926"/>
+            <a:ext cx="2835874" cy="400110"/>
           </a:xfrm>
           <a:prstGeom prst="rect">
             <a:avLst/>
@@ -11948,88 +13222,38 @@
           <a:noFill/>
         </p:spPr>
         <p:txBody>
-          <a:bodyPr wrap="square" lIns="91440" tIns="45720" rIns="91440" bIns="45720" rtlCol="0" anchor="t">
+          <a:bodyPr rot="0" spcFirstLastPara="0" vertOverflow="overflow" horzOverflow="overflow" vert="horz" wrap="square" lIns="91440" tIns="45720" rIns="91440" bIns="45720" numCol="1" spcCol="0" rtlCol="0" fromWordArt="0" anchor="t" anchorCtr="0" forceAA="0" compatLnSpc="1">
+            <a:prstTxWarp prst="textNoShape">
+              <a:avLst/>
+            </a:prstTxWarp>
             <a:spAutoFit/>
           </a:bodyPr>
           <a:lstStyle/>
           <a:p>
+            <a:pPr algn="l"/>
             <a:r>
-              <a:rPr lang="hu-HU" sz="3200" dirty="0"/>
-              <a:t>DeliveryR2</a:t>
+              <a:rPr lang="hu-HU" sz="2000" dirty="0"/>
+              <a:t>AssemblyR2-Standby</a:t>
             </a:r>
           </a:p>
         </p:txBody>
       </p:sp>
-      <p:pic>
-        <p:nvPicPr>
-          <p:cNvPr id="7" name="Kép 6"/>
-          <p:cNvPicPr>
-            <a:picLocks noChangeAspect="1"/>
-          </p:cNvPicPr>
-          <p:nvPr/>
-        </p:nvPicPr>
-        <p:blipFill>
-          <a:blip r:embed="rId3">
+      <p:sp>
+        <p:nvSpPr>
+          <p:cNvPr id="3" name="Téglalap 2">
             <a:extLst>
-              <a:ext uri="{28A0092B-C50C-407E-A947-70E740481C1C}">
-                <a14:useLocalDpi xmlns:a14="http://schemas.microsoft.com/office/drawing/2010/main" val="0"/>
+              <a:ext uri="{FF2B5EF4-FFF2-40B4-BE49-F238E27FC236}">
+                <a16:creationId xmlns:a16="http://schemas.microsoft.com/office/drawing/2014/main" id="{EE3B2000-E809-520C-D088-E4179B0DD179}"/>
               </a:ext>
             </a:extLst>
-          </a:blip>
-          <a:stretch>
-            <a:fillRect/>
-          </a:stretch>
-        </p:blipFill>
-        <p:spPr>
-          <a:xfrm>
-            <a:off x="110388" y="2289018"/>
-            <a:ext cx="5238084" cy="3523347"/>
-          </a:xfrm>
-          <a:prstGeom prst="rect">
-            <a:avLst/>
-          </a:prstGeom>
-        </p:spPr>
-      </p:pic>
-      <p:pic>
-        <p:nvPicPr>
-          <p:cNvPr id="8" name="Kép 7"/>
-          <p:cNvPicPr>
-            <a:picLocks noChangeAspect="1"/>
-          </p:cNvPicPr>
-          <p:nvPr/>
-        </p:nvPicPr>
-        <p:blipFill>
-          <a:blip r:embed="rId4">
-            <a:extLst>
-              <a:ext uri="{28A0092B-C50C-407E-A947-70E740481C1C}">
-                <a14:useLocalDpi xmlns:a14="http://schemas.microsoft.com/office/drawing/2010/main" val="0"/>
-              </a:ext>
-            </a:extLst>
-          </a:blip>
-          <a:stretch>
-            <a:fillRect/>
-          </a:stretch>
-        </p:blipFill>
-        <p:spPr>
-          <a:xfrm>
-            <a:off x="5585933" y="2384812"/>
-            <a:ext cx="1607959" cy="3025402"/>
-          </a:xfrm>
-          <a:prstGeom prst="rect">
-            <a:avLst/>
-          </a:prstGeom>
-        </p:spPr>
-      </p:pic>
-      <p:sp>
-        <p:nvSpPr>
-          <p:cNvPr id="3" name="Téglalap 2"/>
+          </p:cNvPr>
           <p:cNvSpPr/>
           <p:nvPr/>
         </p:nvSpPr>
         <p:spPr>
           <a:xfrm>
-            <a:off x="7579360" y="4404361"/>
-            <a:ext cx="1094740" cy="152400"/>
+            <a:off x="137443" y="4898864"/>
+            <a:ext cx="4339274" cy="373059"/>
           </a:xfrm>
           <a:prstGeom prst="rect">
             <a:avLst/>
@@ -12037,14 +13261,14 @@
           <a:noFill/>
           <a:ln>
             <a:solidFill>
-              <a:schemeClr val="accent5"/>
+              <a:srgbClr val="4472C4"/>
             </a:solidFill>
           </a:ln>
         </p:spPr>
         <p:style>
           <a:lnRef idx="2">
             <a:schemeClr val="accent1">
-              <a:shade val="50000"/>
+              <a:shade val="15000"/>
             </a:schemeClr>
           </a:lnRef>
           <a:fillRef idx="1">
@@ -12068,14 +13292,20 @@
       </p:sp>
       <p:sp>
         <p:nvSpPr>
-          <p:cNvPr id="5" name="Téglalap 4"/>
+          <p:cNvPr id="4" name="Téglalap 3">
+            <a:extLst>
+              <a:ext uri="{FF2B5EF4-FFF2-40B4-BE49-F238E27FC236}">
+                <a16:creationId xmlns:a16="http://schemas.microsoft.com/office/drawing/2014/main" id="{6DED2F2A-FD39-2F19-BFD0-E8178437EBDB}"/>
+              </a:ext>
+            </a:extLst>
+          </p:cNvPr>
           <p:cNvSpPr/>
           <p:nvPr/>
         </p:nvSpPr>
         <p:spPr>
           <a:xfrm>
-            <a:off x="7560310" y="5474970"/>
-            <a:ext cx="4414520" cy="143510"/>
+            <a:off x="127625" y="3131739"/>
+            <a:ext cx="4329457" cy="402511"/>
           </a:xfrm>
           <a:prstGeom prst="rect">
             <a:avLst/>
@@ -12083,14 +13313,14 @@
           <a:noFill/>
           <a:ln>
             <a:solidFill>
-              <a:schemeClr val="accent5"/>
+              <a:srgbClr val="4472C4"/>
             </a:solidFill>
           </a:ln>
         </p:spPr>
         <p:style>
           <a:lnRef idx="2">
             <a:schemeClr val="accent1">
-              <a:shade val="50000"/>
+              <a:shade val="15000"/>
             </a:schemeClr>
           </a:lnRef>
           <a:fillRef idx="1">
@@ -12114,14 +13344,20 @@
       </p:sp>
       <p:sp>
         <p:nvSpPr>
-          <p:cNvPr id="6" name="Téglalap 5"/>
+          <p:cNvPr id="5" name="Téglalap 4">
+            <a:extLst>
+              <a:ext uri="{FF2B5EF4-FFF2-40B4-BE49-F238E27FC236}">
+                <a16:creationId xmlns:a16="http://schemas.microsoft.com/office/drawing/2014/main" id="{731DF5AE-F685-C172-853A-A6DA3E7B851C}"/>
+              </a:ext>
+            </a:extLst>
+          </p:cNvPr>
           <p:cNvSpPr/>
           <p:nvPr/>
         </p:nvSpPr>
         <p:spPr>
           <a:xfrm>
-            <a:off x="7548880" y="4665978"/>
-            <a:ext cx="2352040" cy="160021"/>
+            <a:off x="7186310" y="3033565"/>
+            <a:ext cx="4211649" cy="502124"/>
           </a:xfrm>
           <a:prstGeom prst="rect">
             <a:avLst/>
@@ -12129,14 +13365,14 @@
           <a:noFill/>
           <a:ln>
             <a:solidFill>
-              <a:schemeClr val="accent5"/>
+              <a:srgbClr val="4472C4"/>
             </a:solidFill>
           </a:ln>
         </p:spPr>
         <p:style>
           <a:lnRef idx="2">
             <a:schemeClr val="accent1">
-              <a:shade val="50000"/>
+              <a:shade val="15000"/>
             </a:schemeClr>
           </a:lnRef>
           <a:fillRef idx="1">
@@ -12160,418 +13396,34 @@
       </p:sp>
       <p:sp>
         <p:nvSpPr>
-          <p:cNvPr id="9" name="Téglalap 8"/>
+          <p:cNvPr id="7" name="Téglalap 6">
+            <a:extLst>
+              <a:ext uri="{FF2B5EF4-FFF2-40B4-BE49-F238E27FC236}">
+                <a16:creationId xmlns:a16="http://schemas.microsoft.com/office/drawing/2014/main" id="{D9A4F23B-5C79-15F6-FEAB-7544433C6C8A}"/>
+              </a:ext>
+            </a:extLst>
+          </p:cNvPr>
           <p:cNvSpPr/>
           <p:nvPr/>
         </p:nvSpPr>
         <p:spPr>
           <a:xfrm>
-            <a:off x="7571740" y="2405380"/>
-            <a:ext cx="1102360" cy="165100"/>
+            <a:off x="7156858" y="4839961"/>
+            <a:ext cx="4211649" cy="510502"/>
           </a:xfrm>
           <a:prstGeom prst="rect">
             <a:avLst/>
           </a:prstGeom>
-          <a:noFill/>
           <a:ln>
             <a:solidFill>
-              <a:schemeClr val="accent5">
-                <a:lumMod val="75000"/>
-              </a:schemeClr>
+              <a:srgbClr val="4472C4"/>
             </a:solidFill>
           </a:ln>
         </p:spPr>
         <p:style>
           <a:lnRef idx="2">
             <a:schemeClr val="accent1">
-              <a:shade val="50000"/>
-            </a:schemeClr>
-          </a:lnRef>
-          <a:fillRef idx="1">
-            <a:schemeClr val="accent1"/>
-          </a:fillRef>
-          <a:effectRef idx="0">
-            <a:schemeClr val="accent1"/>
-          </a:effectRef>
-          <a:fontRef idx="minor">
-            <a:schemeClr val="lt1"/>
-          </a:fontRef>
-        </p:style>
-        <p:txBody>
-          <a:bodyPr rtlCol="0" anchor="ctr"/>
-          <a:lstStyle/>
-          <a:p>
-            <a:pPr algn="ctr"/>
-            <a:endParaRPr lang="hu-HU"/>
-          </a:p>
-        </p:txBody>
-      </p:sp>
-      <p:sp>
-        <p:nvSpPr>
-          <p:cNvPr id="12" name="Téglalap 11"/>
-          <p:cNvSpPr/>
-          <p:nvPr/>
-        </p:nvSpPr>
-        <p:spPr>
-          <a:xfrm>
-            <a:off x="7564120" y="2675709"/>
-            <a:ext cx="2321560" cy="133531"/>
-          </a:xfrm>
-          <a:prstGeom prst="rect">
-            <a:avLst/>
-          </a:prstGeom>
-          <a:noFill/>
-          <a:ln>
-            <a:solidFill>
-              <a:schemeClr val="accent5">
-                <a:lumMod val="75000"/>
-              </a:schemeClr>
-            </a:solidFill>
-          </a:ln>
-        </p:spPr>
-        <p:style>
-          <a:lnRef idx="2">
-            <a:schemeClr val="accent1">
-              <a:shade val="50000"/>
-            </a:schemeClr>
-          </a:lnRef>
-          <a:fillRef idx="1">
-            <a:schemeClr val="accent1"/>
-          </a:fillRef>
-          <a:effectRef idx="0">
-            <a:schemeClr val="accent1"/>
-          </a:effectRef>
-          <a:fontRef idx="minor">
-            <a:schemeClr val="lt1"/>
-          </a:fontRef>
-        </p:style>
-        <p:txBody>
-          <a:bodyPr rtlCol="0" anchor="ctr"/>
-          <a:lstStyle/>
-          <a:p>
-            <a:pPr algn="ctr"/>
-            <a:endParaRPr lang="hu-HU"/>
-          </a:p>
-        </p:txBody>
-      </p:sp>
-      <p:sp>
-        <p:nvSpPr>
-          <p:cNvPr id="13" name="Téglalap 12"/>
-          <p:cNvSpPr/>
-          <p:nvPr/>
-        </p:nvSpPr>
-        <p:spPr>
-          <a:xfrm>
-            <a:off x="7548880" y="3467963"/>
-            <a:ext cx="4490720" cy="159158"/>
-          </a:xfrm>
-          <a:prstGeom prst="rect">
-            <a:avLst/>
-          </a:prstGeom>
-          <a:noFill/>
-          <a:ln>
-            <a:solidFill>
-              <a:schemeClr val="accent5">
-                <a:lumMod val="75000"/>
-              </a:schemeClr>
-            </a:solidFill>
-          </a:ln>
-        </p:spPr>
-        <p:style>
-          <a:lnRef idx="2">
-            <a:schemeClr val="accent1">
-              <a:shade val="50000"/>
-            </a:schemeClr>
-          </a:lnRef>
-          <a:fillRef idx="1">
-            <a:schemeClr val="accent1"/>
-          </a:fillRef>
-          <a:effectRef idx="0">
-            <a:schemeClr val="accent1"/>
-          </a:effectRef>
-          <a:fontRef idx="minor">
-            <a:schemeClr val="lt1"/>
-          </a:fontRef>
-        </p:style>
-        <p:txBody>
-          <a:bodyPr rtlCol="0" anchor="ctr"/>
-          <a:lstStyle/>
-          <a:p>
-            <a:pPr algn="ctr"/>
-            <a:endParaRPr lang="hu-HU"/>
-          </a:p>
-        </p:txBody>
-      </p:sp>
-      <p:sp>
-        <p:nvSpPr>
-          <p:cNvPr id="14" name="Téglalap 13"/>
-          <p:cNvSpPr/>
-          <p:nvPr/>
-        </p:nvSpPr>
-        <p:spPr>
-          <a:xfrm>
-            <a:off x="213360" y="2405380"/>
-            <a:ext cx="1046480" cy="142240"/>
-          </a:xfrm>
-          <a:prstGeom prst="rect">
-            <a:avLst/>
-          </a:prstGeom>
-          <a:noFill/>
-          <a:ln>
-            <a:solidFill>
-              <a:schemeClr val="accent5">
-                <a:lumMod val="60000"/>
-                <a:lumOff val="40000"/>
-              </a:schemeClr>
-            </a:solidFill>
-          </a:ln>
-        </p:spPr>
-        <p:style>
-          <a:lnRef idx="2">
-            <a:schemeClr val="accent1">
-              <a:shade val="50000"/>
-            </a:schemeClr>
-          </a:lnRef>
-          <a:fillRef idx="1">
-            <a:schemeClr val="accent1"/>
-          </a:fillRef>
-          <a:effectRef idx="0">
-            <a:schemeClr val="accent1"/>
-          </a:effectRef>
-          <a:fontRef idx="minor">
-            <a:schemeClr val="lt1"/>
-          </a:fontRef>
-        </p:style>
-        <p:txBody>
-          <a:bodyPr rtlCol="0" anchor="ctr"/>
-          <a:lstStyle/>
-          <a:p>
-            <a:pPr algn="ctr"/>
-            <a:endParaRPr lang="hu-HU"/>
-          </a:p>
-        </p:txBody>
-      </p:sp>
-      <p:sp>
-        <p:nvSpPr>
-          <p:cNvPr id="15" name="Téglalap 14"/>
-          <p:cNvSpPr/>
-          <p:nvPr/>
-        </p:nvSpPr>
-        <p:spPr>
-          <a:xfrm>
-            <a:off x="190500" y="2640232"/>
-            <a:ext cx="2286000" cy="153768"/>
-          </a:xfrm>
-          <a:prstGeom prst="rect">
-            <a:avLst/>
-          </a:prstGeom>
-          <a:noFill/>
-          <a:ln>
-            <a:solidFill>
-              <a:schemeClr val="accent5">
-                <a:lumMod val="60000"/>
-                <a:lumOff val="40000"/>
-              </a:schemeClr>
-            </a:solidFill>
-          </a:ln>
-        </p:spPr>
-        <p:style>
-          <a:lnRef idx="2">
-            <a:schemeClr val="accent1">
-              <a:shade val="50000"/>
-            </a:schemeClr>
-          </a:lnRef>
-          <a:fillRef idx="1">
-            <a:schemeClr val="accent1"/>
-          </a:fillRef>
-          <a:effectRef idx="0">
-            <a:schemeClr val="accent1"/>
-          </a:effectRef>
-          <a:fontRef idx="minor">
-            <a:schemeClr val="lt1"/>
-          </a:fontRef>
-        </p:style>
-        <p:txBody>
-          <a:bodyPr rtlCol="0" anchor="ctr"/>
-          <a:lstStyle/>
-          <a:p>
-            <a:pPr algn="ctr"/>
-            <a:endParaRPr lang="hu-HU"/>
-          </a:p>
-        </p:txBody>
-      </p:sp>
-      <p:sp>
-        <p:nvSpPr>
-          <p:cNvPr id="16" name="Téglalap 15"/>
-          <p:cNvSpPr/>
-          <p:nvPr/>
-        </p:nvSpPr>
-        <p:spPr>
-          <a:xfrm>
-            <a:off x="220980" y="3497580"/>
-            <a:ext cx="4290060" cy="302260"/>
-          </a:xfrm>
-          <a:prstGeom prst="rect">
-            <a:avLst/>
-          </a:prstGeom>
-          <a:noFill/>
-          <a:ln>
-            <a:solidFill>
-              <a:schemeClr val="accent5">
-                <a:lumMod val="60000"/>
-                <a:lumOff val="40000"/>
-              </a:schemeClr>
-            </a:solidFill>
-          </a:ln>
-        </p:spPr>
-        <p:style>
-          <a:lnRef idx="2">
-            <a:schemeClr val="accent1">
-              <a:shade val="50000"/>
-            </a:schemeClr>
-          </a:lnRef>
-          <a:fillRef idx="1">
-            <a:schemeClr val="accent1"/>
-          </a:fillRef>
-          <a:effectRef idx="0">
-            <a:schemeClr val="accent1"/>
-          </a:effectRef>
-          <a:fontRef idx="minor">
-            <a:schemeClr val="lt1"/>
-          </a:fontRef>
-        </p:style>
-        <p:txBody>
-          <a:bodyPr rtlCol="0" anchor="ctr"/>
-          <a:lstStyle/>
-          <a:p>
-            <a:pPr algn="ctr"/>
-            <a:endParaRPr lang="hu-HU"/>
-          </a:p>
-        </p:txBody>
-      </p:sp>
-      <p:sp>
-        <p:nvSpPr>
-          <p:cNvPr id="17" name="Téglalap 16"/>
-          <p:cNvSpPr/>
-          <p:nvPr/>
-        </p:nvSpPr>
-        <p:spPr>
-          <a:xfrm>
-            <a:off x="231140" y="4165600"/>
-            <a:ext cx="1005840" cy="116840"/>
-          </a:xfrm>
-          <a:prstGeom prst="rect">
-            <a:avLst/>
-          </a:prstGeom>
-          <a:noFill/>
-          <a:ln>
-            <a:solidFill>
-              <a:schemeClr val="accent5">
-                <a:lumMod val="50000"/>
-              </a:schemeClr>
-            </a:solidFill>
-          </a:ln>
-        </p:spPr>
-        <p:style>
-          <a:lnRef idx="2">
-            <a:schemeClr val="accent1">
-              <a:shade val="50000"/>
-            </a:schemeClr>
-          </a:lnRef>
-          <a:fillRef idx="1">
-            <a:schemeClr val="accent1"/>
-          </a:fillRef>
-          <a:effectRef idx="0">
-            <a:schemeClr val="accent1"/>
-          </a:effectRef>
-          <a:fontRef idx="minor">
-            <a:schemeClr val="lt1"/>
-          </a:fontRef>
-        </p:style>
-        <p:txBody>
-          <a:bodyPr rtlCol="0" anchor="ctr"/>
-          <a:lstStyle/>
-          <a:p>
-            <a:pPr algn="ctr"/>
-            <a:endParaRPr lang="hu-HU"/>
-          </a:p>
-        </p:txBody>
-      </p:sp>
-      <p:sp>
-        <p:nvSpPr>
-          <p:cNvPr id="18" name="Téglalap 17"/>
-          <p:cNvSpPr/>
-          <p:nvPr/>
-        </p:nvSpPr>
-        <p:spPr>
-          <a:xfrm>
-            <a:off x="231140" y="4381500"/>
-            <a:ext cx="2159000" cy="181791"/>
-          </a:xfrm>
-          <a:prstGeom prst="rect">
-            <a:avLst/>
-          </a:prstGeom>
-          <a:noFill/>
-          <a:ln>
-            <a:solidFill>
-              <a:schemeClr val="accent5">
-                <a:lumMod val="50000"/>
-              </a:schemeClr>
-            </a:solidFill>
-          </a:ln>
-        </p:spPr>
-        <p:style>
-          <a:lnRef idx="2">
-            <a:schemeClr val="accent1">
-              <a:shade val="50000"/>
-            </a:schemeClr>
-          </a:lnRef>
-          <a:fillRef idx="1">
-            <a:schemeClr val="accent1"/>
-          </a:fillRef>
-          <a:effectRef idx="0">
-            <a:schemeClr val="accent1"/>
-          </a:effectRef>
-          <a:fontRef idx="minor">
-            <a:schemeClr val="lt1"/>
-          </a:fontRef>
-        </p:style>
-        <p:txBody>
-          <a:bodyPr rtlCol="0" anchor="ctr"/>
-          <a:lstStyle/>
-          <a:p>
-            <a:pPr algn="ctr"/>
-            <a:endParaRPr lang="hu-HU"/>
-          </a:p>
-        </p:txBody>
-      </p:sp>
-      <p:sp>
-        <p:nvSpPr>
-          <p:cNvPr id="19" name="Téglalap 18"/>
-          <p:cNvSpPr/>
-          <p:nvPr/>
-        </p:nvSpPr>
-        <p:spPr>
-          <a:xfrm>
-            <a:off x="208280" y="5283200"/>
-            <a:ext cx="4353560" cy="254000"/>
-          </a:xfrm>
-          <a:prstGeom prst="rect">
-            <a:avLst/>
-          </a:prstGeom>
-          <a:noFill/>
-          <a:ln>
-            <a:solidFill>
-              <a:schemeClr val="accent5">
-                <a:lumMod val="50000"/>
-              </a:schemeClr>
-            </a:solidFill>
-          </a:ln>
-        </p:spPr>
-        <p:style>
-          <a:lnRef idx="2">
-            <a:schemeClr val="accent1">
-              <a:shade val="50000"/>
+              <a:shade val="15000"/>
             </a:schemeClr>
           </a:lnRef>
           <a:fillRef idx="1">
@@ -12609,7 +13461,7 @@
 </p:sld>
 </file>
 
-<file path=ppt/slides/slide17.xml><?xml version="1.0" encoding="utf-8"?>
+<file path=ppt/slides/slide18.xml><?xml version="1.0" encoding="utf-8"?>
 <p:sld xmlns:a="http://schemas.openxmlformats.org/drawingml/2006/main" xmlns:r="http://schemas.openxmlformats.org/officeDocument/2006/relationships" xmlns:p="http://schemas.openxmlformats.org/presentationml/2006/main">
   <p:cSld>
     <p:spTree>
@@ -12655,7 +13507,13 @@
       </p:sp>
       <p:pic>
         <p:nvPicPr>
-          <p:cNvPr id="7" name="Tartalom helye 6"/>
+          <p:cNvPr id="5" name="Tartalom helye 4" descr="A képen szöveg, képernyőkép, Betűtípus látható&#10;&#10;Lehet, hogy a mesterséges intelligencia által generált tartalom helytelen.">
+            <a:extLst>
+              <a:ext uri="{FF2B5EF4-FFF2-40B4-BE49-F238E27FC236}">
+                <a16:creationId xmlns:a16="http://schemas.microsoft.com/office/drawing/2014/main" id="{9C6E9830-26CE-7A0D-8390-B808ECDD2759}"/>
+              </a:ext>
+            </a:extLst>
+          </p:cNvPr>
           <p:cNvPicPr>
             <a:picLocks noGrp="1" noChangeAspect="1"/>
           </p:cNvPicPr>
@@ -12664,48 +13522,42 @@
           </p:nvPr>
         </p:nvPicPr>
         <p:blipFill>
-          <a:blip r:embed="rId2">
-            <a:extLst>
-              <a:ext uri="{28A0092B-C50C-407E-A947-70E740481C1C}">
-                <a14:useLocalDpi xmlns:a14="http://schemas.microsoft.com/office/drawing/2010/main" val="0"/>
-              </a:ext>
-            </a:extLst>
-          </a:blip>
+          <a:blip r:embed="rId2"/>
           <a:stretch>
             <a:fillRect/>
           </a:stretch>
         </p:blipFill>
         <p:spPr>
           <a:xfrm>
-            <a:off x="646111" y="1443944"/>
-            <a:ext cx="3691842" cy="3772489"/>
+            <a:off x="645335" y="1481470"/>
+            <a:ext cx="4981575" cy="3629025"/>
           </a:xfrm>
         </p:spPr>
       </p:pic>
       <p:pic>
         <p:nvPicPr>
-          <p:cNvPr id="8" name="Kép 7"/>
+          <p:cNvPr id="6" name="Kép 5" descr="A képen szöveg, képernyőkép, Betűtípus látható&#10;&#10;Lehet, hogy a mesterséges intelligencia által generált tartalom helytelen.">
+            <a:extLst>
+              <a:ext uri="{FF2B5EF4-FFF2-40B4-BE49-F238E27FC236}">
+                <a16:creationId xmlns:a16="http://schemas.microsoft.com/office/drawing/2014/main" id="{D4669E77-2306-A1CE-104A-9B2D8DC9B2C3}"/>
+              </a:ext>
+            </a:extLst>
+          </p:cNvPr>
           <p:cNvPicPr>
             <a:picLocks noChangeAspect="1"/>
           </p:cNvPicPr>
           <p:nvPr/>
         </p:nvPicPr>
         <p:blipFill>
-          <a:blip r:embed="rId3">
-            <a:extLst>
-              <a:ext uri="{28A0092B-C50C-407E-A947-70E740481C1C}">
-                <a14:useLocalDpi xmlns:a14="http://schemas.microsoft.com/office/drawing/2010/main" val="0"/>
-              </a:ext>
-            </a:extLst>
-          </a:blip>
+          <a:blip r:embed="rId3"/>
           <a:stretch>
             <a:fillRect/>
           </a:stretch>
         </p:blipFill>
         <p:spPr>
           <a:xfrm>
-            <a:off x="6361138" y="1443944"/>
-            <a:ext cx="4071732" cy="3737092"/>
+            <a:off x="6594260" y="1474831"/>
+            <a:ext cx="5243640" cy="3620014"/>
           </a:xfrm>
           <a:prstGeom prst="rect">
             <a:avLst/>
@@ -12714,14 +13566,20 @@
       </p:pic>
       <p:sp>
         <p:nvSpPr>
-          <p:cNvPr id="9" name="Szövegdoboz 8"/>
+          <p:cNvPr id="11" name="Szövegdoboz 10">
+            <a:extLst>
+              <a:ext uri="{FF2B5EF4-FFF2-40B4-BE49-F238E27FC236}">
+                <a16:creationId xmlns:a16="http://schemas.microsoft.com/office/drawing/2014/main" id="{2680A411-DEE9-F72A-1486-BE34A49921A2}"/>
+              </a:ext>
+            </a:extLst>
+          </p:cNvPr>
           <p:cNvSpPr txBox="1"/>
           <p:nvPr/>
         </p:nvSpPr>
         <p:spPr>
           <a:xfrm>
-            <a:off x="1297577" y="5512526"/>
-            <a:ext cx="2595154" cy="369332"/>
+            <a:off x="1380122" y="5479084"/>
+            <a:ext cx="2743199" cy="400110"/>
           </a:xfrm>
           <a:prstGeom prst="rect">
             <a:avLst/>
@@ -12729,28 +13587,38 @@
           <a:noFill/>
         </p:spPr>
         <p:txBody>
-          <a:bodyPr wrap="square" rtlCol="0">
+          <a:bodyPr rot="0" spcFirstLastPara="0" vertOverflow="overflow" horzOverflow="overflow" vert="horz" wrap="square" lIns="91440" tIns="45720" rIns="91440" bIns="45720" numCol="1" spcCol="0" rtlCol="0" fromWordArt="0" anchor="t" anchorCtr="0" forceAA="0" compatLnSpc="1">
+            <a:prstTxWarp prst="textNoShape">
+              <a:avLst/>
+            </a:prstTxWarp>
             <a:spAutoFit/>
           </a:bodyPr>
           <a:lstStyle/>
           <a:p>
+            <a:pPr algn="l"/>
             <a:r>
-              <a:rPr lang="hu-HU" dirty="0"/>
-              <a:t>DeliveryR1</a:t>
+              <a:rPr lang="hu-HU" sz="2000" dirty="0"/>
+              <a:t>AssemblyR1</a:t>
             </a:r>
           </a:p>
         </p:txBody>
       </p:sp>
       <p:sp>
         <p:nvSpPr>
-          <p:cNvPr id="10" name="Szövegdoboz 9"/>
+          <p:cNvPr id="12" name="Szövegdoboz 11">
+            <a:extLst>
+              <a:ext uri="{FF2B5EF4-FFF2-40B4-BE49-F238E27FC236}">
+                <a16:creationId xmlns:a16="http://schemas.microsoft.com/office/drawing/2014/main" id="{57F9AEAD-BF3D-4CC1-E461-2D8CF4C86B7B}"/>
+              </a:ext>
+            </a:extLst>
+          </p:cNvPr>
           <p:cNvSpPr txBox="1"/>
           <p:nvPr/>
         </p:nvSpPr>
         <p:spPr>
           <a:xfrm>
-            <a:off x="7498080" y="5353986"/>
-            <a:ext cx="2281646" cy="369332"/>
+            <a:off x="7908100" y="5492886"/>
+            <a:ext cx="2743199" cy="400110"/>
           </a:xfrm>
           <a:prstGeom prst="rect">
             <a:avLst/>
@@ -12758,14 +13626,18 @@
           <a:noFill/>
         </p:spPr>
         <p:txBody>
-          <a:bodyPr wrap="square" rtlCol="0">
+          <a:bodyPr rot="0" spcFirstLastPara="0" vertOverflow="overflow" horzOverflow="overflow" vert="horz" wrap="square" lIns="91440" tIns="45720" rIns="91440" bIns="45720" numCol="1" spcCol="0" rtlCol="0" fromWordArt="0" anchor="t" anchorCtr="0" forceAA="0" compatLnSpc="1">
+            <a:prstTxWarp prst="textNoShape">
+              <a:avLst/>
+            </a:prstTxWarp>
             <a:spAutoFit/>
           </a:bodyPr>
           <a:lstStyle/>
           <a:p>
+            <a:pPr algn="l"/>
             <a:r>
-              <a:rPr lang="hu-HU" dirty="0"/>
-              <a:t>DeliveryR2</a:t>
+              <a:rPr lang="hu-HU" sz="2000" dirty="0"/>
+              <a:t>AssemblyR2</a:t>
             </a:r>
           </a:p>
         </p:txBody>
@@ -12783,7 +13655,7 @@
 </p:sld>
 </file>
 
-<file path=ppt/slides/slide18.xml><?xml version="1.0" encoding="utf-8"?>
+<file path=ppt/slides/slide19.xml><?xml version="1.0" encoding="utf-8"?>
 <p:sld xmlns:a="http://schemas.openxmlformats.org/drawingml/2006/main" xmlns:r="http://schemas.openxmlformats.org/officeDocument/2006/relationships" xmlns:p="http://schemas.openxmlformats.org/presentationml/2006/main">
   <p:cSld>
     <p:spTree>
@@ -13071,7 +13943,240 @@
 </p:sld>
 </file>
 
-<file path=ppt/slides/slide19.xml><?xml version="1.0" encoding="utf-8"?>
+<file path=ppt/slides/slide2.xml><?xml version="1.0" encoding="utf-8"?>
+<p:sld xmlns:a="http://schemas.openxmlformats.org/drawingml/2006/main" xmlns:r="http://schemas.openxmlformats.org/officeDocument/2006/relationships" xmlns:p="http://schemas.openxmlformats.org/presentationml/2006/main">
+  <p:cSld>
+    <p:bg>
+      <p:bgPr>
+        <a:gradFill rotWithShape="1">
+          <a:gsLst>
+            <a:gs pos="0">
+              <a:schemeClr val="bg1">
+                <a:tint val="98000"/>
+                <a:hueMod val="104000"/>
+                <a:satMod val="128000"/>
+                <a:lumMod val="104000"/>
+              </a:schemeClr>
+            </a:gs>
+            <a:gs pos="100000">
+              <a:schemeClr val="bg1">
+                <a:shade val="76000"/>
+                <a:hueMod val="89000"/>
+                <a:satMod val="164000"/>
+                <a:lumMod val="68000"/>
+              </a:schemeClr>
+            </a:gs>
+          </a:gsLst>
+          <a:path path="circle">
+            <a:fillToRect l="45000" t="65000" r="125000" b="100000"/>
+          </a:path>
+        </a:gradFill>
+        <a:effectLst/>
+      </p:bgPr>
+    </p:bg>
+    <p:spTree>
+      <p:nvGrpSpPr>
+        <p:cNvPr id="1" name=""/>
+        <p:cNvGrpSpPr/>
+        <p:nvPr/>
+      </p:nvGrpSpPr>
+      <p:grpSpPr>
+        <a:xfrm>
+          <a:off x="0" y="0"/>
+          <a:ext cx="0" cy="0"/>
+          <a:chOff x="0" y="0"/>
+          <a:chExt cx="0" cy="0"/>
+        </a:xfrm>
+      </p:grpSpPr>
+      <p:pic>
+        <p:nvPicPr>
+          <p:cNvPr id="4" name="Kép 3" descr="A képen Szárazföldi jármű, jármű, kerék, ég látható&#10;&#10;Lehet, hogy a mesterséges intelligencia által generált tartalom helytelen.">
+            <a:extLst>
+              <a:ext uri="{FF2B5EF4-FFF2-40B4-BE49-F238E27FC236}">
+                <a16:creationId xmlns:a16="http://schemas.microsoft.com/office/drawing/2014/main" id="{7F9408AC-3FB3-9D72-C4C2-D11FD14D488C}"/>
+              </a:ext>
+            </a:extLst>
+          </p:cNvPr>
+          <p:cNvPicPr>
+            <a:picLocks noChangeAspect="1"/>
+          </p:cNvPicPr>
+          <p:nvPr/>
+        </p:nvPicPr>
+        <p:blipFill>
+          <a:blip r:embed="rId2">
+            <a:alphaModFix amt="25000"/>
+            <a:grayscl/>
+          </a:blip>
+          <a:srcRect t="15413"/>
+          <a:stretch/>
+        </p:blipFill>
+        <p:spPr>
+          <a:xfrm>
+            <a:off x="20" y="-1"/>
+            <a:ext cx="12191980" cy="6858000"/>
+          </a:xfrm>
+          <a:prstGeom prst="rect">
+            <a:avLst/>
+          </a:prstGeom>
+        </p:spPr>
+      </p:pic>
+      <p:sp>
+        <p:nvSpPr>
+          <p:cNvPr id="2" name="Cím 1"/>
+          <p:cNvSpPr>
+            <a:spLocks noGrp="1"/>
+          </p:cNvSpPr>
+          <p:nvPr>
+            <p:ph type="title"/>
+          </p:nvPr>
+        </p:nvSpPr>
+        <p:spPr>
+          <a:xfrm>
+            <a:off x="646111" y="452718"/>
+            <a:ext cx="9404723" cy="1400530"/>
+          </a:xfrm>
+        </p:spPr>
+        <p:txBody>
+          <a:bodyPr>
+            <a:normAutofit/>
+          </a:bodyPr>
+          <a:lstStyle/>
+          <a:p>
+            <a:r>
+              <a:rPr lang="hu-HU" dirty="0"/>
+              <a:t>Bemutatkozás</a:t>
+            </a:r>
+          </a:p>
+        </p:txBody>
+      </p:sp>
+      <p:sp>
+        <p:nvSpPr>
+          <p:cNvPr id="9" name="Rectangle 8">
+            <a:extLst>
+              <a:ext uri="{FF2B5EF4-FFF2-40B4-BE49-F238E27FC236}">
+                <a16:creationId xmlns:a16="http://schemas.microsoft.com/office/drawing/2014/main" id="{0D187C4E-14B9-4504-B200-5127823FA78C}"/>
+              </a:ext>
+              <a:ext uri="{C183D7F6-B498-43B3-948B-1728B52AA6E4}">
+                <adec:decorative xmlns:adec="http://schemas.microsoft.com/office/drawing/2017/decorative" val="1"/>
+              </a:ext>
+            </a:extLst>
+          </p:cNvPr>
+          <p:cNvSpPr>
+            <a:spLocks noGrp="1" noRot="1" noChangeAspect="1" noMove="1" noResize="1" noEditPoints="1" noAdjustHandles="1" noChangeArrowheads="1" noChangeShapeType="1" noTextEdit="1"/>
+          </p:cNvSpPr>
+          <p:nvPr>
+            <p:extLst>
+              <p:ext uri="{386F3935-93C4-4BCD-93E2-E3B085C9AB24}">
+                <p16:designElem xmlns:p16="http://schemas.microsoft.com/office/powerpoint/2015/main" val="1"/>
+              </p:ext>
+            </p:extLst>
+          </p:nvPr>
+        </p:nvSpPr>
+        <p:spPr>
+          <a:xfrm>
+            <a:off x="10442448" y="0"/>
+            <a:ext cx="685800" cy="1143000"/>
+          </a:xfrm>
+          <a:prstGeom prst="rect">
+            <a:avLst/>
+          </a:prstGeom>
+          <a:solidFill>
+            <a:schemeClr val="accent1"/>
+          </a:solidFill>
+          <a:ln>
+            <a:noFill/>
+          </a:ln>
+        </p:spPr>
+        <p:style>
+          <a:lnRef idx="1">
+            <a:schemeClr val="accent1"/>
+          </a:lnRef>
+          <a:fillRef idx="3">
+            <a:schemeClr val="accent1"/>
+          </a:fillRef>
+          <a:effectRef idx="2">
+            <a:schemeClr val="accent1"/>
+          </a:effectRef>
+          <a:fontRef idx="minor">
+            <a:schemeClr val="lt1"/>
+          </a:fontRef>
+        </p:style>
+      </p:sp>
+      <p:sp>
+        <p:nvSpPr>
+          <p:cNvPr id="3" name="Tartalom helye 2"/>
+          <p:cNvSpPr>
+            <a:spLocks noGrp="1"/>
+          </p:cNvSpPr>
+          <p:nvPr>
+            <p:ph idx="1"/>
+          </p:nvPr>
+        </p:nvSpPr>
+        <p:spPr>
+          <a:xfrm>
+            <a:off x="1103312" y="2052918"/>
+            <a:ext cx="8946541" cy="4195481"/>
+          </a:xfrm>
+        </p:spPr>
+        <p:txBody>
+          <a:bodyPr vert="horz" lIns="91440" tIns="45720" rIns="91440" bIns="45720" rtlCol="0">
+            <a:normAutofit/>
+          </a:bodyPr>
+          <a:lstStyle/>
+          <a:p>
+            <a:pPr marL="0" indent="0">
+              <a:buNone/>
+            </a:pPr>
+            <a:r>
+              <a:rPr lang="hu-HU" dirty="0"/>
+              <a:t>Cégünk a </a:t>
+            </a:r>
+            <a:r>
+              <a:rPr lang="hu-HU" dirty="0" err="1"/>
+              <a:t>BorsodNet</a:t>
+            </a:r>
+            <a:r>
+              <a:rPr lang="hu-HU" dirty="0"/>
+              <a:t>, egy miskolci hálózati cég.</a:t>
+            </a:r>
+          </a:p>
+          <a:p>
+            <a:pPr marL="0" indent="0">
+              <a:buNone/>
+            </a:pPr>
+            <a:r>
+              <a:rPr lang="hu-HU" dirty="0"/>
+              <a:t>Jelenlegi megbízásunkat a Mini brit autómárka adta, hogy szeretnék ha mi csinálnánk meg a Miskolcon épülő Mini autógyár hálózatát 3 telephelyre szétosztva.</a:t>
+            </a:r>
+          </a:p>
+        </p:txBody>
+      </p:sp>
+    </p:spTree>
+    <p:extLst>
+      <p:ext uri="{BB962C8B-B14F-4D97-AF65-F5344CB8AC3E}">
+        <p14:creationId xmlns:p14="http://schemas.microsoft.com/office/powerpoint/2010/main" val="2149205326"/>
+      </p:ext>
+    </p:extLst>
+  </p:cSld>
+  <p:clrMapOvr>
+    <a:masterClrMapping/>
+  </p:clrMapOvr>
+  <mc:AlternateContent xmlns:mc="http://schemas.openxmlformats.org/markup-compatibility/2006" xmlns:p14="http://schemas.microsoft.com/office/powerpoint/2010/main">
+    <mc:Choice Requires="p14">
+      <p:transition spd="med" p14:dur="700">
+        <p:fade/>
+      </p:transition>
+    </mc:Choice>
+    <mc:Fallback xmlns="">
+      <p:transition spd="med">
+        <p:fade/>
+      </p:transition>
+    </mc:Fallback>
+  </mc:AlternateContent>
+</p:sld>
+</file>
+
+<file path=ppt/slides/slide20.xml><?xml version="1.0" encoding="utf-8"?>
 <p:sld xmlns:a="http://schemas.openxmlformats.org/drawingml/2006/main" xmlns:r="http://schemas.openxmlformats.org/officeDocument/2006/relationships" xmlns:p="http://schemas.openxmlformats.org/presentationml/2006/main">
   <p:cSld>
     <p:bg>
@@ -13339,240 +14444,7 @@
 </p:sld>
 </file>
 
-<file path=ppt/slides/slide2.xml><?xml version="1.0" encoding="utf-8"?>
-<p:sld xmlns:a="http://schemas.openxmlformats.org/drawingml/2006/main" xmlns:r="http://schemas.openxmlformats.org/officeDocument/2006/relationships" xmlns:p="http://schemas.openxmlformats.org/presentationml/2006/main">
-  <p:cSld>
-    <p:bg>
-      <p:bgPr>
-        <a:gradFill rotWithShape="1">
-          <a:gsLst>
-            <a:gs pos="0">
-              <a:schemeClr val="bg1">
-                <a:tint val="98000"/>
-                <a:hueMod val="104000"/>
-                <a:satMod val="128000"/>
-                <a:lumMod val="104000"/>
-              </a:schemeClr>
-            </a:gs>
-            <a:gs pos="100000">
-              <a:schemeClr val="bg1">
-                <a:shade val="76000"/>
-                <a:hueMod val="89000"/>
-                <a:satMod val="164000"/>
-                <a:lumMod val="68000"/>
-              </a:schemeClr>
-            </a:gs>
-          </a:gsLst>
-          <a:path path="circle">
-            <a:fillToRect l="45000" t="65000" r="125000" b="100000"/>
-          </a:path>
-        </a:gradFill>
-        <a:effectLst/>
-      </p:bgPr>
-    </p:bg>
-    <p:spTree>
-      <p:nvGrpSpPr>
-        <p:cNvPr id="1" name=""/>
-        <p:cNvGrpSpPr/>
-        <p:nvPr/>
-      </p:nvGrpSpPr>
-      <p:grpSpPr>
-        <a:xfrm>
-          <a:off x="0" y="0"/>
-          <a:ext cx="0" cy="0"/>
-          <a:chOff x="0" y="0"/>
-          <a:chExt cx="0" cy="0"/>
-        </a:xfrm>
-      </p:grpSpPr>
-      <p:pic>
-        <p:nvPicPr>
-          <p:cNvPr id="4" name="Kép 3" descr="A képen Szárazföldi jármű, jármű, kerék, ég látható&#10;&#10;Lehet, hogy a mesterséges intelligencia által generált tartalom helytelen.">
-            <a:extLst>
-              <a:ext uri="{FF2B5EF4-FFF2-40B4-BE49-F238E27FC236}">
-                <a16:creationId xmlns:a16="http://schemas.microsoft.com/office/drawing/2014/main" id="{7F9408AC-3FB3-9D72-C4C2-D11FD14D488C}"/>
-              </a:ext>
-            </a:extLst>
-          </p:cNvPr>
-          <p:cNvPicPr>
-            <a:picLocks noChangeAspect="1"/>
-          </p:cNvPicPr>
-          <p:nvPr/>
-        </p:nvPicPr>
-        <p:blipFill>
-          <a:blip r:embed="rId2">
-            <a:alphaModFix amt="25000"/>
-            <a:grayscl/>
-          </a:blip>
-          <a:srcRect t="15413"/>
-          <a:stretch/>
-        </p:blipFill>
-        <p:spPr>
-          <a:xfrm>
-            <a:off x="20" y="-1"/>
-            <a:ext cx="12191980" cy="6858000"/>
-          </a:xfrm>
-          <a:prstGeom prst="rect">
-            <a:avLst/>
-          </a:prstGeom>
-        </p:spPr>
-      </p:pic>
-      <p:sp>
-        <p:nvSpPr>
-          <p:cNvPr id="2" name="Cím 1"/>
-          <p:cNvSpPr>
-            <a:spLocks noGrp="1"/>
-          </p:cNvSpPr>
-          <p:nvPr>
-            <p:ph type="title"/>
-          </p:nvPr>
-        </p:nvSpPr>
-        <p:spPr>
-          <a:xfrm>
-            <a:off x="646111" y="452718"/>
-            <a:ext cx="9404723" cy="1400530"/>
-          </a:xfrm>
-        </p:spPr>
-        <p:txBody>
-          <a:bodyPr>
-            <a:normAutofit/>
-          </a:bodyPr>
-          <a:lstStyle/>
-          <a:p>
-            <a:r>
-              <a:rPr lang="hu-HU" dirty="0"/>
-              <a:t>Bemutatkozás</a:t>
-            </a:r>
-          </a:p>
-        </p:txBody>
-      </p:sp>
-      <p:sp>
-        <p:nvSpPr>
-          <p:cNvPr id="9" name="Rectangle 8">
-            <a:extLst>
-              <a:ext uri="{FF2B5EF4-FFF2-40B4-BE49-F238E27FC236}">
-                <a16:creationId xmlns:a16="http://schemas.microsoft.com/office/drawing/2014/main" id="{0D187C4E-14B9-4504-B200-5127823FA78C}"/>
-              </a:ext>
-              <a:ext uri="{C183D7F6-B498-43B3-948B-1728B52AA6E4}">
-                <adec:decorative xmlns:adec="http://schemas.microsoft.com/office/drawing/2017/decorative" val="1"/>
-              </a:ext>
-            </a:extLst>
-          </p:cNvPr>
-          <p:cNvSpPr>
-            <a:spLocks noGrp="1" noRot="1" noChangeAspect="1" noMove="1" noResize="1" noEditPoints="1" noAdjustHandles="1" noChangeArrowheads="1" noChangeShapeType="1" noTextEdit="1"/>
-          </p:cNvSpPr>
-          <p:nvPr>
-            <p:extLst>
-              <p:ext uri="{386F3935-93C4-4BCD-93E2-E3B085C9AB24}">
-                <p16:designElem xmlns:p16="http://schemas.microsoft.com/office/powerpoint/2015/main" val="1"/>
-              </p:ext>
-            </p:extLst>
-          </p:nvPr>
-        </p:nvSpPr>
-        <p:spPr>
-          <a:xfrm>
-            <a:off x="10442448" y="0"/>
-            <a:ext cx="685800" cy="1143000"/>
-          </a:xfrm>
-          <a:prstGeom prst="rect">
-            <a:avLst/>
-          </a:prstGeom>
-          <a:solidFill>
-            <a:schemeClr val="accent1"/>
-          </a:solidFill>
-          <a:ln>
-            <a:noFill/>
-          </a:ln>
-        </p:spPr>
-        <p:style>
-          <a:lnRef idx="1">
-            <a:schemeClr val="accent1"/>
-          </a:lnRef>
-          <a:fillRef idx="3">
-            <a:schemeClr val="accent1"/>
-          </a:fillRef>
-          <a:effectRef idx="2">
-            <a:schemeClr val="accent1"/>
-          </a:effectRef>
-          <a:fontRef idx="minor">
-            <a:schemeClr val="lt1"/>
-          </a:fontRef>
-        </p:style>
-      </p:sp>
-      <p:sp>
-        <p:nvSpPr>
-          <p:cNvPr id="3" name="Tartalom helye 2"/>
-          <p:cNvSpPr>
-            <a:spLocks noGrp="1"/>
-          </p:cNvSpPr>
-          <p:nvPr>
-            <p:ph idx="1"/>
-          </p:nvPr>
-        </p:nvSpPr>
-        <p:spPr>
-          <a:xfrm>
-            <a:off x="1103312" y="2052918"/>
-            <a:ext cx="8946541" cy="4195481"/>
-          </a:xfrm>
-        </p:spPr>
-        <p:txBody>
-          <a:bodyPr vert="horz" lIns="91440" tIns="45720" rIns="91440" bIns="45720" rtlCol="0">
-            <a:normAutofit/>
-          </a:bodyPr>
-          <a:lstStyle/>
-          <a:p>
-            <a:pPr marL="0" indent="0">
-              <a:buNone/>
-            </a:pPr>
-            <a:r>
-              <a:rPr lang="hu-HU" dirty="0"/>
-              <a:t>Cégünk a </a:t>
-            </a:r>
-            <a:r>
-              <a:rPr lang="hu-HU" dirty="0" err="1"/>
-              <a:t>BorsodNet</a:t>
-            </a:r>
-            <a:r>
-              <a:rPr lang="hu-HU" dirty="0"/>
-              <a:t>, egy miskolci hálózati cég.</a:t>
-            </a:r>
-          </a:p>
-          <a:p>
-            <a:pPr marL="0" indent="0">
-              <a:buNone/>
-            </a:pPr>
-            <a:r>
-              <a:rPr lang="hu-HU" dirty="0"/>
-              <a:t>Jelenlegi megbízásunkat a Mini brit autómárka adta, hogy szeretnék ha mi csinálnánk meg a Miskolcon épülő Mini autógyár hálózatát 3 telephelyre szétosztva.</a:t>
-            </a:r>
-          </a:p>
-        </p:txBody>
-      </p:sp>
-    </p:spTree>
-    <p:extLst>
-      <p:ext uri="{BB962C8B-B14F-4D97-AF65-F5344CB8AC3E}">
-        <p14:creationId xmlns:p14="http://schemas.microsoft.com/office/powerpoint/2010/main" val="2149205326"/>
-      </p:ext>
-    </p:extLst>
-  </p:cSld>
-  <p:clrMapOvr>
-    <a:masterClrMapping/>
-  </p:clrMapOvr>
-  <mc:AlternateContent xmlns:mc="http://schemas.openxmlformats.org/markup-compatibility/2006" xmlns:p14="http://schemas.microsoft.com/office/powerpoint/2010/main">
-    <mc:Choice Requires="p14">
-      <p:transition spd="med" p14:dur="700">
-        <p:fade/>
-      </p:transition>
-    </mc:Choice>
-    <mc:Fallback xmlns="">
-      <p:transition spd="med">
-        <p:fade/>
-      </p:transition>
-    </mc:Fallback>
-  </mc:AlternateContent>
-</p:sld>
-</file>
-
-<file path=ppt/slides/slide20.xml><?xml version="1.0" encoding="utf-8"?>
+<file path=ppt/slides/slide21.xml><?xml version="1.0" encoding="utf-8"?>
 <p:sld xmlns:a="http://schemas.openxmlformats.org/drawingml/2006/main" xmlns:r="http://schemas.openxmlformats.org/officeDocument/2006/relationships" xmlns:p="http://schemas.openxmlformats.org/presentationml/2006/main">
   <p:cSld>
     <p:bg>
@@ -13831,7 +14703,7 @@
 </p:sld>
 </file>
 
-<file path=ppt/slides/slide21.xml><?xml version="1.0" encoding="utf-8"?>
+<file path=ppt/slides/slide22.xml><?xml version="1.0" encoding="utf-8"?>
 <p:sld xmlns:a="http://schemas.openxmlformats.org/drawingml/2006/main" xmlns:r="http://schemas.openxmlformats.org/officeDocument/2006/relationships" xmlns:p="http://schemas.openxmlformats.org/presentationml/2006/main">
   <p:cSld>
     <p:bg>
@@ -14092,7 +14964,7 @@
 </p:sld>
 </file>
 
-<file path=ppt/slides/slide22.xml><?xml version="1.0" encoding="utf-8"?>
+<file path=ppt/slides/slide23.xml><?xml version="1.0" encoding="utf-8"?>
 <p:sld xmlns:a="http://schemas.openxmlformats.org/drawingml/2006/main" xmlns:r="http://schemas.openxmlformats.org/officeDocument/2006/relationships" xmlns:p="http://schemas.openxmlformats.org/presentationml/2006/main">
   <p:cSld>
     <p:bg>
@@ -14337,7 +15209,7 @@
 </p:sld>
 </file>
 
-<file path=ppt/slides/slide23.xml><?xml version="1.0" encoding="utf-8"?>
+<file path=ppt/slides/slide24.xml><?xml version="1.0" encoding="utf-8"?>
 <p:sld xmlns:a="http://schemas.openxmlformats.org/drawingml/2006/main" xmlns:r="http://schemas.openxmlformats.org/officeDocument/2006/relationships" xmlns:p="http://schemas.openxmlformats.org/presentationml/2006/main">
   <p:cSld>
     <p:spTree>
@@ -14378,158 +15250,63 @@
       </p:sp>
       <p:pic>
         <p:nvPicPr>
-          <p:cNvPr id="5" name="Kép 4"/>
+          <p:cNvPr id="3" name="Kép 2" descr="A képen szöveg, képernyőkép, Betűtípus, sor látható&#10;&#10;Lehet, hogy a mesterséges intelligencia által generált tartalom helytelen.">
+            <a:extLst>
+              <a:ext uri="{FF2B5EF4-FFF2-40B4-BE49-F238E27FC236}">
+                <a16:creationId xmlns:a16="http://schemas.microsoft.com/office/drawing/2014/main" id="{4C85B061-FEBA-1C73-ABFC-DB1A03D6EFBB}"/>
+              </a:ext>
+            </a:extLst>
+          </p:cNvPr>
           <p:cNvPicPr>
             <a:picLocks noChangeAspect="1"/>
           </p:cNvPicPr>
           <p:nvPr/>
         </p:nvPicPr>
         <p:blipFill>
-          <a:blip r:embed="rId2">
-            <a:extLst>
-              <a:ext uri="{28A0092B-C50C-407E-A947-70E740481C1C}">
-                <a14:useLocalDpi xmlns:a14="http://schemas.microsoft.com/office/drawing/2010/main" val="0"/>
-              </a:ext>
-            </a:extLst>
-          </a:blip>
+          <a:blip r:embed="rId2"/>
           <a:stretch>
             <a:fillRect/>
           </a:stretch>
         </p:blipFill>
         <p:spPr>
           <a:xfrm>
-            <a:off x="4479532" y="2632636"/>
-            <a:ext cx="7773428" cy="2483076"/>
+            <a:off x="1430166" y="1538288"/>
+            <a:ext cx="8734425" cy="1495425"/>
           </a:xfrm>
           <a:prstGeom prst="rect">
             <a:avLst/>
           </a:prstGeom>
         </p:spPr>
       </p:pic>
-      <p:sp>
-        <p:nvSpPr>
-          <p:cNvPr id="7" name="Szövegdoboz 6"/>
-          <p:cNvSpPr txBox="1"/>
-          <p:nvPr/>
-        </p:nvSpPr>
-        <p:spPr>
-          <a:xfrm>
-            <a:off x="1245326" y="5207726"/>
-            <a:ext cx="1539204" cy="646331"/>
-          </a:xfrm>
-          <a:prstGeom prst="rect">
-            <a:avLst/>
-          </a:prstGeom>
-          <a:noFill/>
-        </p:spPr>
-        <p:txBody>
-          <a:bodyPr wrap="none" rtlCol="0">
-            <a:spAutoFit/>
-          </a:bodyPr>
-          <a:lstStyle/>
-          <a:p>
-            <a:r>
-              <a:rPr lang="hu-HU" dirty="0" err="1"/>
-              <a:t>Commands</a:t>
-            </a:r>
-            <a:endParaRPr lang="hu-HU" dirty="0"/>
-          </a:p>
-          <a:p>
-            <a:r>
-              <a:rPr lang="hu-HU" dirty="0" err="1"/>
-              <a:t>Dhcpd.conf</a:t>
-            </a:r>
-            <a:endParaRPr lang="hu-HU" dirty="0"/>
-          </a:p>
-        </p:txBody>
-      </p:sp>
       <p:pic>
         <p:nvPicPr>
-          <p:cNvPr id="11" name="Kép 10"/>
+          <p:cNvPr id="4" name="Kép 3" descr="A képen szöveg, képernyőkép, képernyő, szoftver látható&#10;&#10;Lehet, hogy a mesterséges intelligencia által generált tartalom helytelen.">
+            <a:extLst>
+              <a:ext uri="{FF2B5EF4-FFF2-40B4-BE49-F238E27FC236}">
+                <a16:creationId xmlns:a16="http://schemas.microsoft.com/office/drawing/2014/main" id="{34B642A8-73BD-F6A7-D26E-E644D6DB9701}"/>
+              </a:ext>
+            </a:extLst>
+          </p:cNvPr>
           <p:cNvPicPr>
             <a:picLocks noChangeAspect="1"/>
           </p:cNvPicPr>
           <p:nvPr/>
         </p:nvPicPr>
         <p:blipFill>
-          <a:blip r:embed="rId3">
-            <a:extLst>
-              <a:ext uri="{28A0092B-C50C-407E-A947-70E740481C1C}">
-                <a14:useLocalDpi xmlns:a14="http://schemas.microsoft.com/office/drawing/2010/main" val="0"/>
-              </a:ext>
-            </a:extLst>
-          </a:blip>
-          <a:stretch>
-            <a:fillRect/>
-          </a:stretch>
+          <a:blip r:embed="rId3"/>
+          <a:srcRect l="27" t="-1209" r="20658" b="52159"/>
+          <a:stretch/>
         </p:blipFill>
         <p:spPr>
           <a:xfrm>
-            <a:off x="0" y="3340186"/>
-            <a:ext cx="4483651" cy="1775526"/>
+            <a:off x="882367" y="3211121"/>
+            <a:ext cx="9931460" cy="2928470"/>
           </a:xfrm>
           <a:prstGeom prst="rect">
             <a:avLst/>
           </a:prstGeom>
         </p:spPr>
       </p:pic>
-      <p:sp>
-        <p:nvSpPr>
-          <p:cNvPr id="13" name="Szövegdoboz 12"/>
-          <p:cNvSpPr txBox="1"/>
-          <p:nvPr/>
-        </p:nvSpPr>
-        <p:spPr>
-          <a:xfrm>
-            <a:off x="6026331" y="5248769"/>
-            <a:ext cx="4232249" cy="646331"/>
-          </a:xfrm>
-          <a:prstGeom prst="rect">
-            <a:avLst/>
-          </a:prstGeom>
-          <a:noFill/>
-        </p:spPr>
-        <p:txBody>
-          <a:bodyPr wrap="none" rtlCol="0">
-            <a:spAutoFit/>
-          </a:bodyPr>
-          <a:lstStyle/>
-          <a:p>
-            <a:r>
-              <a:rPr lang="hu-HU" dirty="0" err="1"/>
-              <a:t>Systemctl</a:t>
-            </a:r>
-            <a:r>
-              <a:rPr lang="hu-HU" dirty="0"/>
-              <a:t> status shows </a:t>
-            </a:r>
-            <a:r>
-              <a:rPr lang="hu-HU" dirty="0" err="1"/>
-              <a:t>that</a:t>
-            </a:r>
-            <a:r>
-              <a:rPr lang="hu-HU" dirty="0"/>
-              <a:t> </a:t>
-            </a:r>
-            <a:r>
-              <a:rPr lang="hu-HU" dirty="0" err="1"/>
-              <a:t>its</a:t>
-            </a:r>
-            <a:r>
-              <a:rPr lang="hu-HU" dirty="0"/>
-              <a:t> </a:t>
-            </a:r>
-            <a:r>
-              <a:rPr lang="hu-HU" dirty="0" err="1"/>
-              <a:t>active</a:t>
-            </a:r>
-            <a:endParaRPr lang="hu-HU" dirty="0"/>
-          </a:p>
-          <a:p>
-            <a:endParaRPr lang="hu-HU" dirty="0"/>
-          </a:p>
-        </p:txBody>
-      </p:sp>
     </p:spTree>
     <p:extLst>
       <p:ext uri="{BB962C8B-B14F-4D97-AF65-F5344CB8AC3E}">
@@ -14543,7 +15320,211 @@
 </p:sld>
 </file>
 
-<file path=ppt/slides/slide24.xml><?xml version="1.0" encoding="utf-8"?>
+<file path=ppt/slides/slide25.xml><?xml version="1.0" encoding="utf-8"?>
+<p:sld xmlns:a="http://schemas.openxmlformats.org/drawingml/2006/main" xmlns:r="http://schemas.openxmlformats.org/officeDocument/2006/relationships" xmlns:p="http://schemas.openxmlformats.org/presentationml/2006/main">
+  <p:cSld>
+    <p:spTree>
+      <p:nvGrpSpPr>
+        <p:cNvPr id="1" name=""/>
+        <p:cNvGrpSpPr/>
+        <p:nvPr/>
+      </p:nvGrpSpPr>
+      <p:grpSpPr>
+        <a:xfrm>
+          <a:off x="0" y="0"/>
+          <a:ext cx="0" cy="0"/>
+          <a:chOff x="0" y="0"/>
+          <a:chExt cx="0" cy="0"/>
+        </a:xfrm>
+      </p:grpSpPr>
+      <p:sp>
+        <p:nvSpPr>
+          <p:cNvPr id="2" name="Cím 1">
+            <a:extLst>
+              <a:ext uri="{FF2B5EF4-FFF2-40B4-BE49-F238E27FC236}">
+                <a16:creationId xmlns:a16="http://schemas.microsoft.com/office/drawing/2014/main" id="{3D170FFE-FE17-FE29-166E-8197BFA15920}"/>
+              </a:ext>
+            </a:extLst>
+          </p:cNvPr>
+          <p:cNvSpPr>
+            <a:spLocks noGrp="1"/>
+          </p:cNvSpPr>
+          <p:nvPr>
+            <p:ph type="title"/>
+          </p:nvPr>
+        </p:nvSpPr>
+        <p:spPr/>
+        <p:txBody>
+          <a:bodyPr/>
+          <a:lstStyle/>
+          <a:p>
+            <a:r>
+              <a:rPr lang="hu-HU" dirty="0"/>
+              <a:t>FTP server(Windows)</a:t>
+            </a:r>
+          </a:p>
+        </p:txBody>
+      </p:sp>
+      <p:pic>
+        <p:nvPicPr>
+          <p:cNvPr id="4" name="Tartalom helye 3" descr="A képen szöveg, képernyőkép, képernyő, szoftver látható&#10;&#10;Lehet, hogy a mesterséges intelligencia által generált tartalom helytelen.">
+            <a:extLst>
+              <a:ext uri="{FF2B5EF4-FFF2-40B4-BE49-F238E27FC236}">
+                <a16:creationId xmlns:a16="http://schemas.microsoft.com/office/drawing/2014/main" id="{AD9186D2-5B81-71B8-A9E7-33B3AD9896D2}"/>
+              </a:ext>
+            </a:extLst>
+          </p:cNvPr>
+          <p:cNvPicPr>
+            <a:picLocks noGrp="1" noChangeAspect="1"/>
+          </p:cNvPicPr>
+          <p:nvPr>
+            <p:ph idx="1"/>
+          </p:nvPr>
+        </p:nvPicPr>
+        <p:blipFill>
+          <a:blip r:embed="rId2"/>
+          <a:stretch>
+            <a:fillRect/>
+          </a:stretch>
+        </p:blipFill>
+        <p:spPr>
+          <a:xfrm>
+            <a:off x="551502" y="1447769"/>
+            <a:ext cx="6096000" cy="3202158"/>
+          </a:xfrm>
+        </p:spPr>
+      </p:pic>
+    </p:spTree>
+    <p:extLst>
+      <p:ext uri="{BB962C8B-B14F-4D97-AF65-F5344CB8AC3E}">
+        <p14:creationId xmlns:p14="http://schemas.microsoft.com/office/powerpoint/2010/main" val="3680533596"/>
+      </p:ext>
+    </p:extLst>
+  </p:cSld>
+  <p:clrMapOvr>
+    <a:masterClrMapping/>
+  </p:clrMapOvr>
+</p:sld>
+</file>
+
+<file path=ppt/slides/slide26.xml><?xml version="1.0" encoding="utf-8"?>
+<p:sld xmlns:a="http://schemas.openxmlformats.org/drawingml/2006/main" xmlns:r="http://schemas.openxmlformats.org/officeDocument/2006/relationships" xmlns:p="http://schemas.openxmlformats.org/presentationml/2006/main">
+  <p:cSld>
+    <p:spTree>
+      <p:nvGrpSpPr>
+        <p:cNvPr id="1" name=""/>
+        <p:cNvGrpSpPr/>
+        <p:nvPr/>
+      </p:nvGrpSpPr>
+      <p:grpSpPr>
+        <a:xfrm>
+          <a:off x="0" y="0"/>
+          <a:ext cx="0" cy="0"/>
+          <a:chOff x="0" y="0"/>
+          <a:chExt cx="0" cy="0"/>
+        </a:xfrm>
+      </p:grpSpPr>
+      <p:pic>
+        <p:nvPicPr>
+          <p:cNvPr id="5" name="Kép 4" descr="A képen szöveg, elektronika, képernyőkép, szoftver látható&#10;&#10;Lehet, hogy a mesterséges intelligencia által generált tartalom helytelen.">
+            <a:extLst>
+              <a:ext uri="{FF2B5EF4-FFF2-40B4-BE49-F238E27FC236}">
+                <a16:creationId xmlns:a16="http://schemas.microsoft.com/office/drawing/2014/main" id="{6510D0A9-A6DE-39B1-6CF1-FFD13FC7E140}"/>
+              </a:ext>
+            </a:extLst>
+          </p:cNvPr>
+          <p:cNvPicPr>
+            <a:picLocks noChangeAspect="1"/>
+          </p:cNvPicPr>
+          <p:nvPr/>
+        </p:nvPicPr>
+        <p:blipFill>
+          <a:blip r:embed="rId2"/>
+          <a:stretch>
+            <a:fillRect/>
+          </a:stretch>
+        </p:blipFill>
+        <p:spPr>
+          <a:xfrm>
+            <a:off x="3882081" y="2219450"/>
+            <a:ext cx="8309919" cy="4241722"/>
+          </a:xfrm>
+          <a:prstGeom prst="rect">
+            <a:avLst/>
+          </a:prstGeom>
+        </p:spPr>
+      </p:pic>
+      <p:sp>
+        <p:nvSpPr>
+          <p:cNvPr id="2" name="Cím 1">
+            <a:extLst>
+              <a:ext uri="{FF2B5EF4-FFF2-40B4-BE49-F238E27FC236}">
+                <a16:creationId xmlns:a16="http://schemas.microsoft.com/office/drawing/2014/main" id="{F7954DA2-A3EE-A0F6-1EA5-90C15F89CDA6}"/>
+              </a:ext>
+            </a:extLst>
+          </p:cNvPr>
+          <p:cNvSpPr>
+            <a:spLocks noGrp="1"/>
+          </p:cNvSpPr>
+          <p:nvPr>
+            <p:ph type="title"/>
+          </p:nvPr>
+        </p:nvSpPr>
+        <p:spPr/>
+        <p:txBody>
+          <a:bodyPr/>
+          <a:lstStyle/>
+          <a:p>
+            <a:r>
+              <a:rPr lang="hu-HU" dirty="0"/>
+              <a:t>Webserver(Windows)</a:t>
+            </a:r>
+          </a:p>
+        </p:txBody>
+      </p:sp>
+      <p:pic>
+        <p:nvPicPr>
+          <p:cNvPr id="4" name="Tartalom helye 3" descr="A képen szöveg, képernyőkép, képernyő, szoftver látható&#10;&#10;Lehet, hogy a mesterséges intelligencia által generált tartalom helytelen.">
+            <a:extLst>
+              <a:ext uri="{FF2B5EF4-FFF2-40B4-BE49-F238E27FC236}">
+                <a16:creationId xmlns:a16="http://schemas.microsoft.com/office/drawing/2014/main" id="{C977240F-71D8-CBDA-340A-7C4EF93FD1DB}"/>
+              </a:ext>
+            </a:extLst>
+          </p:cNvPr>
+          <p:cNvPicPr>
+            <a:picLocks noGrp="1" noChangeAspect="1"/>
+          </p:cNvPicPr>
+          <p:nvPr>
+            <p:ph idx="1"/>
+          </p:nvPr>
+        </p:nvPicPr>
+        <p:blipFill>
+          <a:blip r:embed="rId3"/>
+          <a:stretch>
+            <a:fillRect/>
+          </a:stretch>
+        </p:blipFill>
+        <p:spPr>
+          <a:xfrm>
+            <a:off x="-4552" y="1154145"/>
+            <a:ext cx="6096000" cy="3048000"/>
+          </a:xfrm>
+        </p:spPr>
+      </p:pic>
+    </p:spTree>
+    <p:extLst>
+      <p:ext uri="{BB962C8B-B14F-4D97-AF65-F5344CB8AC3E}">
+        <p14:creationId xmlns:p14="http://schemas.microsoft.com/office/powerpoint/2010/main" val="3242572730"/>
+      </p:ext>
+    </p:extLst>
+  </p:cSld>
+  <p:clrMapOvr>
+    <a:masterClrMapping/>
+  </p:clrMapOvr>
+</p:sld>
+</file>
+
+<file path=ppt/slides/slide27.xml><?xml version="1.0" encoding="utf-8"?>
 <p:sld xmlns:a="http://schemas.openxmlformats.org/drawingml/2006/main" xmlns:r="http://schemas.openxmlformats.org/officeDocument/2006/relationships" xmlns:p="http://schemas.openxmlformats.org/presentationml/2006/main">
   <p:cSld>
     <p:spTree>
@@ -14590,96 +15571,6 @@
           </a:p>
         </p:txBody>
       </p:sp>
-      <p:pic>
-        <p:nvPicPr>
-          <p:cNvPr id="4" name="Kép 3"/>
-          <p:cNvPicPr>
-            <a:picLocks noChangeAspect="1"/>
-          </p:cNvPicPr>
-          <p:nvPr/>
-        </p:nvPicPr>
-        <p:blipFill>
-          <a:blip r:embed="rId2">
-            <a:extLst>
-              <a:ext uri="{28A0092B-C50C-407E-A947-70E740481C1C}">
-                <a14:useLocalDpi xmlns:a14="http://schemas.microsoft.com/office/drawing/2010/main" val="0"/>
-              </a:ext>
-            </a:extLst>
-          </a:blip>
-          <a:stretch>
-            <a:fillRect/>
-          </a:stretch>
-        </p:blipFill>
-        <p:spPr>
-          <a:xfrm>
-            <a:off x="4556098" y="1918490"/>
-            <a:ext cx="7635902" cy="2690093"/>
-          </a:xfrm>
-          <a:prstGeom prst="rect">
-            <a:avLst/>
-          </a:prstGeom>
-        </p:spPr>
-      </p:pic>
-      <p:pic>
-        <p:nvPicPr>
-          <p:cNvPr id="5" name="Kép 4"/>
-          <p:cNvPicPr>
-            <a:picLocks noChangeAspect="1"/>
-          </p:cNvPicPr>
-          <p:nvPr/>
-        </p:nvPicPr>
-        <p:blipFill>
-          <a:blip r:embed="rId3">
-            <a:extLst>
-              <a:ext uri="{28A0092B-C50C-407E-A947-70E740481C1C}">
-                <a14:useLocalDpi xmlns:a14="http://schemas.microsoft.com/office/drawing/2010/main" val="0"/>
-              </a:ext>
-            </a:extLst>
-          </a:blip>
-          <a:stretch>
-            <a:fillRect/>
-          </a:stretch>
-        </p:blipFill>
-        <p:spPr>
-          <a:xfrm>
-            <a:off x="0" y="2808886"/>
-            <a:ext cx="4544688" cy="1799697"/>
-          </a:xfrm>
-          <a:prstGeom prst="rect">
-            <a:avLst/>
-          </a:prstGeom>
-        </p:spPr>
-      </p:pic>
-      <p:sp>
-        <p:nvSpPr>
-          <p:cNvPr id="6" name="Szövegdoboz 5"/>
-          <p:cNvSpPr txBox="1"/>
-          <p:nvPr/>
-        </p:nvSpPr>
-        <p:spPr>
-          <a:xfrm>
-            <a:off x="1349828" y="4746172"/>
-            <a:ext cx="1502334" cy="369332"/>
-          </a:xfrm>
-          <a:prstGeom prst="rect">
-            <a:avLst/>
-          </a:prstGeom>
-          <a:noFill/>
-        </p:spPr>
-        <p:txBody>
-          <a:bodyPr wrap="none" rtlCol="0">
-            <a:spAutoFit/>
-          </a:bodyPr>
-          <a:lstStyle/>
-          <a:p>
-            <a:r>
-              <a:rPr lang="hu-HU" dirty="0" err="1"/>
-              <a:t>Commands</a:t>
-            </a:r>
-            <a:endParaRPr lang="hu-HU" dirty="0"/>
-          </a:p>
-        </p:txBody>
-      </p:sp>
       <p:sp>
         <p:nvSpPr>
           <p:cNvPr id="7" name="Szövegdoboz 6"/>
@@ -14688,7 +15579,7 @@
         </p:nvSpPr>
         <p:spPr>
           <a:xfrm>
-            <a:off x="5886994" y="4673825"/>
+            <a:off x="3374453" y="5590285"/>
             <a:ext cx="4232249" cy="369332"/>
           </a:xfrm>
           <a:prstGeom prst="rect">
@@ -14734,126 +15625,36 @@
           </a:p>
         </p:txBody>
       </p:sp>
-      <p:sp>
-        <p:nvSpPr>
-          <p:cNvPr id="8" name="Téglalap 7"/>
-          <p:cNvSpPr/>
+      <p:pic>
+        <p:nvPicPr>
+          <p:cNvPr id="3" name="Kép 2" descr="A képen szöveg, képernyőkép, Betűtípus látható&#10;&#10;Lehet, hogy a mesterséges intelligencia által generált tartalom helytelen.">
+            <a:extLst>
+              <a:ext uri="{FF2B5EF4-FFF2-40B4-BE49-F238E27FC236}">
+                <a16:creationId xmlns:a16="http://schemas.microsoft.com/office/drawing/2014/main" id="{05920D74-048D-77FF-26E5-8D0E6B9C3030}"/>
+              </a:ext>
+            </a:extLst>
+          </p:cNvPr>
+          <p:cNvPicPr>
+            <a:picLocks noChangeAspect="1"/>
+          </p:cNvPicPr>
           <p:nvPr/>
-        </p:nvSpPr>
+        </p:nvPicPr>
+        <p:blipFill>
+          <a:blip r:embed="rId2"/>
+          <a:stretch>
+            <a:fillRect/>
+          </a:stretch>
+        </p:blipFill>
         <p:spPr>
           <a:xfrm>
-            <a:off x="0" y="3326674"/>
-            <a:ext cx="2960914" cy="148046"/>
+            <a:off x="1533396" y="2427973"/>
+            <a:ext cx="7910127" cy="2609594"/>
           </a:xfrm>
           <a:prstGeom prst="rect">
             <a:avLst/>
           </a:prstGeom>
-          <a:noFill/>
-          <a:ln>
-            <a:solidFill>
-              <a:srgbClr val="92D050"/>
-            </a:solidFill>
-          </a:ln>
         </p:spPr>
-        <p:style>
-          <a:lnRef idx="2">
-            <a:schemeClr val="accent1">
-              <a:shade val="50000"/>
-            </a:schemeClr>
-          </a:lnRef>
-          <a:fillRef idx="1">
-            <a:schemeClr val="accent1"/>
-          </a:fillRef>
-          <a:effectRef idx="0">
-            <a:schemeClr val="accent1"/>
-          </a:effectRef>
-          <a:fontRef idx="minor">
-            <a:schemeClr val="lt1"/>
-          </a:fontRef>
-        </p:style>
-        <p:txBody>
-          <a:bodyPr rtlCol="0" anchor="ctr"/>
-          <a:lstStyle/>
-          <a:p>
-            <a:pPr algn="ctr"/>
-            <a:endParaRPr lang="hu-HU"/>
-          </a:p>
-        </p:txBody>
-      </p:sp>
-      <p:sp>
-        <p:nvSpPr>
-          <p:cNvPr id="9" name="Szövegdoboz 8"/>
-          <p:cNvSpPr txBox="1"/>
-          <p:nvPr/>
-        </p:nvSpPr>
-        <p:spPr>
-          <a:xfrm>
-            <a:off x="191590" y="5347063"/>
-            <a:ext cx="4606834" cy="923330"/>
-          </a:xfrm>
-          <a:prstGeom prst="rect">
-            <a:avLst/>
-          </a:prstGeom>
-          <a:noFill/>
-        </p:spPr>
-        <p:txBody>
-          <a:bodyPr wrap="square" rtlCol="0">
-            <a:spAutoFit/>
-          </a:bodyPr>
-          <a:lstStyle/>
-          <a:p>
-            <a:r>
-              <a:rPr lang="hu-HU" dirty="0"/>
-              <a:t>The </a:t>
-            </a:r>
-            <a:r>
-              <a:rPr lang="hu-HU" dirty="0" err="1"/>
-              <a:t>higlighted</a:t>
-            </a:r>
-            <a:r>
-              <a:rPr lang="hu-HU" dirty="0"/>
-              <a:t> part shows </a:t>
-            </a:r>
-            <a:r>
-              <a:rPr lang="hu-HU" dirty="0" err="1"/>
-              <a:t>that</a:t>
-            </a:r>
-            <a:r>
-              <a:rPr lang="hu-HU" dirty="0"/>
-              <a:t> </a:t>
-            </a:r>
-            <a:r>
-              <a:rPr lang="hu-HU" dirty="0" err="1"/>
-              <a:t>the</a:t>
-            </a:r>
-            <a:r>
-              <a:rPr lang="hu-HU" dirty="0"/>
-              <a:t> DHCP server is </a:t>
-            </a:r>
-            <a:r>
-              <a:rPr lang="hu-HU" dirty="0" err="1"/>
-              <a:t>also</a:t>
-            </a:r>
-            <a:r>
-              <a:rPr lang="hu-HU" dirty="0"/>
-              <a:t> a DNS server </a:t>
-            </a:r>
-            <a:r>
-              <a:rPr lang="hu-HU" dirty="0" err="1"/>
-              <a:t>at</a:t>
-            </a:r>
-            <a:r>
-              <a:rPr lang="hu-HU" dirty="0"/>
-              <a:t> </a:t>
-            </a:r>
-            <a:r>
-              <a:rPr lang="hu-HU" dirty="0" err="1"/>
-              <a:t>once</a:t>
-            </a:r>
-            <a:endParaRPr lang="hu-HU" dirty="0"/>
-          </a:p>
-        </p:txBody>
-      </p:sp>
+      </p:pic>
     </p:spTree>
     <p:extLst>
       <p:ext uri="{BB962C8B-B14F-4D97-AF65-F5344CB8AC3E}">
@@ -14867,7 +15668,7 @@
 </p:sld>
 </file>
 
-<file path=ppt/slides/slide25.xml><?xml version="1.0" encoding="utf-8"?>
+<file path=ppt/slides/slide28.xml><?xml version="1.0" encoding="utf-8"?>
 <p:sld xmlns:a="http://schemas.openxmlformats.org/drawingml/2006/main" xmlns:r="http://schemas.openxmlformats.org/officeDocument/2006/relationships" xmlns:p="http://schemas.openxmlformats.org/presentationml/2006/main">
   <p:cSld>
     <p:bg>
@@ -14997,7 +15798,7 @@
 </p:sld>
 </file>
 
-<file path=ppt/slides/slide26.xml><?xml version="1.0" encoding="utf-8"?>
+<file path=ppt/slides/slide29.xml><?xml version="1.0" encoding="utf-8"?>
 <p:sld xmlns:a="http://schemas.openxmlformats.org/drawingml/2006/main" xmlns:r="http://schemas.openxmlformats.org/officeDocument/2006/relationships" xmlns:p="http://schemas.openxmlformats.org/presentationml/2006/main">
   <p:cSld>
     <p:bg>
@@ -15209,431 +16010,6 @@
   <p:clrMapOvr>
     <a:masterClrMapping/>
   </p:clrMapOvr>
-</p:sld>
-</file>
-
-<file path=ppt/slides/slide27.xml><?xml version="1.0" encoding="utf-8"?>
-<p:sld xmlns:a="http://schemas.openxmlformats.org/drawingml/2006/main" xmlns:r="http://schemas.openxmlformats.org/officeDocument/2006/relationships" xmlns:p="http://schemas.openxmlformats.org/presentationml/2006/main">
-  <p:cSld>
-    <p:spTree>
-      <p:nvGrpSpPr>
-        <p:cNvPr id="1" name=""/>
-        <p:cNvGrpSpPr/>
-        <p:nvPr/>
-      </p:nvGrpSpPr>
-      <p:grpSpPr>
-        <a:xfrm>
-          <a:off x="0" y="0"/>
-          <a:ext cx="0" cy="0"/>
-          <a:chOff x="0" y="0"/>
-          <a:chExt cx="0" cy="0"/>
-        </a:xfrm>
-      </p:grpSpPr>
-      <p:sp>
-        <p:nvSpPr>
-          <p:cNvPr id="2" name="Cím 1"/>
-          <p:cNvSpPr>
-            <a:spLocks noGrp="1"/>
-          </p:cNvSpPr>
-          <p:nvPr>
-            <p:ph type="title"/>
-          </p:nvPr>
-        </p:nvSpPr>
-        <p:spPr/>
-        <p:txBody>
-          <a:bodyPr/>
-          <a:lstStyle/>
-          <a:p>
-            <a:r>
-              <a:rPr lang="hu-HU" dirty="0" err="1"/>
-              <a:t>Trello</a:t>
-            </a:r>
-            <a:r>
-              <a:rPr lang="hu-HU" dirty="0"/>
-              <a:t> használata</a:t>
-            </a:r>
-          </a:p>
-        </p:txBody>
-      </p:sp>
-      <p:sp>
-        <p:nvSpPr>
-          <p:cNvPr id="5" name="Tartalom helye 4"/>
-          <p:cNvSpPr>
-            <a:spLocks noGrp="1"/>
-          </p:cNvSpPr>
-          <p:nvPr>
-            <p:ph idx="1"/>
-          </p:nvPr>
-        </p:nvSpPr>
-        <p:spPr>
-          <a:xfrm>
-            <a:off x="1819592" y="6876725"/>
-            <a:ext cx="8946541" cy="4195481"/>
-          </a:xfrm>
-        </p:spPr>
-        <p:txBody>
-          <a:bodyPr/>
-          <a:lstStyle/>
-          <a:p>
-            <a:endParaRPr lang="hu-HU" dirty="0"/>
-          </a:p>
-        </p:txBody>
-      </p:sp>
-      <p:pic>
-        <p:nvPicPr>
-          <p:cNvPr id="3" name="Kép 2"/>
-          <p:cNvPicPr>
-            <a:picLocks noChangeAspect="1"/>
-          </p:cNvPicPr>
-          <p:nvPr/>
-        </p:nvPicPr>
-        <p:blipFill>
-          <a:blip r:embed="rId2">
-            <a:extLst>
-              <a:ext uri="{28A0092B-C50C-407E-A947-70E740481C1C}">
-                <a14:useLocalDpi xmlns:a14="http://schemas.microsoft.com/office/drawing/2010/main" val="0"/>
-              </a:ext>
-            </a:extLst>
-          </a:blip>
-          <a:stretch>
-            <a:fillRect/>
-          </a:stretch>
-        </p:blipFill>
-        <p:spPr>
-          <a:xfrm>
-            <a:off x="646111" y="1313656"/>
-            <a:ext cx="8644258" cy="4862395"/>
-          </a:xfrm>
-          <a:prstGeom prst="rect">
-            <a:avLst/>
-          </a:prstGeom>
-        </p:spPr>
-      </p:pic>
-    </p:spTree>
-    <p:extLst>
-      <p:ext uri="{BB962C8B-B14F-4D97-AF65-F5344CB8AC3E}">
-        <p14:creationId xmlns:p14="http://schemas.microsoft.com/office/powerpoint/2010/main" val="2613492260"/>
-      </p:ext>
-    </p:extLst>
-  </p:cSld>
-  <p:clrMapOvr>
-    <a:masterClrMapping/>
-  </p:clrMapOvr>
-  <p:transition spd="slow">
-    <p:push dir="u"/>
-  </p:transition>
-</p:sld>
-</file>
-
-<file path=ppt/slides/slide28.xml><?xml version="1.0" encoding="utf-8"?>
-<p:sld xmlns:a="http://schemas.openxmlformats.org/drawingml/2006/main" xmlns:r="http://schemas.openxmlformats.org/officeDocument/2006/relationships" xmlns:p="http://schemas.openxmlformats.org/presentationml/2006/main">
-  <p:cSld>
-    <p:spTree>
-      <p:nvGrpSpPr>
-        <p:cNvPr id="1" name=""/>
-        <p:cNvGrpSpPr/>
-        <p:nvPr/>
-      </p:nvGrpSpPr>
-      <p:grpSpPr>
-        <a:xfrm>
-          <a:off x="0" y="0"/>
-          <a:ext cx="0" cy="0"/>
-          <a:chOff x="0" y="0"/>
-          <a:chExt cx="0" cy="0"/>
-        </a:xfrm>
-      </p:grpSpPr>
-      <p:sp>
-        <p:nvSpPr>
-          <p:cNvPr id="2" name="Cím 1"/>
-          <p:cNvSpPr>
-            <a:spLocks noGrp="1"/>
-          </p:cNvSpPr>
-          <p:nvPr>
-            <p:ph type="title"/>
-          </p:nvPr>
-        </p:nvSpPr>
-        <p:spPr/>
-        <p:txBody>
-          <a:bodyPr/>
-          <a:lstStyle/>
-          <a:p>
-            <a:r>
-              <a:rPr lang="hu-HU" dirty="0" err="1"/>
-              <a:t>Github</a:t>
-            </a:r>
-            <a:r>
-              <a:rPr lang="hu-HU" dirty="0"/>
-              <a:t> használata</a:t>
-            </a:r>
-          </a:p>
-        </p:txBody>
-      </p:sp>
-      <p:pic>
-        <p:nvPicPr>
-          <p:cNvPr id="5" name="Tartalom helye 4"/>
-          <p:cNvPicPr>
-            <a:picLocks noGrp="1" noChangeAspect="1"/>
-          </p:cNvPicPr>
-          <p:nvPr>
-            <p:ph idx="1"/>
-          </p:nvPr>
-        </p:nvPicPr>
-        <p:blipFill>
-          <a:blip r:embed="rId2" cstate="print">
-            <a:extLst>
-              <a:ext uri="{28A0092B-C50C-407E-A947-70E740481C1C}">
-                <a14:useLocalDpi xmlns:a14="http://schemas.microsoft.com/office/drawing/2010/main" val="0"/>
-              </a:ext>
-            </a:extLst>
-          </a:blip>
-          <a:stretch>
-            <a:fillRect/>
-          </a:stretch>
-        </p:blipFill>
-        <p:spPr>
-          <a:xfrm>
-            <a:off x="646111" y="1496377"/>
-            <a:ext cx="7830078" cy="4404419"/>
-          </a:xfrm>
-        </p:spPr>
-      </p:pic>
-    </p:spTree>
-    <p:extLst>
-      <p:ext uri="{BB962C8B-B14F-4D97-AF65-F5344CB8AC3E}">
-        <p14:creationId xmlns:p14="http://schemas.microsoft.com/office/powerpoint/2010/main" val="1854645978"/>
-      </p:ext>
-    </p:extLst>
-  </p:cSld>
-  <p:clrMapOvr>
-    <a:masterClrMapping/>
-  </p:clrMapOvr>
-  <p:transition spd="slow">
-    <p:push dir="u"/>
-  </p:transition>
-</p:sld>
-</file>
-
-<file path=ppt/slides/slide29.xml><?xml version="1.0" encoding="utf-8"?>
-<p:sld xmlns:a="http://schemas.openxmlformats.org/drawingml/2006/main" xmlns:r="http://schemas.openxmlformats.org/officeDocument/2006/relationships" xmlns:p="http://schemas.openxmlformats.org/presentationml/2006/main">
-  <p:cSld>
-    <p:bg>
-      <p:bgPr>
-        <a:solidFill>
-          <a:schemeClr val="bg1"/>
-        </a:solidFill>
-        <a:effectLst/>
-      </p:bgPr>
-    </p:bg>
-    <p:spTree>
-      <p:nvGrpSpPr>
-        <p:cNvPr id="1" name=""/>
-        <p:cNvGrpSpPr/>
-        <p:nvPr/>
-      </p:nvGrpSpPr>
-      <p:grpSpPr>
-        <a:xfrm>
-          <a:off x="0" y="0"/>
-          <a:ext cx="0" cy="0"/>
-          <a:chOff x="0" y="0"/>
-          <a:chExt cx="0" cy="0"/>
-        </a:xfrm>
-      </p:grpSpPr>
-      <p:sp useBgFill="1">
-        <p:nvSpPr>
-          <p:cNvPr id="9" name="Rectangle 8">
-            <a:extLst>
-              <a:ext uri="{FF2B5EF4-FFF2-40B4-BE49-F238E27FC236}">
-                <a16:creationId xmlns:a16="http://schemas.microsoft.com/office/drawing/2014/main" id="{A4322390-8B58-46BE-88EB-D9FD30C08743}"/>
-              </a:ext>
-              <a:ext uri="{C183D7F6-B498-43B3-948B-1728B52AA6E4}">
-                <adec:decorative xmlns:adec="http://schemas.microsoft.com/office/drawing/2017/decorative" val="1"/>
-              </a:ext>
-            </a:extLst>
-          </p:cNvPr>
-          <p:cNvSpPr>
-            <a:spLocks noGrp="1" noRot="1" noChangeAspect="1" noMove="1" noResize="1" noEditPoints="1" noAdjustHandles="1" noChangeArrowheads="1" noChangeShapeType="1" noTextEdit="1"/>
-          </p:cNvSpPr>
-          <p:nvPr>
-            <p:extLst>
-              <p:ext uri="{386F3935-93C4-4BCD-93E2-E3B085C9AB24}">
-                <p16:designElem xmlns:p16="http://schemas.microsoft.com/office/powerpoint/2015/main" val="1"/>
-              </p:ext>
-            </p:extLst>
-          </p:nvPr>
-        </p:nvSpPr>
-        <p:spPr>
-          <a:xfrm>
-            <a:off x="0" y="0"/>
-            <a:ext cx="12192000" cy="6858000"/>
-          </a:xfrm>
-          <a:prstGeom prst="rect">
-            <a:avLst/>
-          </a:prstGeom>
-          <a:ln>
-            <a:noFill/>
-          </a:ln>
-        </p:spPr>
-        <p:style>
-          <a:lnRef idx="2">
-            <a:schemeClr val="accent1">
-              <a:shade val="50000"/>
-            </a:schemeClr>
-          </a:lnRef>
-          <a:fillRef idx="1">
-            <a:schemeClr val="accent1"/>
-          </a:fillRef>
-          <a:effectRef idx="0">
-            <a:schemeClr val="accent1"/>
-          </a:effectRef>
-          <a:fontRef idx="minor">
-            <a:schemeClr val="lt1"/>
-          </a:fontRef>
-        </p:style>
-        <p:txBody>
-          <a:bodyPr rtlCol="0" anchor="ctr"/>
-          <a:lstStyle/>
-          <a:p>
-            <a:pPr algn="ctr"/>
-            <a:endParaRPr lang="en-US"/>
-          </a:p>
-        </p:txBody>
-      </p:sp>
-      <p:pic>
-        <p:nvPicPr>
-          <p:cNvPr id="4" name="Kép 3" descr="A képen jármű, Szárazföldi jármű, kerék, autó látható&#10;&#10;Lehet, hogy a mesterséges intelligencia által generált tartalom helytelen.">
-            <a:extLst>
-              <a:ext uri="{FF2B5EF4-FFF2-40B4-BE49-F238E27FC236}">
-                <a16:creationId xmlns:a16="http://schemas.microsoft.com/office/drawing/2014/main" id="{605DACFD-83B4-7CC2-D574-F3FF59D2F39B}"/>
-              </a:ext>
-            </a:extLst>
-          </p:cNvPr>
-          <p:cNvPicPr>
-            <a:picLocks noChangeAspect="1"/>
-          </p:cNvPicPr>
-          <p:nvPr/>
-        </p:nvPicPr>
-        <p:blipFill>
-          <a:blip r:embed="rId2">
-            <a:alphaModFix amt="40000"/>
-          </a:blip>
-          <a:srcRect t="18182" r="9091"/>
-          <a:stretch/>
-        </p:blipFill>
-        <p:spPr>
-          <a:xfrm>
-            <a:off x="20" y="10"/>
-            <a:ext cx="12191980" cy="6857990"/>
-          </a:xfrm>
-          <a:prstGeom prst="rect">
-            <a:avLst/>
-          </a:prstGeom>
-        </p:spPr>
-      </p:pic>
-      <p:sp>
-        <p:nvSpPr>
-          <p:cNvPr id="2" name="Cím 1">
-            <a:extLst>
-              <a:ext uri="{FF2B5EF4-FFF2-40B4-BE49-F238E27FC236}">
-                <a16:creationId xmlns:a16="http://schemas.microsoft.com/office/drawing/2014/main" id="{9804002F-AA49-383E-62E5-209DA41913F3}"/>
-              </a:ext>
-            </a:extLst>
-          </p:cNvPr>
-          <p:cNvSpPr>
-            <a:spLocks noGrp="1"/>
-          </p:cNvSpPr>
-          <p:nvPr>
-            <p:ph type="ctrTitle"/>
-          </p:nvPr>
-        </p:nvSpPr>
-        <p:spPr>
-          <a:xfrm>
-            <a:off x="1154955" y="1447800"/>
-            <a:ext cx="8825658" cy="3329581"/>
-          </a:xfrm>
-        </p:spPr>
-        <p:txBody>
-          <a:bodyPr vert="horz" lIns="91440" tIns="45720" rIns="91440" bIns="45720" rtlCol="0">
-            <a:normAutofit/>
-          </a:bodyPr>
-          <a:lstStyle/>
-          <a:p>
-            <a:r>
-              <a:rPr lang="hu-HU">
-                <a:solidFill>
-                  <a:schemeClr val="tx1"/>
-                </a:solidFill>
-              </a:rPr>
-              <a:t>Tests</a:t>
-            </a:r>
-          </a:p>
-        </p:txBody>
-      </p:sp>
-      <p:sp>
-        <p:nvSpPr>
-          <p:cNvPr id="11" name="Rectangle 10">
-            <a:extLst>
-              <a:ext uri="{FF2B5EF4-FFF2-40B4-BE49-F238E27FC236}">
-                <a16:creationId xmlns:a16="http://schemas.microsoft.com/office/drawing/2014/main" id="{C885E190-58DD-42DD-A4A8-401E15C92A52}"/>
-              </a:ext>
-              <a:ext uri="{C183D7F6-B498-43B3-948B-1728B52AA6E4}">
-                <adec:decorative xmlns:adec="http://schemas.microsoft.com/office/drawing/2017/decorative" val="1"/>
-              </a:ext>
-            </a:extLst>
-          </p:cNvPr>
-          <p:cNvSpPr>
-            <a:spLocks noGrp="1" noRot="1" noChangeAspect="1" noMove="1" noResize="1" noEditPoints="1" noAdjustHandles="1" noChangeArrowheads="1" noChangeShapeType="1" noTextEdit="1"/>
-          </p:cNvSpPr>
-          <p:nvPr>
-            <p:extLst>
-              <p:ext uri="{386F3935-93C4-4BCD-93E2-E3B085C9AB24}">
-                <p16:designElem xmlns:p16="http://schemas.microsoft.com/office/powerpoint/2015/main" val="1"/>
-              </p:ext>
-            </p:extLst>
-          </p:nvPr>
-        </p:nvSpPr>
-        <p:spPr>
-          <a:xfrm>
-            <a:off x="10437812" y="0"/>
-            <a:ext cx="685800" cy="1143000"/>
-          </a:xfrm>
-          <a:prstGeom prst="rect">
-            <a:avLst/>
-          </a:prstGeom>
-          <a:solidFill>
-            <a:schemeClr val="accent1"/>
-          </a:solidFill>
-          <a:ln>
-            <a:noFill/>
-          </a:ln>
-        </p:spPr>
-        <p:style>
-          <a:lnRef idx="1">
-            <a:schemeClr val="accent1"/>
-          </a:lnRef>
-          <a:fillRef idx="3">
-            <a:schemeClr val="accent1"/>
-          </a:fillRef>
-          <a:effectRef idx="2">
-            <a:schemeClr val="accent1"/>
-          </a:effectRef>
-          <a:fontRef idx="minor">
-            <a:schemeClr val="lt1"/>
-          </a:fontRef>
-        </p:style>
-      </p:sp>
-    </p:spTree>
-    <p:extLst>
-      <p:ext uri="{BB962C8B-B14F-4D97-AF65-F5344CB8AC3E}">
-        <p14:creationId xmlns:p14="http://schemas.microsoft.com/office/powerpoint/2010/main" val="1237153563"/>
-      </p:ext>
-    </p:extLst>
-  </p:cSld>
-  <p:clrMapOvr>
-    <a:masterClrMapping/>
-  </p:clrMapOvr>
-  <p:transition spd="slow">
-    <p:push dir="u"/>
-  </p:transition>
 </p:sld>
 </file>
 
@@ -15896,6 +16272,431 @@
 <file path=ppt/slides/slide30.xml><?xml version="1.0" encoding="utf-8"?>
 <p:sld xmlns:a="http://schemas.openxmlformats.org/drawingml/2006/main" xmlns:r="http://schemas.openxmlformats.org/officeDocument/2006/relationships" xmlns:p="http://schemas.openxmlformats.org/presentationml/2006/main">
   <p:cSld>
+    <p:spTree>
+      <p:nvGrpSpPr>
+        <p:cNvPr id="1" name=""/>
+        <p:cNvGrpSpPr/>
+        <p:nvPr/>
+      </p:nvGrpSpPr>
+      <p:grpSpPr>
+        <a:xfrm>
+          <a:off x="0" y="0"/>
+          <a:ext cx="0" cy="0"/>
+          <a:chOff x="0" y="0"/>
+          <a:chExt cx="0" cy="0"/>
+        </a:xfrm>
+      </p:grpSpPr>
+      <p:sp>
+        <p:nvSpPr>
+          <p:cNvPr id="2" name="Cím 1"/>
+          <p:cNvSpPr>
+            <a:spLocks noGrp="1"/>
+          </p:cNvSpPr>
+          <p:nvPr>
+            <p:ph type="title"/>
+          </p:nvPr>
+        </p:nvSpPr>
+        <p:spPr/>
+        <p:txBody>
+          <a:bodyPr/>
+          <a:lstStyle/>
+          <a:p>
+            <a:r>
+              <a:rPr lang="hu-HU" dirty="0" err="1"/>
+              <a:t>Trello</a:t>
+            </a:r>
+            <a:r>
+              <a:rPr lang="hu-HU" dirty="0"/>
+              <a:t> használata</a:t>
+            </a:r>
+          </a:p>
+        </p:txBody>
+      </p:sp>
+      <p:sp>
+        <p:nvSpPr>
+          <p:cNvPr id="5" name="Tartalom helye 4"/>
+          <p:cNvSpPr>
+            <a:spLocks noGrp="1"/>
+          </p:cNvSpPr>
+          <p:nvPr>
+            <p:ph idx="1"/>
+          </p:nvPr>
+        </p:nvSpPr>
+        <p:spPr>
+          <a:xfrm>
+            <a:off x="1819592" y="6876725"/>
+            <a:ext cx="8946541" cy="4195481"/>
+          </a:xfrm>
+        </p:spPr>
+        <p:txBody>
+          <a:bodyPr/>
+          <a:lstStyle/>
+          <a:p>
+            <a:endParaRPr lang="hu-HU" dirty="0"/>
+          </a:p>
+        </p:txBody>
+      </p:sp>
+      <p:pic>
+        <p:nvPicPr>
+          <p:cNvPr id="3" name="Kép 2"/>
+          <p:cNvPicPr>
+            <a:picLocks noChangeAspect="1"/>
+          </p:cNvPicPr>
+          <p:nvPr/>
+        </p:nvPicPr>
+        <p:blipFill>
+          <a:blip r:embed="rId2">
+            <a:extLst>
+              <a:ext uri="{28A0092B-C50C-407E-A947-70E740481C1C}">
+                <a14:useLocalDpi xmlns:a14="http://schemas.microsoft.com/office/drawing/2010/main" val="0"/>
+              </a:ext>
+            </a:extLst>
+          </a:blip>
+          <a:stretch>
+            <a:fillRect/>
+          </a:stretch>
+        </p:blipFill>
+        <p:spPr>
+          <a:xfrm>
+            <a:off x="646111" y="1313656"/>
+            <a:ext cx="8644258" cy="4862395"/>
+          </a:xfrm>
+          <a:prstGeom prst="rect">
+            <a:avLst/>
+          </a:prstGeom>
+        </p:spPr>
+      </p:pic>
+    </p:spTree>
+    <p:extLst>
+      <p:ext uri="{BB962C8B-B14F-4D97-AF65-F5344CB8AC3E}">
+        <p14:creationId xmlns:p14="http://schemas.microsoft.com/office/powerpoint/2010/main" val="2613492260"/>
+      </p:ext>
+    </p:extLst>
+  </p:cSld>
+  <p:clrMapOvr>
+    <a:masterClrMapping/>
+  </p:clrMapOvr>
+  <p:transition spd="slow">
+    <p:push dir="u"/>
+  </p:transition>
+</p:sld>
+</file>
+
+<file path=ppt/slides/slide31.xml><?xml version="1.0" encoding="utf-8"?>
+<p:sld xmlns:a="http://schemas.openxmlformats.org/drawingml/2006/main" xmlns:r="http://schemas.openxmlformats.org/officeDocument/2006/relationships" xmlns:p="http://schemas.openxmlformats.org/presentationml/2006/main">
+  <p:cSld>
+    <p:spTree>
+      <p:nvGrpSpPr>
+        <p:cNvPr id="1" name=""/>
+        <p:cNvGrpSpPr/>
+        <p:nvPr/>
+      </p:nvGrpSpPr>
+      <p:grpSpPr>
+        <a:xfrm>
+          <a:off x="0" y="0"/>
+          <a:ext cx="0" cy="0"/>
+          <a:chOff x="0" y="0"/>
+          <a:chExt cx="0" cy="0"/>
+        </a:xfrm>
+      </p:grpSpPr>
+      <p:sp>
+        <p:nvSpPr>
+          <p:cNvPr id="2" name="Cím 1"/>
+          <p:cNvSpPr>
+            <a:spLocks noGrp="1"/>
+          </p:cNvSpPr>
+          <p:nvPr>
+            <p:ph type="title"/>
+          </p:nvPr>
+        </p:nvSpPr>
+        <p:spPr/>
+        <p:txBody>
+          <a:bodyPr/>
+          <a:lstStyle/>
+          <a:p>
+            <a:r>
+              <a:rPr lang="hu-HU" dirty="0" err="1"/>
+              <a:t>Github</a:t>
+            </a:r>
+            <a:r>
+              <a:rPr lang="hu-HU" dirty="0"/>
+              <a:t> használata</a:t>
+            </a:r>
+          </a:p>
+        </p:txBody>
+      </p:sp>
+      <p:pic>
+        <p:nvPicPr>
+          <p:cNvPr id="5" name="Tartalom helye 4"/>
+          <p:cNvPicPr>
+            <a:picLocks noGrp="1" noChangeAspect="1"/>
+          </p:cNvPicPr>
+          <p:nvPr>
+            <p:ph idx="1"/>
+          </p:nvPr>
+        </p:nvPicPr>
+        <p:blipFill>
+          <a:blip r:embed="rId2" cstate="print">
+            <a:extLst>
+              <a:ext uri="{28A0092B-C50C-407E-A947-70E740481C1C}">
+                <a14:useLocalDpi xmlns:a14="http://schemas.microsoft.com/office/drawing/2010/main" val="0"/>
+              </a:ext>
+            </a:extLst>
+          </a:blip>
+          <a:stretch>
+            <a:fillRect/>
+          </a:stretch>
+        </p:blipFill>
+        <p:spPr>
+          <a:xfrm>
+            <a:off x="646111" y="1496377"/>
+            <a:ext cx="7830078" cy="4404419"/>
+          </a:xfrm>
+        </p:spPr>
+      </p:pic>
+    </p:spTree>
+    <p:extLst>
+      <p:ext uri="{BB962C8B-B14F-4D97-AF65-F5344CB8AC3E}">
+        <p14:creationId xmlns:p14="http://schemas.microsoft.com/office/powerpoint/2010/main" val="1854645978"/>
+      </p:ext>
+    </p:extLst>
+  </p:cSld>
+  <p:clrMapOvr>
+    <a:masterClrMapping/>
+  </p:clrMapOvr>
+  <p:transition spd="slow">
+    <p:push dir="u"/>
+  </p:transition>
+</p:sld>
+</file>
+
+<file path=ppt/slides/slide32.xml><?xml version="1.0" encoding="utf-8"?>
+<p:sld xmlns:a="http://schemas.openxmlformats.org/drawingml/2006/main" xmlns:r="http://schemas.openxmlformats.org/officeDocument/2006/relationships" xmlns:p="http://schemas.openxmlformats.org/presentationml/2006/main">
+  <p:cSld>
+    <p:bg>
+      <p:bgPr>
+        <a:solidFill>
+          <a:schemeClr val="bg1"/>
+        </a:solidFill>
+        <a:effectLst/>
+      </p:bgPr>
+    </p:bg>
+    <p:spTree>
+      <p:nvGrpSpPr>
+        <p:cNvPr id="1" name=""/>
+        <p:cNvGrpSpPr/>
+        <p:nvPr/>
+      </p:nvGrpSpPr>
+      <p:grpSpPr>
+        <a:xfrm>
+          <a:off x="0" y="0"/>
+          <a:ext cx="0" cy="0"/>
+          <a:chOff x="0" y="0"/>
+          <a:chExt cx="0" cy="0"/>
+        </a:xfrm>
+      </p:grpSpPr>
+      <p:sp useBgFill="1">
+        <p:nvSpPr>
+          <p:cNvPr id="9" name="Rectangle 8">
+            <a:extLst>
+              <a:ext uri="{FF2B5EF4-FFF2-40B4-BE49-F238E27FC236}">
+                <a16:creationId xmlns:a16="http://schemas.microsoft.com/office/drawing/2014/main" id="{A4322390-8B58-46BE-88EB-D9FD30C08743}"/>
+              </a:ext>
+              <a:ext uri="{C183D7F6-B498-43B3-948B-1728B52AA6E4}">
+                <adec:decorative xmlns:adec="http://schemas.microsoft.com/office/drawing/2017/decorative" val="1"/>
+              </a:ext>
+            </a:extLst>
+          </p:cNvPr>
+          <p:cNvSpPr>
+            <a:spLocks noGrp="1" noRot="1" noChangeAspect="1" noMove="1" noResize="1" noEditPoints="1" noAdjustHandles="1" noChangeArrowheads="1" noChangeShapeType="1" noTextEdit="1"/>
+          </p:cNvSpPr>
+          <p:nvPr>
+            <p:extLst>
+              <p:ext uri="{386F3935-93C4-4BCD-93E2-E3B085C9AB24}">
+                <p16:designElem xmlns:p16="http://schemas.microsoft.com/office/powerpoint/2015/main" val="1"/>
+              </p:ext>
+            </p:extLst>
+          </p:nvPr>
+        </p:nvSpPr>
+        <p:spPr>
+          <a:xfrm>
+            <a:off x="0" y="0"/>
+            <a:ext cx="12192000" cy="6858000"/>
+          </a:xfrm>
+          <a:prstGeom prst="rect">
+            <a:avLst/>
+          </a:prstGeom>
+          <a:ln>
+            <a:noFill/>
+          </a:ln>
+        </p:spPr>
+        <p:style>
+          <a:lnRef idx="2">
+            <a:schemeClr val="accent1">
+              <a:shade val="50000"/>
+            </a:schemeClr>
+          </a:lnRef>
+          <a:fillRef idx="1">
+            <a:schemeClr val="accent1"/>
+          </a:fillRef>
+          <a:effectRef idx="0">
+            <a:schemeClr val="accent1"/>
+          </a:effectRef>
+          <a:fontRef idx="minor">
+            <a:schemeClr val="lt1"/>
+          </a:fontRef>
+        </p:style>
+        <p:txBody>
+          <a:bodyPr rtlCol="0" anchor="ctr"/>
+          <a:lstStyle/>
+          <a:p>
+            <a:pPr algn="ctr"/>
+            <a:endParaRPr lang="en-US"/>
+          </a:p>
+        </p:txBody>
+      </p:sp>
+      <p:pic>
+        <p:nvPicPr>
+          <p:cNvPr id="4" name="Kép 3" descr="A képen jármű, Szárazföldi jármű, kerék, autó látható&#10;&#10;Lehet, hogy a mesterséges intelligencia által generált tartalom helytelen.">
+            <a:extLst>
+              <a:ext uri="{FF2B5EF4-FFF2-40B4-BE49-F238E27FC236}">
+                <a16:creationId xmlns:a16="http://schemas.microsoft.com/office/drawing/2014/main" id="{605DACFD-83B4-7CC2-D574-F3FF59D2F39B}"/>
+              </a:ext>
+            </a:extLst>
+          </p:cNvPr>
+          <p:cNvPicPr>
+            <a:picLocks noChangeAspect="1"/>
+          </p:cNvPicPr>
+          <p:nvPr/>
+        </p:nvPicPr>
+        <p:blipFill>
+          <a:blip r:embed="rId2">
+            <a:alphaModFix amt="40000"/>
+          </a:blip>
+          <a:srcRect t="18182" r="9091"/>
+          <a:stretch/>
+        </p:blipFill>
+        <p:spPr>
+          <a:xfrm>
+            <a:off x="20" y="10"/>
+            <a:ext cx="12191980" cy="6857990"/>
+          </a:xfrm>
+          <a:prstGeom prst="rect">
+            <a:avLst/>
+          </a:prstGeom>
+        </p:spPr>
+      </p:pic>
+      <p:sp>
+        <p:nvSpPr>
+          <p:cNvPr id="2" name="Cím 1">
+            <a:extLst>
+              <a:ext uri="{FF2B5EF4-FFF2-40B4-BE49-F238E27FC236}">
+                <a16:creationId xmlns:a16="http://schemas.microsoft.com/office/drawing/2014/main" id="{9804002F-AA49-383E-62E5-209DA41913F3}"/>
+              </a:ext>
+            </a:extLst>
+          </p:cNvPr>
+          <p:cNvSpPr>
+            <a:spLocks noGrp="1"/>
+          </p:cNvSpPr>
+          <p:nvPr>
+            <p:ph type="ctrTitle"/>
+          </p:nvPr>
+        </p:nvSpPr>
+        <p:spPr>
+          <a:xfrm>
+            <a:off x="1154955" y="1447800"/>
+            <a:ext cx="8825658" cy="3329581"/>
+          </a:xfrm>
+        </p:spPr>
+        <p:txBody>
+          <a:bodyPr vert="horz" lIns="91440" tIns="45720" rIns="91440" bIns="45720" rtlCol="0">
+            <a:normAutofit/>
+          </a:bodyPr>
+          <a:lstStyle/>
+          <a:p>
+            <a:r>
+              <a:rPr lang="hu-HU">
+                <a:solidFill>
+                  <a:schemeClr val="tx1"/>
+                </a:solidFill>
+              </a:rPr>
+              <a:t>Tests</a:t>
+            </a:r>
+          </a:p>
+        </p:txBody>
+      </p:sp>
+      <p:sp>
+        <p:nvSpPr>
+          <p:cNvPr id="11" name="Rectangle 10">
+            <a:extLst>
+              <a:ext uri="{FF2B5EF4-FFF2-40B4-BE49-F238E27FC236}">
+                <a16:creationId xmlns:a16="http://schemas.microsoft.com/office/drawing/2014/main" id="{C885E190-58DD-42DD-A4A8-401E15C92A52}"/>
+              </a:ext>
+              <a:ext uri="{C183D7F6-B498-43B3-948B-1728B52AA6E4}">
+                <adec:decorative xmlns:adec="http://schemas.microsoft.com/office/drawing/2017/decorative" val="1"/>
+              </a:ext>
+            </a:extLst>
+          </p:cNvPr>
+          <p:cNvSpPr>
+            <a:spLocks noGrp="1" noRot="1" noChangeAspect="1" noMove="1" noResize="1" noEditPoints="1" noAdjustHandles="1" noChangeArrowheads="1" noChangeShapeType="1" noTextEdit="1"/>
+          </p:cNvSpPr>
+          <p:nvPr>
+            <p:extLst>
+              <p:ext uri="{386F3935-93C4-4BCD-93E2-E3B085C9AB24}">
+                <p16:designElem xmlns:p16="http://schemas.microsoft.com/office/powerpoint/2015/main" val="1"/>
+              </p:ext>
+            </p:extLst>
+          </p:nvPr>
+        </p:nvSpPr>
+        <p:spPr>
+          <a:xfrm>
+            <a:off x="10437812" y="0"/>
+            <a:ext cx="685800" cy="1143000"/>
+          </a:xfrm>
+          <a:prstGeom prst="rect">
+            <a:avLst/>
+          </a:prstGeom>
+          <a:solidFill>
+            <a:schemeClr val="accent1"/>
+          </a:solidFill>
+          <a:ln>
+            <a:noFill/>
+          </a:ln>
+        </p:spPr>
+        <p:style>
+          <a:lnRef idx="1">
+            <a:schemeClr val="accent1"/>
+          </a:lnRef>
+          <a:fillRef idx="3">
+            <a:schemeClr val="accent1"/>
+          </a:fillRef>
+          <a:effectRef idx="2">
+            <a:schemeClr val="accent1"/>
+          </a:effectRef>
+          <a:fontRef idx="minor">
+            <a:schemeClr val="lt1"/>
+          </a:fontRef>
+        </p:style>
+      </p:sp>
+    </p:spTree>
+    <p:extLst>
+      <p:ext uri="{BB962C8B-B14F-4D97-AF65-F5344CB8AC3E}">
+        <p14:creationId xmlns:p14="http://schemas.microsoft.com/office/powerpoint/2010/main" val="1237153563"/>
+      </p:ext>
+    </p:extLst>
+  </p:cSld>
+  <p:clrMapOvr>
+    <a:masterClrMapping/>
+  </p:clrMapOvr>
+  <p:transition spd="slow">
+    <p:push dir="u"/>
+  </p:transition>
+</p:sld>
+</file>
+
+<file path=ppt/slides/slide33.xml><?xml version="1.0" encoding="utf-8"?>
+<p:sld xmlns:a="http://schemas.openxmlformats.org/drawingml/2006/main" xmlns:r="http://schemas.openxmlformats.org/officeDocument/2006/relationships" xmlns:p="http://schemas.openxmlformats.org/presentationml/2006/main">
+  <p:cSld>
     <p:bg>
       <p:bgPr>
         <a:blipFill rotWithShape="1">
@@ -15969,125 +16770,6 @@
           </a:p>
         </p:txBody>
       </p:sp>
-      <p:pic>
-        <p:nvPicPr>
-          <p:cNvPr id="6" name="Tartalom helye 5">
-            <a:extLst>
-              <a:ext uri="{FF2B5EF4-FFF2-40B4-BE49-F238E27FC236}">
-                <a16:creationId xmlns:a16="http://schemas.microsoft.com/office/drawing/2014/main" id="{38940B46-06A4-6EC9-4ED3-FF44C92B2438}"/>
-              </a:ext>
-            </a:extLst>
-          </p:cNvPr>
-          <p:cNvPicPr>
-            <a:picLocks noGrp="1" noChangeAspect="1"/>
-          </p:cNvPicPr>
-          <p:nvPr>
-            <p:ph idx="1"/>
-          </p:nvPr>
-        </p:nvPicPr>
-        <p:blipFill>
-          <a:blip r:embed="rId3"/>
-          <a:stretch>
-            <a:fillRect/>
-          </a:stretch>
-        </p:blipFill>
-        <p:spPr>
-          <a:xfrm>
-            <a:off x="6654177" y="2486324"/>
-            <a:ext cx="5302250" cy="666750"/>
-          </a:xfrm>
-        </p:spPr>
-      </p:pic>
-      <p:pic>
-        <p:nvPicPr>
-          <p:cNvPr id="7" name="Kép 6">
-            <a:extLst>
-              <a:ext uri="{FF2B5EF4-FFF2-40B4-BE49-F238E27FC236}">
-                <a16:creationId xmlns:a16="http://schemas.microsoft.com/office/drawing/2014/main" id="{94F552DB-9DC0-0910-666C-77BC0E693B01}"/>
-              </a:ext>
-            </a:extLst>
-          </p:cNvPr>
-          <p:cNvPicPr>
-            <a:picLocks noChangeAspect="1"/>
-          </p:cNvPicPr>
-          <p:nvPr/>
-        </p:nvPicPr>
-        <p:blipFill>
-          <a:blip r:embed="rId4"/>
-          <a:stretch>
-            <a:fillRect/>
-          </a:stretch>
-        </p:blipFill>
-        <p:spPr>
-          <a:xfrm>
-            <a:off x="5539422" y="569912"/>
-            <a:ext cx="6162675" cy="739775"/>
-          </a:xfrm>
-          <a:prstGeom prst="rect">
-            <a:avLst/>
-          </a:prstGeom>
-        </p:spPr>
-      </p:pic>
-      <p:pic>
-        <p:nvPicPr>
-          <p:cNvPr id="8" name="Kép 7" descr="A képen szöveg, Betűtípus, fehér, nyugta látható&#10;&#10;Automatikusan generált leírás">
-            <a:extLst>
-              <a:ext uri="{FF2B5EF4-FFF2-40B4-BE49-F238E27FC236}">
-                <a16:creationId xmlns:a16="http://schemas.microsoft.com/office/drawing/2014/main" id="{BE06EF38-B4BE-847B-F04C-86736F1263A9}"/>
-              </a:ext>
-            </a:extLst>
-          </p:cNvPr>
-          <p:cNvPicPr>
-            <a:picLocks noChangeAspect="1"/>
-          </p:cNvPicPr>
-          <p:nvPr/>
-        </p:nvPicPr>
-        <p:blipFill>
-          <a:blip r:embed="rId5"/>
-          <a:stretch>
-            <a:fillRect/>
-          </a:stretch>
-        </p:blipFill>
-        <p:spPr>
-          <a:xfrm>
-            <a:off x="-4763" y="2439353"/>
-            <a:ext cx="6420485" cy="749935"/>
-          </a:xfrm>
-          <a:prstGeom prst="rect">
-            <a:avLst/>
-          </a:prstGeom>
-        </p:spPr>
-      </p:pic>
-      <p:pic>
-        <p:nvPicPr>
-          <p:cNvPr id="9" name="Kép 8">
-            <a:extLst>
-              <a:ext uri="{FF2B5EF4-FFF2-40B4-BE49-F238E27FC236}">
-                <a16:creationId xmlns:a16="http://schemas.microsoft.com/office/drawing/2014/main" id="{BC4B287C-5DAC-DD05-F62D-E8D65DAC30D6}"/>
-              </a:ext>
-            </a:extLst>
-          </p:cNvPr>
-          <p:cNvPicPr>
-            <a:picLocks noChangeAspect="1"/>
-          </p:cNvPicPr>
-          <p:nvPr/>
-        </p:nvPicPr>
-        <p:blipFill>
-          <a:blip r:embed="rId6"/>
-          <a:stretch>
-            <a:fillRect/>
-          </a:stretch>
-        </p:blipFill>
-        <p:spPr>
-          <a:xfrm>
-            <a:off x="188000" y="575310"/>
-            <a:ext cx="5191760" cy="657860"/>
-          </a:xfrm>
-          <a:prstGeom prst="rect">
-            <a:avLst/>
-          </a:prstGeom>
-        </p:spPr>
-      </p:pic>
       <p:sp>
         <p:nvSpPr>
           <p:cNvPr id="10" name="Szövegdoboz 9">
@@ -16122,7 +16804,7 @@
             <a:pPr algn="l"/>
             <a:r>
               <a:rPr lang="hu-HU" dirty="0"/>
-              <a:t>DeliveryR1</a:t>
+              <a:t>AssemblyR1</a:t>
             </a:r>
           </a:p>
         </p:txBody>
@@ -16161,7 +16843,7 @@
             <a:pPr algn="l"/>
             <a:r>
               <a:rPr lang="hu-HU" dirty="0"/>
-              <a:t>DeliveryR2</a:t>
+              <a:t>AssemblyR2</a:t>
             </a:r>
           </a:p>
         </p:txBody>
@@ -16239,11 +16921,131 @@
             <a:pPr algn="l"/>
             <a:r>
               <a:rPr lang="hu-HU" dirty="0" err="1"/>
-              <a:t>ConR</a:t>
+              <a:t>SrvR</a:t>
             </a:r>
           </a:p>
         </p:txBody>
       </p:sp>
+      <p:pic>
+        <p:nvPicPr>
+          <p:cNvPr id="17" name="Kép 16" descr="A képen szöveg, képernyőkép, Betűtípus látható&#10;&#10;Lehet, hogy a mesterséges intelligencia által generált tartalom helytelen.">
+            <a:extLst>
+              <a:ext uri="{FF2B5EF4-FFF2-40B4-BE49-F238E27FC236}">
+                <a16:creationId xmlns:a16="http://schemas.microsoft.com/office/drawing/2014/main" id="{CA331E65-0457-9791-1436-65DA82E0EDB8}"/>
+              </a:ext>
+            </a:extLst>
+          </p:cNvPr>
+          <p:cNvPicPr>
+            <a:picLocks noChangeAspect="1"/>
+          </p:cNvPicPr>
+          <p:nvPr/>
+        </p:nvPicPr>
+        <p:blipFill>
+          <a:blip r:embed="rId3"/>
+          <a:stretch>
+            <a:fillRect/>
+          </a:stretch>
+        </p:blipFill>
+        <p:spPr>
+          <a:xfrm>
+            <a:off x="6467089" y="2407122"/>
+            <a:ext cx="5724525" cy="828675"/>
+          </a:xfrm>
+          <a:prstGeom prst="rect">
+            <a:avLst/>
+          </a:prstGeom>
+        </p:spPr>
+      </p:pic>
+      <p:pic>
+        <p:nvPicPr>
+          <p:cNvPr id="18" name="Kép 17" descr="A képen szöveg, Betűtípus, képernyőkép, tipográfia látható&#10;&#10;Lehet, hogy a mesterséges intelligencia által generált tartalom helytelen.">
+            <a:extLst>
+              <a:ext uri="{FF2B5EF4-FFF2-40B4-BE49-F238E27FC236}">
+                <a16:creationId xmlns:a16="http://schemas.microsoft.com/office/drawing/2014/main" id="{B082D70C-3CBD-BBB4-DFD3-B5291309FC60}"/>
+              </a:ext>
+            </a:extLst>
+          </p:cNvPr>
+          <p:cNvPicPr>
+            <a:picLocks noChangeAspect="1"/>
+          </p:cNvPicPr>
+          <p:nvPr/>
+        </p:nvPicPr>
+        <p:blipFill>
+          <a:blip r:embed="rId4"/>
+          <a:stretch>
+            <a:fillRect/>
+          </a:stretch>
+        </p:blipFill>
+        <p:spPr>
+          <a:xfrm>
+            <a:off x="355900" y="2335041"/>
+            <a:ext cx="4045550" cy="983134"/>
+          </a:xfrm>
+          <a:prstGeom prst="rect">
+            <a:avLst/>
+          </a:prstGeom>
+        </p:spPr>
+      </p:pic>
+      <p:pic>
+        <p:nvPicPr>
+          <p:cNvPr id="19" name="Kép 18">
+            <a:extLst>
+              <a:ext uri="{FF2B5EF4-FFF2-40B4-BE49-F238E27FC236}">
+                <a16:creationId xmlns:a16="http://schemas.microsoft.com/office/drawing/2014/main" id="{22C44EAD-3696-96E6-3BC3-3444AEEE6D9E}"/>
+              </a:ext>
+            </a:extLst>
+          </p:cNvPr>
+          <p:cNvPicPr>
+            <a:picLocks noChangeAspect="1"/>
+          </p:cNvPicPr>
+          <p:nvPr/>
+        </p:nvPicPr>
+        <p:blipFill>
+          <a:blip r:embed="rId5"/>
+          <a:stretch>
+            <a:fillRect/>
+          </a:stretch>
+        </p:blipFill>
+        <p:spPr>
+          <a:xfrm>
+            <a:off x="359891" y="664948"/>
+            <a:ext cx="3677164" cy="564806"/>
+          </a:xfrm>
+          <a:prstGeom prst="rect">
+            <a:avLst/>
+          </a:prstGeom>
+        </p:spPr>
+      </p:pic>
+      <p:pic>
+        <p:nvPicPr>
+          <p:cNvPr id="20" name="Kép 19" descr="A képen szöveg, Betűtípus, képernyőkép, tipográfia látható&#10;&#10;Lehet, hogy a mesterséges intelligencia által generált tartalom helytelen.">
+            <a:extLst>
+              <a:ext uri="{FF2B5EF4-FFF2-40B4-BE49-F238E27FC236}">
+                <a16:creationId xmlns:a16="http://schemas.microsoft.com/office/drawing/2014/main" id="{DE6A7FBD-A104-F6B9-D134-BDD542982F61}"/>
+              </a:ext>
+            </a:extLst>
+          </p:cNvPr>
+          <p:cNvPicPr>
+            <a:picLocks noChangeAspect="1"/>
+          </p:cNvPicPr>
+          <p:nvPr/>
+        </p:nvPicPr>
+        <p:blipFill>
+          <a:blip r:embed="rId6"/>
+          <a:stretch>
+            <a:fillRect/>
+          </a:stretch>
+        </p:blipFill>
+        <p:spPr>
+          <a:xfrm>
+            <a:off x="6460523" y="487320"/>
+            <a:ext cx="4018006" cy="817090"/>
+          </a:xfrm>
+          <a:prstGeom prst="rect">
+            <a:avLst/>
+          </a:prstGeom>
+        </p:spPr>
+      </p:pic>
     </p:spTree>
     <p:extLst>
       <p:ext uri="{BB962C8B-B14F-4D97-AF65-F5344CB8AC3E}">
@@ -16260,7 +17062,7 @@
 </p:sld>
 </file>
 
-<file path=ppt/slides/slide31.xml><?xml version="1.0" encoding="utf-8"?>
+<file path=ppt/slides/slide34.xml><?xml version="1.0" encoding="utf-8"?>
 <p:sld xmlns:a="http://schemas.openxmlformats.org/drawingml/2006/main" xmlns:r="http://schemas.openxmlformats.org/officeDocument/2006/relationships" xmlns:p="http://schemas.openxmlformats.org/presentationml/2006/main">
   <p:cSld>
     <p:spTree>
@@ -16359,7 +17161,7 @@
 </p:sld>
 </file>
 
-<file path=ppt/slides/slide32.xml><?xml version="1.0" encoding="utf-8"?>
+<file path=ppt/slides/slide35.xml><?xml version="1.0" encoding="utf-8"?>
 <p:sld xmlns:a="http://schemas.openxmlformats.org/drawingml/2006/main" xmlns:r="http://schemas.openxmlformats.org/officeDocument/2006/relationships" xmlns:p="http://schemas.openxmlformats.org/presentationml/2006/main">
   <p:cSld>
     <p:bg>
@@ -16513,7 +17315,7 @@
 </p:sld>
 </file>
 
-<file path=ppt/slides/slide33.xml><?xml version="1.0" encoding="utf-8"?>
+<file path=ppt/slides/slide36.xml><?xml version="1.0" encoding="utf-8"?>
 <p:sld xmlns:a="http://schemas.openxmlformats.org/drawingml/2006/main" xmlns:r="http://schemas.openxmlformats.org/officeDocument/2006/relationships" xmlns:p="http://schemas.openxmlformats.org/presentationml/2006/main">
   <p:cSld>
     <p:spTree>
@@ -16630,7 +17432,7 @@
 </p:sld>
 </file>
 
-<file path=ppt/slides/slide34.xml><?xml version="1.0" encoding="utf-8"?>
+<file path=ppt/slides/slide37.xml><?xml version="1.0" encoding="utf-8"?>
 <p:sld xmlns:a="http://schemas.openxmlformats.org/drawingml/2006/main" xmlns:r="http://schemas.openxmlformats.org/officeDocument/2006/relationships" xmlns:p="http://schemas.openxmlformats.org/presentationml/2006/main">
   <p:cSld>
     <p:bg>
@@ -16845,7 +17647,7 @@
 </p:sld>
 </file>
 
-<file path=ppt/slides/slide35.xml><?xml version="1.0" encoding="utf-8"?>
+<file path=ppt/slides/slide38.xml><?xml version="1.0" encoding="utf-8"?>
 <p:sld xmlns:a="http://schemas.openxmlformats.org/drawingml/2006/main" xmlns:r="http://schemas.openxmlformats.org/officeDocument/2006/relationships" xmlns:p="http://schemas.openxmlformats.org/presentationml/2006/main">
   <p:cSld>
     <p:spTree>
@@ -16935,7 +17737,7 @@
 </p:sld>
 </file>
 
-<file path=ppt/slides/slide36.xml><?xml version="1.0" encoding="utf-8"?>
+<file path=ppt/slides/slide39.xml><?xml version="1.0" encoding="utf-8"?>
 <p:sld xmlns:a="http://schemas.openxmlformats.org/drawingml/2006/main" xmlns:r="http://schemas.openxmlformats.org/officeDocument/2006/relationships" xmlns:p="http://schemas.openxmlformats.org/presentationml/2006/main">
   <p:cSld>
     <p:spTree>
@@ -17035,477 +17837,6 @@
   <p:clrMapOvr>
     <a:masterClrMapping/>
   </p:clrMapOvr>
-</p:sld>
-</file>
-
-<file path=ppt/slides/slide37.xml><?xml version="1.0" encoding="utf-8"?>
-<p:sld xmlns:a="http://schemas.openxmlformats.org/drawingml/2006/main" xmlns:r="http://schemas.openxmlformats.org/officeDocument/2006/relationships" xmlns:p="http://schemas.openxmlformats.org/presentationml/2006/main">
-  <p:cSld>
-    <p:spTree>
-      <p:nvGrpSpPr>
-        <p:cNvPr id="1" name=""/>
-        <p:cNvGrpSpPr/>
-        <p:nvPr/>
-      </p:nvGrpSpPr>
-      <p:grpSpPr>
-        <a:xfrm>
-          <a:off x="0" y="0"/>
-          <a:ext cx="0" cy="0"/>
-          <a:chOff x="0" y="0"/>
-          <a:chExt cx="0" cy="0"/>
-        </a:xfrm>
-      </p:grpSpPr>
-      <p:sp>
-        <p:nvSpPr>
-          <p:cNvPr id="4" name="Cím 3"/>
-          <p:cNvSpPr>
-            <a:spLocks noGrp="1"/>
-          </p:cNvSpPr>
-          <p:nvPr>
-            <p:ph type="ctrTitle"/>
-          </p:nvPr>
-        </p:nvSpPr>
-        <p:spPr>
-          <a:xfrm>
-            <a:off x="0" y="2603863"/>
-            <a:ext cx="12191999" cy="2173518"/>
-          </a:xfrm>
-        </p:spPr>
-        <p:txBody>
-          <a:bodyPr/>
-          <a:lstStyle/>
-          <a:p>
-            <a:r>
-              <a:rPr lang="hu-HU" sz="4400" dirty="0" err="1"/>
-              <a:t>Our</a:t>
-            </a:r>
-            <a:r>
-              <a:rPr lang="hu-HU" sz="4400" dirty="0"/>
-              <a:t> </a:t>
-            </a:r>
-            <a:r>
-              <a:rPr lang="hu-HU" sz="4400" dirty="0" err="1"/>
-              <a:t>work</a:t>
-            </a:r>
-            <a:r>
-              <a:rPr lang="hu-HU" sz="4400" dirty="0"/>
-              <a:t> </a:t>
-            </a:r>
-            <a:r>
-              <a:rPr lang="hu-HU" sz="4400" dirty="0" err="1"/>
-              <a:t>with</a:t>
-            </a:r>
-            <a:r>
-              <a:rPr lang="hu-HU" sz="4400" dirty="0"/>
-              <a:t> Mini </a:t>
-            </a:r>
-            <a:r>
-              <a:rPr lang="hu-HU" sz="4400" dirty="0" err="1"/>
-              <a:t>was</a:t>
-            </a:r>
-            <a:r>
-              <a:rPr lang="hu-HU" sz="4400" dirty="0"/>
-              <a:t> </a:t>
-            </a:r>
-            <a:r>
-              <a:rPr lang="hu-HU" sz="4400" dirty="0" err="1"/>
-              <a:t>wonderful</a:t>
-            </a:r>
-            <a:r>
-              <a:rPr lang="hu-HU" sz="4400" dirty="0"/>
-              <a:t> and </a:t>
-            </a:r>
-            <a:r>
-              <a:rPr lang="hu-HU" sz="4400" dirty="0" err="1"/>
-              <a:t>the</a:t>
-            </a:r>
-            <a:r>
-              <a:rPr lang="hu-HU" sz="4400" dirty="0"/>
-              <a:t> IT team </a:t>
-            </a:r>
-            <a:r>
-              <a:rPr lang="hu-HU" sz="4400" dirty="0" err="1"/>
-              <a:t>made</a:t>
-            </a:r>
-            <a:r>
-              <a:rPr lang="hu-HU" sz="4400" dirty="0"/>
-              <a:t> a </a:t>
-            </a:r>
-            <a:r>
-              <a:rPr lang="hu-HU" sz="4400" dirty="0" err="1"/>
-              <a:t>very</a:t>
-            </a:r>
-            <a:r>
-              <a:rPr lang="hu-HU" sz="4400" dirty="0"/>
-              <a:t> </a:t>
-            </a:r>
-            <a:r>
-              <a:rPr lang="hu-HU" sz="4400" dirty="0" err="1"/>
-              <a:t>good</a:t>
-            </a:r>
-            <a:r>
-              <a:rPr lang="hu-HU" sz="4400" dirty="0"/>
-              <a:t> </a:t>
-            </a:r>
-            <a:r>
-              <a:rPr lang="hu-HU" sz="4400" dirty="0" err="1"/>
-              <a:t>job</a:t>
-            </a:r>
-            <a:r>
-              <a:rPr lang="hu-HU" sz="4400" dirty="0"/>
-              <a:t> </a:t>
-            </a:r>
-            <a:r>
-              <a:rPr lang="hu-HU" sz="4400" dirty="0" err="1"/>
-              <a:t>to</a:t>
-            </a:r>
-            <a:r>
-              <a:rPr lang="hu-HU" sz="4400" dirty="0"/>
-              <a:t> </a:t>
-            </a:r>
-            <a:r>
-              <a:rPr lang="hu-HU" sz="4400" dirty="0" err="1"/>
-              <a:t>make</a:t>
-            </a:r>
-            <a:r>
-              <a:rPr lang="hu-HU" sz="4400" dirty="0"/>
-              <a:t> </a:t>
-            </a:r>
-            <a:r>
-              <a:rPr lang="hu-HU" sz="4400" dirty="0" err="1"/>
-              <a:t>this</a:t>
-            </a:r>
-            <a:r>
-              <a:rPr lang="hu-HU" sz="4400" dirty="0"/>
-              <a:t> </a:t>
-            </a:r>
-            <a:r>
-              <a:rPr lang="hu-HU" sz="4400" dirty="0" err="1"/>
-              <a:t>natwork</a:t>
-            </a:r>
-            <a:r>
-              <a:rPr lang="hu-HU" sz="4400" dirty="0"/>
-              <a:t> </a:t>
-            </a:r>
-            <a:r>
-              <a:rPr lang="hu-HU" sz="4400" dirty="0" err="1"/>
-              <a:t>happen</a:t>
-            </a:r>
-            <a:endParaRPr lang="hu-HU" sz="4400" dirty="0"/>
-          </a:p>
-        </p:txBody>
-      </p:sp>
-    </p:spTree>
-    <p:extLst>
-      <p:ext uri="{BB962C8B-B14F-4D97-AF65-F5344CB8AC3E}">
-        <p14:creationId xmlns:p14="http://schemas.microsoft.com/office/powerpoint/2010/main" val="2444904799"/>
-      </p:ext>
-    </p:extLst>
-  </p:cSld>
-  <p:clrMapOvr>
-    <a:masterClrMapping/>
-  </p:clrMapOvr>
-</p:sld>
-</file>
-
-<file path=ppt/slides/slide38.xml><?xml version="1.0" encoding="utf-8"?>
-<p:sld xmlns:a="http://schemas.openxmlformats.org/drawingml/2006/main" xmlns:r="http://schemas.openxmlformats.org/officeDocument/2006/relationships" xmlns:p="http://schemas.openxmlformats.org/presentationml/2006/main">
-  <p:cSld>
-    <p:bg>
-      <p:bgPr>
-        <a:solidFill>
-          <a:schemeClr val="bg1"/>
-        </a:solidFill>
-        <a:effectLst/>
-      </p:bgPr>
-    </p:bg>
-    <p:spTree>
-      <p:nvGrpSpPr>
-        <p:cNvPr id="1" name=""/>
-        <p:cNvGrpSpPr/>
-        <p:nvPr/>
-      </p:nvGrpSpPr>
-      <p:grpSpPr>
-        <a:xfrm>
-          <a:off x="0" y="0"/>
-          <a:ext cx="0" cy="0"/>
-          <a:chOff x="0" y="0"/>
-          <a:chExt cx="0" cy="0"/>
-        </a:xfrm>
-      </p:grpSpPr>
-      <p:sp useBgFill="1">
-        <p:nvSpPr>
-          <p:cNvPr id="5" name="Rectangle 7">
-            <a:extLst>
-              <a:ext uri="{FF2B5EF4-FFF2-40B4-BE49-F238E27FC236}">
-                <a16:creationId xmlns:a16="http://schemas.microsoft.com/office/drawing/2014/main" id="{A4322390-8B58-46BE-88EB-D9FD30C08743}"/>
-              </a:ext>
-              <a:ext uri="{C183D7F6-B498-43B3-948B-1728B52AA6E4}">
-                <adec:decorative xmlns:adec="http://schemas.microsoft.com/office/drawing/2017/decorative" val="1"/>
-              </a:ext>
-            </a:extLst>
-          </p:cNvPr>
-          <p:cNvSpPr>
-            <a:spLocks noGrp="1" noRot="1" noChangeAspect="1" noMove="1" noResize="1" noEditPoints="1" noAdjustHandles="1" noChangeArrowheads="1" noChangeShapeType="1" noTextEdit="1"/>
-          </p:cNvSpPr>
-          <p:nvPr>
-            <p:extLst>
-              <p:ext uri="{386F3935-93C4-4BCD-93E2-E3B085C9AB24}">
-                <p16:designElem xmlns:p16="http://schemas.microsoft.com/office/powerpoint/2015/main" val="1"/>
-              </p:ext>
-            </p:extLst>
-          </p:nvPr>
-        </p:nvSpPr>
-        <p:spPr>
-          <a:xfrm>
-            <a:off x="0" y="0"/>
-            <a:ext cx="12192000" cy="6858000"/>
-          </a:xfrm>
-          <a:prstGeom prst="rect">
-            <a:avLst/>
-          </a:prstGeom>
-          <a:ln>
-            <a:noFill/>
-          </a:ln>
-        </p:spPr>
-        <p:style>
-          <a:lnRef idx="2">
-            <a:schemeClr val="accent1">
-              <a:shade val="50000"/>
-            </a:schemeClr>
-          </a:lnRef>
-          <a:fillRef idx="1">
-            <a:schemeClr val="accent1"/>
-          </a:fillRef>
-          <a:effectRef idx="0">
-            <a:schemeClr val="accent1"/>
-          </a:effectRef>
-          <a:fontRef idx="minor">
-            <a:schemeClr val="lt1"/>
-          </a:fontRef>
-        </p:style>
-        <p:txBody>
-          <a:bodyPr rtlCol="0" anchor="ctr"/>
-          <a:lstStyle/>
-          <a:p>
-            <a:pPr algn="ctr"/>
-            <a:endParaRPr lang="en-US"/>
-          </a:p>
-        </p:txBody>
-      </p:sp>
-      <p:pic>
-        <p:nvPicPr>
-          <p:cNvPr id="3" name="Kép 2" descr="A képen jármű, Szárazföldi jármű, kerék, Klasszikus autó látható&#10;&#10;Lehet, hogy a mesterséges intelligencia által generált tartalom helytelen.">
-            <a:extLst>
-              <a:ext uri="{FF2B5EF4-FFF2-40B4-BE49-F238E27FC236}">
-                <a16:creationId xmlns:a16="http://schemas.microsoft.com/office/drawing/2014/main" id="{D74B56BE-4FD3-C149-509E-3795A2CBCEF4}"/>
-              </a:ext>
-            </a:extLst>
-          </p:cNvPr>
-          <p:cNvPicPr>
-            <a:picLocks noChangeAspect="1"/>
-          </p:cNvPicPr>
-          <p:nvPr/>
-        </p:nvPicPr>
-        <p:blipFill>
-          <a:blip r:embed="rId2">
-            <a:alphaModFix amt="40000"/>
-          </a:blip>
-          <a:srcRect l="4179" t="18182" r="4912"/>
-          <a:stretch/>
-        </p:blipFill>
-        <p:spPr>
-          <a:xfrm>
-            <a:off x="20" y="10"/>
-            <a:ext cx="12191980" cy="6857990"/>
-          </a:xfrm>
-          <a:prstGeom prst="rect">
-            <a:avLst/>
-          </a:prstGeom>
-        </p:spPr>
-      </p:pic>
-      <p:sp>
-        <p:nvSpPr>
-          <p:cNvPr id="2" name="Cím 1">
-            <a:extLst>
-              <a:ext uri="{FF2B5EF4-FFF2-40B4-BE49-F238E27FC236}">
-                <a16:creationId xmlns:a16="http://schemas.microsoft.com/office/drawing/2014/main" id="{7C83DE72-A24C-6766-2A0D-3AE12DD58D47}"/>
-              </a:ext>
-            </a:extLst>
-          </p:cNvPr>
-          <p:cNvSpPr>
-            <a:spLocks noGrp="1"/>
-          </p:cNvSpPr>
-          <p:nvPr>
-            <p:ph type="ctrTitle"/>
-          </p:nvPr>
-        </p:nvSpPr>
-        <p:spPr>
-          <a:xfrm>
-            <a:off x="1154955" y="1447800"/>
-            <a:ext cx="8825658" cy="3329581"/>
-          </a:xfrm>
-        </p:spPr>
-        <p:txBody>
-          <a:bodyPr vert="horz" lIns="91440" tIns="45720" rIns="91440" bIns="45720" rtlCol="0">
-            <a:normAutofit/>
-          </a:bodyPr>
-          <a:lstStyle/>
-          <a:p>
-            <a:r>
-              <a:rPr lang="hu-HU">
-                <a:solidFill>
-                  <a:schemeClr val="tx1"/>
-                </a:solidFill>
-              </a:rPr>
-              <a:t>Thank</a:t>
-            </a:r>
-            <a:r>
-              <a:rPr lang="hu-HU" dirty="0">
-                <a:solidFill>
-                  <a:schemeClr val="tx1"/>
-                </a:solidFill>
-              </a:rPr>
-              <a:t> </a:t>
-            </a:r>
-            <a:r>
-              <a:rPr lang="hu-HU">
-                <a:solidFill>
-                  <a:schemeClr val="tx1"/>
-                </a:solidFill>
-              </a:rPr>
-              <a:t>you</a:t>
-            </a:r>
-            <a:r>
-              <a:rPr lang="hu-HU" dirty="0">
-                <a:solidFill>
-                  <a:schemeClr val="tx1"/>
-                </a:solidFill>
-              </a:rPr>
-              <a:t> </a:t>
-            </a:r>
-            <a:r>
-              <a:rPr lang="hu-HU">
-                <a:solidFill>
-                  <a:schemeClr val="tx1"/>
-                </a:solidFill>
-              </a:rPr>
-              <a:t>for</a:t>
-            </a:r>
-            <a:r>
-              <a:rPr lang="hu-HU" dirty="0">
-                <a:solidFill>
-                  <a:schemeClr val="tx1"/>
-                </a:solidFill>
-              </a:rPr>
-              <a:t> </a:t>
-            </a:r>
-            <a:r>
-              <a:rPr lang="hu-HU">
-                <a:solidFill>
-                  <a:schemeClr val="tx1"/>
-                </a:solidFill>
-              </a:rPr>
-              <a:t>your</a:t>
-            </a:r>
-            <a:r>
-              <a:rPr lang="hu-HU" dirty="0">
-                <a:solidFill>
-                  <a:schemeClr val="tx1"/>
-                </a:solidFill>
-              </a:rPr>
-              <a:t> </a:t>
-            </a:r>
-            <a:r>
-              <a:rPr lang="hu-HU">
-                <a:solidFill>
-                  <a:schemeClr val="tx1"/>
-                </a:solidFill>
-              </a:rPr>
-              <a:t>attention</a:t>
-            </a:r>
-            <a:r>
-              <a:rPr lang="hu-HU" dirty="0">
-                <a:solidFill>
-                  <a:schemeClr val="tx1"/>
-                </a:solidFill>
-              </a:rPr>
-              <a:t>!</a:t>
-            </a:r>
-            <a:endParaRPr lang="hu-HU">
-              <a:solidFill>
-                <a:schemeClr val="tx1"/>
-              </a:solidFill>
-            </a:endParaRPr>
-          </a:p>
-        </p:txBody>
-      </p:sp>
-      <p:sp>
-        <p:nvSpPr>
-          <p:cNvPr id="6" name="Rectangle 9">
-            <a:extLst>
-              <a:ext uri="{FF2B5EF4-FFF2-40B4-BE49-F238E27FC236}">
-                <a16:creationId xmlns:a16="http://schemas.microsoft.com/office/drawing/2014/main" id="{C885E190-58DD-42DD-A4A8-401E15C92A52}"/>
-              </a:ext>
-              <a:ext uri="{C183D7F6-B498-43B3-948B-1728B52AA6E4}">
-                <adec:decorative xmlns:adec="http://schemas.microsoft.com/office/drawing/2017/decorative" val="1"/>
-              </a:ext>
-            </a:extLst>
-          </p:cNvPr>
-          <p:cNvSpPr>
-            <a:spLocks noGrp="1" noRot="1" noChangeAspect="1" noMove="1" noResize="1" noEditPoints="1" noAdjustHandles="1" noChangeArrowheads="1" noChangeShapeType="1" noTextEdit="1"/>
-          </p:cNvSpPr>
-          <p:nvPr>
-            <p:extLst>
-              <p:ext uri="{386F3935-93C4-4BCD-93E2-E3B085C9AB24}">
-                <p16:designElem xmlns:p16="http://schemas.microsoft.com/office/powerpoint/2015/main" val="1"/>
-              </p:ext>
-            </p:extLst>
-          </p:nvPr>
-        </p:nvSpPr>
-        <p:spPr>
-          <a:xfrm>
-            <a:off x="10437812" y="0"/>
-            <a:ext cx="685800" cy="1143000"/>
-          </a:xfrm>
-          <a:prstGeom prst="rect">
-            <a:avLst/>
-          </a:prstGeom>
-          <a:solidFill>
-            <a:schemeClr val="accent1"/>
-          </a:solidFill>
-          <a:ln>
-            <a:noFill/>
-          </a:ln>
-        </p:spPr>
-        <p:style>
-          <a:lnRef idx="1">
-            <a:schemeClr val="accent1"/>
-          </a:lnRef>
-          <a:fillRef idx="3">
-            <a:schemeClr val="accent1"/>
-          </a:fillRef>
-          <a:effectRef idx="2">
-            <a:schemeClr val="accent1"/>
-          </a:effectRef>
-          <a:fontRef idx="minor">
-            <a:schemeClr val="lt1"/>
-          </a:fontRef>
-        </p:style>
-      </p:sp>
-    </p:spTree>
-    <p:extLst>
-      <p:ext uri="{BB962C8B-B14F-4D97-AF65-F5344CB8AC3E}">
-        <p14:creationId xmlns:p14="http://schemas.microsoft.com/office/powerpoint/2010/main" val="1046954273"/>
-      </p:ext>
-    </p:extLst>
-  </p:cSld>
-  <p:clrMapOvr>
-    <a:masterClrMapping/>
-  </p:clrMapOvr>
-  <p:transition spd="slow">
-    <p:push dir="u"/>
-  </p:transition>
 </p:sld>
 </file>
 
@@ -17955,6 +18286,477 @@
       </p:transition>
     </mc:Fallback>
   </mc:AlternateContent>
+</p:sld>
+</file>
+
+<file path=ppt/slides/slide40.xml><?xml version="1.0" encoding="utf-8"?>
+<p:sld xmlns:a="http://schemas.openxmlformats.org/drawingml/2006/main" xmlns:r="http://schemas.openxmlformats.org/officeDocument/2006/relationships" xmlns:p="http://schemas.openxmlformats.org/presentationml/2006/main">
+  <p:cSld>
+    <p:spTree>
+      <p:nvGrpSpPr>
+        <p:cNvPr id="1" name=""/>
+        <p:cNvGrpSpPr/>
+        <p:nvPr/>
+      </p:nvGrpSpPr>
+      <p:grpSpPr>
+        <a:xfrm>
+          <a:off x="0" y="0"/>
+          <a:ext cx="0" cy="0"/>
+          <a:chOff x="0" y="0"/>
+          <a:chExt cx="0" cy="0"/>
+        </a:xfrm>
+      </p:grpSpPr>
+      <p:sp>
+        <p:nvSpPr>
+          <p:cNvPr id="4" name="Cím 3"/>
+          <p:cNvSpPr>
+            <a:spLocks noGrp="1"/>
+          </p:cNvSpPr>
+          <p:nvPr>
+            <p:ph type="ctrTitle"/>
+          </p:nvPr>
+        </p:nvSpPr>
+        <p:spPr>
+          <a:xfrm>
+            <a:off x="0" y="2603863"/>
+            <a:ext cx="12191999" cy="2173518"/>
+          </a:xfrm>
+        </p:spPr>
+        <p:txBody>
+          <a:bodyPr/>
+          <a:lstStyle/>
+          <a:p>
+            <a:r>
+              <a:rPr lang="hu-HU" sz="4400" dirty="0" err="1"/>
+              <a:t>Our</a:t>
+            </a:r>
+            <a:r>
+              <a:rPr lang="hu-HU" sz="4400" dirty="0"/>
+              <a:t> </a:t>
+            </a:r>
+            <a:r>
+              <a:rPr lang="hu-HU" sz="4400" dirty="0" err="1"/>
+              <a:t>work</a:t>
+            </a:r>
+            <a:r>
+              <a:rPr lang="hu-HU" sz="4400" dirty="0"/>
+              <a:t> </a:t>
+            </a:r>
+            <a:r>
+              <a:rPr lang="hu-HU" sz="4400" dirty="0" err="1"/>
+              <a:t>with</a:t>
+            </a:r>
+            <a:r>
+              <a:rPr lang="hu-HU" sz="4400" dirty="0"/>
+              <a:t> Mini </a:t>
+            </a:r>
+            <a:r>
+              <a:rPr lang="hu-HU" sz="4400" dirty="0" err="1"/>
+              <a:t>was</a:t>
+            </a:r>
+            <a:r>
+              <a:rPr lang="hu-HU" sz="4400" dirty="0"/>
+              <a:t> </a:t>
+            </a:r>
+            <a:r>
+              <a:rPr lang="hu-HU" sz="4400" dirty="0" err="1"/>
+              <a:t>wonderful</a:t>
+            </a:r>
+            <a:r>
+              <a:rPr lang="hu-HU" sz="4400" dirty="0"/>
+              <a:t> and </a:t>
+            </a:r>
+            <a:r>
+              <a:rPr lang="hu-HU" sz="4400" dirty="0" err="1"/>
+              <a:t>the</a:t>
+            </a:r>
+            <a:r>
+              <a:rPr lang="hu-HU" sz="4400" dirty="0"/>
+              <a:t> IT team </a:t>
+            </a:r>
+            <a:r>
+              <a:rPr lang="hu-HU" sz="4400" dirty="0" err="1"/>
+              <a:t>made</a:t>
+            </a:r>
+            <a:r>
+              <a:rPr lang="hu-HU" sz="4400" dirty="0"/>
+              <a:t> a </a:t>
+            </a:r>
+            <a:r>
+              <a:rPr lang="hu-HU" sz="4400" dirty="0" err="1"/>
+              <a:t>very</a:t>
+            </a:r>
+            <a:r>
+              <a:rPr lang="hu-HU" sz="4400" dirty="0"/>
+              <a:t> </a:t>
+            </a:r>
+            <a:r>
+              <a:rPr lang="hu-HU" sz="4400" dirty="0" err="1"/>
+              <a:t>good</a:t>
+            </a:r>
+            <a:r>
+              <a:rPr lang="hu-HU" sz="4400" dirty="0"/>
+              <a:t> </a:t>
+            </a:r>
+            <a:r>
+              <a:rPr lang="hu-HU" sz="4400" dirty="0" err="1"/>
+              <a:t>job</a:t>
+            </a:r>
+            <a:r>
+              <a:rPr lang="hu-HU" sz="4400" dirty="0"/>
+              <a:t> </a:t>
+            </a:r>
+            <a:r>
+              <a:rPr lang="hu-HU" sz="4400" dirty="0" err="1"/>
+              <a:t>to</a:t>
+            </a:r>
+            <a:r>
+              <a:rPr lang="hu-HU" sz="4400" dirty="0"/>
+              <a:t> </a:t>
+            </a:r>
+            <a:r>
+              <a:rPr lang="hu-HU" sz="4400" dirty="0" err="1"/>
+              <a:t>make</a:t>
+            </a:r>
+            <a:r>
+              <a:rPr lang="hu-HU" sz="4400" dirty="0"/>
+              <a:t> </a:t>
+            </a:r>
+            <a:r>
+              <a:rPr lang="hu-HU" sz="4400" dirty="0" err="1"/>
+              <a:t>this</a:t>
+            </a:r>
+            <a:r>
+              <a:rPr lang="hu-HU" sz="4400" dirty="0"/>
+              <a:t> </a:t>
+            </a:r>
+            <a:r>
+              <a:rPr lang="hu-HU" sz="4400" dirty="0" err="1"/>
+              <a:t>natwork</a:t>
+            </a:r>
+            <a:r>
+              <a:rPr lang="hu-HU" sz="4400" dirty="0"/>
+              <a:t> </a:t>
+            </a:r>
+            <a:r>
+              <a:rPr lang="hu-HU" sz="4400" dirty="0" err="1"/>
+              <a:t>happen</a:t>
+            </a:r>
+            <a:endParaRPr lang="hu-HU" sz="4400" dirty="0"/>
+          </a:p>
+        </p:txBody>
+      </p:sp>
+    </p:spTree>
+    <p:extLst>
+      <p:ext uri="{BB962C8B-B14F-4D97-AF65-F5344CB8AC3E}">
+        <p14:creationId xmlns:p14="http://schemas.microsoft.com/office/powerpoint/2010/main" val="2444904799"/>
+      </p:ext>
+    </p:extLst>
+  </p:cSld>
+  <p:clrMapOvr>
+    <a:masterClrMapping/>
+  </p:clrMapOvr>
+</p:sld>
+</file>
+
+<file path=ppt/slides/slide41.xml><?xml version="1.0" encoding="utf-8"?>
+<p:sld xmlns:a="http://schemas.openxmlformats.org/drawingml/2006/main" xmlns:r="http://schemas.openxmlformats.org/officeDocument/2006/relationships" xmlns:p="http://schemas.openxmlformats.org/presentationml/2006/main">
+  <p:cSld>
+    <p:bg>
+      <p:bgPr>
+        <a:solidFill>
+          <a:schemeClr val="bg1"/>
+        </a:solidFill>
+        <a:effectLst/>
+      </p:bgPr>
+    </p:bg>
+    <p:spTree>
+      <p:nvGrpSpPr>
+        <p:cNvPr id="1" name=""/>
+        <p:cNvGrpSpPr/>
+        <p:nvPr/>
+      </p:nvGrpSpPr>
+      <p:grpSpPr>
+        <a:xfrm>
+          <a:off x="0" y="0"/>
+          <a:ext cx="0" cy="0"/>
+          <a:chOff x="0" y="0"/>
+          <a:chExt cx="0" cy="0"/>
+        </a:xfrm>
+      </p:grpSpPr>
+      <p:sp useBgFill="1">
+        <p:nvSpPr>
+          <p:cNvPr id="5" name="Rectangle 7">
+            <a:extLst>
+              <a:ext uri="{FF2B5EF4-FFF2-40B4-BE49-F238E27FC236}">
+                <a16:creationId xmlns:a16="http://schemas.microsoft.com/office/drawing/2014/main" id="{A4322390-8B58-46BE-88EB-D9FD30C08743}"/>
+              </a:ext>
+              <a:ext uri="{C183D7F6-B498-43B3-948B-1728B52AA6E4}">
+                <adec:decorative xmlns:adec="http://schemas.microsoft.com/office/drawing/2017/decorative" val="1"/>
+              </a:ext>
+            </a:extLst>
+          </p:cNvPr>
+          <p:cNvSpPr>
+            <a:spLocks noGrp="1" noRot="1" noChangeAspect="1" noMove="1" noResize="1" noEditPoints="1" noAdjustHandles="1" noChangeArrowheads="1" noChangeShapeType="1" noTextEdit="1"/>
+          </p:cNvSpPr>
+          <p:nvPr>
+            <p:extLst>
+              <p:ext uri="{386F3935-93C4-4BCD-93E2-E3B085C9AB24}">
+                <p16:designElem xmlns:p16="http://schemas.microsoft.com/office/powerpoint/2015/main" val="1"/>
+              </p:ext>
+            </p:extLst>
+          </p:nvPr>
+        </p:nvSpPr>
+        <p:spPr>
+          <a:xfrm>
+            <a:off x="0" y="0"/>
+            <a:ext cx="12192000" cy="6858000"/>
+          </a:xfrm>
+          <a:prstGeom prst="rect">
+            <a:avLst/>
+          </a:prstGeom>
+          <a:ln>
+            <a:noFill/>
+          </a:ln>
+        </p:spPr>
+        <p:style>
+          <a:lnRef idx="2">
+            <a:schemeClr val="accent1">
+              <a:shade val="50000"/>
+            </a:schemeClr>
+          </a:lnRef>
+          <a:fillRef idx="1">
+            <a:schemeClr val="accent1"/>
+          </a:fillRef>
+          <a:effectRef idx="0">
+            <a:schemeClr val="accent1"/>
+          </a:effectRef>
+          <a:fontRef idx="minor">
+            <a:schemeClr val="lt1"/>
+          </a:fontRef>
+        </p:style>
+        <p:txBody>
+          <a:bodyPr rtlCol="0" anchor="ctr"/>
+          <a:lstStyle/>
+          <a:p>
+            <a:pPr algn="ctr"/>
+            <a:endParaRPr lang="en-US"/>
+          </a:p>
+        </p:txBody>
+      </p:sp>
+      <p:pic>
+        <p:nvPicPr>
+          <p:cNvPr id="3" name="Kép 2" descr="A képen jármű, Szárazföldi jármű, kerék, Klasszikus autó látható&#10;&#10;Lehet, hogy a mesterséges intelligencia által generált tartalom helytelen.">
+            <a:extLst>
+              <a:ext uri="{FF2B5EF4-FFF2-40B4-BE49-F238E27FC236}">
+                <a16:creationId xmlns:a16="http://schemas.microsoft.com/office/drawing/2014/main" id="{D74B56BE-4FD3-C149-509E-3795A2CBCEF4}"/>
+              </a:ext>
+            </a:extLst>
+          </p:cNvPr>
+          <p:cNvPicPr>
+            <a:picLocks noChangeAspect="1"/>
+          </p:cNvPicPr>
+          <p:nvPr/>
+        </p:nvPicPr>
+        <p:blipFill>
+          <a:blip r:embed="rId2">
+            <a:alphaModFix amt="40000"/>
+          </a:blip>
+          <a:srcRect l="4179" t="18182" r="4912"/>
+          <a:stretch/>
+        </p:blipFill>
+        <p:spPr>
+          <a:xfrm>
+            <a:off x="20" y="10"/>
+            <a:ext cx="12191980" cy="6857990"/>
+          </a:xfrm>
+          <a:prstGeom prst="rect">
+            <a:avLst/>
+          </a:prstGeom>
+        </p:spPr>
+      </p:pic>
+      <p:sp>
+        <p:nvSpPr>
+          <p:cNvPr id="2" name="Cím 1">
+            <a:extLst>
+              <a:ext uri="{FF2B5EF4-FFF2-40B4-BE49-F238E27FC236}">
+                <a16:creationId xmlns:a16="http://schemas.microsoft.com/office/drawing/2014/main" id="{7C83DE72-A24C-6766-2A0D-3AE12DD58D47}"/>
+              </a:ext>
+            </a:extLst>
+          </p:cNvPr>
+          <p:cNvSpPr>
+            <a:spLocks noGrp="1"/>
+          </p:cNvSpPr>
+          <p:nvPr>
+            <p:ph type="ctrTitle"/>
+          </p:nvPr>
+        </p:nvSpPr>
+        <p:spPr>
+          <a:xfrm>
+            <a:off x="1154955" y="1447800"/>
+            <a:ext cx="8825658" cy="3329581"/>
+          </a:xfrm>
+        </p:spPr>
+        <p:txBody>
+          <a:bodyPr vert="horz" lIns="91440" tIns="45720" rIns="91440" bIns="45720" rtlCol="0">
+            <a:normAutofit/>
+          </a:bodyPr>
+          <a:lstStyle/>
+          <a:p>
+            <a:r>
+              <a:rPr lang="hu-HU">
+                <a:solidFill>
+                  <a:schemeClr val="tx1"/>
+                </a:solidFill>
+              </a:rPr>
+              <a:t>Thank</a:t>
+            </a:r>
+            <a:r>
+              <a:rPr lang="hu-HU" dirty="0">
+                <a:solidFill>
+                  <a:schemeClr val="tx1"/>
+                </a:solidFill>
+              </a:rPr>
+              <a:t> </a:t>
+            </a:r>
+            <a:r>
+              <a:rPr lang="hu-HU">
+                <a:solidFill>
+                  <a:schemeClr val="tx1"/>
+                </a:solidFill>
+              </a:rPr>
+              <a:t>you</a:t>
+            </a:r>
+            <a:r>
+              <a:rPr lang="hu-HU" dirty="0">
+                <a:solidFill>
+                  <a:schemeClr val="tx1"/>
+                </a:solidFill>
+              </a:rPr>
+              <a:t> </a:t>
+            </a:r>
+            <a:r>
+              <a:rPr lang="hu-HU">
+                <a:solidFill>
+                  <a:schemeClr val="tx1"/>
+                </a:solidFill>
+              </a:rPr>
+              <a:t>for</a:t>
+            </a:r>
+            <a:r>
+              <a:rPr lang="hu-HU" dirty="0">
+                <a:solidFill>
+                  <a:schemeClr val="tx1"/>
+                </a:solidFill>
+              </a:rPr>
+              <a:t> </a:t>
+            </a:r>
+            <a:r>
+              <a:rPr lang="hu-HU">
+                <a:solidFill>
+                  <a:schemeClr val="tx1"/>
+                </a:solidFill>
+              </a:rPr>
+              <a:t>your</a:t>
+            </a:r>
+            <a:r>
+              <a:rPr lang="hu-HU" dirty="0">
+                <a:solidFill>
+                  <a:schemeClr val="tx1"/>
+                </a:solidFill>
+              </a:rPr>
+              <a:t> </a:t>
+            </a:r>
+            <a:r>
+              <a:rPr lang="hu-HU">
+                <a:solidFill>
+                  <a:schemeClr val="tx1"/>
+                </a:solidFill>
+              </a:rPr>
+              <a:t>attention</a:t>
+            </a:r>
+            <a:r>
+              <a:rPr lang="hu-HU" dirty="0">
+                <a:solidFill>
+                  <a:schemeClr val="tx1"/>
+                </a:solidFill>
+              </a:rPr>
+              <a:t>!</a:t>
+            </a:r>
+            <a:endParaRPr lang="hu-HU">
+              <a:solidFill>
+                <a:schemeClr val="tx1"/>
+              </a:solidFill>
+            </a:endParaRPr>
+          </a:p>
+        </p:txBody>
+      </p:sp>
+      <p:sp>
+        <p:nvSpPr>
+          <p:cNvPr id="6" name="Rectangle 9">
+            <a:extLst>
+              <a:ext uri="{FF2B5EF4-FFF2-40B4-BE49-F238E27FC236}">
+                <a16:creationId xmlns:a16="http://schemas.microsoft.com/office/drawing/2014/main" id="{C885E190-58DD-42DD-A4A8-401E15C92A52}"/>
+              </a:ext>
+              <a:ext uri="{C183D7F6-B498-43B3-948B-1728B52AA6E4}">
+                <adec:decorative xmlns:adec="http://schemas.microsoft.com/office/drawing/2017/decorative" val="1"/>
+              </a:ext>
+            </a:extLst>
+          </p:cNvPr>
+          <p:cNvSpPr>
+            <a:spLocks noGrp="1" noRot="1" noChangeAspect="1" noMove="1" noResize="1" noEditPoints="1" noAdjustHandles="1" noChangeArrowheads="1" noChangeShapeType="1" noTextEdit="1"/>
+          </p:cNvSpPr>
+          <p:nvPr>
+            <p:extLst>
+              <p:ext uri="{386F3935-93C4-4BCD-93E2-E3B085C9AB24}">
+                <p16:designElem xmlns:p16="http://schemas.microsoft.com/office/powerpoint/2015/main" val="1"/>
+              </p:ext>
+            </p:extLst>
+          </p:nvPr>
+        </p:nvSpPr>
+        <p:spPr>
+          <a:xfrm>
+            <a:off x="10437812" y="0"/>
+            <a:ext cx="685800" cy="1143000"/>
+          </a:xfrm>
+          <a:prstGeom prst="rect">
+            <a:avLst/>
+          </a:prstGeom>
+          <a:solidFill>
+            <a:schemeClr val="accent1"/>
+          </a:solidFill>
+          <a:ln>
+            <a:noFill/>
+          </a:ln>
+        </p:spPr>
+        <p:style>
+          <a:lnRef idx="1">
+            <a:schemeClr val="accent1"/>
+          </a:lnRef>
+          <a:fillRef idx="3">
+            <a:schemeClr val="accent1"/>
+          </a:fillRef>
+          <a:effectRef idx="2">
+            <a:schemeClr val="accent1"/>
+          </a:effectRef>
+          <a:fontRef idx="minor">
+            <a:schemeClr val="lt1"/>
+          </a:fontRef>
+        </p:style>
+      </p:sp>
+    </p:spTree>
+    <p:extLst>
+      <p:ext uri="{BB962C8B-B14F-4D97-AF65-F5344CB8AC3E}">
+        <p14:creationId xmlns:p14="http://schemas.microsoft.com/office/powerpoint/2010/main" val="1046954273"/>
+      </p:ext>
+    </p:extLst>
+  </p:cSld>
+  <p:clrMapOvr>
+    <a:masterClrMapping/>
+  </p:clrMapOvr>
+  <p:transition spd="slow">
+    <p:push dir="u"/>
+  </p:transition>
 </p:sld>
 </file>
 
@@ -28402,7 +29204,7 @@
             <p:ph idx="1"/>
             <p:extLst>
               <p:ext uri="{D42A27DB-BD31-4B8C-83A1-F6EECF244321}">
-                <p14:modId xmlns:p14="http://schemas.microsoft.com/office/powerpoint/2010/main" val="1396513646"/>
+                <p14:modId xmlns:p14="http://schemas.microsoft.com/office/powerpoint/2010/main" val="394521458"/>
               </p:ext>
             </p:extLst>
           </p:nvPr>
@@ -28654,7 +29456,7 @@
                         <a:rPr lang="hu-HU" sz="1800" dirty="0">
                           <a:effectLst/>
                         </a:rPr>
-                        <a:t>DeliverySW1</a:t>
+                        <a:t>AssemblySW1</a:t>
                       </a:r>
                       <a:endParaRPr lang="hu-HU" sz="1100" dirty="0">
                         <a:effectLst/>
@@ -28922,7 +29724,7 @@
                         <a:rPr lang="hu-HU" sz="1800" dirty="0">
                           <a:effectLst/>
                         </a:rPr>
-                        <a:t>DeliverySW2</a:t>
+                        <a:t>AssemblySW2</a:t>
                       </a:r>
                       <a:endParaRPr lang="hu-HU" sz="1100" dirty="0">
                         <a:effectLst/>
@@ -29190,7 +29992,7 @@
                         <a:rPr lang="hu-HU" sz="1800" dirty="0" err="1">
                           <a:effectLst/>
                         </a:rPr>
-                        <a:t>ConSW</a:t>
+                        <a:t>SrvSW</a:t>
                       </a:r>
                       <a:endParaRPr lang="hu-HU" sz="1100" dirty="0" err="1">
                         <a:effectLst/>

--- a/BorsodNet.pptx
+++ b/BorsodNet.pptx
@@ -155,6 +155,7 @@
 <file path=ppt/revisionInfo.xml><?xml version="1.0" encoding="utf-8"?>
 <p1510:revInfo xmlns:a="http://schemas.openxmlformats.org/drawingml/2006/main" xmlns:r="http://schemas.openxmlformats.org/officeDocument/2006/relationships" xmlns:p1510="http://schemas.microsoft.com/office/powerpoint/2015/10/main">
   <p1510:revLst>
+    <p1510:client id="{5C30B65C-F7BD-4241-C187-54C1B4FE498E}" v="6" dt="2025-03-17T09:39:37.985"/>
     <p1510:client id="{C766CDF1-C6F3-F1D1-A60D-8ED6C0F87FF6}" v="557" dt="2025-03-17T09:12:45.245"/>
   </p1510:revLst>
 </p1510:revInfo>
@@ -3428,6 +3429,38 @@
             <ac:spMk id="4" creationId="{00000000-0000-0000-0000-000000000000}"/>
           </ac:spMkLst>
         </pc:spChg>
+      </pc:sldChg>
+    </pc:docChg>
+  </pc:docChgLst>
+  <pc:docChgLst>
+    <pc:chgData name="Kristóf Lajka" userId="5e6963896e59b084" providerId="Windows Live" clId="Web-{5C30B65C-F7BD-4241-C187-54C1B4FE498E}"/>
+    <pc:docChg chg="modSld">
+      <pc:chgData name="Kristóf Lajka" userId="5e6963896e59b084" providerId="Windows Live" clId="Web-{5C30B65C-F7BD-4241-C187-54C1B4FE498E}" dt="2025-03-17T09:39:37.985" v="4" actId="14100"/>
+      <pc:docMkLst>
+        <pc:docMk/>
+      </pc:docMkLst>
+      <pc:sldChg chg="addSp modSp">
+        <pc:chgData name="Kristóf Lajka" userId="5e6963896e59b084" providerId="Windows Live" clId="Web-{5C30B65C-F7BD-4241-C187-54C1B4FE498E}" dt="2025-03-17T09:39:37.985" v="4" actId="14100"/>
+        <pc:sldMkLst>
+          <pc:docMk/>
+          <pc:sldMk cId="3680533596" sldId="298"/>
+        </pc:sldMkLst>
+        <pc:picChg chg="add mod modCrop">
+          <ac:chgData name="Kristóf Lajka" userId="5e6963896e59b084" providerId="Windows Live" clId="Web-{5C30B65C-F7BD-4241-C187-54C1B4FE498E}" dt="2025-03-17T09:39:35.376" v="3" actId="1076"/>
+          <ac:picMkLst>
+            <pc:docMk/>
+            <pc:sldMk cId="3680533596" sldId="298"/>
+            <ac:picMk id="3" creationId="{01772383-4F33-FDCA-1E42-57AA3BB1B06D}"/>
+          </ac:picMkLst>
+        </pc:picChg>
+        <pc:picChg chg="mod">
+          <ac:chgData name="Kristóf Lajka" userId="5e6963896e59b084" providerId="Windows Live" clId="Web-{5C30B65C-F7BD-4241-C187-54C1B4FE498E}" dt="2025-03-17T09:39:37.985" v="4" actId="14100"/>
+          <ac:picMkLst>
+            <pc:docMk/>
+            <pc:sldMk cId="3680533596" sldId="298"/>
+            <ac:picMk id="4" creationId="{AD9186D2-5B81-71B8-A9E7-33B3AD9896D2}"/>
+          </ac:picMkLst>
+        </pc:picChg>
       </pc:sldChg>
     </pc:docChg>
   </pc:docChgLst>
@@ -15389,9 +15422,38 @@
         </p:blipFill>
         <p:spPr>
           <a:xfrm>
-            <a:off x="551502" y="1447769"/>
-            <a:ext cx="6096000" cy="3202158"/>
+            <a:off x="551502" y="1159445"/>
+            <a:ext cx="6590270" cy="3490482"/>
           </a:xfrm>
+        </p:spPr>
+      </p:pic>
+      <p:pic>
+        <p:nvPicPr>
+          <p:cNvPr id="3" name="Kép 2" descr="A képen szöveg, képernyőkép, képernyő, szoftver látható&#10;&#10;Lehet, hogy a mesterséges intelligencia által generált tartalom helytelen.">
+            <a:extLst>
+              <a:ext uri="{FF2B5EF4-FFF2-40B4-BE49-F238E27FC236}">
+                <a16:creationId xmlns:a16="http://schemas.microsoft.com/office/drawing/2014/main" id="{01772383-4F33-FDCA-1E42-57AA3BB1B06D}"/>
+              </a:ext>
+            </a:extLst>
+          </p:cNvPr>
+          <p:cNvPicPr>
+            <a:picLocks noChangeAspect="1"/>
+          </p:cNvPicPr>
+          <p:nvPr/>
+        </p:nvPicPr>
+        <p:blipFill>
+          <a:blip r:embed="rId3"/>
+          <a:srcRect t="-764" r="29899" b="56884"/>
+          <a:stretch/>
+        </p:blipFill>
+        <p:spPr>
+          <a:xfrm>
+            <a:off x="3645243" y="4298503"/>
+            <a:ext cx="8546763" cy="2559479"/>
+          </a:xfrm>
+          <a:prstGeom prst="rect">
+            <a:avLst/>
+          </a:prstGeom>
         </p:spPr>
       </p:pic>
     </p:spTree>

--- a/BorsodNet.pptx
+++ b/BorsodNet.pptx
@@ -155,7 +155,6 @@
 <file path=ppt/revisionInfo.xml><?xml version="1.0" encoding="utf-8"?>
 <p1510:revInfo xmlns:a="http://schemas.openxmlformats.org/drawingml/2006/main" xmlns:r="http://schemas.openxmlformats.org/officeDocument/2006/relationships" xmlns:p1510="http://schemas.microsoft.com/office/powerpoint/2015/10/main">
   <p1510:revLst>
-    <p1510:client id="{5C30B65C-F7BD-4241-C187-54C1B4FE498E}" v="6" dt="2025-03-17T09:39:37.985"/>
     <p1510:client id="{C766CDF1-C6F3-F1D1-A60D-8ED6C0F87FF6}" v="557" dt="2025-03-17T09:12:45.245"/>
   </p1510:revLst>
 </p1510:revInfo>
@@ -3429,38 +3428,6 @@
             <ac:spMk id="4" creationId="{00000000-0000-0000-0000-000000000000}"/>
           </ac:spMkLst>
         </pc:spChg>
-      </pc:sldChg>
-    </pc:docChg>
-  </pc:docChgLst>
-  <pc:docChgLst>
-    <pc:chgData name="Kristóf Lajka" userId="5e6963896e59b084" providerId="Windows Live" clId="Web-{5C30B65C-F7BD-4241-C187-54C1B4FE498E}"/>
-    <pc:docChg chg="modSld">
-      <pc:chgData name="Kristóf Lajka" userId="5e6963896e59b084" providerId="Windows Live" clId="Web-{5C30B65C-F7BD-4241-C187-54C1B4FE498E}" dt="2025-03-17T09:39:37.985" v="4" actId="14100"/>
-      <pc:docMkLst>
-        <pc:docMk/>
-      </pc:docMkLst>
-      <pc:sldChg chg="addSp modSp">
-        <pc:chgData name="Kristóf Lajka" userId="5e6963896e59b084" providerId="Windows Live" clId="Web-{5C30B65C-F7BD-4241-C187-54C1B4FE498E}" dt="2025-03-17T09:39:37.985" v="4" actId="14100"/>
-        <pc:sldMkLst>
-          <pc:docMk/>
-          <pc:sldMk cId="3680533596" sldId="298"/>
-        </pc:sldMkLst>
-        <pc:picChg chg="add mod modCrop">
-          <ac:chgData name="Kristóf Lajka" userId="5e6963896e59b084" providerId="Windows Live" clId="Web-{5C30B65C-F7BD-4241-C187-54C1B4FE498E}" dt="2025-03-17T09:39:35.376" v="3" actId="1076"/>
-          <ac:picMkLst>
-            <pc:docMk/>
-            <pc:sldMk cId="3680533596" sldId="298"/>
-            <ac:picMk id="3" creationId="{01772383-4F33-FDCA-1E42-57AA3BB1B06D}"/>
-          </ac:picMkLst>
-        </pc:picChg>
-        <pc:picChg chg="mod">
-          <ac:chgData name="Kristóf Lajka" userId="5e6963896e59b084" providerId="Windows Live" clId="Web-{5C30B65C-F7BD-4241-C187-54C1B4FE498E}" dt="2025-03-17T09:39:37.985" v="4" actId="14100"/>
-          <ac:picMkLst>
-            <pc:docMk/>
-            <pc:sldMk cId="3680533596" sldId="298"/>
-            <ac:picMk id="4" creationId="{AD9186D2-5B81-71B8-A9E7-33B3AD9896D2}"/>
-          </ac:picMkLst>
-        </pc:picChg>
       </pc:sldChg>
     </pc:docChg>
   </pc:docChgLst>
@@ -11567,7 +11534,7 @@
                         </a:rPr>
                         <a:t>G1/0/1, G1/0/2</a:t>
                       </a:r>
-                      <a:endParaRPr lang="hu-HU" sz="2300">
+                      <a:endParaRPr lang="hu-HU" sz="2300" dirty="0">
                         <a:solidFill>
                           <a:schemeClr val="bg1"/>
                         </a:solidFill>
@@ -11673,7 +11640,7 @@
         </p:nvSpPr>
         <p:spPr>
           <a:xfrm>
-            <a:off x="2232211" y="6339772"/>
+            <a:off x="2685953" y="6297250"/>
             <a:ext cx="2599765" cy="369332"/>
           </a:xfrm>
           <a:prstGeom prst="rect">
@@ -11702,7 +11669,7 @@
         </p:nvSpPr>
         <p:spPr>
           <a:xfrm>
-            <a:off x="7771002" y="6297250"/>
+            <a:off x="8066837" y="6343416"/>
             <a:ext cx="2986646" cy="646331"/>
           </a:xfrm>
           <a:prstGeom prst="rect">
@@ -11953,7 +11920,7 @@
         </p:nvSpPr>
         <p:spPr>
           <a:xfrm>
-            <a:off x="8012431" y="4683578"/>
+            <a:off x="8073394" y="4683578"/>
             <a:ext cx="2743200" cy="365760"/>
           </a:xfrm>
           <a:prstGeom prst="rect">
@@ -12000,7 +11967,7 @@
         </p:blipFill>
         <p:spPr>
           <a:xfrm>
-            <a:off x="5277112" y="1371600"/>
+            <a:off x="5364202" y="1371600"/>
             <a:ext cx="1485387" cy="4114800"/>
           </a:xfrm>
           <a:prstGeom prst="rect">
@@ -12322,7 +12289,7 @@
         </p:blipFill>
         <p:spPr>
           <a:xfrm>
-            <a:off x="199253" y="3428613"/>
+            <a:off x="199253" y="3358941"/>
             <a:ext cx="5893144" cy="3357692"/>
           </a:xfrm>
           <a:prstGeom prst="rect">
@@ -12396,12 +12363,13 @@
         </p:nvSpPr>
         <p:spPr>
           <a:xfrm>
-            <a:off x="206164" y="5409367"/>
-            <a:ext cx="5860966" cy="1364613"/>
+            <a:off x="206163" y="5409368"/>
+            <a:ext cx="5886233" cy="1307266"/>
           </a:xfrm>
           <a:prstGeom prst="rect">
             <a:avLst/>
           </a:prstGeom>
+          <a:noFill/>
           <a:ln>
             <a:solidFill>
               <a:srgbClr val="0070C0"/>
@@ -12508,7 +12476,7 @@
         </p:nvSpPr>
         <p:spPr>
           <a:xfrm>
-            <a:off x="636916" y="4854346"/>
+            <a:off x="671750" y="3027783"/>
             <a:ext cx="10407602" cy="868026"/>
           </a:xfrm>
         </p:spPr>
@@ -12519,7 +12487,7 @@
           <a:lstStyle/>
           <a:p>
             <a:r>
-              <a:rPr lang="en-US" sz="4800">
+              <a:rPr lang="en-US" sz="4800" dirty="0">
                 <a:solidFill>
                   <a:srgbClr val="EBEBEB"/>
                 </a:solidFill>
@@ -12770,126 +12738,6 @@
           </a:p>
         </p:txBody>
       </p:sp>
-      <p:pic>
-        <p:nvPicPr>
-          <p:cNvPr id="3" name="Kép 2" descr="A képen szöveg, képernyőkép, Betűtípus látható&#10;&#10;Lehet, hogy a mesterséges intelligencia által generált tartalom helytelen.">
-            <a:extLst>
-              <a:ext uri="{FF2B5EF4-FFF2-40B4-BE49-F238E27FC236}">
-                <a16:creationId xmlns:a16="http://schemas.microsoft.com/office/drawing/2014/main" id="{F4E82EDB-CB58-242E-1D63-A75724CDE164}"/>
-              </a:ext>
-            </a:extLst>
-          </p:cNvPr>
-          <p:cNvPicPr>
-            <a:picLocks noChangeAspect="1"/>
-          </p:cNvPicPr>
-          <p:nvPr/>
-        </p:nvPicPr>
-        <p:blipFill>
-          <a:blip r:embed="rId2"/>
-          <a:stretch>
-            <a:fillRect/>
-          </a:stretch>
-        </p:blipFill>
-        <p:spPr>
-          <a:xfrm>
-            <a:off x="6090852" y="1479207"/>
-            <a:ext cx="5745891" cy="1953397"/>
-          </a:xfrm>
-          <a:prstGeom prst="rect">
-            <a:avLst/>
-          </a:prstGeom>
-        </p:spPr>
-      </p:pic>
-      <p:pic>
-        <p:nvPicPr>
-          <p:cNvPr id="4" name="Kép 3" descr="A képen szöveg, képernyőkép, Betűtípus látható&#10;&#10;Lehet, hogy a mesterséges intelligencia által generált tartalom helytelen.">
-            <a:extLst>
-              <a:ext uri="{FF2B5EF4-FFF2-40B4-BE49-F238E27FC236}">
-                <a16:creationId xmlns:a16="http://schemas.microsoft.com/office/drawing/2014/main" id="{98DFA00E-D078-DF0B-8581-6171CA8683C8}"/>
-              </a:ext>
-            </a:extLst>
-          </p:cNvPr>
-          <p:cNvPicPr>
-            <a:picLocks noChangeAspect="1"/>
-          </p:cNvPicPr>
-          <p:nvPr/>
-        </p:nvPicPr>
-        <p:blipFill>
-          <a:blip r:embed="rId3"/>
-          <a:stretch>
-            <a:fillRect/>
-          </a:stretch>
-        </p:blipFill>
-        <p:spPr>
-          <a:xfrm>
-            <a:off x="1059334" y="1712441"/>
-            <a:ext cx="4286250" cy="1600200"/>
-          </a:xfrm>
-          <a:prstGeom prst="rect">
-            <a:avLst/>
-          </a:prstGeom>
-        </p:spPr>
-      </p:pic>
-      <p:pic>
-        <p:nvPicPr>
-          <p:cNvPr id="5" name="Kép 4" descr="A képen szöveg, képernyőkép, Betűtípus látható&#10;&#10;Lehet, hogy a mesterséges intelligencia által generált tartalom helytelen.">
-            <a:extLst>
-              <a:ext uri="{FF2B5EF4-FFF2-40B4-BE49-F238E27FC236}">
-                <a16:creationId xmlns:a16="http://schemas.microsoft.com/office/drawing/2014/main" id="{AB3B01A7-DDD5-58BF-CB8F-2218D62ACC28}"/>
-              </a:ext>
-            </a:extLst>
-          </p:cNvPr>
-          <p:cNvPicPr>
-            <a:picLocks noChangeAspect="1"/>
-          </p:cNvPicPr>
-          <p:nvPr/>
-        </p:nvPicPr>
-        <p:blipFill>
-          <a:blip r:embed="rId4"/>
-          <a:stretch>
-            <a:fillRect/>
-          </a:stretch>
-        </p:blipFill>
-        <p:spPr>
-          <a:xfrm>
-            <a:off x="6215191" y="3895081"/>
-            <a:ext cx="5734050" cy="1971675"/>
-          </a:xfrm>
-          <a:prstGeom prst="rect">
-            <a:avLst/>
-          </a:prstGeom>
-        </p:spPr>
-      </p:pic>
-      <p:pic>
-        <p:nvPicPr>
-          <p:cNvPr id="8" name="Kép 7" descr="A képen szöveg, képernyőkép, Betűtípus látható&#10;&#10;Lehet, hogy a mesterséges intelligencia által generált tartalom helytelen.">
-            <a:extLst>
-              <a:ext uri="{FF2B5EF4-FFF2-40B4-BE49-F238E27FC236}">
-                <a16:creationId xmlns:a16="http://schemas.microsoft.com/office/drawing/2014/main" id="{6A0EC73D-CF8E-EF2D-C6DE-20F625ACFEC5}"/>
-              </a:ext>
-            </a:extLst>
-          </p:cNvPr>
-          <p:cNvPicPr>
-            <a:picLocks noChangeAspect="1"/>
-          </p:cNvPicPr>
-          <p:nvPr/>
-        </p:nvPicPr>
-        <p:blipFill>
-          <a:blip r:embed="rId5"/>
-          <a:stretch>
-            <a:fillRect/>
-          </a:stretch>
-        </p:blipFill>
-        <p:spPr>
-          <a:xfrm>
-            <a:off x="1059334" y="4085581"/>
-            <a:ext cx="4286250" cy="1590675"/>
-          </a:xfrm>
-          <a:prstGeom prst="rect">
-            <a:avLst/>
-          </a:prstGeom>
-        </p:spPr>
-      </p:pic>
       <p:sp>
         <p:nvSpPr>
           <p:cNvPr id="12" name="Szövegdoboz 11">
@@ -12904,7 +12752,7 @@
         </p:nvSpPr>
         <p:spPr>
           <a:xfrm>
-            <a:off x="2056382" y="3505510"/>
+            <a:off x="2056382" y="3601309"/>
             <a:ext cx="2743199" cy="365760"/>
           </a:xfrm>
           <a:prstGeom prst="rect">
@@ -12923,8 +12771,13 @@
           <a:p>
             <a:r>
               <a:rPr lang="hu-HU" dirty="0"/>
-              <a:t>AssemblySW1 G1/0/10</a:t>
+              <a:t>AssemblySW1 </a:t>
             </a:r>
+            <a:r>
+              <a:rPr lang="hu-HU" dirty="0" smtClean="0"/>
+              <a:t>G1/0/5</a:t>
+            </a:r>
+            <a:endParaRPr lang="hu-HU" dirty="0"/>
           </a:p>
         </p:txBody>
       </p:sp>
@@ -12942,7 +12795,7 @@
         </p:nvSpPr>
         <p:spPr>
           <a:xfrm>
-            <a:off x="7586954" y="3509229"/>
+            <a:off x="7586952" y="3605978"/>
             <a:ext cx="2743199" cy="365760"/>
           </a:xfrm>
           <a:prstGeom prst="rect">
@@ -12961,8 +12814,13 @@
           <a:p>
             <a:r>
               <a:rPr lang="hu-HU" dirty="0"/>
-              <a:t>AssemblySW1 G1/0/5</a:t>
+              <a:t>AssemblySW1 </a:t>
             </a:r>
+            <a:r>
+              <a:rPr lang="hu-HU" dirty="0" smtClean="0"/>
+              <a:t>G1/0/10</a:t>
+            </a:r>
+            <a:endParaRPr lang="hu-HU" dirty="0"/>
           </a:p>
         </p:txBody>
       </p:sp>
@@ -12980,7 +12838,7 @@
         </p:nvSpPr>
         <p:spPr>
           <a:xfrm>
-            <a:off x="1738953" y="6058736"/>
+            <a:off x="2114146" y="6259033"/>
             <a:ext cx="2743199" cy="365760"/>
           </a:xfrm>
           <a:prstGeom prst="rect">
@@ -12999,8 +12857,13 @@
           <a:p>
             <a:r>
               <a:rPr lang="hu-HU" dirty="0"/>
-              <a:t>AssemblySW2 G1/0/10</a:t>
+              <a:t>AssemblySW2 </a:t>
             </a:r>
+            <a:r>
+              <a:rPr lang="hu-HU" dirty="0" smtClean="0"/>
+              <a:t>G1/0/5</a:t>
+            </a:r>
+            <a:endParaRPr lang="hu-HU" dirty="0"/>
           </a:p>
         </p:txBody>
       </p:sp>
@@ -13018,7 +12881,7 @@
         </p:nvSpPr>
         <p:spPr>
           <a:xfrm>
-            <a:off x="8059913" y="6224350"/>
+            <a:off x="7586952" y="6259033"/>
             <a:ext cx="2743199" cy="365760"/>
           </a:xfrm>
           <a:prstGeom prst="rect">
@@ -13037,11 +12900,136 @@
           <a:p>
             <a:r>
               <a:rPr lang="hu-HU" dirty="0"/>
-              <a:t>AssemblySW2 G1/0/5</a:t>
+              <a:t>AssemblySW2 </a:t>
             </a:r>
+            <a:r>
+              <a:rPr lang="hu-HU" dirty="0" smtClean="0"/>
+              <a:t>G1/0/10</a:t>
+            </a:r>
+            <a:endParaRPr lang="hu-HU" dirty="0"/>
           </a:p>
         </p:txBody>
       </p:sp>
+      <p:pic>
+        <p:nvPicPr>
+          <p:cNvPr id="6" name="Kép 5"/>
+          <p:cNvPicPr>
+            <a:picLocks noChangeAspect="1"/>
+          </p:cNvPicPr>
+          <p:nvPr/>
+        </p:nvPicPr>
+        <p:blipFill>
+          <a:blip r:embed="rId2">
+            <a:extLst>
+              <a:ext uri="{28A0092B-C50C-407E-A947-70E740481C1C}">
+                <a14:useLocalDpi xmlns:a14="http://schemas.microsoft.com/office/drawing/2010/main" val="0"/>
+              </a:ext>
+            </a:extLst>
+          </a:blip>
+          <a:stretch>
+            <a:fillRect/>
+          </a:stretch>
+        </p:blipFill>
+        <p:spPr>
+          <a:xfrm>
+            <a:off x="1573902" y="1364946"/>
+            <a:ext cx="3708158" cy="2144283"/>
+          </a:xfrm>
+          <a:prstGeom prst="rect">
+            <a:avLst/>
+          </a:prstGeom>
+        </p:spPr>
+      </p:pic>
+      <p:pic>
+        <p:nvPicPr>
+          <p:cNvPr id="7" name="Kép 6"/>
+          <p:cNvPicPr>
+            <a:picLocks noChangeAspect="1"/>
+          </p:cNvPicPr>
+          <p:nvPr/>
+        </p:nvPicPr>
+        <p:blipFill>
+          <a:blip r:embed="rId3">
+            <a:extLst>
+              <a:ext uri="{28A0092B-C50C-407E-A947-70E740481C1C}">
+                <a14:useLocalDpi xmlns:a14="http://schemas.microsoft.com/office/drawing/2010/main" val="0"/>
+              </a:ext>
+            </a:extLst>
+          </a:blip>
+          <a:stretch>
+            <a:fillRect/>
+          </a:stretch>
+        </p:blipFill>
+        <p:spPr>
+          <a:xfrm>
+            <a:off x="7046635" y="1364945"/>
+            <a:ext cx="3823835" cy="2144283"/>
+          </a:xfrm>
+          <a:prstGeom prst="rect">
+            <a:avLst/>
+          </a:prstGeom>
+        </p:spPr>
+      </p:pic>
+      <p:pic>
+        <p:nvPicPr>
+          <p:cNvPr id="9" name="Kép 8"/>
+          <p:cNvPicPr>
+            <a:picLocks noChangeAspect="1"/>
+          </p:cNvPicPr>
+          <p:nvPr/>
+        </p:nvPicPr>
+        <p:blipFill>
+          <a:blip r:embed="rId4">
+            <a:extLst>
+              <a:ext uri="{28A0092B-C50C-407E-A947-70E740481C1C}">
+                <a14:useLocalDpi xmlns:a14="http://schemas.microsoft.com/office/drawing/2010/main" val="0"/>
+              </a:ext>
+            </a:extLst>
+          </a:blip>
+          <a:stretch>
+            <a:fillRect/>
+          </a:stretch>
+        </p:blipFill>
+        <p:spPr>
+          <a:xfrm>
+            <a:off x="1524469" y="3993729"/>
+            <a:ext cx="3807024" cy="2169505"/>
+          </a:xfrm>
+          <a:prstGeom prst="rect">
+            <a:avLst/>
+          </a:prstGeom>
+        </p:spPr>
+      </p:pic>
+      <p:pic>
+        <p:nvPicPr>
+          <p:cNvPr id="10" name="Kép 9"/>
+          <p:cNvPicPr>
+            <a:picLocks noChangeAspect="1"/>
+          </p:cNvPicPr>
+          <p:nvPr/>
+        </p:nvPicPr>
+        <p:blipFill>
+          <a:blip r:embed="rId5">
+            <a:extLst>
+              <a:ext uri="{28A0092B-C50C-407E-A947-70E740481C1C}">
+                <a14:useLocalDpi xmlns:a14="http://schemas.microsoft.com/office/drawing/2010/main" val="0"/>
+              </a:ext>
+            </a:extLst>
+          </a:blip>
+          <a:stretch>
+            <a:fillRect/>
+          </a:stretch>
+        </p:blipFill>
+        <p:spPr>
+          <a:xfrm>
+            <a:off x="6961489" y="3998528"/>
+            <a:ext cx="3994124" cy="2260505"/>
+          </a:xfrm>
+          <a:prstGeom prst="rect">
+            <a:avLst/>
+          </a:prstGeom>
+        </p:spPr>
+      </p:pic>
     </p:spTree>
     <p:extLst>
       <p:ext uri="{BB962C8B-B14F-4D97-AF65-F5344CB8AC3E}">
@@ -13447,6 +13435,7 @@
           <a:prstGeom prst="rect">
             <a:avLst/>
           </a:prstGeom>
+          <a:noFill/>
           <a:ln>
             <a:solidFill>
               <a:srgbClr val="4472C4"/>
@@ -14090,7 +14079,7 @@
                 <a16:creationId xmlns:a16="http://schemas.microsoft.com/office/drawing/2014/main" id="{0D187C4E-14B9-4504-B200-5127823FA78C}"/>
               </a:ext>
               <a:ext uri="{C183D7F6-B498-43B3-948B-1728B52AA6E4}">
-                <adec:decorative xmlns:adec="http://schemas.microsoft.com/office/drawing/2017/decorative" val="1"/>
+                <adec:decorative xmlns:adec="http://schemas.microsoft.com/office/drawing/2017/decorative" xmlns="" val="1"/>
               </a:ext>
             </a:extLst>
           </p:cNvPr>
@@ -14242,7 +14231,7 @@
                 <a16:creationId xmlns:a16="http://schemas.microsoft.com/office/drawing/2014/main" id="{A4322390-8B58-46BE-88EB-D9FD30C08743}"/>
               </a:ext>
               <a:ext uri="{C183D7F6-B498-43B3-948B-1728B52AA6E4}">
-                <adec:decorative xmlns:adec="http://schemas.microsoft.com/office/drawing/2017/decorative" val="1"/>
+                <adec:decorative xmlns:adec="http://schemas.microsoft.com/office/drawing/2017/decorative" xmlns="" val="1"/>
               </a:ext>
             </a:extLst>
           </p:cNvPr>
@@ -14389,7 +14378,7 @@
                 <a16:creationId xmlns:a16="http://schemas.microsoft.com/office/drawing/2014/main" id="{C885E190-58DD-42DD-A4A8-401E15C92A52}"/>
               </a:ext>
               <a:ext uri="{C183D7F6-B498-43B3-948B-1728B52AA6E4}">
-                <adec:decorative xmlns:adec="http://schemas.microsoft.com/office/drawing/2017/decorative" val="1"/>
+                <adec:decorative xmlns:adec="http://schemas.microsoft.com/office/drawing/2017/decorative" xmlns="" val="1"/>
               </a:ext>
             </a:extLst>
           </p:cNvPr>
@@ -15030,7 +15019,7 @@
                 <a16:creationId xmlns:a16="http://schemas.microsoft.com/office/drawing/2014/main" id="{A4322390-8B58-46BE-88EB-D9FD30C08743}"/>
               </a:ext>
               <a:ext uri="{C183D7F6-B498-43B3-948B-1728B52AA6E4}">
-                <adec:decorative xmlns:adec="http://schemas.microsoft.com/office/drawing/2017/decorative" val="1"/>
+                <adec:decorative xmlns:adec="http://schemas.microsoft.com/office/drawing/2017/decorative" xmlns="" val="1"/>
               </a:ext>
             </a:extLst>
           </p:cNvPr>
@@ -15154,7 +15143,7 @@
                 <a16:creationId xmlns:a16="http://schemas.microsoft.com/office/drawing/2014/main" id="{C885E190-58DD-42DD-A4A8-401E15C92A52}"/>
               </a:ext>
               <a:ext uri="{C183D7F6-B498-43B3-948B-1728B52AA6E4}">
-                <adec:decorative xmlns:adec="http://schemas.microsoft.com/office/drawing/2017/decorative" val="1"/>
+                <adec:decorative xmlns:adec="http://schemas.microsoft.com/office/drawing/2017/decorative" xmlns="" val="1"/>
               </a:ext>
             </a:extLst>
           </p:cNvPr>
@@ -15422,38 +15411,9 @@
         </p:blipFill>
         <p:spPr>
           <a:xfrm>
-            <a:off x="551502" y="1159445"/>
-            <a:ext cx="6590270" cy="3490482"/>
+            <a:off x="551502" y="1447769"/>
+            <a:ext cx="6096000" cy="3202158"/>
           </a:xfrm>
-        </p:spPr>
-      </p:pic>
-      <p:pic>
-        <p:nvPicPr>
-          <p:cNvPr id="3" name="Kép 2" descr="A képen szöveg, képernyőkép, képernyő, szoftver látható&#10;&#10;Lehet, hogy a mesterséges intelligencia által generált tartalom helytelen.">
-            <a:extLst>
-              <a:ext uri="{FF2B5EF4-FFF2-40B4-BE49-F238E27FC236}">
-                <a16:creationId xmlns:a16="http://schemas.microsoft.com/office/drawing/2014/main" id="{01772383-4F33-FDCA-1E42-57AA3BB1B06D}"/>
-              </a:ext>
-            </a:extLst>
-          </p:cNvPr>
-          <p:cNvPicPr>
-            <a:picLocks noChangeAspect="1"/>
-          </p:cNvPicPr>
-          <p:nvPr/>
-        </p:nvPicPr>
-        <p:blipFill>
-          <a:blip r:embed="rId3"/>
-          <a:srcRect t="-764" r="29899" b="56884"/>
-          <a:stretch/>
-        </p:blipFill>
-        <p:spPr>
-          <a:xfrm>
-            <a:off x="3645243" y="4298503"/>
-            <a:ext cx="8546763" cy="2559479"/>
-          </a:xfrm>
-          <a:prstGeom prst="rect">
-            <a:avLst/>
-          </a:prstGeom>
         </p:spPr>
       </p:pic>
     </p:spTree>
@@ -15893,7 +15853,7 @@
                 <a16:creationId xmlns:a16="http://schemas.microsoft.com/office/drawing/2014/main" id="{A4322390-8B58-46BE-88EB-D9FD30C08743}"/>
               </a:ext>
               <a:ext uri="{C183D7F6-B498-43B3-948B-1728B52AA6E4}">
-                <adec:decorative xmlns:adec="http://schemas.microsoft.com/office/drawing/2017/decorative" val="1"/>
+                <adec:decorative xmlns:adec="http://schemas.microsoft.com/office/drawing/2017/decorative" xmlns="" val="1"/>
               </a:ext>
             </a:extLst>
           </p:cNvPr>
@@ -16017,7 +15977,7 @@
                 <a16:creationId xmlns:a16="http://schemas.microsoft.com/office/drawing/2014/main" id="{C885E190-58DD-42DD-A4A8-401E15C92A52}"/>
               </a:ext>
               <a:ext uri="{C183D7F6-B498-43B3-948B-1728B52AA6E4}">
-                <adec:decorative xmlns:adec="http://schemas.microsoft.com/office/drawing/2017/decorative" val="1"/>
+                <adec:decorative xmlns:adec="http://schemas.microsoft.com/office/drawing/2017/decorative" xmlns="" val="1"/>
               </a:ext>
             </a:extLst>
           </p:cNvPr>
@@ -16190,7 +16150,7 @@
                 <a16:creationId xmlns:a16="http://schemas.microsoft.com/office/drawing/2014/main" id="{0D187C4E-14B9-4504-B200-5127823FA78C}"/>
               </a:ext>
               <a:ext uri="{C183D7F6-B498-43B3-948B-1728B52AA6E4}">
-                <adec:decorative xmlns:adec="http://schemas.microsoft.com/office/drawing/2017/decorative" val="1"/>
+                <adec:decorative xmlns:adec="http://schemas.microsoft.com/office/drawing/2017/decorative" xmlns="" val="1"/>
               </a:ext>
             </a:extLst>
           </p:cNvPr>
@@ -16565,7 +16525,7 @@
                 <a16:creationId xmlns:a16="http://schemas.microsoft.com/office/drawing/2014/main" id="{A4322390-8B58-46BE-88EB-D9FD30C08743}"/>
               </a:ext>
               <a:ext uri="{C183D7F6-B498-43B3-948B-1728B52AA6E4}">
-                <adec:decorative xmlns:adec="http://schemas.microsoft.com/office/drawing/2017/decorative" val="1"/>
+                <adec:decorative xmlns:adec="http://schemas.microsoft.com/office/drawing/2017/decorative" xmlns="" val="1"/>
               </a:ext>
             </a:extLst>
           </p:cNvPr>
@@ -16695,7 +16655,7 @@
                 <a16:creationId xmlns:a16="http://schemas.microsoft.com/office/drawing/2014/main" id="{C885E190-58DD-42DD-A4A8-401E15C92A52}"/>
               </a:ext>
               <a:ext uri="{C183D7F6-B498-43B3-948B-1728B52AA6E4}">
-                <adec:decorative xmlns:adec="http://schemas.microsoft.com/office/drawing/2017/decorative" val="1"/>
+                <adec:decorative xmlns:adec="http://schemas.microsoft.com/office/drawing/2017/decorative" xmlns="" val="1"/>
               </a:ext>
             </a:extLst>
           </p:cNvPr>
@@ -17527,7 +17487,7 @@
                 <a16:creationId xmlns:a16="http://schemas.microsoft.com/office/drawing/2014/main" id="{A4322390-8B58-46BE-88EB-D9FD30C08743}"/>
               </a:ext>
               <a:ext uri="{C183D7F6-B498-43B3-948B-1728B52AA6E4}">
-                <adec:decorative xmlns:adec="http://schemas.microsoft.com/office/drawing/2017/decorative" val="1"/>
+                <adec:decorative xmlns:adec="http://schemas.microsoft.com/office/drawing/2017/decorative" xmlns="" val="1"/>
               </a:ext>
             </a:extLst>
           </p:cNvPr>
@@ -17651,7 +17611,7 @@
                 <a16:creationId xmlns:a16="http://schemas.microsoft.com/office/drawing/2014/main" id="{C885E190-58DD-42DD-A4A8-401E15C92A52}"/>
               </a:ext>
               <a:ext uri="{C183D7F6-B498-43B3-948B-1728B52AA6E4}">
-                <adec:decorative xmlns:adec="http://schemas.microsoft.com/office/drawing/2017/decorative" val="1"/>
+                <adec:decorative xmlns:adec="http://schemas.microsoft.com/office/drawing/2017/decorative" xmlns="" val="1"/>
               </a:ext>
             </a:extLst>
           </p:cNvPr>
@@ -17949,7 +17909,7 @@
                 <a16:creationId xmlns:a16="http://schemas.microsoft.com/office/drawing/2014/main" id="{C0F4014E-6BAF-4F6C-B8CE-81A4D8F8801E}"/>
               </a:ext>
               <a:ext uri="{C183D7F6-B498-43B3-948B-1728B52AA6E4}">
-                <adec:decorative xmlns:adec="http://schemas.microsoft.com/office/drawing/2017/decorative" val="1"/>
+                <adec:decorative xmlns:adec="http://schemas.microsoft.com/office/drawing/2017/decorative" xmlns="" val="1"/>
               </a:ext>
             </a:extLst>
           </p:cNvPr>
@@ -17993,7 +17953,7 @@
                 <a16:creationId xmlns:a16="http://schemas.microsoft.com/office/drawing/2014/main" id="{B891C919-1CCE-4DE8-BCB6-6D4A823ABA63}"/>
               </a:ext>
               <a:ext uri="{C183D7F6-B498-43B3-948B-1728B52AA6E4}">
-                <adec:decorative xmlns:adec="http://schemas.microsoft.com/office/drawing/2017/decorative" val="1"/>
+                <adec:decorative xmlns:adec="http://schemas.microsoft.com/office/drawing/2017/decorative" xmlns="" val="1"/>
               </a:ext>
             </a:extLst>
           </p:cNvPr>
@@ -18037,7 +17997,7 @@
                 <a16:creationId xmlns:a16="http://schemas.microsoft.com/office/drawing/2014/main" id="{845D3C1D-A85C-44EE-A21E-2DAAEC79F14E}"/>
               </a:ext>
               <a:ext uri="{C183D7F6-B498-43B3-948B-1728B52AA6E4}">
-                <adec:decorative xmlns:adec="http://schemas.microsoft.com/office/drawing/2017/decorative" val="1"/>
+                <adec:decorative xmlns:adec="http://schemas.microsoft.com/office/drawing/2017/decorative" xmlns="" val="1"/>
               </a:ext>
             </a:extLst>
           </p:cNvPr>
@@ -18117,7 +18077,7 @@
                 <a16:creationId xmlns:a16="http://schemas.microsoft.com/office/drawing/2014/main" id="{1272C03D-FF5F-4787-9923-252D8F950C24}"/>
               </a:ext>
               <a:ext uri="{C183D7F6-B498-43B3-948B-1728B52AA6E4}">
-                <adec:decorative xmlns:adec="http://schemas.microsoft.com/office/drawing/2017/decorative" val="1"/>
+                <adec:decorative xmlns:adec="http://schemas.microsoft.com/office/drawing/2017/decorative" xmlns="" val="1"/>
               </a:ext>
             </a:extLst>
           </p:cNvPr>
@@ -18161,7 +18121,7 @@
                 <a16:creationId xmlns:a16="http://schemas.microsoft.com/office/drawing/2014/main" id="{809E94B5-14C4-4FFC-A641-4DD9C0733BEC}"/>
               </a:ext>
               <a:ext uri="{C183D7F6-B498-43B3-948B-1728B52AA6E4}">
-                <adec:decorative xmlns:adec="http://schemas.microsoft.com/office/drawing/2017/decorative" val="1"/>
+                <adec:decorative xmlns:adec="http://schemas.microsoft.com/office/drawing/2017/decorative" xmlns="" val="1"/>
               </a:ext>
             </a:extLst>
           </p:cNvPr>
@@ -18205,7 +18165,7 @@
                 <a16:creationId xmlns:a16="http://schemas.microsoft.com/office/drawing/2014/main" id="{D987E165-75F1-443C-9A05-ADC511C3375C}"/>
               </a:ext>
               <a:ext uri="{C183D7F6-B498-43B3-948B-1728B52AA6E4}">
-                <adec:decorative xmlns:adec="http://schemas.microsoft.com/office/drawing/2017/decorative" val="1"/>
+                <adec:decorative xmlns:adec="http://schemas.microsoft.com/office/drawing/2017/decorative" xmlns="" val="1"/>
               </a:ext>
             </a:extLst>
           </p:cNvPr>
@@ -18554,7 +18514,7 @@
                 <a16:creationId xmlns:a16="http://schemas.microsoft.com/office/drawing/2014/main" id="{A4322390-8B58-46BE-88EB-D9FD30C08743}"/>
               </a:ext>
               <a:ext uri="{C183D7F6-B498-43B3-948B-1728B52AA6E4}">
-                <adec:decorative xmlns:adec="http://schemas.microsoft.com/office/drawing/2017/decorative" val="1"/>
+                <adec:decorative xmlns:adec="http://schemas.microsoft.com/office/drawing/2017/decorative" xmlns="" val="1"/>
               </a:ext>
             </a:extLst>
           </p:cNvPr>
@@ -18761,7 +18721,7 @@
                 <a16:creationId xmlns:a16="http://schemas.microsoft.com/office/drawing/2014/main" id="{C885E190-58DD-42DD-A4A8-401E15C92A52}"/>
               </a:ext>
               <a:ext uri="{C183D7F6-B498-43B3-948B-1728B52AA6E4}">
-                <adec:decorative xmlns:adec="http://schemas.microsoft.com/office/drawing/2017/decorative" val="1"/>
+                <adec:decorative xmlns:adec="http://schemas.microsoft.com/office/drawing/2017/decorative" xmlns="" val="1"/>
               </a:ext>
             </a:extLst>
           </p:cNvPr>
@@ -18855,7 +18815,7 @@
                 <a16:creationId xmlns:a16="http://schemas.microsoft.com/office/drawing/2014/main" id="{A4322390-8B58-46BE-88EB-D9FD30C08743}"/>
               </a:ext>
               <a:ext uri="{C183D7F6-B498-43B3-948B-1728B52AA6E4}">
-                <adec:decorative xmlns:adec="http://schemas.microsoft.com/office/drawing/2017/decorative" val="1"/>
+                <adec:decorative xmlns:adec="http://schemas.microsoft.com/office/drawing/2017/decorative" xmlns="" val="1"/>
               </a:ext>
             </a:extLst>
           </p:cNvPr>
@@ -18994,7 +18954,7 @@
                 <a16:creationId xmlns:a16="http://schemas.microsoft.com/office/drawing/2014/main" id="{C885E190-58DD-42DD-A4A8-401E15C92A52}"/>
               </a:ext>
               <a:ext uri="{C183D7F6-B498-43B3-948B-1728B52AA6E4}">
-                <adec:decorative xmlns:adec="http://schemas.microsoft.com/office/drawing/2017/decorative" val="1"/>
+                <adec:decorative xmlns:adec="http://schemas.microsoft.com/office/drawing/2017/decorative" xmlns="" val="1"/>
               </a:ext>
             </a:extLst>
           </p:cNvPr>
@@ -19208,7 +19168,7 @@
                 <a16:creationId xmlns:a16="http://schemas.microsoft.com/office/drawing/2014/main" id="{0D187C4E-14B9-4504-B200-5127823FA78C}"/>
               </a:ext>
               <a:ext uri="{C183D7F6-B498-43B3-948B-1728B52AA6E4}">
-                <adec:decorative xmlns:adec="http://schemas.microsoft.com/office/drawing/2017/decorative" val="1"/>
+                <adec:decorative xmlns:adec="http://schemas.microsoft.com/office/drawing/2017/decorative" xmlns="" val="1"/>
               </a:ext>
             </a:extLst>
           </p:cNvPr>
@@ -20786,7 +20746,7 @@
                 <a16:creationId xmlns:a16="http://schemas.microsoft.com/office/drawing/2014/main" id="{C9ECDD5C-152A-4CC7-8333-0F367B3A62EA}"/>
               </a:ext>
               <a:ext uri="{C183D7F6-B498-43B3-948B-1728B52AA6E4}">
-                <adec:decorative xmlns:adec="http://schemas.microsoft.com/office/drawing/2017/decorative" val="1"/>
+                <adec:decorative xmlns:adec="http://schemas.microsoft.com/office/drawing/2017/decorative" xmlns="" val="1"/>
               </a:ext>
             </a:extLst>
           </p:cNvPr>
@@ -20830,7 +20790,7 @@
                 <a16:creationId xmlns:a16="http://schemas.microsoft.com/office/drawing/2014/main" id="{7F5C92A3-369B-43F3-BDCE-E560B1B0EC89}"/>
               </a:ext>
               <a:ext uri="{C183D7F6-B498-43B3-948B-1728B52AA6E4}">
-                <adec:decorative xmlns:adec="http://schemas.microsoft.com/office/drawing/2017/decorative" val="1"/>
+                <adec:decorative xmlns:adec="http://schemas.microsoft.com/office/drawing/2017/decorative" xmlns="" val="1"/>
               </a:ext>
             </a:extLst>
           </p:cNvPr>
@@ -20874,7 +20834,7 @@
                 <a16:creationId xmlns:a16="http://schemas.microsoft.com/office/drawing/2014/main" id="{AEBE9F1A-B38D-446E-83AE-14B17CE77FF2}"/>
               </a:ext>
               <a:ext uri="{C183D7F6-B498-43B3-948B-1728B52AA6E4}">
-                <adec:decorative xmlns:adec="http://schemas.microsoft.com/office/drawing/2017/decorative" val="1"/>
+                <adec:decorative xmlns:adec="http://schemas.microsoft.com/office/drawing/2017/decorative" xmlns="" val="1"/>
               </a:ext>
             </a:extLst>
           </p:cNvPr>
@@ -20954,7 +20914,7 @@
                 <a16:creationId xmlns:a16="http://schemas.microsoft.com/office/drawing/2014/main" id="{915B5014-A7EC-4BA6-9C83-8840CF81DB28}"/>
               </a:ext>
               <a:ext uri="{C183D7F6-B498-43B3-948B-1728B52AA6E4}">
-                <adec:decorative xmlns:adec="http://schemas.microsoft.com/office/drawing/2017/decorative" val="1"/>
+                <adec:decorative xmlns:adec="http://schemas.microsoft.com/office/drawing/2017/decorative" xmlns="" val="1"/>
               </a:ext>
             </a:extLst>
           </p:cNvPr>
@@ -20998,7 +20958,7 @@
                 <a16:creationId xmlns:a16="http://schemas.microsoft.com/office/drawing/2014/main" id="{022C43AB-86D7-420D-8AD7-DC0A15FDD0AF}"/>
               </a:ext>
               <a:ext uri="{C183D7F6-B498-43B3-948B-1728B52AA6E4}">
-                <adec:decorative xmlns:adec="http://schemas.microsoft.com/office/drawing/2017/decorative" val="1"/>
+                <adec:decorative xmlns:adec="http://schemas.microsoft.com/office/drawing/2017/decorative" xmlns="" val="1"/>
               </a:ext>
             </a:extLst>
           </p:cNvPr>
@@ -21042,7 +21002,7 @@
                 <a16:creationId xmlns:a16="http://schemas.microsoft.com/office/drawing/2014/main" id="{5E3EB826-A471-488F-9E8A-D65528A3C0CA}"/>
               </a:ext>
               <a:ext uri="{C183D7F6-B498-43B3-948B-1728B52AA6E4}">
-                <adec:decorative xmlns:adec="http://schemas.microsoft.com/office/drawing/2017/decorative" val="1"/>
+                <adec:decorative xmlns:adec="http://schemas.microsoft.com/office/drawing/2017/decorative" xmlns="" val="1"/>
               </a:ext>
             </a:extLst>
           </p:cNvPr>
@@ -21095,7 +21055,7 @@
                 <a16:creationId xmlns:a16="http://schemas.microsoft.com/office/drawing/2014/main" id="{4309F268-A45B-4517-B03F-2774BAEFFBA6}"/>
               </a:ext>
               <a:ext uri="{C183D7F6-B498-43B3-948B-1728B52AA6E4}">
-                <adec:decorative xmlns:adec="http://schemas.microsoft.com/office/drawing/2017/decorative" val="1"/>
+                <adec:decorative xmlns:adec="http://schemas.microsoft.com/office/drawing/2017/decorative" xmlns="" val="1"/>
               </a:ext>
             </a:extLst>
           </p:cNvPr>
@@ -29273,7 +29233,7 @@
         </p:nvGraphicFramePr>
         <p:xfrm>
           <a:off x="1189404" y="2275703"/>
-          <a:ext cx="9808110" cy="2870772"/>
+          <a:ext cx="9808110" cy="2946273"/>
         </p:xfrm>
         <a:graphic>
           <a:graphicData uri="http://schemas.openxmlformats.org/drawingml/2006/table">

--- a/BorsodNet.pptx
+++ b/BorsodNet.pptx
@@ -31,21 +31,26 @@
     <p:sldId id="292" r:id="rId25"/>
     <p:sldId id="298" r:id="rId26"/>
     <p:sldId id="299" r:id="rId27"/>
-    <p:sldId id="293" r:id="rId28"/>
-    <p:sldId id="275" r:id="rId29"/>
-    <p:sldId id="294" r:id="rId30"/>
-    <p:sldId id="278" r:id="rId31"/>
-    <p:sldId id="279" r:id="rId32"/>
-    <p:sldId id="270" r:id="rId33"/>
-    <p:sldId id="271" r:id="rId34"/>
-    <p:sldId id="276" r:id="rId35"/>
-    <p:sldId id="277" r:id="rId36"/>
-    <p:sldId id="283" r:id="rId37"/>
-    <p:sldId id="295" r:id="rId38"/>
-    <p:sldId id="281" r:id="rId39"/>
-    <p:sldId id="282" r:id="rId40"/>
-    <p:sldId id="296" r:id="rId41"/>
-    <p:sldId id="273" r:id="rId42"/>
+    <p:sldId id="300" r:id="rId28"/>
+    <p:sldId id="304" r:id="rId29"/>
+    <p:sldId id="301" r:id="rId30"/>
+    <p:sldId id="302" r:id="rId31"/>
+    <p:sldId id="303" r:id="rId32"/>
+    <p:sldId id="293" r:id="rId33"/>
+    <p:sldId id="275" r:id="rId34"/>
+    <p:sldId id="294" r:id="rId35"/>
+    <p:sldId id="278" r:id="rId36"/>
+    <p:sldId id="279" r:id="rId37"/>
+    <p:sldId id="270" r:id="rId38"/>
+    <p:sldId id="271" r:id="rId39"/>
+    <p:sldId id="276" r:id="rId40"/>
+    <p:sldId id="277" r:id="rId41"/>
+    <p:sldId id="283" r:id="rId42"/>
+    <p:sldId id="295" r:id="rId43"/>
+    <p:sldId id="281" r:id="rId44"/>
+    <p:sldId id="282" r:id="rId45"/>
+    <p:sldId id="296" r:id="rId46"/>
+    <p:sldId id="273" r:id="rId47"/>
   </p:sldIdLst>
   <p:sldSz cx="12192000" cy="6858000"/>
   <p:notesSz cx="6858000" cy="9144000"/>
@@ -155,6 +160,7 @@
 <file path=ppt/revisionInfo.xml><?xml version="1.0" encoding="utf-8"?>
 <p1510:revInfo xmlns:a="http://schemas.openxmlformats.org/drawingml/2006/main" xmlns:r="http://schemas.openxmlformats.org/officeDocument/2006/relationships" xmlns:p1510="http://schemas.microsoft.com/office/powerpoint/2015/10/main">
   <p1510:revLst>
+    <p1510:client id="{30CA4A85-AF90-295C-8D38-AA50E8AFAF55}" v="234" dt="2025-03-17T11:18:38.149"/>
     <p1510:client id="{C766CDF1-C6F3-F1D1-A60D-8ED6C0F87FF6}" v="557" dt="2025-03-17T09:12:45.245"/>
   </p1510:revLst>
 </p1510:revInfo>
@@ -2220,6 +2226,459 @@
             <pc:docMk/>
             <pc:sldMk cId="2149205326" sldId="285"/>
             <ac:picMk id="5" creationId="{3C7F40E5-0EDB-4515-2BE0-C69035FB3E89}"/>
+          </ac:picMkLst>
+        </pc:picChg>
+      </pc:sldChg>
+    </pc:docChg>
+  </pc:docChgLst>
+  <pc:docChgLst>
+    <pc:chgData name="Kristóf Lajka" userId="5e6963896e59b084" providerId="Windows Live" clId="Web-{30CA4A85-AF90-295C-8D38-AA50E8AFAF55}"/>
+    <pc:docChg chg="addSld modSld">
+      <pc:chgData name="Kristóf Lajka" userId="5e6963896e59b084" providerId="Windows Live" clId="Web-{30CA4A85-AF90-295C-8D38-AA50E8AFAF55}" dt="2025-03-17T11:18:38.149" v="157"/>
+      <pc:docMkLst>
+        <pc:docMk/>
+      </pc:docMkLst>
+      <pc:sldChg chg="modTransition">
+        <pc:chgData name="Kristóf Lajka" userId="5e6963896e59b084" providerId="Windows Live" clId="Web-{30CA4A85-AF90-295C-8D38-AA50E8AFAF55}" dt="2025-03-17T09:50:49.946" v="14"/>
+        <pc:sldMkLst>
+          <pc:docMk/>
+          <pc:sldMk cId="3563977590" sldId="257"/>
+        </pc:sldMkLst>
+      </pc:sldChg>
+      <pc:sldChg chg="modTransition">
+        <pc:chgData name="Kristóf Lajka" userId="5e6963896e59b084" providerId="Windows Live" clId="Web-{30CA4A85-AF90-295C-8D38-AA50E8AFAF55}" dt="2025-03-17T09:51:45.354" v="28"/>
+        <pc:sldMkLst>
+          <pc:docMk/>
+          <pc:sldMk cId="1348046584" sldId="271"/>
+        </pc:sldMkLst>
+      </pc:sldChg>
+      <pc:sldChg chg="modTransition">
+        <pc:chgData name="Kristóf Lajka" userId="5e6963896e59b084" providerId="Windows Live" clId="Web-{30CA4A85-AF90-295C-8D38-AA50E8AFAF55}" dt="2025-03-17T09:51:48.917" v="29"/>
+        <pc:sldMkLst>
+          <pc:docMk/>
+          <pc:sldMk cId="1736369087" sldId="276"/>
+        </pc:sldMkLst>
+      </pc:sldChg>
+      <pc:sldChg chg="modTransition">
+        <pc:chgData name="Kristóf Lajka" userId="5e6963896e59b084" providerId="Windows Live" clId="Web-{30CA4A85-AF90-295C-8D38-AA50E8AFAF55}" dt="2025-03-17T09:51:50.401" v="30"/>
+        <pc:sldMkLst>
+          <pc:docMk/>
+          <pc:sldMk cId="3340070489" sldId="277"/>
+        </pc:sldMkLst>
+      </pc:sldChg>
+      <pc:sldChg chg="modTransition">
+        <pc:chgData name="Kristóf Lajka" userId="5e6963896e59b084" providerId="Windows Live" clId="Web-{30CA4A85-AF90-295C-8D38-AA50E8AFAF55}" dt="2025-03-17T09:51:40.823" v="26"/>
+        <pc:sldMkLst>
+          <pc:docMk/>
+          <pc:sldMk cId="2613492260" sldId="278"/>
+        </pc:sldMkLst>
+      </pc:sldChg>
+      <pc:sldChg chg="modTransition">
+        <pc:chgData name="Kristóf Lajka" userId="5e6963896e59b084" providerId="Windows Live" clId="Web-{30CA4A85-AF90-295C-8D38-AA50E8AFAF55}" dt="2025-03-17T09:51:42.041" v="27"/>
+        <pc:sldMkLst>
+          <pc:docMk/>
+          <pc:sldMk cId="1854645978" sldId="279"/>
+        </pc:sldMkLst>
+      </pc:sldChg>
+      <pc:sldChg chg="modTransition">
+        <pc:chgData name="Kristóf Lajka" userId="5e6963896e59b084" providerId="Windows Live" clId="Web-{30CA4A85-AF90-295C-8D38-AA50E8AFAF55}" dt="2025-03-17T09:51:58.214" v="33"/>
+        <pc:sldMkLst>
+          <pc:docMk/>
+          <pc:sldMk cId="40947718" sldId="281"/>
+        </pc:sldMkLst>
+      </pc:sldChg>
+      <pc:sldChg chg="modTransition">
+        <pc:chgData name="Kristóf Lajka" userId="5e6963896e59b084" providerId="Windows Live" clId="Web-{30CA4A85-AF90-295C-8D38-AA50E8AFAF55}" dt="2025-03-17T09:52:00.058" v="34"/>
+        <pc:sldMkLst>
+          <pc:docMk/>
+          <pc:sldMk cId="2131282740" sldId="282"/>
+        </pc:sldMkLst>
+      </pc:sldChg>
+      <pc:sldChg chg="modTransition">
+        <pc:chgData name="Kristóf Lajka" userId="5e6963896e59b084" providerId="Windows Live" clId="Web-{30CA4A85-AF90-295C-8D38-AA50E8AFAF55}" dt="2025-03-17T09:51:52.089" v="31"/>
+        <pc:sldMkLst>
+          <pc:docMk/>
+          <pc:sldMk cId="3618638592" sldId="283"/>
+        </pc:sldMkLst>
+      </pc:sldChg>
+      <pc:sldChg chg="modTransition">
+        <pc:chgData name="Kristóf Lajka" userId="5e6963896e59b084" providerId="Windows Live" clId="Web-{30CA4A85-AF90-295C-8D38-AA50E8AFAF55}" dt="2025-03-17T09:50:52.931" v="15"/>
+        <pc:sldMkLst>
+          <pc:docMk/>
+          <pc:sldMk cId="1766356483" sldId="284"/>
+        </pc:sldMkLst>
+      </pc:sldChg>
+      <pc:sldChg chg="modTransition">
+        <pc:chgData name="Kristóf Lajka" userId="5e6963896e59b084" providerId="Windows Live" clId="Web-{30CA4A85-AF90-295C-8D38-AA50E8AFAF55}" dt="2025-03-17T09:50:58.306" v="16"/>
+        <pc:sldMkLst>
+          <pc:docMk/>
+          <pc:sldMk cId="1225385382" sldId="286"/>
+        </pc:sldMkLst>
+      </pc:sldChg>
+      <pc:sldChg chg="modSp">
+        <pc:chgData name="Kristóf Lajka" userId="5e6963896e59b084" providerId="Windows Live" clId="Web-{30CA4A85-AF90-295C-8D38-AA50E8AFAF55}" dt="2025-03-17T09:50:34.336" v="13" actId="20577"/>
+        <pc:sldMkLst>
+          <pc:docMk/>
+          <pc:sldMk cId="1275827467" sldId="287"/>
+        </pc:sldMkLst>
+        <pc:spChg chg="mod">
+          <ac:chgData name="Kristóf Lajka" userId="5e6963896e59b084" providerId="Windows Live" clId="Web-{30CA4A85-AF90-295C-8D38-AA50E8AFAF55}" dt="2025-03-17T09:50:34.336" v="13" actId="20577"/>
+          <ac:spMkLst>
+            <pc:docMk/>
+            <pc:sldMk cId="1275827467" sldId="287"/>
+            <ac:spMk id="3" creationId="{00000000-0000-0000-0000-000000000000}"/>
+          </ac:spMkLst>
+        </pc:spChg>
+      </pc:sldChg>
+      <pc:sldChg chg="modTransition">
+        <pc:chgData name="Kristóf Lajka" userId="5e6963896e59b084" providerId="Windows Live" clId="Web-{30CA4A85-AF90-295C-8D38-AA50E8AFAF55}" dt="2025-03-17T09:51:11.228" v="18"/>
+        <pc:sldMkLst>
+          <pc:docMk/>
+          <pc:sldMk cId="1114361946" sldId="288"/>
+        </pc:sldMkLst>
+      </pc:sldChg>
+      <pc:sldChg chg="modTransition">
+        <pc:chgData name="Kristóf Lajka" userId="5e6963896e59b084" providerId="Windows Live" clId="Web-{30CA4A85-AF90-295C-8D38-AA50E8AFAF55}" dt="2025-03-17T09:51:17.369" v="19"/>
+        <pc:sldMkLst>
+          <pc:docMk/>
+          <pc:sldMk cId="1409875053" sldId="290"/>
+        </pc:sldMkLst>
+      </pc:sldChg>
+      <pc:sldChg chg="modTransition">
+        <pc:chgData name="Kristóf Lajka" userId="5e6963896e59b084" providerId="Windows Live" clId="Web-{30CA4A85-AF90-295C-8D38-AA50E8AFAF55}" dt="2025-03-17T09:51:23.025" v="20"/>
+        <pc:sldMkLst>
+          <pc:docMk/>
+          <pc:sldMk cId="399709971" sldId="291"/>
+        </pc:sldMkLst>
+      </pc:sldChg>
+      <pc:sldChg chg="modTransition">
+        <pc:chgData name="Kristóf Lajka" userId="5e6963896e59b084" providerId="Windows Live" clId="Web-{30CA4A85-AF90-295C-8D38-AA50E8AFAF55}" dt="2025-03-17T09:51:32.822" v="21"/>
+        <pc:sldMkLst>
+          <pc:docMk/>
+          <pc:sldMk cId="1670723877" sldId="292"/>
+        </pc:sldMkLst>
+      </pc:sldChg>
+      <pc:sldChg chg="modTransition">
+        <pc:chgData name="Kristóf Lajka" userId="5e6963896e59b084" providerId="Windows Live" clId="Web-{30CA4A85-AF90-295C-8D38-AA50E8AFAF55}" dt="2025-03-17T09:51:32.822" v="24"/>
+        <pc:sldMkLst>
+          <pc:docMk/>
+          <pc:sldMk cId="1771298315" sldId="293"/>
+        </pc:sldMkLst>
+      </pc:sldChg>
+      <pc:sldChg chg="modTransition">
+        <pc:chgData name="Kristóf Lajka" userId="5e6963896e59b084" providerId="Windows Live" clId="Web-{30CA4A85-AF90-295C-8D38-AA50E8AFAF55}" dt="2025-03-17T09:51:38.041" v="25"/>
+        <pc:sldMkLst>
+          <pc:docMk/>
+          <pc:sldMk cId="631175832" sldId="294"/>
+        </pc:sldMkLst>
+      </pc:sldChg>
+      <pc:sldChg chg="modTransition">
+        <pc:chgData name="Kristóf Lajka" userId="5e6963896e59b084" providerId="Windows Live" clId="Web-{30CA4A85-AF90-295C-8D38-AA50E8AFAF55}" dt="2025-03-17T09:51:56.432" v="32"/>
+        <pc:sldMkLst>
+          <pc:docMk/>
+          <pc:sldMk cId="1179111677" sldId="295"/>
+        </pc:sldMkLst>
+      </pc:sldChg>
+      <pc:sldChg chg="modTransition">
+        <pc:chgData name="Kristóf Lajka" userId="5e6963896e59b084" providerId="Windows Live" clId="Web-{30CA4A85-AF90-295C-8D38-AA50E8AFAF55}" dt="2025-03-17T09:52:01.714" v="35"/>
+        <pc:sldMkLst>
+          <pc:docMk/>
+          <pc:sldMk cId="2444904799" sldId="296"/>
+        </pc:sldMkLst>
+      </pc:sldChg>
+      <pc:sldChg chg="modTransition">
+        <pc:chgData name="Kristóf Lajka" userId="5e6963896e59b084" providerId="Windows Live" clId="Web-{30CA4A85-AF90-295C-8D38-AA50E8AFAF55}" dt="2025-03-17T09:51:00.853" v="17"/>
+        <pc:sldMkLst>
+          <pc:docMk/>
+          <pc:sldMk cId="3547147334" sldId="297"/>
+        </pc:sldMkLst>
+      </pc:sldChg>
+      <pc:sldChg chg="modTransition">
+        <pc:chgData name="Kristóf Lajka" userId="5e6963896e59b084" providerId="Windows Live" clId="Web-{30CA4A85-AF90-295C-8D38-AA50E8AFAF55}" dt="2025-03-17T09:51:32.822" v="22"/>
+        <pc:sldMkLst>
+          <pc:docMk/>
+          <pc:sldMk cId="3680533596" sldId="298"/>
+        </pc:sldMkLst>
+      </pc:sldChg>
+      <pc:sldChg chg="modTransition">
+        <pc:chgData name="Kristóf Lajka" userId="5e6963896e59b084" providerId="Windows Live" clId="Web-{30CA4A85-AF90-295C-8D38-AA50E8AFAF55}" dt="2025-03-17T09:51:32.822" v="23"/>
+        <pc:sldMkLst>
+          <pc:docMk/>
+          <pc:sldMk cId="3242572730" sldId="299"/>
+        </pc:sldMkLst>
+      </pc:sldChg>
+      <pc:sldChg chg="addSp delSp modSp new">
+        <pc:chgData name="Kristóf Lajka" userId="5e6963896e59b084" providerId="Windows Live" clId="Web-{30CA4A85-AF90-295C-8D38-AA50E8AFAF55}" dt="2025-03-17T11:15:07.172" v="48" actId="14100"/>
+        <pc:sldMkLst>
+          <pc:docMk/>
+          <pc:sldMk cId="646458672" sldId="300"/>
+        </pc:sldMkLst>
+        <pc:spChg chg="mod">
+          <ac:chgData name="Kristóf Lajka" userId="5e6963896e59b084" providerId="Windows Live" clId="Web-{30CA4A85-AF90-295C-8D38-AA50E8AFAF55}" dt="2025-03-17T11:14:57.812" v="45" actId="20577"/>
+          <ac:spMkLst>
+            <pc:docMk/>
+            <pc:sldMk cId="646458672" sldId="300"/>
+            <ac:spMk id="2" creationId="{05EBEA55-5E68-82F7-BC5E-861FD3E6B752}"/>
+          </ac:spMkLst>
+        </pc:spChg>
+        <pc:spChg chg="del">
+          <ac:chgData name="Kristóf Lajka" userId="5e6963896e59b084" providerId="Windows Live" clId="Web-{30CA4A85-AF90-295C-8D38-AA50E8AFAF55}" dt="2025-03-17T11:15:04.796" v="46"/>
+          <ac:spMkLst>
+            <pc:docMk/>
+            <pc:sldMk cId="646458672" sldId="300"/>
+            <ac:spMk id="3" creationId="{6915126B-6A76-5626-4C04-222104A5786D}"/>
+          </ac:spMkLst>
+        </pc:spChg>
+        <pc:picChg chg="add mod ord">
+          <ac:chgData name="Kristóf Lajka" userId="5e6963896e59b084" providerId="Windows Live" clId="Web-{30CA4A85-AF90-295C-8D38-AA50E8AFAF55}" dt="2025-03-17T11:15:07.172" v="48" actId="14100"/>
+          <ac:picMkLst>
+            <pc:docMk/>
+            <pc:sldMk cId="646458672" sldId="300"/>
+            <ac:picMk id="4" creationId="{F613AFF1-387C-C9FD-9106-F906591854FA}"/>
+          </ac:picMkLst>
+        </pc:picChg>
+      </pc:sldChg>
+      <pc:sldChg chg="addSp delSp modSp new modTransition">
+        <pc:chgData name="Kristóf Lajka" userId="5e6963896e59b084" providerId="Windows Live" clId="Web-{30CA4A85-AF90-295C-8D38-AA50E8AFAF55}" dt="2025-03-17T11:18:15.383" v="143"/>
+        <pc:sldMkLst>
+          <pc:docMk/>
+          <pc:sldMk cId="1260473115" sldId="301"/>
+        </pc:sldMkLst>
+        <pc:spChg chg="mod">
+          <ac:chgData name="Kristóf Lajka" userId="5e6963896e59b084" providerId="Windows Live" clId="Web-{30CA4A85-AF90-295C-8D38-AA50E8AFAF55}" dt="2025-03-17T11:16:34.738" v="84" actId="20577"/>
+          <ac:spMkLst>
+            <pc:docMk/>
+            <pc:sldMk cId="1260473115" sldId="301"/>
+            <ac:spMk id="2" creationId="{4B7F9768-831C-0086-7741-FA19FDE64158}"/>
+          </ac:spMkLst>
+        </pc:spChg>
+        <pc:spChg chg="del">
+          <ac:chgData name="Kristóf Lajka" userId="5e6963896e59b084" providerId="Windows Live" clId="Web-{30CA4A85-AF90-295C-8D38-AA50E8AFAF55}" dt="2025-03-17T11:15:23.094" v="54"/>
+          <ac:spMkLst>
+            <pc:docMk/>
+            <pc:sldMk cId="1260473115" sldId="301"/>
+            <ac:spMk id="3" creationId="{C1AD4969-D370-8495-670D-2CED64CC153A}"/>
+          </ac:spMkLst>
+        </pc:spChg>
+        <pc:spChg chg="add mod">
+          <ac:chgData name="Kristóf Lajka" userId="5e6963896e59b084" providerId="Windows Live" clId="Web-{30CA4A85-AF90-295C-8D38-AA50E8AFAF55}" dt="2025-03-17T11:16:16.331" v="72" actId="20577"/>
+          <ac:spMkLst>
+            <pc:docMk/>
+            <pc:sldMk cId="1260473115" sldId="301"/>
+            <ac:spMk id="7" creationId="{B9DEE180-DA01-68CE-F76B-FF7128C0853C}"/>
+          </ac:spMkLst>
+        </pc:spChg>
+        <pc:spChg chg="add mod">
+          <ac:chgData name="Kristóf Lajka" userId="5e6963896e59b084" providerId="Windows Live" clId="Web-{30CA4A85-AF90-295C-8D38-AA50E8AFAF55}" dt="2025-03-17T11:16:12.893" v="71" actId="20577"/>
+          <ac:spMkLst>
+            <pc:docMk/>
+            <pc:sldMk cId="1260473115" sldId="301"/>
+            <ac:spMk id="8" creationId="{0EF847A0-0D6B-CA89-792D-041A1CCFE32E}"/>
+          </ac:spMkLst>
+        </pc:spChg>
+        <pc:spChg chg="add mod">
+          <ac:chgData name="Kristóf Lajka" userId="5e6963896e59b084" providerId="Windows Live" clId="Web-{30CA4A85-AF90-295C-8D38-AA50E8AFAF55}" dt="2025-03-17T11:16:25.050" v="78" actId="20577"/>
+          <ac:spMkLst>
+            <pc:docMk/>
+            <pc:sldMk cId="1260473115" sldId="301"/>
+            <ac:spMk id="9" creationId="{F3280EE3-64CD-E89B-DC4D-3A45978DF291}"/>
+          </ac:spMkLst>
+        </pc:spChg>
+        <pc:picChg chg="add mod ord">
+          <ac:chgData name="Kristóf Lajka" userId="5e6963896e59b084" providerId="Windows Live" clId="Web-{30CA4A85-AF90-295C-8D38-AA50E8AFAF55}" dt="2025-03-17T11:15:37.188" v="58" actId="1076"/>
+          <ac:picMkLst>
+            <pc:docMk/>
+            <pc:sldMk cId="1260473115" sldId="301"/>
+            <ac:picMk id="4" creationId="{065874D2-F5E8-62A0-763E-4109F550B9FD}"/>
+          </ac:picMkLst>
+        </pc:picChg>
+        <pc:picChg chg="add mod">
+          <ac:chgData name="Kristóf Lajka" userId="5e6963896e59b084" providerId="Windows Live" clId="Web-{30CA4A85-AF90-295C-8D38-AA50E8AFAF55}" dt="2025-03-17T11:15:55.892" v="64" actId="1076"/>
+          <ac:picMkLst>
+            <pc:docMk/>
+            <pc:sldMk cId="1260473115" sldId="301"/>
+            <ac:picMk id="5" creationId="{770113D1-5545-250D-6CFA-1FC7E7A4FB7F}"/>
+          </ac:picMkLst>
+        </pc:picChg>
+        <pc:picChg chg="add mod">
+          <ac:chgData name="Kristóf Lajka" userId="5e6963896e59b084" providerId="Windows Live" clId="Web-{30CA4A85-AF90-295C-8D38-AA50E8AFAF55}" dt="2025-03-17T11:15:54.783" v="63" actId="1076"/>
+          <ac:picMkLst>
+            <pc:docMk/>
+            <pc:sldMk cId="1260473115" sldId="301"/>
+            <ac:picMk id="6" creationId="{795E6BDA-3CDD-952B-9236-FE1C5F466DC0}"/>
+          </ac:picMkLst>
+        </pc:picChg>
+      </pc:sldChg>
+      <pc:sldChg chg="addSp delSp modSp new modTransition">
+        <pc:chgData name="Kristóf Lajka" userId="5e6963896e59b084" providerId="Windows Live" clId="Web-{30CA4A85-AF90-295C-8D38-AA50E8AFAF55}" dt="2025-03-17T11:18:15.385" v="144"/>
+        <pc:sldMkLst>
+          <pc:docMk/>
+          <pc:sldMk cId="3636358127" sldId="302"/>
+        </pc:sldMkLst>
+        <pc:spChg chg="mod">
+          <ac:chgData name="Kristóf Lajka" userId="5e6963896e59b084" providerId="Windows Live" clId="Web-{30CA4A85-AF90-295C-8D38-AA50E8AFAF55}" dt="2025-03-17T11:16:42.785" v="87" actId="20577"/>
+          <ac:spMkLst>
+            <pc:docMk/>
+            <pc:sldMk cId="3636358127" sldId="302"/>
+            <ac:spMk id="2" creationId="{0F631DC6-0E4B-FA99-330C-F5F543E7F04B}"/>
+          </ac:spMkLst>
+        </pc:spChg>
+        <pc:spChg chg="del">
+          <ac:chgData name="Kristóf Lajka" userId="5e6963896e59b084" providerId="Windows Live" clId="Web-{30CA4A85-AF90-295C-8D38-AA50E8AFAF55}" dt="2025-03-17T11:16:48.363" v="88"/>
+          <ac:spMkLst>
+            <pc:docMk/>
+            <pc:sldMk cId="3636358127" sldId="302"/>
+            <ac:spMk id="3" creationId="{CF419E6B-B0DA-38D9-50E6-9437442F0CB7}"/>
+          </ac:spMkLst>
+        </pc:spChg>
+        <pc:spChg chg="add mod">
+          <ac:chgData name="Kristóf Lajka" userId="5e6963896e59b084" providerId="Windows Live" clId="Web-{30CA4A85-AF90-295C-8D38-AA50E8AFAF55}" dt="2025-03-17T11:17:11.052" v="99" actId="20577"/>
+          <ac:spMkLst>
+            <pc:docMk/>
+            <pc:sldMk cId="3636358127" sldId="302"/>
+            <ac:spMk id="7" creationId="{03E14FF4-FF64-AD82-0D34-908145D9094C}"/>
+          </ac:spMkLst>
+        </pc:spChg>
+        <pc:spChg chg="add mod">
+          <ac:chgData name="Kristóf Lajka" userId="5e6963896e59b084" providerId="Windows Live" clId="Web-{30CA4A85-AF90-295C-8D38-AA50E8AFAF55}" dt="2025-03-17T11:17:16.130" v="101" actId="20577"/>
+          <ac:spMkLst>
+            <pc:docMk/>
+            <pc:sldMk cId="3636358127" sldId="302"/>
+            <ac:spMk id="8" creationId="{4271DA5C-D9AD-561A-EC57-9F8AA88636DA}"/>
+          </ac:spMkLst>
+        </pc:spChg>
+        <pc:spChg chg="add mod">
+          <ac:chgData name="Kristóf Lajka" userId="5e6963896e59b084" providerId="Windows Live" clId="Web-{30CA4A85-AF90-295C-8D38-AA50E8AFAF55}" dt="2025-03-17T11:17:22.818" v="108" actId="20577"/>
+          <ac:spMkLst>
+            <pc:docMk/>
+            <pc:sldMk cId="3636358127" sldId="302"/>
+            <ac:spMk id="9" creationId="{3BC6AF00-C13C-6227-1F1A-654E1A8F6CF0}"/>
+          </ac:spMkLst>
+        </pc:spChg>
+        <pc:picChg chg="add mod ord">
+          <ac:chgData name="Kristóf Lajka" userId="5e6963896e59b084" providerId="Windows Live" clId="Web-{30CA4A85-AF90-295C-8D38-AA50E8AFAF55}" dt="2025-03-17T11:16:49.629" v="89" actId="1076"/>
+          <ac:picMkLst>
+            <pc:docMk/>
+            <pc:sldMk cId="3636358127" sldId="302"/>
+            <ac:picMk id="4" creationId="{A7269CE5-1A41-3345-4C95-C6E1ECB67A93}"/>
+          </ac:picMkLst>
+        </pc:picChg>
+        <pc:picChg chg="add mod">
+          <ac:chgData name="Kristóf Lajka" userId="5e6963896e59b084" providerId="Windows Live" clId="Web-{30CA4A85-AF90-295C-8D38-AA50E8AFAF55}" dt="2025-03-17T11:17:05.255" v="94" actId="1076"/>
+          <ac:picMkLst>
+            <pc:docMk/>
+            <pc:sldMk cId="3636358127" sldId="302"/>
+            <ac:picMk id="5" creationId="{183D7962-4452-48BE-03D7-A085AE066DD3}"/>
+          </ac:picMkLst>
+        </pc:picChg>
+        <pc:picChg chg="add mod">
+          <ac:chgData name="Kristóf Lajka" userId="5e6963896e59b084" providerId="Windows Live" clId="Web-{30CA4A85-AF90-295C-8D38-AA50E8AFAF55}" dt="2025-03-17T11:17:06.427" v="95" actId="1076"/>
+          <ac:picMkLst>
+            <pc:docMk/>
+            <pc:sldMk cId="3636358127" sldId="302"/>
+            <ac:picMk id="6" creationId="{6A59D32F-AD7C-56C3-3AAF-E07C790EC2E4}"/>
+          </ac:picMkLst>
+        </pc:picChg>
+      </pc:sldChg>
+      <pc:sldChg chg="addSp delSp modSp new modTransition">
+        <pc:chgData name="Kristóf Lajka" userId="5e6963896e59b084" providerId="Windows Live" clId="Web-{30CA4A85-AF90-295C-8D38-AA50E8AFAF55}" dt="2025-03-17T11:18:38.149" v="157"/>
+        <pc:sldMkLst>
+          <pc:docMk/>
+          <pc:sldMk cId="4035044263" sldId="303"/>
+        </pc:sldMkLst>
+        <pc:spChg chg="mod">
+          <ac:chgData name="Kristóf Lajka" userId="5e6963896e59b084" providerId="Windows Live" clId="Web-{30CA4A85-AF90-295C-8D38-AA50E8AFAF55}" dt="2025-03-17T11:17:32.522" v="115" actId="20577"/>
+          <ac:spMkLst>
+            <pc:docMk/>
+            <pc:sldMk cId="4035044263" sldId="303"/>
+            <ac:spMk id="2" creationId="{84CC8910-049A-C42E-5C12-6E4A607921B0}"/>
+          </ac:spMkLst>
+        </pc:spChg>
+        <pc:spChg chg="del">
+          <ac:chgData name="Kristóf Lajka" userId="5e6963896e59b084" providerId="Windows Live" clId="Web-{30CA4A85-AF90-295C-8D38-AA50E8AFAF55}" dt="2025-03-17T11:17:37.240" v="116"/>
+          <ac:spMkLst>
+            <pc:docMk/>
+            <pc:sldMk cId="4035044263" sldId="303"/>
+            <ac:spMk id="3" creationId="{26C8F82C-6548-FCF5-F354-CD4BBEB62523}"/>
+          </ac:spMkLst>
+        </pc:spChg>
+        <pc:spChg chg="add mod">
+          <ac:chgData name="Kristóf Lajka" userId="5e6963896e59b084" providerId="Windows Live" clId="Web-{30CA4A85-AF90-295C-8D38-AA50E8AFAF55}" dt="2025-03-17T11:17:59.773" v="124" actId="20577"/>
+          <ac:spMkLst>
+            <pc:docMk/>
+            <pc:sldMk cId="4035044263" sldId="303"/>
+            <ac:spMk id="7" creationId="{EE5699E1-6BBE-697A-EDD2-EB1C366FD34F}"/>
+          </ac:spMkLst>
+        </pc:spChg>
+        <pc:spChg chg="add mod">
+          <ac:chgData name="Kristóf Lajka" userId="5e6963896e59b084" providerId="Windows Live" clId="Web-{30CA4A85-AF90-295C-8D38-AA50E8AFAF55}" dt="2025-03-17T11:18:04.132" v="133" actId="20577"/>
+          <ac:spMkLst>
+            <pc:docMk/>
+            <pc:sldMk cId="4035044263" sldId="303"/>
+            <ac:spMk id="8" creationId="{EA5F9113-0F11-BCED-381C-17E2C9D520B7}"/>
+          </ac:spMkLst>
+        </pc:spChg>
+        <pc:spChg chg="add mod">
+          <ac:chgData name="Kristóf Lajka" userId="5e6963896e59b084" providerId="Windows Live" clId="Web-{30CA4A85-AF90-295C-8D38-AA50E8AFAF55}" dt="2025-03-17T11:18:10.273" v="142" actId="20577"/>
+          <ac:spMkLst>
+            <pc:docMk/>
+            <pc:sldMk cId="4035044263" sldId="303"/>
+            <ac:spMk id="9" creationId="{193F5678-5677-5565-3E9E-47176FD7FA33}"/>
+          </ac:spMkLst>
+        </pc:spChg>
+        <pc:picChg chg="add mod ord">
+          <ac:chgData name="Kristóf Lajka" userId="5e6963896e59b084" providerId="Windows Live" clId="Web-{30CA4A85-AF90-295C-8D38-AA50E8AFAF55}" dt="2025-03-17T11:17:38.475" v="117" actId="1076"/>
+          <ac:picMkLst>
+            <pc:docMk/>
+            <pc:sldMk cId="4035044263" sldId="303"/>
+            <ac:picMk id="4" creationId="{4A34CF7E-B170-6396-5649-5284C2779E47}"/>
+          </ac:picMkLst>
+        </pc:picChg>
+        <pc:picChg chg="add mod">
+          <ac:chgData name="Kristóf Lajka" userId="5e6963896e59b084" providerId="Windows Live" clId="Web-{30CA4A85-AF90-295C-8D38-AA50E8AFAF55}" dt="2025-03-17T11:17:47.413" v="119" actId="1076"/>
+          <ac:picMkLst>
+            <pc:docMk/>
+            <pc:sldMk cId="4035044263" sldId="303"/>
+            <ac:picMk id="5" creationId="{3CDC008D-85F5-EED9-9186-CD39D99B8E6D}"/>
+          </ac:picMkLst>
+        </pc:picChg>
+        <pc:picChg chg="add mod">
+          <ac:chgData name="Kristóf Lajka" userId="5e6963896e59b084" providerId="Windows Live" clId="Web-{30CA4A85-AF90-295C-8D38-AA50E8AFAF55}" dt="2025-03-17T11:17:54.897" v="121" actId="1076"/>
+          <ac:picMkLst>
+            <pc:docMk/>
+            <pc:sldMk cId="4035044263" sldId="303"/>
+            <ac:picMk id="6" creationId="{B49B1F91-1E15-0523-9889-FF31B7D0FBEA}"/>
+          </ac:picMkLst>
+        </pc:picChg>
+      </pc:sldChg>
+      <pc:sldChg chg="addSp delSp modSp new modTransition">
+        <pc:chgData name="Kristóf Lajka" userId="5e6963896e59b084" providerId="Windows Live" clId="Web-{30CA4A85-AF90-295C-8D38-AA50E8AFAF55}" dt="2025-03-17T11:18:38.149" v="156"/>
+        <pc:sldMkLst>
+          <pc:docMk/>
+          <pc:sldMk cId="536775721" sldId="304"/>
+        </pc:sldMkLst>
+        <pc:spChg chg="mod">
+          <ac:chgData name="Kristóf Lajka" userId="5e6963896e59b084" providerId="Windows Live" clId="Web-{30CA4A85-AF90-295C-8D38-AA50E8AFAF55}" dt="2025-03-17T11:18:25.305" v="153" actId="20577"/>
+          <ac:spMkLst>
+            <pc:docMk/>
+            <pc:sldMk cId="536775721" sldId="304"/>
+            <ac:spMk id="2" creationId="{D7DD1DDD-89E4-CC60-5C8C-DD09AEE0EA0F}"/>
+          </ac:spMkLst>
+        </pc:spChg>
+        <pc:spChg chg="del">
+          <ac:chgData name="Kristóf Lajka" userId="5e6963896e59b084" providerId="Windows Live" clId="Web-{30CA4A85-AF90-295C-8D38-AA50E8AFAF55}" dt="2025-03-17T11:18:29.321" v="154"/>
+          <ac:spMkLst>
+            <pc:docMk/>
+            <pc:sldMk cId="536775721" sldId="304"/>
+            <ac:spMk id="3" creationId="{678CC154-C50F-D479-F2F7-5B78C7A68A5A}"/>
+          </ac:spMkLst>
+        </pc:spChg>
+        <pc:picChg chg="add mod ord">
+          <ac:chgData name="Kristóf Lajka" userId="5e6963896e59b084" providerId="Windows Live" clId="Web-{30CA4A85-AF90-295C-8D38-AA50E8AFAF55}" dt="2025-03-17T11:18:30.336" v="155" actId="1076"/>
+          <ac:picMkLst>
+            <pc:docMk/>
+            <pc:sldMk cId="536775721" sldId="304"/>
+            <ac:picMk id="4" creationId="{E4F0D4A2-12E0-8C7F-C598-CF5BB043676D}"/>
           </ac:picMkLst>
         </pc:picChg>
       </pc:sldChg>
@@ -11128,6 +11587,18 @@
   <p:clrMapOvr>
     <a:masterClrMapping/>
   </p:clrMapOvr>
+  <mc:AlternateContent xmlns:mc="http://schemas.openxmlformats.org/markup-compatibility/2006" xmlns:p14="http://schemas.microsoft.com/office/powerpoint/2010/main">
+    <mc:Choice Requires="p14">
+      <p:transition spd="med" p14:dur="700">
+        <p:fade/>
+      </p:transition>
+    </mc:Choice>
+    <mc:Fallback xmlns="">
+      <p:transition spd="med">
+        <p:fade/>
+      </p:transition>
+    </mc:Fallback>
+  </mc:AlternateContent>
 </p:sld>
 </file>
 
@@ -11233,6 +11704,18 @@
   <p:clrMapOvr>
     <a:masterClrMapping/>
   </p:clrMapOvr>
+  <mc:AlternateContent xmlns:mc="http://schemas.openxmlformats.org/markup-compatibility/2006" xmlns:p14="http://schemas.microsoft.com/office/powerpoint/2010/main">
+    <mc:Choice Requires="p14">
+      <p:transition spd="med" p14:dur="700">
+        <p:fade/>
+      </p:transition>
+    </mc:Choice>
+    <mc:Fallback xmlns="">
+      <p:transition spd="med">
+        <p:fade/>
+      </p:transition>
+    </mc:Fallback>
+  </mc:AlternateContent>
 </p:sld>
 </file>
 
@@ -12771,13 +13254,8 @@
           <a:p>
             <a:r>
               <a:rPr lang="hu-HU" dirty="0"/>
-              <a:t>AssemblySW1 </a:t>
+              <a:t>AssemblySW1 G1/0/5</a:t>
             </a:r>
-            <a:r>
-              <a:rPr lang="hu-HU" dirty="0" smtClean="0"/>
-              <a:t>G1/0/5</a:t>
-            </a:r>
-            <a:endParaRPr lang="hu-HU" dirty="0"/>
           </a:p>
         </p:txBody>
       </p:sp>
@@ -12814,13 +13292,8 @@
           <a:p>
             <a:r>
               <a:rPr lang="hu-HU" dirty="0"/>
-              <a:t>AssemblySW1 </a:t>
+              <a:t>AssemblySW1 G1/0/10</a:t>
             </a:r>
-            <a:r>
-              <a:rPr lang="hu-HU" dirty="0" smtClean="0"/>
-              <a:t>G1/0/10</a:t>
-            </a:r>
-            <a:endParaRPr lang="hu-HU" dirty="0"/>
           </a:p>
         </p:txBody>
       </p:sp>
@@ -12857,13 +13330,8 @@
           <a:p>
             <a:r>
               <a:rPr lang="hu-HU" dirty="0"/>
-              <a:t>AssemblySW2 </a:t>
+              <a:t>AssemblySW2 G1/0/5</a:t>
             </a:r>
-            <a:r>
-              <a:rPr lang="hu-HU" dirty="0" smtClean="0"/>
-              <a:t>G1/0/5</a:t>
-            </a:r>
-            <a:endParaRPr lang="hu-HU" dirty="0"/>
           </a:p>
         </p:txBody>
       </p:sp>
@@ -12900,13 +13368,8 @@
           <a:p>
             <a:r>
               <a:rPr lang="hu-HU" dirty="0"/>
-              <a:t>AssemblySW2 </a:t>
+              <a:t>AssemblySW2 G1/0/10</a:t>
             </a:r>
-            <a:r>
-              <a:rPr lang="hu-HU" dirty="0" smtClean="0"/>
-              <a:t>G1/0/10</a:t>
-            </a:r>
-            <a:endParaRPr lang="hu-HU" dirty="0"/>
           </a:p>
         </p:txBody>
       </p:sp>
@@ -13674,6 +14137,18 @@
   <p:clrMapOvr>
     <a:masterClrMapping/>
   </p:clrMapOvr>
+  <mc:AlternateContent xmlns:mc="http://schemas.openxmlformats.org/markup-compatibility/2006" xmlns:p14="http://schemas.microsoft.com/office/powerpoint/2010/main">
+    <mc:Choice Requires="p14">
+      <p:transition spd="med" p14:dur="700">
+        <p:fade/>
+      </p:transition>
+    </mc:Choice>
+    <mc:Fallback xmlns="">
+      <p:transition spd="med">
+        <p:fade/>
+      </p:transition>
+    </mc:Fallback>
+  </mc:AlternateContent>
 </p:sld>
 </file>
 
@@ -14079,7 +14554,7 @@
                 <a16:creationId xmlns:a16="http://schemas.microsoft.com/office/drawing/2014/main" id="{0D187C4E-14B9-4504-B200-5127823FA78C}"/>
               </a:ext>
               <a:ext uri="{C183D7F6-B498-43B3-948B-1728B52AA6E4}">
-                <adec:decorative xmlns:adec="http://schemas.microsoft.com/office/drawing/2017/decorative" xmlns="" val="1"/>
+                <adec:decorative xmlns:adec="http://schemas.microsoft.com/office/drawing/2017/decorative" val="1"/>
               </a:ext>
             </a:extLst>
           </p:cNvPr>
@@ -14231,7 +14706,7 @@
                 <a16:creationId xmlns:a16="http://schemas.microsoft.com/office/drawing/2014/main" id="{A4322390-8B58-46BE-88EB-D9FD30C08743}"/>
               </a:ext>
               <a:ext uri="{C183D7F6-B498-43B3-948B-1728B52AA6E4}">
-                <adec:decorative xmlns:adec="http://schemas.microsoft.com/office/drawing/2017/decorative" xmlns="" val="1"/>
+                <adec:decorative xmlns:adec="http://schemas.microsoft.com/office/drawing/2017/decorative" val="1"/>
               </a:ext>
             </a:extLst>
           </p:cNvPr>
@@ -14378,7 +14853,7 @@
                 <a16:creationId xmlns:a16="http://schemas.microsoft.com/office/drawing/2014/main" id="{C885E190-58DD-42DD-A4A8-401E15C92A52}"/>
               </a:ext>
               <a:ext uri="{C183D7F6-B498-43B3-948B-1728B52AA6E4}">
-                <adec:decorative xmlns:adec="http://schemas.microsoft.com/office/drawing/2017/decorative" xmlns="" val="1"/>
+                <adec:decorative xmlns:adec="http://schemas.microsoft.com/office/drawing/2017/decorative" val="1"/>
               </a:ext>
             </a:extLst>
           </p:cNvPr>
@@ -14463,6 +14938,18 @@
   <p:clrMapOvr>
     <a:masterClrMapping/>
   </p:clrMapOvr>
+  <mc:AlternateContent xmlns:mc="http://schemas.openxmlformats.org/markup-compatibility/2006" xmlns:p14="http://schemas.microsoft.com/office/powerpoint/2010/main">
+    <mc:Choice Requires="p14">
+      <p:transition spd="slow" p14:dur="900">
+        <p14:warp dir="in"/>
+      </p:transition>
+    </mc:Choice>
+    <mc:Fallback xmlns="">
+      <p:transition spd="slow">
+        <p:fade/>
+      </p:transition>
+    </mc:Fallback>
+  </mc:AlternateContent>
 </p:sld>
 </file>
 
@@ -15019,7 +15506,7 @@
                 <a16:creationId xmlns:a16="http://schemas.microsoft.com/office/drawing/2014/main" id="{A4322390-8B58-46BE-88EB-D9FD30C08743}"/>
               </a:ext>
               <a:ext uri="{C183D7F6-B498-43B3-948B-1728B52AA6E4}">
-                <adec:decorative xmlns:adec="http://schemas.microsoft.com/office/drawing/2017/decorative" xmlns="" val="1"/>
+                <adec:decorative xmlns:adec="http://schemas.microsoft.com/office/drawing/2017/decorative" val="1"/>
               </a:ext>
             </a:extLst>
           </p:cNvPr>
@@ -15143,7 +15630,7 @@
                 <a16:creationId xmlns:a16="http://schemas.microsoft.com/office/drawing/2014/main" id="{C885E190-58DD-42DD-A4A8-401E15C92A52}"/>
               </a:ext>
               <a:ext uri="{C183D7F6-B498-43B3-948B-1728B52AA6E4}">
-                <adec:decorative xmlns:adec="http://schemas.microsoft.com/office/drawing/2017/decorative" xmlns="" val="1"/>
+                <adec:decorative xmlns:adec="http://schemas.microsoft.com/office/drawing/2017/decorative" val="1"/>
               </a:ext>
             </a:extLst>
           </p:cNvPr>
@@ -15228,6 +15715,18 @@
   <p:clrMapOvr>
     <a:masterClrMapping/>
   </p:clrMapOvr>
+  <mc:AlternateContent xmlns:mc="http://schemas.openxmlformats.org/markup-compatibility/2006" xmlns:p14="http://schemas.microsoft.com/office/powerpoint/2010/main">
+    <mc:Choice Requires="p14">
+      <p:transition spd="slow" p14:dur="900">
+        <p14:warp dir="in"/>
+      </p:transition>
+    </mc:Choice>
+    <mc:Fallback xmlns="">
+      <p:transition spd="slow">
+        <p:fade/>
+      </p:transition>
+    </mc:Fallback>
+  </mc:AlternateContent>
 </p:sld>
 </file>
 
@@ -15339,6 +15838,18 @@
   <p:clrMapOvr>
     <a:masterClrMapping/>
   </p:clrMapOvr>
+  <mc:AlternateContent xmlns:mc="http://schemas.openxmlformats.org/markup-compatibility/2006" xmlns:p159="http://schemas.microsoft.com/office/powerpoint/2015/09/main">
+    <mc:Choice Requires="p159">
+      <p:transition xmlns:p14="http://schemas.microsoft.com/office/powerpoint/2010/main" spd="slow" p14:dur="2000">
+        <p159:morph option="byObject"/>
+      </p:transition>
+    </mc:Choice>
+    <mc:Fallback xmlns="">
+      <p:transition spd="slow">
+        <p:fade/>
+      </p:transition>
+    </mc:Fallback>
+  </mc:AlternateContent>
 </p:sld>
 </file>
 
@@ -15426,6 +15937,18 @@
   <p:clrMapOvr>
     <a:masterClrMapping/>
   </p:clrMapOvr>
+  <mc:AlternateContent xmlns:mc="http://schemas.openxmlformats.org/markup-compatibility/2006" xmlns:p159="http://schemas.microsoft.com/office/powerpoint/2015/09/main">
+    <mc:Choice Requires="p159">
+      <p:transition xmlns:p14="http://schemas.microsoft.com/office/powerpoint/2010/main" spd="slow" p14:dur="2000">
+        <p159:morph option="byObject"/>
+      </p:transition>
+    </mc:Choice>
+    <mc:Fallback xmlns="">
+      <p:transition spd="slow">
+        <p:fade/>
+      </p:transition>
+    </mc:Fallback>
+  </mc:AlternateContent>
 </p:sld>
 </file>
 
@@ -15543,10 +16066,1339 @@
   <p:clrMapOvr>
     <a:masterClrMapping/>
   </p:clrMapOvr>
+  <mc:AlternateContent xmlns:mc="http://schemas.openxmlformats.org/markup-compatibility/2006" xmlns:p159="http://schemas.microsoft.com/office/powerpoint/2015/09/main">
+    <mc:Choice Requires="p159">
+      <p:transition xmlns:p14="http://schemas.microsoft.com/office/powerpoint/2010/main" spd="slow" p14:dur="2000">
+        <p159:morph option="byObject"/>
+      </p:transition>
+    </mc:Choice>
+    <mc:Fallback xmlns="">
+      <p:transition spd="slow">
+        <p:fade/>
+      </p:transition>
+    </mc:Fallback>
+  </mc:AlternateContent>
 </p:sld>
 </file>
 
 <file path=ppt/slides/slide27.xml><?xml version="1.0" encoding="utf-8"?>
+<p:sld xmlns:a="http://schemas.openxmlformats.org/drawingml/2006/main" xmlns:r="http://schemas.openxmlformats.org/officeDocument/2006/relationships" xmlns:p="http://schemas.openxmlformats.org/presentationml/2006/main">
+  <p:cSld>
+    <p:spTree>
+      <p:nvGrpSpPr>
+        <p:cNvPr id="1" name=""/>
+        <p:cNvGrpSpPr/>
+        <p:nvPr/>
+      </p:nvGrpSpPr>
+      <p:grpSpPr>
+        <a:xfrm>
+          <a:off x="0" y="0"/>
+          <a:ext cx="0" cy="0"/>
+          <a:chOff x="0" y="0"/>
+          <a:chExt cx="0" cy="0"/>
+        </a:xfrm>
+      </p:grpSpPr>
+      <p:sp>
+        <p:nvSpPr>
+          <p:cNvPr id="2" name="Cím 1">
+            <a:extLst>
+              <a:ext uri="{FF2B5EF4-FFF2-40B4-BE49-F238E27FC236}">
+                <a16:creationId xmlns:a16="http://schemas.microsoft.com/office/drawing/2014/main" id="{05EBEA55-5E68-82F7-BC5E-861FD3E6B752}"/>
+              </a:ext>
+            </a:extLst>
+          </p:cNvPr>
+          <p:cNvSpPr>
+            <a:spLocks noGrp="1"/>
+          </p:cNvSpPr>
+          <p:nvPr>
+            <p:ph type="title"/>
+          </p:nvPr>
+        </p:nvSpPr>
+        <p:spPr/>
+        <p:txBody>
+          <a:bodyPr/>
+          <a:lstStyle/>
+          <a:p>
+            <a:r>
+              <a:rPr lang="hu-HU" dirty="0" err="1"/>
+              <a:t>Active</a:t>
+            </a:r>
+            <a:r>
+              <a:rPr lang="hu-HU" dirty="0"/>
+              <a:t> </a:t>
+            </a:r>
+            <a:r>
+              <a:rPr lang="hu-HU" dirty="0" err="1"/>
+              <a:t>Directory</a:t>
+            </a:r>
+            <a:r>
+              <a:rPr lang="hu-HU" dirty="0"/>
+              <a:t> </a:t>
+            </a:r>
+            <a:r>
+              <a:rPr lang="hu-HU" dirty="0" err="1"/>
+              <a:t>on</a:t>
+            </a:r>
+            <a:r>
+              <a:rPr lang="hu-HU" dirty="0"/>
+              <a:t> Windows</a:t>
+            </a:r>
+          </a:p>
+        </p:txBody>
+      </p:sp>
+      <p:pic>
+        <p:nvPicPr>
+          <p:cNvPr id="4" name="Tartalom helye 3" descr="A képen szöveg, elektronika, képernyőkép, szoftver látható&#10;&#10;Lehet, hogy a mesterséges intelligencia által generált tartalom helytelen.">
+            <a:extLst>
+              <a:ext uri="{FF2B5EF4-FFF2-40B4-BE49-F238E27FC236}">
+                <a16:creationId xmlns:a16="http://schemas.microsoft.com/office/drawing/2014/main" id="{F613AFF1-387C-C9FD-9106-F906591854FA}"/>
+              </a:ext>
+            </a:extLst>
+          </p:cNvPr>
+          <p:cNvPicPr>
+            <a:picLocks noGrp="1" noChangeAspect="1"/>
+          </p:cNvPicPr>
+          <p:nvPr>
+            <p:ph idx="1"/>
+          </p:nvPr>
+        </p:nvPicPr>
+        <p:blipFill>
+          <a:blip r:embed="rId2"/>
+          <a:stretch>
+            <a:fillRect/>
+          </a:stretch>
+        </p:blipFill>
+        <p:spPr>
+          <a:xfrm>
+            <a:off x="2728012" y="1574215"/>
+            <a:ext cx="6183054" cy="4589669"/>
+          </a:xfrm>
+        </p:spPr>
+      </p:pic>
+    </p:spTree>
+    <p:extLst>
+      <p:ext uri="{BB962C8B-B14F-4D97-AF65-F5344CB8AC3E}">
+        <p14:creationId xmlns:p14="http://schemas.microsoft.com/office/powerpoint/2010/main" val="646458672"/>
+      </p:ext>
+    </p:extLst>
+  </p:cSld>
+  <p:clrMapOvr>
+    <a:masterClrMapping/>
+  </p:clrMapOvr>
+</p:sld>
+</file>
+
+<file path=ppt/slides/slide28.xml><?xml version="1.0" encoding="utf-8"?>
+<p:sld xmlns:a="http://schemas.openxmlformats.org/drawingml/2006/main" xmlns:r="http://schemas.openxmlformats.org/officeDocument/2006/relationships" xmlns:p="http://schemas.openxmlformats.org/presentationml/2006/main">
+  <p:cSld>
+    <p:spTree>
+      <p:nvGrpSpPr>
+        <p:cNvPr id="1" name=""/>
+        <p:cNvGrpSpPr/>
+        <p:nvPr/>
+      </p:nvGrpSpPr>
+      <p:grpSpPr>
+        <a:xfrm>
+          <a:off x="0" y="0"/>
+          <a:ext cx="0" cy="0"/>
+          <a:chOff x="0" y="0"/>
+          <a:chExt cx="0" cy="0"/>
+        </a:xfrm>
+      </p:grpSpPr>
+      <p:sp>
+        <p:nvSpPr>
+          <p:cNvPr id="2" name="Cím 1">
+            <a:extLst>
+              <a:ext uri="{FF2B5EF4-FFF2-40B4-BE49-F238E27FC236}">
+                <a16:creationId xmlns:a16="http://schemas.microsoft.com/office/drawing/2014/main" id="{D7DD1DDD-89E4-CC60-5C8C-DD09AEE0EA0F}"/>
+              </a:ext>
+            </a:extLst>
+          </p:cNvPr>
+          <p:cNvSpPr>
+            <a:spLocks noGrp="1"/>
+          </p:cNvSpPr>
+          <p:nvPr>
+            <p:ph type="title"/>
+          </p:nvPr>
+        </p:nvSpPr>
+        <p:spPr/>
+        <p:txBody>
+          <a:bodyPr/>
+          <a:lstStyle/>
+          <a:p>
+            <a:r>
+              <a:rPr lang="hu-HU" dirty="0"/>
+              <a:t>Group</a:t>
+            </a:r>
+          </a:p>
+        </p:txBody>
+      </p:sp>
+      <p:pic>
+        <p:nvPicPr>
+          <p:cNvPr id="4" name="Tartalom helye 3" descr="A képen szöveg, képernyőkép, képernyő, szoftver látható&#10;&#10;Lehet, hogy a mesterséges intelligencia által generált tartalom helytelen.">
+            <a:extLst>
+              <a:ext uri="{FF2B5EF4-FFF2-40B4-BE49-F238E27FC236}">
+                <a16:creationId xmlns:a16="http://schemas.microsoft.com/office/drawing/2014/main" id="{E4F0D4A2-12E0-8C7F-C598-CF5BB043676D}"/>
+              </a:ext>
+            </a:extLst>
+          </p:cNvPr>
+          <p:cNvPicPr>
+            <a:picLocks noGrp="1" noChangeAspect="1"/>
+          </p:cNvPicPr>
+          <p:nvPr>
+            <p:ph idx="1"/>
+          </p:nvPr>
+        </p:nvPicPr>
+        <p:blipFill>
+          <a:blip r:embed="rId2"/>
+          <a:stretch>
+            <a:fillRect/>
+          </a:stretch>
+        </p:blipFill>
+        <p:spPr>
+          <a:xfrm>
+            <a:off x="3400741" y="1856721"/>
+            <a:ext cx="4152900" cy="3571875"/>
+          </a:xfrm>
+        </p:spPr>
+      </p:pic>
+    </p:spTree>
+    <p:extLst>
+      <p:ext uri="{BB962C8B-B14F-4D97-AF65-F5344CB8AC3E}">
+        <p14:creationId xmlns:p14="http://schemas.microsoft.com/office/powerpoint/2010/main" val="536775721"/>
+      </p:ext>
+    </p:extLst>
+  </p:cSld>
+  <p:clrMapOvr>
+    <a:masterClrMapping/>
+  </p:clrMapOvr>
+  <mc:AlternateContent xmlns:mc="http://schemas.openxmlformats.org/markup-compatibility/2006">
+    <mc:Choice xmlns:p159="http://schemas.microsoft.com/office/powerpoint/2015/09/main" Requires="p159">
+      <p:transition xmlns:p14="http://schemas.microsoft.com/office/powerpoint/2010/main" spd="slow" p14:dur="2000">
+        <p159:morph option="byObject"/>
+      </p:transition>
+    </mc:Choice>
+    <mc:Fallback>
+      <p:transition spd="slow">
+        <p:fade/>
+      </p:transition>
+    </mc:Fallback>
+  </mc:AlternateContent>
+</p:sld>
+</file>
+
+<file path=ppt/slides/slide29.xml><?xml version="1.0" encoding="utf-8"?>
+<p:sld xmlns:a="http://schemas.openxmlformats.org/drawingml/2006/main" xmlns:r="http://schemas.openxmlformats.org/officeDocument/2006/relationships" xmlns:p="http://schemas.openxmlformats.org/presentationml/2006/main">
+  <p:cSld>
+    <p:spTree>
+      <p:nvGrpSpPr>
+        <p:cNvPr id="1" name=""/>
+        <p:cNvGrpSpPr/>
+        <p:nvPr/>
+      </p:nvGrpSpPr>
+      <p:grpSpPr>
+        <a:xfrm>
+          <a:off x="0" y="0"/>
+          <a:ext cx="0" cy="0"/>
+          <a:chOff x="0" y="0"/>
+          <a:chExt cx="0" cy="0"/>
+        </a:xfrm>
+      </p:grpSpPr>
+      <p:sp>
+        <p:nvSpPr>
+          <p:cNvPr id="2" name="Cím 1">
+            <a:extLst>
+              <a:ext uri="{FF2B5EF4-FFF2-40B4-BE49-F238E27FC236}">
+                <a16:creationId xmlns:a16="http://schemas.microsoft.com/office/drawing/2014/main" id="{4B7F9768-831C-0086-7741-FA19FDE64158}"/>
+              </a:ext>
+            </a:extLst>
+          </p:cNvPr>
+          <p:cNvSpPr>
+            <a:spLocks noGrp="1"/>
+          </p:cNvSpPr>
+          <p:nvPr>
+            <p:ph type="title"/>
+          </p:nvPr>
+        </p:nvSpPr>
+        <p:spPr/>
+        <p:txBody>
+          <a:bodyPr/>
+          <a:lstStyle/>
+          <a:p>
+            <a:r>
+              <a:rPr lang="hu-HU" dirty="0" err="1"/>
+              <a:t>Users</a:t>
+            </a:r>
+            <a:r>
+              <a:rPr lang="hu-HU" dirty="0"/>
+              <a:t> and </a:t>
+            </a:r>
+            <a:r>
+              <a:rPr lang="hu-HU" dirty="0" err="1"/>
+              <a:t>group</a:t>
+            </a:r>
+            <a:r>
+              <a:rPr lang="hu-HU" dirty="0"/>
+              <a:t>: </a:t>
+            </a:r>
+            <a:r>
+              <a:rPr lang="hu-HU" dirty="0" err="1"/>
+              <a:t>Lajka</a:t>
+            </a:r>
+            <a:r>
+              <a:rPr lang="hu-HU" dirty="0"/>
+              <a:t> Kristóf</a:t>
+            </a:r>
+          </a:p>
+        </p:txBody>
+      </p:sp>
+      <p:pic>
+        <p:nvPicPr>
+          <p:cNvPr id="4" name="Tartalom helye 3" descr="A képen szöveg, képernyőkép, képernyő, szoftver látható&#10;&#10;Lehet, hogy a mesterséges intelligencia által generált tartalom helytelen.">
+            <a:extLst>
+              <a:ext uri="{FF2B5EF4-FFF2-40B4-BE49-F238E27FC236}">
+                <a16:creationId xmlns:a16="http://schemas.microsoft.com/office/drawing/2014/main" id="{065874D2-F5E8-62A0-763E-4109F550B9FD}"/>
+              </a:ext>
+            </a:extLst>
+          </p:cNvPr>
+          <p:cNvPicPr>
+            <a:picLocks noGrp="1" noChangeAspect="1"/>
+          </p:cNvPicPr>
+          <p:nvPr>
+            <p:ph idx="1"/>
+          </p:nvPr>
+        </p:nvPicPr>
+        <p:blipFill>
+          <a:blip r:embed="rId2"/>
+          <a:stretch>
+            <a:fillRect/>
+          </a:stretch>
+        </p:blipFill>
+        <p:spPr>
+          <a:xfrm>
+            <a:off x="150921" y="1851959"/>
+            <a:ext cx="4114800" cy="3581400"/>
+          </a:xfrm>
+        </p:spPr>
+      </p:pic>
+      <p:pic>
+        <p:nvPicPr>
+          <p:cNvPr id="5" name="Kép 4" descr="A képen szöveg, képernyőkép, szoftver, Számítógépes ikon látható&#10;&#10;Lehet, hogy a mesterséges intelligencia által generált tartalom helytelen.">
+            <a:extLst>
+              <a:ext uri="{FF2B5EF4-FFF2-40B4-BE49-F238E27FC236}">
+                <a16:creationId xmlns:a16="http://schemas.microsoft.com/office/drawing/2014/main" id="{770113D1-5545-250D-6CFA-1FC7E7A4FB7F}"/>
+              </a:ext>
+            </a:extLst>
+          </p:cNvPr>
+          <p:cNvPicPr>
+            <a:picLocks noChangeAspect="1"/>
+          </p:cNvPicPr>
+          <p:nvPr/>
+        </p:nvPicPr>
+        <p:blipFill>
+          <a:blip r:embed="rId3"/>
+          <a:stretch>
+            <a:fillRect/>
+          </a:stretch>
+        </p:blipFill>
+        <p:spPr>
+          <a:xfrm>
+            <a:off x="4256432" y="1849851"/>
+            <a:ext cx="4076700" cy="3533775"/>
+          </a:xfrm>
+          <a:prstGeom prst="rect">
+            <a:avLst/>
+          </a:prstGeom>
+        </p:spPr>
+      </p:pic>
+      <p:pic>
+        <p:nvPicPr>
+          <p:cNvPr id="6" name="Kép 5" descr="A képen szöveg, képernyőkép, képernyő, szám látható&#10;&#10;Lehet, hogy a mesterséges intelligencia által generált tartalom helytelen.">
+            <a:extLst>
+              <a:ext uri="{FF2B5EF4-FFF2-40B4-BE49-F238E27FC236}">
+                <a16:creationId xmlns:a16="http://schemas.microsoft.com/office/drawing/2014/main" id="{795E6BDA-3CDD-952B-9236-FE1C5F466DC0}"/>
+              </a:ext>
+            </a:extLst>
+          </p:cNvPr>
+          <p:cNvPicPr>
+            <a:picLocks noChangeAspect="1"/>
+          </p:cNvPicPr>
+          <p:nvPr/>
+        </p:nvPicPr>
+        <p:blipFill>
+          <a:blip r:embed="rId4"/>
+          <a:stretch>
+            <a:fillRect/>
+          </a:stretch>
+        </p:blipFill>
+        <p:spPr>
+          <a:xfrm>
+            <a:off x="8310009" y="876300"/>
+            <a:ext cx="3876675" cy="5105400"/>
+          </a:xfrm>
+          <a:prstGeom prst="rect">
+            <a:avLst/>
+          </a:prstGeom>
+        </p:spPr>
+      </p:pic>
+      <p:sp>
+        <p:nvSpPr>
+          <p:cNvPr id="7" name="Szövegdoboz 6">
+            <a:extLst>
+              <a:ext uri="{FF2B5EF4-FFF2-40B4-BE49-F238E27FC236}">
+                <a16:creationId xmlns:a16="http://schemas.microsoft.com/office/drawing/2014/main" id="{B9DEE180-DA01-68CE-F76B-FF7128C0853C}"/>
+              </a:ext>
+            </a:extLst>
+          </p:cNvPr>
+          <p:cNvSpPr txBox="1"/>
+          <p:nvPr/>
+        </p:nvSpPr>
+        <p:spPr>
+          <a:xfrm>
+            <a:off x="1173103" y="5810314"/>
+            <a:ext cx="2743200" cy="365760"/>
+          </a:xfrm>
+          <a:prstGeom prst="rect">
+            <a:avLst/>
+          </a:prstGeom>
+          <a:noFill/>
+        </p:spPr>
+        <p:txBody>
+          <a:bodyPr rot="0" spcFirstLastPara="0" vertOverflow="overflow" horzOverflow="overflow" vert="horz" wrap="square" lIns="91440" tIns="45720" rIns="91440" bIns="45720" numCol="1" spcCol="0" rtlCol="0" fromWordArt="0" anchor="t" anchorCtr="0" forceAA="0" compatLnSpc="1">
+            <a:prstTxWarp prst="textNoShape">
+              <a:avLst/>
+            </a:prstTxWarp>
+            <a:spAutoFit/>
+          </a:bodyPr>
+          <a:lstStyle/>
+          <a:p>
+            <a:pPr algn="l"/>
+            <a:r>
+              <a:rPr lang="hu-HU" dirty="0" err="1"/>
+              <a:t>Name</a:t>
+            </a:r>
+          </a:p>
+        </p:txBody>
+      </p:sp>
+      <p:sp>
+        <p:nvSpPr>
+          <p:cNvPr id="8" name="Szövegdoboz 7">
+            <a:extLst>
+              <a:ext uri="{FF2B5EF4-FFF2-40B4-BE49-F238E27FC236}">
+                <a16:creationId xmlns:a16="http://schemas.microsoft.com/office/drawing/2014/main" id="{0EF847A0-0D6B-CA89-792D-041A1CCFE32E}"/>
+              </a:ext>
+            </a:extLst>
+          </p:cNvPr>
+          <p:cNvSpPr txBox="1"/>
+          <p:nvPr/>
+        </p:nvSpPr>
+        <p:spPr>
+          <a:xfrm>
+            <a:off x="5189259" y="5658500"/>
+            <a:ext cx="2743200" cy="365760"/>
+          </a:xfrm>
+          <a:prstGeom prst="rect">
+            <a:avLst/>
+          </a:prstGeom>
+          <a:noFill/>
+        </p:spPr>
+        <p:txBody>
+          <a:bodyPr rot="0" spcFirstLastPara="0" vertOverflow="overflow" horzOverflow="overflow" vert="horz" wrap="square" lIns="91440" tIns="45720" rIns="91440" bIns="45720" numCol="1" spcCol="0" rtlCol="0" fromWordArt="0" anchor="t" anchorCtr="0" forceAA="0" compatLnSpc="1">
+            <a:prstTxWarp prst="textNoShape">
+              <a:avLst/>
+            </a:prstTxWarp>
+            <a:spAutoFit/>
+          </a:bodyPr>
+          <a:lstStyle/>
+          <a:p>
+            <a:pPr algn="l"/>
+            <a:r>
+              <a:rPr lang="hu-HU" dirty="0" err="1"/>
+              <a:t>Password</a:t>
+            </a:r>
+          </a:p>
+        </p:txBody>
+      </p:sp>
+      <p:sp>
+        <p:nvSpPr>
+          <p:cNvPr id="9" name="Szövegdoboz 8">
+            <a:extLst>
+              <a:ext uri="{FF2B5EF4-FFF2-40B4-BE49-F238E27FC236}">
+                <a16:creationId xmlns:a16="http://schemas.microsoft.com/office/drawing/2014/main" id="{F3280EE3-64CD-E89B-DC4D-3A45978DF291}"/>
+              </a:ext>
+            </a:extLst>
+          </p:cNvPr>
+          <p:cNvSpPr txBox="1"/>
+          <p:nvPr/>
+        </p:nvSpPr>
+        <p:spPr>
+          <a:xfrm>
+            <a:off x="9440035" y="6251953"/>
+            <a:ext cx="2743200" cy="365760"/>
+          </a:xfrm>
+          <a:prstGeom prst="rect">
+            <a:avLst/>
+          </a:prstGeom>
+          <a:noFill/>
+        </p:spPr>
+        <p:txBody>
+          <a:bodyPr rot="0" spcFirstLastPara="0" vertOverflow="overflow" horzOverflow="overflow" vert="horz" wrap="square" lIns="91440" tIns="45720" rIns="91440" bIns="45720" numCol="1" spcCol="0" rtlCol="0" fromWordArt="0" anchor="t" anchorCtr="0" forceAA="0" compatLnSpc="1">
+            <a:prstTxWarp prst="textNoShape">
+              <a:avLst/>
+            </a:prstTxWarp>
+            <a:spAutoFit/>
+          </a:bodyPr>
+          <a:lstStyle/>
+          <a:p>
+            <a:r>
+              <a:rPr lang="hu-HU" dirty="0" err="1"/>
+              <a:t>Member</a:t>
+            </a:r>
+            <a:r>
+              <a:rPr lang="hu-HU" dirty="0"/>
+              <a:t> Of</a:t>
+            </a:r>
+          </a:p>
+        </p:txBody>
+      </p:sp>
+    </p:spTree>
+    <p:extLst>
+      <p:ext uri="{BB962C8B-B14F-4D97-AF65-F5344CB8AC3E}">
+        <p14:creationId xmlns:p14="http://schemas.microsoft.com/office/powerpoint/2010/main" val="1260473115"/>
+      </p:ext>
+    </p:extLst>
+  </p:cSld>
+  <p:clrMapOvr>
+    <a:masterClrMapping/>
+  </p:clrMapOvr>
+  <mc:AlternateContent xmlns:mc="http://schemas.openxmlformats.org/markup-compatibility/2006">
+    <mc:Choice xmlns:p159="http://schemas.microsoft.com/office/powerpoint/2015/09/main" Requires="p159">
+      <p:transition xmlns:p14="http://schemas.microsoft.com/office/powerpoint/2010/main" spd="slow" p14:dur="2000">
+        <p159:morph option="byObject"/>
+      </p:transition>
+    </mc:Choice>
+    <mc:Fallback>
+      <p:transition spd="slow">
+        <p:fade/>
+      </p:transition>
+    </mc:Fallback>
+  </mc:AlternateContent>
+</p:sld>
+</file>
+
+<file path=ppt/slides/slide3.xml><?xml version="1.0" encoding="utf-8"?>
+<p:sld xmlns:a="http://schemas.openxmlformats.org/drawingml/2006/main" xmlns:r="http://schemas.openxmlformats.org/officeDocument/2006/relationships" xmlns:p="http://schemas.openxmlformats.org/presentationml/2006/main">
+  <p:cSld>
+    <p:bg>
+      <p:bgPr>
+        <a:gradFill rotWithShape="1">
+          <a:gsLst>
+            <a:gs pos="0">
+              <a:schemeClr val="bg1">
+                <a:tint val="98000"/>
+                <a:hueMod val="104000"/>
+                <a:satMod val="128000"/>
+                <a:lumMod val="104000"/>
+              </a:schemeClr>
+            </a:gs>
+            <a:gs pos="100000">
+              <a:schemeClr val="bg1">
+                <a:shade val="76000"/>
+                <a:hueMod val="89000"/>
+                <a:satMod val="164000"/>
+                <a:lumMod val="68000"/>
+              </a:schemeClr>
+            </a:gs>
+          </a:gsLst>
+          <a:path path="circle">
+            <a:fillToRect l="45000" t="65000" r="125000" b="100000"/>
+          </a:path>
+        </a:gradFill>
+        <a:effectLst/>
+      </p:bgPr>
+    </p:bg>
+    <p:spTree>
+      <p:nvGrpSpPr>
+        <p:cNvPr id="1" name=""/>
+        <p:cNvGrpSpPr/>
+        <p:nvPr/>
+      </p:nvGrpSpPr>
+      <p:grpSpPr>
+        <a:xfrm>
+          <a:off x="0" y="0"/>
+          <a:ext cx="0" cy="0"/>
+          <a:chOff x="0" y="0"/>
+          <a:chExt cx="0" cy="0"/>
+        </a:xfrm>
+      </p:grpSpPr>
+      <p:pic>
+        <p:nvPicPr>
+          <p:cNvPr id="4" name="Kép 3" descr="A képen Szárazföldi jármű, jármű, kerék, ég látható&#10;&#10;Lehet, hogy a mesterséges intelligencia által generált tartalom helytelen.">
+            <a:extLst>
+              <a:ext uri="{FF2B5EF4-FFF2-40B4-BE49-F238E27FC236}">
+                <a16:creationId xmlns:a16="http://schemas.microsoft.com/office/drawing/2014/main" id="{B4D40FFB-AD30-8486-79B5-4EC7CCF58A3C}"/>
+              </a:ext>
+            </a:extLst>
+          </p:cNvPr>
+          <p:cNvPicPr>
+            <a:picLocks noChangeAspect="1"/>
+          </p:cNvPicPr>
+          <p:nvPr/>
+        </p:nvPicPr>
+        <p:blipFill>
+          <a:blip r:embed="rId2">
+            <a:alphaModFix amt="25000"/>
+            <a:grayscl/>
+          </a:blip>
+          <a:srcRect t="15413"/>
+          <a:stretch/>
+        </p:blipFill>
+        <p:spPr>
+          <a:xfrm>
+            <a:off x="20" y="-1"/>
+            <a:ext cx="12191980" cy="6858000"/>
+          </a:xfrm>
+          <a:prstGeom prst="rect">
+            <a:avLst/>
+          </a:prstGeom>
+        </p:spPr>
+      </p:pic>
+      <p:sp>
+        <p:nvSpPr>
+          <p:cNvPr id="2" name="Cím 1"/>
+          <p:cNvSpPr>
+            <a:spLocks noGrp="1"/>
+          </p:cNvSpPr>
+          <p:nvPr>
+            <p:ph type="title"/>
+          </p:nvPr>
+        </p:nvSpPr>
+        <p:spPr>
+          <a:xfrm>
+            <a:off x="646111" y="452718"/>
+            <a:ext cx="9404723" cy="1400530"/>
+          </a:xfrm>
+        </p:spPr>
+        <p:txBody>
+          <a:bodyPr>
+            <a:normAutofit/>
+          </a:bodyPr>
+          <a:lstStyle/>
+          <a:p>
+            <a:r>
+              <a:rPr lang="hu-HU" dirty="0" err="1"/>
+              <a:t>Devices</a:t>
+            </a:r>
+            <a:endParaRPr lang="hu-HU" dirty="0"/>
+          </a:p>
+        </p:txBody>
+      </p:sp>
+      <p:sp>
+        <p:nvSpPr>
+          <p:cNvPr id="9" name="Rectangle 8">
+            <a:extLst>
+              <a:ext uri="{FF2B5EF4-FFF2-40B4-BE49-F238E27FC236}">
+                <a16:creationId xmlns:a16="http://schemas.microsoft.com/office/drawing/2014/main" id="{0D187C4E-14B9-4504-B200-5127823FA78C}"/>
+              </a:ext>
+              <a:ext uri="{C183D7F6-B498-43B3-948B-1728B52AA6E4}">
+                <adec:decorative xmlns:adec="http://schemas.microsoft.com/office/drawing/2017/decorative" val="1"/>
+              </a:ext>
+            </a:extLst>
+          </p:cNvPr>
+          <p:cNvSpPr>
+            <a:spLocks noGrp="1" noRot="1" noChangeAspect="1" noMove="1" noResize="1" noEditPoints="1" noAdjustHandles="1" noChangeArrowheads="1" noChangeShapeType="1" noTextEdit="1"/>
+          </p:cNvSpPr>
+          <p:nvPr>
+            <p:extLst>
+              <p:ext uri="{386F3935-93C4-4BCD-93E2-E3B085C9AB24}">
+                <p16:designElem xmlns:p16="http://schemas.microsoft.com/office/powerpoint/2015/main" val="1"/>
+              </p:ext>
+            </p:extLst>
+          </p:nvPr>
+        </p:nvSpPr>
+        <p:spPr>
+          <a:xfrm>
+            <a:off x="10442448" y="0"/>
+            <a:ext cx="685800" cy="1143000"/>
+          </a:xfrm>
+          <a:prstGeom prst="rect">
+            <a:avLst/>
+          </a:prstGeom>
+          <a:solidFill>
+            <a:schemeClr val="accent1"/>
+          </a:solidFill>
+          <a:ln>
+            <a:noFill/>
+          </a:ln>
+        </p:spPr>
+        <p:style>
+          <a:lnRef idx="1">
+            <a:schemeClr val="accent1"/>
+          </a:lnRef>
+          <a:fillRef idx="3">
+            <a:schemeClr val="accent1"/>
+          </a:fillRef>
+          <a:effectRef idx="2">
+            <a:schemeClr val="accent1"/>
+          </a:effectRef>
+          <a:fontRef idx="minor">
+            <a:schemeClr val="lt1"/>
+          </a:fontRef>
+        </p:style>
+      </p:sp>
+      <p:sp>
+        <p:nvSpPr>
+          <p:cNvPr id="3" name="Tartalom helye 2"/>
+          <p:cNvSpPr>
+            <a:spLocks noGrp="1"/>
+          </p:cNvSpPr>
+          <p:nvPr>
+            <p:ph idx="1"/>
+          </p:nvPr>
+        </p:nvSpPr>
+        <p:spPr>
+          <a:xfrm>
+            <a:off x="1103312" y="2052918"/>
+            <a:ext cx="8946541" cy="4195481"/>
+          </a:xfrm>
+        </p:spPr>
+        <p:txBody>
+          <a:bodyPr vert="horz" lIns="91440" tIns="45720" rIns="91440" bIns="45720" rtlCol="0" anchor="t">
+            <a:normAutofit/>
+          </a:bodyPr>
+          <a:lstStyle/>
+          <a:p>
+            <a:r>
+              <a:rPr lang="hu-HU" dirty="0"/>
+              <a:t> 3 Cisco 4221 router </a:t>
+            </a:r>
+          </a:p>
+          <a:p>
+            <a:r>
+              <a:rPr lang="hu-HU" dirty="0"/>
+              <a:t>2 Cisco 2960 </a:t>
+            </a:r>
+            <a:r>
+              <a:rPr lang="hu-HU" dirty="0" err="1"/>
+              <a:t>switches</a:t>
+            </a:r>
+            <a:r>
+              <a:rPr lang="hu-HU" dirty="0"/>
+              <a:t> </a:t>
+            </a:r>
+          </a:p>
+          <a:p>
+            <a:r>
+              <a:rPr lang="hu-HU" dirty="0"/>
+              <a:t>1 </a:t>
+            </a:r>
+            <a:r>
+              <a:rPr lang="hu-HU" dirty="0" err="1"/>
+              <a:t>Tenda</a:t>
+            </a:r>
+            <a:r>
+              <a:rPr lang="hu-HU" dirty="0"/>
+              <a:t> WIFI router </a:t>
+            </a:r>
+          </a:p>
+          <a:p>
+            <a:r>
+              <a:rPr lang="hu-HU" dirty="0"/>
+              <a:t>4 </a:t>
+            </a:r>
+            <a:r>
+              <a:rPr lang="hu-HU" dirty="0" err="1"/>
+              <a:t>endpoint</a:t>
+            </a:r>
+            <a:endParaRPr lang="hu-HU" dirty="0"/>
+          </a:p>
+          <a:p>
+            <a:r>
+              <a:rPr lang="hu-HU" dirty="0"/>
+              <a:t>1 ASA </a:t>
+            </a:r>
+            <a:r>
+              <a:rPr lang="hu-HU" dirty="0" err="1"/>
+              <a:t>Firewall</a:t>
+            </a:r>
+          </a:p>
+          <a:p>
+            <a:endParaRPr lang="hu-HU" dirty="0"/>
+          </a:p>
+        </p:txBody>
+      </p:sp>
+    </p:spTree>
+    <p:extLst>
+      <p:ext uri="{BB962C8B-B14F-4D97-AF65-F5344CB8AC3E}">
+        <p14:creationId xmlns:p14="http://schemas.microsoft.com/office/powerpoint/2010/main" val="1275827467"/>
+      </p:ext>
+    </p:extLst>
+  </p:cSld>
+  <p:clrMapOvr>
+    <a:masterClrMapping/>
+  </p:clrMapOvr>
+</p:sld>
+</file>
+
+<file path=ppt/slides/slide30.xml><?xml version="1.0" encoding="utf-8"?>
+<p:sld xmlns:a="http://schemas.openxmlformats.org/drawingml/2006/main" xmlns:r="http://schemas.openxmlformats.org/officeDocument/2006/relationships" xmlns:p="http://schemas.openxmlformats.org/presentationml/2006/main">
+  <p:cSld>
+    <p:spTree>
+      <p:nvGrpSpPr>
+        <p:cNvPr id="1" name=""/>
+        <p:cNvGrpSpPr/>
+        <p:nvPr/>
+      </p:nvGrpSpPr>
+      <p:grpSpPr>
+        <a:xfrm>
+          <a:off x="0" y="0"/>
+          <a:ext cx="0" cy="0"/>
+          <a:chOff x="0" y="0"/>
+          <a:chExt cx="0" cy="0"/>
+        </a:xfrm>
+      </p:grpSpPr>
+      <p:sp>
+        <p:nvSpPr>
+          <p:cNvPr id="2" name="Cím 1">
+            <a:extLst>
+              <a:ext uri="{FF2B5EF4-FFF2-40B4-BE49-F238E27FC236}">
+                <a16:creationId xmlns:a16="http://schemas.microsoft.com/office/drawing/2014/main" id="{0F631DC6-0E4B-FA99-330C-F5F543E7F04B}"/>
+              </a:ext>
+            </a:extLst>
+          </p:cNvPr>
+          <p:cNvSpPr>
+            <a:spLocks noGrp="1"/>
+          </p:cNvSpPr>
+          <p:nvPr>
+            <p:ph type="title"/>
+          </p:nvPr>
+        </p:nvSpPr>
+        <p:spPr/>
+        <p:txBody>
+          <a:bodyPr/>
+          <a:lstStyle/>
+          <a:p>
+            <a:r>
+              <a:rPr lang="hu-HU" dirty="0"/>
+              <a:t>Enyedi Sándor</a:t>
+            </a:r>
+          </a:p>
+        </p:txBody>
+      </p:sp>
+      <p:pic>
+        <p:nvPicPr>
+          <p:cNvPr id="4" name="Tartalom helye 3" descr="A képen szöveg, képernyőkép, képernyő, szoftver látható&#10;&#10;Lehet, hogy a mesterséges intelligencia által generált tartalom helytelen.">
+            <a:extLst>
+              <a:ext uri="{FF2B5EF4-FFF2-40B4-BE49-F238E27FC236}">
+                <a16:creationId xmlns:a16="http://schemas.microsoft.com/office/drawing/2014/main" id="{A7269CE5-1A41-3345-4C95-C6E1ECB67A93}"/>
+              </a:ext>
+            </a:extLst>
+          </p:cNvPr>
+          <p:cNvPicPr>
+            <a:picLocks noGrp="1" noChangeAspect="1"/>
+          </p:cNvPicPr>
+          <p:nvPr>
+            <p:ph idx="1"/>
+          </p:nvPr>
+        </p:nvPicPr>
+        <p:blipFill>
+          <a:blip r:embed="rId2"/>
+          <a:stretch>
+            <a:fillRect/>
+          </a:stretch>
+        </p:blipFill>
+        <p:spPr>
+          <a:xfrm>
+            <a:off x="110777" y="1850628"/>
+            <a:ext cx="4114800" cy="3590925"/>
+          </a:xfrm>
+        </p:spPr>
+      </p:pic>
+      <p:pic>
+        <p:nvPicPr>
+          <p:cNvPr id="5" name="Kép 4" descr="A képen szöveg, képernyőkép, szoftver, képernyő látható&#10;&#10;Lehet, hogy a mesterséges intelligencia által generált tartalom helytelen.">
+            <a:extLst>
+              <a:ext uri="{FF2B5EF4-FFF2-40B4-BE49-F238E27FC236}">
+                <a16:creationId xmlns:a16="http://schemas.microsoft.com/office/drawing/2014/main" id="{183D7962-4452-48BE-03D7-A085AE066DD3}"/>
+              </a:ext>
+            </a:extLst>
+          </p:cNvPr>
+          <p:cNvPicPr>
+            <a:picLocks noChangeAspect="1"/>
+          </p:cNvPicPr>
+          <p:nvPr/>
+        </p:nvPicPr>
+        <p:blipFill>
+          <a:blip r:embed="rId3"/>
+          <a:stretch>
+            <a:fillRect/>
+          </a:stretch>
+        </p:blipFill>
+        <p:spPr>
+          <a:xfrm>
+            <a:off x="4223951" y="1869603"/>
+            <a:ext cx="4114800" cy="3571875"/>
+          </a:xfrm>
+          <a:prstGeom prst="rect">
+            <a:avLst/>
+          </a:prstGeom>
+        </p:spPr>
+      </p:pic>
+      <p:pic>
+        <p:nvPicPr>
+          <p:cNvPr id="6" name="Kép 5" descr="A képen szöveg, képernyőkép, képernyő, Betűtípus látható&#10;&#10;Lehet, hogy a mesterséges intelligencia által generált tartalom helytelen.">
+            <a:extLst>
+              <a:ext uri="{FF2B5EF4-FFF2-40B4-BE49-F238E27FC236}">
+                <a16:creationId xmlns:a16="http://schemas.microsoft.com/office/drawing/2014/main" id="{6A59D32F-AD7C-56C3-3AAF-E07C790EC2E4}"/>
+              </a:ext>
+            </a:extLst>
+          </p:cNvPr>
+          <p:cNvPicPr>
+            <a:picLocks noChangeAspect="1"/>
+          </p:cNvPicPr>
+          <p:nvPr/>
+        </p:nvPicPr>
+        <p:blipFill>
+          <a:blip r:embed="rId4"/>
+          <a:stretch>
+            <a:fillRect/>
+          </a:stretch>
+        </p:blipFill>
+        <p:spPr>
+          <a:xfrm>
+            <a:off x="8338365" y="890588"/>
+            <a:ext cx="3876675" cy="5076825"/>
+          </a:xfrm>
+          <a:prstGeom prst="rect">
+            <a:avLst/>
+          </a:prstGeom>
+        </p:spPr>
+      </p:pic>
+      <p:sp>
+        <p:nvSpPr>
+          <p:cNvPr id="7" name="Szövegdoboz 6">
+            <a:extLst>
+              <a:ext uri="{FF2B5EF4-FFF2-40B4-BE49-F238E27FC236}">
+                <a16:creationId xmlns:a16="http://schemas.microsoft.com/office/drawing/2014/main" id="{03E14FF4-FF64-AD82-0D34-908145D9094C}"/>
+              </a:ext>
+            </a:extLst>
+          </p:cNvPr>
+          <p:cNvSpPr txBox="1"/>
+          <p:nvPr/>
+        </p:nvSpPr>
+        <p:spPr>
+          <a:xfrm>
+            <a:off x="1214507" y="5782711"/>
+            <a:ext cx="2743199" cy="365760"/>
+          </a:xfrm>
+          <a:prstGeom prst="rect">
+            <a:avLst/>
+          </a:prstGeom>
+          <a:noFill/>
+        </p:spPr>
+        <p:txBody>
+          <a:bodyPr rot="0" spcFirstLastPara="0" vertOverflow="overflow" horzOverflow="overflow" vert="horz" wrap="square" lIns="91440" tIns="45720" rIns="91440" bIns="45720" numCol="1" spcCol="0" rtlCol="0" fromWordArt="0" anchor="t" anchorCtr="0" forceAA="0" compatLnSpc="1">
+            <a:prstTxWarp prst="textNoShape">
+              <a:avLst/>
+            </a:prstTxWarp>
+            <a:spAutoFit/>
+          </a:bodyPr>
+          <a:lstStyle/>
+          <a:p>
+            <a:pPr algn="l"/>
+            <a:r>
+              <a:rPr lang="hu-HU" dirty="0" err="1"/>
+              <a:t>Name</a:t>
+            </a:r>
+          </a:p>
+        </p:txBody>
+      </p:sp>
+      <p:sp>
+        <p:nvSpPr>
+          <p:cNvPr id="8" name="Szövegdoboz 7">
+            <a:extLst>
+              <a:ext uri="{FF2B5EF4-FFF2-40B4-BE49-F238E27FC236}">
+                <a16:creationId xmlns:a16="http://schemas.microsoft.com/office/drawing/2014/main" id="{4271DA5C-D9AD-561A-EC57-9F8AA88636DA}"/>
+              </a:ext>
+            </a:extLst>
+          </p:cNvPr>
+          <p:cNvSpPr txBox="1"/>
+          <p:nvPr/>
+        </p:nvSpPr>
+        <p:spPr>
+          <a:xfrm>
+            <a:off x="4968439" y="5755109"/>
+            <a:ext cx="2743199" cy="365760"/>
+          </a:xfrm>
+          <a:prstGeom prst="rect">
+            <a:avLst/>
+          </a:prstGeom>
+          <a:noFill/>
+        </p:spPr>
+        <p:txBody>
+          <a:bodyPr rot="0" spcFirstLastPara="0" vertOverflow="overflow" horzOverflow="overflow" vert="horz" wrap="square" lIns="91440" tIns="45720" rIns="91440" bIns="45720" numCol="1" spcCol="0" rtlCol="0" fromWordArt="0" anchor="t" anchorCtr="0" forceAA="0" compatLnSpc="1">
+            <a:prstTxWarp prst="textNoShape">
+              <a:avLst/>
+            </a:prstTxWarp>
+            <a:spAutoFit/>
+          </a:bodyPr>
+          <a:lstStyle/>
+          <a:p>
+            <a:pPr algn="l"/>
+            <a:r>
+              <a:rPr lang="hu-HU" dirty="0" err="1"/>
+              <a:t>Password</a:t>
+            </a:r>
+          </a:p>
+        </p:txBody>
+      </p:sp>
+      <p:sp>
+        <p:nvSpPr>
+          <p:cNvPr id="9" name="Szövegdoboz 8">
+            <a:extLst>
+              <a:ext uri="{FF2B5EF4-FFF2-40B4-BE49-F238E27FC236}">
+                <a16:creationId xmlns:a16="http://schemas.microsoft.com/office/drawing/2014/main" id="{3BC6AF00-C13C-6227-1F1A-654E1A8F6CF0}"/>
+              </a:ext>
+            </a:extLst>
+          </p:cNvPr>
+          <p:cNvSpPr txBox="1"/>
+          <p:nvPr/>
+        </p:nvSpPr>
+        <p:spPr>
+          <a:xfrm>
+            <a:off x="9854072" y="6155344"/>
+            <a:ext cx="2743199" cy="365760"/>
+          </a:xfrm>
+          <a:prstGeom prst="rect">
+            <a:avLst/>
+          </a:prstGeom>
+          <a:noFill/>
+        </p:spPr>
+        <p:txBody>
+          <a:bodyPr rot="0" spcFirstLastPara="0" vertOverflow="overflow" horzOverflow="overflow" vert="horz" wrap="square" lIns="91440" tIns="45720" rIns="91440" bIns="45720" numCol="1" spcCol="0" rtlCol="0" fromWordArt="0" anchor="t" anchorCtr="0" forceAA="0" compatLnSpc="1">
+            <a:prstTxWarp prst="textNoShape">
+              <a:avLst/>
+            </a:prstTxWarp>
+            <a:spAutoFit/>
+          </a:bodyPr>
+          <a:lstStyle/>
+          <a:p>
+            <a:r>
+              <a:rPr lang="hu-HU" dirty="0" err="1"/>
+              <a:t>Member</a:t>
+            </a:r>
+            <a:r>
+              <a:rPr lang="hu-HU" dirty="0"/>
+              <a:t> Of</a:t>
+            </a:r>
+          </a:p>
+        </p:txBody>
+      </p:sp>
+    </p:spTree>
+    <p:extLst>
+      <p:ext uri="{BB962C8B-B14F-4D97-AF65-F5344CB8AC3E}">
+        <p14:creationId xmlns:p14="http://schemas.microsoft.com/office/powerpoint/2010/main" val="3636358127"/>
+      </p:ext>
+    </p:extLst>
+  </p:cSld>
+  <p:clrMapOvr>
+    <a:masterClrMapping/>
+  </p:clrMapOvr>
+  <mc:AlternateContent xmlns:mc="http://schemas.openxmlformats.org/markup-compatibility/2006">
+    <mc:Choice xmlns:p159="http://schemas.microsoft.com/office/powerpoint/2015/09/main" Requires="p159">
+      <p:transition xmlns:p14="http://schemas.microsoft.com/office/powerpoint/2010/main" spd="slow" p14:dur="2000">
+        <p159:morph option="byObject"/>
+      </p:transition>
+    </mc:Choice>
+    <mc:Fallback>
+      <p:transition spd="slow">
+        <p:fade/>
+      </p:transition>
+    </mc:Fallback>
+  </mc:AlternateContent>
+</p:sld>
+</file>
+
+<file path=ppt/slides/slide31.xml><?xml version="1.0" encoding="utf-8"?>
+<p:sld xmlns:a="http://schemas.openxmlformats.org/drawingml/2006/main" xmlns:r="http://schemas.openxmlformats.org/officeDocument/2006/relationships" xmlns:p="http://schemas.openxmlformats.org/presentationml/2006/main">
+  <p:cSld>
+    <p:spTree>
+      <p:nvGrpSpPr>
+        <p:cNvPr id="1" name=""/>
+        <p:cNvGrpSpPr/>
+        <p:nvPr/>
+      </p:nvGrpSpPr>
+      <p:grpSpPr>
+        <a:xfrm>
+          <a:off x="0" y="0"/>
+          <a:ext cx="0" cy="0"/>
+          <a:chOff x="0" y="0"/>
+          <a:chExt cx="0" cy="0"/>
+        </a:xfrm>
+      </p:grpSpPr>
+      <p:sp>
+        <p:nvSpPr>
+          <p:cNvPr id="2" name="Cím 1">
+            <a:extLst>
+              <a:ext uri="{FF2B5EF4-FFF2-40B4-BE49-F238E27FC236}">
+                <a16:creationId xmlns:a16="http://schemas.microsoft.com/office/drawing/2014/main" id="{84CC8910-049A-C42E-5C12-6E4A607921B0}"/>
+              </a:ext>
+            </a:extLst>
+          </p:cNvPr>
+          <p:cNvSpPr>
+            <a:spLocks noGrp="1"/>
+          </p:cNvSpPr>
+          <p:nvPr>
+            <p:ph type="title"/>
+          </p:nvPr>
+        </p:nvSpPr>
+        <p:spPr/>
+        <p:txBody>
+          <a:bodyPr/>
+          <a:lstStyle/>
+          <a:p>
+            <a:r>
+              <a:rPr lang="hu-HU" dirty="0"/>
+              <a:t>Váradi Ádám</a:t>
+            </a:r>
+          </a:p>
+        </p:txBody>
+      </p:sp>
+      <p:pic>
+        <p:nvPicPr>
+          <p:cNvPr id="4" name="Tartalom helye 3" descr="A képen szöveg, képernyőkép, szoftver, szám látható&#10;&#10;Lehet, hogy a mesterséges intelligencia által generált tartalom helytelen.">
+            <a:extLst>
+              <a:ext uri="{FF2B5EF4-FFF2-40B4-BE49-F238E27FC236}">
+                <a16:creationId xmlns:a16="http://schemas.microsoft.com/office/drawing/2014/main" id="{4A34CF7E-B170-6396-5649-5284C2779E47}"/>
+              </a:ext>
+            </a:extLst>
+          </p:cNvPr>
+          <p:cNvPicPr>
+            <a:picLocks noGrp="1" noChangeAspect="1"/>
+          </p:cNvPicPr>
+          <p:nvPr>
+            <p:ph idx="1"/>
+          </p:nvPr>
+        </p:nvPicPr>
+        <p:blipFill>
+          <a:blip r:embed="rId2"/>
+          <a:stretch>
+            <a:fillRect/>
+          </a:stretch>
+        </p:blipFill>
+        <p:spPr>
+          <a:xfrm>
+            <a:off x="2269" y="1709684"/>
+            <a:ext cx="4105275" cy="3543300"/>
+          </a:xfrm>
+        </p:spPr>
+      </p:pic>
+      <p:pic>
+        <p:nvPicPr>
+          <p:cNvPr id="5" name="Kép 4" descr="A képen szöveg, képernyőkép, szoftver, Számítógépes ikon látható&#10;&#10;Lehet, hogy a mesterséges intelligencia által generált tartalom helytelen.">
+            <a:extLst>
+              <a:ext uri="{FF2B5EF4-FFF2-40B4-BE49-F238E27FC236}">
+                <a16:creationId xmlns:a16="http://schemas.microsoft.com/office/drawing/2014/main" id="{3CDC008D-85F5-EED9-9186-CD39D99B8E6D}"/>
+              </a:ext>
+            </a:extLst>
+          </p:cNvPr>
+          <p:cNvPicPr>
+            <a:picLocks noChangeAspect="1"/>
+          </p:cNvPicPr>
+          <p:nvPr/>
+        </p:nvPicPr>
+        <p:blipFill>
+          <a:blip r:embed="rId3"/>
+          <a:stretch>
+            <a:fillRect/>
+          </a:stretch>
+        </p:blipFill>
+        <p:spPr>
+          <a:xfrm>
+            <a:off x="4038600" y="1694548"/>
+            <a:ext cx="4114800" cy="3571875"/>
+          </a:xfrm>
+          <a:prstGeom prst="rect">
+            <a:avLst/>
+          </a:prstGeom>
+        </p:spPr>
+      </p:pic>
+      <p:pic>
+        <p:nvPicPr>
+          <p:cNvPr id="6" name="Kép 5" descr="A képen szöveg, képernyőkép, képernyő, szám látható&#10;&#10;Lehet, hogy a mesterséges intelligencia által generált tartalom helytelen.">
+            <a:extLst>
+              <a:ext uri="{FF2B5EF4-FFF2-40B4-BE49-F238E27FC236}">
+                <a16:creationId xmlns:a16="http://schemas.microsoft.com/office/drawing/2014/main" id="{B49B1F91-1E15-0523-9889-FF31B7D0FBEA}"/>
+              </a:ext>
+            </a:extLst>
+          </p:cNvPr>
+          <p:cNvPicPr>
+            <a:picLocks noChangeAspect="1"/>
+          </p:cNvPicPr>
+          <p:nvPr/>
+        </p:nvPicPr>
+        <p:blipFill>
+          <a:blip r:embed="rId4"/>
+          <a:stretch>
+            <a:fillRect/>
+          </a:stretch>
+        </p:blipFill>
+        <p:spPr>
+          <a:xfrm>
+            <a:off x="8096765" y="881062"/>
+            <a:ext cx="3886200" cy="5095875"/>
+          </a:xfrm>
+          <a:prstGeom prst="rect">
+            <a:avLst/>
+          </a:prstGeom>
+        </p:spPr>
+      </p:pic>
+      <p:sp>
+        <p:nvSpPr>
+          <p:cNvPr id="7" name="Szövegdoboz 6">
+            <a:extLst>
+              <a:ext uri="{FF2B5EF4-FFF2-40B4-BE49-F238E27FC236}">
+                <a16:creationId xmlns:a16="http://schemas.microsoft.com/office/drawing/2014/main" id="{EE5699E1-6BBE-697A-EDD2-EB1C366FD34F}"/>
+              </a:ext>
+            </a:extLst>
+          </p:cNvPr>
+          <p:cNvSpPr txBox="1"/>
+          <p:nvPr/>
+        </p:nvSpPr>
+        <p:spPr>
+          <a:xfrm>
+            <a:off x="1076495" y="5768910"/>
+            <a:ext cx="2743199" cy="365760"/>
+          </a:xfrm>
+          <a:prstGeom prst="rect">
+            <a:avLst/>
+          </a:prstGeom>
+          <a:noFill/>
+        </p:spPr>
+        <p:txBody>
+          <a:bodyPr rot="0" spcFirstLastPara="0" vertOverflow="overflow" horzOverflow="overflow" vert="horz" wrap="square" lIns="91440" tIns="45720" rIns="91440" bIns="45720" numCol="1" spcCol="0" rtlCol="0" fromWordArt="0" anchor="t" anchorCtr="0" forceAA="0" compatLnSpc="1">
+            <a:prstTxWarp prst="textNoShape">
+              <a:avLst/>
+            </a:prstTxWarp>
+            <a:spAutoFit/>
+          </a:bodyPr>
+          <a:lstStyle/>
+          <a:p>
+            <a:pPr algn="l"/>
+            <a:r>
+              <a:rPr lang="hu-HU" dirty="0" err="1"/>
+              <a:t>Name</a:t>
+            </a:r>
+          </a:p>
+        </p:txBody>
+      </p:sp>
+      <p:sp>
+        <p:nvSpPr>
+          <p:cNvPr id="8" name="Szövegdoboz 7">
+            <a:extLst>
+              <a:ext uri="{FF2B5EF4-FFF2-40B4-BE49-F238E27FC236}">
+                <a16:creationId xmlns:a16="http://schemas.microsoft.com/office/drawing/2014/main" id="{EA5F9113-0F11-BCED-381C-17E2C9D520B7}"/>
+              </a:ext>
+            </a:extLst>
+          </p:cNvPr>
+          <p:cNvSpPr txBox="1"/>
+          <p:nvPr/>
+        </p:nvSpPr>
+        <p:spPr>
+          <a:xfrm>
+            <a:off x="4568204" y="5479084"/>
+            <a:ext cx="2743199" cy="365760"/>
+          </a:xfrm>
+          <a:prstGeom prst="rect">
+            <a:avLst/>
+          </a:prstGeom>
+          <a:noFill/>
+        </p:spPr>
+        <p:txBody>
+          <a:bodyPr rot="0" spcFirstLastPara="0" vertOverflow="overflow" horzOverflow="overflow" vert="horz" wrap="square" lIns="91440" tIns="45720" rIns="91440" bIns="45720" numCol="1" spcCol="0" rtlCol="0" fromWordArt="0" anchor="t" anchorCtr="0" forceAA="0" compatLnSpc="1">
+            <a:prstTxWarp prst="textNoShape">
+              <a:avLst/>
+            </a:prstTxWarp>
+            <a:spAutoFit/>
+          </a:bodyPr>
+          <a:lstStyle/>
+          <a:p>
+            <a:pPr algn="l"/>
+            <a:r>
+              <a:rPr lang="hu-HU" dirty="0" err="1"/>
+              <a:t>Password</a:t>
+            </a:r>
+          </a:p>
+        </p:txBody>
+      </p:sp>
+      <p:sp>
+        <p:nvSpPr>
+          <p:cNvPr id="9" name="Szövegdoboz 8">
+            <a:extLst>
+              <a:ext uri="{FF2B5EF4-FFF2-40B4-BE49-F238E27FC236}">
+                <a16:creationId xmlns:a16="http://schemas.microsoft.com/office/drawing/2014/main" id="{193F5678-5677-5565-3E9E-47176FD7FA33}"/>
+              </a:ext>
+            </a:extLst>
+          </p:cNvPr>
+          <p:cNvSpPr txBox="1"/>
+          <p:nvPr/>
+        </p:nvSpPr>
+        <p:spPr>
+          <a:xfrm>
+            <a:off x="9412433" y="6210549"/>
+            <a:ext cx="2743199" cy="365760"/>
+          </a:xfrm>
+          <a:prstGeom prst="rect">
+            <a:avLst/>
+          </a:prstGeom>
+          <a:noFill/>
+        </p:spPr>
+        <p:txBody>
+          <a:bodyPr rot="0" spcFirstLastPara="0" vertOverflow="overflow" horzOverflow="overflow" vert="horz" wrap="square" lIns="91440" tIns="45720" rIns="91440" bIns="45720" numCol="1" spcCol="0" rtlCol="0" fromWordArt="0" anchor="t" anchorCtr="0" forceAA="0" compatLnSpc="1">
+            <a:prstTxWarp prst="textNoShape">
+              <a:avLst/>
+            </a:prstTxWarp>
+            <a:spAutoFit/>
+          </a:bodyPr>
+          <a:lstStyle/>
+          <a:p>
+            <a:r>
+              <a:rPr lang="hu-HU" dirty="0" err="1"/>
+              <a:t>Member</a:t>
+            </a:r>
+            <a:r>
+              <a:rPr lang="hu-HU" dirty="0"/>
+              <a:t> Of</a:t>
+            </a:r>
+          </a:p>
+        </p:txBody>
+      </p:sp>
+    </p:spTree>
+    <p:extLst>
+      <p:ext uri="{BB962C8B-B14F-4D97-AF65-F5344CB8AC3E}">
+        <p14:creationId xmlns:p14="http://schemas.microsoft.com/office/powerpoint/2010/main" val="4035044263"/>
+      </p:ext>
+    </p:extLst>
+  </p:cSld>
+  <p:clrMapOvr>
+    <a:masterClrMapping/>
+  </p:clrMapOvr>
+  <mc:AlternateContent xmlns:mc="http://schemas.openxmlformats.org/markup-compatibility/2006">
+    <mc:Choice xmlns:p159="http://schemas.microsoft.com/office/powerpoint/2015/09/main" Requires="p159">
+      <p:transition xmlns:p14="http://schemas.microsoft.com/office/powerpoint/2010/main" spd="slow" p14:dur="2000">
+        <p159:morph option="byObject"/>
+      </p:transition>
+    </mc:Choice>
+    <mc:Fallback>
+      <p:transition spd="slow">
+        <p:fade/>
+      </p:transition>
+    </mc:Fallback>
+  </mc:AlternateContent>
+</p:sld>
+</file>
+
+<file path=ppt/slides/slide32.xml><?xml version="1.0" encoding="utf-8"?>
 <p:sld xmlns:a="http://schemas.openxmlformats.org/drawingml/2006/main" xmlns:r="http://schemas.openxmlformats.org/officeDocument/2006/relationships" xmlns:p="http://schemas.openxmlformats.org/presentationml/2006/main">
   <p:cSld>
     <p:spTree>
@@ -15687,10 +17539,22 @@
   <p:clrMapOvr>
     <a:masterClrMapping/>
   </p:clrMapOvr>
+  <mc:AlternateContent xmlns:mc="http://schemas.openxmlformats.org/markup-compatibility/2006" xmlns:p159="http://schemas.microsoft.com/office/powerpoint/2015/09/main">
+    <mc:Choice Requires="p159">
+      <p:transition xmlns:p14="http://schemas.microsoft.com/office/powerpoint/2010/main" spd="slow" p14:dur="2000">
+        <p159:morph option="byObject"/>
+      </p:transition>
+    </mc:Choice>
+    <mc:Fallback xmlns="">
+      <p:transition spd="slow">
+        <p:fade/>
+      </p:transition>
+    </mc:Fallback>
+  </mc:AlternateContent>
 </p:sld>
 </file>
 
-<file path=ppt/slides/slide28.xml><?xml version="1.0" encoding="utf-8"?>
+<file path=ppt/slides/slide33.xml><?xml version="1.0" encoding="utf-8"?>
 <p:sld xmlns:a="http://schemas.openxmlformats.org/drawingml/2006/main" xmlns:r="http://schemas.openxmlformats.org/officeDocument/2006/relationships" xmlns:p="http://schemas.openxmlformats.org/presentationml/2006/main">
   <p:cSld>
     <p:bg>
@@ -15820,7 +17684,7 @@
 </p:sld>
 </file>
 
-<file path=ppt/slides/slide29.xml><?xml version="1.0" encoding="utf-8"?>
+<file path=ppt/slides/slide34.xml><?xml version="1.0" encoding="utf-8"?>
 <p:sld xmlns:a="http://schemas.openxmlformats.org/drawingml/2006/main" xmlns:r="http://schemas.openxmlformats.org/officeDocument/2006/relationships" xmlns:p="http://schemas.openxmlformats.org/presentationml/2006/main">
   <p:cSld>
     <p:bg>
@@ -15853,7 +17717,7 @@
                 <a16:creationId xmlns:a16="http://schemas.microsoft.com/office/drawing/2014/main" id="{A4322390-8B58-46BE-88EB-D9FD30C08743}"/>
               </a:ext>
               <a:ext uri="{C183D7F6-B498-43B3-948B-1728B52AA6E4}">
-                <adec:decorative xmlns:adec="http://schemas.microsoft.com/office/drawing/2017/decorative" xmlns="" val="1"/>
+                <adec:decorative xmlns:adec="http://schemas.microsoft.com/office/drawing/2017/decorative" val="1"/>
               </a:ext>
             </a:extLst>
           </p:cNvPr>
@@ -15977,7 +17841,7 @@
                 <a16:creationId xmlns:a16="http://schemas.microsoft.com/office/drawing/2014/main" id="{C885E190-58DD-42DD-A4A8-401E15C92A52}"/>
               </a:ext>
               <a:ext uri="{C183D7F6-B498-43B3-948B-1728B52AA6E4}">
-                <adec:decorative xmlns:adec="http://schemas.microsoft.com/office/drawing/2017/decorative" xmlns="" val="1"/>
+                <adec:decorative xmlns:adec="http://schemas.microsoft.com/office/drawing/2017/decorative" val="1"/>
               </a:ext>
             </a:extLst>
           </p:cNvPr>
@@ -16032,266 +17896,13 @@
   <p:clrMapOvr>
     <a:masterClrMapping/>
   </p:clrMapOvr>
+  <p:transition spd="slow">
+    <p:push dir="u"/>
+  </p:transition>
 </p:sld>
 </file>
 
-<file path=ppt/slides/slide3.xml><?xml version="1.0" encoding="utf-8"?>
-<p:sld xmlns:a="http://schemas.openxmlformats.org/drawingml/2006/main" xmlns:r="http://schemas.openxmlformats.org/officeDocument/2006/relationships" xmlns:p="http://schemas.openxmlformats.org/presentationml/2006/main">
-  <p:cSld>
-    <p:bg>
-      <p:bgPr>
-        <a:gradFill rotWithShape="1">
-          <a:gsLst>
-            <a:gs pos="0">
-              <a:schemeClr val="bg1">
-                <a:tint val="98000"/>
-                <a:hueMod val="104000"/>
-                <a:satMod val="128000"/>
-                <a:lumMod val="104000"/>
-              </a:schemeClr>
-            </a:gs>
-            <a:gs pos="100000">
-              <a:schemeClr val="bg1">
-                <a:shade val="76000"/>
-                <a:hueMod val="89000"/>
-                <a:satMod val="164000"/>
-                <a:lumMod val="68000"/>
-              </a:schemeClr>
-            </a:gs>
-          </a:gsLst>
-          <a:path path="circle">
-            <a:fillToRect l="45000" t="65000" r="125000" b="100000"/>
-          </a:path>
-        </a:gradFill>
-        <a:effectLst/>
-      </p:bgPr>
-    </p:bg>
-    <p:spTree>
-      <p:nvGrpSpPr>
-        <p:cNvPr id="1" name=""/>
-        <p:cNvGrpSpPr/>
-        <p:nvPr/>
-      </p:nvGrpSpPr>
-      <p:grpSpPr>
-        <a:xfrm>
-          <a:off x="0" y="0"/>
-          <a:ext cx="0" cy="0"/>
-          <a:chOff x="0" y="0"/>
-          <a:chExt cx="0" cy="0"/>
-        </a:xfrm>
-      </p:grpSpPr>
-      <p:pic>
-        <p:nvPicPr>
-          <p:cNvPr id="4" name="Kép 3" descr="A képen Szárazföldi jármű, jármű, kerék, ég látható&#10;&#10;Lehet, hogy a mesterséges intelligencia által generált tartalom helytelen.">
-            <a:extLst>
-              <a:ext uri="{FF2B5EF4-FFF2-40B4-BE49-F238E27FC236}">
-                <a16:creationId xmlns:a16="http://schemas.microsoft.com/office/drawing/2014/main" id="{B4D40FFB-AD30-8486-79B5-4EC7CCF58A3C}"/>
-              </a:ext>
-            </a:extLst>
-          </p:cNvPr>
-          <p:cNvPicPr>
-            <a:picLocks noChangeAspect="1"/>
-          </p:cNvPicPr>
-          <p:nvPr/>
-        </p:nvPicPr>
-        <p:blipFill>
-          <a:blip r:embed="rId2">
-            <a:alphaModFix amt="25000"/>
-            <a:grayscl/>
-          </a:blip>
-          <a:srcRect t="15413"/>
-          <a:stretch/>
-        </p:blipFill>
-        <p:spPr>
-          <a:xfrm>
-            <a:off x="20" y="-1"/>
-            <a:ext cx="12191980" cy="6858000"/>
-          </a:xfrm>
-          <a:prstGeom prst="rect">
-            <a:avLst/>
-          </a:prstGeom>
-        </p:spPr>
-      </p:pic>
-      <p:sp>
-        <p:nvSpPr>
-          <p:cNvPr id="2" name="Cím 1"/>
-          <p:cNvSpPr>
-            <a:spLocks noGrp="1"/>
-          </p:cNvSpPr>
-          <p:nvPr>
-            <p:ph type="title"/>
-          </p:nvPr>
-        </p:nvSpPr>
-        <p:spPr>
-          <a:xfrm>
-            <a:off x="646111" y="452718"/>
-            <a:ext cx="9404723" cy="1400530"/>
-          </a:xfrm>
-        </p:spPr>
-        <p:txBody>
-          <a:bodyPr>
-            <a:normAutofit/>
-          </a:bodyPr>
-          <a:lstStyle/>
-          <a:p>
-            <a:r>
-              <a:rPr lang="hu-HU" dirty="0" err="1"/>
-              <a:t>Devices</a:t>
-            </a:r>
-            <a:endParaRPr lang="hu-HU" dirty="0"/>
-          </a:p>
-        </p:txBody>
-      </p:sp>
-      <p:sp>
-        <p:nvSpPr>
-          <p:cNvPr id="9" name="Rectangle 8">
-            <a:extLst>
-              <a:ext uri="{FF2B5EF4-FFF2-40B4-BE49-F238E27FC236}">
-                <a16:creationId xmlns:a16="http://schemas.microsoft.com/office/drawing/2014/main" id="{0D187C4E-14B9-4504-B200-5127823FA78C}"/>
-              </a:ext>
-              <a:ext uri="{C183D7F6-B498-43B3-948B-1728B52AA6E4}">
-                <adec:decorative xmlns:adec="http://schemas.microsoft.com/office/drawing/2017/decorative" xmlns="" val="1"/>
-              </a:ext>
-            </a:extLst>
-          </p:cNvPr>
-          <p:cNvSpPr>
-            <a:spLocks noGrp="1" noRot="1" noChangeAspect="1" noMove="1" noResize="1" noEditPoints="1" noAdjustHandles="1" noChangeArrowheads="1" noChangeShapeType="1" noTextEdit="1"/>
-          </p:cNvSpPr>
-          <p:nvPr>
-            <p:extLst>
-              <p:ext uri="{386F3935-93C4-4BCD-93E2-E3B085C9AB24}">
-                <p16:designElem xmlns:p16="http://schemas.microsoft.com/office/powerpoint/2015/main" val="1"/>
-              </p:ext>
-            </p:extLst>
-          </p:nvPr>
-        </p:nvSpPr>
-        <p:spPr>
-          <a:xfrm>
-            <a:off x="10442448" y="0"/>
-            <a:ext cx="685800" cy="1143000"/>
-          </a:xfrm>
-          <a:prstGeom prst="rect">
-            <a:avLst/>
-          </a:prstGeom>
-          <a:solidFill>
-            <a:schemeClr val="accent1"/>
-          </a:solidFill>
-          <a:ln>
-            <a:noFill/>
-          </a:ln>
-        </p:spPr>
-        <p:style>
-          <a:lnRef idx="1">
-            <a:schemeClr val="accent1"/>
-          </a:lnRef>
-          <a:fillRef idx="3">
-            <a:schemeClr val="accent1"/>
-          </a:fillRef>
-          <a:effectRef idx="2">
-            <a:schemeClr val="accent1"/>
-          </a:effectRef>
-          <a:fontRef idx="minor">
-            <a:schemeClr val="lt1"/>
-          </a:fontRef>
-        </p:style>
-      </p:sp>
-      <p:sp>
-        <p:nvSpPr>
-          <p:cNvPr id="3" name="Tartalom helye 2"/>
-          <p:cNvSpPr>
-            <a:spLocks noGrp="1"/>
-          </p:cNvSpPr>
-          <p:nvPr>
-            <p:ph idx="1"/>
-          </p:nvPr>
-        </p:nvSpPr>
-        <p:spPr>
-          <a:xfrm>
-            <a:off x="1103312" y="2052918"/>
-            <a:ext cx="8946541" cy="4195481"/>
-          </a:xfrm>
-        </p:spPr>
-        <p:txBody>
-          <a:bodyPr>
-            <a:normAutofit/>
-          </a:bodyPr>
-          <a:lstStyle/>
-          <a:p>
-            <a:r>
-              <a:rPr lang="hu-HU" dirty="0"/>
-              <a:t> 3 Cisco 4221 </a:t>
-            </a:r>
-            <a:r>
-              <a:rPr lang="hu-HU" dirty="0" err="1"/>
-              <a:t>router</a:t>
-            </a:r>
-            <a:r>
-              <a:rPr lang="hu-HU" dirty="0"/>
-              <a:t> </a:t>
-            </a:r>
-          </a:p>
-          <a:p>
-            <a:r>
-              <a:rPr lang="hu-HU" dirty="0"/>
-              <a:t>2 Cisco 2960 </a:t>
-            </a:r>
-            <a:r>
-              <a:rPr lang="hu-HU" dirty="0" err="1"/>
-              <a:t>switches</a:t>
-            </a:r>
-            <a:r>
-              <a:rPr lang="hu-HU" dirty="0"/>
-              <a:t> </a:t>
-            </a:r>
-          </a:p>
-          <a:p>
-            <a:r>
-              <a:rPr lang="hu-HU" dirty="0"/>
-              <a:t>1 </a:t>
-            </a:r>
-            <a:r>
-              <a:rPr lang="hu-HU" dirty="0" err="1"/>
-              <a:t>Tenda</a:t>
-            </a:r>
-            <a:r>
-              <a:rPr lang="hu-HU" dirty="0"/>
-              <a:t> WIFI </a:t>
-            </a:r>
-            <a:r>
-              <a:rPr lang="hu-HU" dirty="0" err="1"/>
-              <a:t>router</a:t>
-            </a:r>
-            <a:r>
-              <a:rPr lang="hu-HU"/>
-              <a:t> </a:t>
-            </a:r>
-            <a:endParaRPr lang="hu-HU" dirty="0"/>
-          </a:p>
-          <a:p>
-            <a:r>
-              <a:rPr lang="hu-HU" dirty="0"/>
-              <a:t>3db végberendezés</a:t>
-            </a:r>
-          </a:p>
-          <a:p>
-            <a:endParaRPr lang="hu-HU" dirty="0"/>
-          </a:p>
-        </p:txBody>
-      </p:sp>
-    </p:spTree>
-    <p:extLst>
-      <p:ext uri="{BB962C8B-B14F-4D97-AF65-F5344CB8AC3E}">
-        <p14:creationId xmlns:p14="http://schemas.microsoft.com/office/powerpoint/2010/main" val="1275827467"/>
-      </p:ext>
-    </p:extLst>
-  </p:cSld>
-  <p:clrMapOvr>
-    <a:masterClrMapping/>
-  </p:clrMapOvr>
-</p:sld>
-</file>
-
-<file path=ppt/slides/slide30.xml><?xml version="1.0" encoding="utf-8"?>
+<file path=ppt/slides/slide35.xml><?xml version="1.0" encoding="utf-8"?>
 <p:sld xmlns:a="http://schemas.openxmlformats.org/drawingml/2006/main" xmlns:r="http://schemas.openxmlformats.org/officeDocument/2006/relationships" xmlns:p="http://schemas.openxmlformats.org/presentationml/2006/main">
   <p:cSld>
     <p:spTree>
@@ -16398,13 +18009,22 @@
   <p:clrMapOvr>
     <a:masterClrMapping/>
   </p:clrMapOvr>
-  <p:transition spd="slow">
-    <p:push dir="u"/>
-  </p:transition>
+  <mc:AlternateContent xmlns:mc="http://schemas.openxmlformats.org/markup-compatibility/2006" xmlns:p14="http://schemas.microsoft.com/office/powerpoint/2010/main">
+    <mc:Choice Requires="p14">
+      <p:transition spd="med" p14:dur="700">
+        <p:fade/>
+      </p:transition>
+    </mc:Choice>
+    <mc:Fallback xmlns="">
+      <p:transition spd="med">
+        <p:fade/>
+      </p:transition>
+    </mc:Fallback>
+  </mc:AlternateContent>
 </p:sld>
 </file>
 
-<file path=ppt/slides/slide31.xml><?xml version="1.0" encoding="utf-8"?>
+<file path=ppt/slides/slide36.xml><?xml version="1.0" encoding="utf-8"?>
 <p:sld xmlns:a="http://schemas.openxmlformats.org/drawingml/2006/main" xmlns:r="http://schemas.openxmlformats.org/officeDocument/2006/relationships" xmlns:p="http://schemas.openxmlformats.org/presentationml/2006/main">
   <p:cSld>
     <p:spTree>
@@ -16486,13 +18106,22 @@
   <p:clrMapOvr>
     <a:masterClrMapping/>
   </p:clrMapOvr>
-  <p:transition spd="slow">
-    <p:push dir="u"/>
-  </p:transition>
+  <mc:AlternateContent xmlns:mc="http://schemas.openxmlformats.org/markup-compatibility/2006" xmlns:p14="http://schemas.microsoft.com/office/powerpoint/2010/main">
+    <mc:Choice Requires="p14">
+      <p:transition spd="med" p14:dur="700">
+        <p:fade/>
+      </p:transition>
+    </mc:Choice>
+    <mc:Fallback xmlns="">
+      <p:transition spd="med">
+        <p:fade/>
+      </p:transition>
+    </mc:Fallback>
+  </mc:AlternateContent>
 </p:sld>
 </file>
 
-<file path=ppt/slides/slide32.xml><?xml version="1.0" encoding="utf-8"?>
+<file path=ppt/slides/slide37.xml><?xml version="1.0" encoding="utf-8"?>
 <p:sld xmlns:a="http://schemas.openxmlformats.org/drawingml/2006/main" xmlns:r="http://schemas.openxmlformats.org/officeDocument/2006/relationships" xmlns:p="http://schemas.openxmlformats.org/presentationml/2006/main">
   <p:cSld>
     <p:bg>
@@ -16525,7 +18154,7 @@
                 <a16:creationId xmlns:a16="http://schemas.microsoft.com/office/drawing/2014/main" id="{A4322390-8B58-46BE-88EB-D9FD30C08743}"/>
               </a:ext>
               <a:ext uri="{C183D7F6-B498-43B3-948B-1728B52AA6E4}">
-                <adec:decorative xmlns:adec="http://schemas.microsoft.com/office/drawing/2017/decorative" xmlns="" val="1"/>
+                <adec:decorative xmlns:adec="http://schemas.microsoft.com/office/drawing/2017/decorative" val="1"/>
               </a:ext>
             </a:extLst>
           </p:cNvPr>
@@ -16655,7 +18284,7 @@
                 <a16:creationId xmlns:a16="http://schemas.microsoft.com/office/drawing/2014/main" id="{C885E190-58DD-42DD-A4A8-401E15C92A52}"/>
               </a:ext>
               <a:ext uri="{C183D7F6-B498-43B3-948B-1728B52AA6E4}">
-                <adec:decorative xmlns:adec="http://schemas.microsoft.com/office/drawing/2017/decorative" xmlns="" val="1"/>
+                <adec:decorative xmlns:adec="http://schemas.microsoft.com/office/drawing/2017/decorative" val="1"/>
               </a:ext>
             </a:extLst>
           </p:cNvPr>
@@ -16716,7 +18345,7 @@
 </p:sld>
 </file>
 
-<file path=ppt/slides/slide33.xml><?xml version="1.0" encoding="utf-8"?>
+<file path=ppt/slides/slide38.xml><?xml version="1.0" encoding="utf-8"?>
 <p:sld xmlns:a="http://schemas.openxmlformats.org/drawingml/2006/main" xmlns:r="http://schemas.openxmlformats.org/officeDocument/2006/relationships" xmlns:p="http://schemas.openxmlformats.org/presentationml/2006/main">
   <p:cSld>
     <p:bg>
@@ -17078,13 +18707,22 @@
   <p:clrMapOvr>
     <a:masterClrMapping/>
   </p:clrMapOvr>
-  <p:transition spd="slow">
-    <p:push dir="u"/>
-  </p:transition>
+  <mc:AlternateContent xmlns:mc="http://schemas.openxmlformats.org/markup-compatibility/2006" xmlns:p14="http://schemas.microsoft.com/office/powerpoint/2010/main">
+    <mc:Choice Requires="p14">
+      <p:transition spd="med" p14:dur="700">
+        <p:fade/>
+      </p:transition>
+    </mc:Choice>
+    <mc:Fallback xmlns="">
+      <p:transition spd="med">
+        <p:fade/>
+      </p:transition>
+    </mc:Fallback>
+  </mc:AlternateContent>
 </p:sld>
 </file>
 
-<file path=ppt/slides/slide34.xml><?xml version="1.0" encoding="utf-8"?>
+<file path=ppt/slides/slide39.xml><?xml version="1.0" encoding="utf-8"?>
 <p:sld xmlns:a="http://schemas.openxmlformats.org/drawingml/2006/main" xmlns:r="http://schemas.openxmlformats.org/officeDocument/2006/relationships" xmlns:p="http://schemas.openxmlformats.org/presentationml/2006/main">
   <p:cSld>
     <p:spTree>
@@ -17177,13 +18815,471 @@
   <p:clrMapOvr>
     <a:masterClrMapping/>
   </p:clrMapOvr>
-  <p:transition spd="slow">
-    <p:push dir="u"/>
-  </p:transition>
+  <mc:AlternateContent xmlns:mc="http://schemas.openxmlformats.org/markup-compatibility/2006" xmlns:p14="http://schemas.microsoft.com/office/powerpoint/2010/main">
+    <mc:Choice Requires="p14">
+      <p:transition spd="med" p14:dur="700">
+        <p:fade/>
+      </p:transition>
+    </mc:Choice>
+    <mc:Fallback xmlns="">
+      <p:transition spd="med">
+        <p:fade/>
+      </p:transition>
+    </mc:Fallback>
+  </mc:AlternateContent>
 </p:sld>
 </file>
 
-<file path=ppt/slides/slide35.xml><?xml version="1.0" encoding="utf-8"?>
+<file path=ppt/slides/slide4.xml><?xml version="1.0" encoding="utf-8"?>
+<p:sld xmlns:a="http://schemas.openxmlformats.org/drawingml/2006/main" xmlns:r="http://schemas.openxmlformats.org/officeDocument/2006/relationships" xmlns:p="http://schemas.openxmlformats.org/presentationml/2006/main">
+  <p:cSld>
+    <p:bg>
+      <p:bgPr>
+        <a:blipFill rotWithShape="1">
+          <a:blip r:embed="rId2">
+            <a:duotone>
+              <a:schemeClr val="bg2">
+                <a:shade val="42000"/>
+                <a:hueMod val="42000"/>
+                <a:satMod val="124000"/>
+                <a:lumMod val="62000"/>
+              </a:schemeClr>
+              <a:schemeClr val="bg2">
+                <a:tint val="96000"/>
+                <a:satMod val="130000"/>
+              </a:schemeClr>
+            </a:duotone>
+          </a:blip>
+          <a:stretch/>
+        </a:blipFill>
+        <a:effectLst/>
+      </p:bgPr>
+    </p:bg>
+    <p:spTree>
+      <p:nvGrpSpPr>
+        <p:cNvPr id="1" name=""/>
+        <p:cNvGrpSpPr/>
+        <p:nvPr/>
+      </p:nvGrpSpPr>
+      <p:grpSpPr>
+        <a:xfrm>
+          <a:off x="0" y="0"/>
+          <a:ext cx="0" cy="0"/>
+          <a:chOff x="0" y="0"/>
+          <a:chExt cx="0" cy="0"/>
+        </a:xfrm>
+      </p:grpSpPr>
+      <p:pic>
+        <p:nvPicPr>
+          <p:cNvPr id="8" name="Picture 7">
+            <a:extLst>
+              <a:ext uri="{FF2B5EF4-FFF2-40B4-BE49-F238E27FC236}">
+                <a16:creationId xmlns:a16="http://schemas.microsoft.com/office/drawing/2014/main" id="{C0F4014E-6BAF-4F6C-B8CE-81A4D8F8801E}"/>
+              </a:ext>
+              <a:ext uri="{C183D7F6-B498-43B3-948B-1728B52AA6E4}">
+                <adec:decorative xmlns:adec="http://schemas.microsoft.com/office/drawing/2017/decorative" val="1"/>
+              </a:ext>
+            </a:extLst>
+          </p:cNvPr>
+          <p:cNvPicPr>
+            <a:picLocks noGrp="1" noRot="1" noChangeAspect="1" noMove="1" noResize="1" noEditPoints="1" noAdjustHandles="1" noChangeArrowheads="1" noChangeShapeType="1" noCrop="1"/>
+          </p:cNvPicPr>
+          <p:nvPr>
+            <p:extLst>
+              <p:ext uri="{386F3935-93C4-4BCD-93E2-E3B085C9AB24}">
+                <p16:designElem xmlns:p16="http://schemas.microsoft.com/office/powerpoint/2015/main" val="1"/>
+              </p:ext>
+            </p:extLst>
+          </p:nvPr>
+        </p:nvPicPr>
+        <p:blipFill rotWithShape="1">
+          <a:blip r:embed="rId3">
+            <a:extLst>
+              <a:ext uri="{28A0092B-C50C-407E-A947-70E740481C1C}">
+                <a14:useLocalDpi xmlns:a14="http://schemas.microsoft.com/office/drawing/2010/main" val="0"/>
+              </a:ext>
+            </a:extLst>
+          </a:blip>
+          <a:srcRect l="3613"/>
+          <a:stretch/>
+        </p:blipFill>
+        <p:spPr>
+          <a:xfrm>
+            <a:off x="0" y="2669685"/>
+            <a:ext cx="4037012" cy="4188315"/>
+          </a:xfrm>
+          <a:prstGeom prst="rect">
+            <a:avLst/>
+          </a:prstGeom>
+        </p:spPr>
+      </p:pic>
+      <p:pic>
+        <p:nvPicPr>
+          <p:cNvPr id="10" name="Picture 9">
+            <a:extLst>
+              <a:ext uri="{FF2B5EF4-FFF2-40B4-BE49-F238E27FC236}">
+                <a16:creationId xmlns:a16="http://schemas.microsoft.com/office/drawing/2014/main" id="{B891C919-1CCE-4DE8-BCB6-6D4A823ABA63}"/>
+              </a:ext>
+              <a:ext uri="{C183D7F6-B498-43B3-948B-1728B52AA6E4}">
+                <adec:decorative xmlns:adec="http://schemas.microsoft.com/office/drawing/2017/decorative" val="1"/>
+              </a:ext>
+            </a:extLst>
+          </p:cNvPr>
+          <p:cNvPicPr>
+            <a:picLocks noGrp="1" noRot="1" noChangeAspect="1" noMove="1" noResize="1" noEditPoints="1" noAdjustHandles="1" noChangeArrowheads="1" noChangeShapeType="1" noCrop="1"/>
+          </p:cNvPicPr>
+          <p:nvPr>
+            <p:extLst>
+              <p:ext uri="{386F3935-93C4-4BCD-93E2-E3B085C9AB24}">
+                <p16:designElem xmlns:p16="http://schemas.microsoft.com/office/powerpoint/2015/main" val="1"/>
+              </p:ext>
+            </p:extLst>
+          </p:nvPr>
+        </p:nvPicPr>
+        <p:blipFill rotWithShape="1">
+          <a:blip r:embed="rId4">
+            <a:extLst>
+              <a:ext uri="{28A0092B-C50C-407E-A947-70E740481C1C}">
+                <a14:useLocalDpi xmlns:a14="http://schemas.microsoft.com/office/drawing/2010/main" val="0"/>
+              </a:ext>
+            </a:extLst>
+          </a:blip>
+          <a:srcRect l="35640"/>
+          <a:stretch/>
+        </p:blipFill>
+        <p:spPr>
+          <a:xfrm>
+            <a:off x="0" y="2892347"/>
+            <a:ext cx="1522412" cy="2365453"/>
+          </a:xfrm>
+          <a:prstGeom prst="rect">
+            <a:avLst/>
+          </a:prstGeom>
+        </p:spPr>
+      </p:pic>
+      <p:sp>
+        <p:nvSpPr>
+          <p:cNvPr id="12" name="Oval 11">
+            <a:extLst>
+              <a:ext uri="{FF2B5EF4-FFF2-40B4-BE49-F238E27FC236}">
+                <a16:creationId xmlns:a16="http://schemas.microsoft.com/office/drawing/2014/main" id="{845D3C1D-A85C-44EE-A21E-2DAAEC79F14E}"/>
+              </a:ext>
+              <a:ext uri="{C183D7F6-B498-43B3-948B-1728B52AA6E4}">
+                <adec:decorative xmlns:adec="http://schemas.microsoft.com/office/drawing/2017/decorative" val="1"/>
+              </a:ext>
+            </a:extLst>
+          </p:cNvPr>
+          <p:cNvSpPr>
+            <a:spLocks noGrp="1" noRot="1" noChangeAspect="1" noMove="1" noResize="1" noEditPoints="1" noAdjustHandles="1" noChangeArrowheads="1" noChangeShapeType="1" noTextEdit="1"/>
+          </p:cNvSpPr>
+          <p:nvPr>
+            <p:extLst>
+              <p:ext uri="{386F3935-93C4-4BCD-93E2-E3B085C9AB24}">
+                <p16:designElem xmlns:p16="http://schemas.microsoft.com/office/powerpoint/2015/main" val="1"/>
+              </p:ext>
+            </p:extLst>
+          </p:nvPr>
+        </p:nvSpPr>
+        <p:spPr>
+          <a:xfrm>
+            <a:off x="8609012" y="1676400"/>
+            <a:ext cx="2819400" cy="2819400"/>
+          </a:xfrm>
+          <a:prstGeom prst="ellipse">
+            <a:avLst/>
+          </a:prstGeom>
+          <a:gradFill flip="none" rotWithShape="1">
+            <a:gsLst>
+              <a:gs pos="0">
+                <a:schemeClr val="accent1">
+                  <a:lumMod val="60000"/>
+                  <a:lumOff val="40000"/>
+                  <a:alpha val="7000"/>
+                </a:schemeClr>
+              </a:gs>
+              <a:gs pos="69000">
+                <a:schemeClr val="accent1">
+                  <a:lumMod val="60000"/>
+                  <a:lumOff val="40000"/>
+                  <a:alpha val="0"/>
+                </a:schemeClr>
+              </a:gs>
+              <a:gs pos="36000">
+                <a:schemeClr val="accent1">
+                  <a:lumMod val="60000"/>
+                  <a:lumOff val="40000"/>
+                  <a:alpha val="6000"/>
+                </a:schemeClr>
+              </a:gs>
+            </a:gsLst>
+            <a:path path="circle">
+              <a:fillToRect l="50000" t="50000" r="50000" b="50000"/>
+            </a:path>
+            <a:tileRect/>
+          </a:gradFill>
+          <a:ln>
+            <a:noFill/>
+          </a:ln>
+          <a:effectLst/>
+        </p:spPr>
+        <p:style>
+          <a:lnRef idx="1">
+            <a:schemeClr val="accent1"/>
+          </a:lnRef>
+          <a:fillRef idx="3">
+            <a:schemeClr val="accent1"/>
+          </a:fillRef>
+          <a:effectRef idx="2">
+            <a:schemeClr val="accent1"/>
+          </a:effectRef>
+          <a:fontRef idx="minor">
+            <a:schemeClr val="lt1"/>
+          </a:fontRef>
+        </p:style>
+      </p:sp>
+      <p:pic>
+        <p:nvPicPr>
+          <p:cNvPr id="14" name="Picture 13">
+            <a:extLst>
+              <a:ext uri="{FF2B5EF4-FFF2-40B4-BE49-F238E27FC236}">
+                <a16:creationId xmlns:a16="http://schemas.microsoft.com/office/drawing/2014/main" id="{1272C03D-FF5F-4787-9923-252D8F950C24}"/>
+              </a:ext>
+              <a:ext uri="{C183D7F6-B498-43B3-948B-1728B52AA6E4}">
+                <adec:decorative xmlns:adec="http://schemas.microsoft.com/office/drawing/2017/decorative" val="1"/>
+              </a:ext>
+            </a:extLst>
+          </p:cNvPr>
+          <p:cNvPicPr>
+            <a:picLocks noGrp="1" noRot="1" noChangeAspect="1" noMove="1" noResize="1" noEditPoints="1" noAdjustHandles="1" noChangeArrowheads="1" noChangeShapeType="1" noCrop="1"/>
+          </p:cNvPicPr>
+          <p:nvPr>
+            <p:extLst>
+              <p:ext uri="{386F3935-93C4-4BCD-93E2-E3B085C9AB24}">
+                <p16:designElem xmlns:p16="http://schemas.microsoft.com/office/powerpoint/2015/main" val="1"/>
+              </p:ext>
+            </p:extLst>
+          </p:nvPr>
+        </p:nvPicPr>
+        <p:blipFill rotWithShape="1">
+          <a:blip r:embed="rId5">
+            <a:extLst>
+              <a:ext uri="{28A0092B-C50C-407E-A947-70E740481C1C}">
+                <a14:useLocalDpi xmlns:a14="http://schemas.microsoft.com/office/drawing/2010/main" val="0"/>
+              </a:ext>
+            </a:extLst>
+          </a:blip>
+          <a:srcRect t="28713"/>
+          <a:stretch/>
+        </p:blipFill>
+        <p:spPr>
+          <a:xfrm>
+            <a:off x="8000197" y="0"/>
+            <a:ext cx="1603387" cy="1143000"/>
+          </a:xfrm>
+          <a:prstGeom prst="rect">
+            <a:avLst/>
+          </a:prstGeom>
+        </p:spPr>
+      </p:pic>
+      <p:pic>
+        <p:nvPicPr>
+          <p:cNvPr id="16" name="Picture 15">
+            <a:extLst>
+              <a:ext uri="{FF2B5EF4-FFF2-40B4-BE49-F238E27FC236}">
+                <a16:creationId xmlns:a16="http://schemas.microsoft.com/office/drawing/2014/main" id="{809E94B5-14C4-4FFC-A641-4DD9C0733BEC}"/>
+              </a:ext>
+              <a:ext uri="{C183D7F6-B498-43B3-948B-1728B52AA6E4}">
+                <adec:decorative xmlns:adec="http://schemas.microsoft.com/office/drawing/2017/decorative" val="1"/>
+              </a:ext>
+            </a:extLst>
+          </p:cNvPr>
+          <p:cNvPicPr>
+            <a:picLocks noGrp="1" noRot="1" noChangeAspect="1" noMove="1" noResize="1" noEditPoints="1" noAdjustHandles="1" noChangeArrowheads="1" noChangeShapeType="1" noCrop="1"/>
+          </p:cNvPicPr>
+          <p:nvPr>
+            <p:extLst>
+              <p:ext uri="{386F3935-93C4-4BCD-93E2-E3B085C9AB24}">
+                <p16:designElem xmlns:p16="http://schemas.microsoft.com/office/powerpoint/2015/main" val="1"/>
+              </p:ext>
+            </p:extLst>
+          </p:nvPr>
+        </p:nvPicPr>
+        <p:blipFill rotWithShape="1">
+          <a:blip r:embed="rId6">
+            <a:extLst>
+              <a:ext uri="{28A0092B-C50C-407E-A947-70E740481C1C}">
+                <a14:useLocalDpi xmlns:a14="http://schemas.microsoft.com/office/drawing/2010/main" val="0"/>
+              </a:ext>
+            </a:extLst>
+          </a:blip>
+          <a:srcRect b="24199"/>
+          <a:stretch/>
+        </p:blipFill>
+        <p:spPr>
+          <a:xfrm>
+            <a:off x="8609012" y="6092866"/>
+            <a:ext cx="993734" cy="765134"/>
+          </a:xfrm>
+          <a:prstGeom prst="rect">
+            <a:avLst/>
+          </a:prstGeom>
+        </p:spPr>
+      </p:pic>
+      <p:sp>
+        <p:nvSpPr>
+          <p:cNvPr id="18" name="Rectangle 17">
+            <a:extLst>
+              <a:ext uri="{FF2B5EF4-FFF2-40B4-BE49-F238E27FC236}">
+                <a16:creationId xmlns:a16="http://schemas.microsoft.com/office/drawing/2014/main" id="{D987E165-75F1-443C-9A05-ADC511C3375C}"/>
+              </a:ext>
+              <a:ext uri="{C183D7F6-B498-43B3-948B-1728B52AA6E4}">
+                <adec:decorative xmlns:adec="http://schemas.microsoft.com/office/drawing/2017/decorative" val="1"/>
+              </a:ext>
+            </a:extLst>
+          </p:cNvPr>
+          <p:cNvSpPr>
+            <a:spLocks noGrp="1" noRot="1" noChangeAspect="1" noMove="1" noResize="1" noEditPoints="1" noAdjustHandles="1" noChangeArrowheads="1" noChangeShapeType="1" noTextEdit="1"/>
+          </p:cNvSpPr>
+          <p:nvPr>
+            <p:extLst>
+              <p:ext uri="{386F3935-93C4-4BCD-93E2-E3B085C9AB24}">
+                <p16:designElem xmlns:p16="http://schemas.microsoft.com/office/powerpoint/2015/main" val="1"/>
+              </p:ext>
+            </p:extLst>
+          </p:nvPr>
+        </p:nvSpPr>
+        <p:spPr>
+          <a:xfrm>
+            <a:off x="10437812" y="0"/>
+            <a:ext cx="685800" cy="1143000"/>
+          </a:xfrm>
+          <a:prstGeom prst="rect">
+            <a:avLst/>
+          </a:prstGeom>
+          <a:solidFill>
+            <a:schemeClr val="accent1"/>
+          </a:solidFill>
+          <a:ln>
+            <a:noFill/>
+          </a:ln>
+        </p:spPr>
+        <p:style>
+          <a:lnRef idx="1">
+            <a:schemeClr val="accent1"/>
+          </a:lnRef>
+          <a:fillRef idx="3">
+            <a:schemeClr val="accent1"/>
+          </a:fillRef>
+          <a:effectRef idx="2">
+            <a:schemeClr val="accent1"/>
+          </a:effectRef>
+          <a:fontRef idx="minor">
+            <a:schemeClr val="lt1"/>
+          </a:fontRef>
+        </p:style>
+      </p:sp>
+      <p:sp>
+        <p:nvSpPr>
+          <p:cNvPr id="2" name="Title 1">
+            <a:extLst>
+              <a:ext uri="{FF2B5EF4-FFF2-40B4-BE49-F238E27FC236}">
+                <a16:creationId xmlns:a16="http://schemas.microsoft.com/office/drawing/2014/main" id="{14C6FE33-0449-62A0-5900-09C992BB98BF}"/>
+              </a:ext>
+            </a:extLst>
+          </p:cNvPr>
+          <p:cNvSpPr>
+            <a:spLocks noGrp="1"/>
+          </p:cNvSpPr>
+          <p:nvPr>
+            <p:ph type="title"/>
+          </p:nvPr>
+        </p:nvSpPr>
+        <p:spPr>
+          <a:xfrm>
+            <a:off x="636916" y="4542503"/>
+            <a:ext cx="9184606" cy="1179870"/>
+          </a:xfrm>
+        </p:spPr>
+        <p:txBody>
+          <a:bodyPr vert="horz" lIns="91440" tIns="45720" rIns="91440" bIns="45720" rtlCol="0" anchor="b">
+            <a:normAutofit/>
+          </a:bodyPr>
+          <a:lstStyle/>
+          <a:p>
+            <a:pPr>
+              <a:lnSpc>
+                <a:spcPct val="90000"/>
+              </a:lnSpc>
+            </a:pPr>
+            <a:r>
+              <a:rPr lang="en-US" sz="7200"/>
+              <a:t>Topology</a:t>
+            </a:r>
+          </a:p>
+        </p:txBody>
+      </p:sp>
+      <p:pic>
+        <p:nvPicPr>
+          <p:cNvPr id="3" name="Kép 2" descr="A képen diagram, szöveg, kör, térkép látható&#10;&#10;Lehet, hogy a mesterséges intelligencia által generált tartalom helytelen.">
+            <a:extLst>
+              <a:ext uri="{FF2B5EF4-FFF2-40B4-BE49-F238E27FC236}">
+                <a16:creationId xmlns:a16="http://schemas.microsoft.com/office/drawing/2014/main" id="{49264A05-AD7F-9A2B-C4F9-DCE77F8FF758}"/>
+              </a:ext>
+            </a:extLst>
+          </p:cNvPr>
+          <p:cNvPicPr>
+            <a:picLocks noChangeAspect="1"/>
+          </p:cNvPicPr>
+          <p:nvPr/>
+        </p:nvPicPr>
+        <p:blipFill>
+          <a:blip r:embed="rId7"/>
+          <a:srcRect l="3747" r="-1" b="-1"/>
+          <a:stretch/>
+        </p:blipFill>
+        <p:spPr>
+          <a:xfrm>
+            <a:off x="17823" y="841"/>
+            <a:ext cx="12182574" cy="4230870"/>
+          </a:xfrm>
+          <a:prstGeom prst="rect">
+            <a:avLst/>
+          </a:prstGeom>
+          <a:effectLst>
+            <a:outerShdw blurRad="50800" dist="38100" dir="5400000" algn="t" rotWithShape="0">
+              <a:prstClr val="black">
+                <a:alpha val="43000"/>
+              </a:prstClr>
+            </a:outerShdw>
+          </a:effectLst>
+        </p:spPr>
+      </p:pic>
+    </p:spTree>
+    <p:extLst>
+      <p:ext uri="{BB962C8B-B14F-4D97-AF65-F5344CB8AC3E}">
+        <p14:creationId xmlns:p14="http://schemas.microsoft.com/office/powerpoint/2010/main" val="3563977590"/>
+      </p:ext>
+    </p:extLst>
+  </p:cSld>
+  <p:clrMapOvr>
+    <a:masterClrMapping/>
+  </p:clrMapOvr>
+  <mc:AlternateContent xmlns:mc="http://schemas.openxmlformats.org/markup-compatibility/2006" xmlns:p14="http://schemas.microsoft.com/office/powerpoint/2010/main">
+    <mc:Choice Requires="p14">
+      <p:transition spd="med" p14:dur="700">
+        <p:fade/>
+      </p:transition>
+    </mc:Choice>
+    <mc:Fallback xmlns="">
+      <p:transition spd="med">
+        <p:fade/>
+      </p:transition>
+    </mc:Fallback>
+  </mc:AlternateContent>
+</p:sld>
+</file>
+
+<file path=ppt/slides/slide40.xml><?xml version="1.0" encoding="utf-8"?>
 <p:sld xmlns:a="http://schemas.openxmlformats.org/drawingml/2006/main" xmlns:r="http://schemas.openxmlformats.org/officeDocument/2006/relationships" xmlns:p="http://schemas.openxmlformats.org/presentationml/2006/main">
   <p:cSld>
     <p:bg>
@@ -17331,13 +19427,22 @@
   <p:clrMapOvr>
     <a:masterClrMapping/>
   </p:clrMapOvr>
-  <p:transition spd="slow">
-    <p:push dir="u"/>
-  </p:transition>
+  <mc:AlternateContent xmlns:mc="http://schemas.openxmlformats.org/markup-compatibility/2006" xmlns:p14="http://schemas.microsoft.com/office/powerpoint/2010/main">
+    <mc:Choice Requires="p14">
+      <p:transition spd="med" p14:dur="700">
+        <p:fade/>
+      </p:transition>
+    </mc:Choice>
+    <mc:Fallback xmlns="">
+      <p:transition spd="med">
+        <p:fade/>
+      </p:transition>
+    </mc:Fallback>
+  </mc:AlternateContent>
 </p:sld>
 </file>
 
-<file path=ppt/slides/slide36.xml><?xml version="1.0" encoding="utf-8"?>
+<file path=ppt/slides/slide41.xml><?xml version="1.0" encoding="utf-8"?>
 <p:sld xmlns:a="http://schemas.openxmlformats.org/drawingml/2006/main" xmlns:r="http://schemas.openxmlformats.org/officeDocument/2006/relationships" xmlns:p="http://schemas.openxmlformats.org/presentationml/2006/main">
   <p:cSld>
     <p:spTree>
@@ -17451,10 +19556,22 @@
   <p:clrMapOvr>
     <a:masterClrMapping/>
   </p:clrMapOvr>
+  <mc:AlternateContent xmlns:mc="http://schemas.openxmlformats.org/markup-compatibility/2006" xmlns:p14="http://schemas.microsoft.com/office/powerpoint/2010/main">
+    <mc:Choice Requires="p14">
+      <p:transition spd="med" p14:dur="700">
+        <p:fade/>
+      </p:transition>
+    </mc:Choice>
+    <mc:Fallback xmlns="">
+      <p:transition spd="med">
+        <p:fade/>
+      </p:transition>
+    </mc:Fallback>
+  </mc:AlternateContent>
 </p:sld>
 </file>
 
-<file path=ppt/slides/slide37.xml><?xml version="1.0" encoding="utf-8"?>
+<file path=ppt/slides/slide42.xml><?xml version="1.0" encoding="utf-8"?>
 <p:sld xmlns:a="http://schemas.openxmlformats.org/drawingml/2006/main" xmlns:r="http://schemas.openxmlformats.org/officeDocument/2006/relationships" xmlns:p="http://schemas.openxmlformats.org/presentationml/2006/main">
   <p:cSld>
     <p:bg>
@@ -17487,7 +19604,7 @@
                 <a16:creationId xmlns:a16="http://schemas.microsoft.com/office/drawing/2014/main" id="{A4322390-8B58-46BE-88EB-D9FD30C08743}"/>
               </a:ext>
               <a:ext uri="{C183D7F6-B498-43B3-948B-1728B52AA6E4}">
-                <adec:decorative xmlns:adec="http://schemas.microsoft.com/office/drawing/2017/decorative" xmlns="" val="1"/>
+                <adec:decorative xmlns:adec="http://schemas.microsoft.com/office/drawing/2017/decorative" val="1"/>
               </a:ext>
             </a:extLst>
           </p:cNvPr>
@@ -17611,7 +19728,7 @@
                 <a16:creationId xmlns:a16="http://schemas.microsoft.com/office/drawing/2014/main" id="{C885E190-58DD-42DD-A4A8-401E15C92A52}"/>
               </a:ext>
               <a:ext uri="{C183D7F6-B498-43B3-948B-1728B52AA6E4}">
-                <adec:decorative xmlns:adec="http://schemas.microsoft.com/office/drawing/2017/decorative" xmlns="" val="1"/>
+                <adec:decorative xmlns:adec="http://schemas.microsoft.com/office/drawing/2017/decorative" val="1"/>
               </a:ext>
             </a:extLst>
           </p:cNvPr>
@@ -17666,10 +19783,13 @@
   <p:clrMapOvr>
     <a:masterClrMapping/>
   </p:clrMapOvr>
+  <p:transition spd="slow">
+    <p:push dir="u"/>
+  </p:transition>
 </p:sld>
 </file>
 
-<file path=ppt/slides/slide38.xml><?xml version="1.0" encoding="utf-8"?>
+<file path=ppt/slides/slide43.xml><?xml version="1.0" encoding="utf-8"?>
 <p:sld xmlns:a="http://schemas.openxmlformats.org/drawingml/2006/main" xmlns:r="http://schemas.openxmlformats.org/officeDocument/2006/relationships" xmlns:p="http://schemas.openxmlformats.org/presentationml/2006/main">
   <p:cSld>
     <p:spTree>
@@ -17756,10 +19876,22 @@
   <p:clrMapOvr>
     <a:masterClrMapping/>
   </p:clrMapOvr>
+  <mc:AlternateContent xmlns:mc="http://schemas.openxmlformats.org/markup-compatibility/2006" xmlns:p14="http://schemas.microsoft.com/office/powerpoint/2010/main">
+    <mc:Choice Requires="p14">
+      <p:transition spd="med" p14:dur="700">
+        <p:fade/>
+      </p:transition>
+    </mc:Choice>
+    <mc:Fallback xmlns="">
+      <p:transition spd="med">
+        <p:fade/>
+      </p:transition>
+    </mc:Fallback>
+  </mc:AlternateContent>
 </p:sld>
 </file>
 
-<file path=ppt/slides/slide39.xml><?xml version="1.0" encoding="utf-8"?>
+<file path=ppt/slides/slide44.xml><?xml version="1.0" encoding="utf-8"?>
 <p:sld xmlns:a="http://schemas.openxmlformats.org/drawingml/2006/main" xmlns:r="http://schemas.openxmlformats.org/officeDocument/2006/relationships" xmlns:p="http://schemas.openxmlformats.org/presentationml/2006/main">
   <p:cSld>
     <p:spTree>
@@ -17859,451 +19991,14 @@
   <p:clrMapOvr>
     <a:masterClrMapping/>
   </p:clrMapOvr>
-</p:sld>
-</file>
-
-<file path=ppt/slides/slide4.xml><?xml version="1.0" encoding="utf-8"?>
-<p:sld xmlns:a="http://schemas.openxmlformats.org/drawingml/2006/main" xmlns:r="http://schemas.openxmlformats.org/officeDocument/2006/relationships" xmlns:p="http://schemas.openxmlformats.org/presentationml/2006/main">
-  <p:cSld>
-    <p:bg>
-      <p:bgPr>
-        <a:blipFill rotWithShape="1">
-          <a:blip r:embed="rId2">
-            <a:duotone>
-              <a:schemeClr val="bg2">
-                <a:shade val="42000"/>
-                <a:hueMod val="42000"/>
-                <a:satMod val="124000"/>
-                <a:lumMod val="62000"/>
-              </a:schemeClr>
-              <a:schemeClr val="bg2">
-                <a:tint val="96000"/>
-                <a:satMod val="130000"/>
-              </a:schemeClr>
-            </a:duotone>
-          </a:blip>
-          <a:stretch/>
-        </a:blipFill>
-        <a:effectLst/>
-      </p:bgPr>
-    </p:bg>
-    <p:spTree>
-      <p:nvGrpSpPr>
-        <p:cNvPr id="1" name=""/>
-        <p:cNvGrpSpPr/>
-        <p:nvPr/>
-      </p:nvGrpSpPr>
-      <p:grpSpPr>
-        <a:xfrm>
-          <a:off x="0" y="0"/>
-          <a:ext cx="0" cy="0"/>
-          <a:chOff x="0" y="0"/>
-          <a:chExt cx="0" cy="0"/>
-        </a:xfrm>
-      </p:grpSpPr>
-      <p:pic>
-        <p:nvPicPr>
-          <p:cNvPr id="8" name="Picture 7">
-            <a:extLst>
-              <a:ext uri="{FF2B5EF4-FFF2-40B4-BE49-F238E27FC236}">
-                <a16:creationId xmlns:a16="http://schemas.microsoft.com/office/drawing/2014/main" id="{C0F4014E-6BAF-4F6C-B8CE-81A4D8F8801E}"/>
-              </a:ext>
-              <a:ext uri="{C183D7F6-B498-43B3-948B-1728B52AA6E4}">
-                <adec:decorative xmlns:adec="http://schemas.microsoft.com/office/drawing/2017/decorative" xmlns="" val="1"/>
-              </a:ext>
-            </a:extLst>
-          </p:cNvPr>
-          <p:cNvPicPr>
-            <a:picLocks noGrp="1" noRot="1" noChangeAspect="1" noMove="1" noResize="1" noEditPoints="1" noAdjustHandles="1" noChangeArrowheads="1" noChangeShapeType="1" noCrop="1"/>
-          </p:cNvPicPr>
-          <p:nvPr>
-            <p:extLst>
-              <p:ext uri="{386F3935-93C4-4BCD-93E2-E3B085C9AB24}">
-                <p16:designElem xmlns:p16="http://schemas.microsoft.com/office/powerpoint/2015/main" val="1"/>
-              </p:ext>
-            </p:extLst>
-          </p:nvPr>
-        </p:nvPicPr>
-        <p:blipFill rotWithShape="1">
-          <a:blip r:embed="rId3">
-            <a:extLst>
-              <a:ext uri="{28A0092B-C50C-407E-A947-70E740481C1C}">
-                <a14:useLocalDpi xmlns:a14="http://schemas.microsoft.com/office/drawing/2010/main" val="0"/>
-              </a:ext>
-            </a:extLst>
-          </a:blip>
-          <a:srcRect l="3613"/>
-          <a:stretch/>
-        </p:blipFill>
-        <p:spPr>
-          <a:xfrm>
-            <a:off x="0" y="2669685"/>
-            <a:ext cx="4037012" cy="4188315"/>
-          </a:xfrm>
-          <a:prstGeom prst="rect">
-            <a:avLst/>
-          </a:prstGeom>
-        </p:spPr>
-      </p:pic>
-      <p:pic>
-        <p:nvPicPr>
-          <p:cNvPr id="10" name="Picture 9">
-            <a:extLst>
-              <a:ext uri="{FF2B5EF4-FFF2-40B4-BE49-F238E27FC236}">
-                <a16:creationId xmlns:a16="http://schemas.microsoft.com/office/drawing/2014/main" id="{B891C919-1CCE-4DE8-BCB6-6D4A823ABA63}"/>
-              </a:ext>
-              <a:ext uri="{C183D7F6-B498-43B3-948B-1728B52AA6E4}">
-                <adec:decorative xmlns:adec="http://schemas.microsoft.com/office/drawing/2017/decorative" xmlns="" val="1"/>
-              </a:ext>
-            </a:extLst>
-          </p:cNvPr>
-          <p:cNvPicPr>
-            <a:picLocks noGrp="1" noRot="1" noChangeAspect="1" noMove="1" noResize="1" noEditPoints="1" noAdjustHandles="1" noChangeArrowheads="1" noChangeShapeType="1" noCrop="1"/>
-          </p:cNvPicPr>
-          <p:nvPr>
-            <p:extLst>
-              <p:ext uri="{386F3935-93C4-4BCD-93E2-E3B085C9AB24}">
-                <p16:designElem xmlns:p16="http://schemas.microsoft.com/office/powerpoint/2015/main" val="1"/>
-              </p:ext>
-            </p:extLst>
-          </p:nvPr>
-        </p:nvPicPr>
-        <p:blipFill rotWithShape="1">
-          <a:blip r:embed="rId4">
-            <a:extLst>
-              <a:ext uri="{28A0092B-C50C-407E-A947-70E740481C1C}">
-                <a14:useLocalDpi xmlns:a14="http://schemas.microsoft.com/office/drawing/2010/main" val="0"/>
-              </a:ext>
-            </a:extLst>
-          </a:blip>
-          <a:srcRect l="35640"/>
-          <a:stretch/>
-        </p:blipFill>
-        <p:spPr>
-          <a:xfrm>
-            <a:off x="0" y="2892347"/>
-            <a:ext cx="1522412" cy="2365453"/>
-          </a:xfrm>
-          <a:prstGeom prst="rect">
-            <a:avLst/>
-          </a:prstGeom>
-        </p:spPr>
-      </p:pic>
-      <p:sp>
-        <p:nvSpPr>
-          <p:cNvPr id="12" name="Oval 11">
-            <a:extLst>
-              <a:ext uri="{FF2B5EF4-FFF2-40B4-BE49-F238E27FC236}">
-                <a16:creationId xmlns:a16="http://schemas.microsoft.com/office/drawing/2014/main" id="{845D3C1D-A85C-44EE-A21E-2DAAEC79F14E}"/>
-              </a:ext>
-              <a:ext uri="{C183D7F6-B498-43B3-948B-1728B52AA6E4}">
-                <adec:decorative xmlns:adec="http://schemas.microsoft.com/office/drawing/2017/decorative" xmlns="" val="1"/>
-              </a:ext>
-            </a:extLst>
-          </p:cNvPr>
-          <p:cNvSpPr>
-            <a:spLocks noGrp="1" noRot="1" noChangeAspect="1" noMove="1" noResize="1" noEditPoints="1" noAdjustHandles="1" noChangeArrowheads="1" noChangeShapeType="1" noTextEdit="1"/>
-          </p:cNvSpPr>
-          <p:nvPr>
-            <p:extLst>
-              <p:ext uri="{386F3935-93C4-4BCD-93E2-E3B085C9AB24}">
-                <p16:designElem xmlns:p16="http://schemas.microsoft.com/office/powerpoint/2015/main" val="1"/>
-              </p:ext>
-            </p:extLst>
-          </p:nvPr>
-        </p:nvSpPr>
-        <p:spPr>
-          <a:xfrm>
-            <a:off x="8609012" y="1676400"/>
-            <a:ext cx="2819400" cy="2819400"/>
-          </a:xfrm>
-          <a:prstGeom prst="ellipse">
-            <a:avLst/>
-          </a:prstGeom>
-          <a:gradFill flip="none" rotWithShape="1">
-            <a:gsLst>
-              <a:gs pos="0">
-                <a:schemeClr val="accent1">
-                  <a:lumMod val="60000"/>
-                  <a:lumOff val="40000"/>
-                  <a:alpha val="7000"/>
-                </a:schemeClr>
-              </a:gs>
-              <a:gs pos="69000">
-                <a:schemeClr val="accent1">
-                  <a:lumMod val="60000"/>
-                  <a:lumOff val="40000"/>
-                  <a:alpha val="0"/>
-                </a:schemeClr>
-              </a:gs>
-              <a:gs pos="36000">
-                <a:schemeClr val="accent1">
-                  <a:lumMod val="60000"/>
-                  <a:lumOff val="40000"/>
-                  <a:alpha val="6000"/>
-                </a:schemeClr>
-              </a:gs>
-            </a:gsLst>
-            <a:path path="circle">
-              <a:fillToRect l="50000" t="50000" r="50000" b="50000"/>
-            </a:path>
-            <a:tileRect/>
-          </a:gradFill>
-          <a:ln>
-            <a:noFill/>
-          </a:ln>
-          <a:effectLst/>
-        </p:spPr>
-        <p:style>
-          <a:lnRef idx="1">
-            <a:schemeClr val="accent1"/>
-          </a:lnRef>
-          <a:fillRef idx="3">
-            <a:schemeClr val="accent1"/>
-          </a:fillRef>
-          <a:effectRef idx="2">
-            <a:schemeClr val="accent1"/>
-          </a:effectRef>
-          <a:fontRef idx="minor">
-            <a:schemeClr val="lt1"/>
-          </a:fontRef>
-        </p:style>
-      </p:sp>
-      <p:pic>
-        <p:nvPicPr>
-          <p:cNvPr id="14" name="Picture 13">
-            <a:extLst>
-              <a:ext uri="{FF2B5EF4-FFF2-40B4-BE49-F238E27FC236}">
-                <a16:creationId xmlns:a16="http://schemas.microsoft.com/office/drawing/2014/main" id="{1272C03D-FF5F-4787-9923-252D8F950C24}"/>
-              </a:ext>
-              <a:ext uri="{C183D7F6-B498-43B3-948B-1728B52AA6E4}">
-                <adec:decorative xmlns:adec="http://schemas.microsoft.com/office/drawing/2017/decorative" xmlns="" val="1"/>
-              </a:ext>
-            </a:extLst>
-          </p:cNvPr>
-          <p:cNvPicPr>
-            <a:picLocks noGrp="1" noRot="1" noChangeAspect="1" noMove="1" noResize="1" noEditPoints="1" noAdjustHandles="1" noChangeArrowheads="1" noChangeShapeType="1" noCrop="1"/>
-          </p:cNvPicPr>
-          <p:nvPr>
-            <p:extLst>
-              <p:ext uri="{386F3935-93C4-4BCD-93E2-E3B085C9AB24}">
-                <p16:designElem xmlns:p16="http://schemas.microsoft.com/office/powerpoint/2015/main" val="1"/>
-              </p:ext>
-            </p:extLst>
-          </p:nvPr>
-        </p:nvPicPr>
-        <p:blipFill rotWithShape="1">
-          <a:blip r:embed="rId5">
-            <a:extLst>
-              <a:ext uri="{28A0092B-C50C-407E-A947-70E740481C1C}">
-                <a14:useLocalDpi xmlns:a14="http://schemas.microsoft.com/office/drawing/2010/main" val="0"/>
-              </a:ext>
-            </a:extLst>
-          </a:blip>
-          <a:srcRect t="28713"/>
-          <a:stretch/>
-        </p:blipFill>
-        <p:spPr>
-          <a:xfrm>
-            <a:off x="8000197" y="0"/>
-            <a:ext cx="1603387" cy="1143000"/>
-          </a:xfrm>
-          <a:prstGeom prst="rect">
-            <a:avLst/>
-          </a:prstGeom>
-        </p:spPr>
-      </p:pic>
-      <p:pic>
-        <p:nvPicPr>
-          <p:cNvPr id="16" name="Picture 15">
-            <a:extLst>
-              <a:ext uri="{FF2B5EF4-FFF2-40B4-BE49-F238E27FC236}">
-                <a16:creationId xmlns:a16="http://schemas.microsoft.com/office/drawing/2014/main" id="{809E94B5-14C4-4FFC-A641-4DD9C0733BEC}"/>
-              </a:ext>
-              <a:ext uri="{C183D7F6-B498-43B3-948B-1728B52AA6E4}">
-                <adec:decorative xmlns:adec="http://schemas.microsoft.com/office/drawing/2017/decorative" xmlns="" val="1"/>
-              </a:ext>
-            </a:extLst>
-          </p:cNvPr>
-          <p:cNvPicPr>
-            <a:picLocks noGrp="1" noRot="1" noChangeAspect="1" noMove="1" noResize="1" noEditPoints="1" noAdjustHandles="1" noChangeArrowheads="1" noChangeShapeType="1" noCrop="1"/>
-          </p:cNvPicPr>
-          <p:nvPr>
-            <p:extLst>
-              <p:ext uri="{386F3935-93C4-4BCD-93E2-E3B085C9AB24}">
-                <p16:designElem xmlns:p16="http://schemas.microsoft.com/office/powerpoint/2015/main" val="1"/>
-              </p:ext>
-            </p:extLst>
-          </p:nvPr>
-        </p:nvPicPr>
-        <p:blipFill rotWithShape="1">
-          <a:blip r:embed="rId6">
-            <a:extLst>
-              <a:ext uri="{28A0092B-C50C-407E-A947-70E740481C1C}">
-                <a14:useLocalDpi xmlns:a14="http://schemas.microsoft.com/office/drawing/2010/main" val="0"/>
-              </a:ext>
-            </a:extLst>
-          </a:blip>
-          <a:srcRect b="24199"/>
-          <a:stretch/>
-        </p:blipFill>
-        <p:spPr>
-          <a:xfrm>
-            <a:off x="8609012" y="6092866"/>
-            <a:ext cx="993734" cy="765134"/>
-          </a:xfrm>
-          <a:prstGeom prst="rect">
-            <a:avLst/>
-          </a:prstGeom>
-        </p:spPr>
-      </p:pic>
-      <p:sp>
-        <p:nvSpPr>
-          <p:cNvPr id="18" name="Rectangle 17">
-            <a:extLst>
-              <a:ext uri="{FF2B5EF4-FFF2-40B4-BE49-F238E27FC236}">
-                <a16:creationId xmlns:a16="http://schemas.microsoft.com/office/drawing/2014/main" id="{D987E165-75F1-443C-9A05-ADC511C3375C}"/>
-              </a:ext>
-              <a:ext uri="{C183D7F6-B498-43B3-948B-1728B52AA6E4}">
-                <adec:decorative xmlns:adec="http://schemas.microsoft.com/office/drawing/2017/decorative" xmlns="" val="1"/>
-              </a:ext>
-            </a:extLst>
-          </p:cNvPr>
-          <p:cNvSpPr>
-            <a:spLocks noGrp="1" noRot="1" noChangeAspect="1" noMove="1" noResize="1" noEditPoints="1" noAdjustHandles="1" noChangeArrowheads="1" noChangeShapeType="1" noTextEdit="1"/>
-          </p:cNvSpPr>
-          <p:nvPr>
-            <p:extLst>
-              <p:ext uri="{386F3935-93C4-4BCD-93E2-E3B085C9AB24}">
-                <p16:designElem xmlns:p16="http://schemas.microsoft.com/office/powerpoint/2015/main" val="1"/>
-              </p:ext>
-            </p:extLst>
-          </p:nvPr>
-        </p:nvSpPr>
-        <p:spPr>
-          <a:xfrm>
-            <a:off x="10437812" y="0"/>
-            <a:ext cx="685800" cy="1143000"/>
-          </a:xfrm>
-          <a:prstGeom prst="rect">
-            <a:avLst/>
-          </a:prstGeom>
-          <a:solidFill>
-            <a:schemeClr val="accent1"/>
-          </a:solidFill>
-          <a:ln>
-            <a:noFill/>
-          </a:ln>
-        </p:spPr>
-        <p:style>
-          <a:lnRef idx="1">
-            <a:schemeClr val="accent1"/>
-          </a:lnRef>
-          <a:fillRef idx="3">
-            <a:schemeClr val="accent1"/>
-          </a:fillRef>
-          <a:effectRef idx="2">
-            <a:schemeClr val="accent1"/>
-          </a:effectRef>
-          <a:fontRef idx="minor">
-            <a:schemeClr val="lt1"/>
-          </a:fontRef>
-        </p:style>
-      </p:sp>
-      <p:sp>
-        <p:nvSpPr>
-          <p:cNvPr id="2" name="Title 1">
-            <a:extLst>
-              <a:ext uri="{FF2B5EF4-FFF2-40B4-BE49-F238E27FC236}">
-                <a16:creationId xmlns:a16="http://schemas.microsoft.com/office/drawing/2014/main" id="{14C6FE33-0449-62A0-5900-09C992BB98BF}"/>
-              </a:ext>
-            </a:extLst>
-          </p:cNvPr>
-          <p:cNvSpPr>
-            <a:spLocks noGrp="1"/>
-          </p:cNvSpPr>
-          <p:nvPr>
-            <p:ph type="title"/>
-          </p:nvPr>
-        </p:nvSpPr>
-        <p:spPr>
-          <a:xfrm>
-            <a:off x="636916" y="4542503"/>
-            <a:ext cx="9184606" cy="1179870"/>
-          </a:xfrm>
-        </p:spPr>
-        <p:txBody>
-          <a:bodyPr vert="horz" lIns="91440" tIns="45720" rIns="91440" bIns="45720" rtlCol="0" anchor="b">
-            <a:normAutofit/>
-          </a:bodyPr>
-          <a:lstStyle/>
-          <a:p>
-            <a:pPr>
-              <a:lnSpc>
-                <a:spcPct val="90000"/>
-              </a:lnSpc>
-            </a:pPr>
-            <a:r>
-              <a:rPr lang="en-US" sz="7200"/>
-              <a:t>Topology</a:t>
-            </a:r>
-          </a:p>
-        </p:txBody>
-      </p:sp>
-      <p:pic>
-        <p:nvPicPr>
-          <p:cNvPr id="3" name="Kép 2" descr="A képen diagram, szöveg, kör, térkép látható&#10;&#10;Lehet, hogy a mesterséges intelligencia által generált tartalom helytelen.">
-            <a:extLst>
-              <a:ext uri="{FF2B5EF4-FFF2-40B4-BE49-F238E27FC236}">
-                <a16:creationId xmlns:a16="http://schemas.microsoft.com/office/drawing/2014/main" id="{49264A05-AD7F-9A2B-C4F9-DCE77F8FF758}"/>
-              </a:ext>
-            </a:extLst>
-          </p:cNvPr>
-          <p:cNvPicPr>
-            <a:picLocks noChangeAspect="1"/>
-          </p:cNvPicPr>
-          <p:nvPr/>
-        </p:nvPicPr>
-        <p:blipFill>
-          <a:blip r:embed="rId7"/>
-          <a:srcRect l="3747" r="-1" b="-1"/>
-          <a:stretch/>
-        </p:blipFill>
-        <p:spPr>
-          <a:xfrm>
-            <a:off x="17823" y="841"/>
-            <a:ext cx="12182574" cy="4230870"/>
-          </a:xfrm>
-          <a:prstGeom prst="rect">
-            <a:avLst/>
-          </a:prstGeom>
-          <a:effectLst>
-            <a:outerShdw blurRad="50800" dist="38100" dir="5400000" algn="t" rotWithShape="0">
-              <a:prstClr val="black">
-                <a:alpha val="43000"/>
-              </a:prstClr>
-            </a:outerShdw>
-          </a:effectLst>
-        </p:spPr>
-      </p:pic>
-    </p:spTree>
-    <p:extLst>
-      <p:ext uri="{BB962C8B-B14F-4D97-AF65-F5344CB8AC3E}">
-        <p14:creationId xmlns:p14="http://schemas.microsoft.com/office/powerpoint/2010/main" val="3563977590"/>
-      </p:ext>
-    </p:extLst>
-  </p:cSld>
-  <p:clrMapOvr>
-    <a:masterClrMapping/>
-  </p:clrMapOvr>
   <mc:AlternateContent xmlns:mc="http://schemas.openxmlformats.org/markup-compatibility/2006" xmlns:p14="http://schemas.microsoft.com/office/powerpoint/2010/main">
     <mc:Choice Requires="p14">
-      <p:transition spd="slow" p14:dur="900">
-        <p14:warp dir="in"/>
+      <p:transition spd="med" p14:dur="700">
+        <p:fade/>
       </p:transition>
     </mc:Choice>
     <mc:Fallback xmlns="">
-      <p:transition spd="slow">
+      <p:transition spd="med">
         <p:fade/>
       </p:transition>
     </mc:Fallback>
@@ -18311,7 +20006,7 @@
 </p:sld>
 </file>
 
-<file path=ppt/slides/slide40.xml><?xml version="1.0" encoding="utf-8"?>
+<file path=ppt/slides/slide45.xml><?xml version="1.0" encoding="utf-8"?>
 <p:sld xmlns:a="http://schemas.openxmlformats.org/drawingml/2006/main" xmlns:r="http://schemas.openxmlformats.org/officeDocument/2006/relationships" xmlns:p="http://schemas.openxmlformats.org/presentationml/2006/main">
   <p:cSld>
     <p:spTree>
@@ -18478,10 +20173,22 @@
   <p:clrMapOvr>
     <a:masterClrMapping/>
   </p:clrMapOvr>
+  <mc:AlternateContent xmlns:mc="http://schemas.openxmlformats.org/markup-compatibility/2006" xmlns:p14="http://schemas.microsoft.com/office/powerpoint/2010/main">
+    <mc:Choice Requires="p14">
+      <p:transition spd="med" p14:dur="700">
+        <p:fade/>
+      </p:transition>
+    </mc:Choice>
+    <mc:Fallback xmlns="">
+      <p:transition spd="med">
+        <p:fade/>
+      </p:transition>
+    </mc:Fallback>
+  </mc:AlternateContent>
 </p:sld>
 </file>
 
-<file path=ppt/slides/slide41.xml><?xml version="1.0" encoding="utf-8"?>
+<file path=ppt/slides/slide46.xml><?xml version="1.0" encoding="utf-8"?>
 <p:sld xmlns:a="http://schemas.openxmlformats.org/drawingml/2006/main" xmlns:r="http://schemas.openxmlformats.org/officeDocument/2006/relationships" xmlns:p="http://schemas.openxmlformats.org/presentationml/2006/main">
   <p:cSld>
     <p:bg>
@@ -18514,7 +20221,7 @@
                 <a16:creationId xmlns:a16="http://schemas.microsoft.com/office/drawing/2014/main" id="{A4322390-8B58-46BE-88EB-D9FD30C08743}"/>
               </a:ext>
               <a:ext uri="{C183D7F6-B498-43B3-948B-1728B52AA6E4}">
-                <adec:decorative xmlns:adec="http://schemas.microsoft.com/office/drawing/2017/decorative" xmlns="" val="1"/>
+                <adec:decorative xmlns:adec="http://schemas.microsoft.com/office/drawing/2017/decorative" val="1"/>
               </a:ext>
             </a:extLst>
           </p:cNvPr>
@@ -18721,7 +20428,7 @@
                 <a16:creationId xmlns:a16="http://schemas.microsoft.com/office/drawing/2014/main" id="{C885E190-58DD-42DD-A4A8-401E15C92A52}"/>
               </a:ext>
               <a:ext uri="{C183D7F6-B498-43B3-948B-1728B52AA6E4}">
-                <adec:decorative xmlns:adec="http://schemas.microsoft.com/office/drawing/2017/decorative" xmlns="" val="1"/>
+                <adec:decorative xmlns:adec="http://schemas.microsoft.com/office/drawing/2017/decorative" val="1"/>
               </a:ext>
             </a:extLst>
           </p:cNvPr>
@@ -18815,7 +20522,7 @@
                 <a16:creationId xmlns:a16="http://schemas.microsoft.com/office/drawing/2014/main" id="{A4322390-8B58-46BE-88EB-D9FD30C08743}"/>
               </a:ext>
               <a:ext uri="{C183D7F6-B498-43B3-948B-1728B52AA6E4}">
-                <adec:decorative xmlns:adec="http://schemas.microsoft.com/office/drawing/2017/decorative" xmlns="" val="1"/>
+                <adec:decorative xmlns:adec="http://schemas.microsoft.com/office/drawing/2017/decorative" val="1"/>
               </a:ext>
             </a:extLst>
           </p:cNvPr>
@@ -18954,7 +20661,7 @@
                 <a16:creationId xmlns:a16="http://schemas.microsoft.com/office/drawing/2014/main" id="{C885E190-58DD-42DD-A4A8-401E15C92A52}"/>
               </a:ext>
               <a:ext uri="{C183D7F6-B498-43B3-948B-1728B52AA6E4}">
-                <adec:decorative xmlns:adec="http://schemas.microsoft.com/office/drawing/2017/decorative" xmlns="" val="1"/>
+                <adec:decorative xmlns:adec="http://schemas.microsoft.com/office/drawing/2017/decorative" val="1"/>
               </a:ext>
             </a:extLst>
           </p:cNvPr>
@@ -19168,7 +20875,7 @@
                 <a16:creationId xmlns:a16="http://schemas.microsoft.com/office/drawing/2014/main" id="{0D187C4E-14B9-4504-B200-5127823FA78C}"/>
               </a:ext>
               <a:ext uri="{C183D7F6-B498-43B3-948B-1728B52AA6E4}">
-                <adec:decorative xmlns:adec="http://schemas.microsoft.com/office/drawing/2017/decorative" xmlns="" val="1"/>
+                <adec:decorative xmlns:adec="http://schemas.microsoft.com/office/drawing/2017/decorative" val="1"/>
               </a:ext>
             </a:extLst>
           </p:cNvPr>
@@ -19299,6 +21006,18 @@
   <p:clrMapOvr>
     <a:masterClrMapping/>
   </p:clrMapOvr>
+  <mc:AlternateContent xmlns:mc="http://schemas.openxmlformats.org/markup-compatibility/2006" xmlns:p14="http://schemas.microsoft.com/office/powerpoint/2010/main">
+    <mc:Choice Requires="p14">
+      <p:transition spd="med" p14:dur="700">
+        <p:fade/>
+      </p:transition>
+    </mc:Choice>
+    <mc:Fallback xmlns="">
+      <p:transition spd="med">
+        <p:fade/>
+      </p:transition>
+    </mc:Fallback>
+  </mc:AlternateContent>
 </p:sld>
 </file>
 
@@ -20746,7 +22465,7 @@
                 <a16:creationId xmlns:a16="http://schemas.microsoft.com/office/drawing/2014/main" id="{C9ECDD5C-152A-4CC7-8333-0F367B3A62EA}"/>
               </a:ext>
               <a:ext uri="{C183D7F6-B498-43B3-948B-1728B52AA6E4}">
-                <adec:decorative xmlns:adec="http://schemas.microsoft.com/office/drawing/2017/decorative" xmlns="" val="1"/>
+                <adec:decorative xmlns:adec="http://schemas.microsoft.com/office/drawing/2017/decorative" val="1"/>
               </a:ext>
             </a:extLst>
           </p:cNvPr>
@@ -20790,7 +22509,7 @@
                 <a16:creationId xmlns:a16="http://schemas.microsoft.com/office/drawing/2014/main" id="{7F5C92A3-369B-43F3-BDCE-E560B1B0EC89}"/>
               </a:ext>
               <a:ext uri="{C183D7F6-B498-43B3-948B-1728B52AA6E4}">
-                <adec:decorative xmlns:adec="http://schemas.microsoft.com/office/drawing/2017/decorative" xmlns="" val="1"/>
+                <adec:decorative xmlns:adec="http://schemas.microsoft.com/office/drawing/2017/decorative" val="1"/>
               </a:ext>
             </a:extLst>
           </p:cNvPr>
@@ -20834,7 +22553,7 @@
                 <a16:creationId xmlns:a16="http://schemas.microsoft.com/office/drawing/2014/main" id="{AEBE9F1A-B38D-446E-83AE-14B17CE77FF2}"/>
               </a:ext>
               <a:ext uri="{C183D7F6-B498-43B3-948B-1728B52AA6E4}">
-                <adec:decorative xmlns:adec="http://schemas.microsoft.com/office/drawing/2017/decorative" xmlns="" val="1"/>
+                <adec:decorative xmlns:adec="http://schemas.microsoft.com/office/drawing/2017/decorative" val="1"/>
               </a:ext>
             </a:extLst>
           </p:cNvPr>
@@ -20914,7 +22633,7 @@
                 <a16:creationId xmlns:a16="http://schemas.microsoft.com/office/drawing/2014/main" id="{915B5014-A7EC-4BA6-9C83-8840CF81DB28}"/>
               </a:ext>
               <a:ext uri="{C183D7F6-B498-43B3-948B-1728B52AA6E4}">
-                <adec:decorative xmlns:adec="http://schemas.microsoft.com/office/drawing/2017/decorative" xmlns="" val="1"/>
+                <adec:decorative xmlns:adec="http://schemas.microsoft.com/office/drawing/2017/decorative" val="1"/>
               </a:ext>
             </a:extLst>
           </p:cNvPr>
@@ -20958,7 +22677,7 @@
                 <a16:creationId xmlns:a16="http://schemas.microsoft.com/office/drawing/2014/main" id="{022C43AB-86D7-420D-8AD7-DC0A15FDD0AF}"/>
               </a:ext>
               <a:ext uri="{C183D7F6-B498-43B3-948B-1728B52AA6E4}">
-                <adec:decorative xmlns:adec="http://schemas.microsoft.com/office/drawing/2017/decorative" xmlns="" val="1"/>
+                <adec:decorative xmlns:adec="http://schemas.microsoft.com/office/drawing/2017/decorative" val="1"/>
               </a:ext>
             </a:extLst>
           </p:cNvPr>
@@ -21002,7 +22721,7 @@
                 <a16:creationId xmlns:a16="http://schemas.microsoft.com/office/drawing/2014/main" id="{5E3EB826-A471-488F-9E8A-D65528A3C0CA}"/>
               </a:ext>
               <a:ext uri="{C183D7F6-B498-43B3-948B-1728B52AA6E4}">
-                <adec:decorative xmlns:adec="http://schemas.microsoft.com/office/drawing/2017/decorative" xmlns="" val="1"/>
+                <adec:decorative xmlns:adec="http://schemas.microsoft.com/office/drawing/2017/decorative" val="1"/>
               </a:ext>
             </a:extLst>
           </p:cNvPr>
@@ -21055,7 +22774,7 @@
                 <a16:creationId xmlns:a16="http://schemas.microsoft.com/office/drawing/2014/main" id="{4309F268-A45B-4517-B03F-2774BAEFFBA6}"/>
               </a:ext>
               <a:ext uri="{C183D7F6-B498-43B3-948B-1728B52AA6E4}">
-                <adec:decorative xmlns:adec="http://schemas.microsoft.com/office/drawing/2017/decorative" xmlns="" val="1"/>
+                <adec:decorative xmlns:adec="http://schemas.microsoft.com/office/drawing/2017/decorative" val="1"/>
               </a:ext>
             </a:extLst>
           </p:cNvPr>
@@ -29233,7 +30952,7 @@
         </p:nvGraphicFramePr>
         <p:xfrm>
           <a:off x="1189404" y="2275703"/>
-          <a:ext cx="9808110" cy="2946273"/>
+          <a:ext cx="9808110" cy="2870772"/>
         </p:xfrm>
         <a:graphic>
           <a:graphicData uri="http://schemas.openxmlformats.org/drawingml/2006/table">

--- a/BorsodNet.pptx
+++ b/BorsodNet.pptx
@@ -31,26 +31,21 @@
     <p:sldId id="292" r:id="rId25"/>
     <p:sldId id="298" r:id="rId26"/>
     <p:sldId id="299" r:id="rId27"/>
-    <p:sldId id="300" r:id="rId28"/>
-    <p:sldId id="304" r:id="rId29"/>
-    <p:sldId id="301" r:id="rId30"/>
-    <p:sldId id="302" r:id="rId31"/>
-    <p:sldId id="303" r:id="rId32"/>
-    <p:sldId id="293" r:id="rId33"/>
-    <p:sldId id="275" r:id="rId34"/>
-    <p:sldId id="294" r:id="rId35"/>
-    <p:sldId id="278" r:id="rId36"/>
-    <p:sldId id="279" r:id="rId37"/>
-    <p:sldId id="270" r:id="rId38"/>
-    <p:sldId id="271" r:id="rId39"/>
-    <p:sldId id="276" r:id="rId40"/>
-    <p:sldId id="277" r:id="rId41"/>
-    <p:sldId id="283" r:id="rId42"/>
-    <p:sldId id="295" r:id="rId43"/>
-    <p:sldId id="281" r:id="rId44"/>
-    <p:sldId id="282" r:id="rId45"/>
-    <p:sldId id="296" r:id="rId46"/>
-    <p:sldId id="273" r:id="rId47"/>
+    <p:sldId id="293" r:id="rId28"/>
+    <p:sldId id="275" r:id="rId29"/>
+    <p:sldId id="294" r:id="rId30"/>
+    <p:sldId id="278" r:id="rId31"/>
+    <p:sldId id="279" r:id="rId32"/>
+    <p:sldId id="270" r:id="rId33"/>
+    <p:sldId id="271" r:id="rId34"/>
+    <p:sldId id="276" r:id="rId35"/>
+    <p:sldId id="277" r:id="rId36"/>
+    <p:sldId id="283" r:id="rId37"/>
+    <p:sldId id="295" r:id="rId38"/>
+    <p:sldId id="281" r:id="rId39"/>
+    <p:sldId id="282" r:id="rId40"/>
+    <p:sldId id="296" r:id="rId41"/>
+    <p:sldId id="273" r:id="rId42"/>
   </p:sldIdLst>
   <p:sldSz cx="12192000" cy="6858000"/>
   <p:notesSz cx="6858000" cy="9144000"/>
@@ -160,7 +155,6 @@
 <file path=ppt/revisionInfo.xml><?xml version="1.0" encoding="utf-8"?>
 <p1510:revInfo xmlns:a="http://schemas.openxmlformats.org/drawingml/2006/main" xmlns:r="http://schemas.openxmlformats.org/officeDocument/2006/relationships" xmlns:p1510="http://schemas.microsoft.com/office/powerpoint/2015/10/main">
   <p1510:revLst>
-    <p1510:client id="{30CA4A85-AF90-295C-8D38-AA50E8AFAF55}" v="234" dt="2025-03-17T11:18:38.149"/>
     <p1510:client id="{C766CDF1-C6F3-F1D1-A60D-8ED6C0F87FF6}" v="557" dt="2025-03-17T09:12:45.245"/>
   </p1510:revLst>
 </p1510:revInfo>
@@ -2226,459 +2220,6 @@
             <pc:docMk/>
             <pc:sldMk cId="2149205326" sldId="285"/>
             <ac:picMk id="5" creationId="{3C7F40E5-0EDB-4515-2BE0-C69035FB3E89}"/>
-          </ac:picMkLst>
-        </pc:picChg>
-      </pc:sldChg>
-    </pc:docChg>
-  </pc:docChgLst>
-  <pc:docChgLst>
-    <pc:chgData name="Kristóf Lajka" userId="5e6963896e59b084" providerId="Windows Live" clId="Web-{30CA4A85-AF90-295C-8D38-AA50E8AFAF55}"/>
-    <pc:docChg chg="addSld modSld">
-      <pc:chgData name="Kristóf Lajka" userId="5e6963896e59b084" providerId="Windows Live" clId="Web-{30CA4A85-AF90-295C-8D38-AA50E8AFAF55}" dt="2025-03-17T11:18:38.149" v="157"/>
-      <pc:docMkLst>
-        <pc:docMk/>
-      </pc:docMkLst>
-      <pc:sldChg chg="modTransition">
-        <pc:chgData name="Kristóf Lajka" userId="5e6963896e59b084" providerId="Windows Live" clId="Web-{30CA4A85-AF90-295C-8D38-AA50E8AFAF55}" dt="2025-03-17T09:50:49.946" v="14"/>
-        <pc:sldMkLst>
-          <pc:docMk/>
-          <pc:sldMk cId="3563977590" sldId="257"/>
-        </pc:sldMkLst>
-      </pc:sldChg>
-      <pc:sldChg chg="modTransition">
-        <pc:chgData name="Kristóf Lajka" userId="5e6963896e59b084" providerId="Windows Live" clId="Web-{30CA4A85-AF90-295C-8D38-AA50E8AFAF55}" dt="2025-03-17T09:51:45.354" v="28"/>
-        <pc:sldMkLst>
-          <pc:docMk/>
-          <pc:sldMk cId="1348046584" sldId="271"/>
-        </pc:sldMkLst>
-      </pc:sldChg>
-      <pc:sldChg chg="modTransition">
-        <pc:chgData name="Kristóf Lajka" userId="5e6963896e59b084" providerId="Windows Live" clId="Web-{30CA4A85-AF90-295C-8D38-AA50E8AFAF55}" dt="2025-03-17T09:51:48.917" v="29"/>
-        <pc:sldMkLst>
-          <pc:docMk/>
-          <pc:sldMk cId="1736369087" sldId="276"/>
-        </pc:sldMkLst>
-      </pc:sldChg>
-      <pc:sldChg chg="modTransition">
-        <pc:chgData name="Kristóf Lajka" userId="5e6963896e59b084" providerId="Windows Live" clId="Web-{30CA4A85-AF90-295C-8D38-AA50E8AFAF55}" dt="2025-03-17T09:51:50.401" v="30"/>
-        <pc:sldMkLst>
-          <pc:docMk/>
-          <pc:sldMk cId="3340070489" sldId="277"/>
-        </pc:sldMkLst>
-      </pc:sldChg>
-      <pc:sldChg chg="modTransition">
-        <pc:chgData name="Kristóf Lajka" userId="5e6963896e59b084" providerId="Windows Live" clId="Web-{30CA4A85-AF90-295C-8D38-AA50E8AFAF55}" dt="2025-03-17T09:51:40.823" v="26"/>
-        <pc:sldMkLst>
-          <pc:docMk/>
-          <pc:sldMk cId="2613492260" sldId="278"/>
-        </pc:sldMkLst>
-      </pc:sldChg>
-      <pc:sldChg chg="modTransition">
-        <pc:chgData name="Kristóf Lajka" userId="5e6963896e59b084" providerId="Windows Live" clId="Web-{30CA4A85-AF90-295C-8D38-AA50E8AFAF55}" dt="2025-03-17T09:51:42.041" v="27"/>
-        <pc:sldMkLst>
-          <pc:docMk/>
-          <pc:sldMk cId="1854645978" sldId="279"/>
-        </pc:sldMkLst>
-      </pc:sldChg>
-      <pc:sldChg chg="modTransition">
-        <pc:chgData name="Kristóf Lajka" userId="5e6963896e59b084" providerId="Windows Live" clId="Web-{30CA4A85-AF90-295C-8D38-AA50E8AFAF55}" dt="2025-03-17T09:51:58.214" v="33"/>
-        <pc:sldMkLst>
-          <pc:docMk/>
-          <pc:sldMk cId="40947718" sldId="281"/>
-        </pc:sldMkLst>
-      </pc:sldChg>
-      <pc:sldChg chg="modTransition">
-        <pc:chgData name="Kristóf Lajka" userId="5e6963896e59b084" providerId="Windows Live" clId="Web-{30CA4A85-AF90-295C-8D38-AA50E8AFAF55}" dt="2025-03-17T09:52:00.058" v="34"/>
-        <pc:sldMkLst>
-          <pc:docMk/>
-          <pc:sldMk cId="2131282740" sldId="282"/>
-        </pc:sldMkLst>
-      </pc:sldChg>
-      <pc:sldChg chg="modTransition">
-        <pc:chgData name="Kristóf Lajka" userId="5e6963896e59b084" providerId="Windows Live" clId="Web-{30CA4A85-AF90-295C-8D38-AA50E8AFAF55}" dt="2025-03-17T09:51:52.089" v="31"/>
-        <pc:sldMkLst>
-          <pc:docMk/>
-          <pc:sldMk cId="3618638592" sldId="283"/>
-        </pc:sldMkLst>
-      </pc:sldChg>
-      <pc:sldChg chg="modTransition">
-        <pc:chgData name="Kristóf Lajka" userId="5e6963896e59b084" providerId="Windows Live" clId="Web-{30CA4A85-AF90-295C-8D38-AA50E8AFAF55}" dt="2025-03-17T09:50:52.931" v="15"/>
-        <pc:sldMkLst>
-          <pc:docMk/>
-          <pc:sldMk cId="1766356483" sldId="284"/>
-        </pc:sldMkLst>
-      </pc:sldChg>
-      <pc:sldChg chg="modTransition">
-        <pc:chgData name="Kristóf Lajka" userId="5e6963896e59b084" providerId="Windows Live" clId="Web-{30CA4A85-AF90-295C-8D38-AA50E8AFAF55}" dt="2025-03-17T09:50:58.306" v="16"/>
-        <pc:sldMkLst>
-          <pc:docMk/>
-          <pc:sldMk cId="1225385382" sldId="286"/>
-        </pc:sldMkLst>
-      </pc:sldChg>
-      <pc:sldChg chg="modSp">
-        <pc:chgData name="Kristóf Lajka" userId="5e6963896e59b084" providerId="Windows Live" clId="Web-{30CA4A85-AF90-295C-8D38-AA50E8AFAF55}" dt="2025-03-17T09:50:34.336" v="13" actId="20577"/>
-        <pc:sldMkLst>
-          <pc:docMk/>
-          <pc:sldMk cId="1275827467" sldId="287"/>
-        </pc:sldMkLst>
-        <pc:spChg chg="mod">
-          <ac:chgData name="Kristóf Lajka" userId="5e6963896e59b084" providerId="Windows Live" clId="Web-{30CA4A85-AF90-295C-8D38-AA50E8AFAF55}" dt="2025-03-17T09:50:34.336" v="13" actId="20577"/>
-          <ac:spMkLst>
-            <pc:docMk/>
-            <pc:sldMk cId="1275827467" sldId="287"/>
-            <ac:spMk id="3" creationId="{00000000-0000-0000-0000-000000000000}"/>
-          </ac:spMkLst>
-        </pc:spChg>
-      </pc:sldChg>
-      <pc:sldChg chg="modTransition">
-        <pc:chgData name="Kristóf Lajka" userId="5e6963896e59b084" providerId="Windows Live" clId="Web-{30CA4A85-AF90-295C-8D38-AA50E8AFAF55}" dt="2025-03-17T09:51:11.228" v="18"/>
-        <pc:sldMkLst>
-          <pc:docMk/>
-          <pc:sldMk cId="1114361946" sldId="288"/>
-        </pc:sldMkLst>
-      </pc:sldChg>
-      <pc:sldChg chg="modTransition">
-        <pc:chgData name="Kristóf Lajka" userId="5e6963896e59b084" providerId="Windows Live" clId="Web-{30CA4A85-AF90-295C-8D38-AA50E8AFAF55}" dt="2025-03-17T09:51:17.369" v="19"/>
-        <pc:sldMkLst>
-          <pc:docMk/>
-          <pc:sldMk cId="1409875053" sldId="290"/>
-        </pc:sldMkLst>
-      </pc:sldChg>
-      <pc:sldChg chg="modTransition">
-        <pc:chgData name="Kristóf Lajka" userId="5e6963896e59b084" providerId="Windows Live" clId="Web-{30CA4A85-AF90-295C-8D38-AA50E8AFAF55}" dt="2025-03-17T09:51:23.025" v="20"/>
-        <pc:sldMkLst>
-          <pc:docMk/>
-          <pc:sldMk cId="399709971" sldId="291"/>
-        </pc:sldMkLst>
-      </pc:sldChg>
-      <pc:sldChg chg="modTransition">
-        <pc:chgData name="Kristóf Lajka" userId="5e6963896e59b084" providerId="Windows Live" clId="Web-{30CA4A85-AF90-295C-8D38-AA50E8AFAF55}" dt="2025-03-17T09:51:32.822" v="21"/>
-        <pc:sldMkLst>
-          <pc:docMk/>
-          <pc:sldMk cId="1670723877" sldId="292"/>
-        </pc:sldMkLst>
-      </pc:sldChg>
-      <pc:sldChg chg="modTransition">
-        <pc:chgData name="Kristóf Lajka" userId="5e6963896e59b084" providerId="Windows Live" clId="Web-{30CA4A85-AF90-295C-8D38-AA50E8AFAF55}" dt="2025-03-17T09:51:32.822" v="24"/>
-        <pc:sldMkLst>
-          <pc:docMk/>
-          <pc:sldMk cId="1771298315" sldId="293"/>
-        </pc:sldMkLst>
-      </pc:sldChg>
-      <pc:sldChg chg="modTransition">
-        <pc:chgData name="Kristóf Lajka" userId="5e6963896e59b084" providerId="Windows Live" clId="Web-{30CA4A85-AF90-295C-8D38-AA50E8AFAF55}" dt="2025-03-17T09:51:38.041" v="25"/>
-        <pc:sldMkLst>
-          <pc:docMk/>
-          <pc:sldMk cId="631175832" sldId="294"/>
-        </pc:sldMkLst>
-      </pc:sldChg>
-      <pc:sldChg chg="modTransition">
-        <pc:chgData name="Kristóf Lajka" userId="5e6963896e59b084" providerId="Windows Live" clId="Web-{30CA4A85-AF90-295C-8D38-AA50E8AFAF55}" dt="2025-03-17T09:51:56.432" v="32"/>
-        <pc:sldMkLst>
-          <pc:docMk/>
-          <pc:sldMk cId="1179111677" sldId="295"/>
-        </pc:sldMkLst>
-      </pc:sldChg>
-      <pc:sldChg chg="modTransition">
-        <pc:chgData name="Kristóf Lajka" userId="5e6963896e59b084" providerId="Windows Live" clId="Web-{30CA4A85-AF90-295C-8D38-AA50E8AFAF55}" dt="2025-03-17T09:52:01.714" v="35"/>
-        <pc:sldMkLst>
-          <pc:docMk/>
-          <pc:sldMk cId="2444904799" sldId="296"/>
-        </pc:sldMkLst>
-      </pc:sldChg>
-      <pc:sldChg chg="modTransition">
-        <pc:chgData name="Kristóf Lajka" userId="5e6963896e59b084" providerId="Windows Live" clId="Web-{30CA4A85-AF90-295C-8D38-AA50E8AFAF55}" dt="2025-03-17T09:51:00.853" v="17"/>
-        <pc:sldMkLst>
-          <pc:docMk/>
-          <pc:sldMk cId="3547147334" sldId="297"/>
-        </pc:sldMkLst>
-      </pc:sldChg>
-      <pc:sldChg chg="modTransition">
-        <pc:chgData name="Kristóf Lajka" userId="5e6963896e59b084" providerId="Windows Live" clId="Web-{30CA4A85-AF90-295C-8D38-AA50E8AFAF55}" dt="2025-03-17T09:51:32.822" v="22"/>
-        <pc:sldMkLst>
-          <pc:docMk/>
-          <pc:sldMk cId="3680533596" sldId="298"/>
-        </pc:sldMkLst>
-      </pc:sldChg>
-      <pc:sldChg chg="modTransition">
-        <pc:chgData name="Kristóf Lajka" userId="5e6963896e59b084" providerId="Windows Live" clId="Web-{30CA4A85-AF90-295C-8D38-AA50E8AFAF55}" dt="2025-03-17T09:51:32.822" v="23"/>
-        <pc:sldMkLst>
-          <pc:docMk/>
-          <pc:sldMk cId="3242572730" sldId="299"/>
-        </pc:sldMkLst>
-      </pc:sldChg>
-      <pc:sldChg chg="addSp delSp modSp new">
-        <pc:chgData name="Kristóf Lajka" userId="5e6963896e59b084" providerId="Windows Live" clId="Web-{30CA4A85-AF90-295C-8D38-AA50E8AFAF55}" dt="2025-03-17T11:15:07.172" v="48" actId="14100"/>
-        <pc:sldMkLst>
-          <pc:docMk/>
-          <pc:sldMk cId="646458672" sldId="300"/>
-        </pc:sldMkLst>
-        <pc:spChg chg="mod">
-          <ac:chgData name="Kristóf Lajka" userId="5e6963896e59b084" providerId="Windows Live" clId="Web-{30CA4A85-AF90-295C-8D38-AA50E8AFAF55}" dt="2025-03-17T11:14:57.812" v="45" actId="20577"/>
-          <ac:spMkLst>
-            <pc:docMk/>
-            <pc:sldMk cId="646458672" sldId="300"/>
-            <ac:spMk id="2" creationId="{05EBEA55-5E68-82F7-BC5E-861FD3E6B752}"/>
-          </ac:spMkLst>
-        </pc:spChg>
-        <pc:spChg chg="del">
-          <ac:chgData name="Kristóf Lajka" userId="5e6963896e59b084" providerId="Windows Live" clId="Web-{30CA4A85-AF90-295C-8D38-AA50E8AFAF55}" dt="2025-03-17T11:15:04.796" v="46"/>
-          <ac:spMkLst>
-            <pc:docMk/>
-            <pc:sldMk cId="646458672" sldId="300"/>
-            <ac:spMk id="3" creationId="{6915126B-6A76-5626-4C04-222104A5786D}"/>
-          </ac:spMkLst>
-        </pc:spChg>
-        <pc:picChg chg="add mod ord">
-          <ac:chgData name="Kristóf Lajka" userId="5e6963896e59b084" providerId="Windows Live" clId="Web-{30CA4A85-AF90-295C-8D38-AA50E8AFAF55}" dt="2025-03-17T11:15:07.172" v="48" actId="14100"/>
-          <ac:picMkLst>
-            <pc:docMk/>
-            <pc:sldMk cId="646458672" sldId="300"/>
-            <ac:picMk id="4" creationId="{F613AFF1-387C-C9FD-9106-F906591854FA}"/>
-          </ac:picMkLst>
-        </pc:picChg>
-      </pc:sldChg>
-      <pc:sldChg chg="addSp delSp modSp new modTransition">
-        <pc:chgData name="Kristóf Lajka" userId="5e6963896e59b084" providerId="Windows Live" clId="Web-{30CA4A85-AF90-295C-8D38-AA50E8AFAF55}" dt="2025-03-17T11:18:15.383" v="143"/>
-        <pc:sldMkLst>
-          <pc:docMk/>
-          <pc:sldMk cId="1260473115" sldId="301"/>
-        </pc:sldMkLst>
-        <pc:spChg chg="mod">
-          <ac:chgData name="Kristóf Lajka" userId="5e6963896e59b084" providerId="Windows Live" clId="Web-{30CA4A85-AF90-295C-8D38-AA50E8AFAF55}" dt="2025-03-17T11:16:34.738" v="84" actId="20577"/>
-          <ac:spMkLst>
-            <pc:docMk/>
-            <pc:sldMk cId="1260473115" sldId="301"/>
-            <ac:spMk id="2" creationId="{4B7F9768-831C-0086-7741-FA19FDE64158}"/>
-          </ac:spMkLst>
-        </pc:spChg>
-        <pc:spChg chg="del">
-          <ac:chgData name="Kristóf Lajka" userId="5e6963896e59b084" providerId="Windows Live" clId="Web-{30CA4A85-AF90-295C-8D38-AA50E8AFAF55}" dt="2025-03-17T11:15:23.094" v="54"/>
-          <ac:spMkLst>
-            <pc:docMk/>
-            <pc:sldMk cId="1260473115" sldId="301"/>
-            <ac:spMk id="3" creationId="{C1AD4969-D370-8495-670D-2CED64CC153A}"/>
-          </ac:spMkLst>
-        </pc:spChg>
-        <pc:spChg chg="add mod">
-          <ac:chgData name="Kristóf Lajka" userId="5e6963896e59b084" providerId="Windows Live" clId="Web-{30CA4A85-AF90-295C-8D38-AA50E8AFAF55}" dt="2025-03-17T11:16:16.331" v="72" actId="20577"/>
-          <ac:spMkLst>
-            <pc:docMk/>
-            <pc:sldMk cId="1260473115" sldId="301"/>
-            <ac:spMk id="7" creationId="{B9DEE180-DA01-68CE-F76B-FF7128C0853C}"/>
-          </ac:spMkLst>
-        </pc:spChg>
-        <pc:spChg chg="add mod">
-          <ac:chgData name="Kristóf Lajka" userId="5e6963896e59b084" providerId="Windows Live" clId="Web-{30CA4A85-AF90-295C-8D38-AA50E8AFAF55}" dt="2025-03-17T11:16:12.893" v="71" actId="20577"/>
-          <ac:spMkLst>
-            <pc:docMk/>
-            <pc:sldMk cId="1260473115" sldId="301"/>
-            <ac:spMk id="8" creationId="{0EF847A0-0D6B-CA89-792D-041A1CCFE32E}"/>
-          </ac:spMkLst>
-        </pc:spChg>
-        <pc:spChg chg="add mod">
-          <ac:chgData name="Kristóf Lajka" userId="5e6963896e59b084" providerId="Windows Live" clId="Web-{30CA4A85-AF90-295C-8D38-AA50E8AFAF55}" dt="2025-03-17T11:16:25.050" v="78" actId="20577"/>
-          <ac:spMkLst>
-            <pc:docMk/>
-            <pc:sldMk cId="1260473115" sldId="301"/>
-            <ac:spMk id="9" creationId="{F3280EE3-64CD-E89B-DC4D-3A45978DF291}"/>
-          </ac:spMkLst>
-        </pc:spChg>
-        <pc:picChg chg="add mod ord">
-          <ac:chgData name="Kristóf Lajka" userId="5e6963896e59b084" providerId="Windows Live" clId="Web-{30CA4A85-AF90-295C-8D38-AA50E8AFAF55}" dt="2025-03-17T11:15:37.188" v="58" actId="1076"/>
-          <ac:picMkLst>
-            <pc:docMk/>
-            <pc:sldMk cId="1260473115" sldId="301"/>
-            <ac:picMk id="4" creationId="{065874D2-F5E8-62A0-763E-4109F550B9FD}"/>
-          </ac:picMkLst>
-        </pc:picChg>
-        <pc:picChg chg="add mod">
-          <ac:chgData name="Kristóf Lajka" userId="5e6963896e59b084" providerId="Windows Live" clId="Web-{30CA4A85-AF90-295C-8D38-AA50E8AFAF55}" dt="2025-03-17T11:15:55.892" v="64" actId="1076"/>
-          <ac:picMkLst>
-            <pc:docMk/>
-            <pc:sldMk cId="1260473115" sldId="301"/>
-            <ac:picMk id="5" creationId="{770113D1-5545-250D-6CFA-1FC7E7A4FB7F}"/>
-          </ac:picMkLst>
-        </pc:picChg>
-        <pc:picChg chg="add mod">
-          <ac:chgData name="Kristóf Lajka" userId="5e6963896e59b084" providerId="Windows Live" clId="Web-{30CA4A85-AF90-295C-8D38-AA50E8AFAF55}" dt="2025-03-17T11:15:54.783" v="63" actId="1076"/>
-          <ac:picMkLst>
-            <pc:docMk/>
-            <pc:sldMk cId="1260473115" sldId="301"/>
-            <ac:picMk id="6" creationId="{795E6BDA-3CDD-952B-9236-FE1C5F466DC0}"/>
-          </ac:picMkLst>
-        </pc:picChg>
-      </pc:sldChg>
-      <pc:sldChg chg="addSp delSp modSp new modTransition">
-        <pc:chgData name="Kristóf Lajka" userId="5e6963896e59b084" providerId="Windows Live" clId="Web-{30CA4A85-AF90-295C-8D38-AA50E8AFAF55}" dt="2025-03-17T11:18:15.385" v="144"/>
-        <pc:sldMkLst>
-          <pc:docMk/>
-          <pc:sldMk cId="3636358127" sldId="302"/>
-        </pc:sldMkLst>
-        <pc:spChg chg="mod">
-          <ac:chgData name="Kristóf Lajka" userId="5e6963896e59b084" providerId="Windows Live" clId="Web-{30CA4A85-AF90-295C-8D38-AA50E8AFAF55}" dt="2025-03-17T11:16:42.785" v="87" actId="20577"/>
-          <ac:spMkLst>
-            <pc:docMk/>
-            <pc:sldMk cId="3636358127" sldId="302"/>
-            <ac:spMk id="2" creationId="{0F631DC6-0E4B-FA99-330C-F5F543E7F04B}"/>
-          </ac:spMkLst>
-        </pc:spChg>
-        <pc:spChg chg="del">
-          <ac:chgData name="Kristóf Lajka" userId="5e6963896e59b084" providerId="Windows Live" clId="Web-{30CA4A85-AF90-295C-8D38-AA50E8AFAF55}" dt="2025-03-17T11:16:48.363" v="88"/>
-          <ac:spMkLst>
-            <pc:docMk/>
-            <pc:sldMk cId="3636358127" sldId="302"/>
-            <ac:spMk id="3" creationId="{CF419E6B-B0DA-38D9-50E6-9437442F0CB7}"/>
-          </ac:spMkLst>
-        </pc:spChg>
-        <pc:spChg chg="add mod">
-          <ac:chgData name="Kristóf Lajka" userId="5e6963896e59b084" providerId="Windows Live" clId="Web-{30CA4A85-AF90-295C-8D38-AA50E8AFAF55}" dt="2025-03-17T11:17:11.052" v="99" actId="20577"/>
-          <ac:spMkLst>
-            <pc:docMk/>
-            <pc:sldMk cId="3636358127" sldId="302"/>
-            <ac:spMk id="7" creationId="{03E14FF4-FF64-AD82-0D34-908145D9094C}"/>
-          </ac:spMkLst>
-        </pc:spChg>
-        <pc:spChg chg="add mod">
-          <ac:chgData name="Kristóf Lajka" userId="5e6963896e59b084" providerId="Windows Live" clId="Web-{30CA4A85-AF90-295C-8D38-AA50E8AFAF55}" dt="2025-03-17T11:17:16.130" v="101" actId="20577"/>
-          <ac:spMkLst>
-            <pc:docMk/>
-            <pc:sldMk cId="3636358127" sldId="302"/>
-            <ac:spMk id="8" creationId="{4271DA5C-D9AD-561A-EC57-9F8AA88636DA}"/>
-          </ac:spMkLst>
-        </pc:spChg>
-        <pc:spChg chg="add mod">
-          <ac:chgData name="Kristóf Lajka" userId="5e6963896e59b084" providerId="Windows Live" clId="Web-{30CA4A85-AF90-295C-8D38-AA50E8AFAF55}" dt="2025-03-17T11:17:22.818" v="108" actId="20577"/>
-          <ac:spMkLst>
-            <pc:docMk/>
-            <pc:sldMk cId="3636358127" sldId="302"/>
-            <ac:spMk id="9" creationId="{3BC6AF00-C13C-6227-1F1A-654E1A8F6CF0}"/>
-          </ac:spMkLst>
-        </pc:spChg>
-        <pc:picChg chg="add mod ord">
-          <ac:chgData name="Kristóf Lajka" userId="5e6963896e59b084" providerId="Windows Live" clId="Web-{30CA4A85-AF90-295C-8D38-AA50E8AFAF55}" dt="2025-03-17T11:16:49.629" v="89" actId="1076"/>
-          <ac:picMkLst>
-            <pc:docMk/>
-            <pc:sldMk cId="3636358127" sldId="302"/>
-            <ac:picMk id="4" creationId="{A7269CE5-1A41-3345-4C95-C6E1ECB67A93}"/>
-          </ac:picMkLst>
-        </pc:picChg>
-        <pc:picChg chg="add mod">
-          <ac:chgData name="Kristóf Lajka" userId="5e6963896e59b084" providerId="Windows Live" clId="Web-{30CA4A85-AF90-295C-8D38-AA50E8AFAF55}" dt="2025-03-17T11:17:05.255" v="94" actId="1076"/>
-          <ac:picMkLst>
-            <pc:docMk/>
-            <pc:sldMk cId="3636358127" sldId="302"/>
-            <ac:picMk id="5" creationId="{183D7962-4452-48BE-03D7-A085AE066DD3}"/>
-          </ac:picMkLst>
-        </pc:picChg>
-        <pc:picChg chg="add mod">
-          <ac:chgData name="Kristóf Lajka" userId="5e6963896e59b084" providerId="Windows Live" clId="Web-{30CA4A85-AF90-295C-8D38-AA50E8AFAF55}" dt="2025-03-17T11:17:06.427" v="95" actId="1076"/>
-          <ac:picMkLst>
-            <pc:docMk/>
-            <pc:sldMk cId="3636358127" sldId="302"/>
-            <ac:picMk id="6" creationId="{6A59D32F-AD7C-56C3-3AAF-E07C790EC2E4}"/>
-          </ac:picMkLst>
-        </pc:picChg>
-      </pc:sldChg>
-      <pc:sldChg chg="addSp delSp modSp new modTransition">
-        <pc:chgData name="Kristóf Lajka" userId="5e6963896e59b084" providerId="Windows Live" clId="Web-{30CA4A85-AF90-295C-8D38-AA50E8AFAF55}" dt="2025-03-17T11:18:38.149" v="157"/>
-        <pc:sldMkLst>
-          <pc:docMk/>
-          <pc:sldMk cId="4035044263" sldId="303"/>
-        </pc:sldMkLst>
-        <pc:spChg chg="mod">
-          <ac:chgData name="Kristóf Lajka" userId="5e6963896e59b084" providerId="Windows Live" clId="Web-{30CA4A85-AF90-295C-8D38-AA50E8AFAF55}" dt="2025-03-17T11:17:32.522" v="115" actId="20577"/>
-          <ac:spMkLst>
-            <pc:docMk/>
-            <pc:sldMk cId="4035044263" sldId="303"/>
-            <ac:spMk id="2" creationId="{84CC8910-049A-C42E-5C12-6E4A607921B0}"/>
-          </ac:spMkLst>
-        </pc:spChg>
-        <pc:spChg chg="del">
-          <ac:chgData name="Kristóf Lajka" userId="5e6963896e59b084" providerId="Windows Live" clId="Web-{30CA4A85-AF90-295C-8D38-AA50E8AFAF55}" dt="2025-03-17T11:17:37.240" v="116"/>
-          <ac:spMkLst>
-            <pc:docMk/>
-            <pc:sldMk cId="4035044263" sldId="303"/>
-            <ac:spMk id="3" creationId="{26C8F82C-6548-FCF5-F354-CD4BBEB62523}"/>
-          </ac:spMkLst>
-        </pc:spChg>
-        <pc:spChg chg="add mod">
-          <ac:chgData name="Kristóf Lajka" userId="5e6963896e59b084" providerId="Windows Live" clId="Web-{30CA4A85-AF90-295C-8D38-AA50E8AFAF55}" dt="2025-03-17T11:17:59.773" v="124" actId="20577"/>
-          <ac:spMkLst>
-            <pc:docMk/>
-            <pc:sldMk cId="4035044263" sldId="303"/>
-            <ac:spMk id="7" creationId="{EE5699E1-6BBE-697A-EDD2-EB1C366FD34F}"/>
-          </ac:spMkLst>
-        </pc:spChg>
-        <pc:spChg chg="add mod">
-          <ac:chgData name="Kristóf Lajka" userId="5e6963896e59b084" providerId="Windows Live" clId="Web-{30CA4A85-AF90-295C-8D38-AA50E8AFAF55}" dt="2025-03-17T11:18:04.132" v="133" actId="20577"/>
-          <ac:spMkLst>
-            <pc:docMk/>
-            <pc:sldMk cId="4035044263" sldId="303"/>
-            <ac:spMk id="8" creationId="{EA5F9113-0F11-BCED-381C-17E2C9D520B7}"/>
-          </ac:spMkLst>
-        </pc:spChg>
-        <pc:spChg chg="add mod">
-          <ac:chgData name="Kristóf Lajka" userId="5e6963896e59b084" providerId="Windows Live" clId="Web-{30CA4A85-AF90-295C-8D38-AA50E8AFAF55}" dt="2025-03-17T11:18:10.273" v="142" actId="20577"/>
-          <ac:spMkLst>
-            <pc:docMk/>
-            <pc:sldMk cId="4035044263" sldId="303"/>
-            <ac:spMk id="9" creationId="{193F5678-5677-5565-3E9E-47176FD7FA33}"/>
-          </ac:spMkLst>
-        </pc:spChg>
-        <pc:picChg chg="add mod ord">
-          <ac:chgData name="Kristóf Lajka" userId="5e6963896e59b084" providerId="Windows Live" clId="Web-{30CA4A85-AF90-295C-8D38-AA50E8AFAF55}" dt="2025-03-17T11:17:38.475" v="117" actId="1076"/>
-          <ac:picMkLst>
-            <pc:docMk/>
-            <pc:sldMk cId="4035044263" sldId="303"/>
-            <ac:picMk id="4" creationId="{4A34CF7E-B170-6396-5649-5284C2779E47}"/>
-          </ac:picMkLst>
-        </pc:picChg>
-        <pc:picChg chg="add mod">
-          <ac:chgData name="Kristóf Lajka" userId="5e6963896e59b084" providerId="Windows Live" clId="Web-{30CA4A85-AF90-295C-8D38-AA50E8AFAF55}" dt="2025-03-17T11:17:47.413" v="119" actId="1076"/>
-          <ac:picMkLst>
-            <pc:docMk/>
-            <pc:sldMk cId="4035044263" sldId="303"/>
-            <ac:picMk id="5" creationId="{3CDC008D-85F5-EED9-9186-CD39D99B8E6D}"/>
-          </ac:picMkLst>
-        </pc:picChg>
-        <pc:picChg chg="add mod">
-          <ac:chgData name="Kristóf Lajka" userId="5e6963896e59b084" providerId="Windows Live" clId="Web-{30CA4A85-AF90-295C-8D38-AA50E8AFAF55}" dt="2025-03-17T11:17:54.897" v="121" actId="1076"/>
-          <ac:picMkLst>
-            <pc:docMk/>
-            <pc:sldMk cId="4035044263" sldId="303"/>
-            <ac:picMk id="6" creationId="{B49B1F91-1E15-0523-9889-FF31B7D0FBEA}"/>
-          </ac:picMkLst>
-        </pc:picChg>
-      </pc:sldChg>
-      <pc:sldChg chg="addSp delSp modSp new modTransition">
-        <pc:chgData name="Kristóf Lajka" userId="5e6963896e59b084" providerId="Windows Live" clId="Web-{30CA4A85-AF90-295C-8D38-AA50E8AFAF55}" dt="2025-03-17T11:18:38.149" v="156"/>
-        <pc:sldMkLst>
-          <pc:docMk/>
-          <pc:sldMk cId="536775721" sldId="304"/>
-        </pc:sldMkLst>
-        <pc:spChg chg="mod">
-          <ac:chgData name="Kristóf Lajka" userId="5e6963896e59b084" providerId="Windows Live" clId="Web-{30CA4A85-AF90-295C-8D38-AA50E8AFAF55}" dt="2025-03-17T11:18:25.305" v="153" actId="20577"/>
-          <ac:spMkLst>
-            <pc:docMk/>
-            <pc:sldMk cId="536775721" sldId="304"/>
-            <ac:spMk id="2" creationId="{D7DD1DDD-89E4-CC60-5C8C-DD09AEE0EA0F}"/>
-          </ac:spMkLst>
-        </pc:spChg>
-        <pc:spChg chg="del">
-          <ac:chgData name="Kristóf Lajka" userId="5e6963896e59b084" providerId="Windows Live" clId="Web-{30CA4A85-AF90-295C-8D38-AA50E8AFAF55}" dt="2025-03-17T11:18:29.321" v="154"/>
-          <ac:spMkLst>
-            <pc:docMk/>
-            <pc:sldMk cId="536775721" sldId="304"/>
-            <ac:spMk id="3" creationId="{678CC154-C50F-D479-F2F7-5B78C7A68A5A}"/>
-          </ac:spMkLst>
-        </pc:spChg>
-        <pc:picChg chg="add mod ord">
-          <ac:chgData name="Kristóf Lajka" userId="5e6963896e59b084" providerId="Windows Live" clId="Web-{30CA4A85-AF90-295C-8D38-AA50E8AFAF55}" dt="2025-03-17T11:18:30.336" v="155" actId="1076"/>
-          <ac:picMkLst>
-            <pc:docMk/>
-            <pc:sldMk cId="536775721" sldId="304"/>
-            <ac:picMk id="4" creationId="{E4F0D4A2-12E0-8C7F-C598-CF5BB043676D}"/>
           </ac:picMkLst>
         </pc:picChg>
       </pc:sldChg>
@@ -11587,18 +11128,6 @@
   <p:clrMapOvr>
     <a:masterClrMapping/>
   </p:clrMapOvr>
-  <mc:AlternateContent xmlns:mc="http://schemas.openxmlformats.org/markup-compatibility/2006" xmlns:p14="http://schemas.microsoft.com/office/powerpoint/2010/main">
-    <mc:Choice Requires="p14">
-      <p:transition spd="med" p14:dur="700">
-        <p:fade/>
-      </p:transition>
-    </mc:Choice>
-    <mc:Fallback xmlns="">
-      <p:transition spd="med">
-        <p:fade/>
-      </p:transition>
-    </mc:Fallback>
-  </mc:AlternateContent>
 </p:sld>
 </file>
 
@@ -11704,18 +11233,6 @@
   <p:clrMapOvr>
     <a:masterClrMapping/>
   </p:clrMapOvr>
-  <mc:AlternateContent xmlns:mc="http://schemas.openxmlformats.org/markup-compatibility/2006" xmlns:p14="http://schemas.microsoft.com/office/powerpoint/2010/main">
-    <mc:Choice Requires="p14">
-      <p:transition spd="med" p14:dur="700">
-        <p:fade/>
-      </p:transition>
-    </mc:Choice>
-    <mc:Fallback xmlns="">
-      <p:transition spd="med">
-        <p:fade/>
-      </p:transition>
-    </mc:Fallback>
-  </mc:AlternateContent>
 </p:sld>
 </file>
 
@@ -13254,8 +12771,13 @@
           <a:p>
             <a:r>
               <a:rPr lang="hu-HU" dirty="0"/>
-              <a:t>AssemblySW1 G1/0/5</a:t>
+              <a:t>AssemblySW1 </a:t>
             </a:r>
+            <a:r>
+              <a:rPr lang="hu-HU" dirty="0" smtClean="0"/>
+              <a:t>G1/0/5</a:t>
+            </a:r>
+            <a:endParaRPr lang="hu-HU" dirty="0"/>
           </a:p>
         </p:txBody>
       </p:sp>
@@ -13292,8 +12814,13 @@
           <a:p>
             <a:r>
               <a:rPr lang="hu-HU" dirty="0"/>
-              <a:t>AssemblySW1 G1/0/10</a:t>
+              <a:t>AssemblySW1 </a:t>
             </a:r>
+            <a:r>
+              <a:rPr lang="hu-HU" dirty="0" smtClean="0"/>
+              <a:t>G1/0/10</a:t>
+            </a:r>
+            <a:endParaRPr lang="hu-HU" dirty="0"/>
           </a:p>
         </p:txBody>
       </p:sp>
@@ -13330,8 +12857,13 @@
           <a:p>
             <a:r>
               <a:rPr lang="hu-HU" dirty="0"/>
-              <a:t>AssemblySW2 G1/0/5</a:t>
+              <a:t>AssemblySW2 </a:t>
             </a:r>
+            <a:r>
+              <a:rPr lang="hu-HU" dirty="0" smtClean="0"/>
+              <a:t>G1/0/5</a:t>
+            </a:r>
+            <a:endParaRPr lang="hu-HU" dirty="0"/>
           </a:p>
         </p:txBody>
       </p:sp>
@@ -13368,8 +12900,13 @@
           <a:p>
             <a:r>
               <a:rPr lang="hu-HU" dirty="0"/>
-              <a:t>AssemblySW2 G1/0/10</a:t>
+              <a:t>AssemblySW2 </a:t>
             </a:r>
+            <a:r>
+              <a:rPr lang="hu-HU" dirty="0" smtClean="0"/>
+              <a:t>G1/0/10</a:t>
+            </a:r>
+            <a:endParaRPr lang="hu-HU" dirty="0"/>
           </a:p>
         </p:txBody>
       </p:sp>
@@ -14137,18 +13674,6 @@
   <p:clrMapOvr>
     <a:masterClrMapping/>
   </p:clrMapOvr>
-  <mc:AlternateContent xmlns:mc="http://schemas.openxmlformats.org/markup-compatibility/2006" xmlns:p14="http://schemas.microsoft.com/office/powerpoint/2010/main">
-    <mc:Choice Requires="p14">
-      <p:transition spd="med" p14:dur="700">
-        <p:fade/>
-      </p:transition>
-    </mc:Choice>
-    <mc:Fallback xmlns="">
-      <p:transition spd="med">
-        <p:fade/>
-      </p:transition>
-    </mc:Fallback>
-  </mc:AlternateContent>
 </p:sld>
 </file>
 
@@ -14554,7 +14079,7 @@
                 <a16:creationId xmlns:a16="http://schemas.microsoft.com/office/drawing/2014/main" id="{0D187C4E-14B9-4504-B200-5127823FA78C}"/>
               </a:ext>
               <a:ext uri="{C183D7F6-B498-43B3-948B-1728B52AA6E4}">
-                <adec:decorative xmlns:adec="http://schemas.microsoft.com/office/drawing/2017/decorative" val="1"/>
+                <adec:decorative xmlns="" xmlns:adec="http://schemas.microsoft.com/office/drawing/2017/decorative" val="1"/>
               </a:ext>
             </a:extLst>
           </p:cNvPr>
@@ -14706,7 +14231,7 @@
                 <a16:creationId xmlns:a16="http://schemas.microsoft.com/office/drawing/2014/main" id="{A4322390-8B58-46BE-88EB-D9FD30C08743}"/>
               </a:ext>
               <a:ext uri="{C183D7F6-B498-43B3-948B-1728B52AA6E4}">
-                <adec:decorative xmlns:adec="http://schemas.microsoft.com/office/drawing/2017/decorative" val="1"/>
+                <adec:decorative xmlns="" xmlns:adec="http://schemas.microsoft.com/office/drawing/2017/decorative" val="1"/>
               </a:ext>
             </a:extLst>
           </p:cNvPr>
@@ -14853,7 +14378,7 @@
                 <a16:creationId xmlns:a16="http://schemas.microsoft.com/office/drawing/2014/main" id="{C885E190-58DD-42DD-A4A8-401E15C92A52}"/>
               </a:ext>
               <a:ext uri="{C183D7F6-B498-43B3-948B-1728B52AA6E4}">
-                <adec:decorative xmlns:adec="http://schemas.microsoft.com/office/drawing/2017/decorative" val="1"/>
+                <adec:decorative xmlns="" xmlns:adec="http://schemas.microsoft.com/office/drawing/2017/decorative" val="1"/>
               </a:ext>
             </a:extLst>
           </p:cNvPr>
@@ -14938,18 +14463,6 @@
   <p:clrMapOvr>
     <a:masterClrMapping/>
   </p:clrMapOvr>
-  <mc:AlternateContent xmlns:mc="http://schemas.openxmlformats.org/markup-compatibility/2006" xmlns:p14="http://schemas.microsoft.com/office/powerpoint/2010/main">
-    <mc:Choice Requires="p14">
-      <p:transition spd="slow" p14:dur="900">
-        <p14:warp dir="in"/>
-      </p:transition>
-    </mc:Choice>
-    <mc:Fallback xmlns="">
-      <p:transition spd="slow">
-        <p:fade/>
-      </p:transition>
-    </mc:Fallback>
-  </mc:AlternateContent>
 </p:sld>
 </file>
 
@@ -15506,7 +15019,7 @@
                 <a16:creationId xmlns:a16="http://schemas.microsoft.com/office/drawing/2014/main" id="{A4322390-8B58-46BE-88EB-D9FD30C08743}"/>
               </a:ext>
               <a:ext uri="{C183D7F6-B498-43B3-948B-1728B52AA6E4}">
-                <adec:decorative xmlns:adec="http://schemas.microsoft.com/office/drawing/2017/decorative" val="1"/>
+                <adec:decorative xmlns="" xmlns:adec="http://schemas.microsoft.com/office/drawing/2017/decorative" val="1"/>
               </a:ext>
             </a:extLst>
           </p:cNvPr>
@@ -15630,7 +15143,7 @@
                 <a16:creationId xmlns:a16="http://schemas.microsoft.com/office/drawing/2014/main" id="{C885E190-58DD-42DD-A4A8-401E15C92A52}"/>
               </a:ext>
               <a:ext uri="{C183D7F6-B498-43B3-948B-1728B52AA6E4}">
-                <adec:decorative xmlns:adec="http://schemas.microsoft.com/office/drawing/2017/decorative" val="1"/>
+                <adec:decorative xmlns="" xmlns:adec="http://schemas.microsoft.com/office/drawing/2017/decorative" val="1"/>
               </a:ext>
             </a:extLst>
           </p:cNvPr>
@@ -15715,18 +15228,6 @@
   <p:clrMapOvr>
     <a:masterClrMapping/>
   </p:clrMapOvr>
-  <mc:AlternateContent xmlns:mc="http://schemas.openxmlformats.org/markup-compatibility/2006" xmlns:p14="http://schemas.microsoft.com/office/powerpoint/2010/main">
-    <mc:Choice Requires="p14">
-      <p:transition spd="slow" p14:dur="900">
-        <p14:warp dir="in"/>
-      </p:transition>
-    </mc:Choice>
-    <mc:Fallback xmlns="">
-      <p:transition spd="slow">
-        <p:fade/>
-      </p:transition>
-    </mc:Fallback>
-  </mc:AlternateContent>
 </p:sld>
 </file>
 
@@ -15764,7 +15265,15 @@
           <a:p>
             <a:r>
               <a:rPr lang="hu-HU" dirty="0"/>
-              <a:t>DHCP server(Windows)</a:t>
+              <a:t>DHCP </a:t>
+            </a:r>
+            <a:r>
+              <a:rPr lang="hu-HU" dirty="0" smtClean="0"/>
+              <a:t>Server(Windows</a:t>
+            </a:r>
+            <a:r>
+              <a:rPr lang="hu-HU" dirty="0"/>
+              <a:t>)</a:t>
             </a:r>
           </a:p>
         </p:txBody>
@@ -15838,18 +15347,6 @@
   <p:clrMapOvr>
     <a:masterClrMapping/>
   </p:clrMapOvr>
-  <mc:AlternateContent xmlns:mc="http://schemas.openxmlformats.org/markup-compatibility/2006" xmlns:p159="http://schemas.microsoft.com/office/powerpoint/2015/09/main">
-    <mc:Choice Requires="p159">
-      <p:transition xmlns:p14="http://schemas.microsoft.com/office/powerpoint/2010/main" spd="slow" p14:dur="2000">
-        <p159:morph option="byObject"/>
-      </p:transition>
-    </mc:Choice>
-    <mc:Fallback xmlns="">
-      <p:transition spd="slow">
-        <p:fade/>
-      </p:transition>
-    </mc:Fallback>
-  </mc:AlternateContent>
 </p:sld>
 </file>
 
@@ -15937,18 +15434,6 @@
   <p:clrMapOvr>
     <a:masterClrMapping/>
   </p:clrMapOvr>
-  <mc:AlternateContent xmlns:mc="http://schemas.openxmlformats.org/markup-compatibility/2006" xmlns:p159="http://schemas.microsoft.com/office/powerpoint/2015/09/main">
-    <mc:Choice Requires="p159">
-      <p:transition xmlns:p14="http://schemas.microsoft.com/office/powerpoint/2010/main" spd="slow" p14:dur="2000">
-        <p159:morph option="byObject"/>
-      </p:transition>
-    </mc:Choice>
-    <mc:Fallback xmlns="">
-      <p:transition spd="slow">
-        <p:fade/>
-      </p:transition>
-    </mc:Fallback>
-  </mc:AlternateContent>
 </p:sld>
 </file>
 
@@ -16066,1339 +15551,10 @@
   <p:clrMapOvr>
     <a:masterClrMapping/>
   </p:clrMapOvr>
-  <mc:AlternateContent xmlns:mc="http://schemas.openxmlformats.org/markup-compatibility/2006" xmlns:p159="http://schemas.microsoft.com/office/powerpoint/2015/09/main">
-    <mc:Choice Requires="p159">
-      <p:transition xmlns:p14="http://schemas.microsoft.com/office/powerpoint/2010/main" spd="slow" p14:dur="2000">
-        <p159:morph option="byObject"/>
-      </p:transition>
-    </mc:Choice>
-    <mc:Fallback xmlns="">
-      <p:transition spd="slow">
-        <p:fade/>
-      </p:transition>
-    </mc:Fallback>
-  </mc:AlternateContent>
 </p:sld>
 </file>
 
 <file path=ppt/slides/slide27.xml><?xml version="1.0" encoding="utf-8"?>
-<p:sld xmlns:a="http://schemas.openxmlformats.org/drawingml/2006/main" xmlns:r="http://schemas.openxmlformats.org/officeDocument/2006/relationships" xmlns:p="http://schemas.openxmlformats.org/presentationml/2006/main">
-  <p:cSld>
-    <p:spTree>
-      <p:nvGrpSpPr>
-        <p:cNvPr id="1" name=""/>
-        <p:cNvGrpSpPr/>
-        <p:nvPr/>
-      </p:nvGrpSpPr>
-      <p:grpSpPr>
-        <a:xfrm>
-          <a:off x="0" y="0"/>
-          <a:ext cx="0" cy="0"/>
-          <a:chOff x="0" y="0"/>
-          <a:chExt cx="0" cy="0"/>
-        </a:xfrm>
-      </p:grpSpPr>
-      <p:sp>
-        <p:nvSpPr>
-          <p:cNvPr id="2" name="Cím 1">
-            <a:extLst>
-              <a:ext uri="{FF2B5EF4-FFF2-40B4-BE49-F238E27FC236}">
-                <a16:creationId xmlns:a16="http://schemas.microsoft.com/office/drawing/2014/main" id="{05EBEA55-5E68-82F7-BC5E-861FD3E6B752}"/>
-              </a:ext>
-            </a:extLst>
-          </p:cNvPr>
-          <p:cNvSpPr>
-            <a:spLocks noGrp="1"/>
-          </p:cNvSpPr>
-          <p:nvPr>
-            <p:ph type="title"/>
-          </p:nvPr>
-        </p:nvSpPr>
-        <p:spPr/>
-        <p:txBody>
-          <a:bodyPr/>
-          <a:lstStyle/>
-          <a:p>
-            <a:r>
-              <a:rPr lang="hu-HU" dirty="0" err="1"/>
-              <a:t>Active</a:t>
-            </a:r>
-            <a:r>
-              <a:rPr lang="hu-HU" dirty="0"/>
-              <a:t> </a:t>
-            </a:r>
-            <a:r>
-              <a:rPr lang="hu-HU" dirty="0" err="1"/>
-              <a:t>Directory</a:t>
-            </a:r>
-            <a:r>
-              <a:rPr lang="hu-HU" dirty="0"/>
-              <a:t> </a:t>
-            </a:r>
-            <a:r>
-              <a:rPr lang="hu-HU" dirty="0" err="1"/>
-              <a:t>on</a:t>
-            </a:r>
-            <a:r>
-              <a:rPr lang="hu-HU" dirty="0"/>
-              <a:t> Windows</a:t>
-            </a:r>
-          </a:p>
-        </p:txBody>
-      </p:sp>
-      <p:pic>
-        <p:nvPicPr>
-          <p:cNvPr id="4" name="Tartalom helye 3" descr="A képen szöveg, elektronika, képernyőkép, szoftver látható&#10;&#10;Lehet, hogy a mesterséges intelligencia által generált tartalom helytelen.">
-            <a:extLst>
-              <a:ext uri="{FF2B5EF4-FFF2-40B4-BE49-F238E27FC236}">
-                <a16:creationId xmlns:a16="http://schemas.microsoft.com/office/drawing/2014/main" id="{F613AFF1-387C-C9FD-9106-F906591854FA}"/>
-              </a:ext>
-            </a:extLst>
-          </p:cNvPr>
-          <p:cNvPicPr>
-            <a:picLocks noGrp="1" noChangeAspect="1"/>
-          </p:cNvPicPr>
-          <p:nvPr>
-            <p:ph idx="1"/>
-          </p:nvPr>
-        </p:nvPicPr>
-        <p:blipFill>
-          <a:blip r:embed="rId2"/>
-          <a:stretch>
-            <a:fillRect/>
-          </a:stretch>
-        </p:blipFill>
-        <p:spPr>
-          <a:xfrm>
-            <a:off x="2728012" y="1574215"/>
-            <a:ext cx="6183054" cy="4589669"/>
-          </a:xfrm>
-        </p:spPr>
-      </p:pic>
-    </p:spTree>
-    <p:extLst>
-      <p:ext uri="{BB962C8B-B14F-4D97-AF65-F5344CB8AC3E}">
-        <p14:creationId xmlns:p14="http://schemas.microsoft.com/office/powerpoint/2010/main" val="646458672"/>
-      </p:ext>
-    </p:extLst>
-  </p:cSld>
-  <p:clrMapOvr>
-    <a:masterClrMapping/>
-  </p:clrMapOvr>
-</p:sld>
-</file>
-
-<file path=ppt/slides/slide28.xml><?xml version="1.0" encoding="utf-8"?>
-<p:sld xmlns:a="http://schemas.openxmlformats.org/drawingml/2006/main" xmlns:r="http://schemas.openxmlformats.org/officeDocument/2006/relationships" xmlns:p="http://schemas.openxmlformats.org/presentationml/2006/main">
-  <p:cSld>
-    <p:spTree>
-      <p:nvGrpSpPr>
-        <p:cNvPr id="1" name=""/>
-        <p:cNvGrpSpPr/>
-        <p:nvPr/>
-      </p:nvGrpSpPr>
-      <p:grpSpPr>
-        <a:xfrm>
-          <a:off x="0" y="0"/>
-          <a:ext cx="0" cy="0"/>
-          <a:chOff x="0" y="0"/>
-          <a:chExt cx="0" cy="0"/>
-        </a:xfrm>
-      </p:grpSpPr>
-      <p:sp>
-        <p:nvSpPr>
-          <p:cNvPr id="2" name="Cím 1">
-            <a:extLst>
-              <a:ext uri="{FF2B5EF4-FFF2-40B4-BE49-F238E27FC236}">
-                <a16:creationId xmlns:a16="http://schemas.microsoft.com/office/drawing/2014/main" id="{D7DD1DDD-89E4-CC60-5C8C-DD09AEE0EA0F}"/>
-              </a:ext>
-            </a:extLst>
-          </p:cNvPr>
-          <p:cNvSpPr>
-            <a:spLocks noGrp="1"/>
-          </p:cNvSpPr>
-          <p:nvPr>
-            <p:ph type="title"/>
-          </p:nvPr>
-        </p:nvSpPr>
-        <p:spPr/>
-        <p:txBody>
-          <a:bodyPr/>
-          <a:lstStyle/>
-          <a:p>
-            <a:r>
-              <a:rPr lang="hu-HU" dirty="0"/>
-              <a:t>Group</a:t>
-            </a:r>
-          </a:p>
-        </p:txBody>
-      </p:sp>
-      <p:pic>
-        <p:nvPicPr>
-          <p:cNvPr id="4" name="Tartalom helye 3" descr="A képen szöveg, képernyőkép, képernyő, szoftver látható&#10;&#10;Lehet, hogy a mesterséges intelligencia által generált tartalom helytelen.">
-            <a:extLst>
-              <a:ext uri="{FF2B5EF4-FFF2-40B4-BE49-F238E27FC236}">
-                <a16:creationId xmlns:a16="http://schemas.microsoft.com/office/drawing/2014/main" id="{E4F0D4A2-12E0-8C7F-C598-CF5BB043676D}"/>
-              </a:ext>
-            </a:extLst>
-          </p:cNvPr>
-          <p:cNvPicPr>
-            <a:picLocks noGrp="1" noChangeAspect="1"/>
-          </p:cNvPicPr>
-          <p:nvPr>
-            <p:ph idx="1"/>
-          </p:nvPr>
-        </p:nvPicPr>
-        <p:blipFill>
-          <a:blip r:embed="rId2"/>
-          <a:stretch>
-            <a:fillRect/>
-          </a:stretch>
-        </p:blipFill>
-        <p:spPr>
-          <a:xfrm>
-            <a:off x="3400741" y="1856721"/>
-            <a:ext cx="4152900" cy="3571875"/>
-          </a:xfrm>
-        </p:spPr>
-      </p:pic>
-    </p:spTree>
-    <p:extLst>
-      <p:ext uri="{BB962C8B-B14F-4D97-AF65-F5344CB8AC3E}">
-        <p14:creationId xmlns:p14="http://schemas.microsoft.com/office/powerpoint/2010/main" val="536775721"/>
-      </p:ext>
-    </p:extLst>
-  </p:cSld>
-  <p:clrMapOvr>
-    <a:masterClrMapping/>
-  </p:clrMapOvr>
-  <mc:AlternateContent xmlns:mc="http://schemas.openxmlformats.org/markup-compatibility/2006">
-    <mc:Choice xmlns:p159="http://schemas.microsoft.com/office/powerpoint/2015/09/main" Requires="p159">
-      <p:transition xmlns:p14="http://schemas.microsoft.com/office/powerpoint/2010/main" spd="slow" p14:dur="2000">
-        <p159:morph option="byObject"/>
-      </p:transition>
-    </mc:Choice>
-    <mc:Fallback>
-      <p:transition spd="slow">
-        <p:fade/>
-      </p:transition>
-    </mc:Fallback>
-  </mc:AlternateContent>
-</p:sld>
-</file>
-
-<file path=ppt/slides/slide29.xml><?xml version="1.0" encoding="utf-8"?>
-<p:sld xmlns:a="http://schemas.openxmlformats.org/drawingml/2006/main" xmlns:r="http://schemas.openxmlformats.org/officeDocument/2006/relationships" xmlns:p="http://schemas.openxmlformats.org/presentationml/2006/main">
-  <p:cSld>
-    <p:spTree>
-      <p:nvGrpSpPr>
-        <p:cNvPr id="1" name=""/>
-        <p:cNvGrpSpPr/>
-        <p:nvPr/>
-      </p:nvGrpSpPr>
-      <p:grpSpPr>
-        <a:xfrm>
-          <a:off x="0" y="0"/>
-          <a:ext cx="0" cy="0"/>
-          <a:chOff x="0" y="0"/>
-          <a:chExt cx="0" cy="0"/>
-        </a:xfrm>
-      </p:grpSpPr>
-      <p:sp>
-        <p:nvSpPr>
-          <p:cNvPr id="2" name="Cím 1">
-            <a:extLst>
-              <a:ext uri="{FF2B5EF4-FFF2-40B4-BE49-F238E27FC236}">
-                <a16:creationId xmlns:a16="http://schemas.microsoft.com/office/drawing/2014/main" id="{4B7F9768-831C-0086-7741-FA19FDE64158}"/>
-              </a:ext>
-            </a:extLst>
-          </p:cNvPr>
-          <p:cNvSpPr>
-            <a:spLocks noGrp="1"/>
-          </p:cNvSpPr>
-          <p:nvPr>
-            <p:ph type="title"/>
-          </p:nvPr>
-        </p:nvSpPr>
-        <p:spPr/>
-        <p:txBody>
-          <a:bodyPr/>
-          <a:lstStyle/>
-          <a:p>
-            <a:r>
-              <a:rPr lang="hu-HU" dirty="0" err="1"/>
-              <a:t>Users</a:t>
-            </a:r>
-            <a:r>
-              <a:rPr lang="hu-HU" dirty="0"/>
-              <a:t> and </a:t>
-            </a:r>
-            <a:r>
-              <a:rPr lang="hu-HU" dirty="0" err="1"/>
-              <a:t>group</a:t>
-            </a:r>
-            <a:r>
-              <a:rPr lang="hu-HU" dirty="0"/>
-              <a:t>: </a:t>
-            </a:r>
-            <a:r>
-              <a:rPr lang="hu-HU" dirty="0" err="1"/>
-              <a:t>Lajka</a:t>
-            </a:r>
-            <a:r>
-              <a:rPr lang="hu-HU" dirty="0"/>
-              <a:t> Kristóf</a:t>
-            </a:r>
-          </a:p>
-        </p:txBody>
-      </p:sp>
-      <p:pic>
-        <p:nvPicPr>
-          <p:cNvPr id="4" name="Tartalom helye 3" descr="A képen szöveg, képernyőkép, képernyő, szoftver látható&#10;&#10;Lehet, hogy a mesterséges intelligencia által generált tartalom helytelen.">
-            <a:extLst>
-              <a:ext uri="{FF2B5EF4-FFF2-40B4-BE49-F238E27FC236}">
-                <a16:creationId xmlns:a16="http://schemas.microsoft.com/office/drawing/2014/main" id="{065874D2-F5E8-62A0-763E-4109F550B9FD}"/>
-              </a:ext>
-            </a:extLst>
-          </p:cNvPr>
-          <p:cNvPicPr>
-            <a:picLocks noGrp="1" noChangeAspect="1"/>
-          </p:cNvPicPr>
-          <p:nvPr>
-            <p:ph idx="1"/>
-          </p:nvPr>
-        </p:nvPicPr>
-        <p:blipFill>
-          <a:blip r:embed="rId2"/>
-          <a:stretch>
-            <a:fillRect/>
-          </a:stretch>
-        </p:blipFill>
-        <p:spPr>
-          <a:xfrm>
-            <a:off x="150921" y="1851959"/>
-            <a:ext cx="4114800" cy="3581400"/>
-          </a:xfrm>
-        </p:spPr>
-      </p:pic>
-      <p:pic>
-        <p:nvPicPr>
-          <p:cNvPr id="5" name="Kép 4" descr="A képen szöveg, képernyőkép, szoftver, Számítógépes ikon látható&#10;&#10;Lehet, hogy a mesterséges intelligencia által generált tartalom helytelen.">
-            <a:extLst>
-              <a:ext uri="{FF2B5EF4-FFF2-40B4-BE49-F238E27FC236}">
-                <a16:creationId xmlns:a16="http://schemas.microsoft.com/office/drawing/2014/main" id="{770113D1-5545-250D-6CFA-1FC7E7A4FB7F}"/>
-              </a:ext>
-            </a:extLst>
-          </p:cNvPr>
-          <p:cNvPicPr>
-            <a:picLocks noChangeAspect="1"/>
-          </p:cNvPicPr>
-          <p:nvPr/>
-        </p:nvPicPr>
-        <p:blipFill>
-          <a:blip r:embed="rId3"/>
-          <a:stretch>
-            <a:fillRect/>
-          </a:stretch>
-        </p:blipFill>
-        <p:spPr>
-          <a:xfrm>
-            <a:off x="4256432" y="1849851"/>
-            <a:ext cx="4076700" cy="3533775"/>
-          </a:xfrm>
-          <a:prstGeom prst="rect">
-            <a:avLst/>
-          </a:prstGeom>
-        </p:spPr>
-      </p:pic>
-      <p:pic>
-        <p:nvPicPr>
-          <p:cNvPr id="6" name="Kép 5" descr="A képen szöveg, képernyőkép, képernyő, szám látható&#10;&#10;Lehet, hogy a mesterséges intelligencia által generált tartalom helytelen.">
-            <a:extLst>
-              <a:ext uri="{FF2B5EF4-FFF2-40B4-BE49-F238E27FC236}">
-                <a16:creationId xmlns:a16="http://schemas.microsoft.com/office/drawing/2014/main" id="{795E6BDA-3CDD-952B-9236-FE1C5F466DC0}"/>
-              </a:ext>
-            </a:extLst>
-          </p:cNvPr>
-          <p:cNvPicPr>
-            <a:picLocks noChangeAspect="1"/>
-          </p:cNvPicPr>
-          <p:nvPr/>
-        </p:nvPicPr>
-        <p:blipFill>
-          <a:blip r:embed="rId4"/>
-          <a:stretch>
-            <a:fillRect/>
-          </a:stretch>
-        </p:blipFill>
-        <p:spPr>
-          <a:xfrm>
-            <a:off x="8310009" y="876300"/>
-            <a:ext cx="3876675" cy="5105400"/>
-          </a:xfrm>
-          <a:prstGeom prst="rect">
-            <a:avLst/>
-          </a:prstGeom>
-        </p:spPr>
-      </p:pic>
-      <p:sp>
-        <p:nvSpPr>
-          <p:cNvPr id="7" name="Szövegdoboz 6">
-            <a:extLst>
-              <a:ext uri="{FF2B5EF4-FFF2-40B4-BE49-F238E27FC236}">
-                <a16:creationId xmlns:a16="http://schemas.microsoft.com/office/drawing/2014/main" id="{B9DEE180-DA01-68CE-F76B-FF7128C0853C}"/>
-              </a:ext>
-            </a:extLst>
-          </p:cNvPr>
-          <p:cNvSpPr txBox="1"/>
-          <p:nvPr/>
-        </p:nvSpPr>
-        <p:spPr>
-          <a:xfrm>
-            <a:off x="1173103" y="5810314"/>
-            <a:ext cx="2743200" cy="365760"/>
-          </a:xfrm>
-          <a:prstGeom prst="rect">
-            <a:avLst/>
-          </a:prstGeom>
-          <a:noFill/>
-        </p:spPr>
-        <p:txBody>
-          <a:bodyPr rot="0" spcFirstLastPara="0" vertOverflow="overflow" horzOverflow="overflow" vert="horz" wrap="square" lIns="91440" tIns="45720" rIns="91440" bIns="45720" numCol="1" spcCol="0" rtlCol="0" fromWordArt="0" anchor="t" anchorCtr="0" forceAA="0" compatLnSpc="1">
-            <a:prstTxWarp prst="textNoShape">
-              <a:avLst/>
-            </a:prstTxWarp>
-            <a:spAutoFit/>
-          </a:bodyPr>
-          <a:lstStyle/>
-          <a:p>
-            <a:pPr algn="l"/>
-            <a:r>
-              <a:rPr lang="hu-HU" dirty="0" err="1"/>
-              <a:t>Name</a:t>
-            </a:r>
-          </a:p>
-        </p:txBody>
-      </p:sp>
-      <p:sp>
-        <p:nvSpPr>
-          <p:cNvPr id="8" name="Szövegdoboz 7">
-            <a:extLst>
-              <a:ext uri="{FF2B5EF4-FFF2-40B4-BE49-F238E27FC236}">
-                <a16:creationId xmlns:a16="http://schemas.microsoft.com/office/drawing/2014/main" id="{0EF847A0-0D6B-CA89-792D-041A1CCFE32E}"/>
-              </a:ext>
-            </a:extLst>
-          </p:cNvPr>
-          <p:cNvSpPr txBox="1"/>
-          <p:nvPr/>
-        </p:nvSpPr>
-        <p:spPr>
-          <a:xfrm>
-            <a:off x="5189259" y="5658500"/>
-            <a:ext cx="2743200" cy="365760"/>
-          </a:xfrm>
-          <a:prstGeom prst="rect">
-            <a:avLst/>
-          </a:prstGeom>
-          <a:noFill/>
-        </p:spPr>
-        <p:txBody>
-          <a:bodyPr rot="0" spcFirstLastPara="0" vertOverflow="overflow" horzOverflow="overflow" vert="horz" wrap="square" lIns="91440" tIns="45720" rIns="91440" bIns="45720" numCol="1" spcCol="0" rtlCol="0" fromWordArt="0" anchor="t" anchorCtr="0" forceAA="0" compatLnSpc="1">
-            <a:prstTxWarp prst="textNoShape">
-              <a:avLst/>
-            </a:prstTxWarp>
-            <a:spAutoFit/>
-          </a:bodyPr>
-          <a:lstStyle/>
-          <a:p>
-            <a:pPr algn="l"/>
-            <a:r>
-              <a:rPr lang="hu-HU" dirty="0" err="1"/>
-              <a:t>Password</a:t>
-            </a:r>
-          </a:p>
-        </p:txBody>
-      </p:sp>
-      <p:sp>
-        <p:nvSpPr>
-          <p:cNvPr id="9" name="Szövegdoboz 8">
-            <a:extLst>
-              <a:ext uri="{FF2B5EF4-FFF2-40B4-BE49-F238E27FC236}">
-                <a16:creationId xmlns:a16="http://schemas.microsoft.com/office/drawing/2014/main" id="{F3280EE3-64CD-E89B-DC4D-3A45978DF291}"/>
-              </a:ext>
-            </a:extLst>
-          </p:cNvPr>
-          <p:cNvSpPr txBox="1"/>
-          <p:nvPr/>
-        </p:nvSpPr>
-        <p:spPr>
-          <a:xfrm>
-            <a:off x="9440035" y="6251953"/>
-            <a:ext cx="2743200" cy="365760"/>
-          </a:xfrm>
-          <a:prstGeom prst="rect">
-            <a:avLst/>
-          </a:prstGeom>
-          <a:noFill/>
-        </p:spPr>
-        <p:txBody>
-          <a:bodyPr rot="0" spcFirstLastPara="0" vertOverflow="overflow" horzOverflow="overflow" vert="horz" wrap="square" lIns="91440" tIns="45720" rIns="91440" bIns="45720" numCol="1" spcCol="0" rtlCol="0" fromWordArt="0" anchor="t" anchorCtr="0" forceAA="0" compatLnSpc="1">
-            <a:prstTxWarp prst="textNoShape">
-              <a:avLst/>
-            </a:prstTxWarp>
-            <a:spAutoFit/>
-          </a:bodyPr>
-          <a:lstStyle/>
-          <a:p>
-            <a:r>
-              <a:rPr lang="hu-HU" dirty="0" err="1"/>
-              <a:t>Member</a:t>
-            </a:r>
-            <a:r>
-              <a:rPr lang="hu-HU" dirty="0"/>
-              <a:t> Of</a:t>
-            </a:r>
-          </a:p>
-        </p:txBody>
-      </p:sp>
-    </p:spTree>
-    <p:extLst>
-      <p:ext uri="{BB962C8B-B14F-4D97-AF65-F5344CB8AC3E}">
-        <p14:creationId xmlns:p14="http://schemas.microsoft.com/office/powerpoint/2010/main" val="1260473115"/>
-      </p:ext>
-    </p:extLst>
-  </p:cSld>
-  <p:clrMapOvr>
-    <a:masterClrMapping/>
-  </p:clrMapOvr>
-  <mc:AlternateContent xmlns:mc="http://schemas.openxmlformats.org/markup-compatibility/2006">
-    <mc:Choice xmlns:p159="http://schemas.microsoft.com/office/powerpoint/2015/09/main" Requires="p159">
-      <p:transition xmlns:p14="http://schemas.microsoft.com/office/powerpoint/2010/main" spd="slow" p14:dur="2000">
-        <p159:morph option="byObject"/>
-      </p:transition>
-    </mc:Choice>
-    <mc:Fallback>
-      <p:transition spd="slow">
-        <p:fade/>
-      </p:transition>
-    </mc:Fallback>
-  </mc:AlternateContent>
-</p:sld>
-</file>
-
-<file path=ppt/slides/slide3.xml><?xml version="1.0" encoding="utf-8"?>
-<p:sld xmlns:a="http://schemas.openxmlformats.org/drawingml/2006/main" xmlns:r="http://schemas.openxmlformats.org/officeDocument/2006/relationships" xmlns:p="http://schemas.openxmlformats.org/presentationml/2006/main">
-  <p:cSld>
-    <p:bg>
-      <p:bgPr>
-        <a:gradFill rotWithShape="1">
-          <a:gsLst>
-            <a:gs pos="0">
-              <a:schemeClr val="bg1">
-                <a:tint val="98000"/>
-                <a:hueMod val="104000"/>
-                <a:satMod val="128000"/>
-                <a:lumMod val="104000"/>
-              </a:schemeClr>
-            </a:gs>
-            <a:gs pos="100000">
-              <a:schemeClr val="bg1">
-                <a:shade val="76000"/>
-                <a:hueMod val="89000"/>
-                <a:satMod val="164000"/>
-                <a:lumMod val="68000"/>
-              </a:schemeClr>
-            </a:gs>
-          </a:gsLst>
-          <a:path path="circle">
-            <a:fillToRect l="45000" t="65000" r="125000" b="100000"/>
-          </a:path>
-        </a:gradFill>
-        <a:effectLst/>
-      </p:bgPr>
-    </p:bg>
-    <p:spTree>
-      <p:nvGrpSpPr>
-        <p:cNvPr id="1" name=""/>
-        <p:cNvGrpSpPr/>
-        <p:nvPr/>
-      </p:nvGrpSpPr>
-      <p:grpSpPr>
-        <a:xfrm>
-          <a:off x="0" y="0"/>
-          <a:ext cx="0" cy="0"/>
-          <a:chOff x="0" y="0"/>
-          <a:chExt cx="0" cy="0"/>
-        </a:xfrm>
-      </p:grpSpPr>
-      <p:pic>
-        <p:nvPicPr>
-          <p:cNvPr id="4" name="Kép 3" descr="A képen Szárazföldi jármű, jármű, kerék, ég látható&#10;&#10;Lehet, hogy a mesterséges intelligencia által generált tartalom helytelen.">
-            <a:extLst>
-              <a:ext uri="{FF2B5EF4-FFF2-40B4-BE49-F238E27FC236}">
-                <a16:creationId xmlns:a16="http://schemas.microsoft.com/office/drawing/2014/main" id="{B4D40FFB-AD30-8486-79B5-4EC7CCF58A3C}"/>
-              </a:ext>
-            </a:extLst>
-          </p:cNvPr>
-          <p:cNvPicPr>
-            <a:picLocks noChangeAspect="1"/>
-          </p:cNvPicPr>
-          <p:nvPr/>
-        </p:nvPicPr>
-        <p:blipFill>
-          <a:blip r:embed="rId2">
-            <a:alphaModFix amt="25000"/>
-            <a:grayscl/>
-          </a:blip>
-          <a:srcRect t="15413"/>
-          <a:stretch/>
-        </p:blipFill>
-        <p:spPr>
-          <a:xfrm>
-            <a:off x="20" y="-1"/>
-            <a:ext cx="12191980" cy="6858000"/>
-          </a:xfrm>
-          <a:prstGeom prst="rect">
-            <a:avLst/>
-          </a:prstGeom>
-        </p:spPr>
-      </p:pic>
-      <p:sp>
-        <p:nvSpPr>
-          <p:cNvPr id="2" name="Cím 1"/>
-          <p:cNvSpPr>
-            <a:spLocks noGrp="1"/>
-          </p:cNvSpPr>
-          <p:nvPr>
-            <p:ph type="title"/>
-          </p:nvPr>
-        </p:nvSpPr>
-        <p:spPr>
-          <a:xfrm>
-            <a:off x="646111" y="452718"/>
-            <a:ext cx="9404723" cy="1400530"/>
-          </a:xfrm>
-        </p:spPr>
-        <p:txBody>
-          <a:bodyPr>
-            <a:normAutofit/>
-          </a:bodyPr>
-          <a:lstStyle/>
-          <a:p>
-            <a:r>
-              <a:rPr lang="hu-HU" dirty="0" err="1"/>
-              <a:t>Devices</a:t>
-            </a:r>
-            <a:endParaRPr lang="hu-HU" dirty="0"/>
-          </a:p>
-        </p:txBody>
-      </p:sp>
-      <p:sp>
-        <p:nvSpPr>
-          <p:cNvPr id="9" name="Rectangle 8">
-            <a:extLst>
-              <a:ext uri="{FF2B5EF4-FFF2-40B4-BE49-F238E27FC236}">
-                <a16:creationId xmlns:a16="http://schemas.microsoft.com/office/drawing/2014/main" id="{0D187C4E-14B9-4504-B200-5127823FA78C}"/>
-              </a:ext>
-              <a:ext uri="{C183D7F6-B498-43B3-948B-1728B52AA6E4}">
-                <adec:decorative xmlns:adec="http://schemas.microsoft.com/office/drawing/2017/decorative" val="1"/>
-              </a:ext>
-            </a:extLst>
-          </p:cNvPr>
-          <p:cNvSpPr>
-            <a:spLocks noGrp="1" noRot="1" noChangeAspect="1" noMove="1" noResize="1" noEditPoints="1" noAdjustHandles="1" noChangeArrowheads="1" noChangeShapeType="1" noTextEdit="1"/>
-          </p:cNvSpPr>
-          <p:nvPr>
-            <p:extLst>
-              <p:ext uri="{386F3935-93C4-4BCD-93E2-E3B085C9AB24}">
-                <p16:designElem xmlns:p16="http://schemas.microsoft.com/office/powerpoint/2015/main" val="1"/>
-              </p:ext>
-            </p:extLst>
-          </p:nvPr>
-        </p:nvSpPr>
-        <p:spPr>
-          <a:xfrm>
-            <a:off x="10442448" y="0"/>
-            <a:ext cx="685800" cy="1143000"/>
-          </a:xfrm>
-          <a:prstGeom prst="rect">
-            <a:avLst/>
-          </a:prstGeom>
-          <a:solidFill>
-            <a:schemeClr val="accent1"/>
-          </a:solidFill>
-          <a:ln>
-            <a:noFill/>
-          </a:ln>
-        </p:spPr>
-        <p:style>
-          <a:lnRef idx="1">
-            <a:schemeClr val="accent1"/>
-          </a:lnRef>
-          <a:fillRef idx="3">
-            <a:schemeClr val="accent1"/>
-          </a:fillRef>
-          <a:effectRef idx="2">
-            <a:schemeClr val="accent1"/>
-          </a:effectRef>
-          <a:fontRef idx="minor">
-            <a:schemeClr val="lt1"/>
-          </a:fontRef>
-        </p:style>
-      </p:sp>
-      <p:sp>
-        <p:nvSpPr>
-          <p:cNvPr id="3" name="Tartalom helye 2"/>
-          <p:cNvSpPr>
-            <a:spLocks noGrp="1"/>
-          </p:cNvSpPr>
-          <p:nvPr>
-            <p:ph idx="1"/>
-          </p:nvPr>
-        </p:nvSpPr>
-        <p:spPr>
-          <a:xfrm>
-            <a:off x="1103312" y="2052918"/>
-            <a:ext cx="8946541" cy="4195481"/>
-          </a:xfrm>
-        </p:spPr>
-        <p:txBody>
-          <a:bodyPr vert="horz" lIns="91440" tIns="45720" rIns="91440" bIns="45720" rtlCol="0" anchor="t">
-            <a:normAutofit/>
-          </a:bodyPr>
-          <a:lstStyle/>
-          <a:p>
-            <a:r>
-              <a:rPr lang="hu-HU" dirty="0"/>
-              <a:t> 3 Cisco 4221 router </a:t>
-            </a:r>
-          </a:p>
-          <a:p>
-            <a:r>
-              <a:rPr lang="hu-HU" dirty="0"/>
-              <a:t>2 Cisco 2960 </a:t>
-            </a:r>
-            <a:r>
-              <a:rPr lang="hu-HU" dirty="0" err="1"/>
-              <a:t>switches</a:t>
-            </a:r>
-            <a:r>
-              <a:rPr lang="hu-HU" dirty="0"/>
-              <a:t> </a:t>
-            </a:r>
-          </a:p>
-          <a:p>
-            <a:r>
-              <a:rPr lang="hu-HU" dirty="0"/>
-              <a:t>1 </a:t>
-            </a:r>
-            <a:r>
-              <a:rPr lang="hu-HU" dirty="0" err="1"/>
-              <a:t>Tenda</a:t>
-            </a:r>
-            <a:r>
-              <a:rPr lang="hu-HU" dirty="0"/>
-              <a:t> WIFI router </a:t>
-            </a:r>
-          </a:p>
-          <a:p>
-            <a:r>
-              <a:rPr lang="hu-HU" dirty="0"/>
-              <a:t>4 </a:t>
-            </a:r>
-            <a:r>
-              <a:rPr lang="hu-HU" dirty="0" err="1"/>
-              <a:t>endpoint</a:t>
-            </a:r>
-            <a:endParaRPr lang="hu-HU" dirty="0"/>
-          </a:p>
-          <a:p>
-            <a:r>
-              <a:rPr lang="hu-HU" dirty="0"/>
-              <a:t>1 ASA </a:t>
-            </a:r>
-            <a:r>
-              <a:rPr lang="hu-HU" dirty="0" err="1"/>
-              <a:t>Firewall</a:t>
-            </a:r>
-          </a:p>
-          <a:p>
-            <a:endParaRPr lang="hu-HU" dirty="0"/>
-          </a:p>
-        </p:txBody>
-      </p:sp>
-    </p:spTree>
-    <p:extLst>
-      <p:ext uri="{BB962C8B-B14F-4D97-AF65-F5344CB8AC3E}">
-        <p14:creationId xmlns:p14="http://schemas.microsoft.com/office/powerpoint/2010/main" val="1275827467"/>
-      </p:ext>
-    </p:extLst>
-  </p:cSld>
-  <p:clrMapOvr>
-    <a:masterClrMapping/>
-  </p:clrMapOvr>
-</p:sld>
-</file>
-
-<file path=ppt/slides/slide30.xml><?xml version="1.0" encoding="utf-8"?>
-<p:sld xmlns:a="http://schemas.openxmlformats.org/drawingml/2006/main" xmlns:r="http://schemas.openxmlformats.org/officeDocument/2006/relationships" xmlns:p="http://schemas.openxmlformats.org/presentationml/2006/main">
-  <p:cSld>
-    <p:spTree>
-      <p:nvGrpSpPr>
-        <p:cNvPr id="1" name=""/>
-        <p:cNvGrpSpPr/>
-        <p:nvPr/>
-      </p:nvGrpSpPr>
-      <p:grpSpPr>
-        <a:xfrm>
-          <a:off x="0" y="0"/>
-          <a:ext cx="0" cy="0"/>
-          <a:chOff x="0" y="0"/>
-          <a:chExt cx="0" cy="0"/>
-        </a:xfrm>
-      </p:grpSpPr>
-      <p:sp>
-        <p:nvSpPr>
-          <p:cNvPr id="2" name="Cím 1">
-            <a:extLst>
-              <a:ext uri="{FF2B5EF4-FFF2-40B4-BE49-F238E27FC236}">
-                <a16:creationId xmlns:a16="http://schemas.microsoft.com/office/drawing/2014/main" id="{0F631DC6-0E4B-FA99-330C-F5F543E7F04B}"/>
-              </a:ext>
-            </a:extLst>
-          </p:cNvPr>
-          <p:cNvSpPr>
-            <a:spLocks noGrp="1"/>
-          </p:cNvSpPr>
-          <p:nvPr>
-            <p:ph type="title"/>
-          </p:nvPr>
-        </p:nvSpPr>
-        <p:spPr/>
-        <p:txBody>
-          <a:bodyPr/>
-          <a:lstStyle/>
-          <a:p>
-            <a:r>
-              <a:rPr lang="hu-HU" dirty="0"/>
-              <a:t>Enyedi Sándor</a:t>
-            </a:r>
-          </a:p>
-        </p:txBody>
-      </p:sp>
-      <p:pic>
-        <p:nvPicPr>
-          <p:cNvPr id="4" name="Tartalom helye 3" descr="A képen szöveg, képernyőkép, képernyő, szoftver látható&#10;&#10;Lehet, hogy a mesterséges intelligencia által generált tartalom helytelen.">
-            <a:extLst>
-              <a:ext uri="{FF2B5EF4-FFF2-40B4-BE49-F238E27FC236}">
-                <a16:creationId xmlns:a16="http://schemas.microsoft.com/office/drawing/2014/main" id="{A7269CE5-1A41-3345-4C95-C6E1ECB67A93}"/>
-              </a:ext>
-            </a:extLst>
-          </p:cNvPr>
-          <p:cNvPicPr>
-            <a:picLocks noGrp="1" noChangeAspect="1"/>
-          </p:cNvPicPr>
-          <p:nvPr>
-            <p:ph idx="1"/>
-          </p:nvPr>
-        </p:nvPicPr>
-        <p:blipFill>
-          <a:blip r:embed="rId2"/>
-          <a:stretch>
-            <a:fillRect/>
-          </a:stretch>
-        </p:blipFill>
-        <p:spPr>
-          <a:xfrm>
-            <a:off x="110777" y="1850628"/>
-            <a:ext cx="4114800" cy="3590925"/>
-          </a:xfrm>
-        </p:spPr>
-      </p:pic>
-      <p:pic>
-        <p:nvPicPr>
-          <p:cNvPr id="5" name="Kép 4" descr="A képen szöveg, képernyőkép, szoftver, képernyő látható&#10;&#10;Lehet, hogy a mesterséges intelligencia által generált tartalom helytelen.">
-            <a:extLst>
-              <a:ext uri="{FF2B5EF4-FFF2-40B4-BE49-F238E27FC236}">
-                <a16:creationId xmlns:a16="http://schemas.microsoft.com/office/drawing/2014/main" id="{183D7962-4452-48BE-03D7-A085AE066DD3}"/>
-              </a:ext>
-            </a:extLst>
-          </p:cNvPr>
-          <p:cNvPicPr>
-            <a:picLocks noChangeAspect="1"/>
-          </p:cNvPicPr>
-          <p:nvPr/>
-        </p:nvPicPr>
-        <p:blipFill>
-          <a:blip r:embed="rId3"/>
-          <a:stretch>
-            <a:fillRect/>
-          </a:stretch>
-        </p:blipFill>
-        <p:spPr>
-          <a:xfrm>
-            <a:off x="4223951" y="1869603"/>
-            <a:ext cx="4114800" cy="3571875"/>
-          </a:xfrm>
-          <a:prstGeom prst="rect">
-            <a:avLst/>
-          </a:prstGeom>
-        </p:spPr>
-      </p:pic>
-      <p:pic>
-        <p:nvPicPr>
-          <p:cNvPr id="6" name="Kép 5" descr="A képen szöveg, képernyőkép, képernyő, Betűtípus látható&#10;&#10;Lehet, hogy a mesterséges intelligencia által generált tartalom helytelen.">
-            <a:extLst>
-              <a:ext uri="{FF2B5EF4-FFF2-40B4-BE49-F238E27FC236}">
-                <a16:creationId xmlns:a16="http://schemas.microsoft.com/office/drawing/2014/main" id="{6A59D32F-AD7C-56C3-3AAF-E07C790EC2E4}"/>
-              </a:ext>
-            </a:extLst>
-          </p:cNvPr>
-          <p:cNvPicPr>
-            <a:picLocks noChangeAspect="1"/>
-          </p:cNvPicPr>
-          <p:nvPr/>
-        </p:nvPicPr>
-        <p:blipFill>
-          <a:blip r:embed="rId4"/>
-          <a:stretch>
-            <a:fillRect/>
-          </a:stretch>
-        </p:blipFill>
-        <p:spPr>
-          <a:xfrm>
-            <a:off x="8338365" y="890588"/>
-            <a:ext cx="3876675" cy="5076825"/>
-          </a:xfrm>
-          <a:prstGeom prst="rect">
-            <a:avLst/>
-          </a:prstGeom>
-        </p:spPr>
-      </p:pic>
-      <p:sp>
-        <p:nvSpPr>
-          <p:cNvPr id="7" name="Szövegdoboz 6">
-            <a:extLst>
-              <a:ext uri="{FF2B5EF4-FFF2-40B4-BE49-F238E27FC236}">
-                <a16:creationId xmlns:a16="http://schemas.microsoft.com/office/drawing/2014/main" id="{03E14FF4-FF64-AD82-0D34-908145D9094C}"/>
-              </a:ext>
-            </a:extLst>
-          </p:cNvPr>
-          <p:cNvSpPr txBox="1"/>
-          <p:nvPr/>
-        </p:nvSpPr>
-        <p:spPr>
-          <a:xfrm>
-            <a:off x="1214507" y="5782711"/>
-            <a:ext cx="2743199" cy="365760"/>
-          </a:xfrm>
-          <a:prstGeom prst="rect">
-            <a:avLst/>
-          </a:prstGeom>
-          <a:noFill/>
-        </p:spPr>
-        <p:txBody>
-          <a:bodyPr rot="0" spcFirstLastPara="0" vertOverflow="overflow" horzOverflow="overflow" vert="horz" wrap="square" lIns="91440" tIns="45720" rIns="91440" bIns="45720" numCol="1" spcCol="0" rtlCol="0" fromWordArt="0" anchor="t" anchorCtr="0" forceAA="0" compatLnSpc="1">
-            <a:prstTxWarp prst="textNoShape">
-              <a:avLst/>
-            </a:prstTxWarp>
-            <a:spAutoFit/>
-          </a:bodyPr>
-          <a:lstStyle/>
-          <a:p>
-            <a:pPr algn="l"/>
-            <a:r>
-              <a:rPr lang="hu-HU" dirty="0" err="1"/>
-              <a:t>Name</a:t>
-            </a:r>
-          </a:p>
-        </p:txBody>
-      </p:sp>
-      <p:sp>
-        <p:nvSpPr>
-          <p:cNvPr id="8" name="Szövegdoboz 7">
-            <a:extLst>
-              <a:ext uri="{FF2B5EF4-FFF2-40B4-BE49-F238E27FC236}">
-                <a16:creationId xmlns:a16="http://schemas.microsoft.com/office/drawing/2014/main" id="{4271DA5C-D9AD-561A-EC57-9F8AA88636DA}"/>
-              </a:ext>
-            </a:extLst>
-          </p:cNvPr>
-          <p:cNvSpPr txBox="1"/>
-          <p:nvPr/>
-        </p:nvSpPr>
-        <p:spPr>
-          <a:xfrm>
-            <a:off x="4968439" y="5755109"/>
-            <a:ext cx="2743199" cy="365760"/>
-          </a:xfrm>
-          <a:prstGeom prst="rect">
-            <a:avLst/>
-          </a:prstGeom>
-          <a:noFill/>
-        </p:spPr>
-        <p:txBody>
-          <a:bodyPr rot="0" spcFirstLastPara="0" vertOverflow="overflow" horzOverflow="overflow" vert="horz" wrap="square" lIns="91440" tIns="45720" rIns="91440" bIns="45720" numCol="1" spcCol="0" rtlCol="0" fromWordArt="0" anchor="t" anchorCtr="0" forceAA="0" compatLnSpc="1">
-            <a:prstTxWarp prst="textNoShape">
-              <a:avLst/>
-            </a:prstTxWarp>
-            <a:spAutoFit/>
-          </a:bodyPr>
-          <a:lstStyle/>
-          <a:p>
-            <a:pPr algn="l"/>
-            <a:r>
-              <a:rPr lang="hu-HU" dirty="0" err="1"/>
-              <a:t>Password</a:t>
-            </a:r>
-          </a:p>
-        </p:txBody>
-      </p:sp>
-      <p:sp>
-        <p:nvSpPr>
-          <p:cNvPr id="9" name="Szövegdoboz 8">
-            <a:extLst>
-              <a:ext uri="{FF2B5EF4-FFF2-40B4-BE49-F238E27FC236}">
-                <a16:creationId xmlns:a16="http://schemas.microsoft.com/office/drawing/2014/main" id="{3BC6AF00-C13C-6227-1F1A-654E1A8F6CF0}"/>
-              </a:ext>
-            </a:extLst>
-          </p:cNvPr>
-          <p:cNvSpPr txBox="1"/>
-          <p:nvPr/>
-        </p:nvSpPr>
-        <p:spPr>
-          <a:xfrm>
-            <a:off x="9854072" y="6155344"/>
-            <a:ext cx="2743199" cy="365760"/>
-          </a:xfrm>
-          <a:prstGeom prst="rect">
-            <a:avLst/>
-          </a:prstGeom>
-          <a:noFill/>
-        </p:spPr>
-        <p:txBody>
-          <a:bodyPr rot="0" spcFirstLastPara="0" vertOverflow="overflow" horzOverflow="overflow" vert="horz" wrap="square" lIns="91440" tIns="45720" rIns="91440" bIns="45720" numCol="1" spcCol="0" rtlCol="0" fromWordArt="0" anchor="t" anchorCtr="0" forceAA="0" compatLnSpc="1">
-            <a:prstTxWarp prst="textNoShape">
-              <a:avLst/>
-            </a:prstTxWarp>
-            <a:spAutoFit/>
-          </a:bodyPr>
-          <a:lstStyle/>
-          <a:p>
-            <a:r>
-              <a:rPr lang="hu-HU" dirty="0" err="1"/>
-              <a:t>Member</a:t>
-            </a:r>
-            <a:r>
-              <a:rPr lang="hu-HU" dirty="0"/>
-              <a:t> Of</a:t>
-            </a:r>
-          </a:p>
-        </p:txBody>
-      </p:sp>
-    </p:spTree>
-    <p:extLst>
-      <p:ext uri="{BB962C8B-B14F-4D97-AF65-F5344CB8AC3E}">
-        <p14:creationId xmlns:p14="http://schemas.microsoft.com/office/powerpoint/2010/main" val="3636358127"/>
-      </p:ext>
-    </p:extLst>
-  </p:cSld>
-  <p:clrMapOvr>
-    <a:masterClrMapping/>
-  </p:clrMapOvr>
-  <mc:AlternateContent xmlns:mc="http://schemas.openxmlformats.org/markup-compatibility/2006">
-    <mc:Choice xmlns:p159="http://schemas.microsoft.com/office/powerpoint/2015/09/main" Requires="p159">
-      <p:transition xmlns:p14="http://schemas.microsoft.com/office/powerpoint/2010/main" spd="slow" p14:dur="2000">
-        <p159:morph option="byObject"/>
-      </p:transition>
-    </mc:Choice>
-    <mc:Fallback>
-      <p:transition spd="slow">
-        <p:fade/>
-      </p:transition>
-    </mc:Fallback>
-  </mc:AlternateContent>
-</p:sld>
-</file>
-
-<file path=ppt/slides/slide31.xml><?xml version="1.0" encoding="utf-8"?>
-<p:sld xmlns:a="http://schemas.openxmlformats.org/drawingml/2006/main" xmlns:r="http://schemas.openxmlformats.org/officeDocument/2006/relationships" xmlns:p="http://schemas.openxmlformats.org/presentationml/2006/main">
-  <p:cSld>
-    <p:spTree>
-      <p:nvGrpSpPr>
-        <p:cNvPr id="1" name=""/>
-        <p:cNvGrpSpPr/>
-        <p:nvPr/>
-      </p:nvGrpSpPr>
-      <p:grpSpPr>
-        <a:xfrm>
-          <a:off x="0" y="0"/>
-          <a:ext cx="0" cy="0"/>
-          <a:chOff x="0" y="0"/>
-          <a:chExt cx="0" cy="0"/>
-        </a:xfrm>
-      </p:grpSpPr>
-      <p:sp>
-        <p:nvSpPr>
-          <p:cNvPr id="2" name="Cím 1">
-            <a:extLst>
-              <a:ext uri="{FF2B5EF4-FFF2-40B4-BE49-F238E27FC236}">
-                <a16:creationId xmlns:a16="http://schemas.microsoft.com/office/drawing/2014/main" id="{84CC8910-049A-C42E-5C12-6E4A607921B0}"/>
-              </a:ext>
-            </a:extLst>
-          </p:cNvPr>
-          <p:cNvSpPr>
-            <a:spLocks noGrp="1"/>
-          </p:cNvSpPr>
-          <p:nvPr>
-            <p:ph type="title"/>
-          </p:nvPr>
-        </p:nvSpPr>
-        <p:spPr/>
-        <p:txBody>
-          <a:bodyPr/>
-          <a:lstStyle/>
-          <a:p>
-            <a:r>
-              <a:rPr lang="hu-HU" dirty="0"/>
-              <a:t>Váradi Ádám</a:t>
-            </a:r>
-          </a:p>
-        </p:txBody>
-      </p:sp>
-      <p:pic>
-        <p:nvPicPr>
-          <p:cNvPr id="4" name="Tartalom helye 3" descr="A képen szöveg, képernyőkép, szoftver, szám látható&#10;&#10;Lehet, hogy a mesterséges intelligencia által generált tartalom helytelen.">
-            <a:extLst>
-              <a:ext uri="{FF2B5EF4-FFF2-40B4-BE49-F238E27FC236}">
-                <a16:creationId xmlns:a16="http://schemas.microsoft.com/office/drawing/2014/main" id="{4A34CF7E-B170-6396-5649-5284C2779E47}"/>
-              </a:ext>
-            </a:extLst>
-          </p:cNvPr>
-          <p:cNvPicPr>
-            <a:picLocks noGrp="1" noChangeAspect="1"/>
-          </p:cNvPicPr>
-          <p:nvPr>
-            <p:ph idx="1"/>
-          </p:nvPr>
-        </p:nvPicPr>
-        <p:blipFill>
-          <a:blip r:embed="rId2"/>
-          <a:stretch>
-            <a:fillRect/>
-          </a:stretch>
-        </p:blipFill>
-        <p:spPr>
-          <a:xfrm>
-            <a:off x="2269" y="1709684"/>
-            <a:ext cx="4105275" cy="3543300"/>
-          </a:xfrm>
-        </p:spPr>
-      </p:pic>
-      <p:pic>
-        <p:nvPicPr>
-          <p:cNvPr id="5" name="Kép 4" descr="A képen szöveg, képernyőkép, szoftver, Számítógépes ikon látható&#10;&#10;Lehet, hogy a mesterséges intelligencia által generált tartalom helytelen.">
-            <a:extLst>
-              <a:ext uri="{FF2B5EF4-FFF2-40B4-BE49-F238E27FC236}">
-                <a16:creationId xmlns:a16="http://schemas.microsoft.com/office/drawing/2014/main" id="{3CDC008D-85F5-EED9-9186-CD39D99B8E6D}"/>
-              </a:ext>
-            </a:extLst>
-          </p:cNvPr>
-          <p:cNvPicPr>
-            <a:picLocks noChangeAspect="1"/>
-          </p:cNvPicPr>
-          <p:nvPr/>
-        </p:nvPicPr>
-        <p:blipFill>
-          <a:blip r:embed="rId3"/>
-          <a:stretch>
-            <a:fillRect/>
-          </a:stretch>
-        </p:blipFill>
-        <p:spPr>
-          <a:xfrm>
-            <a:off x="4038600" y="1694548"/>
-            <a:ext cx="4114800" cy="3571875"/>
-          </a:xfrm>
-          <a:prstGeom prst="rect">
-            <a:avLst/>
-          </a:prstGeom>
-        </p:spPr>
-      </p:pic>
-      <p:pic>
-        <p:nvPicPr>
-          <p:cNvPr id="6" name="Kép 5" descr="A képen szöveg, képernyőkép, képernyő, szám látható&#10;&#10;Lehet, hogy a mesterséges intelligencia által generált tartalom helytelen.">
-            <a:extLst>
-              <a:ext uri="{FF2B5EF4-FFF2-40B4-BE49-F238E27FC236}">
-                <a16:creationId xmlns:a16="http://schemas.microsoft.com/office/drawing/2014/main" id="{B49B1F91-1E15-0523-9889-FF31B7D0FBEA}"/>
-              </a:ext>
-            </a:extLst>
-          </p:cNvPr>
-          <p:cNvPicPr>
-            <a:picLocks noChangeAspect="1"/>
-          </p:cNvPicPr>
-          <p:nvPr/>
-        </p:nvPicPr>
-        <p:blipFill>
-          <a:blip r:embed="rId4"/>
-          <a:stretch>
-            <a:fillRect/>
-          </a:stretch>
-        </p:blipFill>
-        <p:spPr>
-          <a:xfrm>
-            <a:off x="8096765" y="881062"/>
-            <a:ext cx="3886200" cy="5095875"/>
-          </a:xfrm>
-          <a:prstGeom prst="rect">
-            <a:avLst/>
-          </a:prstGeom>
-        </p:spPr>
-      </p:pic>
-      <p:sp>
-        <p:nvSpPr>
-          <p:cNvPr id="7" name="Szövegdoboz 6">
-            <a:extLst>
-              <a:ext uri="{FF2B5EF4-FFF2-40B4-BE49-F238E27FC236}">
-                <a16:creationId xmlns:a16="http://schemas.microsoft.com/office/drawing/2014/main" id="{EE5699E1-6BBE-697A-EDD2-EB1C366FD34F}"/>
-              </a:ext>
-            </a:extLst>
-          </p:cNvPr>
-          <p:cNvSpPr txBox="1"/>
-          <p:nvPr/>
-        </p:nvSpPr>
-        <p:spPr>
-          <a:xfrm>
-            <a:off x="1076495" y="5768910"/>
-            <a:ext cx="2743199" cy="365760"/>
-          </a:xfrm>
-          <a:prstGeom prst="rect">
-            <a:avLst/>
-          </a:prstGeom>
-          <a:noFill/>
-        </p:spPr>
-        <p:txBody>
-          <a:bodyPr rot="0" spcFirstLastPara="0" vertOverflow="overflow" horzOverflow="overflow" vert="horz" wrap="square" lIns="91440" tIns="45720" rIns="91440" bIns="45720" numCol="1" spcCol="0" rtlCol="0" fromWordArt="0" anchor="t" anchorCtr="0" forceAA="0" compatLnSpc="1">
-            <a:prstTxWarp prst="textNoShape">
-              <a:avLst/>
-            </a:prstTxWarp>
-            <a:spAutoFit/>
-          </a:bodyPr>
-          <a:lstStyle/>
-          <a:p>
-            <a:pPr algn="l"/>
-            <a:r>
-              <a:rPr lang="hu-HU" dirty="0" err="1"/>
-              <a:t>Name</a:t>
-            </a:r>
-          </a:p>
-        </p:txBody>
-      </p:sp>
-      <p:sp>
-        <p:nvSpPr>
-          <p:cNvPr id="8" name="Szövegdoboz 7">
-            <a:extLst>
-              <a:ext uri="{FF2B5EF4-FFF2-40B4-BE49-F238E27FC236}">
-                <a16:creationId xmlns:a16="http://schemas.microsoft.com/office/drawing/2014/main" id="{EA5F9113-0F11-BCED-381C-17E2C9D520B7}"/>
-              </a:ext>
-            </a:extLst>
-          </p:cNvPr>
-          <p:cNvSpPr txBox="1"/>
-          <p:nvPr/>
-        </p:nvSpPr>
-        <p:spPr>
-          <a:xfrm>
-            <a:off x="4568204" y="5479084"/>
-            <a:ext cx="2743199" cy="365760"/>
-          </a:xfrm>
-          <a:prstGeom prst="rect">
-            <a:avLst/>
-          </a:prstGeom>
-          <a:noFill/>
-        </p:spPr>
-        <p:txBody>
-          <a:bodyPr rot="0" spcFirstLastPara="0" vertOverflow="overflow" horzOverflow="overflow" vert="horz" wrap="square" lIns="91440" tIns="45720" rIns="91440" bIns="45720" numCol="1" spcCol="0" rtlCol="0" fromWordArt="0" anchor="t" anchorCtr="0" forceAA="0" compatLnSpc="1">
-            <a:prstTxWarp prst="textNoShape">
-              <a:avLst/>
-            </a:prstTxWarp>
-            <a:spAutoFit/>
-          </a:bodyPr>
-          <a:lstStyle/>
-          <a:p>
-            <a:pPr algn="l"/>
-            <a:r>
-              <a:rPr lang="hu-HU" dirty="0" err="1"/>
-              <a:t>Password</a:t>
-            </a:r>
-          </a:p>
-        </p:txBody>
-      </p:sp>
-      <p:sp>
-        <p:nvSpPr>
-          <p:cNvPr id="9" name="Szövegdoboz 8">
-            <a:extLst>
-              <a:ext uri="{FF2B5EF4-FFF2-40B4-BE49-F238E27FC236}">
-                <a16:creationId xmlns:a16="http://schemas.microsoft.com/office/drawing/2014/main" id="{193F5678-5677-5565-3E9E-47176FD7FA33}"/>
-              </a:ext>
-            </a:extLst>
-          </p:cNvPr>
-          <p:cNvSpPr txBox="1"/>
-          <p:nvPr/>
-        </p:nvSpPr>
-        <p:spPr>
-          <a:xfrm>
-            <a:off x="9412433" y="6210549"/>
-            <a:ext cx="2743199" cy="365760"/>
-          </a:xfrm>
-          <a:prstGeom prst="rect">
-            <a:avLst/>
-          </a:prstGeom>
-          <a:noFill/>
-        </p:spPr>
-        <p:txBody>
-          <a:bodyPr rot="0" spcFirstLastPara="0" vertOverflow="overflow" horzOverflow="overflow" vert="horz" wrap="square" lIns="91440" tIns="45720" rIns="91440" bIns="45720" numCol="1" spcCol="0" rtlCol="0" fromWordArt="0" anchor="t" anchorCtr="0" forceAA="0" compatLnSpc="1">
-            <a:prstTxWarp prst="textNoShape">
-              <a:avLst/>
-            </a:prstTxWarp>
-            <a:spAutoFit/>
-          </a:bodyPr>
-          <a:lstStyle/>
-          <a:p>
-            <a:r>
-              <a:rPr lang="hu-HU" dirty="0" err="1"/>
-              <a:t>Member</a:t>
-            </a:r>
-            <a:r>
-              <a:rPr lang="hu-HU" dirty="0"/>
-              <a:t> Of</a:t>
-            </a:r>
-          </a:p>
-        </p:txBody>
-      </p:sp>
-    </p:spTree>
-    <p:extLst>
-      <p:ext uri="{BB962C8B-B14F-4D97-AF65-F5344CB8AC3E}">
-        <p14:creationId xmlns:p14="http://schemas.microsoft.com/office/powerpoint/2010/main" val="4035044263"/>
-      </p:ext>
-    </p:extLst>
-  </p:cSld>
-  <p:clrMapOvr>
-    <a:masterClrMapping/>
-  </p:clrMapOvr>
-  <mc:AlternateContent xmlns:mc="http://schemas.openxmlformats.org/markup-compatibility/2006">
-    <mc:Choice xmlns:p159="http://schemas.microsoft.com/office/powerpoint/2015/09/main" Requires="p159">
-      <p:transition xmlns:p14="http://schemas.microsoft.com/office/powerpoint/2010/main" spd="slow" p14:dur="2000">
-        <p159:morph option="byObject"/>
-      </p:transition>
-    </mc:Choice>
-    <mc:Fallback>
-      <p:transition spd="slow">
-        <p:fade/>
-      </p:transition>
-    </mc:Fallback>
-  </mc:AlternateContent>
-</p:sld>
-</file>
-
-<file path=ppt/slides/slide32.xml><?xml version="1.0" encoding="utf-8"?>
 <p:sld xmlns:a="http://schemas.openxmlformats.org/drawingml/2006/main" xmlns:r="http://schemas.openxmlformats.org/officeDocument/2006/relationships" xmlns:p="http://schemas.openxmlformats.org/presentationml/2006/main">
   <p:cSld>
     <p:spTree>
@@ -17539,22 +15695,10 @@
   <p:clrMapOvr>
     <a:masterClrMapping/>
   </p:clrMapOvr>
-  <mc:AlternateContent xmlns:mc="http://schemas.openxmlformats.org/markup-compatibility/2006" xmlns:p159="http://schemas.microsoft.com/office/powerpoint/2015/09/main">
-    <mc:Choice Requires="p159">
-      <p:transition xmlns:p14="http://schemas.microsoft.com/office/powerpoint/2010/main" spd="slow" p14:dur="2000">
-        <p159:morph option="byObject"/>
-      </p:transition>
-    </mc:Choice>
-    <mc:Fallback xmlns="">
-      <p:transition spd="slow">
-        <p:fade/>
-      </p:transition>
-    </mc:Fallback>
-  </mc:AlternateContent>
 </p:sld>
 </file>
 
-<file path=ppt/slides/slide33.xml><?xml version="1.0" encoding="utf-8"?>
+<file path=ppt/slides/slide28.xml><?xml version="1.0" encoding="utf-8"?>
 <p:sld xmlns:a="http://schemas.openxmlformats.org/drawingml/2006/main" xmlns:r="http://schemas.openxmlformats.org/officeDocument/2006/relationships" xmlns:p="http://schemas.openxmlformats.org/presentationml/2006/main">
   <p:cSld>
     <p:bg>
@@ -17624,15 +15768,15 @@
           <a:lstStyle/>
           <a:p>
             <a:r>
-              <a:rPr lang="hu-HU" sz="3900"/>
+              <a:rPr lang="hu-HU" sz="3900" dirty="0"/>
               <a:t>Port-</a:t>
             </a:r>
             <a:r>
-              <a:rPr lang="hu-HU" sz="3900" err="1"/>
+              <a:rPr lang="hu-HU" sz="3900" dirty="0" err="1"/>
               <a:t>security</a:t>
             </a:r>
             <a:r>
-              <a:rPr lang="hu-HU" sz="3900"/>
+              <a:rPr lang="hu-HU" sz="3900" dirty="0"/>
               <a:t> a Webszerver felé</a:t>
             </a:r>
           </a:p>
@@ -17640,7 +15784,7 @@
       </p:sp>
       <p:pic>
         <p:nvPicPr>
-          <p:cNvPr id="3" name="Kép 2"/>
+          <p:cNvPr id="4" name="Kép 3"/>
           <p:cNvPicPr>
             <a:picLocks noChangeAspect="1"/>
           </p:cNvPicPr>
@@ -17660,8 +15804,8 @@
         </p:blipFill>
         <p:spPr>
           <a:xfrm>
-            <a:off x="646112" y="2898538"/>
-            <a:ext cx="4875002" cy="1764901"/>
+            <a:off x="849332" y="2589622"/>
+            <a:ext cx="5290211" cy="3065787"/>
           </a:xfrm>
           <a:prstGeom prst="rect">
             <a:avLst/>
@@ -17684,7 +15828,7 @@
 </p:sld>
 </file>
 
-<file path=ppt/slides/slide34.xml><?xml version="1.0" encoding="utf-8"?>
+<file path=ppt/slides/slide29.xml><?xml version="1.0" encoding="utf-8"?>
 <p:sld xmlns:a="http://schemas.openxmlformats.org/drawingml/2006/main" xmlns:r="http://schemas.openxmlformats.org/officeDocument/2006/relationships" xmlns:p="http://schemas.openxmlformats.org/presentationml/2006/main">
   <p:cSld>
     <p:bg>
@@ -17717,7 +15861,7 @@
                 <a16:creationId xmlns:a16="http://schemas.microsoft.com/office/drawing/2014/main" id="{A4322390-8B58-46BE-88EB-D9FD30C08743}"/>
               </a:ext>
               <a:ext uri="{C183D7F6-B498-43B3-948B-1728B52AA6E4}">
-                <adec:decorative xmlns:adec="http://schemas.microsoft.com/office/drawing/2017/decorative" val="1"/>
+                <adec:decorative xmlns="" xmlns:adec="http://schemas.microsoft.com/office/drawing/2017/decorative" val="1"/>
               </a:ext>
             </a:extLst>
           </p:cNvPr>
@@ -17841,7 +15985,7 @@
                 <a16:creationId xmlns:a16="http://schemas.microsoft.com/office/drawing/2014/main" id="{C885E190-58DD-42DD-A4A8-401E15C92A52}"/>
               </a:ext>
               <a:ext uri="{C183D7F6-B498-43B3-948B-1728B52AA6E4}">
-                <adec:decorative xmlns:adec="http://schemas.microsoft.com/office/drawing/2017/decorative" val="1"/>
+                <adec:decorative xmlns="" xmlns:adec="http://schemas.microsoft.com/office/drawing/2017/decorative" val="1"/>
               </a:ext>
             </a:extLst>
           </p:cNvPr>
@@ -17896,13 +16040,266 @@
   <p:clrMapOvr>
     <a:masterClrMapping/>
   </p:clrMapOvr>
-  <p:transition spd="slow">
-    <p:push dir="u"/>
-  </p:transition>
 </p:sld>
 </file>
 
-<file path=ppt/slides/slide35.xml><?xml version="1.0" encoding="utf-8"?>
+<file path=ppt/slides/slide3.xml><?xml version="1.0" encoding="utf-8"?>
+<p:sld xmlns:a="http://schemas.openxmlformats.org/drawingml/2006/main" xmlns:r="http://schemas.openxmlformats.org/officeDocument/2006/relationships" xmlns:p="http://schemas.openxmlformats.org/presentationml/2006/main">
+  <p:cSld>
+    <p:bg>
+      <p:bgPr>
+        <a:gradFill rotWithShape="1">
+          <a:gsLst>
+            <a:gs pos="0">
+              <a:schemeClr val="bg1">
+                <a:tint val="98000"/>
+                <a:hueMod val="104000"/>
+                <a:satMod val="128000"/>
+                <a:lumMod val="104000"/>
+              </a:schemeClr>
+            </a:gs>
+            <a:gs pos="100000">
+              <a:schemeClr val="bg1">
+                <a:shade val="76000"/>
+                <a:hueMod val="89000"/>
+                <a:satMod val="164000"/>
+                <a:lumMod val="68000"/>
+              </a:schemeClr>
+            </a:gs>
+          </a:gsLst>
+          <a:path path="circle">
+            <a:fillToRect l="45000" t="65000" r="125000" b="100000"/>
+          </a:path>
+        </a:gradFill>
+        <a:effectLst/>
+      </p:bgPr>
+    </p:bg>
+    <p:spTree>
+      <p:nvGrpSpPr>
+        <p:cNvPr id="1" name=""/>
+        <p:cNvGrpSpPr/>
+        <p:nvPr/>
+      </p:nvGrpSpPr>
+      <p:grpSpPr>
+        <a:xfrm>
+          <a:off x="0" y="0"/>
+          <a:ext cx="0" cy="0"/>
+          <a:chOff x="0" y="0"/>
+          <a:chExt cx="0" cy="0"/>
+        </a:xfrm>
+      </p:grpSpPr>
+      <p:pic>
+        <p:nvPicPr>
+          <p:cNvPr id="4" name="Kép 3" descr="A képen Szárazföldi jármű, jármű, kerék, ég látható&#10;&#10;Lehet, hogy a mesterséges intelligencia által generált tartalom helytelen.">
+            <a:extLst>
+              <a:ext uri="{FF2B5EF4-FFF2-40B4-BE49-F238E27FC236}">
+                <a16:creationId xmlns:a16="http://schemas.microsoft.com/office/drawing/2014/main" id="{B4D40FFB-AD30-8486-79B5-4EC7CCF58A3C}"/>
+              </a:ext>
+            </a:extLst>
+          </p:cNvPr>
+          <p:cNvPicPr>
+            <a:picLocks noChangeAspect="1"/>
+          </p:cNvPicPr>
+          <p:nvPr/>
+        </p:nvPicPr>
+        <p:blipFill>
+          <a:blip r:embed="rId2">
+            <a:alphaModFix amt="25000"/>
+            <a:grayscl/>
+          </a:blip>
+          <a:srcRect t="15413"/>
+          <a:stretch/>
+        </p:blipFill>
+        <p:spPr>
+          <a:xfrm>
+            <a:off x="20" y="-1"/>
+            <a:ext cx="12191980" cy="6858000"/>
+          </a:xfrm>
+          <a:prstGeom prst="rect">
+            <a:avLst/>
+          </a:prstGeom>
+        </p:spPr>
+      </p:pic>
+      <p:sp>
+        <p:nvSpPr>
+          <p:cNvPr id="2" name="Cím 1"/>
+          <p:cNvSpPr>
+            <a:spLocks noGrp="1"/>
+          </p:cNvSpPr>
+          <p:nvPr>
+            <p:ph type="title"/>
+          </p:nvPr>
+        </p:nvSpPr>
+        <p:spPr>
+          <a:xfrm>
+            <a:off x="646111" y="452718"/>
+            <a:ext cx="9404723" cy="1400530"/>
+          </a:xfrm>
+        </p:spPr>
+        <p:txBody>
+          <a:bodyPr>
+            <a:normAutofit/>
+          </a:bodyPr>
+          <a:lstStyle/>
+          <a:p>
+            <a:r>
+              <a:rPr lang="hu-HU" dirty="0" err="1"/>
+              <a:t>Devices</a:t>
+            </a:r>
+            <a:endParaRPr lang="hu-HU" dirty="0"/>
+          </a:p>
+        </p:txBody>
+      </p:sp>
+      <p:sp>
+        <p:nvSpPr>
+          <p:cNvPr id="9" name="Rectangle 8">
+            <a:extLst>
+              <a:ext uri="{FF2B5EF4-FFF2-40B4-BE49-F238E27FC236}">
+                <a16:creationId xmlns:a16="http://schemas.microsoft.com/office/drawing/2014/main" id="{0D187C4E-14B9-4504-B200-5127823FA78C}"/>
+              </a:ext>
+              <a:ext uri="{C183D7F6-B498-43B3-948B-1728B52AA6E4}">
+                <adec:decorative xmlns="" xmlns:adec="http://schemas.microsoft.com/office/drawing/2017/decorative" val="1"/>
+              </a:ext>
+            </a:extLst>
+          </p:cNvPr>
+          <p:cNvSpPr>
+            <a:spLocks noGrp="1" noRot="1" noChangeAspect="1" noMove="1" noResize="1" noEditPoints="1" noAdjustHandles="1" noChangeArrowheads="1" noChangeShapeType="1" noTextEdit="1"/>
+          </p:cNvSpPr>
+          <p:nvPr>
+            <p:extLst>
+              <p:ext uri="{386F3935-93C4-4BCD-93E2-E3B085C9AB24}">
+                <p16:designElem xmlns:p16="http://schemas.microsoft.com/office/powerpoint/2015/main" val="1"/>
+              </p:ext>
+            </p:extLst>
+          </p:nvPr>
+        </p:nvSpPr>
+        <p:spPr>
+          <a:xfrm>
+            <a:off x="10442448" y="0"/>
+            <a:ext cx="685800" cy="1143000"/>
+          </a:xfrm>
+          <a:prstGeom prst="rect">
+            <a:avLst/>
+          </a:prstGeom>
+          <a:solidFill>
+            <a:schemeClr val="accent1"/>
+          </a:solidFill>
+          <a:ln>
+            <a:noFill/>
+          </a:ln>
+        </p:spPr>
+        <p:style>
+          <a:lnRef idx="1">
+            <a:schemeClr val="accent1"/>
+          </a:lnRef>
+          <a:fillRef idx="3">
+            <a:schemeClr val="accent1"/>
+          </a:fillRef>
+          <a:effectRef idx="2">
+            <a:schemeClr val="accent1"/>
+          </a:effectRef>
+          <a:fontRef idx="minor">
+            <a:schemeClr val="lt1"/>
+          </a:fontRef>
+        </p:style>
+      </p:sp>
+      <p:sp>
+        <p:nvSpPr>
+          <p:cNvPr id="3" name="Tartalom helye 2"/>
+          <p:cNvSpPr>
+            <a:spLocks noGrp="1"/>
+          </p:cNvSpPr>
+          <p:nvPr>
+            <p:ph idx="1"/>
+          </p:nvPr>
+        </p:nvSpPr>
+        <p:spPr>
+          <a:xfrm>
+            <a:off x="1103312" y="2052918"/>
+            <a:ext cx="8946541" cy="4195481"/>
+          </a:xfrm>
+        </p:spPr>
+        <p:txBody>
+          <a:bodyPr>
+            <a:normAutofit/>
+          </a:bodyPr>
+          <a:lstStyle/>
+          <a:p>
+            <a:r>
+              <a:rPr lang="hu-HU" dirty="0"/>
+              <a:t> 3 Cisco 4221 </a:t>
+            </a:r>
+            <a:r>
+              <a:rPr lang="hu-HU" dirty="0" err="1"/>
+              <a:t>router</a:t>
+            </a:r>
+            <a:r>
+              <a:rPr lang="hu-HU" dirty="0"/>
+              <a:t> </a:t>
+            </a:r>
+          </a:p>
+          <a:p>
+            <a:r>
+              <a:rPr lang="hu-HU" dirty="0"/>
+              <a:t>2 Cisco 2960 </a:t>
+            </a:r>
+            <a:r>
+              <a:rPr lang="hu-HU" dirty="0" err="1"/>
+              <a:t>switches</a:t>
+            </a:r>
+            <a:r>
+              <a:rPr lang="hu-HU" dirty="0"/>
+              <a:t> </a:t>
+            </a:r>
+          </a:p>
+          <a:p>
+            <a:r>
+              <a:rPr lang="hu-HU" dirty="0"/>
+              <a:t>1 </a:t>
+            </a:r>
+            <a:r>
+              <a:rPr lang="hu-HU" dirty="0" err="1"/>
+              <a:t>Tenda</a:t>
+            </a:r>
+            <a:r>
+              <a:rPr lang="hu-HU" dirty="0"/>
+              <a:t> WIFI </a:t>
+            </a:r>
+            <a:r>
+              <a:rPr lang="hu-HU" dirty="0" err="1"/>
+              <a:t>router</a:t>
+            </a:r>
+            <a:r>
+              <a:rPr lang="hu-HU"/>
+              <a:t> </a:t>
+            </a:r>
+            <a:endParaRPr lang="hu-HU" dirty="0"/>
+          </a:p>
+          <a:p>
+            <a:r>
+              <a:rPr lang="hu-HU" dirty="0"/>
+              <a:t>3db végberendezés</a:t>
+            </a:r>
+          </a:p>
+          <a:p>
+            <a:endParaRPr lang="hu-HU" dirty="0"/>
+          </a:p>
+        </p:txBody>
+      </p:sp>
+    </p:spTree>
+    <p:extLst>
+      <p:ext uri="{BB962C8B-B14F-4D97-AF65-F5344CB8AC3E}">
+        <p14:creationId xmlns:p14="http://schemas.microsoft.com/office/powerpoint/2010/main" val="1275827467"/>
+      </p:ext>
+    </p:extLst>
+  </p:cSld>
+  <p:clrMapOvr>
+    <a:masterClrMapping/>
+  </p:clrMapOvr>
+</p:sld>
+</file>
+
+<file path=ppt/slides/slide30.xml><?xml version="1.0" encoding="utf-8"?>
 <p:sld xmlns:a="http://schemas.openxmlformats.org/drawingml/2006/main" xmlns:r="http://schemas.openxmlformats.org/officeDocument/2006/relationships" xmlns:p="http://schemas.openxmlformats.org/presentationml/2006/main">
   <p:cSld>
     <p:spTree>
@@ -18009,22 +16406,13 @@
   <p:clrMapOvr>
     <a:masterClrMapping/>
   </p:clrMapOvr>
-  <mc:AlternateContent xmlns:mc="http://schemas.openxmlformats.org/markup-compatibility/2006" xmlns:p14="http://schemas.microsoft.com/office/powerpoint/2010/main">
-    <mc:Choice Requires="p14">
-      <p:transition spd="med" p14:dur="700">
-        <p:fade/>
-      </p:transition>
-    </mc:Choice>
-    <mc:Fallback xmlns="">
-      <p:transition spd="med">
-        <p:fade/>
-      </p:transition>
-    </mc:Fallback>
-  </mc:AlternateContent>
+  <p:transition spd="slow">
+    <p:push dir="u"/>
+  </p:transition>
 </p:sld>
 </file>
 
-<file path=ppt/slides/slide36.xml><?xml version="1.0" encoding="utf-8"?>
+<file path=ppt/slides/slide31.xml><?xml version="1.0" encoding="utf-8"?>
 <p:sld xmlns:a="http://schemas.openxmlformats.org/drawingml/2006/main" xmlns:r="http://schemas.openxmlformats.org/officeDocument/2006/relationships" xmlns:p="http://schemas.openxmlformats.org/presentationml/2006/main">
   <p:cSld>
     <p:spTree>
@@ -18106,22 +16494,13 @@
   <p:clrMapOvr>
     <a:masterClrMapping/>
   </p:clrMapOvr>
-  <mc:AlternateContent xmlns:mc="http://schemas.openxmlformats.org/markup-compatibility/2006" xmlns:p14="http://schemas.microsoft.com/office/powerpoint/2010/main">
-    <mc:Choice Requires="p14">
-      <p:transition spd="med" p14:dur="700">
-        <p:fade/>
-      </p:transition>
-    </mc:Choice>
-    <mc:Fallback xmlns="">
-      <p:transition spd="med">
-        <p:fade/>
-      </p:transition>
-    </mc:Fallback>
-  </mc:AlternateContent>
+  <p:transition spd="slow">
+    <p:push dir="u"/>
+  </p:transition>
 </p:sld>
 </file>
 
-<file path=ppt/slides/slide37.xml><?xml version="1.0" encoding="utf-8"?>
+<file path=ppt/slides/slide32.xml><?xml version="1.0" encoding="utf-8"?>
 <p:sld xmlns:a="http://schemas.openxmlformats.org/drawingml/2006/main" xmlns:r="http://schemas.openxmlformats.org/officeDocument/2006/relationships" xmlns:p="http://schemas.openxmlformats.org/presentationml/2006/main">
   <p:cSld>
     <p:bg>
@@ -18154,7 +16533,7 @@
                 <a16:creationId xmlns:a16="http://schemas.microsoft.com/office/drawing/2014/main" id="{A4322390-8B58-46BE-88EB-D9FD30C08743}"/>
               </a:ext>
               <a:ext uri="{C183D7F6-B498-43B3-948B-1728B52AA6E4}">
-                <adec:decorative xmlns:adec="http://schemas.microsoft.com/office/drawing/2017/decorative" val="1"/>
+                <adec:decorative xmlns="" xmlns:adec="http://schemas.microsoft.com/office/drawing/2017/decorative" val="1"/>
               </a:ext>
             </a:extLst>
           </p:cNvPr>
@@ -18284,7 +16663,7 @@
                 <a16:creationId xmlns:a16="http://schemas.microsoft.com/office/drawing/2014/main" id="{C885E190-58DD-42DD-A4A8-401E15C92A52}"/>
               </a:ext>
               <a:ext uri="{C183D7F6-B498-43B3-948B-1728B52AA6E4}">
-                <adec:decorative xmlns:adec="http://schemas.microsoft.com/office/drawing/2017/decorative" val="1"/>
+                <adec:decorative xmlns="" xmlns:adec="http://schemas.microsoft.com/office/drawing/2017/decorative" val="1"/>
               </a:ext>
             </a:extLst>
           </p:cNvPr>
@@ -18345,7 +16724,7 @@
 </p:sld>
 </file>
 
-<file path=ppt/slides/slide38.xml><?xml version="1.0" encoding="utf-8"?>
+<file path=ppt/slides/slide33.xml><?xml version="1.0" encoding="utf-8"?>
 <p:sld xmlns:a="http://schemas.openxmlformats.org/drawingml/2006/main" xmlns:r="http://schemas.openxmlformats.org/officeDocument/2006/relationships" xmlns:p="http://schemas.openxmlformats.org/presentationml/2006/main">
   <p:cSld>
     <p:bg>
@@ -18707,22 +17086,13 @@
   <p:clrMapOvr>
     <a:masterClrMapping/>
   </p:clrMapOvr>
-  <mc:AlternateContent xmlns:mc="http://schemas.openxmlformats.org/markup-compatibility/2006" xmlns:p14="http://schemas.microsoft.com/office/powerpoint/2010/main">
-    <mc:Choice Requires="p14">
-      <p:transition spd="med" p14:dur="700">
-        <p:fade/>
-      </p:transition>
-    </mc:Choice>
-    <mc:Fallback xmlns="">
-      <p:transition spd="med">
-        <p:fade/>
-      </p:transition>
-    </mc:Fallback>
-  </mc:AlternateContent>
+  <p:transition spd="slow">
+    <p:push dir="u"/>
+  </p:transition>
 </p:sld>
 </file>
 
-<file path=ppt/slides/slide39.xml><?xml version="1.0" encoding="utf-8"?>
+<file path=ppt/slides/slide34.xml><?xml version="1.0" encoding="utf-8"?>
 <p:sld xmlns:a="http://schemas.openxmlformats.org/drawingml/2006/main" xmlns:r="http://schemas.openxmlformats.org/officeDocument/2006/relationships" xmlns:p="http://schemas.openxmlformats.org/presentationml/2006/main">
   <p:cSld>
     <p:spTree>
@@ -18815,471 +17185,13 @@
   <p:clrMapOvr>
     <a:masterClrMapping/>
   </p:clrMapOvr>
-  <mc:AlternateContent xmlns:mc="http://schemas.openxmlformats.org/markup-compatibility/2006" xmlns:p14="http://schemas.microsoft.com/office/powerpoint/2010/main">
-    <mc:Choice Requires="p14">
-      <p:transition spd="med" p14:dur="700">
-        <p:fade/>
-      </p:transition>
-    </mc:Choice>
-    <mc:Fallback xmlns="">
-      <p:transition spd="med">
-        <p:fade/>
-      </p:transition>
-    </mc:Fallback>
-  </mc:AlternateContent>
+  <p:transition spd="slow">
+    <p:push dir="u"/>
+  </p:transition>
 </p:sld>
 </file>
 
-<file path=ppt/slides/slide4.xml><?xml version="1.0" encoding="utf-8"?>
-<p:sld xmlns:a="http://schemas.openxmlformats.org/drawingml/2006/main" xmlns:r="http://schemas.openxmlformats.org/officeDocument/2006/relationships" xmlns:p="http://schemas.openxmlformats.org/presentationml/2006/main">
-  <p:cSld>
-    <p:bg>
-      <p:bgPr>
-        <a:blipFill rotWithShape="1">
-          <a:blip r:embed="rId2">
-            <a:duotone>
-              <a:schemeClr val="bg2">
-                <a:shade val="42000"/>
-                <a:hueMod val="42000"/>
-                <a:satMod val="124000"/>
-                <a:lumMod val="62000"/>
-              </a:schemeClr>
-              <a:schemeClr val="bg2">
-                <a:tint val="96000"/>
-                <a:satMod val="130000"/>
-              </a:schemeClr>
-            </a:duotone>
-          </a:blip>
-          <a:stretch/>
-        </a:blipFill>
-        <a:effectLst/>
-      </p:bgPr>
-    </p:bg>
-    <p:spTree>
-      <p:nvGrpSpPr>
-        <p:cNvPr id="1" name=""/>
-        <p:cNvGrpSpPr/>
-        <p:nvPr/>
-      </p:nvGrpSpPr>
-      <p:grpSpPr>
-        <a:xfrm>
-          <a:off x="0" y="0"/>
-          <a:ext cx="0" cy="0"/>
-          <a:chOff x="0" y="0"/>
-          <a:chExt cx="0" cy="0"/>
-        </a:xfrm>
-      </p:grpSpPr>
-      <p:pic>
-        <p:nvPicPr>
-          <p:cNvPr id="8" name="Picture 7">
-            <a:extLst>
-              <a:ext uri="{FF2B5EF4-FFF2-40B4-BE49-F238E27FC236}">
-                <a16:creationId xmlns:a16="http://schemas.microsoft.com/office/drawing/2014/main" id="{C0F4014E-6BAF-4F6C-B8CE-81A4D8F8801E}"/>
-              </a:ext>
-              <a:ext uri="{C183D7F6-B498-43B3-948B-1728B52AA6E4}">
-                <adec:decorative xmlns:adec="http://schemas.microsoft.com/office/drawing/2017/decorative" val="1"/>
-              </a:ext>
-            </a:extLst>
-          </p:cNvPr>
-          <p:cNvPicPr>
-            <a:picLocks noGrp="1" noRot="1" noChangeAspect="1" noMove="1" noResize="1" noEditPoints="1" noAdjustHandles="1" noChangeArrowheads="1" noChangeShapeType="1" noCrop="1"/>
-          </p:cNvPicPr>
-          <p:nvPr>
-            <p:extLst>
-              <p:ext uri="{386F3935-93C4-4BCD-93E2-E3B085C9AB24}">
-                <p16:designElem xmlns:p16="http://schemas.microsoft.com/office/powerpoint/2015/main" val="1"/>
-              </p:ext>
-            </p:extLst>
-          </p:nvPr>
-        </p:nvPicPr>
-        <p:blipFill rotWithShape="1">
-          <a:blip r:embed="rId3">
-            <a:extLst>
-              <a:ext uri="{28A0092B-C50C-407E-A947-70E740481C1C}">
-                <a14:useLocalDpi xmlns:a14="http://schemas.microsoft.com/office/drawing/2010/main" val="0"/>
-              </a:ext>
-            </a:extLst>
-          </a:blip>
-          <a:srcRect l="3613"/>
-          <a:stretch/>
-        </p:blipFill>
-        <p:spPr>
-          <a:xfrm>
-            <a:off x="0" y="2669685"/>
-            <a:ext cx="4037012" cy="4188315"/>
-          </a:xfrm>
-          <a:prstGeom prst="rect">
-            <a:avLst/>
-          </a:prstGeom>
-        </p:spPr>
-      </p:pic>
-      <p:pic>
-        <p:nvPicPr>
-          <p:cNvPr id="10" name="Picture 9">
-            <a:extLst>
-              <a:ext uri="{FF2B5EF4-FFF2-40B4-BE49-F238E27FC236}">
-                <a16:creationId xmlns:a16="http://schemas.microsoft.com/office/drawing/2014/main" id="{B891C919-1CCE-4DE8-BCB6-6D4A823ABA63}"/>
-              </a:ext>
-              <a:ext uri="{C183D7F6-B498-43B3-948B-1728B52AA6E4}">
-                <adec:decorative xmlns:adec="http://schemas.microsoft.com/office/drawing/2017/decorative" val="1"/>
-              </a:ext>
-            </a:extLst>
-          </p:cNvPr>
-          <p:cNvPicPr>
-            <a:picLocks noGrp="1" noRot="1" noChangeAspect="1" noMove="1" noResize="1" noEditPoints="1" noAdjustHandles="1" noChangeArrowheads="1" noChangeShapeType="1" noCrop="1"/>
-          </p:cNvPicPr>
-          <p:nvPr>
-            <p:extLst>
-              <p:ext uri="{386F3935-93C4-4BCD-93E2-E3B085C9AB24}">
-                <p16:designElem xmlns:p16="http://schemas.microsoft.com/office/powerpoint/2015/main" val="1"/>
-              </p:ext>
-            </p:extLst>
-          </p:nvPr>
-        </p:nvPicPr>
-        <p:blipFill rotWithShape="1">
-          <a:blip r:embed="rId4">
-            <a:extLst>
-              <a:ext uri="{28A0092B-C50C-407E-A947-70E740481C1C}">
-                <a14:useLocalDpi xmlns:a14="http://schemas.microsoft.com/office/drawing/2010/main" val="0"/>
-              </a:ext>
-            </a:extLst>
-          </a:blip>
-          <a:srcRect l="35640"/>
-          <a:stretch/>
-        </p:blipFill>
-        <p:spPr>
-          <a:xfrm>
-            <a:off x="0" y="2892347"/>
-            <a:ext cx="1522412" cy="2365453"/>
-          </a:xfrm>
-          <a:prstGeom prst="rect">
-            <a:avLst/>
-          </a:prstGeom>
-        </p:spPr>
-      </p:pic>
-      <p:sp>
-        <p:nvSpPr>
-          <p:cNvPr id="12" name="Oval 11">
-            <a:extLst>
-              <a:ext uri="{FF2B5EF4-FFF2-40B4-BE49-F238E27FC236}">
-                <a16:creationId xmlns:a16="http://schemas.microsoft.com/office/drawing/2014/main" id="{845D3C1D-A85C-44EE-A21E-2DAAEC79F14E}"/>
-              </a:ext>
-              <a:ext uri="{C183D7F6-B498-43B3-948B-1728B52AA6E4}">
-                <adec:decorative xmlns:adec="http://schemas.microsoft.com/office/drawing/2017/decorative" val="1"/>
-              </a:ext>
-            </a:extLst>
-          </p:cNvPr>
-          <p:cNvSpPr>
-            <a:spLocks noGrp="1" noRot="1" noChangeAspect="1" noMove="1" noResize="1" noEditPoints="1" noAdjustHandles="1" noChangeArrowheads="1" noChangeShapeType="1" noTextEdit="1"/>
-          </p:cNvSpPr>
-          <p:nvPr>
-            <p:extLst>
-              <p:ext uri="{386F3935-93C4-4BCD-93E2-E3B085C9AB24}">
-                <p16:designElem xmlns:p16="http://schemas.microsoft.com/office/powerpoint/2015/main" val="1"/>
-              </p:ext>
-            </p:extLst>
-          </p:nvPr>
-        </p:nvSpPr>
-        <p:spPr>
-          <a:xfrm>
-            <a:off x="8609012" y="1676400"/>
-            <a:ext cx="2819400" cy="2819400"/>
-          </a:xfrm>
-          <a:prstGeom prst="ellipse">
-            <a:avLst/>
-          </a:prstGeom>
-          <a:gradFill flip="none" rotWithShape="1">
-            <a:gsLst>
-              <a:gs pos="0">
-                <a:schemeClr val="accent1">
-                  <a:lumMod val="60000"/>
-                  <a:lumOff val="40000"/>
-                  <a:alpha val="7000"/>
-                </a:schemeClr>
-              </a:gs>
-              <a:gs pos="69000">
-                <a:schemeClr val="accent1">
-                  <a:lumMod val="60000"/>
-                  <a:lumOff val="40000"/>
-                  <a:alpha val="0"/>
-                </a:schemeClr>
-              </a:gs>
-              <a:gs pos="36000">
-                <a:schemeClr val="accent1">
-                  <a:lumMod val="60000"/>
-                  <a:lumOff val="40000"/>
-                  <a:alpha val="6000"/>
-                </a:schemeClr>
-              </a:gs>
-            </a:gsLst>
-            <a:path path="circle">
-              <a:fillToRect l="50000" t="50000" r="50000" b="50000"/>
-            </a:path>
-            <a:tileRect/>
-          </a:gradFill>
-          <a:ln>
-            <a:noFill/>
-          </a:ln>
-          <a:effectLst/>
-        </p:spPr>
-        <p:style>
-          <a:lnRef idx="1">
-            <a:schemeClr val="accent1"/>
-          </a:lnRef>
-          <a:fillRef idx="3">
-            <a:schemeClr val="accent1"/>
-          </a:fillRef>
-          <a:effectRef idx="2">
-            <a:schemeClr val="accent1"/>
-          </a:effectRef>
-          <a:fontRef idx="minor">
-            <a:schemeClr val="lt1"/>
-          </a:fontRef>
-        </p:style>
-      </p:sp>
-      <p:pic>
-        <p:nvPicPr>
-          <p:cNvPr id="14" name="Picture 13">
-            <a:extLst>
-              <a:ext uri="{FF2B5EF4-FFF2-40B4-BE49-F238E27FC236}">
-                <a16:creationId xmlns:a16="http://schemas.microsoft.com/office/drawing/2014/main" id="{1272C03D-FF5F-4787-9923-252D8F950C24}"/>
-              </a:ext>
-              <a:ext uri="{C183D7F6-B498-43B3-948B-1728B52AA6E4}">
-                <adec:decorative xmlns:adec="http://schemas.microsoft.com/office/drawing/2017/decorative" val="1"/>
-              </a:ext>
-            </a:extLst>
-          </p:cNvPr>
-          <p:cNvPicPr>
-            <a:picLocks noGrp="1" noRot="1" noChangeAspect="1" noMove="1" noResize="1" noEditPoints="1" noAdjustHandles="1" noChangeArrowheads="1" noChangeShapeType="1" noCrop="1"/>
-          </p:cNvPicPr>
-          <p:nvPr>
-            <p:extLst>
-              <p:ext uri="{386F3935-93C4-4BCD-93E2-E3B085C9AB24}">
-                <p16:designElem xmlns:p16="http://schemas.microsoft.com/office/powerpoint/2015/main" val="1"/>
-              </p:ext>
-            </p:extLst>
-          </p:nvPr>
-        </p:nvPicPr>
-        <p:blipFill rotWithShape="1">
-          <a:blip r:embed="rId5">
-            <a:extLst>
-              <a:ext uri="{28A0092B-C50C-407E-A947-70E740481C1C}">
-                <a14:useLocalDpi xmlns:a14="http://schemas.microsoft.com/office/drawing/2010/main" val="0"/>
-              </a:ext>
-            </a:extLst>
-          </a:blip>
-          <a:srcRect t="28713"/>
-          <a:stretch/>
-        </p:blipFill>
-        <p:spPr>
-          <a:xfrm>
-            <a:off x="8000197" y="0"/>
-            <a:ext cx="1603387" cy="1143000"/>
-          </a:xfrm>
-          <a:prstGeom prst="rect">
-            <a:avLst/>
-          </a:prstGeom>
-        </p:spPr>
-      </p:pic>
-      <p:pic>
-        <p:nvPicPr>
-          <p:cNvPr id="16" name="Picture 15">
-            <a:extLst>
-              <a:ext uri="{FF2B5EF4-FFF2-40B4-BE49-F238E27FC236}">
-                <a16:creationId xmlns:a16="http://schemas.microsoft.com/office/drawing/2014/main" id="{809E94B5-14C4-4FFC-A641-4DD9C0733BEC}"/>
-              </a:ext>
-              <a:ext uri="{C183D7F6-B498-43B3-948B-1728B52AA6E4}">
-                <adec:decorative xmlns:adec="http://schemas.microsoft.com/office/drawing/2017/decorative" val="1"/>
-              </a:ext>
-            </a:extLst>
-          </p:cNvPr>
-          <p:cNvPicPr>
-            <a:picLocks noGrp="1" noRot="1" noChangeAspect="1" noMove="1" noResize="1" noEditPoints="1" noAdjustHandles="1" noChangeArrowheads="1" noChangeShapeType="1" noCrop="1"/>
-          </p:cNvPicPr>
-          <p:nvPr>
-            <p:extLst>
-              <p:ext uri="{386F3935-93C4-4BCD-93E2-E3B085C9AB24}">
-                <p16:designElem xmlns:p16="http://schemas.microsoft.com/office/powerpoint/2015/main" val="1"/>
-              </p:ext>
-            </p:extLst>
-          </p:nvPr>
-        </p:nvPicPr>
-        <p:blipFill rotWithShape="1">
-          <a:blip r:embed="rId6">
-            <a:extLst>
-              <a:ext uri="{28A0092B-C50C-407E-A947-70E740481C1C}">
-                <a14:useLocalDpi xmlns:a14="http://schemas.microsoft.com/office/drawing/2010/main" val="0"/>
-              </a:ext>
-            </a:extLst>
-          </a:blip>
-          <a:srcRect b="24199"/>
-          <a:stretch/>
-        </p:blipFill>
-        <p:spPr>
-          <a:xfrm>
-            <a:off x="8609012" y="6092866"/>
-            <a:ext cx="993734" cy="765134"/>
-          </a:xfrm>
-          <a:prstGeom prst="rect">
-            <a:avLst/>
-          </a:prstGeom>
-        </p:spPr>
-      </p:pic>
-      <p:sp>
-        <p:nvSpPr>
-          <p:cNvPr id="18" name="Rectangle 17">
-            <a:extLst>
-              <a:ext uri="{FF2B5EF4-FFF2-40B4-BE49-F238E27FC236}">
-                <a16:creationId xmlns:a16="http://schemas.microsoft.com/office/drawing/2014/main" id="{D987E165-75F1-443C-9A05-ADC511C3375C}"/>
-              </a:ext>
-              <a:ext uri="{C183D7F6-B498-43B3-948B-1728B52AA6E4}">
-                <adec:decorative xmlns:adec="http://schemas.microsoft.com/office/drawing/2017/decorative" val="1"/>
-              </a:ext>
-            </a:extLst>
-          </p:cNvPr>
-          <p:cNvSpPr>
-            <a:spLocks noGrp="1" noRot="1" noChangeAspect="1" noMove="1" noResize="1" noEditPoints="1" noAdjustHandles="1" noChangeArrowheads="1" noChangeShapeType="1" noTextEdit="1"/>
-          </p:cNvSpPr>
-          <p:nvPr>
-            <p:extLst>
-              <p:ext uri="{386F3935-93C4-4BCD-93E2-E3B085C9AB24}">
-                <p16:designElem xmlns:p16="http://schemas.microsoft.com/office/powerpoint/2015/main" val="1"/>
-              </p:ext>
-            </p:extLst>
-          </p:nvPr>
-        </p:nvSpPr>
-        <p:spPr>
-          <a:xfrm>
-            <a:off x="10437812" y="0"/>
-            <a:ext cx="685800" cy="1143000"/>
-          </a:xfrm>
-          <a:prstGeom prst="rect">
-            <a:avLst/>
-          </a:prstGeom>
-          <a:solidFill>
-            <a:schemeClr val="accent1"/>
-          </a:solidFill>
-          <a:ln>
-            <a:noFill/>
-          </a:ln>
-        </p:spPr>
-        <p:style>
-          <a:lnRef idx="1">
-            <a:schemeClr val="accent1"/>
-          </a:lnRef>
-          <a:fillRef idx="3">
-            <a:schemeClr val="accent1"/>
-          </a:fillRef>
-          <a:effectRef idx="2">
-            <a:schemeClr val="accent1"/>
-          </a:effectRef>
-          <a:fontRef idx="minor">
-            <a:schemeClr val="lt1"/>
-          </a:fontRef>
-        </p:style>
-      </p:sp>
-      <p:sp>
-        <p:nvSpPr>
-          <p:cNvPr id="2" name="Title 1">
-            <a:extLst>
-              <a:ext uri="{FF2B5EF4-FFF2-40B4-BE49-F238E27FC236}">
-                <a16:creationId xmlns:a16="http://schemas.microsoft.com/office/drawing/2014/main" id="{14C6FE33-0449-62A0-5900-09C992BB98BF}"/>
-              </a:ext>
-            </a:extLst>
-          </p:cNvPr>
-          <p:cNvSpPr>
-            <a:spLocks noGrp="1"/>
-          </p:cNvSpPr>
-          <p:nvPr>
-            <p:ph type="title"/>
-          </p:nvPr>
-        </p:nvSpPr>
-        <p:spPr>
-          <a:xfrm>
-            <a:off x="636916" y="4542503"/>
-            <a:ext cx="9184606" cy="1179870"/>
-          </a:xfrm>
-        </p:spPr>
-        <p:txBody>
-          <a:bodyPr vert="horz" lIns="91440" tIns="45720" rIns="91440" bIns="45720" rtlCol="0" anchor="b">
-            <a:normAutofit/>
-          </a:bodyPr>
-          <a:lstStyle/>
-          <a:p>
-            <a:pPr>
-              <a:lnSpc>
-                <a:spcPct val="90000"/>
-              </a:lnSpc>
-            </a:pPr>
-            <a:r>
-              <a:rPr lang="en-US" sz="7200"/>
-              <a:t>Topology</a:t>
-            </a:r>
-          </a:p>
-        </p:txBody>
-      </p:sp>
-      <p:pic>
-        <p:nvPicPr>
-          <p:cNvPr id="3" name="Kép 2" descr="A képen diagram, szöveg, kör, térkép látható&#10;&#10;Lehet, hogy a mesterséges intelligencia által generált tartalom helytelen.">
-            <a:extLst>
-              <a:ext uri="{FF2B5EF4-FFF2-40B4-BE49-F238E27FC236}">
-                <a16:creationId xmlns:a16="http://schemas.microsoft.com/office/drawing/2014/main" id="{49264A05-AD7F-9A2B-C4F9-DCE77F8FF758}"/>
-              </a:ext>
-            </a:extLst>
-          </p:cNvPr>
-          <p:cNvPicPr>
-            <a:picLocks noChangeAspect="1"/>
-          </p:cNvPicPr>
-          <p:nvPr/>
-        </p:nvPicPr>
-        <p:blipFill>
-          <a:blip r:embed="rId7"/>
-          <a:srcRect l="3747" r="-1" b="-1"/>
-          <a:stretch/>
-        </p:blipFill>
-        <p:spPr>
-          <a:xfrm>
-            <a:off x="17823" y="841"/>
-            <a:ext cx="12182574" cy="4230870"/>
-          </a:xfrm>
-          <a:prstGeom prst="rect">
-            <a:avLst/>
-          </a:prstGeom>
-          <a:effectLst>
-            <a:outerShdw blurRad="50800" dist="38100" dir="5400000" algn="t" rotWithShape="0">
-              <a:prstClr val="black">
-                <a:alpha val="43000"/>
-              </a:prstClr>
-            </a:outerShdw>
-          </a:effectLst>
-        </p:spPr>
-      </p:pic>
-    </p:spTree>
-    <p:extLst>
-      <p:ext uri="{BB962C8B-B14F-4D97-AF65-F5344CB8AC3E}">
-        <p14:creationId xmlns:p14="http://schemas.microsoft.com/office/powerpoint/2010/main" val="3563977590"/>
-      </p:ext>
-    </p:extLst>
-  </p:cSld>
-  <p:clrMapOvr>
-    <a:masterClrMapping/>
-  </p:clrMapOvr>
-  <mc:AlternateContent xmlns:mc="http://schemas.openxmlformats.org/markup-compatibility/2006" xmlns:p14="http://schemas.microsoft.com/office/powerpoint/2010/main">
-    <mc:Choice Requires="p14">
-      <p:transition spd="med" p14:dur="700">
-        <p:fade/>
-      </p:transition>
-    </mc:Choice>
-    <mc:Fallback xmlns="">
-      <p:transition spd="med">
-        <p:fade/>
-      </p:transition>
-    </mc:Fallback>
-  </mc:AlternateContent>
-</p:sld>
-</file>
-
-<file path=ppt/slides/slide40.xml><?xml version="1.0" encoding="utf-8"?>
+<file path=ppt/slides/slide35.xml><?xml version="1.0" encoding="utf-8"?>
 <p:sld xmlns:a="http://schemas.openxmlformats.org/drawingml/2006/main" xmlns:r="http://schemas.openxmlformats.org/officeDocument/2006/relationships" xmlns:p="http://schemas.openxmlformats.org/presentationml/2006/main">
   <p:cSld>
     <p:bg>
@@ -19427,22 +17339,13 @@
   <p:clrMapOvr>
     <a:masterClrMapping/>
   </p:clrMapOvr>
-  <mc:AlternateContent xmlns:mc="http://schemas.openxmlformats.org/markup-compatibility/2006" xmlns:p14="http://schemas.microsoft.com/office/powerpoint/2010/main">
-    <mc:Choice Requires="p14">
-      <p:transition spd="med" p14:dur="700">
-        <p:fade/>
-      </p:transition>
-    </mc:Choice>
-    <mc:Fallback xmlns="">
-      <p:transition spd="med">
-        <p:fade/>
-      </p:transition>
-    </mc:Fallback>
-  </mc:AlternateContent>
+  <p:transition spd="slow">
+    <p:push dir="u"/>
+  </p:transition>
 </p:sld>
 </file>
 
-<file path=ppt/slides/slide41.xml><?xml version="1.0" encoding="utf-8"?>
+<file path=ppt/slides/slide36.xml><?xml version="1.0" encoding="utf-8"?>
 <p:sld xmlns:a="http://schemas.openxmlformats.org/drawingml/2006/main" xmlns:r="http://schemas.openxmlformats.org/officeDocument/2006/relationships" xmlns:p="http://schemas.openxmlformats.org/presentationml/2006/main">
   <p:cSld>
     <p:spTree>
@@ -19556,22 +17459,10 @@
   <p:clrMapOvr>
     <a:masterClrMapping/>
   </p:clrMapOvr>
-  <mc:AlternateContent xmlns:mc="http://schemas.openxmlformats.org/markup-compatibility/2006" xmlns:p14="http://schemas.microsoft.com/office/powerpoint/2010/main">
-    <mc:Choice Requires="p14">
-      <p:transition spd="med" p14:dur="700">
-        <p:fade/>
-      </p:transition>
-    </mc:Choice>
-    <mc:Fallback xmlns="">
-      <p:transition spd="med">
-        <p:fade/>
-      </p:transition>
-    </mc:Fallback>
-  </mc:AlternateContent>
 </p:sld>
 </file>
 
-<file path=ppt/slides/slide42.xml><?xml version="1.0" encoding="utf-8"?>
+<file path=ppt/slides/slide37.xml><?xml version="1.0" encoding="utf-8"?>
 <p:sld xmlns:a="http://schemas.openxmlformats.org/drawingml/2006/main" xmlns:r="http://schemas.openxmlformats.org/officeDocument/2006/relationships" xmlns:p="http://schemas.openxmlformats.org/presentationml/2006/main">
   <p:cSld>
     <p:bg>
@@ -19604,7 +17495,7 @@
                 <a16:creationId xmlns:a16="http://schemas.microsoft.com/office/drawing/2014/main" id="{A4322390-8B58-46BE-88EB-D9FD30C08743}"/>
               </a:ext>
               <a:ext uri="{C183D7F6-B498-43B3-948B-1728B52AA6E4}">
-                <adec:decorative xmlns:adec="http://schemas.microsoft.com/office/drawing/2017/decorative" val="1"/>
+                <adec:decorative xmlns="" xmlns:adec="http://schemas.microsoft.com/office/drawing/2017/decorative" val="1"/>
               </a:ext>
             </a:extLst>
           </p:cNvPr>
@@ -19728,7 +17619,7 @@
                 <a16:creationId xmlns:a16="http://schemas.microsoft.com/office/drawing/2014/main" id="{C885E190-58DD-42DD-A4A8-401E15C92A52}"/>
               </a:ext>
               <a:ext uri="{C183D7F6-B498-43B3-948B-1728B52AA6E4}">
-                <adec:decorative xmlns:adec="http://schemas.microsoft.com/office/drawing/2017/decorative" val="1"/>
+                <adec:decorative xmlns="" xmlns:adec="http://schemas.microsoft.com/office/drawing/2017/decorative" val="1"/>
               </a:ext>
             </a:extLst>
           </p:cNvPr>
@@ -19783,13 +17674,10 @@
   <p:clrMapOvr>
     <a:masterClrMapping/>
   </p:clrMapOvr>
-  <p:transition spd="slow">
-    <p:push dir="u"/>
-  </p:transition>
 </p:sld>
 </file>
 
-<file path=ppt/slides/slide43.xml><?xml version="1.0" encoding="utf-8"?>
+<file path=ppt/slides/slide38.xml><?xml version="1.0" encoding="utf-8"?>
 <p:sld xmlns:a="http://schemas.openxmlformats.org/drawingml/2006/main" xmlns:r="http://schemas.openxmlformats.org/officeDocument/2006/relationships" xmlns:p="http://schemas.openxmlformats.org/presentationml/2006/main">
   <p:cSld>
     <p:spTree>
@@ -19876,22 +17764,10 @@
   <p:clrMapOvr>
     <a:masterClrMapping/>
   </p:clrMapOvr>
-  <mc:AlternateContent xmlns:mc="http://schemas.openxmlformats.org/markup-compatibility/2006" xmlns:p14="http://schemas.microsoft.com/office/powerpoint/2010/main">
-    <mc:Choice Requires="p14">
-      <p:transition spd="med" p14:dur="700">
-        <p:fade/>
-      </p:transition>
-    </mc:Choice>
-    <mc:Fallback xmlns="">
-      <p:transition spd="med">
-        <p:fade/>
-      </p:transition>
-    </mc:Fallback>
-  </mc:AlternateContent>
 </p:sld>
 </file>
 
-<file path=ppt/slides/slide44.xml><?xml version="1.0" encoding="utf-8"?>
+<file path=ppt/slides/slide39.xml><?xml version="1.0" encoding="utf-8"?>
 <p:sld xmlns:a="http://schemas.openxmlformats.org/drawingml/2006/main" xmlns:r="http://schemas.openxmlformats.org/officeDocument/2006/relationships" xmlns:p="http://schemas.openxmlformats.org/presentationml/2006/main">
   <p:cSld>
     <p:spTree>
@@ -19991,14 +17867,451 @@
   <p:clrMapOvr>
     <a:masterClrMapping/>
   </p:clrMapOvr>
+</p:sld>
+</file>
+
+<file path=ppt/slides/slide4.xml><?xml version="1.0" encoding="utf-8"?>
+<p:sld xmlns:a="http://schemas.openxmlformats.org/drawingml/2006/main" xmlns:r="http://schemas.openxmlformats.org/officeDocument/2006/relationships" xmlns:p="http://schemas.openxmlformats.org/presentationml/2006/main">
+  <p:cSld>
+    <p:bg>
+      <p:bgPr>
+        <a:blipFill rotWithShape="1">
+          <a:blip r:embed="rId2">
+            <a:duotone>
+              <a:schemeClr val="bg2">
+                <a:shade val="42000"/>
+                <a:hueMod val="42000"/>
+                <a:satMod val="124000"/>
+                <a:lumMod val="62000"/>
+              </a:schemeClr>
+              <a:schemeClr val="bg2">
+                <a:tint val="96000"/>
+                <a:satMod val="130000"/>
+              </a:schemeClr>
+            </a:duotone>
+          </a:blip>
+          <a:stretch/>
+        </a:blipFill>
+        <a:effectLst/>
+      </p:bgPr>
+    </p:bg>
+    <p:spTree>
+      <p:nvGrpSpPr>
+        <p:cNvPr id="1" name=""/>
+        <p:cNvGrpSpPr/>
+        <p:nvPr/>
+      </p:nvGrpSpPr>
+      <p:grpSpPr>
+        <a:xfrm>
+          <a:off x="0" y="0"/>
+          <a:ext cx="0" cy="0"/>
+          <a:chOff x="0" y="0"/>
+          <a:chExt cx="0" cy="0"/>
+        </a:xfrm>
+      </p:grpSpPr>
+      <p:pic>
+        <p:nvPicPr>
+          <p:cNvPr id="8" name="Picture 7">
+            <a:extLst>
+              <a:ext uri="{FF2B5EF4-FFF2-40B4-BE49-F238E27FC236}">
+                <a16:creationId xmlns:a16="http://schemas.microsoft.com/office/drawing/2014/main" id="{C0F4014E-6BAF-4F6C-B8CE-81A4D8F8801E}"/>
+              </a:ext>
+              <a:ext uri="{C183D7F6-B498-43B3-948B-1728B52AA6E4}">
+                <adec:decorative xmlns="" xmlns:adec="http://schemas.microsoft.com/office/drawing/2017/decorative" val="1"/>
+              </a:ext>
+            </a:extLst>
+          </p:cNvPr>
+          <p:cNvPicPr>
+            <a:picLocks noGrp="1" noRot="1" noChangeAspect="1" noMove="1" noResize="1" noEditPoints="1" noAdjustHandles="1" noChangeArrowheads="1" noChangeShapeType="1" noCrop="1"/>
+          </p:cNvPicPr>
+          <p:nvPr>
+            <p:extLst>
+              <p:ext uri="{386F3935-93C4-4BCD-93E2-E3B085C9AB24}">
+                <p16:designElem xmlns:p16="http://schemas.microsoft.com/office/powerpoint/2015/main" val="1"/>
+              </p:ext>
+            </p:extLst>
+          </p:nvPr>
+        </p:nvPicPr>
+        <p:blipFill rotWithShape="1">
+          <a:blip r:embed="rId3">
+            <a:extLst>
+              <a:ext uri="{28A0092B-C50C-407E-A947-70E740481C1C}">
+                <a14:useLocalDpi xmlns:a14="http://schemas.microsoft.com/office/drawing/2010/main" val="0"/>
+              </a:ext>
+            </a:extLst>
+          </a:blip>
+          <a:srcRect l="3613"/>
+          <a:stretch/>
+        </p:blipFill>
+        <p:spPr>
+          <a:xfrm>
+            <a:off x="0" y="2669685"/>
+            <a:ext cx="4037012" cy="4188315"/>
+          </a:xfrm>
+          <a:prstGeom prst="rect">
+            <a:avLst/>
+          </a:prstGeom>
+        </p:spPr>
+      </p:pic>
+      <p:pic>
+        <p:nvPicPr>
+          <p:cNvPr id="10" name="Picture 9">
+            <a:extLst>
+              <a:ext uri="{FF2B5EF4-FFF2-40B4-BE49-F238E27FC236}">
+                <a16:creationId xmlns:a16="http://schemas.microsoft.com/office/drawing/2014/main" id="{B891C919-1CCE-4DE8-BCB6-6D4A823ABA63}"/>
+              </a:ext>
+              <a:ext uri="{C183D7F6-B498-43B3-948B-1728B52AA6E4}">
+                <adec:decorative xmlns="" xmlns:adec="http://schemas.microsoft.com/office/drawing/2017/decorative" val="1"/>
+              </a:ext>
+            </a:extLst>
+          </p:cNvPr>
+          <p:cNvPicPr>
+            <a:picLocks noGrp="1" noRot="1" noChangeAspect="1" noMove="1" noResize="1" noEditPoints="1" noAdjustHandles="1" noChangeArrowheads="1" noChangeShapeType="1" noCrop="1"/>
+          </p:cNvPicPr>
+          <p:nvPr>
+            <p:extLst>
+              <p:ext uri="{386F3935-93C4-4BCD-93E2-E3B085C9AB24}">
+                <p16:designElem xmlns:p16="http://schemas.microsoft.com/office/powerpoint/2015/main" val="1"/>
+              </p:ext>
+            </p:extLst>
+          </p:nvPr>
+        </p:nvPicPr>
+        <p:blipFill rotWithShape="1">
+          <a:blip r:embed="rId4">
+            <a:extLst>
+              <a:ext uri="{28A0092B-C50C-407E-A947-70E740481C1C}">
+                <a14:useLocalDpi xmlns:a14="http://schemas.microsoft.com/office/drawing/2010/main" val="0"/>
+              </a:ext>
+            </a:extLst>
+          </a:blip>
+          <a:srcRect l="35640"/>
+          <a:stretch/>
+        </p:blipFill>
+        <p:spPr>
+          <a:xfrm>
+            <a:off x="0" y="2892347"/>
+            <a:ext cx="1522412" cy="2365453"/>
+          </a:xfrm>
+          <a:prstGeom prst="rect">
+            <a:avLst/>
+          </a:prstGeom>
+        </p:spPr>
+      </p:pic>
+      <p:sp>
+        <p:nvSpPr>
+          <p:cNvPr id="12" name="Oval 11">
+            <a:extLst>
+              <a:ext uri="{FF2B5EF4-FFF2-40B4-BE49-F238E27FC236}">
+                <a16:creationId xmlns:a16="http://schemas.microsoft.com/office/drawing/2014/main" id="{845D3C1D-A85C-44EE-A21E-2DAAEC79F14E}"/>
+              </a:ext>
+              <a:ext uri="{C183D7F6-B498-43B3-948B-1728B52AA6E4}">
+                <adec:decorative xmlns="" xmlns:adec="http://schemas.microsoft.com/office/drawing/2017/decorative" val="1"/>
+              </a:ext>
+            </a:extLst>
+          </p:cNvPr>
+          <p:cNvSpPr>
+            <a:spLocks noGrp="1" noRot="1" noChangeAspect="1" noMove="1" noResize="1" noEditPoints="1" noAdjustHandles="1" noChangeArrowheads="1" noChangeShapeType="1" noTextEdit="1"/>
+          </p:cNvSpPr>
+          <p:nvPr>
+            <p:extLst>
+              <p:ext uri="{386F3935-93C4-4BCD-93E2-E3B085C9AB24}">
+                <p16:designElem xmlns:p16="http://schemas.microsoft.com/office/powerpoint/2015/main" val="1"/>
+              </p:ext>
+            </p:extLst>
+          </p:nvPr>
+        </p:nvSpPr>
+        <p:spPr>
+          <a:xfrm>
+            <a:off x="8609012" y="1676400"/>
+            <a:ext cx="2819400" cy="2819400"/>
+          </a:xfrm>
+          <a:prstGeom prst="ellipse">
+            <a:avLst/>
+          </a:prstGeom>
+          <a:gradFill flip="none" rotWithShape="1">
+            <a:gsLst>
+              <a:gs pos="0">
+                <a:schemeClr val="accent1">
+                  <a:lumMod val="60000"/>
+                  <a:lumOff val="40000"/>
+                  <a:alpha val="7000"/>
+                </a:schemeClr>
+              </a:gs>
+              <a:gs pos="69000">
+                <a:schemeClr val="accent1">
+                  <a:lumMod val="60000"/>
+                  <a:lumOff val="40000"/>
+                  <a:alpha val="0"/>
+                </a:schemeClr>
+              </a:gs>
+              <a:gs pos="36000">
+                <a:schemeClr val="accent1">
+                  <a:lumMod val="60000"/>
+                  <a:lumOff val="40000"/>
+                  <a:alpha val="6000"/>
+                </a:schemeClr>
+              </a:gs>
+            </a:gsLst>
+            <a:path path="circle">
+              <a:fillToRect l="50000" t="50000" r="50000" b="50000"/>
+            </a:path>
+            <a:tileRect/>
+          </a:gradFill>
+          <a:ln>
+            <a:noFill/>
+          </a:ln>
+          <a:effectLst/>
+        </p:spPr>
+        <p:style>
+          <a:lnRef idx="1">
+            <a:schemeClr val="accent1"/>
+          </a:lnRef>
+          <a:fillRef idx="3">
+            <a:schemeClr val="accent1"/>
+          </a:fillRef>
+          <a:effectRef idx="2">
+            <a:schemeClr val="accent1"/>
+          </a:effectRef>
+          <a:fontRef idx="minor">
+            <a:schemeClr val="lt1"/>
+          </a:fontRef>
+        </p:style>
+      </p:sp>
+      <p:pic>
+        <p:nvPicPr>
+          <p:cNvPr id="14" name="Picture 13">
+            <a:extLst>
+              <a:ext uri="{FF2B5EF4-FFF2-40B4-BE49-F238E27FC236}">
+                <a16:creationId xmlns:a16="http://schemas.microsoft.com/office/drawing/2014/main" id="{1272C03D-FF5F-4787-9923-252D8F950C24}"/>
+              </a:ext>
+              <a:ext uri="{C183D7F6-B498-43B3-948B-1728B52AA6E4}">
+                <adec:decorative xmlns="" xmlns:adec="http://schemas.microsoft.com/office/drawing/2017/decorative" val="1"/>
+              </a:ext>
+            </a:extLst>
+          </p:cNvPr>
+          <p:cNvPicPr>
+            <a:picLocks noGrp="1" noRot="1" noChangeAspect="1" noMove="1" noResize="1" noEditPoints="1" noAdjustHandles="1" noChangeArrowheads="1" noChangeShapeType="1" noCrop="1"/>
+          </p:cNvPicPr>
+          <p:nvPr>
+            <p:extLst>
+              <p:ext uri="{386F3935-93C4-4BCD-93E2-E3B085C9AB24}">
+                <p16:designElem xmlns:p16="http://schemas.microsoft.com/office/powerpoint/2015/main" val="1"/>
+              </p:ext>
+            </p:extLst>
+          </p:nvPr>
+        </p:nvPicPr>
+        <p:blipFill rotWithShape="1">
+          <a:blip r:embed="rId5">
+            <a:extLst>
+              <a:ext uri="{28A0092B-C50C-407E-A947-70E740481C1C}">
+                <a14:useLocalDpi xmlns:a14="http://schemas.microsoft.com/office/drawing/2010/main" val="0"/>
+              </a:ext>
+            </a:extLst>
+          </a:blip>
+          <a:srcRect t="28713"/>
+          <a:stretch/>
+        </p:blipFill>
+        <p:spPr>
+          <a:xfrm>
+            <a:off x="8000197" y="0"/>
+            <a:ext cx="1603387" cy="1143000"/>
+          </a:xfrm>
+          <a:prstGeom prst="rect">
+            <a:avLst/>
+          </a:prstGeom>
+        </p:spPr>
+      </p:pic>
+      <p:pic>
+        <p:nvPicPr>
+          <p:cNvPr id="16" name="Picture 15">
+            <a:extLst>
+              <a:ext uri="{FF2B5EF4-FFF2-40B4-BE49-F238E27FC236}">
+                <a16:creationId xmlns:a16="http://schemas.microsoft.com/office/drawing/2014/main" id="{809E94B5-14C4-4FFC-A641-4DD9C0733BEC}"/>
+              </a:ext>
+              <a:ext uri="{C183D7F6-B498-43B3-948B-1728B52AA6E4}">
+                <adec:decorative xmlns="" xmlns:adec="http://schemas.microsoft.com/office/drawing/2017/decorative" val="1"/>
+              </a:ext>
+            </a:extLst>
+          </p:cNvPr>
+          <p:cNvPicPr>
+            <a:picLocks noGrp="1" noRot="1" noChangeAspect="1" noMove="1" noResize="1" noEditPoints="1" noAdjustHandles="1" noChangeArrowheads="1" noChangeShapeType="1" noCrop="1"/>
+          </p:cNvPicPr>
+          <p:nvPr>
+            <p:extLst>
+              <p:ext uri="{386F3935-93C4-4BCD-93E2-E3B085C9AB24}">
+                <p16:designElem xmlns:p16="http://schemas.microsoft.com/office/powerpoint/2015/main" val="1"/>
+              </p:ext>
+            </p:extLst>
+          </p:nvPr>
+        </p:nvPicPr>
+        <p:blipFill rotWithShape="1">
+          <a:blip r:embed="rId6">
+            <a:extLst>
+              <a:ext uri="{28A0092B-C50C-407E-A947-70E740481C1C}">
+                <a14:useLocalDpi xmlns:a14="http://schemas.microsoft.com/office/drawing/2010/main" val="0"/>
+              </a:ext>
+            </a:extLst>
+          </a:blip>
+          <a:srcRect b="24199"/>
+          <a:stretch/>
+        </p:blipFill>
+        <p:spPr>
+          <a:xfrm>
+            <a:off x="8609012" y="6092866"/>
+            <a:ext cx="993734" cy="765134"/>
+          </a:xfrm>
+          <a:prstGeom prst="rect">
+            <a:avLst/>
+          </a:prstGeom>
+        </p:spPr>
+      </p:pic>
+      <p:sp>
+        <p:nvSpPr>
+          <p:cNvPr id="18" name="Rectangle 17">
+            <a:extLst>
+              <a:ext uri="{FF2B5EF4-FFF2-40B4-BE49-F238E27FC236}">
+                <a16:creationId xmlns:a16="http://schemas.microsoft.com/office/drawing/2014/main" id="{D987E165-75F1-443C-9A05-ADC511C3375C}"/>
+              </a:ext>
+              <a:ext uri="{C183D7F6-B498-43B3-948B-1728B52AA6E4}">
+                <adec:decorative xmlns="" xmlns:adec="http://schemas.microsoft.com/office/drawing/2017/decorative" val="1"/>
+              </a:ext>
+            </a:extLst>
+          </p:cNvPr>
+          <p:cNvSpPr>
+            <a:spLocks noGrp="1" noRot="1" noChangeAspect="1" noMove="1" noResize="1" noEditPoints="1" noAdjustHandles="1" noChangeArrowheads="1" noChangeShapeType="1" noTextEdit="1"/>
+          </p:cNvSpPr>
+          <p:nvPr>
+            <p:extLst>
+              <p:ext uri="{386F3935-93C4-4BCD-93E2-E3B085C9AB24}">
+                <p16:designElem xmlns:p16="http://schemas.microsoft.com/office/powerpoint/2015/main" val="1"/>
+              </p:ext>
+            </p:extLst>
+          </p:nvPr>
+        </p:nvSpPr>
+        <p:spPr>
+          <a:xfrm>
+            <a:off x="10437812" y="0"/>
+            <a:ext cx="685800" cy="1143000"/>
+          </a:xfrm>
+          <a:prstGeom prst="rect">
+            <a:avLst/>
+          </a:prstGeom>
+          <a:solidFill>
+            <a:schemeClr val="accent1"/>
+          </a:solidFill>
+          <a:ln>
+            <a:noFill/>
+          </a:ln>
+        </p:spPr>
+        <p:style>
+          <a:lnRef idx="1">
+            <a:schemeClr val="accent1"/>
+          </a:lnRef>
+          <a:fillRef idx="3">
+            <a:schemeClr val="accent1"/>
+          </a:fillRef>
+          <a:effectRef idx="2">
+            <a:schemeClr val="accent1"/>
+          </a:effectRef>
+          <a:fontRef idx="minor">
+            <a:schemeClr val="lt1"/>
+          </a:fontRef>
+        </p:style>
+      </p:sp>
+      <p:sp>
+        <p:nvSpPr>
+          <p:cNvPr id="2" name="Title 1">
+            <a:extLst>
+              <a:ext uri="{FF2B5EF4-FFF2-40B4-BE49-F238E27FC236}">
+                <a16:creationId xmlns:a16="http://schemas.microsoft.com/office/drawing/2014/main" id="{14C6FE33-0449-62A0-5900-09C992BB98BF}"/>
+              </a:ext>
+            </a:extLst>
+          </p:cNvPr>
+          <p:cNvSpPr>
+            <a:spLocks noGrp="1"/>
+          </p:cNvSpPr>
+          <p:nvPr>
+            <p:ph type="title"/>
+          </p:nvPr>
+        </p:nvSpPr>
+        <p:spPr>
+          <a:xfrm>
+            <a:off x="636916" y="4542503"/>
+            <a:ext cx="9184606" cy="1179870"/>
+          </a:xfrm>
+        </p:spPr>
+        <p:txBody>
+          <a:bodyPr vert="horz" lIns="91440" tIns="45720" rIns="91440" bIns="45720" rtlCol="0" anchor="b">
+            <a:normAutofit/>
+          </a:bodyPr>
+          <a:lstStyle/>
+          <a:p>
+            <a:pPr>
+              <a:lnSpc>
+                <a:spcPct val="90000"/>
+              </a:lnSpc>
+            </a:pPr>
+            <a:r>
+              <a:rPr lang="en-US" sz="7200"/>
+              <a:t>Topology</a:t>
+            </a:r>
+          </a:p>
+        </p:txBody>
+      </p:sp>
+      <p:pic>
+        <p:nvPicPr>
+          <p:cNvPr id="3" name="Kép 2" descr="A képen diagram, szöveg, kör, térkép látható&#10;&#10;Lehet, hogy a mesterséges intelligencia által generált tartalom helytelen.">
+            <a:extLst>
+              <a:ext uri="{FF2B5EF4-FFF2-40B4-BE49-F238E27FC236}">
+                <a16:creationId xmlns:a16="http://schemas.microsoft.com/office/drawing/2014/main" id="{49264A05-AD7F-9A2B-C4F9-DCE77F8FF758}"/>
+              </a:ext>
+            </a:extLst>
+          </p:cNvPr>
+          <p:cNvPicPr>
+            <a:picLocks noChangeAspect="1"/>
+          </p:cNvPicPr>
+          <p:nvPr/>
+        </p:nvPicPr>
+        <p:blipFill>
+          <a:blip r:embed="rId7"/>
+          <a:srcRect l="3747" r="-1" b="-1"/>
+          <a:stretch/>
+        </p:blipFill>
+        <p:spPr>
+          <a:xfrm>
+            <a:off x="17823" y="841"/>
+            <a:ext cx="12182574" cy="4230870"/>
+          </a:xfrm>
+          <a:prstGeom prst="rect">
+            <a:avLst/>
+          </a:prstGeom>
+          <a:effectLst>
+            <a:outerShdw blurRad="50800" dist="38100" dir="5400000" algn="t" rotWithShape="0">
+              <a:prstClr val="black">
+                <a:alpha val="43000"/>
+              </a:prstClr>
+            </a:outerShdw>
+          </a:effectLst>
+        </p:spPr>
+      </p:pic>
+    </p:spTree>
+    <p:extLst>
+      <p:ext uri="{BB962C8B-B14F-4D97-AF65-F5344CB8AC3E}">
+        <p14:creationId xmlns:p14="http://schemas.microsoft.com/office/powerpoint/2010/main" val="3563977590"/>
+      </p:ext>
+    </p:extLst>
+  </p:cSld>
+  <p:clrMapOvr>
+    <a:masterClrMapping/>
+  </p:clrMapOvr>
   <mc:AlternateContent xmlns:mc="http://schemas.openxmlformats.org/markup-compatibility/2006" xmlns:p14="http://schemas.microsoft.com/office/powerpoint/2010/main">
     <mc:Choice Requires="p14">
-      <p:transition spd="med" p14:dur="700">
-        <p:fade/>
+      <p:transition spd="slow" p14:dur="900">
+        <p14:warp dir="in"/>
       </p:transition>
     </mc:Choice>
     <mc:Fallback xmlns="">
-      <p:transition spd="med">
+      <p:transition spd="slow">
         <p:fade/>
       </p:transition>
     </mc:Fallback>
@@ -20006,7 +18319,7 @@
 </p:sld>
 </file>
 
-<file path=ppt/slides/slide45.xml><?xml version="1.0" encoding="utf-8"?>
+<file path=ppt/slides/slide40.xml><?xml version="1.0" encoding="utf-8"?>
 <p:sld xmlns:a="http://schemas.openxmlformats.org/drawingml/2006/main" xmlns:r="http://schemas.openxmlformats.org/officeDocument/2006/relationships" xmlns:p="http://schemas.openxmlformats.org/presentationml/2006/main">
   <p:cSld>
     <p:spTree>
@@ -20173,22 +18486,10 @@
   <p:clrMapOvr>
     <a:masterClrMapping/>
   </p:clrMapOvr>
-  <mc:AlternateContent xmlns:mc="http://schemas.openxmlformats.org/markup-compatibility/2006" xmlns:p14="http://schemas.microsoft.com/office/powerpoint/2010/main">
-    <mc:Choice Requires="p14">
-      <p:transition spd="med" p14:dur="700">
-        <p:fade/>
-      </p:transition>
-    </mc:Choice>
-    <mc:Fallback xmlns="">
-      <p:transition spd="med">
-        <p:fade/>
-      </p:transition>
-    </mc:Fallback>
-  </mc:AlternateContent>
 </p:sld>
 </file>
 
-<file path=ppt/slides/slide46.xml><?xml version="1.0" encoding="utf-8"?>
+<file path=ppt/slides/slide41.xml><?xml version="1.0" encoding="utf-8"?>
 <p:sld xmlns:a="http://schemas.openxmlformats.org/drawingml/2006/main" xmlns:r="http://schemas.openxmlformats.org/officeDocument/2006/relationships" xmlns:p="http://schemas.openxmlformats.org/presentationml/2006/main">
   <p:cSld>
     <p:bg>
@@ -20221,7 +18522,7 @@
                 <a16:creationId xmlns:a16="http://schemas.microsoft.com/office/drawing/2014/main" id="{A4322390-8B58-46BE-88EB-D9FD30C08743}"/>
               </a:ext>
               <a:ext uri="{C183D7F6-B498-43B3-948B-1728B52AA6E4}">
-                <adec:decorative xmlns:adec="http://schemas.microsoft.com/office/drawing/2017/decorative" val="1"/>
+                <adec:decorative xmlns="" xmlns:adec="http://schemas.microsoft.com/office/drawing/2017/decorative" val="1"/>
               </a:ext>
             </a:extLst>
           </p:cNvPr>
@@ -20428,7 +18729,7 @@
                 <a16:creationId xmlns:a16="http://schemas.microsoft.com/office/drawing/2014/main" id="{C885E190-58DD-42DD-A4A8-401E15C92A52}"/>
               </a:ext>
               <a:ext uri="{C183D7F6-B498-43B3-948B-1728B52AA6E4}">
-                <adec:decorative xmlns:adec="http://schemas.microsoft.com/office/drawing/2017/decorative" val="1"/>
+                <adec:decorative xmlns="" xmlns:adec="http://schemas.microsoft.com/office/drawing/2017/decorative" val="1"/>
               </a:ext>
             </a:extLst>
           </p:cNvPr>
@@ -20522,7 +18823,7 @@
                 <a16:creationId xmlns:a16="http://schemas.microsoft.com/office/drawing/2014/main" id="{A4322390-8B58-46BE-88EB-D9FD30C08743}"/>
               </a:ext>
               <a:ext uri="{C183D7F6-B498-43B3-948B-1728B52AA6E4}">
-                <adec:decorative xmlns:adec="http://schemas.microsoft.com/office/drawing/2017/decorative" val="1"/>
+                <adec:decorative xmlns="" xmlns:adec="http://schemas.microsoft.com/office/drawing/2017/decorative" val="1"/>
               </a:ext>
             </a:extLst>
           </p:cNvPr>
@@ -20661,7 +18962,7 @@
                 <a16:creationId xmlns:a16="http://schemas.microsoft.com/office/drawing/2014/main" id="{C885E190-58DD-42DD-A4A8-401E15C92A52}"/>
               </a:ext>
               <a:ext uri="{C183D7F6-B498-43B3-948B-1728B52AA6E4}">
-                <adec:decorative xmlns:adec="http://schemas.microsoft.com/office/drawing/2017/decorative" val="1"/>
+                <adec:decorative xmlns="" xmlns:adec="http://schemas.microsoft.com/office/drawing/2017/decorative" val="1"/>
               </a:ext>
             </a:extLst>
           </p:cNvPr>
@@ -20875,7 +19176,7 @@
                 <a16:creationId xmlns:a16="http://schemas.microsoft.com/office/drawing/2014/main" id="{0D187C4E-14B9-4504-B200-5127823FA78C}"/>
               </a:ext>
               <a:ext uri="{C183D7F6-B498-43B3-948B-1728B52AA6E4}">
-                <adec:decorative xmlns:adec="http://schemas.microsoft.com/office/drawing/2017/decorative" val="1"/>
+                <adec:decorative xmlns="" xmlns:adec="http://schemas.microsoft.com/office/drawing/2017/decorative" val="1"/>
               </a:ext>
             </a:extLst>
           </p:cNvPr>
@@ -21006,18 +19307,6 @@
   <p:clrMapOvr>
     <a:masterClrMapping/>
   </p:clrMapOvr>
-  <mc:AlternateContent xmlns:mc="http://schemas.openxmlformats.org/markup-compatibility/2006" xmlns:p14="http://schemas.microsoft.com/office/powerpoint/2010/main">
-    <mc:Choice Requires="p14">
-      <p:transition spd="med" p14:dur="700">
-        <p:fade/>
-      </p:transition>
-    </mc:Choice>
-    <mc:Fallback xmlns="">
-      <p:transition spd="med">
-        <p:fade/>
-      </p:transition>
-    </mc:Fallback>
-  </mc:AlternateContent>
 </p:sld>
 </file>
 
@@ -22465,7 +20754,7 @@
                 <a16:creationId xmlns:a16="http://schemas.microsoft.com/office/drawing/2014/main" id="{C9ECDD5C-152A-4CC7-8333-0F367B3A62EA}"/>
               </a:ext>
               <a:ext uri="{C183D7F6-B498-43B3-948B-1728B52AA6E4}">
-                <adec:decorative xmlns:adec="http://schemas.microsoft.com/office/drawing/2017/decorative" val="1"/>
+                <adec:decorative xmlns="" xmlns:adec="http://schemas.microsoft.com/office/drawing/2017/decorative" val="1"/>
               </a:ext>
             </a:extLst>
           </p:cNvPr>
@@ -22509,7 +20798,7 @@
                 <a16:creationId xmlns:a16="http://schemas.microsoft.com/office/drawing/2014/main" id="{7F5C92A3-369B-43F3-BDCE-E560B1B0EC89}"/>
               </a:ext>
               <a:ext uri="{C183D7F6-B498-43B3-948B-1728B52AA6E4}">
-                <adec:decorative xmlns:adec="http://schemas.microsoft.com/office/drawing/2017/decorative" val="1"/>
+                <adec:decorative xmlns="" xmlns:adec="http://schemas.microsoft.com/office/drawing/2017/decorative" val="1"/>
               </a:ext>
             </a:extLst>
           </p:cNvPr>
@@ -22553,7 +20842,7 @@
                 <a16:creationId xmlns:a16="http://schemas.microsoft.com/office/drawing/2014/main" id="{AEBE9F1A-B38D-446E-83AE-14B17CE77FF2}"/>
               </a:ext>
               <a:ext uri="{C183D7F6-B498-43B3-948B-1728B52AA6E4}">
-                <adec:decorative xmlns:adec="http://schemas.microsoft.com/office/drawing/2017/decorative" val="1"/>
+                <adec:decorative xmlns="" xmlns:adec="http://schemas.microsoft.com/office/drawing/2017/decorative" val="1"/>
               </a:ext>
             </a:extLst>
           </p:cNvPr>
@@ -22633,7 +20922,7 @@
                 <a16:creationId xmlns:a16="http://schemas.microsoft.com/office/drawing/2014/main" id="{915B5014-A7EC-4BA6-9C83-8840CF81DB28}"/>
               </a:ext>
               <a:ext uri="{C183D7F6-B498-43B3-948B-1728B52AA6E4}">
-                <adec:decorative xmlns:adec="http://schemas.microsoft.com/office/drawing/2017/decorative" val="1"/>
+                <adec:decorative xmlns="" xmlns:adec="http://schemas.microsoft.com/office/drawing/2017/decorative" val="1"/>
               </a:ext>
             </a:extLst>
           </p:cNvPr>
@@ -22677,7 +20966,7 @@
                 <a16:creationId xmlns:a16="http://schemas.microsoft.com/office/drawing/2014/main" id="{022C43AB-86D7-420D-8AD7-DC0A15FDD0AF}"/>
               </a:ext>
               <a:ext uri="{C183D7F6-B498-43B3-948B-1728B52AA6E4}">
-                <adec:decorative xmlns:adec="http://schemas.microsoft.com/office/drawing/2017/decorative" val="1"/>
+                <adec:decorative xmlns="" xmlns:adec="http://schemas.microsoft.com/office/drawing/2017/decorative" val="1"/>
               </a:ext>
             </a:extLst>
           </p:cNvPr>
@@ -22721,7 +21010,7 @@
                 <a16:creationId xmlns:a16="http://schemas.microsoft.com/office/drawing/2014/main" id="{5E3EB826-A471-488F-9E8A-D65528A3C0CA}"/>
               </a:ext>
               <a:ext uri="{C183D7F6-B498-43B3-948B-1728B52AA6E4}">
-                <adec:decorative xmlns:adec="http://schemas.microsoft.com/office/drawing/2017/decorative" val="1"/>
+                <adec:decorative xmlns="" xmlns:adec="http://schemas.microsoft.com/office/drawing/2017/decorative" val="1"/>
               </a:ext>
             </a:extLst>
           </p:cNvPr>
@@ -22774,7 +21063,7 @@
                 <a16:creationId xmlns:a16="http://schemas.microsoft.com/office/drawing/2014/main" id="{4309F268-A45B-4517-B03F-2774BAEFFBA6}"/>
               </a:ext>
               <a:ext uri="{C183D7F6-B498-43B3-948B-1728B52AA6E4}">
-                <adec:decorative xmlns:adec="http://schemas.microsoft.com/office/drawing/2017/decorative" val="1"/>
+                <adec:decorative xmlns="" xmlns:adec="http://schemas.microsoft.com/office/drawing/2017/decorative" val="1"/>
               </a:ext>
             </a:extLst>
           </p:cNvPr>
@@ -30952,7 +29241,7 @@
         </p:nvGraphicFramePr>
         <p:xfrm>
           <a:off x="1189404" y="2275703"/>
-          <a:ext cx="9808110" cy="2870772"/>
+          <a:ext cx="9808110" cy="2946273"/>
         </p:xfrm>
         <a:graphic>
           <a:graphicData uri="http://schemas.openxmlformats.org/drawingml/2006/table">

--- a/BorsodNet.pptx
+++ b/BorsodNet.pptx
@@ -34,27 +34,31 @@
     <p:sldId id="292" r:id="rId28"/>
     <p:sldId id="298" r:id="rId29"/>
     <p:sldId id="299" r:id="rId30"/>
-    <p:sldId id="300" r:id="rId31"/>
-    <p:sldId id="304" r:id="rId32"/>
-    <p:sldId id="301" r:id="rId33"/>
-    <p:sldId id="302" r:id="rId34"/>
-    <p:sldId id="303" r:id="rId35"/>
-    <p:sldId id="293" r:id="rId36"/>
-    <p:sldId id="275" r:id="rId37"/>
-    <p:sldId id="294" r:id="rId38"/>
-    <p:sldId id="278" r:id="rId39"/>
-    <p:sldId id="279" r:id="rId40"/>
-    <p:sldId id="270" r:id="rId41"/>
-    <p:sldId id="272" r:id="rId42"/>
-    <p:sldId id="271" r:id="rId43"/>
-    <p:sldId id="276" r:id="rId44"/>
-    <p:sldId id="277" r:id="rId45"/>
-    <p:sldId id="283" r:id="rId46"/>
-    <p:sldId id="295" r:id="rId47"/>
-    <p:sldId id="281" r:id="rId48"/>
-    <p:sldId id="282" r:id="rId49"/>
-    <p:sldId id="296" r:id="rId50"/>
-    <p:sldId id="273" r:id="rId51"/>
+    <p:sldId id="309" r:id="rId31"/>
+    <p:sldId id="312" r:id="rId32"/>
+    <p:sldId id="310" r:id="rId33"/>
+    <p:sldId id="311" r:id="rId34"/>
+    <p:sldId id="300" r:id="rId35"/>
+    <p:sldId id="304" r:id="rId36"/>
+    <p:sldId id="301" r:id="rId37"/>
+    <p:sldId id="302" r:id="rId38"/>
+    <p:sldId id="303" r:id="rId39"/>
+    <p:sldId id="293" r:id="rId40"/>
+    <p:sldId id="275" r:id="rId41"/>
+    <p:sldId id="294" r:id="rId42"/>
+    <p:sldId id="278" r:id="rId43"/>
+    <p:sldId id="279" r:id="rId44"/>
+    <p:sldId id="270" r:id="rId45"/>
+    <p:sldId id="272" r:id="rId46"/>
+    <p:sldId id="271" r:id="rId47"/>
+    <p:sldId id="276" r:id="rId48"/>
+    <p:sldId id="277" r:id="rId49"/>
+    <p:sldId id="283" r:id="rId50"/>
+    <p:sldId id="295" r:id="rId51"/>
+    <p:sldId id="281" r:id="rId52"/>
+    <p:sldId id="282" r:id="rId53"/>
+    <p:sldId id="296" r:id="rId54"/>
+    <p:sldId id="273" r:id="rId55"/>
   </p:sldIdLst>
   <p:sldSz cx="12192000" cy="6858000"/>
   <p:notesSz cx="6858000" cy="9144000"/>
@@ -165,7 +169,7 @@
 <p1510:revInfo xmlns:a="http://schemas.openxmlformats.org/drawingml/2006/main" xmlns:r="http://schemas.openxmlformats.org/officeDocument/2006/relationships" xmlns:p1510="http://schemas.microsoft.com/office/powerpoint/2015/10/main">
   <p1510:revLst>
     <p1510:client id="{30CA4A85-AF90-295C-8D38-AA50E8AFAF55}" v="234" dt="2025-03-17T11:18:38.149"/>
-    <p1510:client id="{C766CDF1-C6F3-F1D1-A60D-8ED6C0F87FF6}" v="557" dt="2025-03-17T09:12:45.245"/>
+    <p1510:client id="{BE1144B1-0F23-1DAC-49FE-4F762E2B47C2}" v="248" dt="2025-03-19T10:25:13.276"/>
     <p1510:client id="{FF2DDE22-F4D8-F6EB-D28D-483D37AAEA1B}" v="330" dt="2025-03-19T08:44:25.576"/>
   </p1510:revLst>
 </p1510:revInfo>
@@ -764,6 +768,454 @@
             <ac:spMk id="2" creationId="{00000000-0000-0000-0000-000000000000}"/>
           </ac:spMkLst>
         </pc:spChg>
+      </pc:sldChg>
+    </pc:docChg>
+  </pc:docChgLst>
+  <pc:docChgLst>
+    <pc:chgData name="Kristóf Lajka" userId="5e6963896e59b084" providerId="Windows Live" clId="Web-{BE1144B1-0F23-1DAC-49FE-4F762E2B47C2}"/>
+    <pc:docChg chg="addSld delSld modSld">
+      <pc:chgData name="Kristóf Lajka" userId="5e6963896e59b084" providerId="Windows Live" clId="Web-{BE1144B1-0F23-1DAC-49FE-4F762E2B47C2}" dt="2025-03-19T10:25:12.760" v="188" actId="20577"/>
+      <pc:docMkLst>
+        <pc:docMk/>
+      </pc:docMkLst>
+      <pc:sldChg chg="addSp delSp modSp">
+        <pc:chgData name="Kristóf Lajka" userId="5e6963896e59b084" providerId="Windows Live" clId="Web-{BE1144B1-0F23-1DAC-49FE-4F762E2B47C2}" dt="2025-03-19T10:25:12.760" v="188" actId="20577"/>
+        <pc:sldMkLst>
+          <pc:docMk/>
+          <pc:sldMk cId="3618638592" sldId="283"/>
+        </pc:sldMkLst>
+        <pc:spChg chg="add del mod">
+          <ac:chgData name="Kristóf Lajka" userId="5e6963896e59b084" providerId="Windows Live" clId="Web-{BE1144B1-0F23-1DAC-49FE-4F762E2B47C2}" dt="2025-03-19T10:24:36.101" v="162"/>
+          <ac:spMkLst>
+            <pc:docMk/>
+            <pc:sldMk cId="3618638592" sldId="283"/>
+            <ac:spMk id="6" creationId="{CCA790E2-00FB-3E42-767B-0D145409FCD9}"/>
+          </ac:spMkLst>
+        </pc:spChg>
+        <pc:spChg chg="add mod">
+          <ac:chgData name="Kristóf Lajka" userId="5e6963896e59b084" providerId="Windows Live" clId="Web-{BE1144B1-0F23-1DAC-49FE-4F762E2B47C2}" dt="2025-03-19T10:24:57.103" v="175" actId="20577"/>
+          <ac:spMkLst>
+            <pc:docMk/>
+            <pc:sldMk cId="3618638592" sldId="283"/>
+            <ac:spMk id="8" creationId="{8F30289D-AE55-ECFF-B264-13304795663A}"/>
+          </ac:spMkLst>
+        </pc:spChg>
+        <pc:spChg chg="add mod">
+          <ac:chgData name="Kristóf Lajka" userId="5e6963896e59b084" providerId="Windows Live" clId="Web-{BE1144B1-0F23-1DAC-49FE-4F762E2B47C2}" dt="2025-03-19T10:25:12.760" v="188" actId="20577"/>
+          <ac:spMkLst>
+            <pc:docMk/>
+            <pc:sldMk cId="3618638592" sldId="283"/>
+            <ac:spMk id="9" creationId="{0B61EA5F-1B51-16A2-0DBA-C8A96D35568F}"/>
+          </ac:spMkLst>
+        </pc:spChg>
+        <pc:picChg chg="add del mod">
+          <ac:chgData name="Kristóf Lajka" userId="5e6963896e59b084" providerId="Windows Live" clId="Web-{BE1144B1-0F23-1DAC-49FE-4F762E2B47C2}" dt="2025-03-19T10:25:00.822" v="176" actId="1076"/>
+          <ac:picMkLst>
+            <pc:docMk/>
+            <pc:sldMk cId="3618638592" sldId="283"/>
+            <ac:picMk id="4" creationId="{8A7BBBC8-C573-DF2C-D39B-1A001C062689}"/>
+          </ac:picMkLst>
+        </pc:picChg>
+        <pc:picChg chg="mod">
+          <ac:chgData name="Kristóf Lajka" userId="5e6963896e59b084" providerId="Windows Live" clId="Web-{BE1144B1-0F23-1DAC-49FE-4F762E2B47C2}" dt="2025-03-19T10:24:48.790" v="166" actId="1076"/>
+          <ac:picMkLst>
+            <pc:docMk/>
+            <pc:sldMk cId="3618638592" sldId="283"/>
+            <ac:picMk id="5" creationId="{1B8E04BC-4DA6-8A22-5651-1163827EE02E}"/>
+          </ac:picMkLst>
+        </pc:picChg>
+        <pc:picChg chg="add mod">
+          <ac:chgData name="Kristóf Lajka" userId="5e6963896e59b084" providerId="Windows Live" clId="Web-{BE1144B1-0F23-1DAC-49FE-4F762E2B47C2}" dt="2025-03-19T10:24:46.977" v="165" actId="1076"/>
+          <ac:picMkLst>
+            <pc:docMk/>
+            <pc:sldMk cId="3618638592" sldId="283"/>
+            <ac:picMk id="7" creationId="{522E3769-64E1-6A70-3A42-C31CC3392F66}"/>
+          </ac:picMkLst>
+        </pc:picChg>
+      </pc:sldChg>
+      <pc:sldChg chg="addSp delSp modSp mod setBg">
+        <pc:chgData name="Kristóf Lajka" userId="5e6963896e59b084" providerId="Windows Live" clId="Web-{BE1144B1-0F23-1DAC-49FE-4F762E2B47C2}" dt="2025-03-19T10:22:40.765" v="158" actId="20577"/>
+        <pc:sldMkLst>
+          <pc:docMk/>
+          <pc:sldMk cId="3680533596" sldId="298"/>
+        </pc:sldMkLst>
+        <pc:spChg chg="mod">
+          <ac:chgData name="Kristóf Lajka" userId="5e6963896e59b084" providerId="Windows Live" clId="Web-{BE1144B1-0F23-1DAC-49FE-4F762E2B47C2}" dt="2025-03-19T10:22:40.765" v="158" actId="20577"/>
+          <ac:spMkLst>
+            <pc:docMk/>
+            <pc:sldMk cId="3680533596" sldId="298"/>
+            <ac:spMk id="2" creationId="{3D170FFE-FE17-FE29-166E-8197BFA15920}"/>
+          </ac:spMkLst>
+        </pc:spChg>
+        <pc:spChg chg="add del">
+          <ac:chgData name="Kristóf Lajka" userId="5e6963896e59b084" providerId="Windows Live" clId="Web-{BE1144B1-0F23-1DAC-49FE-4F762E2B47C2}" dt="2025-03-19T10:22:15.091" v="155"/>
+          <ac:spMkLst>
+            <pc:docMk/>
+            <pc:sldMk cId="3680533596" sldId="298"/>
+            <ac:spMk id="11" creationId="{ECD2CC43-DFB5-D617-FD01-AE537280493A}"/>
+          </ac:spMkLst>
+        </pc:spChg>
+        <pc:spChg chg="add">
+          <ac:chgData name="Kristóf Lajka" userId="5e6963896e59b084" providerId="Windows Live" clId="Web-{BE1144B1-0F23-1DAC-49FE-4F762E2B47C2}" dt="2025-03-19T10:22:05.215" v="153"/>
+          <ac:spMkLst>
+            <pc:docMk/>
+            <pc:sldMk cId="3680533596" sldId="298"/>
+            <ac:spMk id="14" creationId="{F39D3E2F-9AB0-4CB6-9F0C-2645BE7D709D}"/>
+          </ac:spMkLst>
+        </pc:spChg>
+        <pc:picChg chg="add mod modCrop">
+          <ac:chgData name="Kristóf Lajka" userId="5e6963896e59b084" providerId="Windows Live" clId="Web-{BE1144B1-0F23-1DAC-49FE-4F762E2B47C2}" dt="2025-03-19T10:22:05.215" v="153"/>
+          <ac:picMkLst>
+            <pc:docMk/>
+            <pc:sldMk cId="3680533596" sldId="298"/>
+            <ac:picMk id="3" creationId="{665A9860-3ECC-46FF-C0E3-9FB026279B68}"/>
+          </ac:picMkLst>
+        </pc:picChg>
+        <pc:picChg chg="mod ord">
+          <ac:chgData name="Kristóf Lajka" userId="5e6963896e59b084" providerId="Windows Live" clId="Web-{BE1144B1-0F23-1DAC-49FE-4F762E2B47C2}" dt="2025-03-19T10:22:05.215" v="153"/>
+          <ac:picMkLst>
+            <pc:docMk/>
+            <pc:sldMk cId="3680533596" sldId="298"/>
+            <ac:picMk id="4" creationId="{AD9186D2-5B81-71B8-A9E7-33B3AD9896D2}"/>
+          </ac:picMkLst>
+        </pc:picChg>
+        <pc:picChg chg="add del mod">
+          <ac:chgData name="Kristóf Lajka" userId="5e6963896e59b084" providerId="Windows Live" clId="Web-{BE1144B1-0F23-1DAC-49FE-4F762E2B47C2}" dt="2025-03-19T10:20:14.348" v="126"/>
+          <ac:picMkLst>
+            <pc:docMk/>
+            <pc:sldMk cId="3680533596" sldId="298"/>
+            <ac:picMk id="5" creationId="{1E8EF1AA-B303-3A71-D7DE-8BB2469D7077}"/>
+          </ac:picMkLst>
+        </pc:picChg>
+        <pc:picChg chg="add del mod modCrop">
+          <ac:chgData name="Kristóf Lajka" userId="5e6963896e59b084" providerId="Windows Live" clId="Web-{BE1144B1-0F23-1DAC-49FE-4F762E2B47C2}" dt="2025-03-19T10:21:07.477" v="135"/>
+          <ac:picMkLst>
+            <pc:docMk/>
+            <pc:sldMk cId="3680533596" sldId="298"/>
+            <ac:picMk id="6" creationId="{3D71715A-6E46-4F73-69B0-1CF2D6B253CC}"/>
+          </ac:picMkLst>
+        </pc:picChg>
+        <pc:picChg chg="add mod modCrop">
+          <ac:chgData name="Kristóf Lajka" userId="5e6963896e59b084" providerId="Windows Live" clId="Web-{BE1144B1-0F23-1DAC-49FE-4F762E2B47C2}" dt="2025-03-19T10:22:10.169" v="154" actId="14100"/>
+          <ac:picMkLst>
+            <pc:docMk/>
+            <pc:sldMk cId="3680533596" sldId="298"/>
+            <ac:picMk id="7" creationId="{68DDBD90-E8BA-00F2-DE25-5E94430DBD0D}"/>
+          </ac:picMkLst>
+        </pc:picChg>
+        <pc:picChg chg="add del mod">
+          <ac:chgData name="Kristóf Lajka" userId="5e6963896e59b084" providerId="Windows Live" clId="Web-{BE1144B1-0F23-1DAC-49FE-4F762E2B47C2}" dt="2025-03-19T10:21:33.933" v="141"/>
+          <ac:picMkLst>
+            <pc:docMk/>
+            <pc:sldMk cId="3680533596" sldId="298"/>
+            <ac:picMk id="8" creationId="{1199F085-1B10-A6C2-5734-901DC6D0FC02}"/>
+          </ac:picMkLst>
+        </pc:picChg>
+        <pc:cxnChg chg="add">
+          <ac:chgData name="Kristóf Lajka" userId="5e6963896e59b084" providerId="Windows Live" clId="Web-{BE1144B1-0F23-1DAC-49FE-4F762E2B47C2}" dt="2025-03-19T10:22:05.215" v="153"/>
+          <ac:cxnSpMkLst>
+            <pc:docMk/>
+            <pc:sldMk cId="3680533596" sldId="298"/>
+            <ac:cxnSpMk id="16" creationId="{169C63AC-F81B-4A83-929A-8350AA47146E}"/>
+          </ac:cxnSpMkLst>
+        </pc:cxnChg>
+        <pc:cxnChg chg="add">
+          <ac:chgData name="Kristóf Lajka" userId="5e6963896e59b084" providerId="Windows Live" clId="Web-{BE1144B1-0F23-1DAC-49FE-4F762E2B47C2}" dt="2025-03-19T10:22:05.215" v="153"/>
+          <ac:cxnSpMkLst>
+            <pc:docMk/>
+            <pc:sldMk cId="3680533596" sldId="298"/>
+            <ac:cxnSpMk id="18" creationId="{2345B159-B1C1-44FE-9671-A618F09D68EC}"/>
+          </ac:cxnSpMkLst>
+        </pc:cxnChg>
+      </pc:sldChg>
+      <pc:sldChg chg="addSp delSp modSp">
+        <pc:chgData name="Kristóf Lajka" userId="5e6963896e59b084" providerId="Windows Live" clId="Web-{BE1144B1-0F23-1DAC-49FE-4F762E2B47C2}" dt="2025-03-19T10:14:34.074" v="13" actId="20577"/>
+        <pc:sldMkLst>
+          <pc:docMk/>
+          <pc:sldMk cId="3242572730" sldId="299"/>
+        </pc:sldMkLst>
+        <pc:spChg chg="mod">
+          <ac:chgData name="Kristóf Lajka" userId="5e6963896e59b084" providerId="Windows Live" clId="Web-{BE1144B1-0F23-1DAC-49FE-4F762E2B47C2}" dt="2025-03-19T10:14:34.074" v="13" actId="20577"/>
+          <ac:spMkLst>
+            <pc:docMk/>
+            <pc:sldMk cId="3242572730" sldId="299"/>
+            <ac:spMk id="2" creationId="{F7954DA2-A3EE-A0F6-1EA5-90C15F89CDA6}"/>
+          </ac:spMkLst>
+        </pc:spChg>
+        <pc:picChg chg="add del mod">
+          <ac:chgData name="Kristóf Lajka" userId="5e6963896e59b084" providerId="Windows Live" clId="Web-{BE1144B1-0F23-1DAC-49FE-4F762E2B47C2}" dt="2025-03-19T10:14:23.730" v="4"/>
+          <ac:picMkLst>
+            <pc:docMk/>
+            <pc:sldMk cId="3242572730" sldId="299"/>
+            <ac:picMk id="3" creationId="{7935995B-DAA9-C11C-842B-9EC852B3C2C2}"/>
+          </ac:picMkLst>
+        </pc:picChg>
+        <pc:picChg chg="mod">
+          <ac:chgData name="Kristóf Lajka" userId="5e6963896e59b084" providerId="Windows Live" clId="Web-{BE1144B1-0F23-1DAC-49FE-4F762E2B47C2}" dt="2025-03-19T10:14:26.761" v="6" actId="1076"/>
+          <ac:picMkLst>
+            <pc:docMk/>
+            <pc:sldMk cId="3242572730" sldId="299"/>
+            <ac:picMk id="4" creationId="{C977240F-71D8-CBDA-340A-7C4EF93FD1DB}"/>
+          </ac:picMkLst>
+        </pc:picChg>
+        <pc:picChg chg="del">
+          <ac:chgData name="Kristóf Lajka" userId="5e6963896e59b084" providerId="Windows Live" clId="Web-{BE1144B1-0F23-1DAC-49FE-4F762E2B47C2}" dt="2025-03-19T10:13:43.992" v="0"/>
+          <ac:picMkLst>
+            <pc:docMk/>
+            <pc:sldMk cId="3242572730" sldId="299"/>
+            <ac:picMk id="5" creationId="{6510D0A9-A6DE-39B1-6CF1-FFD13FC7E140}"/>
+          </ac:picMkLst>
+        </pc:picChg>
+      </pc:sldChg>
+      <pc:sldChg chg="addSp delSp modSp new">
+        <pc:chgData name="Kristóf Lajka" userId="5e6963896e59b084" providerId="Windows Live" clId="Web-{BE1144B1-0F23-1DAC-49FE-4F762E2B47C2}" dt="2025-03-19T10:15:11.874" v="41" actId="14100"/>
+        <pc:sldMkLst>
+          <pc:docMk/>
+          <pc:sldMk cId="959707150" sldId="309"/>
+        </pc:sldMkLst>
+        <pc:spChg chg="mod">
+          <ac:chgData name="Kristóf Lajka" userId="5e6963896e59b084" providerId="Windows Live" clId="Web-{BE1144B1-0F23-1DAC-49FE-4F762E2B47C2}" dt="2025-03-19T10:15:11.874" v="41" actId="14100"/>
+          <ac:spMkLst>
+            <pc:docMk/>
+            <pc:sldMk cId="959707150" sldId="309"/>
+            <ac:spMk id="2" creationId="{DB1B6DE7-906F-7FCD-27AD-2BE21D4352D1}"/>
+          </ac:spMkLst>
+        </pc:spChg>
+        <pc:spChg chg="del">
+          <ac:chgData name="Kristóf Lajka" userId="5e6963896e59b084" providerId="Windows Live" clId="Web-{BE1144B1-0F23-1DAC-49FE-4F762E2B47C2}" dt="2025-03-19T10:14:56.607" v="28"/>
+          <ac:spMkLst>
+            <pc:docMk/>
+            <pc:sldMk cId="959707150" sldId="309"/>
+            <ac:spMk id="3" creationId="{FB23B9F2-8654-D1ED-C51B-69A83E24FF82}"/>
+          </ac:spMkLst>
+        </pc:spChg>
+        <pc:picChg chg="add mod ord">
+          <ac:chgData name="Kristóf Lajka" userId="5e6963896e59b084" providerId="Windows Live" clId="Web-{BE1144B1-0F23-1DAC-49FE-4F762E2B47C2}" dt="2025-03-19T10:15:00.248" v="30" actId="1076"/>
+          <ac:picMkLst>
+            <pc:docMk/>
+            <pc:sldMk cId="959707150" sldId="309"/>
+            <ac:picMk id="4" creationId="{F0DC5C02-BEDD-5A03-01D8-108F2F11D358}"/>
+          </ac:picMkLst>
+        </pc:picChg>
+      </pc:sldChg>
+      <pc:sldChg chg="addSp delSp modSp new mod setBg">
+        <pc:chgData name="Kristóf Lajka" userId="5e6963896e59b084" providerId="Windows Live" clId="Web-{BE1144B1-0F23-1DAC-49FE-4F762E2B47C2}" dt="2025-03-19T10:18:23.200" v="78"/>
+        <pc:sldMkLst>
+          <pc:docMk/>
+          <pc:sldMk cId="3061825421" sldId="310"/>
+        </pc:sldMkLst>
+        <pc:spChg chg="mod">
+          <ac:chgData name="Kristóf Lajka" userId="5e6963896e59b084" providerId="Windows Live" clId="Web-{BE1144B1-0F23-1DAC-49FE-4F762E2B47C2}" dt="2025-03-19T10:18:00.792" v="73" actId="20577"/>
+          <ac:spMkLst>
+            <pc:docMk/>
+            <pc:sldMk cId="3061825421" sldId="310"/>
+            <ac:spMk id="2" creationId="{E5437A04-8FE3-0CAD-B8DE-4E4FCFE4C833}"/>
+          </ac:spMkLst>
+        </pc:spChg>
+        <pc:spChg chg="del">
+          <ac:chgData name="Kristóf Lajka" userId="5e6963896e59b084" providerId="Windows Live" clId="Web-{BE1144B1-0F23-1DAC-49FE-4F762E2B47C2}" dt="2025-03-19T10:16:20.597" v="47"/>
+          <ac:spMkLst>
+            <pc:docMk/>
+            <pc:sldMk cId="3061825421" sldId="310"/>
+            <ac:spMk id="3" creationId="{9778E9EE-CA31-8500-E436-77868CC1976D}"/>
+          </ac:spMkLst>
+        </pc:spChg>
+        <pc:spChg chg="add del">
+          <ac:chgData name="Kristóf Lajka" userId="5e6963896e59b084" providerId="Windows Live" clId="Web-{BE1144B1-0F23-1DAC-49FE-4F762E2B47C2}" dt="2025-03-19T10:17:43.759" v="70"/>
+          <ac:spMkLst>
+            <pc:docMk/>
+            <pc:sldMk cId="3061825421" sldId="310"/>
+            <ac:spMk id="15" creationId="{FFD74693-C07F-483F-8700-DA23A64B7E76}"/>
+          </ac:spMkLst>
+        </pc:spChg>
+        <pc:spChg chg="add del">
+          <ac:chgData name="Kristóf Lajka" userId="5e6963896e59b084" providerId="Windows Live" clId="Web-{BE1144B1-0F23-1DAC-49FE-4F762E2B47C2}" dt="2025-03-19T10:17:43.759" v="70"/>
+          <ac:spMkLst>
+            <pc:docMk/>
+            <pc:sldMk cId="3061825421" sldId="310"/>
+            <ac:spMk id="21" creationId="{A205A82E-DA0F-418E-9EEC-3862AAC3679E}"/>
+          </ac:spMkLst>
+        </pc:spChg>
+        <pc:spChg chg="add del">
+          <ac:chgData name="Kristóf Lajka" userId="5e6963896e59b084" providerId="Windows Live" clId="Web-{BE1144B1-0F23-1DAC-49FE-4F762E2B47C2}" dt="2025-03-19T10:17:49.822" v="71"/>
+          <ac:spMkLst>
+            <pc:docMk/>
+            <pc:sldMk cId="3061825421" sldId="310"/>
+            <ac:spMk id="25" creationId="{172AA54B-29ED-89BC-7E38-2FC2F19895CB}"/>
+          </ac:spMkLst>
+        </pc:spChg>
+        <pc:spChg chg="add">
+          <ac:chgData name="Kristóf Lajka" userId="5e6963896e59b084" providerId="Windows Live" clId="Web-{BE1144B1-0F23-1DAC-49FE-4F762E2B47C2}" dt="2025-03-19T10:17:43.759" v="70"/>
+          <ac:spMkLst>
+            <pc:docMk/>
+            <pc:sldMk cId="3061825421" sldId="310"/>
+            <ac:spMk id="28" creationId="{90057C55-0717-453E-A5DA-677D79D42D18}"/>
+          </ac:spMkLst>
+        </pc:spChg>
+        <pc:picChg chg="add mod ord">
+          <ac:chgData name="Kristóf Lajka" userId="5e6963896e59b084" providerId="Windows Live" clId="Web-{BE1144B1-0F23-1DAC-49FE-4F762E2B47C2}" dt="2025-03-19T10:18:19.059" v="77" actId="14100"/>
+          <ac:picMkLst>
+            <pc:docMk/>
+            <pc:sldMk cId="3061825421" sldId="310"/>
+            <ac:picMk id="4" creationId="{1180852B-3DA9-741C-01C9-D2CFA5ADFC60}"/>
+          </ac:picMkLst>
+        </pc:picChg>
+        <pc:picChg chg="add mod ord">
+          <ac:chgData name="Kristóf Lajka" userId="5e6963896e59b084" providerId="Windows Live" clId="Web-{BE1144B1-0F23-1DAC-49FE-4F762E2B47C2}" dt="2025-03-19T10:18:11.136" v="74" actId="14100"/>
+          <ac:picMkLst>
+            <pc:docMk/>
+            <pc:sldMk cId="3061825421" sldId="310"/>
+            <ac:picMk id="5" creationId="{FA6EA158-68A4-9EAC-8BCF-A3A987F85D03}"/>
+          </ac:picMkLst>
+        </pc:picChg>
+        <pc:picChg chg="add mod ord">
+          <ac:chgData name="Kristóf Lajka" userId="5e6963896e59b084" providerId="Windows Live" clId="Web-{BE1144B1-0F23-1DAC-49FE-4F762E2B47C2}" dt="2025-03-19T10:18:16.543" v="76" actId="14100"/>
+          <ac:picMkLst>
+            <pc:docMk/>
+            <pc:sldMk cId="3061825421" sldId="310"/>
+            <ac:picMk id="6" creationId="{EEC93C23-6A11-59AC-542D-C8BD62B24DE4}"/>
+          </ac:picMkLst>
+        </pc:picChg>
+        <pc:picChg chg="add mod ord modCrop">
+          <ac:chgData name="Kristóf Lajka" userId="5e6963896e59b084" providerId="Windows Live" clId="Web-{BE1144B1-0F23-1DAC-49FE-4F762E2B47C2}" dt="2025-03-19T10:18:23.200" v="78"/>
+          <ac:picMkLst>
+            <pc:docMk/>
+            <pc:sldMk cId="3061825421" sldId="310"/>
+            <ac:picMk id="7" creationId="{BA2B5799-960B-A2B6-EB24-8FF9C81F5D30}"/>
+          </ac:picMkLst>
+        </pc:picChg>
+        <pc:picChg chg="add">
+          <ac:chgData name="Kristóf Lajka" userId="5e6963896e59b084" providerId="Windows Live" clId="Web-{BE1144B1-0F23-1DAC-49FE-4F762E2B47C2}" dt="2025-03-19T10:17:10.445" v="61"/>
+          <ac:picMkLst>
+            <pc:docMk/>
+            <pc:sldMk cId="3061825421" sldId="310"/>
+            <ac:picMk id="11" creationId="{D3BD322D-4B63-461D-895F-B34FAEC355ED}"/>
+          </ac:picMkLst>
+        </pc:picChg>
+        <pc:picChg chg="add del">
+          <ac:chgData name="Kristóf Lajka" userId="5e6963896e59b084" providerId="Windows Live" clId="Web-{BE1144B1-0F23-1DAC-49FE-4F762E2B47C2}" dt="2025-03-19T10:17:43.759" v="70"/>
+          <ac:picMkLst>
+            <pc:docMk/>
+            <pc:sldMk cId="3061825421" sldId="310"/>
+            <ac:picMk id="13" creationId="{5DD5F700-1563-4C8E-8B54-07C9C03074D6}"/>
+          </ac:picMkLst>
+        </pc:picChg>
+        <pc:picChg chg="add">
+          <ac:chgData name="Kristóf Lajka" userId="5e6963896e59b084" providerId="Windows Live" clId="Web-{BE1144B1-0F23-1DAC-49FE-4F762E2B47C2}" dt="2025-03-19T10:17:10.445" v="61"/>
+          <ac:picMkLst>
+            <pc:docMk/>
+            <pc:sldMk cId="3061825421" sldId="310"/>
+            <ac:picMk id="17" creationId="{A03C78E4-BC36-43A7-B1ED-A5FADF22BF3C}"/>
+          </ac:picMkLst>
+        </pc:picChg>
+        <pc:picChg chg="add del">
+          <ac:chgData name="Kristóf Lajka" userId="5e6963896e59b084" providerId="Windows Live" clId="Web-{BE1144B1-0F23-1DAC-49FE-4F762E2B47C2}" dt="2025-03-19T10:17:43.759" v="70"/>
+          <ac:picMkLst>
+            <pc:docMk/>
+            <pc:sldMk cId="3061825421" sldId="310"/>
+            <ac:picMk id="19" creationId="{D39A7798-E0AD-4EEC-B122-C569DAA1D12D}"/>
+          </ac:picMkLst>
+        </pc:picChg>
+      </pc:sldChg>
+      <pc:sldChg chg="addSp delSp modSp new">
+        <pc:chgData name="Kristóf Lajka" userId="5e6963896e59b084" providerId="Windows Live" clId="Web-{BE1144B1-0F23-1DAC-49FE-4F762E2B47C2}" dt="2025-03-19T10:19:23.532" v="114" actId="14100"/>
+        <pc:sldMkLst>
+          <pc:docMk/>
+          <pc:sldMk cId="3675772234" sldId="311"/>
+        </pc:sldMkLst>
+        <pc:spChg chg="mod">
+          <ac:chgData name="Kristóf Lajka" userId="5e6963896e59b084" providerId="Windows Live" clId="Web-{BE1144B1-0F23-1DAC-49FE-4F762E2B47C2}" dt="2025-03-19T10:18:33.716" v="88" actId="20577"/>
+          <ac:spMkLst>
+            <pc:docMk/>
+            <pc:sldMk cId="3675772234" sldId="311"/>
+            <ac:spMk id="2" creationId="{6FE640CC-ABCF-8254-395B-9BE45123C1FF}"/>
+          </ac:spMkLst>
+        </pc:spChg>
+        <pc:spChg chg="del">
+          <ac:chgData name="Kristóf Lajka" userId="5e6963896e59b084" providerId="Windows Live" clId="Web-{BE1144B1-0F23-1DAC-49FE-4F762E2B47C2}" dt="2025-03-19T10:18:37.419" v="89"/>
+          <ac:spMkLst>
+            <pc:docMk/>
+            <pc:sldMk cId="3675772234" sldId="311"/>
+            <ac:spMk id="3" creationId="{F6F77E0F-0388-339A-2A18-140A62F5C154}"/>
+          </ac:spMkLst>
+        </pc:spChg>
+        <pc:spChg chg="add mod">
+          <ac:chgData name="Kristóf Lajka" userId="5e6963896e59b084" providerId="Windows Live" clId="Web-{BE1144B1-0F23-1DAC-49FE-4F762E2B47C2}" dt="2025-03-19T10:19:23.532" v="114" actId="14100"/>
+          <ac:spMkLst>
+            <pc:docMk/>
+            <pc:sldMk cId="3675772234" sldId="311"/>
+            <ac:spMk id="6" creationId="{F23D8FC1-CF17-C6C3-86C7-7FB5345D901F}"/>
+          </ac:spMkLst>
+        </pc:spChg>
+        <pc:picChg chg="add mod ord">
+          <ac:chgData name="Kristóf Lajka" userId="5e6963896e59b084" providerId="Windows Live" clId="Web-{BE1144B1-0F23-1DAC-49FE-4F762E2B47C2}" dt="2025-03-19T10:18:39.516" v="90" actId="1076"/>
+          <ac:picMkLst>
+            <pc:docMk/>
+            <pc:sldMk cId="3675772234" sldId="311"/>
+            <ac:picMk id="4" creationId="{A5088C59-946D-CF86-BDEA-2B893864D59E}"/>
+          </ac:picMkLst>
+        </pc:picChg>
+        <pc:picChg chg="add mod">
+          <ac:chgData name="Kristóf Lajka" userId="5e6963896e59b084" providerId="Windows Live" clId="Web-{BE1144B1-0F23-1DAC-49FE-4F762E2B47C2}" dt="2025-03-19T10:18:56.718" v="93" actId="1076"/>
+          <ac:picMkLst>
+            <pc:docMk/>
+            <pc:sldMk cId="3675772234" sldId="311"/>
+            <ac:picMk id="5" creationId="{B387BAC6-166F-3D58-73AF-954DE78B2F7F}"/>
+          </ac:picMkLst>
+        </pc:picChg>
+      </pc:sldChg>
+      <pc:sldChg chg="modSp new del">
+        <pc:chgData name="Kristóf Lajka" userId="5e6963896e59b084" providerId="Windows Live" clId="Web-{BE1144B1-0F23-1DAC-49FE-4F762E2B47C2}" dt="2025-03-19T10:19:48.206" v="121"/>
+        <pc:sldMkLst>
+          <pc:docMk/>
+          <pc:sldMk cId="447695251" sldId="312"/>
+        </pc:sldMkLst>
+        <pc:spChg chg="mod">
+          <ac:chgData name="Kristóf Lajka" userId="5e6963896e59b084" providerId="Windows Live" clId="Web-{BE1144B1-0F23-1DAC-49FE-4F762E2B47C2}" dt="2025-03-19T10:19:46.018" v="120" actId="20577"/>
+          <ac:spMkLst>
+            <pc:docMk/>
+            <pc:sldMk cId="447695251" sldId="312"/>
+            <ac:spMk id="2" creationId="{FA4FF963-F5E0-9609-B3FE-2C3D5AD25263}"/>
+          </ac:spMkLst>
+        </pc:spChg>
+      </pc:sldChg>
+      <pc:sldChg chg="addSp delSp modSp new">
+        <pc:chgData name="Kristóf Lajka" userId="5e6963896e59b084" providerId="Windows Live" clId="Web-{BE1144B1-0F23-1DAC-49FE-4F762E2B47C2}" dt="2025-03-19T10:21:56.058" v="152" actId="1076"/>
+        <pc:sldMkLst>
+          <pc:docMk/>
+          <pc:sldMk cId="3512241037" sldId="312"/>
+        </pc:sldMkLst>
+        <pc:spChg chg="mod">
+          <ac:chgData name="Kristóf Lajka" userId="5e6963896e59b084" providerId="Windows Live" clId="Web-{BE1144B1-0F23-1DAC-49FE-4F762E2B47C2}" dt="2025-03-19T10:21:43.229" v="146" actId="20577"/>
+          <ac:spMkLst>
+            <pc:docMk/>
+            <pc:sldMk cId="3512241037" sldId="312"/>
+            <ac:spMk id="2" creationId="{63630914-4136-A494-B2F4-A6D6A271FA10}"/>
+          </ac:spMkLst>
+        </pc:spChg>
+        <pc:spChg chg="del">
+          <ac:chgData name="Kristóf Lajka" userId="5e6963896e59b084" providerId="Windows Live" clId="Web-{BE1144B1-0F23-1DAC-49FE-4F762E2B47C2}" dt="2025-03-19T10:21:48.574" v="147"/>
+          <ac:spMkLst>
+            <pc:docMk/>
+            <pc:sldMk cId="3512241037" sldId="312"/>
+            <ac:spMk id="3" creationId="{880F37C8-7EEA-8FD2-45E9-9D89BE2F30B0}"/>
+          </ac:spMkLst>
+        </pc:spChg>
+        <pc:picChg chg="add mod ord">
+          <ac:chgData name="Kristóf Lajka" userId="5e6963896e59b084" providerId="Windows Live" clId="Web-{BE1144B1-0F23-1DAC-49FE-4F762E2B47C2}" dt="2025-03-19T10:21:56.058" v="152" actId="1076"/>
+          <ac:picMkLst>
+            <pc:docMk/>
+            <pc:sldMk cId="3512241037" sldId="312"/>
+            <ac:picMk id="4" creationId="{47F854D0-F80E-854E-5F62-1DEAA05342C5}"/>
+          </ac:picMkLst>
+        </pc:picChg>
+      </pc:sldChg>
+      <pc:sldChg chg="new del">
+        <pc:chgData name="Kristóf Lajka" userId="5e6963896e59b084" providerId="Windows Live" clId="Web-{BE1144B1-0F23-1DAC-49FE-4F762E2B47C2}" dt="2025-03-19T10:24:00.083" v="160"/>
+        <pc:sldMkLst>
+          <pc:docMk/>
+          <pc:sldMk cId="2837530886" sldId="313"/>
+        </pc:sldMkLst>
       </pc:sldChg>
     </pc:docChg>
   </pc:docChgLst>
@@ -16841,6 +17293,28 @@
 <file path=ppt/slides/slide28.xml><?xml version="1.0" encoding="utf-8"?>
 <p:sld xmlns:a="http://schemas.openxmlformats.org/drawingml/2006/main" xmlns:r="http://schemas.openxmlformats.org/officeDocument/2006/relationships" xmlns:p="http://schemas.openxmlformats.org/presentationml/2006/main">
   <p:cSld>
+    <p:bg>
+      <p:bgPr>
+        <a:blipFill rotWithShape="1">
+          <a:blip r:embed="rId2">
+            <a:duotone>
+              <a:schemeClr val="bg2">
+                <a:shade val="42000"/>
+                <a:hueMod val="42000"/>
+                <a:satMod val="124000"/>
+                <a:lumMod val="62000"/>
+              </a:schemeClr>
+              <a:schemeClr val="bg2">
+                <a:tint val="96000"/>
+                <a:satMod val="130000"/>
+              </a:schemeClr>
+            </a:duotone>
+          </a:blip>
+          <a:stretch/>
+        </a:blipFill>
+        <a:effectLst/>
+      </p:bgPr>
+    </p:bg>
     <p:spTree>
       <p:nvGrpSpPr>
         <p:cNvPr id="1" name=""/>
@@ -16871,18 +17345,142 @@
             <p:ph type="title"/>
           </p:nvPr>
         </p:nvSpPr>
-        <p:spPr/>
+        <p:spPr>
+          <a:xfrm>
+            <a:off x="283266" y="2186544"/>
+            <a:ext cx="4663485" cy="1400530"/>
+          </a:xfrm>
+        </p:spPr>
         <p:txBody>
-          <a:bodyPr/>
+          <a:bodyPr vert="horz" lIns="91440" tIns="45720" rIns="91440" bIns="45720" rtlCol="0" anchor="ctr">
+            <a:normAutofit/>
+          </a:bodyPr>
           <a:lstStyle/>
           <a:p>
+            <a:pPr algn="ctr">
+              <a:lnSpc>
+                <a:spcPct val="90000"/>
+              </a:lnSpc>
+            </a:pPr>
             <a:r>
-              <a:rPr lang="hu-HU" dirty="0"/>
+              <a:rPr lang="hu-HU" sz="3600" dirty="0"/>
               <a:t>FTP server(Windows)</a:t>
             </a:r>
+            <a:endParaRPr lang="hu-HU" dirty="0"/>
           </a:p>
         </p:txBody>
       </p:sp>
+      <p:pic>
+        <p:nvPicPr>
+          <p:cNvPr id="3" name="Kép 2" descr="A képen szöveg, képernyőkép, szoftver, képernyő látható&#10;&#10;Lehet, hogy a mesterséges intelligencia által generált tartalom helytelen.">
+            <a:extLst>
+              <a:ext uri="{FF2B5EF4-FFF2-40B4-BE49-F238E27FC236}">
+                <a16:creationId xmlns:a16="http://schemas.microsoft.com/office/drawing/2014/main" id="{665A9860-3ECC-46FF-C0E3-9FB026279B68}"/>
+              </a:ext>
+            </a:extLst>
+          </p:cNvPr>
+          <p:cNvPicPr>
+            <a:picLocks noChangeAspect="1"/>
+          </p:cNvPicPr>
+          <p:nvPr/>
+        </p:nvPicPr>
+        <p:blipFill>
+          <a:blip r:embed="rId3"/>
+          <a:srcRect r="3" b="3139"/>
+          <a:stretch/>
+        </p:blipFill>
+        <p:spPr>
+          <a:xfrm>
+            <a:off x="5316658" y="10"/>
+            <a:ext cx="6873804" cy="3428988"/>
+          </a:xfrm>
+          <a:prstGeom prst="rect">
+            <a:avLst/>
+          </a:prstGeom>
+        </p:spPr>
+      </p:pic>
+      <p:sp>
+        <p:nvSpPr>
+          <p:cNvPr id="14" name="Rectangle 13">
+            <a:extLst>
+              <a:ext uri="{FF2B5EF4-FFF2-40B4-BE49-F238E27FC236}">
+                <a16:creationId xmlns:a16="http://schemas.microsoft.com/office/drawing/2014/main" id="{F39D3E2F-9AB0-4CB6-9F0C-2645BE7D709D}"/>
+              </a:ext>
+              <a:ext uri="{C183D7F6-B498-43B3-948B-1728B52AA6E4}">
+                <adec:decorative xmlns:adec="http://schemas.microsoft.com/office/drawing/2017/decorative" val="1"/>
+              </a:ext>
+            </a:extLst>
+          </p:cNvPr>
+          <p:cNvSpPr>
+            <a:spLocks noGrp="1" noRot="1" noChangeAspect="1" noMove="1" noResize="1" noEditPoints="1" noAdjustHandles="1" noChangeArrowheads="1" noChangeShapeType="1" noTextEdit="1"/>
+          </p:cNvSpPr>
+          <p:nvPr>
+            <p:extLst>
+              <p:ext uri="{386F3935-93C4-4BCD-93E2-E3B085C9AB24}">
+                <p16:designElem xmlns:p16="http://schemas.microsoft.com/office/powerpoint/2015/main" val="1"/>
+              </p:ext>
+            </p:extLst>
+          </p:nvPr>
+        </p:nvSpPr>
+        <p:spPr>
+          <a:xfrm>
+            <a:off x="10437812" y="0"/>
+            <a:ext cx="685800" cy="1143000"/>
+          </a:xfrm>
+          <a:prstGeom prst="rect">
+            <a:avLst/>
+          </a:prstGeom>
+          <a:solidFill>
+            <a:schemeClr val="accent1"/>
+          </a:solidFill>
+          <a:ln>
+            <a:noFill/>
+          </a:ln>
+        </p:spPr>
+        <p:style>
+          <a:lnRef idx="1">
+            <a:schemeClr val="accent1"/>
+          </a:lnRef>
+          <a:fillRef idx="3">
+            <a:schemeClr val="accent1"/>
+          </a:fillRef>
+          <a:effectRef idx="2">
+            <a:schemeClr val="accent1"/>
+          </a:effectRef>
+          <a:fontRef idx="minor">
+            <a:schemeClr val="lt1"/>
+          </a:fontRef>
+        </p:style>
+      </p:sp>
+      <p:pic>
+        <p:nvPicPr>
+          <p:cNvPr id="7" name="Kép 6" descr="A képen szöveg, képernyőkép, szoftver, képernyő látható&#10;&#10;Lehet, hogy a mesterséges intelligencia által generált tartalom helytelen.">
+            <a:extLst>
+              <a:ext uri="{FF2B5EF4-FFF2-40B4-BE49-F238E27FC236}">
+                <a16:creationId xmlns:a16="http://schemas.microsoft.com/office/drawing/2014/main" id="{68DDBD90-E8BA-00F2-DE25-5E94430DBD0D}"/>
+              </a:ext>
+            </a:extLst>
+          </p:cNvPr>
+          <p:cNvPicPr>
+            <a:picLocks noChangeAspect="1"/>
+          </p:cNvPicPr>
+          <p:nvPr/>
+        </p:nvPicPr>
+        <p:blipFill>
+          <a:blip r:embed="rId4"/>
+          <a:srcRect r="53143" b="1"/>
+          <a:stretch/>
+        </p:blipFill>
+        <p:spPr>
+          <a:xfrm>
+            <a:off x="4941180" y="3428998"/>
+            <a:ext cx="3812380" cy="3428998"/>
+          </a:xfrm>
+          <a:prstGeom prst="rect">
+            <a:avLst/>
+          </a:prstGeom>
+        </p:spPr>
+      </p:pic>
       <p:pic>
         <p:nvPicPr>
           <p:cNvPr id="4" name="Tartalom helye 3" descr="A képen szöveg, képernyőkép, képernyő, szoftver látható&#10;&#10;Lehet, hogy a mesterséges intelligencia által generált tartalom helytelen.">
@@ -16893,25 +17491,129 @@
             </a:extLst>
           </p:cNvPr>
           <p:cNvPicPr>
-            <a:picLocks noGrp="1" noChangeAspect="1"/>
+            <a:picLocks noChangeAspect="1"/>
           </p:cNvPicPr>
-          <p:nvPr>
-            <p:ph idx="1"/>
-          </p:nvPr>
+          <p:nvPr/>
         </p:nvPicPr>
         <p:blipFill>
-          <a:blip r:embed="rId2"/>
-          <a:stretch>
-            <a:fillRect/>
-          </a:stretch>
+          <a:blip r:embed="rId5"/>
+          <a:srcRect r="47380" b="3"/>
+          <a:stretch/>
         </p:blipFill>
         <p:spPr>
           <a:xfrm>
-            <a:off x="551502" y="1447769"/>
-            <a:ext cx="6096000" cy="3202158"/>
+            <a:off x="8753560" y="3428998"/>
+            <a:ext cx="3436902" cy="3428996"/>
           </a:xfrm>
+          <a:prstGeom prst="rect">
+            <a:avLst/>
+          </a:prstGeom>
         </p:spPr>
       </p:pic>
+      <p:cxnSp>
+        <p:nvCxnSpPr>
+          <p:cNvPr id="16" name="Straight Connector 15">
+            <a:extLst>
+              <a:ext uri="{FF2B5EF4-FFF2-40B4-BE49-F238E27FC236}">
+                <a16:creationId xmlns:a16="http://schemas.microsoft.com/office/drawing/2014/main" id="{169C63AC-F81B-4A83-929A-8350AA47146E}"/>
+              </a:ext>
+              <a:ext uri="{C183D7F6-B498-43B3-948B-1728B52AA6E4}">
+                <adec:decorative xmlns:adec="http://schemas.microsoft.com/office/drawing/2017/decorative" val="1"/>
+              </a:ext>
+            </a:extLst>
+          </p:cNvPr>
+          <p:cNvCxnSpPr>
+            <a:cxnSpLocks noGrp="1" noRot="1" noChangeAspect="1" noMove="1" noResize="1" noEditPoints="1" noAdjustHandles="1" noChangeArrowheads="1" noChangeShapeType="1"/>
+          </p:cNvCxnSpPr>
+          <p:nvPr>
+            <p:extLst>
+              <p:ext uri="{386F3935-93C4-4BCD-93E2-E3B085C9AB24}">
+                <p16:designElem xmlns:p16="http://schemas.microsoft.com/office/powerpoint/2015/main" val="1"/>
+              </p:ext>
+            </p:extLst>
+          </p:nvPr>
+        </p:nvCxnSpPr>
+        <p:spPr>
+          <a:xfrm>
+            <a:off x="8753560" y="3428998"/>
+            <a:ext cx="0" cy="3428998"/>
+          </a:xfrm>
+          <a:prstGeom prst="line">
+            <a:avLst/>
+          </a:prstGeom>
+          <a:ln>
+            <a:solidFill>
+              <a:schemeClr val="bg2"/>
+            </a:solidFill>
+          </a:ln>
+        </p:spPr>
+        <p:style>
+          <a:lnRef idx="1">
+            <a:schemeClr val="accent1"/>
+          </a:lnRef>
+          <a:fillRef idx="0">
+            <a:schemeClr val="accent1"/>
+          </a:fillRef>
+          <a:effectRef idx="0">
+            <a:schemeClr val="accent1"/>
+          </a:effectRef>
+          <a:fontRef idx="minor">
+            <a:schemeClr val="tx1"/>
+          </a:fontRef>
+        </p:style>
+      </p:cxnSp>
+      <p:cxnSp>
+        <p:nvCxnSpPr>
+          <p:cNvPr id="18" name="Straight Connector 17">
+            <a:extLst>
+              <a:ext uri="{FF2B5EF4-FFF2-40B4-BE49-F238E27FC236}">
+                <a16:creationId xmlns:a16="http://schemas.microsoft.com/office/drawing/2014/main" id="{2345B159-B1C1-44FE-9671-A618F09D68EC}"/>
+              </a:ext>
+              <a:ext uri="{C183D7F6-B498-43B3-948B-1728B52AA6E4}">
+                <adec:decorative xmlns:adec="http://schemas.microsoft.com/office/drawing/2017/decorative" val="1"/>
+              </a:ext>
+            </a:extLst>
+          </p:cNvPr>
+          <p:cNvCxnSpPr>
+            <a:cxnSpLocks noGrp="1" noRot="1" noChangeAspect="1" noMove="1" noResize="1" noEditPoints="1" noAdjustHandles="1" noChangeArrowheads="1" noChangeShapeType="1"/>
+          </p:cNvCxnSpPr>
+          <p:nvPr>
+            <p:extLst>
+              <p:ext uri="{386F3935-93C4-4BCD-93E2-E3B085C9AB24}">
+                <p16:designElem xmlns:p16="http://schemas.microsoft.com/office/powerpoint/2015/main" val="1"/>
+              </p:ext>
+            </p:extLst>
+          </p:nvPr>
+        </p:nvCxnSpPr>
+        <p:spPr>
+          <a:xfrm>
+            <a:off x="5316658" y="3428998"/>
+            <a:ext cx="6873804" cy="0"/>
+          </a:xfrm>
+          <a:prstGeom prst="line">
+            <a:avLst/>
+          </a:prstGeom>
+          <a:ln>
+            <a:solidFill>
+              <a:schemeClr val="bg2"/>
+            </a:solidFill>
+          </a:ln>
+        </p:spPr>
+        <p:style>
+          <a:lnRef idx="1">
+            <a:schemeClr val="accent1"/>
+          </a:lnRef>
+          <a:fillRef idx="0">
+            <a:schemeClr val="accent1"/>
+          </a:fillRef>
+          <a:effectRef idx="0">
+            <a:schemeClr val="accent1"/>
+          </a:effectRef>
+          <a:fontRef idx="minor">
+            <a:schemeClr val="tx1"/>
+          </a:fontRef>
+        </p:style>
+      </p:cxnSp>
     </p:spTree>
     <p:extLst>
       <p:ext uri="{BB962C8B-B14F-4D97-AF65-F5344CB8AC3E}">
@@ -16954,36 +17656,6 @@
           <a:chExt cx="0" cy="0"/>
         </a:xfrm>
       </p:grpSpPr>
-      <p:pic>
-        <p:nvPicPr>
-          <p:cNvPr id="5" name="Kép 4" descr="A képen szöveg, elektronika, képernyőkép, szoftver látható&#10;&#10;Lehet, hogy a mesterséges intelligencia által generált tartalom helytelen.">
-            <a:extLst>
-              <a:ext uri="{FF2B5EF4-FFF2-40B4-BE49-F238E27FC236}">
-                <a16:creationId xmlns:a16="http://schemas.microsoft.com/office/drawing/2014/main" id="{6510D0A9-A6DE-39B1-6CF1-FFD13FC7E140}"/>
-              </a:ext>
-            </a:extLst>
-          </p:cNvPr>
-          <p:cNvPicPr>
-            <a:picLocks noChangeAspect="1"/>
-          </p:cNvPicPr>
-          <p:nvPr/>
-        </p:nvPicPr>
-        <p:blipFill>
-          <a:blip r:embed="rId2"/>
-          <a:stretch>
-            <a:fillRect/>
-          </a:stretch>
-        </p:blipFill>
-        <p:spPr>
-          <a:xfrm>
-            <a:off x="3882081" y="2219450"/>
-            <a:ext cx="8309919" cy="4241722"/>
-          </a:xfrm>
-          <a:prstGeom prst="rect">
-            <a:avLst/>
-          </a:prstGeom>
-        </p:spPr>
-      </p:pic>
       <p:sp>
         <p:nvSpPr>
           <p:cNvPr id="2" name="Cím 1">
@@ -17007,7 +17679,15 @@
           <a:p>
             <a:r>
               <a:rPr lang="hu-HU" dirty="0"/>
-              <a:t>Webserver(Windows)</a:t>
+              <a:t>Webserver </a:t>
+            </a:r>
+            <a:r>
+              <a:rPr lang="hu-HU" dirty="0" err="1"/>
+              <a:t>config</a:t>
+            </a:r>
+            <a:r>
+              <a:rPr lang="hu-HU" dirty="0"/>
+              <a:t>(Windows)</a:t>
             </a:r>
           </a:p>
         </p:txBody>
@@ -17029,15 +17709,15 @@
           </p:nvPr>
         </p:nvPicPr>
         <p:blipFill>
-          <a:blip r:embed="rId3"/>
+          <a:blip r:embed="rId2"/>
           <a:stretch>
             <a:fillRect/>
           </a:stretch>
         </p:blipFill>
         <p:spPr>
           <a:xfrm>
-            <a:off x="-4552" y="1154145"/>
-            <a:ext cx="6096000" cy="3048000"/>
+            <a:off x="1045772" y="1318902"/>
+            <a:ext cx="9133702" cy="4561702"/>
           </a:xfrm>
         </p:spPr>
       </p:pic>
@@ -17372,6 +18052,667 @@
           <p:cNvPr id="2" name="Cím 1">
             <a:extLst>
               <a:ext uri="{FF2B5EF4-FFF2-40B4-BE49-F238E27FC236}">
+                <a16:creationId xmlns:a16="http://schemas.microsoft.com/office/drawing/2014/main" id="{DB1B6DE7-906F-7FCD-27AD-2BE21D4352D1}"/>
+              </a:ext>
+            </a:extLst>
+          </p:cNvPr>
+          <p:cNvSpPr>
+            <a:spLocks noGrp="1"/>
+          </p:cNvSpPr>
+          <p:nvPr>
+            <p:ph type="title"/>
+          </p:nvPr>
+        </p:nvSpPr>
+        <p:spPr>
+          <a:xfrm>
+            <a:off x="-12916" y="452718"/>
+            <a:ext cx="12215885" cy="1400530"/>
+          </a:xfrm>
+        </p:spPr>
+        <p:txBody>
+          <a:bodyPr/>
+          <a:lstStyle/>
+          <a:p>
+            <a:r>
+              <a:rPr lang="hu-HU" dirty="0" err="1"/>
+              <a:t>Webserver's</a:t>
+            </a:r>
+            <a:r>
+              <a:rPr lang="hu-HU" dirty="0"/>
+              <a:t> website </a:t>
+            </a:r>
+            <a:r>
+              <a:rPr lang="hu-HU" dirty="0" err="1"/>
+              <a:t>connection</a:t>
+            </a:r>
+            <a:r>
+              <a:rPr lang="hu-HU" dirty="0"/>
+              <a:t> </a:t>
+            </a:r>
+            <a:r>
+              <a:rPr lang="hu-HU" dirty="0" err="1"/>
+              <a:t>by</a:t>
+            </a:r>
+            <a:r>
+              <a:rPr lang="hu-HU" dirty="0"/>
+              <a:t> IP </a:t>
+            </a:r>
+            <a:r>
+              <a:rPr lang="hu-HU" dirty="0" err="1"/>
+              <a:t>address</a:t>
+            </a:r>
+          </a:p>
+        </p:txBody>
+      </p:sp>
+      <p:pic>
+        <p:nvPicPr>
+          <p:cNvPr id="4" name="Tartalom helye 3" descr="A képen szöveg, képernyőkép, Webhely, szoftver látható&#10;&#10;Lehet, hogy a mesterséges intelligencia által generált tartalom helytelen.">
+            <a:extLst>
+              <a:ext uri="{FF2B5EF4-FFF2-40B4-BE49-F238E27FC236}">
+                <a16:creationId xmlns:a16="http://schemas.microsoft.com/office/drawing/2014/main" id="{F0DC5C02-BEDD-5A03-01D8-108F2F11D358}"/>
+              </a:ext>
+            </a:extLst>
+          </p:cNvPr>
+          <p:cNvPicPr>
+            <a:picLocks noGrp="1" noChangeAspect="1"/>
+          </p:cNvPicPr>
+          <p:nvPr>
+            <p:ph idx="1"/>
+          </p:nvPr>
+        </p:nvPicPr>
+        <p:blipFill>
+          <a:blip r:embed="rId2"/>
+          <a:stretch>
+            <a:fillRect/>
+          </a:stretch>
+        </p:blipFill>
+        <p:spPr>
+          <a:xfrm>
+            <a:off x="1262014" y="1473257"/>
+            <a:ext cx="8917459" cy="4150019"/>
+          </a:xfrm>
+        </p:spPr>
+      </p:pic>
+    </p:spTree>
+    <p:extLst>
+      <p:ext uri="{BB962C8B-B14F-4D97-AF65-F5344CB8AC3E}">
+        <p14:creationId xmlns:p14="http://schemas.microsoft.com/office/powerpoint/2010/main" val="959707150"/>
+      </p:ext>
+    </p:extLst>
+  </p:cSld>
+  <p:clrMapOvr>
+    <a:masterClrMapping/>
+  </p:clrMapOvr>
+</p:sld>
+</file>
+
+<file path=ppt/slides/slide31.xml><?xml version="1.0" encoding="utf-8"?>
+<p:sld xmlns:a="http://schemas.openxmlformats.org/drawingml/2006/main" xmlns:r="http://schemas.openxmlformats.org/officeDocument/2006/relationships" xmlns:p="http://schemas.openxmlformats.org/presentationml/2006/main">
+  <p:cSld>
+    <p:spTree>
+      <p:nvGrpSpPr>
+        <p:cNvPr id="1" name=""/>
+        <p:cNvGrpSpPr/>
+        <p:nvPr/>
+      </p:nvGrpSpPr>
+      <p:grpSpPr>
+        <a:xfrm>
+          <a:off x="0" y="0"/>
+          <a:ext cx="0" cy="0"/>
+          <a:chOff x="0" y="0"/>
+          <a:chExt cx="0" cy="0"/>
+        </a:xfrm>
+      </p:grpSpPr>
+      <p:sp>
+        <p:nvSpPr>
+          <p:cNvPr id="2" name="Cím 1">
+            <a:extLst>
+              <a:ext uri="{FF2B5EF4-FFF2-40B4-BE49-F238E27FC236}">
+                <a16:creationId xmlns:a16="http://schemas.microsoft.com/office/drawing/2014/main" id="{63630914-4136-A494-B2F4-A6D6A271FA10}"/>
+              </a:ext>
+            </a:extLst>
+          </p:cNvPr>
+          <p:cNvSpPr>
+            <a:spLocks noGrp="1"/>
+          </p:cNvSpPr>
+          <p:nvPr>
+            <p:ph type="title"/>
+          </p:nvPr>
+        </p:nvSpPr>
+        <p:spPr/>
+        <p:txBody>
+          <a:bodyPr/>
+          <a:lstStyle/>
+          <a:p>
+            <a:r>
+              <a:rPr lang="hu-HU" dirty="0"/>
+              <a:t>Web </a:t>
+            </a:r>
+            <a:r>
+              <a:rPr lang="hu-HU" dirty="0" err="1"/>
+              <a:t>binding</a:t>
+            </a:r>
+          </a:p>
+        </p:txBody>
+      </p:sp>
+      <p:pic>
+        <p:nvPicPr>
+          <p:cNvPr id="4" name="Tartalom helye 3" descr="A képen szöveg, képernyőkép, szoftver, Számítógépes ikon látható&#10;&#10;Lehet, hogy a mesterséges intelligencia által generált tartalom helytelen.">
+            <a:extLst>
+              <a:ext uri="{FF2B5EF4-FFF2-40B4-BE49-F238E27FC236}">
+                <a16:creationId xmlns:a16="http://schemas.microsoft.com/office/drawing/2014/main" id="{47F854D0-F80E-854E-5F62-1DEAA05342C5}"/>
+              </a:ext>
+            </a:extLst>
+          </p:cNvPr>
+          <p:cNvPicPr>
+            <a:picLocks noGrp="1" noChangeAspect="1"/>
+          </p:cNvPicPr>
+          <p:nvPr>
+            <p:ph idx="1"/>
+          </p:nvPr>
+        </p:nvPicPr>
+        <p:blipFill>
+          <a:blip r:embed="rId2"/>
+          <a:stretch>
+            <a:fillRect/>
+          </a:stretch>
+        </p:blipFill>
+        <p:spPr>
+          <a:xfrm>
+            <a:off x="1987452" y="1615670"/>
+            <a:ext cx="8216347" cy="4175452"/>
+          </a:xfrm>
+        </p:spPr>
+      </p:pic>
+    </p:spTree>
+    <p:extLst>
+      <p:ext uri="{BB962C8B-B14F-4D97-AF65-F5344CB8AC3E}">
+        <p14:creationId xmlns:p14="http://schemas.microsoft.com/office/powerpoint/2010/main" val="3512241037"/>
+      </p:ext>
+    </p:extLst>
+  </p:cSld>
+  <p:clrMapOvr>
+    <a:masterClrMapping/>
+  </p:clrMapOvr>
+</p:sld>
+</file>
+
+<file path=ppt/slides/slide32.xml><?xml version="1.0" encoding="utf-8"?>
+<p:sld xmlns:a="http://schemas.openxmlformats.org/drawingml/2006/main" xmlns:r="http://schemas.openxmlformats.org/officeDocument/2006/relationships" xmlns:p="http://schemas.openxmlformats.org/presentationml/2006/main">
+  <p:cSld>
+    <p:bg>
+      <p:bgPr>
+        <a:blipFill rotWithShape="1">
+          <a:blip r:embed="rId2">
+            <a:duotone>
+              <a:schemeClr val="bg2">
+                <a:shade val="42000"/>
+                <a:hueMod val="42000"/>
+                <a:satMod val="124000"/>
+                <a:lumMod val="62000"/>
+              </a:schemeClr>
+              <a:schemeClr val="bg2">
+                <a:tint val="96000"/>
+                <a:satMod val="130000"/>
+              </a:schemeClr>
+            </a:duotone>
+          </a:blip>
+          <a:stretch/>
+        </a:blipFill>
+        <a:effectLst/>
+      </p:bgPr>
+    </p:bg>
+    <p:spTree>
+      <p:nvGrpSpPr>
+        <p:cNvPr id="1" name=""/>
+        <p:cNvGrpSpPr/>
+        <p:nvPr/>
+      </p:nvGrpSpPr>
+      <p:grpSpPr>
+        <a:xfrm>
+          <a:off x="0" y="0"/>
+          <a:ext cx="0" cy="0"/>
+          <a:chOff x="0" y="0"/>
+          <a:chExt cx="0" cy="0"/>
+        </a:xfrm>
+      </p:grpSpPr>
+      <p:sp>
+        <p:nvSpPr>
+          <p:cNvPr id="2" name="Cím 1">
+            <a:extLst>
+              <a:ext uri="{FF2B5EF4-FFF2-40B4-BE49-F238E27FC236}">
+                <a16:creationId xmlns:a16="http://schemas.microsoft.com/office/drawing/2014/main" id="{E5437A04-8FE3-0CAD-B8DE-4E4FCFE4C833}"/>
+              </a:ext>
+            </a:extLst>
+          </p:cNvPr>
+          <p:cNvSpPr>
+            <a:spLocks noGrp="1"/>
+          </p:cNvSpPr>
+          <p:nvPr>
+            <p:ph type="title"/>
+          </p:nvPr>
+        </p:nvSpPr>
+        <p:spPr>
+          <a:xfrm>
+            <a:off x="712372" y="2586384"/>
+            <a:ext cx="3325731" cy="1675975"/>
+          </a:xfrm>
+        </p:spPr>
+        <p:txBody>
+          <a:bodyPr vert="horz" lIns="91440" tIns="45720" rIns="91440" bIns="45720" rtlCol="0" anchor="ctr">
+            <a:normAutofit/>
+          </a:bodyPr>
+          <a:lstStyle/>
+          <a:p>
+            <a:pPr algn="ctr"/>
+            <a:r>
+              <a:rPr lang="en-US" dirty="0"/>
+              <a:t>Backups</a:t>
+            </a:r>
+            <a:endParaRPr lang="hu-HU" dirty="0"/>
+          </a:p>
+        </p:txBody>
+      </p:sp>
+      <p:pic>
+        <p:nvPicPr>
+          <p:cNvPr id="5" name="Kép 4" descr="A képen szöveg, képernyőkép, szoftver, Számítógépes ikon látható&#10;&#10;Lehet, hogy a mesterséges intelligencia által generált tartalom helytelen.">
+            <a:extLst>
+              <a:ext uri="{FF2B5EF4-FFF2-40B4-BE49-F238E27FC236}">
+                <a16:creationId xmlns:a16="http://schemas.microsoft.com/office/drawing/2014/main" id="{FA6EA158-68A4-9EAC-8BCF-A3A987F85D03}"/>
+              </a:ext>
+            </a:extLst>
+          </p:cNvPr>
+          <p:cNvPicPr>
+            <a:picLocks noChangeAspect="1"/>
+          </p:cNvPicPr>
+          <p:nvPr/>
+        </p:nvPicPr>
+        <p:blipFill>
+          <a:blip r:embed="rId3"/>
+          <a:srcRect r="5" b="6210"/>
+          <a:stretch/>
+        </p:blipFill>
+        <p:spPr>
+          <a:xfrm>
+            <a:off x="4039383" y="167862"/>
+            <a:ext cx="3983297" cy="3240694"/>
+          </a:xfrm>
+          <a:prstGeom prst="rect">
+            <a:avLst/>
+          </a:prstGeom>
+          <a:effectLst>
+            <a:outerShdw blurRad="50800" dist="38100" dir="5400000" algn="t" rotWithShape="0">
+              <a:prstClr val="black">
+                <a:alpha val="43000"/>
+              </a:prstClr>
+            </a:outerShdw>
+          </a:effectLst>
+        </p:spPr>
+      </p:pic>
+      <p:sp>
+        <p:nvSpPr>
+          <p:cNvPr id="28" name="Rectangle 27">
+            <a:extLst>
+              <a:ext uri="{FF2B5EF4-FFF2-40B4-BE49-F238E27FC236}">
+                <a16:creationId xmlns:a16="http://schemas.microsoft.com/office/drawing/2014/main" id="{90057C55-0717-453E-A5DA-677D79D42D18}"/>
+              </a:ext>
+              <a:ext uri="{C183D7F6-B498-43B3-948B-1728B52AA6E4}">
+                <adec:decorative xmlns:adec="http://schemas.microsoft.com/office/drawing/2017/decorative" val="1"/>
+              </a:ext>
+            </a:extLst>
+          </p:cNvPr>
+          <p:cNvSpPr>
+            <a:spLocks noGrp="1" noRot="1" noChangeAspect="1" noMove="1" noResize="1" noEditPoints="1" noAdjustHandles="1" noChangeArrowheads="1" noChangeShapeType="1" noTextEdit="1"/>
+          </p:cNvSpPr>
+          <p:nvPr>
+            <p:extLst>
+              <p:ext uri="{386F3935-93C4-4BCD-93E2-E3B085C9AB24}">
+                <p16:designElem xmlns:p16="http://schemas.microsoft.com/office/powerpoint/2015/main" val="1"/>
+              </p:ext>
+            </p:extLst>
+          </p:nvPr>
+        </p:nvSpPr>
+        <p:spPr>
+          <a:xfrm>
+            <a:off x="10437812" y="0"/>
+            <a:ext cx="685800" cy="1143000"/>
+          </a:xfrm>
+          <a:prstGeom prst="rect">
+            <a:avLst/>
+          </a:prstGeom>
+          <a:solidFill>
+            <a:schemeClr val="accent1"/>
+          </a:solidFill>
+          <a:ln>
+            <a:noFill/>
+          </a:ln>
+        </p:spPr>
+        <p:style>
+          <a:lnRef idx="1">
+            <a:schemeClr val="accent1"/>
+          </a:lnRef>
+          <a:fillRef idx="3">
+            <a:schemeClr val="accent1"/>
+          </a:fillRef>
+          <a:effectRef idx="2">
+            <a:schemeClr val="accent1"/>
+          </a:effectRef>
+          <a:fontRef idx="minor">
+            <a:schemeClr val="lt1"/>
+          </a:fontRef>
+        </p:style>
+      </p:sp>
+      <p:pic>
+        <p:nvPicPr>
+          <p:cNvPr id="4" name="Tartalom helye 3" descr="A képen szöveg, elektronika, képernyőkép, szoftver látható&#10;&#10;Lehet, hogy a mesterséges intelligencia által generált tartalom helytelen.">
+            <a:extLst>
+              <a:ext uri="{FF2B5EF4-FFF2-40B4-BE49-F238E27FC236}">
+                <a16:creationId xmlns:a16="http://schemas.microsoft.com/office/drawing/2014/main" id="{1180852B-3DA9-741C-01C9-D2CFA5ADFC60}"/>
+              </a:ext>
+            </a:extLst>
+          </p:cNvPr>
+          <p:cNvPicPr>
+            <a:picLocks noChangeAspect="1"/>
+          </p:cNvPicPr>
+          <p:nvPr/>
+        </p:nvPicPr>
+        <p:blipFill>
+          <a:blip r:embed="rId4"/>
+          <a:srcRect r="5" b="5665"/>
+          <a:stretch/>
+        </p:blipFill>
+        <p:spPr>
+          <a:xfrm>
+            <a:off x="4039384" y="3449210"/>
+            <a:ext cx="3983297" cy="3240694"/>
+          </a:xfrm>
+          <a:prstGeom prst="rect">
+            <a:avLst/>
+          </a:prstGeom>
+          <a:effectLst>
+            <a:outerShdw blurRad="50800" dist="38100" dir="5400000" algn="t" rotWithShape="0">
+              <a:prstClr val="black">
+                <a:alpha val="43000"/>
+              </a:prstClr>
+            </a:outerShdw>
+          </a:effectLst>
+        </p:spPr>
+      </p:pic>
+      <p:pic>
+        <p:nvPicPr>
+          <p:cNvPr id="6" name="Kép 5" descr="A képen szöveg, elektronika, képernyőkép, képernyő látható&#10;&#10;Lehet, hogy a mesterséges intelligencia által generált tartalom helytelen.">
+            <a:extLst>
+              <a:ext uri="{FF2B5EF4-FFF2-40B4-BE49-F238E27FC236}">
+                <a16:creationId xmlns:a16="http://schemas.microsoft.com/office/drawing/2014/main" id="{EEC93C23-6A11-59AC-542D-C8BD62B24DE4}"/>
+              </a:ext>
+            </a:extLst>
+          </p:cNvPr>
+          <p:cNvPicPr>
+            <a:picLocks noChangeAspect="1"/>
+          </p:cNvPicPr>
+          <p:nvPr/>
+        </p:nvPicPr>
+        <p:blipFill>
+          <a:blip r:embed="rId5"/>
+          <a:srcRect r="5" b="5382"/>
+          <a:stretch/>
+        </p:blipFill>
+        <p:spPr>
+          <a:xfrm>
+            <a:off x="8135262" y="3438167"/>
+            <a:ext cx="3972254" cy="3251970"/>
+          </a:xfrm>
+          <a:prstGeom prst="rect">
+            <a:avLst/>
+          </a:prstGeom>
+          <a:effectLst>
+            <a:outerShdw blurRad="50800" dist="38100" dir="5400000" algn="t" rotWithShape="0">
+              <a:prstClr val="black">
+                <a:alpha val="43000"/>
+              </a:prstClr>
+            </a:outerShdw>
+          </a:effectLst>
+        </p:spPr>
+      </p:pic>
+      <p:pic>
+        <p:nvPicPr>
+          <p:cNvPr id="7" name="Kép 6" descr="A képen szöveg, képernyőkép, szoftver, Számítógépes ikon látható&#10;&#10;Lehet, hogy a mesterséges intelligencia által generált tartalom helytelen.">
+            <a:extLst>
+              <a:ext uri="{FF2B5EF4-FFF2-40B4-BE49-F238E27FC236}">
+                <a16:creationId xmlns:a16="http://schemas.microsoft.com/office/drawing/2014/main" id="{BA2B5799-960B-A2B6-EB24-8FF9C81F5D30}"/>
+              </a:ext>
+            </a:extLst>
+          </p:cNvPr>
+          <p:cNvPicPr>
+            <a:picLocks noChangeAspect="1"/>
+          </p:cNvPicPr>
+          <p:nvPr/>
+        </p:nvPicPr>
+        <p:blipFill>
+          <a:blip r:embed="rId6"/>
+          <a:srcRect l="7256" r="28655" b="-3"/>
+          <a:stretch/>
+        </p:blipFill>
+        <p:spPr>
+          <a:xfrm>
+            <a:off x="8135262" y="156820"/>
+            <a:ext cx="3972254" cy="3240926"/>
+          </a:xfrm>
+          <a:prstGeom prst="rect">
+            <a:avLst/>
+          </a:prstGeom>
+          <a:effectLst>
+            <a:outerShdw blurRad="50800" dist="38100" dir="5400000" algn="t" rotWithShape="0">
+              <a:prstClr val="black">
+                <a:alpha val="43000"/>
+              </a:prstClr>
+            </a:outerShdw>
+          </a:effectLst>
+        </p:spPr>
+      </p:pic>
+    </p:spTree>
+    <p:extLst>
+      <p:ext uri="{BB962C8B-B14F-4D97-AF65-F5344CB8AC3E}">
+        <p14:creationId xmlns:p14="http://schemas.microsoft.com/office/powerpoint/2010/main" val="3061825421"/>
+      </p:ext>
+    </p:extLst>
+  </p:cSld>
+  <p:clrMapOvr>
+    <a:masterClrMapping/>
+  </p:clrMapOvr>
+</p:sld>
+</file>
+
+<file path=ppt/slides/slide33.xml><?xml version="1.0" encoding="utf-8"?>
+<p:sld xmlns:a="http://schemas.openxmlformats.org/drawingml/2006/main" xmlns:r="http://schemas.openxmlformats.org/officeDocument/2006/relationships" xmlns:p="http://schemas.openxmlformats.org/presentationml/2006/main">
+  <p:cSld>
+    <p:spTree>
+      <p:nvGrpSpPr>
+        <p:cNvPr id="1" name=""/>
+        <p:cNvGrpSpPr/>
+        <p:nvPr/>
+      </p:nvGrpSpPr>
+      <p:grpSpPr>
+        <a:xfrm>
+          <a:off x="0" y="0"/>
+          <a:ext cx="0" cy="0"/>
+          <a:chOff x="0" y="0"/>
+          <a:chExt cx="0" cy="0"/>
+        </a:xfrm>
+      </p:grpSpPr>
+      <p:sp>
+        <p:nvSpPr>
+          <p:cNvPr id="2" name="Cím 1">
+            <a:extLst>
+              <a:ext uri="{FF2B5EF4-FFF2-40B4-BE49-F238E27FC236}">
+                <a16:creationId xmlns:a16="http://schemas.microsoft.com/office/drawing/2014/main" id="{6FE640CC-ABCF-8254-395B-9BE45123C1FF}"/>
+              </a:ext>
+            </a:extLst>
+          </p:cNvPr>
+          <p:cNvSpPr>
+            <a:spLocks noGrp="1"/>
+          </p:cNvSpPr>
+          <p:nvPr>
+            <p:ph type="title"/>
+          </p:nvPr>
+        </p:nvSpPr>
+        <p:spPr/>
+        <p:txBody>
+          <a:bodyPr/>
+          <a:lstStyle/>
+          <a:p>
+            <a:r>
+              <a:rPr lang="hu-HU" dirty="0" err="1"/>
+              <a:t>Backups</a:t>
+            </a:r>
+            <a:r>
+              <a:rPr lang="hu-HU" dirty="0"/>
+              <a:t> </a:t>
+            </a:r>
+            <a:r>
+              <a:rPr lang="hu-HU" dirty="0" err="1"/>
+              <a:t>done</a:t>
+            </a:r>
+          </a:p>
+        </p:txBody>
+      </p:sp>
+      <p:pic>
+        <p:nvPicPr>
+          <p:cNvPr id="4" name="Tartalom helye 3" descr="A képen szöveg, képernyőkép, szoftver, képernyő látható&#10;&#10;Lehet, hogy a mesterséges intelligencia által generált tartalom helytelen.">
+            <a:extLst>
+              <a:ext uri="{FF2B5EF4-FFF2-40B4-BE49-F238E27FC236}">
+                <a16:creationId xmlns:a16="http://schemas.microsoft.com/office/drawing/2014/main" id="{A5088C59-946D-CF86-BDEA-2B893864D59E}"/>
+              </a:ext>
+            </a:extLst>
+          </p:cNvPr>
+          <p:cNvPicPr>
+            <a:picLocks noGrp="1" noChangeAspect="1"/>
+          </p:cNvPicPr>
+          <p:nvPr>
+            <p:ph idx="1"/>
+          </p:nvPr>
+        </p:nvPicPr>
+        <p:blipFill>
+          <a:blip r:embed="rId2"/>
+          <a:stretch>
+            <a:fillRect/>
+          </a:stretch>
+        </p:blipFill>
+        <p:spPr>
+          <a:xfrm>
+            <a:off x="7219428" y="-5002"/>
+            <a:ext cx="4974830" cy="4114800"/>
+          </a:xfrm>
+        </p:spPr>
+      </p:pic>
+      <p:pic>
+        <p:nvPicPr>
+          <p:cNvPr id="5" name="Kép 4" descr="A képen szöveg, képernyőkép, képernyő, szoftver látható&#10;&#10;Lehet, hogy a mesterséges intelligencia által generált tartalom helytelen.">
+            <a:extLst>
+              <a:ext uri="{FF2B5EF4-FFF2-40B4-BE49-F238E27FC236}">
+                <a16:creationId xmlns:a16="http://schemas.microsoft.com/office/drawing/2014/main" id="{B387BAC6-166F-3D58-73AF-954DE78B2F7F}"/>
+              </a:ext>
+            </a:extLst>
+          </p:cNvPr>
+          <p:cNvPicPr>
+            <a:picLocks noChangeAspect="1"/>
+          </p:cNvPicPr>
+          <p:nvPr/>
+        </p:nvPicPr>
+        <p:blipFill>
+          <a:blip r:embed="rId3"/>
+          <a:stretch>
+            <a:fillRect/>
+          </a:stretch>
+        </p:blipFill>
+        <p:spPr>
+          <a:xfrm>
+            <a:off x="0" y="2516895"/>
+            <a:ext cx="8194261" cy="4342122"/>
+          </a:xfrm>
+          <a:prstGeom prst="rect">
+            <a:avLst/>
+          </a:prstGeom>
+        </p:spPr>
+      </p:pic>
+      <p:sp>
+        <p:nvSpPr>
+          <p:cNvPr id="6" name="Szövegdoboz 5">
+            <a:extLst>
+              <a:ext uri="{FF2B5EF4-FFF2-40B4-BE49-F238E27FC236}">
+                <a16:creationId xmlns:a16="http://schemas.microsoft.com/office/drawing/2014/main" id="{F23D8FC1-CF17-C6C3-86C7-7FB5345D901F}"/>
+              </a:ext>
+            </a:extLst>
+          </p:cNvPr>
+          <p:cNvSpPr txBox="1"/>
+          <p:nvPr/>
+        </p:nvSpPr>
+        <p:spPr>
+          <a:xfrm>
+            <a:off x="8694769" y="5534289"/>
+            <a:ext cx="3350591" cy="461665"/>
+          </a:xfrm>
+          <a:prstGeom prst="rect">
+            <a:avLst/>
+          </a:prstGeom>
+          <a:noFill/>
+        </p:spPr>
+        <p:txBody>
+          <a:bodyPr rot="0" spcFirstLastPara="0" vertOverflow="overflow" horzOverflow="overflow" vert="horz" wrap="square" lIns="91440" tIns="45720" rIns="91440" bIns="45720" numCol="1" spcCol="0" rtlCol="0" fromWordArt="0" anchor="t" anchorCtr="0" forceAA="0" compatLnSpc="1">
+            <a:prstTxWarp prst="textNoShape">
+              <a:avLst/>
+            </a:prstTxWarp>
+            <a:spAutoFit/>
+          </a:bodyPr>
+          <a:lstStyle/>
+          <a:p>
+            <a:r>
+              <a:rPr lang="hu-HU" sz="2400" dirty="0"/>
+              <a:t>Timed backup </a:t>
+            </a:r>
+            <a:r>
+              <a:rPr lang="hu-HU" sz="2400" err="1"/>
+              <a:t>saves</a:t>
+            </a:r>
+            <a:endParaRPr lang="hu-HU" sz="2400"/>
+          </a:p>
+        </p:txBody>
+      </p:sp>
+    </p:spTree>
+    <p:extLst>
+      <p:ext uri="{BB962C8B-B14F-4D97-AF65-F5344CB8AC3E}">
+        <p14:creationId xmlns:p14="http://schemas.microsoft.com/office/powerpoint/2010/main" val="3675772234"/>
+      </p:ext>
+    </p:extLst>
+  </p:cSld>
+  <p:clrMapOvr>
+    <a:masterClrMapping/>
+  </p:clrMapOvr>
+</p:sld>
+</file>
+
+<file path=ppt/slides/slide34.xml><?xml version="1.0" encoding="utf-8"?>
+<p:sld xmlns:a="http://schemas.openxmlformats.org/drawingml/2006/main" xmlns:r="http://schemas.openxmlformats.org/officeDocument/2006/relationships" xmlns:p="http://schemas.openxmlformats.org/presentationml/2006/main">
+  <p:cSld>
+    <p:spTree>
+      <p:nvGrpSpPr>
+        <p:cNvPr id="1" name=""/>
+        <p:cNvGrpSpPr/>
+        <p:nvPr/>
+      </p:nvGrpSpPr>
+      <p:grpSpPr>
+        <a:xfrm>
+          <a:off x="0" y="0"/>
+          <a:ext cx="0" cy="0"/>
+          <a:chOff x="0" y="0"/>
+          <a:chExt cx="0" cy="0"/>
+        </a:xfrm>
+      </p:grpSpPr>
+      <p:sp>
+        <p:nvSpPr>
+          <p:cNvPr id="2" name="Cím 1">
+            <a:extLst>
+              <a:ext uri="{FF2B5EF4-FFF2-40B4-BE49-F238E27FC236}">
                 <a16:creationId xmlns:a16="http://schemas.microsoft.com/office/drawing/2014/main" id="{05EBEA55-5E68-82F7-BC5E-861FD3E6B752}"/>
               </a:ext>
             </a:extLst>
@@ -17457,7 +18798,7 @@
 </p:sld>
 </file>
 
-<file path=ppt/slides/slide31.xml><?xml version="1.0" encoding="utf-8"?>
+<file path=ppt/slides/slide35.xml><?xml version="1.0" encoding="utf-8"?>
 <p:sld xmlns:a="http://schemas.openxmlformats.org/drawingml/2006/main" xmlns:r="http://schemas.openxmlformats.org/officeDocument/2006/relationships" xmlns:p="http://schemas.openxmlformats.org/presentationml/2006/main">
   <p:cSld>
     <p:spTree>
@@ -17556,7 +18897,7 @@
 </p:sld>
 </file>
 
-<file path=ppt/slides/slide32.xml><?xml version="1.0" encoding="utf-8"?>
+<file path=ppt/slides/slide36.xml><?xml version="1.0" encoding="utf-8"?>
 <p:sld xmlns:a="http://schemas.openxmlformats.org/drawingml/2006/main" xmlns:r="http://schemas.openxmlformats.org/officeDocument/2006/relationships" xmlns:p="http://schemas.openxmlformats.org/presentationml/2006/main">
   <p:cSld>
     <p:spTree>
@@ -17855,7 +19196,7 @@
 </p:sld>
 </file>
 
-<file path=ppt/slides/slide33.xml><?xml version="1.0" encoding="utf-8"?>
+<file path=ppt/slides/slide37.xml><?xml version="1.0" encoding="utf-8"?>
 <p:sld xmlns:a="http://schemas.openxmlformats.org/drawingml/2006/main" xmlns:r="http://schemas.openxmlformats.org/officeDocument/2006/relationships" xmlns:p="http://schemas.openxmlformats.org/presentationml/2006/main">
   <p:cSld>
     <p:spTree>
@@ -18134,7 +19475,7 @@
 </p:sld>
 </file>
 
-<file path=ppt/slides/slide34.xml><?xml version="1.0" encoding="utf-8"?>
+<file path=ppt/slides/slide38.xml><?xml version="1.0" encoding="utf-8"?>
 <p:sld xmlns:a="http://schemas.openxmlformats.org/drawingml/2006/main" xmlns:r="http://schemas.openxmlformats.org/officeDocument/2006/relationships" xmlns:p="http://schemas.openxmlformats.org/presentationml/2006/main">
   <p:cSld>
     <p:spTree>
@@ -18413,7 +19754,7 @@
 </p:sld>
 </file>
 
-<file path=ppt/slides/slide35.xml><?xml version="1.0" encoding="utf-8"?>
+<file path=ppt/slides/slide39.xml><?xml version="1.0" encoding="utf-8"?>
 <p:sld xmlns:a="http://schemas.openxmlformats.org/drawingml/2006/main" xmlns:r="http://schemas.openxmlformats.org/officeDocument/2006/relationships" xmlns:p="http://schemas.openxmlformats.org/presentationml/2006/main">
   <p:cSld>
     <p:spTree>
@@ -18562,573 +19903,6 @@
     </mc:Choice>
     <mc:Fallback xmlns="">
       <p:transition spd="slow">
-        <p:fade/>
-      </p:transition>
-    </mc:Fallback>
-  </mc:AlternateContent>
-</p:sld>
-</file>
-
-<file path=ppt/slides/slide36.xml><?xml version="1.0" encoding="utf-8"?>
-<p:sld xmlns:a="http://schemas.openxmlformats.org/drawingml/2006/main" xmlns:r="http://schemas.openxmlformats.org/officeDocument/2006/relationships" xmlns:p="http://schemas.openxmlformats.org/presentationml/2006/main">
-  <p:cSld>
-    <p:bg>
-      <p:bgPr>
-        <a:blipFill rotWithShape="1">
-          <a:blip r:embed="rId2">
-            <a:duotone>
-              <a:schemeClr val="bg2">
-                <a:shade val="69000"/>
-                <a:hueMod val="108000"/>
-                <a:satMod val="164000"/>
-                <a:lumMod val="74000"/>
-              </a:schemeClr>
-              <a:schemeClr val="bg2">
-                <a:tint val="96000"/>
-                <a:hueMod val="88000"/>
-                <a:satMod val="140000"/>
-                <a:lumMod val="132000"/>
-              </a:schemeClr>
-            </a:duotone>
-          </a:blip>
-          <a:stretch/>
-        </a:blipFill>
-        <a:effectLst/>
-      </p:bgPr>
-    </p:bg>
-    <p:spTree>
-      <p:nvGrpSpPr>
-        <p:cNvPr id="1" name=""/>
-        <p:cNvGrpSpPr/>
-        <p:nvPr/>
-      </p:nvGrpSpPr>
-      <p:grpSpPr>
-        <a:xfrm>
-          <a:off x="0" y="0"/>
-          <a:ext cx="0" cy="0"/>
-          <a:chOff x="0" y="0"/>
-          <a:chExt cx="0" cy="0"/>
-        </a:xfrm>
-      </p:grpSpPr>
-      <p:sp>
-        <p:nvSpPr>
-          <p:cNvPr id="2" name="Cím 1">
-            <a:extLst>
-              <a:ext uri="{FF2B5EF4-FFF2-40B4-BE49-F238E27FC236}">
-                <a16:creationId xmlns:a16="http://schemas.microsoft.com/office/drawing/2014/main" id="{41C89C22-643B-7BB0-41D0-90D359CFCBC2}"/>
-              </a:ext>
-            </a:extLst>
-          </p:cNvPr>
-          <p:cNvSpPr>
-            <a:spLocks noGrp="1"/>
-          </p:cNvSpPr>
-          <p:nvPr>
-            <p:ph type="title"/>
-          </p:nvPr>
-        </p:nvSpPr>
-        <p:spPr>
-          <a:xfrm>
-            <a:off x="646112" y="452718"/>
-            <a:ext cx="4165580" cy="1400530"/>
-          </a:xfrm>
-        </p:spPr>
-        <p:txBody>
-          <a:bodyPr>
-            <a:normAutofit/>
-          </a:bodyPr>
-          <a:lstStyle/>
-          <a:p>
-            <a:r>
-              <a:rPr lang="hu-HU" sz="3900"/>
-              <a:t>Port-</a:t>
-            </a:r>
-            <a:r>
-              <a:rPr lang="hu-HU" sz="3900" err="1"/>
-              <a:t>security</a:t>
-            </a:r>
-            <a:r>
-              <a:rPr lang="hu-HU" sz="3900"/>
-              <a:t> a Webszerver felé</a:t>
-            </a:r>
-          </a:p>
-        </p:txBody>
-      </p:sp>
-      <p:pic>
-        <p:nvPicPr>
-          <p:cNvPr id="3" name="Kép 2"/>
-          <p:cNvPicPr>
-            <a:picLocks noChangeAspect="1"/>
-          </p:cNvPicPr>
-          <p:nvPr/>
-        </p:nvPicPr>
-        <p:blipFill>
-          <a:blip r:embed="rId3">
-            <a:extLst>
-              <a:ext uri="{28A0092B-C50C-407E-A947-70E740481C1C}">
-                <a14:useLocalDpi xmlns:a14="http://schemas.microsoft.com/office/drawing/2010/main" val="0"/>
-              </a:ext>
-            </a:extLst>
-          </a:blip>
-          <a:stretch>
-            <a:fillRect/>
-          </a:stretch>
-        </p:blipFill>
-        <p:spPr>
-          <a:xfrm>
-            <a:off x="646112" y="2898538"/>
-            <a:ext cx="4875002" cy="1764901"/>
-          </a:xfrm>
-          <a:prstGeom prst="rect">
-            <a:avLst/>
-          </a:prstGeom>
-        </p:spPr>
-      </p:pic>
-    </p:spTree>
-    <p:extLst>
-      <p:ext uri="{BB962C8B-B14F-4D97-AF65-F5344CB8AC3E}">
-        <p14:creationId xmlns:p14="http://schemas.microsoft.com/office/powerpoint/2010/main" val="4254097667"/>
-      </p:ext>
-    </p:extLst>
-  </p:cSld>
-  <p:clrMapOvr>
-    <a:masterClrMapping/>
-  </p:clrMapOvr>
-  <p:transition spd="slow">
-    <p:push dir="u"/>
-  </p:transition>
-</p:sld>
-</file>
-
-<file path=ppt/slides/slide37.xml><?xml version="1.0" encoding="utf-8"?>
-<p:sld xmlns:a="http://schemas.openxmlformats.org/drawingml/2006/main" xmlns:r="http://schemas.openxmlformats.org/officeDocument/2006/relationships" xmlns:p="http://schemas.openxmlformats.org/presentationml/2006/main">
-  <p:cSld>
-    <p:bg>
-      <p:bgPr>
-        <a:solidFill>
-          <a:schemeClr val="bg1"/>
-        </a:solidFill>
-        <a:effectLst/>
-      </p:bgPr>
-    </p:bg>
-    <p:spTree>
-      <p:nvGrpSpPr>
-        <p:cNvPr id="1" name=""/>
-        <p:cNvGrpSpPr/>
-        <p:nvPr/>
-      </p:nvGrpSpPr>
-      <p:grpSpPr>
-        <a:xfrm>
-          <a:off x="0" y="0"/>
-          <a:ext cx="0" cy="0"/>
-          <a:chOff x="0" y="0"/>
-          <a:chExt cx="0" cy="0"/>
-        </a:xfrm>
-      </p:grpSpPr>
-      <p:sp useBgFill="1">
-        <p:nvSpPr>
-          <p:cNvPr id="6" name="Rectangle 8">
-            <a:extLst>
-              <a:ext uri="{FF2B5EF4-FFF2-40B4-BE49-F238E27FC236}">
-                <a16:creationId xmlns:a16="http://schemas.microsoft.com/office/drawing/2014/main" id="{A4322390-8B58-46BE-88EB-D9FD30C08743}"/>
-              </a:ext>
-              <a:ext uri="{C183D7F6-B498-43B3-948B-1728B52AA6E4}">
-                <adec:decorative xmlns:adec="http://schemas.microsoft.com/office/drawing/2017/decorative" val="1"/>
-              </a:ext>
-            </a:extLst>
-          </p:cNvPr>
-          <p:cNvSpPr>
-            <a:spLocks noGrp="1" noRot="1" noChangeAspect="1" noMove="1" noResize="1" noEditPoints="1" noAdjustHandles="1" noChangeArrowheads="1" noChangeShapeType="1" noTextEdit="1"/>
-          </p:cNvSpPr>
-          <p:nvPr>
-            <p:extLst>
-              <p:ext uri="{386F3935-93C4-4BCD-93E2-E3B085C9AB24}">
-                <p16:designElem xmlns:p16="http://schemas.microsoft.com/office/powerpoint/2015/main" val="1"/>
-              </p:ext>
-            </p:extLst>
-          </p:nvPr>
-        </p:nvSpPr>
-        <p:spPr>
-          <a:xfrm>
-            <a:off x="0" y="0"/>
-            <a:ext cx="12192000" cy="6858000"/>
-          </a:xfrm>
-          <a:prstGeom prst="rect">
-            <a:avLst/>
-          </a:prstGeom>
-          <a:ln>
-            <a:noFill/>
-          </a:ln>
-        </p:spPr>
-        <p:style>
-          <a:lnRef idx="2">
-            <a:schemeClr val="accent1">
-              <a:shade val="50000"/>
-            </a:schemeClr>
-          </a:lnRef>
-          <a:fillRef idx="1">
-            <a:schemeClr val="accent1"/>
-          </a:fillRef>
-          <a:effectRef idx="0">
-            <a:schemeClr val="accent1"/>
-          </a:effectRef>
-          <a:fontRef idx="minor">
-            <a:schemeClr val="lt1"/>
-          </a:fontRef>
-        </p:style>
-        <p:txBody>
-          <a:bodyPr rtlCol="0" anchor="ctr"/>
-          <a:lstStyle/>
-          <a:p>
-            <a:pPr algn="ctr"/>
-            <a:endParaRPr lang="en-US"/>
-          </a:p>
-        </p:txBody>
-      </p:sp>
-      <p:pic>
-        <p:nvPicPr>
-          <p:cNvPr id="3" name="Kép 2" descr="A képen jármű, Szárazföldi jármű, kerék, közlekedés látható&#10;&#10;Lehet, hogy a mesterséges intelligencia által generált tartalom helytelen.">
-            <a:extLst>
-              <a:ext uri="{FF2B5EF4-FFF2-40B4-BE49-F238E27FC236}">
-                <a16:creationId xmlns:a16="http://schemas.microsoft.com/office/drawing/2014/main" id="{B5CA04CF-ECE0-E0F8-A96E-EDD540702EF1}"/>
-              </a:ext>
-            </a:extLst>
-          </p:cNvPr>
-          <p:cNvPicPr>
-            <a:picLocks noChangeAspect="1"/>
-          </p:cNvPicPr>
-          <p:nvPr/>
-        </p:nvPicPr>
-        <p:blipFill>
-          <a:blip r:embed="rId2">
-            <a:alphaModFix amt="40000"/>
-          </a:blip>
-          <a:srcRect l="971" t="18182" r="8120"/>
-          <a:stretch/>
-        </p:blipFill>
-        <p:spPr>
-          <a:xfrm>
-            <a:off x="20" y="10"/>
-            <a:ext cx="12191980" cy="6857990"/>
-          </a:xfrm>
-          <a:prstGeom prst="rect">
-            <a:avLst/>
-          </a:prstGeom>
-        </p:spPr>
-      </p:pic>
-      <p:sp>
-        <p:nvSpPr>
-          <p:cNvPr id="4" name="Cím 3"/>
-          <p:cNvSpPr>
-            <a:spLocks noGrp="1"/>
-          </p:cNvSpPr>
-          <p:nvPr>
-            <p:ph type="ctrTitle"/>
-          </p:nvPr>
-        </p:nvSpPr>
-        <p:spPr>
-          <a:xfrm>
-            <a:off x="1154955" y="1447800"/>
-            <a:ext cx="8825658" cy="3329581"/>
-          </a:xfrm>
-        </p:spPr>
-        <p:txBody>
-          <a:bodyPr vert="horz" lIns="91440" tIns="45720" rIns="91440" bIns="45720" rtlCol="0">
-            <a:normAutofit/>
-          </a:bodyPr>
-          <a:lstStyle/>
-          <a:p>
-            <a:r>
-              <a:rPr lang="hu-HU">
-                <a:solidFill>
-                  <a:schemeClr val="tx1"/>
-                </a:solidFill>
-              </a:rPr>
-              <a:t>Workplaces</a:t>
-            </a:r>
-          </a:p>
-        </p:txBody>
-      </p:sp>
-      <p:sp>
-        <p:nvSpPr>
-          <p:cNvPr id="7" name="Rectangle 10">
-            <a:extLst>
-              <a:ext uri="{FF2B5EF4-FFF2-40B4-BE49-F238E27FC236}">
-                <a16:creationId xmlns:a16="http://schemas.microsoft.com/office/drawing/2014/main" id="{C885E190-58DD-42DD-A4A8-401E15C92A52}"/>
-              </a:ext>
-              <a:ext uri="{C183D7F6-B498-43B3-948B-1728B52AA6E4}">
-                <adec:decorative xmlns:adec="http://schemas.microsoft.com/office/drawing/2017/decorative" val="1"/>
-              </a:ext>
-            </a:extLst>
-          </p:cNvPr>
-          <p:cNvSpPr>
-            <a:spLocks noGrp="1" noRot="1" noChangeAspect="1" noMove="1" noResize="1" noEditPoints="1" noAdjustHandles="1" noChangeArrowheads="1" noChangeShapeType="1" noTextEdit="1"/>
-          </p:cNvSpPr>
-          <p:nvPr>
-            <p:extLst>
-              <p:ext uri="{386F3935-93C4-4BCD-93E2-E3B085C9AB24}">
-                <p16:designElem xmlns:p16="http://schemas.microsoft.com/office/powerpoint/2015/main" val="1"/>
-              </p:ext>
-            </p:extLst>
-          </p:nvPr>
-        </p:nvSpPr>
-        <p:spPr>
-          <a:xfrm>
-            <a:off x="10437812" y="0"/>
-            <a:ext cx="685800" cy="1143000"/>
-          </a:xfrm>
-          <a:prstGeom prst="rect">
-            <a:avLst/>
-          </a:prstGeom>
-          <a:solidFill>
-            <a:schemeClr val="accent1"/>
-          </a:solidFill>
-          <a:ln>
-            <a:noFill/>
-          </a:ln>
-        </p:spPr>
-        <p:style>
-          <a:lnRef idx="1">
-            <a:schemeClr val="accent1"/>
-          </a:lnRef>
-          <a:fillRef idx="3">
-            <a:schemeClr val="accent1"/>
-          </a:fillRef>
-          <a:effectRef idx="2">
-            <a:schemeClr val="accent1"/>
-          </a:effectRef>
-          <a:fontRef idx="minor">
-            <a:schemeClr val="lt1"/>
-          </a:fontRef>
-        </p:style>
-      </p:sp>
-    </p:spTree>
-    <p:extLst>
-      <p:ext uri="{BB962C8B-B14F-4D97-AF65-F5344CB8AC3E}">
-        <p14:creationId xmlns:p14="http://schemas.microsoft.com/office/powerpoint/2010/main" val="631175832"/>
-      </p:ext>
-    </p:extLst>
-  </p:cSld>
-  <p:clrMapOvr>
-    <a:masterClrMapping/>
-  </p:clrMapOvr>
-  <p:transition spd="slow">
-    <p:push dir="u"/>
-  </p:transition>
-</p:sld>
-</file>
-
-<file path=ppt/slides/slide38.xml><?xml version="1.0" encoding="utf-8"?>
-<p:sld xmlns:a="http://schemas.openxmlformats.org/drawingml/2006/main" xmlns:r="http://schemas.openxmlformats.org/officeDocument/2006/relationships" xmlns:p="http://schemas.openxmlformats.org/presentationml/2006/main">
-  <p:cSld>
-    <p:spTree>
-      <p:nvGrpSpPr>
-        <p:cNvPr id="1" name=""/>
-        <p:cNvGrpSpPr/>
-        <p:nvPr/>
-      </p:nvGrpSpPr>
-      <p:grpSpPr>
-        <a:xfrm>
-          <a:off x="0" y="0"/>
-          <a:ext cx="0" cy="0"/>
-          <a:chOff x="0" y="0"/>
-          <a:chExt cx="0" cy="0"/>
-        </a:xfrm>
-      </p:grpSpPr>
-      <p:sp>
-        <p:nvSpPr>
-          <p:cNvPr id="2" name="Cím 1"/>
-          <p:cNvSpPr>
-            <a:spLocks noGrp="1"/>
-          </p:cNvSpPr>
-          <p:nvPr>
-            <p:ph type="title"/>
-          </p:nvPr>
-        </p:nvSpPr>
-        <p:spPr/>
-        <p:txBody>
-          <a:bodyPr/>
-          <a:lstStyle/>
-          <a:p>
-            <a:r>
-              <a:rPr lang="hu-HU" dirty="0" err="1"/>
-              <a:t>Trello</a:t>
-            </a:r>
-            <a:r>
-              <a:rPr lang="hu-HU" dirty="0"/>
-              <a:t> használata</a:t>
-            </a:r>
-          </a:p>
-        </p:txBody>
-      </p:sp>
-      <p:sp>
-        <p:nvSpPr>
-          <p:cNvPr id="5" name="Tartalom helye 4"/>
-          <p:cNvSpPr>
-            <a:spLocks noGrp="1"/>
-          </p:cNvSpPr>
-          <p:nvPr>
-            <p:ph idx="1"/>
-          </p:nvPr>
-        </p:nvSpPr>
-        <p:spPr>
-          <a:xfrm>
-            <a:off x="1819592" y="6876725"/>
-            <a:ext cx="8946541" cy="4195481"/>
-          </a:xfrm>
-        </p:spPr>
-        <p:txBody>
-          <a:bodyPr/>
-          <a:lstStyle/>
-          <a:p>
-            <a:endParaRPr lang="hu-HU" dirty="0"/>
-          </a:p>
-        </p:txBody>
-      </p:sp>
-      <p:pic>
-        <p:nvPicPr>
-          <p:cNvPr id="3" name="Kép 2"/>
-          <p:cNvPicPr>
-            <a:picLocks noChangeAspect="1"/>
-          </p:cNvPicPr>
-          <p:nvPr/>
-        </p:nvPicPr>
-        <p:blipFill>
-          <a:blip r:embed="rId2">
-            <a:extLst>
-              <a:ext uri="{28A0092B-C50C-407E-A947-70E740481C1C}">
-                <a14:useLocalDpi xmlns:a14="http://schemas.microsoft.com/office/drawing/2010/main" val="0"/>
-              </a:ext>
-            </a:extLst>
-          </a:blip>
-          <a:stretch>
-            <a:fillRect/>
-          </a:stretch>
-        </p:blipFill>
-        <p:spPr>
-          <a:xfrm>
-            <a:off x="646111" y="1313656"/>
-            <a:ext cx="8644258" cy="4862395"/>
-          </a:xfrm>
-          <a:prstGeom prst="rect">
-            <a:avLst/>
-          </a:prstGeom>
-        </p:spPr>
-      </p:pic>
-    </p:spTree>
-    <p:extLst>
-      <p:ext uri="{BB962C8B-B14F-4D97-AF65-F5344CB8AC3E}">
-        <p14:creationId xmlns:p14="http://schemas.microsoft.com/office/powerpoint/2010/main" val="2613492260"/>
-      </p:ext>
-    </p:extLst>
-  </p:cSld>
-  <p:clrMapOvr>
-    <a:masterClrMapping/>
-  </p:clrMapOvr>
-  <mc:AlternateContent xmlns:mc="http://schemas.openxmlformats.org/markup-compatibility/2006" xmlns:p14="http://schemas.microsoft.com/office/powerpoint/2010/main">
-    <mc:Choice Requires="p14">
-      <p:transition spd="med" p14:dur="700">
-        <p:fade/>
-      </p:transition>
-    </mc:Choice>
-    <mc:Fallback xmlns="">
-      <p:transition spd="med">
-        <p:fade/>
-      </p:transition>
-    </mc:Fallback>
-  </mc:AlternateContent>
-</p:sld>
-</file>
-
-<file path=ppt/slides/slide39.xml><?xml version="1.0" encoding="utf-8"?>
-<p:sld xmlns:a="http://schemas.openxmlformats.org/drawingml/2006/main" xmlns:r="http://schemas.openxmlformats.org/officeDocument/2006/relationships" xmlns:p="http://schemas.openxmlformats.org/presentationml/2006/main">
-  <p:cSld>
-    <p:spTree>
-      <p:nvGrpSpPr>
-        <p:cNvPr id="1" name=""/>
-        <p:cNvGrpSpPr/>
-        <p:nvPr/>
-      </p:nvGrpSpPr>
-      <p:grpSpPr>
-        <a:xfrm>
-          <a:off x="0" y="0"/>
-          <a:ext cx="0" cy="0"/>
-          <a:chOff x="0" y="0"/>
-          <a:chExt cx="0" cy="0"/>
-        </a:xfrm>
-      </p:grpSpPr>
-      <p:sp>
-        <p:nvSpPr>
-          <p:cNvPr id="2" name="Cím 1"/>
-          <p:cNvSpPr>
-            <a:spLocks noGrp="1"/>
-          </p:cNvSpPr>
-          <p:nvPr>
-            <p:ph type="title"/>
-          </p:nvPr>
-        </p:nvSpPr>
-        <p:spPr/>
-        <p:txBody>
-          <a:bodyPr/>
-          <a:lstStyle/>
-          <a:p>
-            <a:r>
-              <a:rPr lang="hu-HU" dirty="0" err="1"/>
-              <a:t>Github</a:t>
-            </a:r>
-            <a:r>
-              <a:rPr lang="hu-HU" dirty="0"/>
-              <a:t> használata</a:t>
-            </a:r>
-          </a:p>
-        </p:txBody>
-      </p:sp>
-      <p:pic>
-        <p:nvPicPr>
-          <p:cNvPr id="5" name="Tartalom helye 4"/>
-          <p:cNvPicPr>
-            <a:picLocks noGrp="1" noChangeAspect="1"/>
-          </p:cNvPicPr>
-          <p:nvPr>
-            <p:ph idx="1"/>
-          </p:nvPr>
-        </p:nvPicPr>
-        <p:blipFill>
-          <a:blip r:embed="rId2" cstate="print">
-            <a:extLst>
-              <a:ext uri="{28A0092B-C50C-407E-A947-70E740481C1C}">
-                <a14:useLocalDpi xmlns:a14="http://schemas.microsoft.com/office/drawing/2010/main" val="0"/>
-              </a:ext>
-            </a:extLst>
-          </a:blip>
-          <a:stretch>
-            <a:fillRect/>
-          </a:stretch>
-        </p:blipFill>
-        <p:spPr>
-          <a:xfrm>
-            <a:off x="646111" y="1496377"/>
-            <a:ext cx="7830078" cy="4404419"/>
-          </a:xfrm>
-        </p:spPr>
-      </p:pic>
-    </p:spTree>
-    <p:extLst>
-      <p:ext uri="{BB962C8B-B14F-4D97-AF65-F5344CB8AC3E}">
-        <p14:creationId xmlns:p14="http://schemas.microsoft.com/office/powerpoint/2010/main" val="1854645978"/>
-      </p:ext>
-    </p:extLst>
-  </p:cSld>
-  <p:clrMapOvr>
-    <a:masterClrMapping/>
-  </p:clrMapOvr>
-  <mc:AlternateContent xmlns:mc="http://schemas.openxmlformats.org/markup-compatibility/2006" xmlns:p14="http://schemas.microsoft.com/office/powerpoint/2010/main">
-    <mc:Choice Requires="p14">
-      <p:transition spd="med" p14:dur="700">
-        <p:fade/>
-      </p:transition>
-    </mc:Choice>
-    <mc:Fallback xmlns="">
-      <p:transition spd="med">
         <p:fade/>
       </p:transition>
     </mc:Fallback>
@@ -19590,6 +20364,573 @@
   <p:cSld>
     <p:bg>
       <p:bgPr>
+        <a:blipFill rotWithShape="1">
+          <a:blip r:embed="rId2">
+            <a:duotone>
+              <a:schemeClr val="bg2">
+                <a:shade val="69000"/>
+                <a:hueMod val="108000"/>
+                <a:satMod val="164000"/>
+                <a:lumMod val="74000"/>
+              </a:schemeClr>
+              <a:schemeClr val="bg2">
+                <a:tint val="96000"/>
+                <a:hueMod val="88000"/>
+                <a:satMod val="140000"/>
+                <a:lumMod val="132000"/>
+              </a:schemeClr>
+            </a:duotone>
+          </a:blip>
+          <a:stretch/>
+        </a:blipFill>
+        <a:effectLst/>
+      </p:bgPr>
+    </p:bg>
+    <p:spTree>
+      <p:nvGrpSpPr>
+        <p:cNvPr id="1" name=""/>
+        <p:cNvGrpSpPr/>
+        <p:nvPr/>
+      </p:nvGrpSpPr>
+      <p:grpSpPr>
+        <a:xfrm>
+          <a:off x="0" y="0"/>
+          <a:ext cx="0" cy="0"/>
+          <a:chOff x="0" y="0"/>
+          <a:chExt cx="0" cy="0"/>
+        </a:xfrm>
+      </p:grpSpPr>
+      <p:sp>
+        <p:nvSpPr>
+          <p:cNvPr id="2" name="Cím 1">
+            <a:extLst>
+              <a:ext uri="{FF2B5EF4-FFF2-40B4-BE49-F238E27FC236}">
+                <a16:creationId xmlns:a16="http://schemas.microsoft.com/office/drawing/2014/main" id="{41C89C22-643B-7BB0-41D0-90D359CFCBC2}"/>
+              </a:ext>
+            </a:extLst>
+          </p:cNvPr>
+          <p:cNvSpPr>
+            <a:spLocks noGrp="1"/>
+          </p:cNvSpPr>
+          <p:nvPr>
+            <p:ph type="title"/>
+          </p:nvPr>
+        </p:nvSpPr>
+        <p:spPr>
+          <a:xfrm>
+            <a:off x="646112" y="452718"/>
+            <a:ext cx="4165580" cy="1400530"/>
+          </a:xfrm>
+        </p:spPr>
+        <p:txBody>
+          <a:bodyPr>
+            <a:normAutofit/>
+          </a:bodyPr>
+          <a:lstStyle/>
+          <a:p>
+            <a:r>
+              <a:rPr lang="hu-HU" sz="3900"/>
+              <a:t>Port-</a:t>
+            </a:r>
+            <a:r>
+              <a:rPr lang="hu-HU" sz="3900" err="1"/>
+              <a:t>security</a:t>
+            </a:r>
+            <a:r>
+              <a:rPr lang="hu-HU" sz="3900"/>
+              <a:t> a Webszerver felé</a:t>
+            </a:r>
+          </a:p>
+        </p:txBody>
+      </p:sp>
+      <p:pic>
+        <p:nvPicPr>
+          <p:cNvPr id="3" name="Kép 2"/>
+          <p:cNvPicPr>
+            <a:picLocks noChangeAspect="1"/>
+          </p:cNvPicPr>
+          <p:nvPr/>
+        </p:nvPicPr>
+        <p:blipFill>
+          <a:blip r:embed="rId3">
+            <a:extLst>
+              <a:ext uri="{28A0092B-C50C-407E-A947-70E740481C1C}">
+                <a14:useLocalDpi xmlns:a14="http://schemas.microsoft.com/office/drawing/2010/main" val="0"/>
+              </a:ext>
+            </a:extLst>
+          </a:blip>
+          <a:stretch>
+            <a:fillRect/>
+          </a:stretch>
+        </p:blipFill>
+        <p:spPr>
+          <a:xfrm>
+            <a:off x="646112" y="2898538"/>
+            <a:ext cx="4875002" cy="1764901"/>
+          </a:xfrm>
+          <a:prstGeom prst="rect">
+            <a:avLst/>
+          </a:prstGeom>
+        </p:spPr>
+      </p:pic>
+    </p:spTree>
+    <p:extLst>
+      <p:ext uri="{BB962C8B-B14F-4D97-AF65-F5344CB8AC3E}">
+        <p14:creationId xmlns:p14="http://schemas.microsoft.com/office/powerpoint/2010/main" val="4254097667"/>
+      </p:ext>
+    </p:extLst>
+  </p:cSld>
+  <p:clrMapOvr>
+    <a:masterClrMapping/>
+  </p:clrMapOvr>
+  <p:transition spd="slow">
+    <p:push dir="u"/>
+  </p:transition>
+</p:sld>
+</file>
+
+<file path=ppt/slides/slide41.xml><?xml version="1.0" encoding="utf-8"?>
+<p:sld xmlns:a="http://schemas.openxmlformats.org/drawingml/2006/main" xmlns:r="http://schemas.openxmlformats.org/officeDocument/2006/relationships" xmlns:p="http://schemas.openxmlformats.org/presentationml/2006/main">
+  <p:cSld>
+    <p:bg>
+      <p:bgPr>
+        <a:solidFill>
+          <a:schemeClr val="bg1"/>
+        </a:solidFill>
+        <a:effectLst/>
+      </p:bgPr>
+    </p:bg>
+    <p:spTree>
+      <p:nvGrpSpPr>
+        <p:cNvPr id="1" name=""/>
+        <p:cNvGrpSpPr/>
+        <p:nvPr/>
+      </p:nvGrpSpPr>
+      <p:grpSpPr>
+        <a:xfrm>
+          <a:off x="0" y="0"/>
+          <a:ext cx="0" cy="0"/>
+          <a:chOff x="0" y="0"/>
+          <a:chExt cx="0" cy="0"/>
+        </a:xfrm>
+      </p:grpSpPr>
+      <p:sp useBgFill="1">
+        <p:nvSpPr>
+          <p:cNvPr id="6" name="Rectangle 8">
+            <a:extLst>
+              <a:ext uri="{FF2B5EF4-FFF2-40B4-BE49-F238E27FC236}">
+                <a16:creationId xmlns:a16="http://schemas.microsoft.com/office/drawing/2014/main" id="{A4322390-8B58-46BE-88EB-D9FD30C08743}"/>
+              </a:ext>
+              <a:ext uri="{C183D7F6-B498-43B3-948B-1728B52AA6E4}">
+                <adec:decorative xmlns:adec="http://schemas.microsoft.com/office/drawing/2017/decorative" val="1"/>
+              </a:ext>
+            </a:extLst>
+          </p:cNvPr>
+          <p:cNvSpPr>
+            <a:spLocks noGrp="1" noRot="1" noChangeAspect="1" noMove="1" noResize="1" noEditPoints="1" noAdjustHandles="1" noChangeArrowheads="1" noChangeShapeType="1" noTextEdit="1"/>
+          </p:cNvSpPr>
+          <p:nvPr>
+            <p:extLst>
+              <p:ext uri="{386F3935-93C4-4BCD-93E2-E3B085C9AB24}">
+                <p16:designElem xmlns:p16="http://schemas.microsoft.com/office/powerpoint/2015/main" val="1"/>
+              </p:ext>
+            </p:extLst>
+          </p:nvPr>
+        </p:nvSpPr>
+        <p:spPr>
+          <a:xfrm>
+            <a:off x="0" y="0"/>
+            <a:ext cx="12192000" cy="6858000"/>
+          </a:xfrm>
+          <a:prstGeom prst="rect">
+            <a:avLst/>
+          </a:prstGeom>
+          <a:ln>
+            <a:noFill/>
+          </a:ln>
+        </p:spPr>
+        <p:style>
+          <a:lnRef idx="2">
+            <a:schemeClr val="accent1">
+              <a:shade val="50000"/>
+            </a:schemeClr>
+          </a:lnRef>
+          <a:fillRef idx="1">
+            <a:schemeClr val="accent1"/>
+          </a:fillRef>
+          <a:effectRef idx="0">
+            <a:schemeClr val="accent1"/>
+          </a:effectRef>
+          <a:fontRef idx="minor">
+            <a:schemeClr val="lt1"/>
+          </a:fontRef>
+        </p:style>
+        <p:txBody>
+          <a:bodyPr rtlCol="0" anchor="ctr"/>
+          <a:lstStyle/>
+          <a:p>
+            <a:pPr algn="ctr"/>
+            <a:endParaRPr lang="en-US"/>
+          </a:p>
+        </p:txBody>
+      </p:sp>
+      <p:pic>
+        <p:nvPicPr>
+          <p:cNvPr id="3" name="Kép 2" descr="A képen jármű, Szárazföldi jármű, kerék, közlekedés látható&#10;&#10;Lehet, hogy a mesterséges intelligencia által generált tartalom helytelen.">
+            <a:extLst>
+              <a:ext uri="{FF2B5EF4-FFF2-40B4-BE49-F238E27FC236}">
+                <a16:creationId xmlns:a16="http://schemas.microsoft.com/office/drawing/2014/main" id="{B5CA04CF-ECE0-E0F8-A96E-EDD540702EF1}"/>
+              </a:ext>
+            </a:extLst>
+          </p:cNvPr>
+          <p:cNvPicPr>
+            <a:picLocks noChangeAspect="1"/>
+          </p:cNvPicPr>
+          <p:nvPr/>
+        </p:nvPicPr>
+        <p:blipFill>
+          <a:blip r:embed="rId2">
+            <a:alphaModFix amt="40000"/>
+          </a:blip>
+          <a:srcRect l="971" t="18182" r="8120"/>
+          <a:stretch/>
+        </p:blipFill>
+        <p:spPr>
+          <a:xfrm>
+            <a:off x="20" y="10"/>
+            <a:ext cx="12191980" cy="6857990"/>
+          </a:xfrm>
+          <a:prstGeom prst="rect">
+            <a:avLst/>
+          </a:prstGeom>
+        </p:spPr>
+      </p:pic>
+      <p:sp>
+        <p:nvSpPr>
+          <p:cNvPr id="4" name="Cím 3"/>
+          <p:cNvSpPr>
+            <a:spLocks noGrp="1"/>
+          </p:cNvSpPr>
+          <p:nvPr>
+            <p:ph type="ctrTitle"/>
+          </p:nvPr>
+        </p:nvSpPr>
+        <p:spPr>
+          <a:xfrm>
+            <a:off x="1154955" y="1447800"/>
+            <a:ext cx="8825658" cy="3329581"/>
+          </a:xfrm>
+        </p:spPr>
+        <p:txBody>
+          <a:bodyPr vert="horz" lIns="91440" tIns="45720" rIns="91440" bIns="45720" rtlCol="0">
+            <a:normAutofit/>
+          </a:bodyPr>
+          <a:lstStyle/>
+          <a:p>
+            <a:r>
+              <a:rPr lang="hu-HU">
+                <a:solidFill>
+                  <a:schemeClr val="tx1"/>
+                </a:solidFill>
+              </a:rPr>
+              <a:t>Workplaces</a:t>
+            </a:r>
+          </a:p>
+        </p:txBody>
+      </p:sp>
+      <p:sp>
+        <p:nvSpPr>
+          <p:cNvPr id="7" name="Rectangle 10">
+            <a:extLst>
+              <a:ext uri="{FF2B5EF4-FFF2-40B4-BE49-F238E27FC236}">
+                <a16:creationId xmlns:a16="http://schemas.microsoft.com/office/drawing/2014/main" id="{C885E190-58DD-42DD-A4A8-401E15C92A52}"/>
+              </a:ext>
+              <a:ext uri="{C183D7F6-B498-43B3-948B-1728B52AA6E4}">
+                <adec:decorative xmlns:adec="http://schemas.microsoft.com/office/drawing/2017/decorative" val="1"/>
+              </a:ext>
+            </a:extLst>
+          </p:cNvPr>
+          <p:cNvSpPr>
+            <a:spLocks noGrp="1" noRot="1" noChangeAspect="1" noMove="1" noResize="1" noEditPoints="1" noAdjustHandles="1" noChangeArrowheads="1" noChangeShapeType="1" noTextEdit="1"/>
+          </p:cNvSpPr>
+          <p:nvPr>
+            <p:extLst>
+              <p:ext uri="{386F3935-93C4-4BCD-93E2-E3B085C9AB24}">
+                <p16:designElem xmlns:p16="http://schemas.microsoft.com/office/powerpoint/2015/main" val="1"/>
+              </p:ext>
+            </p:extLst>
+          </p:nvPr>
+        </p:nvSpPr>
+        <p:spPr>
+          <a:xfrm>
+            <a:off x="10437812" y="0"/>
+            <a:ext cx="685800" cy="1143000"/>
+          </a:xfrm>
+          <a:prstGeom prst="rect">
+            <a:avLst/>
+          </a:prstGeom>
+          <a:solidFill>
+            <a:schemeClr val="accent1"/>
+          </a:solidFill>
+          <a:ln>
+            <a:noFill/>
+          </a:ln>
+        </p:spPr>
+        <p:style>
+          <a:lnRef idx="1">
+            <a:schemeClr val="accent1"/>
+          </a:lnRef>
+          <a:fillRef idx="3">
+            <a:schemeClr val="accent1"/>
+          </a:fillRef>
+          <a:effectRef idx="2">
+            <a:schemeClr val="accent1"/>
+          </a:effectRef>
+          <a:fontRef idx="minor">
+            <a:schemeClr val="lt1"/>
+          </a:fontRef>
+        </p:style>
+      </p:sp>
+    </p:spTree>
+    <p:extLst>
+      <p:ext uri="{BB962C8B-B14F-4D97-AF65-F5344CB8AC3E}">
+        <p14:creationId xmlns:p14="http://schemas.microsoft.com/office/powerpoint/2010/main" val="631175832"/>
+      </p:ext>
+    </p:extLst>
+  </p:cSld>
+  <p:clrMapOvr>
+    <a:masterClrMapping/>
+  </p:clrMapOvr>
+  <p:transition spd="slow">
+    <p:push dir="u"/>
+  </p:transition>
+</p:sld>
+</file>
+
+<file path=ppt/slides/slide42.xml><?xml version="1.0" encoding="utf-8"?>
+<p:sld xmlns:a="http://schemas.openxmlformats.org/drawingml/2006/main" xmlns:r="http://schemas.openxmlformats.org/officeDocument/2006/relationships" xmlns:p="http://schemas.openxmlformats.org/presentationml/2006/main">
+  <p:cSld>
+    <p:spTree>
+      <p:nvGrpSpPr>
+        <p:cNvPr id="1" name=""/>
+        <p:cNvGrpSpPr/>
+        <p:nvPr/>
+      </p:nvGrpSpPr>
+      <p:grpSpPr>
+        <a:xfrm>
+          <a:off x="0" y="0"/>
+          <a:ext cx="0" cy="0"/>
+          <a:chOff x="0" y="0"/>
+          <a:chExt cx="0" cy="0"/>
+        </a:xfrm>
+      </p:grpSpPr>
+      <p:sp>
+        <p:nvSpPr>
+          <p:cNvPr id="2" name="Cím 1"/>
+          <p:cNvSpPr>
+            <a:spLocks noGrp="1"/>
+          </p:cNvSpPr>
+          <p:nvPr>
+            <p:ph type="title"/>
+          </p:nvPr>
+        </p:nvSpPr>
+        <p:spPr/>
+        <p:txBody>
+          <a:bodyPr/>
+          <a:lstStyle/>
+          <a:p>
+            <a:r>
+              <a:rPr lang="hu-HU" dirty="0" err="1"/>
+              <a:t>Trello</a:t>
+            </a:r>
+            <a:r>
+              <a:rPr lang="hu-HU" dirty="0"/>
+              <a:t> használata</a:t>
+            </a:r>
+          </a:p>
+        </p:txBody>
+      </p:sp>
+      <p:sp>
+        <p:nvSpPr>
+          <p:cNvPr id="5" name="Tartalom helye 4"/>
+          <p:cNvSpPr>
+            <a:spLocks noGrp="1"/>
+          </p:cNvSpPr>
+          <p:nvPr>
+            <p:ph idx="1"/>
+          </p:nvPr>
+        </p:nvSpPr>
+        <p:spPr>
+          <a:xfrm>
+            <a:off x="1819592" y="6876725"/>
+            <a:ext cx="8946541" cy="4195481"/>
+          </a:xfrm>
+        </p:spPr>
+        <p:txBody>
+          <a:bodyPr/>
+          <a:lstStyle/>
+          <a:p>
+            <a:endParaRPr lang="hu-HU" dirty="0"/>
+          </a:p>
+        </p:txBody>
+      </p:sp>
+      <p:pic>
+        <p:nvPicPr>
+          <p:cNvPr id="3" name="Kép 2"/>
+          <p:cNvPicPr>
+            <a:picLocks noChangeAspect="1"/>
+          </p:cNvPicPr>
+          <p:nvPr/>
+        </p:nvPicPr>
+        <p:blipFill>
+          <a:blip r:embed="rId2">
+            <a:extLst>
+              <a:ext uri="{28A0092B-C50C-407E-A947-70E740481C1C}">
+                <a14:useLocalDpi xmlns:a14="http://schemas.microsoft.com/office/drawing/2010/main" val="0"/>
+              </a:ext>
+            </a:extLst>
+          </a:blip>
+          <a:stretch>
+            <a:fillRect/>
+          </a:stretch>
+        </p:blipFill>
+        <p:spPr>
+          <a:xfrm>
+            <a:off x="646111" y="1313656"/>
+            <a:ext cx="8644258" cy="4862395"/>
+          </a:xfrm>
+          <a:prstGeom prst="rect">
+            <a:avLst/>
+          </a:prstGeom>
+        </p:spPr>
+      </p:pic>
+    </p:spTree>
+    <p:extLst>
+      <p:ext uri="{BB962C8B-B14F-4D97-AF65-F5344CB8AC3E}">
+        <p14:creationId xmlns:p14="http://schemas.microsoft.com/office/powerpoint/2010/main" val="2613492260"/>
+      </p:ext>
+    </p:extLst>
+  </p:cSld>
+  <p:clrMapOvr>
+    <a:masterClrMapping/>
+  </p:clrMapOvr>
+  <mc:AlternateContent xmlns:mc="http://schemas.openxmlformats.org/markup-compatibility/2006" xmlns:p14="http://schemas.microsoft.com/office/powerpoint/2010/main">
+    <mc:Choice Requires="p14">
+      <p:transition spd="med" p14:dur="700">
+        <p:fade/>
+      </p:transition>
+    </mc:Choice>
+    <mc:Fallback xmlns="">
+      <p:transition spd="med">
+        <p:fade/>
+      </p:transition>
+    </mc:Fallback>
+  </mc:AlternateContent>
+</p:sld>
+</file>
+
+<file path=ppt/slides/slide43.xml><?xml version="1.0" encoding="utf-8"?>
+<p:sld xmlns:a="http://schemas.openxmlformats.org/drawingml/2006/main" xmlns:r="http://schemas.openxmlformats.org/officeDocument/2006/relationships" xmlns:p="http://schemas.openxmlformats.org/presentationml/2006/main">
+  <p:cSld>
+    <p:spTree>
+      <p:nvGrpSpPr>
+        <p:cNvPr id="1" name=""/>
+        <p:cNvGrpSpPr/>
+        <p:nvPr/>
+      </p:nvGrpSpPr>
+      <p:grpSpPr>
+        <a:xfrm>
+          <a:off x="0" y="0"/>
+          <a:ext cx="0" cy="0"/>
+          <a:chOff x="0" y="0"/>
+          <a:chExt cx="0" cy="0"/>
+        </a:xfrm>
+      </p:grpSpPr>
+      <p:sp>
+        <p:nvSpPr>
+          <p:cNvPr id="2" name="Cím 1"/>
+          <p:cNvSpPr>
+            <a:spLocks noGrp="1"/>
+          </p:cNvSpPr>
+          <p:nvPr>
+            <p:ph type="title"/>
+          </p:nvPr>
+        </p:nvSpPr>
+        <p:spPr/>
+        <p:txBody>
+          <a:bodyPr/>
+          <a:lstStyle/>
+          <a:p>
+            <a:r>
+              <a:rPr lang="hu-HU" dirty="0" err="1"/>
+              <a:t>Github</a:t>
+            </a:r>
+            <a:r>
+              <a:rPr lang="hu-HU" dirty="0"/>
+              <a:t> használata</a:t>
+            </a:r>
+          </a:p>
+        </p:txBody>
+      </p:sp>
+      <p:pic>
+        <p:nvPicPr>
+          <p:cNvPr id="5" name="Tartalom helye 4"/>
+          <p:cNvPicPr>
+            <a:picLocks noGrp="1" noChangeAspect="1"/>
+          </p:cNvPicPr>
+          <p:nvPr>
+            <p:ph idx="1"/>
+          </p:nvPr>
+        </p:nvPicPr>
+        <p:blipFill>
+          <a:blip r:embed="rId2" cstate="print">
+            <a:extLst>
+              <a:ext uri="{28A0092B-C50C-407E-A947-70E740481C1C}">
+                <a14:useLocalDpi xmlns:a14="http://schemas.microsoft.com/office/drawing/2010/main" val="0"/>
+              </a:ext>
+            </a:extLst>
+          </a:blip>
+          <a:stretch>
+            <a:fillRect/>
+          </a:stretch>
+        </p:blipFill>
+        <p:spPr>
+          <a:xfrm>
+            <a:off x="646111" y="1496377"/>
+            <a:ext cx="7830078" cy="4404419"/>
+          </a:xfrm>
+        </p:spPr>
+      </p:pic>
+    </p:spTree>
+    <p:extLst>
+      <p:ext uri="{BB962C8B-B14F-4D97-AF65-F5344CB8AC3E}">
+        <p14:creationId xmlns:p14="http://schemas.microsoft.com/office/powerpoint/2010/main" val="1854645978"/>
+      </p:ext>
+    </p:extLst>
+  </p:cSld>
+  <p:clrMapOvr>
+    <a:masterClrMapping/>
+  </p:clrMapOvr>
+  <mc:AlternateContent xmlns:mc="http://schemas.openxmlformats.org/markup-compatibility/2006" xmlns:p14="http://schemas.microsoft.com/office/powerpoint/2010/main">
+    <mc:Choice Requires="p14">
+      <p:transition spd="med" p14:dur="700">
+        <p:fade/>
+      </p:transition>
+    </mc:Choice>
+    <mc:Fallback xmlns="">
+      <p:transition spd="med">
+        <p:fade/>
+      </p:transition>
+    </mc:Fallback>
+  </mc:AlternateContent>
+</p:sld>
+</file>
+
+<file path=ppt/slides/slide44.xml><?xml version="1.0" encoding="utf-8"?>
+<p:sld xmlns:a="http://schemas.openxmlformats.org/drawingml/2006/main" xmlns:r="http://schemas.openxmlformats.org/officeDocument/2006/relationships" xmlns:p="http://schemas.openxmlformats.org/presentationml/2006/main">
+  <p:cSld>
+    <p:bg>
+      <p:bgPr>
         <a:solidFill>
           <a:schemeClr val="bg1"/>
         </a:solidFill>
@@ -19809,7 +21150,7 @@
 </p:sld>
 </file>
 
-<file path=ppt/slides/slide41.xml><?xml version="1.0" encoding="utf-8"?>
+<file path=ppt/slides/slide45.xml><?xml version="1.0" encoding="utf-8"?>
 <p:sld xmlns:a="http://schemas.openxmlformats.org/drawingml/2006/main" xmlns:r="http://schemas.openxmlformats.org/officeDocument/2006/relationships" xmlns:p="http://schemas.openxmlformats.org/presentationml/2006/main">
   <p:cSld>
     <p:spTree>
@@ -20097,7 +21438,7 @@
 </p:sld>
 </file>
 
-<file path=ppt/slides/slide42.xml><?xml version="1.0" encoding="utf-8"?>
+<file path=ppt/slides/slide46.xml><?xml version="1.0" encoding="utf-8"?>
 <p:sld xmlns:a="http://schemas.openxmlformats.org/drawingml/2006/main" xmlns:r="http://schemas.openxmlformats.org/officeDocument/2006/relationships" xmlns:p="http://schemas.openxmlformats.org/presentationml/2006/main">
   <p:cSld>
     <p:bg>
@@ -20474,7 +21815,7 @@
 </p:sld>
 </file>
 
-<file path=ppt/slides/slide43.xml><?xml version="1.0" encoding="utf-8"?>
+<file path=ppt/slides/slide47.xml><?xml version="1.0" encoding="utf-8"?>
 <p:sld xmlns:a="http://schemas.openxmlformats.org/drawingml/2006/main" xmlns:r="http://schemas.openxmlformats.org/officeDocument/2006/relationships" xmlns:p="http://schemas.openxmlformats.org/presentationml/2006/main">
   <p:cSld>
     <p:spTree>
@@ -20582,7 +21923,7 @@
 </p:sld>
 </file>
 
-<file path=ppt/slides/slide44.xml><?xml version="1.0" encoding="utf-8"?>
+<file path=ppt/slides/slide48.xml><?xml version="1.0" encoding="utf-8"?>
 <p:sld xmlns:a="http://schemas.openxmlformats.org/drawingml/2006/main" xmlns:r="http://schemas.openxmlformats.org/officeDocument/2006/relationships" xmlns:p="http://schemas.openxmlformats.org/presentationml/2006/main">
   <p:cSld>
     <p:bg>
@@ -20745,7 +22086,7 @@
 </p:sld>
 </file>
 
-<file path=ppt/slides/slide45.xml><?xml version="1.0" encoding="utf-8"?>
+<file path=ppt/slides/slide49.xml><?xml version="1.0" encoding="utf-8"?>
 <p:sld xmlns:a="http://schemas.openxmlformats.org/drawingml/2006/main" xmlns:r="http://schemas.openxmlformats.org/officeDocument/2006/relationships" xmlns:p="http://schemas.openxmlformats.org/presentationml/2006/main">
   <p:cSld>
     <p:spTree>
@@ -20814,7 +22155,7 @@
         </p:blipFill>
         <p:spPr>
           <a:xfrm>
-            <a:off x="6176657" y="2207559"/>
+            <a:off x="7170570" y="-1137"/>
             <a:ext cx="5019675" cy="2438400"/>
           </a:xfrm>
         </p:spPr>
@@ -20841,7 +22182,7 @@
         </p:blipFill>
         <p:spPr>
           <a:xfrm>
-            <a:off x="76200" y="1513118"/>
+            <a:off x="76200" y="1214944"/>
             <a:ext cx="6096000" cy="4003214"/>
           </a:xfrm>
           <a:prstGeom prst="rect">
@@ -20849,6 +22190,128 @@
           </a:prstGeom>
         </p:spPr>
       </p:pic>
+      <p:pic>
+        <p:nvPicPr>
+          <p:cNvPr id="7" name="Kép 6" descr="A képen szöveg, képernyőkép, Betűtípus, sor látható&#10;&#10;Lehet, hogy a mesterséges intelligencia által generált tartalom helytelen.">
+            <a:extLst>
+              <a:ext uri="{FF2B5EF4-FFF2-40B4-BE49-F238E27FC236}">
+                <a16:creationId xmlns:a16="http://schemas.microsoft.com/office/drawing/2014/main" id="{522E3769-64E1-6A70-3A42-C31CC3392F66}"/>
+              </a:ext>
+            </a:extLst>
+          </p:cNvPr>
+          <p:cNvPicPr>
+            <a:picLocks noChangeAspect="1"/>
+          </p:cNvPicPr>
+          <p:nvPr/>
+        </p:nvPicPr>
+        <p:blipFill>
+          <a:blip r:embed="rId4"/>
+          <a:stretch>
+            <a:fillRect/>
+          </a:stretch>
+        </p:blipFill>
+        <p:spPr>
+          <a:xfrm>
+            <a:off x="1242" y="5983633"/>
+            <a:ext cx="8743950" cy="876300"/>
+          </a:xfrm>
+          <a:prstGeom prst="rect">
+            <a:avLst/>
+          </a:prstGeom>
+        </p:spPr>
+      </p:pic>
+      <p:sp>
+        <p:nvSpPr>
+          <p:cNvPr id="8" name="Szövegdoboz 7">
+            <a:extLst>
+              <a:ext uri="{FF2B5EF4-FFF2-40B4-BE49-F238E27FC236}">
+                <a16:creationId xmlns:a16="http://schemas.microsoft.com/office/drawing/2014/main" id="{8F30289D-AE55-ECFF-B264-13304795663A}"/>
+              </a:ext>
+            </a:extLst>
+          </p:cNvPr>
+          <p:cNvSpPr txBox="1"/>
+          <p:nvPr/>
+        </p:nvSpPr>
+        <p:spPr>
+          <a:xfrm>
+            <a:off x="565850" y="5506687"/>
+            <a:ext cx="2743200" cy="365760"/>
+          </a:xfrm>
+          <a:prstGeom prst="rect">
+            <a:avLst/>
+          </a:prstGeom>
+          <a:noFill/>
+        </p:spPr>
+        <p:txBody>
+          <a:bodyPr rot="0" spcFirstLastPara="0" vertOverflow="overflow" horzOverflow="overflow" vert="horz" wrap="square" lIns="91440" tIns="45720" rIns="91440" bIns="45720" numCol="1" spcCol="0" rtlCol="0" fromWordArt="0" anchor="t" anchorCtr="0" forceAA="0" compatLnSpc="1">
+            <a:prstTxWarp prst="textNoShape">
+              <a:avLst/>
+            </a:prstTxWarp>
+            <a:spAutoFit/>
+          </a:bodyPr>
+          <a:lstStyle/>
+          <a:p>
+            <a:r>
+              <a:rPr lang="hu-HU" dirty="0"/>
+              <a:t>AssemblyR1 PPP</a:t>
+            </a:r>
+          </a:p>
+        </p:txBody>
+      </p:sp>
+      <p:sp>
+        <p:nvSpPr>
+          <p:cNvPr id="9" name="Szövegdoboz 8">
+            <a:extLst>
+              <a:ext uri="{FF2B5EF4-FFF2-40B4-BE49-F238E27FC236}">
+                <a16:creationId xmlns:a16="http://schemas.microsoft.com/office/drawing/2014/main" id="{0B61EA5F-1B51-16A2-0DBA-C8A96D35568F}"/>
+              </a:ext>
+            </a:extLst>
+          </p:cNvPr>
+          <p:cNvSpPr txBox="1"/>
+          <p:nvPr/>
+        </p:nvSpPr>
+        <p:spPr>
+          <a:xfrm>
+            <a:off x="8280732" y="2718840"/>
+            <a:ext cx="2743200" cy="365760"/>
+          </a:xfrm>
+          <a:prstGeom prst="rect">
+            <a:avLst/>
+          </a:prstGeom>
+          <a:noFill/>
+        </p:spPr>
+        <p:txBody>
+          <a:bodyPr rot="0" spcFirstLastPara="0" vertOverflow="overflow" horzOverflow="overflow" vert="horz" wrap="square" lIns="91440" tIns="45720" rIns="91440" bIns="45720" numCol="1" spcCol="0" rtlCol="0" fromWordArt="0" anchor="t" anchorCtr="0" forceAA="0" compatLnSpc="1">
+            <a:prstTxWarp prst="textNoShape">
+              <a:avLst/>
+            </a:prstTxWarp>
+            <a:spAutoFit/>
+          </a:bodyPr>
+          <a:lstStyle/>
+          <a:p>
+            <a:r>
+              <a:rPr lang="hu-HU" dirty="0"/>
+              <a:t>PPP </a:t>
+            </a:r>
+            <a:r>
+              <a:rPr lang="hu-HU" dirty="0" err="1"/>
+              <a:t>config</a:t>
+            </a:r>
+            <a:r>
+              <a:rPr lang="hu-HU" dirty="0"/>
+              <a:t> </a:t>
+            </a:r>
+            <a:r>
+              <a:rPr lang="hu-HU" dirty="0" err="1"/>
+              <a:t>on</a:t>
+            </a:r>
+            <a:r>
+              <a:rPr lang="hu-HU" dirty="0"/>
+              <a:t> Center</a:t>
+            </a:r>
+          </a:p>
+        </p:txBody>
+      </p:sp>
     </p:spTree>
     <p:extLst>
       <p:ext uri="{BB962C8B-B14F-4D97-AF65-F5344CB8AC3E}">
@@ -20874,7 +22337,1402 @@
 </p:sld>
 </file>
 
-<file path=ppt/slides/slide46.xml><?xml version="1.0" encoding="utf-8"?>
+<file path=ppt/slides/slide5.xml><?xml version="1.0" encoding="utf-8"?>
+<p:sld xmlns:a="http://schemas.openxmlformats.org/drawingml/2006/main" xmlns:r="http://schemas.openxmlformats.org/officeDocument/2006/relationships" xmlns:p="http://schemas.openxmlformats.org/presentationml/2006/main">
+  <p:cSld>
+    <p:spTree>
+      <p:nvGrpSpPr>
+        <p:cNvPr id="1" name=""/>
+        <p:cNvGrpSpPr/>
+        <p:nvPr/>
+      </p:nvGrpSpPr>
+      <p:grpSpPr>
+        <a:xfrm>
+          <a:off x="0" y="0"/>
+          <a:ext cx="0" cy="0"/>
+          <a:chOff x="0" y="0"/>
+          <a:chExt cx="0" cy="0"/>
+        </a:xfrm>
+      </p:grpSpPr>
+      <p:graphicFrame>
+        <p:nvGraphicFramePr>
+          <p:cNvPr id="4" name="Táblázat 3"/>
+          <p:cNvGraphicFramePr>
+            <a:graphicFrameLocks noGrp="1"/>
+          </p:cNvGraphicFramePr>
+          <p:nvPr>
+            <p:extLst>
+              <p:ext uri="{D42A27DB-BD31-4B8C-83A1-F6EECF244321}">
+                <p14:modId xmlns:p14="http://schemas.microsoft.com/office/powerpoint/2010/main" val="2091294985"/>
+              </p:ext>
+            </p:extLst>
+          </p:nvPr>
+        </p:nvGraphicFramePr>
+        <p:xfrm>
+          <a:off x="1027611" y="3445448"/>
+          <a:ext cx="10215153" cy="2225040"/>
+        </p:xfrm>
+        <a:graphic>
+          <a:graphicData uri="http://schemas.openxmlformats.org/drawingml/2006/table">
+            <a:tbl>
+              <a:tblPr firstRow="1" bandRow="1">
+                <a:tableStyleId>{5C22544A-7EE6-4342-B048-85BDC9FD1C3A}</a:tableStyleId>
+              </a:tblPr>
+              <a:tblGrid>
+                <a:gridCol w="3405051">
+                  <a:extLst>
+                    <a:ext uri="{9D8B030D-6E8A-4147-A177-3AD203B41FA5}">
+                      <a16:colId xmlns:a16="http://schemas.microsoft.com/office/drawing/2014/main" val="813460602"/>
+                    </a:ext>
+                  </a:extLst>
+                </a:gridCol>
+                <a:gridCol w="3405051">
+                  <a:extLst>
+                    <a:ext uri="{9D8B030D-6E8A-4147-A177-3AD203B41FA5}">
+                      <a16:colId xmlns:a16="http://schemas.microsoft.com/office/drawing/2014/main" val="2116787683"/>
+                    </a:ext>
+                  </a:extLst>
+                </a:gridCol>
+                <a:gridCol w="3405051">
+                  <a:extLst>
+                    <a:ext uri="{9D8B030D-6E8A-4147-A177-3AD203B41FA5}">
+                      <a16:colId xmlns:a16="http://schemas.microsoft.com/office/drawing/2014/main" val="2670074441"/>
+                    </a:ext>
+                  </a:extLst>
+                </a:gridCol>
+              </a:tblGrid>
+              <a:tr h="370840">
+                <a:tc>
+                  <a:txBody>
+                    <a:bodyPr/>
+                    <a:lstStyle/>
+                    <a:p>
+                      <a:r>
+                        <a:rPr lang="hu-HU" dirty="0"/>
+                        <a:t>Lajka Kristóf</a:t>
+                      </a:r>
+                    </a:p>
+                  </a:txBody>
+                  <a:tcPr>
+                    <a:lnL w="12700" cap="flat" cmpd="sng" algn="ctr">
+                      <a:solidFill>
+                        <a:schemeClr val="tx1"/>
+                      </a:solidFill>
+                      <a:prstDash val="solid"/>
+                      <a:round/>
+                      <a:headEnd type="none" w="med" len="med"/>
+                      <a:tailEnd type="none" w="med" len="med"/>
+                    </a:lnL>
+                    <a:lnR w="12700" cap="flat" cmpd="sng" algn="ctr">
+                      <a:solidFill>
+                        <a:schemeClr val="tx1"/>
+                      </a:solidFill>
+                      <a:prstDash val="solid"/>
+                      <a:round/>
+                      <a:headEnd type="none" w="med" len="med"/>
+                      <a:tailEnd type="none" w="med" len="med"/>
+                    </a:lnR>
+                    <a:lnT w="12700" cap="flat" cmpd="sng" algn="ctr">
+                      <a:solidFill>
+                        <a:schemeClr val="tx1"/>
+                      </a:solidFill>
+                      <a:prstDash val="solid"/>
+                      <a:round/>
+                      <a:headEnd type="none" w="med" len="med"/>
+                      <a:tailEnd type="none" w="med" len="med"/>
+                    </a:lnT>
+                    <a:lnB w="12700" cap="flat" cmpd="sng" algn="ctr">
+                      <a:solidFill>
+                        <a:schemeClr val="tx1"/>
+                      </a:solidFill>
+                      <a:prstDash val="solid"/>
+                      <a:round/>
+                      <a:headEnd type="none" w="med" len="med"/>
+                      <a:tailEnd type="none" w="med" len="med"/>
+                    </a:lnB>
+                    <a:lnTlToBr w="12700" cmpd="sng">
+                      <a:noFill/>
+                      <a:prstDash val="solid"/>
+                    </a:lnTlToBr>
+                    <a:lnBlToTr w="12700" cmpd="sng">
+                      <a:noFill/>
+                      <a:prstDash val="solid"/>
+                    </a:lnBlToTr>
+                    <a:solidFill>
+                      <a:srgbClr val="0070C0"/>
+                    </a:solidFill>
+                  </a:tcPr>
+                </a:tc>
+                <a:tc>
+                  <a:txBody>
+                    <a:bodyPr/>
+                    <a:lstStyle/>
+                    <a:p>
+                      <a:r>
+                        <a:rPr lang="hu-HU" dirty="0">
+                          <a:solidFill>
+                            <a:schemeClr val="tx1"/>
+                          </a:solidFill>
+                        </a:rPr>
+                        <a:t>Váradi Ádám</a:t>
+                      </a:r>
+                    </a:p>
+                  </a:txBody>
+                  <a:tcPr>
+                    <a:lnL w="12700" cap="flat" cmpd="sng" algn="ctr">
+                      <a:solidFill>
+                        <a:schemeClr val="tx1"/>
+                      </a:solidFill>
+                      <a:prstDash val="solid"/>
+                      <a:round/>
+                      <a:headEnd type="none" w="med" len="med"/>
+                      <a:tailEnd type="none" w="med" len="med"/>
+                    </a:lnL>
+                    <a:lnR w="12700" cap="flat" cmpd="sng" algn="ctr">
+                      <a:solidFill>
+                        <a:schemeClr val="tx1"/>
+                      </a:solidFill>
+                      <a:prstDash val="solid"/>
+                      <a:round/>
+                      <a:headEnd type="none" w="med" len="med"/>
+                      <a:tailEnd type="none" w="med" len="med"/>
+                    </a:lnR>
+                    <a:lnT w="12700" cap="flat" cmpd="sng" algn="ctr">
+                      <a:solidFill>
+                        <a:schemeClr val="tx1"/>
+                      </a:solidFill>
+                      <a:prstDash val="solid"/>
+                      <a:round/>
+                      <a:headEnd type="none" w="med" len="med"/>
+                      <a:tailEnd type="none" w="med" len="med"/>
+                    </a:lnT>
+                    <a:lnB w="12700" cap="flat" cmpd="sng" algn="ctr">
+                      <a:solidFill>
+                        <a:schemeClr val="tx1"/>
+                      </a:solidFill>
+                      <a:prstDash val="solid"/>
+                      <a:round/>
+                      <a:headEnd type="none" w="med" len="med"/>
+                      <a:tailEnd type="none" w="med" len="med"/>
+                    </a:lnB>
+                    <a:lnTlToBr w="12700" cmpd="sng">
+                      <a:noFill/>
+                      <a:prstDash val="solid"/>
+                    </a:lnTlToBr>
+                    <a:lnBlToTr w="12700" cmpd="sng">
+                      <a:noFill/>
+                      <a:prstDash val="solid"/>
+                    </a:lnBlToTr>
+                    <a:solidFill>
+                      <a:schemeClr val="accent4">
+                        <a:lumMod val="75000"/>
+                      </a:schemeClr>
+                    </a:solidFill>
+                  </a:tcPr>
+                </a:tc>
+                <a:tc>
+                  <a:txBody>
+                    <a:bodyPr/>
+                    <a:lstStyle/>
+                    <a:p>
+                      <a:r>
+                        <a:rPr lang="hu-HU" dirty="0"/>
+                        <a:t>Enyedi</a:t>
+                      </a:r>
+                      <a:r>
+                        <a:rPr lang="hu-HU" baseline="0" dirty="0"/>
+                        <a:t> Sándor</a:t>
+                      </a:r>
+                      <a:endParaRPr lang="hu-HU" dirty="0"/>
+                    </a:p>
+                  </a:txBody>
+                  <a:tcPr>
+                    <a:lnL w="12700" cap="flat" cmpd="sng" algn="ctr">
+                      <a:solidFill>
+                        <a:schemeClr val="tx1"/>
+                      </a:solidFill>
+                      <a:prstDash val="solid"/>
+                      <a:round/>
+                      <a:headEnd type="none" w="med" len="med"/>
+                      <a:tailEnd type="none" w="med" len="med"/>
+                    </a:lnL>
+                    <a:lnR w="12700" cap="flat" cmpd="sng" algn="ctr">
+                      <a:solidFill>
+                        <a:schemeClr val="tx1"/>
+                      </a:solidFill>
+                      <a:prstDash val="solid"/>
+                      <a:round/>
+                      <a:headEnd type="none" w="med" len="med"/>
+                      <a:tailEnd type="none" w="med" len="med"/>
+                    </a:lnR>
+                    <a:lnT w="12700" cap="flat" cmpd="sng" algn="ctr">
+                      <a:solidFill>
+                        <a:schemeClr val="tx1"/>
+                      </a:solidFill>
+                      <a:prstDash val="solid"/>
+                      <a:round/>
+                      <a:headEnd type="none" w="med" len="med"/>
+                      <a:tailEnd type="none" w="med" len="med"/>
+                    </a:lnT>
+                    <a:lnB w="12700" cap="flat" cmpd="sng" algn="ctr">
+                      <a:solidFill>
+                        <a:schemeClr val="tx1"/>
+                      </a:solidFill>
+                      <a:prstDash val="solid"/>
+                      <a:round/>
+                      <a:headEnd type="none" w="med" len="med"/>
+                      <a:tailEnd type="none" w="med" len="med"/>
+                    </a:lnB>
+                    <a:lnTlToBr w="12700" cmpd="sng">
+                      <a:noFill/>
+                      <a:prstDash val="solid"/>
+                    </a:lnTlToBr>
+                    <a:lnBlToTr w="12700" cmpd="sng">
+                      <a:noFill/>
+                      <a:prstDash val="solid"/>
+                    </a:lnBlToTr>
+                    <a:solidFill>
+                      <a:schemeClr val="accent1">
+                        <a:lumMod val="50000"/>
+                      </a:schemeClr>
+                    </a:solidFill>
+                  </a:tcPr>
+                </a:tc>
+                <a:extLst>
+                  <a:ext uri="{0D108BD9-81ED-4DB2-BD59-A6C34878D82A}">
+                    <a16:rowId xmlns:a16="http://schemas.microsoft.com/office/drawing/2014/main" val="4233294084"/>
+                  </a:ext>
+                </a:extLst>
+              </a:tr>
+              <a:tr h="370840">
+                <a:tc>
+                  <a:txBody>
+                    <a:bodyPr/>
+                    <a:lstStyle/>
+                    <a:p>
+                      <a:r>
+                        <a:rPr lang="hu-HU" dirty="0">
+                          <a:solidFill>
+                            <a:schemeClr val="tx1"/>
+                          </a:solidFill>
+                        </a:rPr>
+                        <a:t>A topológia kialakítása</a:t>
+                      </a:r>
+                    </a:p>
+                  </a:txBody>
+                  <a:tcPr>
+                    <a:lnL w="12700" cap="flat" cmpd="sng" algn="ctr">
+                      <a:solidFill>
+                        <a:schemeClr val="tx1"/>
+                      </a:solidFill>
+                      <a:prstDash val="solid"/>
+                      <a:round/>
+                      <a:headEnd type="none" w="med" len="med"/>
+                      <a:tailEnd type="none" w="med" len="med"/>
+                    </a:lnL>
+                    <a:lnR w="12700" cap="flat" cmpd="sng" algn="ctr">
+                      <a:solidFill>
+                        <a:schemeClr val="tx1"/>
+                      </a:solidFill>
+                      <a:prstDash val="solid"/>
+                      <a:round/>
+                      <a:headEnd type="none" w="med" len="med"/>
+                      <a:tailEnd type="none" w="med" len="med"/>
+                    </a:lnR>
+                    <a:lnT w="12700" cap="flat" cmpd="sng" algn="ctr">
+                      <a:solidFill>
+                        <a:schemeClr val="tx1"/>
+                      </a:solidFill>
+                      <a:prstDash val="solid"/>
+                      <a:round/>
+                      <a:headEnd type="none" w="med" len="med"/>
+                      <a:tailEnd type="none" w="med" len="med"/>
+                    </a:lnT>
+                    <a:lnB w="12700" cap="flat" cmpd="sng" algn="ctr">
+                      <a:solidFill>
+                        <a:schemeClr val="tx1"/>
+                      </a:solidFill>
+                      <a:prstDash val="solid"/>
+                      <a:round/>
+                      <a:headEnd type="none" w="med" len="med"/>
+                      <a:tailEnd type="none" w="med" len="med"/>
+                    </a:lnB>
+                    <a:lnTlToBr w="12700" cmpd="sng">
+                      <a:noFill/>
+                      <a:prstDash val="solid"/>
+                    </a:lnTlToBr>
+                    <a:lnBlToTr w="12700" cmpd="sng">
+                      <a:noFill/>
+                      <a:prstDash val="solid"/>
+                    </a:lnBlToTr>
+                    <a:solidFill>
+                      <a:srgbClr val="00B0F0"/>
+                    </a:solidFill>
+                  </a:tcPr>
+                </a:tc>
+                <a:tc>
+                  <a:txBody>
+                    <a:bodyPr/>
+                    <a:lstStyle/>
+                    <a:p>
+                      <a:r>
+                        <a:rPr lang="hu-HU" dirty="0">
+                          <a:solidFill>
+                            <a:schemeClr val="tx1"/>
+                          </a:solidFill>
+                        </a:rPr>
+                        <a:t>A topológia kialakítás</a:t>
+                      </a:r>
+                    </a:p>
+                  </a:txBody>
+                  <a:tcPr>
+                    <a:lnL w="12700" cap="flat" cmpd="sng" algn="ctr">
+                      <a:solidFill>
+                        <a:schemeClr val="tx1"/>
+                      </a:solidFill>
+                      <a:prstDash val="solid"/>
+                      <a:round/>
+                      <a:headEnd type="none" w="med" len="med"/>
+                      <a:tailEnd type="none" w="med" len="med"/>
+                    </a:lnL>
+                    <a:lnR w="12700" cap="flat" cmpd="sng" algn="ctr">
+                      <a:solidFill>
+                        <a:schemeClr val="tx1"/>
+                      </a:solidFill>
+                      <a:prstDash val="solid"/>
+                      <a:round/>
+                      <a:headEnd type="none" w="med" len="med"/>
+                      <a:tailEnd type="none" w="med" len="med"/>
+                    </a:lnR>
+                    <a:lnT w="12700" cap="flat" cmpd="sng" algn="ctr">
+                      <a:solidFill>
+                        <a:schemeClr val="tx1"/>
+                      </a:solidFill>
+                      <a:prstDash val="solid"/>
+                      <a:round/>
+                      <a:headEnd type="none" w="med" len="med"/>
+                      <a:tailEnd type="none" w="med" len="med"/>
+                    </a:lnT>
+                    <a:lnB w="12700" cap="flat" cmpd="sng" algn="ctr">
+                      <a:solidFill>
+                        <a:schemeClr val="tx1"/>
+                      </a:solidFill>
+                      <a:prstDash val="solid"/>
+                      <a:round/>
+                      <a:headEnd type="none" w="med" len="med"/>
+                      <a:tailEnd type="none" w="med" len="med"/>
+                    </a:lnB>
+                    <a:lnTlToBr w="12700" cmpd="sng">
+                      <a:noFill/>
+                      <a:prstDash val="solid"/>
+                    </a:lnTlToBr>
+                    <a:lnBlToTr w="12700" cmpd="sng">
+                      <a:noFill/>
+                      <a:prstDash val="solid"/>
+                    </a:lnBlToTr>
+                    <a:solidFill>
+                      <a:schemeClr val="accent4">
+                        <a:lumMod val="60000"/>
+                        <a:lumOff val="40000"/>
+                      </a:schemeClr>
+                    </a:solidFill>
+                  </a:tcPr>
+                </a:tc>
+                <a:tc>
+                  <a:txBody>
+                    <a:bodyPr/>
+                    <a:lstStyle/>
+                    <a:p>
+                      <a:r>
+                        <a:rPr lang="hu-HU" dirty="0">
+                          <a:solidFill>
+                            <a:schemeClr val="tx1"/>
+                          </a:solidFill>
+                        </a:rPr>
+                        <a:t>OSPF konfigurálás</a:t>
+                      </a:r>
+                    </a:p>
+                  </a:txBody>
+                  <a:tcPr>
+                    <a:lnL w="12700" cap="flat" cmpd="sng" algn="ctr">
+                      <a:solidFill>
+                        <a:schemeClr val="tx1"/>
+                      </a:solidFill>
+                      <a:prstDash val="solid"/>
+                      <a:round/>
+                      <a:headEnd type="none" w="med" len="med"/>
+                      <a:tailEnd type="none" w="med" len="med"/>
+                    </a:lnL>
+                    <a:lnR w="12700" cap="flat" cmpd="sng" algn="ctr">
+                      <a:solidFill>
+                        <a:schemeClr val="tx1"/>
+                      </a:solidFill>
+                      <a:prstDash val="solid"/>
+                      <a:round/>
+                      <a:headEnd type="none" w="med" len="med"/>
+                      <a:tailEnd type="none" w="med" len="med"/>
+                    </a:lnR>
+                    <a:lnT w="12700" cap="flat" cmpd="sng" algn="ctr">
+                      <a:solidFill>
+                        <a:schemeClr val="tx1"/>
+                      </a:solidFill>
+                      <a:prstDash val="solid"/>
+                      <a:round/>
+                      <a:headEnd type="none" w="med" len="med"/>
+                      <a:tailEnd type="none" w="med" len="med"/>
+                    </a:lnT>
+                    <a:lnB w="12700" cap="flat" cmpd="sng" algn="ctr">
+                      <a:solidFill>
+                        <a:schemeClr val="tx1"/>
+                      </a:solidFill>
+                      <a:prstDash val="solid"/>
+                      <a:round/>
+                      <a:headEnd type="none" w="med" len="med"/>
+                      <a:tailEnd type="none" w="med" len="med"/>
+                    </a:lnB>
+                    <a:lnTlToBr w="12700" cmpd="sng">
+                      <a:noFill/>
+                      <a:prstDash val="solid"/>
+                    </a:lnTlToBr>
+                    <a:lnBlToTr w="12700" cmpd="sng">
+                      <a:noFill/>
+                      <a:prstDash val="solid"/>
+                    </a:lnBlToTr>
+                    <a:solidFill>
+                      <a:schemeClr val="accent1">
+                        <a:lumMod val="60000"/>
+                        <a:lumOff val="40000"/>
+                      </a:schemeClr>
+                    </a:solidFill>
+                  </a:tcPr>
+                </a:tc>
+                <a:extLst>
+                  <a:ext uri="{0D108BD9-81ED-4DB2-BD59-A6C34878D82A}">
+                    <a16:rowId xmlns:a16="http://schemas.microsoft.com/office/drawing/2014/main" val="557424543"/>
+                  </a:ext>
+                </a:extLst>
+              </a:tr>
+              <a:tr h="370840">
+                <a:tc>
+                  <a:txBody>
+                    <a:bodyPr/>
+                    <a:lstStyle/>
+                    <a:p>
+                      <a:r>
+                        <a:rPr lang="hu-HU" dirty="0">
+                          <a:solidFill>
+                            <a:schemeClr val="tx1"/>
+                          </a:solidFill>
+                        </a:rPr>
+                        <a:t>IPv4/IPv6</a:t>
+                      </a:r>
+                      <a:r>
+                        <a:rPr lang="hu-HU" baseline="0" dirty="0">
+                          <a:solidFill>
+                            <a:schemeClr val="tx1"/>
+                          </a:solidFill>
+                        </a:rPr>
+                        <a:t> címzés</a:t>
+                      </a:r>
+                      <a:endParaRPr lang="hu-HU" dirty="0">
+                        <a:solidFill>
+                          <a:schemeClr val="tx1"/>
+                        </a:solidFill>
+                      </a:endParaRPr>
+                    </a:p>
+                  </a:txBody>
+                  <a:tcPr>
+                    <a:lnL w="12700" cap="flat" cmpd="sng" algn="ctr">
+                      <a:solidFill>
+                        <a:schemeClr val="tx1"/>
+                      </a:solidFill>
+                      <a:prstDash val="solid"/>
+                      <a:round/>
+                      <a:headEnd type="none" w="med" len="med"/>
+                      <a:tailEnd type="none" w="med" len="med"/>
+                    </a:lnL>
+                    <a:lnR w="12700" cap="flat" cmpd="sng" algn="ctr">
+                      <a:solidFill>
+                        <a:schemeClr val="tx1"/>
+                      </a:solidFill>
+                      <a:prstDash val="solid"/>
+                      <a:round/>
+                      <a:headEnd type="none" w="med" len="med"/>
+                      <a:tailEnd type="none" w="med" len="med"/>
+                    </a:lnR>
+                    <a:lnT w="12700" cap="flat" cmpd="sng" algn="ctr">
+                      <a:solidFill>
+                        <a:schemeClr val="tx1"/>
+                      </a:solidFill>
+                      <a:prstDash val="solid"/>
+                      <a:round/>
+                      <a:headEnd type="none" w="med" len="med"/>
+                      <a:tailEnd type="none" w="med" len="med"/>
+                    </a:lnT>
+                    <a:lnB w="12700" cap="flat" cmpd="sng" algn="ctr">
+                      <a:solidFill>
+                        <a:schemeClr val="tx1"/>
+                      </a:solidFill>
+                      <a:prstDash val="solid"/>
+                      <a:round/>
+                      <a:headEnd type="none" w="med" len="med"/>
+                      <a:tailEnd type="none" w="med" len="med"/>
+                    </a:lnB>
+                    <a:lnTlToBr w="12700" cmpd="sng">
+                      <a:noFill/>
+                      <a:prstDash val="solid"/>
+                    </a:lnTlToBr>
+                    <a:lnBlToTr w="12700" cmpd="sng">
+                      <a:noFill/>
+                      <a:prstDash val="solid"/>
+                    </a:lnBlToTr>
+                    <a:solidFill>
+                      <a:srgbClr val="00B0F0"/>
+                    </a:solidFill>
+                  </a:tcPr>
+                </a:tc>
+                <a:tc>
+                  <a:txBody>
+                    <a:bodyPr/>
+                    <a:lstStyle/>
+                    <a:p>
+                      <a:r>
+                        <a:rPr lang="hu-HU" dirty="0">
+                          <a:solidFill>
+                            <a:schemeClr val="tx1"/>
+                          </a:solidFill>
+                        </a:rPr>
+                        <a:t>VLAN-ok és forgalomirányítás</a:t>
+                      </a:r>
+                    </a:p>
+                  </a:txBody>
+                  <a:tcPr>
+                    <a:lnL w="12700" cap="flat" cmpd="sng" algn="ctr">
+                      <a:solidFill>
+                        <a:schemeClr val="tx1"/>
+                      </a:solidFill>
+                      <a:prstDash val="solid"/>
+                      <a:round/>
+                      <a:headEnd type="none" w="med" len="med"/>
+                      <a:tailEnd type="none" w="med" len="med"/>
+                    </a:lnL>
+                    <a:lnR w="12700" cap="flat" cmpd="sng" algn="ctr">
+                      <a:solidFill>
+                        <a:schemeClr val="tx1"/>
+                      </a:solidFill>
+                      <a:prstDash val="solid"/>
+                      <a:round/>
+                      <a:headEnd type="none" w="med" len="med"/>
+                      <a:tailEnd type="none" w="med" len="med"/>
+                    </a:lnR>
+                    <a:lnT w="12700" cap="flat" cmpd="sng" algn="ctr">
+                      <a:solidFill>
+                        <a:schemeClr val="tx1"/>
+                      </a:solidFill>
+                      <a:prstDash val="solid"/>
+                      <a:round/>
+                      <a:headEnd type="none" w="med" len="med"/>
+                      <a:tailEnd type="none" w="med" len="med"/>
+                    </a:lnT>
+                    <a:lnB w="12700" cap="flat" cmpd="sng" algn="ctr">
+                      <a:solidFill>
+                        <a:schemeClr val="tx1"/>
+                      </a:solidFill>
+                      <a:prstDash val="solid"/>
+                      <a:round/>
+                      <a:headEnd type="none" w="med" len="med"/>
+                      <a:tailEnd type="none" w="med" len="med"/>
+                    </a:lnB>
+                    <a:lnTlToBr w="12700" cmpd="sng">
+                      <a:noFill/>
+                      <a:prstDash val="solid"/>
+                    </a:lnTlToBr>
+                    <a:lnBlToTr w="12700" cmpd="sng">
+                      <a:noFill/>
+                      <a:prstDash val="solid"/>
+                    </a:lnBlToTr>
+                    <a:solidFill>
+                      <a:schemeClr val="accent4">
+                        <a:lumMod val="60000"/>
+                        <a:lumOff val="40000"/>
+                      </a:schemeClr>
+                    </a:solidFill>
+                  </a:tcPr>
+                </a:tc>
+                <a:tc>
+                  <a:txBody>
+                    <a:bodyPr/>
+                    <a:lstStyle/>
+                    <a:p>
+                      <a:r>
+                        <a:rPr lang="hu-HU" dirty="0">
+                          <a:solidFill>
+                            <a:schemeClr val="tx1"/>
+                          </a:solidFill>
+                        </a:rPr>
+                        <a:t>Prezentáció</a:t>
+                      </a:r>
+                    </a:p>
+                  </a:txBody>
+                  <a:tcPr>
+                    <a:lnL w="12700" cap="flat" cmpd="sng" algn="ctr">
+                      <a:solidFill>
+                        <a:schemeClr val="tx1"/>
+                      </a:solidFill>
+                      <a:prstDash val="solid"/>
+                      <a:round/>
+                      <a:headEnd type="none" w="med" len="med"/>
+                      <a:tailEnd type="none" w="med" len="med"/>
+                    </a:lnL>
+                    <a:lnR w="12700" cap="flat" cmpd="sng" algn="ctr">
+                      <a:solidFill>
+                        <a:schemeClr val="tx1"/>
+                      </a:solidFill>
+                      <a:prstDash val="solid"/>
+                      <a:round/>
+                      <a:headEnd type="none" w="med" len="med"/>
+                      <a:tailEnd type="none" w="med" len="med"/>
+                    </a:lnR>
+                    <a:lnT w="12700" cap="flat" cmpd="sng" algn="ctr">
+                      <a:solidFill>
+                        <a:schemeClr val="tx1"/>
+                      </a:solidFill>
+                      <a:prstDash val="solid"/>
+                      <a:round/>
+                      <a:headEnd type="none" w="med" len="med"/>
+                      <a:tailEnd type="none" w="med" len="med"/>
+                    </a:lnT>
+                    <a:lnB w="12700" cap="flat" cmpd="sng" algn="ctr">
+                      <a:solidFill>
+                        <a:schemeClr val="tx1"/>
+                      </a:solidFill>
+                      <a:prstDash val="solid"/>
+                      <a:round/>
+                      <a:headEnd type="none" w="med" len="med"/>
+                      <a:tailEnd type="none" w="med" len="med"/>
+                    </a:lnB>
+                    <a:lnTlToBr w="12700" cmpd="sng">
+                      <a:noFill/>
+                      <a:prstDash val="solid"/>
+                    </a:lnTlToBr>
+                    <a:lnBlToTr w="12700" cmpd="sng">
+                      <a:noFill/>
+                      <a:prstDash val="solid"/>
+                    </a:lnBlToTr>
+                    <a:solidFill>
+                      <a:schemeClr val="accent1">
+                        <a:lumMod val="60000"/>
+                        <a:lumOff val="40000"/>
+                      </a:schemeClr>
+                    </a:solidFill>
+                  </a:tcPr>
+                </a:tc>
+                <a:extLst>
+                  <a:ext uri="{0D108BD9-81ED-4DB2-BD59-A6C34878D82A}">
+                    <a16:rowId xmlns:a16="http://schemas.microsoft.com/office/drawing/2014/main" val="1987530793"/>
+                  </a:ext>
+                </a:extLst>
+              </a:tr>
+              <a:tr h="370840">
+                <a:tc>
+                  <a:txBody>
+                    <a:bodyPr/>
+                    <a:lstStyle/>
+                    <a:p>
+                      <a:r>
+                        <a:rPr lang="hu-HU" dirty="0">
+                          <a:solidFill>
+                            <a:schemeClr val="tx1"/>
+                          </a:solidFill>
+                        </a:rPr>
+                        <a:t>VLAN-ok és forgalomirányítás</a:t>
+                      </a:r>
+                    </a:p>
+                  </a:txBody>
+                  <a:tcPr>
+                    <a:lnL w="12700" cap="flat" cmpd="sng" algn="ctr">
+                      <a:solidFill>
+                        <a:schemeClr val="tx1"/>
+                      </a:solidFill>
+                      <a:prstDash val="solid"/>
+                      <a:round/>
+                      <a:headEnd type="none" w="med" len="med"/>
+                      <a:tailEnd type="none" w="med" len="med"/>
+                    </a:lnL>
+                    <a:lnR w="12700" cap="flat" cmpd="sng" algn="ctr">
+                      <a:solidFill>
+                        <a:schemeClr val="tx1"/>
+                      </a:solidFill>
+                      <a:prstDash val="solid"/>
+                      <a:round/>
+                      <a:headEnd type="none" w="med" len="med"/>
+                      <a:tailEnd type="none" w="med" len="med"/>
+                    </a:lnR>
+                    <a:lnT w="12700" cap="flat" cmpd="sng" algn="ctr">
+                      <a:solidFill>
+                        <a:schemeClr val="tx1"/>
+                      </a:solidFill>
+                      <a:prstDash val="solid"/>
+                      <a:round/>
+                      <a:headEnd type="none" w="med" len="med"/>
+                      <a:tailEnd type="none" w="med" len="med"/>
+                    </a:lnT>
+                    <a:lnB w="12700" cap="flat" cmpd="sng" algn="ctr">
+                      <a:solidFill>
+                        <a:schemeClr val="tx1"/>
+                      </a:solidFill>
+                      <a:prstDash val="solid"/>
+                      <a:round/>
+                      <a:headEnd type="none" w="med" len="med"/>
+                      <a:tailEnd type="none" w="med" len="med"/>
+                    </a:lnB>
+                    <a:lnTlToBr w="12700" cmpd="sng">
+                      <a:noFill/>
+                      <a:prstDash val="solid"/>
+                    </a:lnTlToBr>
+                    <a:lnBlToTr w="12700" cmpd="sng">
+                      <a:noFill/>
+                      <a:prstDash val="solid"/>
+                    </a:lnBlToTr>
+                    <a:solidFill>
+                      <a:srgbClr val="00B0F0"/>
+                    </a:solidFill>
+                  </a:tcPr>
+                </a:tc>
+                <a:tc>
+                  <a:txBody>
+                    <a:bodyPr/>
+                    <a:lstStyle/>
+                    <a:p>
+                      <a:r>
+                        <a:rPr lang="hu-HU" dirty="0">
+                          <a:solidFill>
+                            <a:schemeClr val="tx1"/>
+                          </a:solidFill>
+                        </a:rPr>
+                        <a:t>NAT konfigurálás</a:t>
+                      </a:r>
+                    </a:p>
+                  </a:txBody>
+                  <a:tcPr>
+                    <a:lnL w="12700" cap="flat" cmpd="sng" algn="ctr">
+                      <a:solidFill>
+                        <a:schemeClr val="tx1"/>
+                      </a:solidFill>
+                      <a:prstDash val="solid"/>
+                      <a:round/>
+                      <a:headEnd type="none" w="med" len="med"/>
+                      <a:tailEnd type="none" w="med" len="med"/>
+                    </a:lnL>
+                    <a:lnR w="12700" cap="flat" cmpd="sng" algn="ctr">
+                      <a:solidFill>
+                        <a:schemeClr val="tx1"/>
+                      </a:solidFill>
+                      <a:prstDash val="solid"/>
+                      <a:round/>
+                      <a:headEnd type="none" w="med" len="med"/>
+                      <a:tailEnd type="none" w="med" len="med"/>
+                    </a:lnR>
+                    <a:lnT w="12700" cap="flat" cmpd="sng" algn="ctr">
+                      <a:solidFill>
+                        <a:schemeClr val="tx1"/>
+                      </a:solidFill>
+                      <a:prstDash val="solid"/>
+                      <a:round/>
+                      <a:headEnd type="none" w="med" len="med"/>
+                      <a:tailEnd type="none" w="med" len="med"/>
+                    </a:lnT>
+                    <a:lnB w="12700" cap="flat" cmpd="sng" algn="ctr">
+                      <a:solidFill>
+                        <a:schemeClr val="tx1"/>
+                      </a:solidFill>
+                      <a:prstDash val="solid"/>
+                      <a:round/>
+                      <a:headEnd type="none" w="med" len="med"/>
+                      <a:tailEnd type="none" w="med" len="med"/>
+                    </a:lnB>
+                    <a:lnTlToBr w="12700" cmpd="sng">
+                      <a:noFill/>
+                      <a:prstDash val="solid"/>
+                    </a:lnTlToBr>
+                    <a:lnBlToTr w="12700" cmpd="sng">
+                      <a:noFill/>
+                      <a:prstDash val="solid"/>
+                    </a:lnBlToTr>
+                    <a:solidFill>
+                      <a:schemeClr val="accent4">
+                        <a:lumMod val="60000"/>
+                        <a:lumOff val="40000"/>
+                      </a:schemeClr>
+                    </a:solidFill>
+                  </a:tcPr>
+                </a:tc>
+                <a:tc>
+                  <a:txBody>
+                    <a:bodyPr/>
+                    <a:lstStyle/>
+                    <a:p>
+                      <a:r>
+                        <a:rPr lang="hu-HU" dirty="0">
+                          <a:solidFill>
+                            <a:schemeClr val="tx1"/>
+                          </a:solidFill>
+                        </a:rPr>
+                        <a:t>Dokumentálás</a:t>
+                      </a:r>
+                    </a:p>
+                  </a:txBody>
+                  <a:tcPr>
+                    <a:lnL w="12700" cap="flat" cmpd="sng" algn="ctr">
+                      <a:solidFill>
+                        <a:schemeClr val="tx1"/>
+                      </a:solidFill>
+                      <a:prstDash val="solid"/>
+                      <a:round/>
+                      <a:headEnd type="none" w="med" len="med"/>
+                      <a:tailEnd type="none" w="med" len="med"/>
+                    </a:lnL>
+                    <a:lnR w="12700" cap="flat" cmpd="sng" algn="ctr">
+                      <a:solidFill>
+                        <a:schemeClr val="tx1"/>
+                      </a:solidFill>
+                      <a:prstDash val="solid"/>
+                      <a:round/>
+                      <a:headEnd type="none" w="med" len="med"/>
+                      <a:tailEnd type="none" w="med" len="med"/>
+                    </a:lnR>
+                    <a:lnT w="12700" cap="flat" cmpd="sng" algn="ctr">
+                      <a:solidFill>
+                        <a:schemeClr val="tx1"/>
+                      </a:solidFill>
+                      <a:prstDash val="solid"/>
+                      <a:round/>
+                      <a:headEnd type="none" w="med" len="med"/>
+                      <a:tailEnd type="none" w="med" len="med"/>
+                    </a:lnT>
+                    <a:lnB w="12700" cap="flat" cmpd="sng" algn="ctr">
+                      <a:solidFill>
+                        <a:schemeClr val="tx1"/>
+                      </a:solidFill>
+                      <a:prstDash val="solid"/>
+                      <a:round/>
+                      <a:headEnd type="none" w="med" len="med"/>
+                      <a:tailEnd type="none" w="med" len="med"/>
+                    </a:lnB>
+                    <a:lnTlToBr w="12700" cmpd="sng">
+                      <a:noFill/>
+                      <a:prstDash val="solid"/>
+                    </a:lnTlToBr>
+                    <a:lnBlToTr w="12700" cmpd="sng">
+                      <a:noFill/>
+                      <a:prstDash val="solid"/>
+                    </a:lnBlToTr>
+                    <a:solidFill>
+                      <a:schemeClr val="accent1">
+                        <a:lumMod val="60000"/>
+                        <a:lumOff val="40000"/>
+                      </a:schemeClr>
+                    </a:solidFill>
+                  </a:tcPr>
+                </a:tc>
+                <a:extLst>
+                  <a:ext uri="{0D108BD9-81ED-4DB2-BD59-A6C34878D82A}">
+                    <a16:rowId xmlns:a16="http://schemas.microsoft.com/office/drawing/2014/main" val="2236792374"/>
+                  </a:ext>
+                </a:extLst>
+              </a:tr>
+              <a:tr h="370840">
+                <a:tc>
+                  <a:txBody>
+                    <a:bodyPr/>
+                    <a:lstStyle/>
+                    <a:p>
+                      <a:r>
+                        <a:rPr lang="hu-HU" dirty="0">
+                          <a:solidFill>
+                            <a:schemeClr val="tx1"/>
+                          </a:solidFill>
+                        </a:rPr>
+                        <a:t>ACL beállítás</a:t>
+                      </a:r>
+                    </a:p>
+                  </a:txBody>
+                  <a:tcPr>
+                    <a:lnL w="12700" cap="flat" cmpd="sng" algn="ctr">
+                      <a:solidFill>
+                        <a:schemeClr val="tx1"/>
+                      </a:solidFill>
+                      <a:prstDash val="solid"/>
+                      <a:round/>
+                      <a:headEnd type="none" w="med" len="med"/>
+                      <a:tailEnd type="none" w="med" len="med"/>
+                    </a:lnL>
+                    <a:lnR w="12700" cap="flat" cmpd="sng" algn="ctr">
+                      <a:solidFill>
+                        <a:schemeClr val="tx1"/>
+                      </a:solidFill>
+                      <a:prstDash val="solid"/>
+                      <a:round/>
+                      <a:headEnd type="none" w="med" len="med"/>
+                      <a:tailEnd type="none" w="med" len="med"/>
+                    </a:lnR>
+                    <a:lnT w="12700" cap="flat" cmpd="sng" algn="ctr">
+                      <a:solidFill>
+                        <a:schemeClr val="tx1"/>
+                      </a:solidFill>
+                      <a:prstDash val="solid"/>
+                      <a:round/>
+                      <a:headEnd type="none" w="med" len="med"/>
+                      <a:tailEnd type="none" w="med" len="med"/>
+                    </a:lnT>
+                    <a:lnB w="12700" cap="flat" cmpd="sng" algn="ctr">
+                      <a:solidFill>
+                        <a:schemeClr val="tx1"/>
+                      </a:solidFill>
+                      <a:prstDash val="solid"/>
+                      <a:round/>
+                      <a:headEnd type="none" w="med" len="med"/>
+                      <a:tailEnd type="none" w="med" len="med"/>
+                    </a:lnB>
+                    <a:lnTlToBr w="12700" cmpd="sng">
+                      <a:noFill/>
+                      <a:prstDash val="solid"/>
+                    </a:lnTlToBr>
+                    <a:lnBlToTr w="12700" cmpd="sng">
+                      <a:noFill/>
+                      <a:prstDash val="solid"/>
+                    </a:lnBlToTr>
+                    <a:solidFill>
+                      <a:srgbClr val="00B0F0"/>
+                    </a:solidFill>
+                  </a:tcPr>
+                </a:tc>
+                <a:tc>
+                  <a:txBody>
+                    <a:bodyPr/>
+                    <a:lstStyle/>
+                    <a:p>
+                      <a:r>
+                        <a:rPr lang="hu-HU" dirty="0">
+                          <a:solidFill>
+                            <a:schemeClr val="tx1"/>
+                          </a:solidFill>
+                        </a:rPr>
+                        <a:t>SSH konfigurálás</a:t>
+                      </a:r>
+                    </a:p>
+                  </a:txBody>
+                  <a:tcPr>
+                    <a:lnL w="12700" cap="flat" cmpd="sng" algn="ctr">
+                      <a:solidFill>
+                        <a:schemeClr val="tx1"/>
+                      </a:solidFill>
+                      <a:prstDash val="solid"/>
+                      <a:round/>
+                      <a:headEnd type="none" w="med" len="med"/>
+                      <a:tailEnd type="none" w="med" len="med"/>
+                    </a:lnL>
+                    <a:lnR w="12700" cap="flat" cmpd="sng" algn="ctr">
+                      <a:solidFill>
+                        <a:schemeClr val="tx1"/>
+                      </a:solidFill>
+                      <a:prstDash val="solid"/>
+                      <a:round/>
+                      <a:headEnd type="none" w="med" len="med"/>
+                      <a:tailEnd type="none" w="med" len="med"/>
+                    </a:lnR>
+                    <a:lnT w="12700" cap="flat" cmpd="sng" algn="ctr">
+                      <a:solidFill>
+                        <a:schemeClr val="tx1"/>
+                      </a:solidFill>
+                      <a:prstDash val="solid"/>
+                      <a:round/>
+                      <a:headEnd type="none" w="med" len="med"/>
+                      <a:tailEnd type="none" w="med" len="med"/>
+                    </a:lnT>
+                    <a:lnB w="12700" cap="flat" cmpd="sng" algn="ctr">
+                      <a:solidFill>
+                        <a:schemeClr val="tx1"/>
+                      </a:solidFill>
+                      <a:prstDash val="solid"/>
+                      <a:round/>
+                      <a:headEnd type="none" w="med" len="med"/>
+                      <a:tailEnd type="none" w="med" len="med"/>
+                    </a:lnB>
+                    <a:lnTlToBr w="12700" cmpd="sng">
+                      <a:noFill/>
+                      <a:prstDash val="solid"/>
+                    </a:lnTlToBr>
+                    <a:lnBlToTr w="12700" cmpd="sng">
+                      <a:noFill/>
+                      <a:prstDash val="solid"/>
+                    </a:lnBlToTr>
+                    <a:solidFill>
+                      <a:schemeClr val="accent4">
+                        <a:lumMod val="60000"/>
+                        <a:lumOff val="40000"/>
+                      </a:schemeClr>
+                    </a:solidFill>
+                  </a:tcPr>
+                </a:tc>
+                <a:tc>
+                  <a:txBody>
+                    <a:bodyPr/>
+                    <a:lstStyle/>
+                    <a:p>
+                      <a:pPr marL="0" marR="0" lvl="0" indent="0" algn="l" defTabSz="457200" rtl="0" eaLnBrk="1" fontAlgn="auto" latinLnBrk="0" hangingPunct="1">
+                        <a:lnSpc>
+                          <a:spcPct val="100000"/>
+                        </a:lnSpc>
+                        <a:spcBef>
+                          <a:spcPts val="0"/>
+                        </a:spcBef>
+                        <a:spcAft>
+                          <a:spcPts val="0"/>
+                        </a:spcAft>
+                        <a:buClrTx/>
+                        <a:buSzTx/>
+                        <a:buFontTx/>
+                        <a:buNone/>
+                        <a:tabLst/>
+                        <a:defRPr/>
+                      </a:pPr>
+                      <a:r>
+                        <a:rPr lang="hu-HU" dirty="0">
+                          <a:solidFill>
+                            <a:schemeClr val="tx1"/>
+                          </a:solidFill>
+                        </a:rPr>
+                        <a:t>SSH konfigurálás</a:t>
+                      </a:r>
+                    </a:p>
+                  </a:txBody>
+                  <a:tcPr>
+                    <a:lnL w="12700" cap="flat" cmpd="sng" algn="ctr">
+                      <a:solidFill>
+                        <a:schemeClr val="tx1"/>
+                      </a:solidFill>
+                      <a:prstDash val="solid"/>
+                      <a:round/>
+                      <a:headEnd type="none" w="med" len="med"/>
+                      <a:tailEnd type="none" w="med" len="med"/>
+                    </a:lnL>
+                    <a:lnR w="12700" cap="flat" cmpd="sng" algn="ctr">
+                      <a:solidFill>
+                        <a:schemeClr val="tx1"/>
+                      </a:solidFill>
+                      <a:prstDash val="solid"/>
+                      <a:round/>
+                      <a:headEnd type="none" w="med" len="med"/>
+                      <a:tailEnd type="none" w="med" len="med"/>
+                    </a:lnR>
+                    <a:lnT w="12700" cap="flat" cmpd="sng" algn="ctr">
+                      <a:solidFill>
+                        <a:schemeClr val="tx1"/>
+                      </a:solidFill>
+                      <a:prstDash val="solid"/>
+                      <a:round/>
+                      <a:headEnd type="none" w="med" len="med"/>
+                      <a:tailEnd type="none" w="med" len="med"/>
+                    </a:lnT>
+                    <a:lnB w="12700" cap="flat" cmpd="sng" algn="ctr">
+                      <a:solidFill>
+                        <a:schemeClr val="tx1"/>
+                      </a:solidFill>
+                      <a:prstDash val="solid"/>
+                      <a:round/>
+                      <a:headEnd type="none" w="med" len="med"/>
+                      <a:tailEnd type="none" w="med" len="med"/>
+                    </a:lnB>
+                    <a:lnTlToBr w="12700" cmpd="sng">
+                      <a:noFill/>
+                      <a:prstDash val="solid"/>
+                    </a:lnTlToBr>
+                    <a:lnBlToTr w="12700" cmpd="sng">
+                      <a:noFill/>
+                      <a:prstDash val="solid"/>
+                    </a:lnBlToTr>
+                    <a:solidFill>
+                      <a:schemeClr val="accent1">
+                        <a:lumMod val="60000"/>
+                        <a:lumOff val="40000"/>
+                      </a:schemeClr>
+                    </a:solidFill>
+                  </a:tcPr>
+                </a:tc>
+                <a:extLst>
+                  <a:ext uri="{0D108BD9-81ED-4DB2-BD59-A6C34878D82A}">
+                    <a16:rowId xmlns:a16="http://schemas.microsoft.com/office/drawing/2014/main" val="3996496129"/>
+                  </a:ext>
+                </a:extLst>
+              </a:tr>
+              <a:tr h="370840">
+                <a:tc>
+                  <a:txBody>
+                    <a:bodyPr/>
+                    <a:lstStyle/>
+                    <a:p>
+                      <a:r>
+                        <a:rPr lang="hu-HU" dirty="0">
+                          <a:solidFill>
+                            <a:schemeClr val="tx1"/>
+                          </a:solidFill>
+                        </a:rPr>
+                        <a:t>HSRP beállítás</a:t>
+                      </a:r>
+                    </a:p>
+                  </a:txBody>
+                  <a:tcPr>
+                    <a:lnL w="12700" cap="flat" cmpd="sng" algn="ctr">
+                      <a:solidFill>
+                        <a:schemeClr val="tx1"/>
+                      </a:solidFill>
+                      <a:prstDash val="solid"/>
+                      <a:round/>
+                      <a:headEnd type="none" w="med" len="med"/>
+                      <a:tailEnd type="none" w="med" len="med"/>
+                    </a:lnL>
+                    <a:lnR w="12700" cap="flat" cmpd="sng" algn="ctr">
+                      <a:solidFill>
+                        <a:schemeClr val="tx1"/>
+                      </a:solidFill>
+                      <a:prstDash val="solid"/>
+                      <a:round/>
+                      <a:headEnd type="none" w="med" len="med"/>
+                      <a:tailEnd type="none" w="med" len="med"/>
+                    </a:lnR>
+                    <a:lnT w="12700" cap="flat" cmpd="sng" algn="ctr">
+                      <a:solidFill>
+                        <a:schemeClr val="tx1"/>
+                      </a:solidFill>
+                      <a:prstDash val="solid"/>
+                      <a:round/>
+                      <a:headEnd type="none" w="med" len="med"/>
+                      <a:tailEnd type="none" w="med" len="med"/>
+                    </a:lnT>
+                    <a:lnB w="12700" cap="flat" cmpd="sng" algn="ctr">
+                      <a:solidFill>
+                        <a:schemeClr val="tx1"/>
+                      </a:solidFill>
+                      <a:prstDash val="solid"/>
+                      <a:round/>
+                      <a:headEnd type="none" w="med" len="med"/>
+                      <a:tailEnd type="none" w="med" len="med"/>
+                    </a:lnB>
+                    <a:lnTlToBr w="12700" cmpd="sng">
+                      <a:noFill/>
+                      <a:prstDash val="solid"/>
+                    </a:lnTlToBr>
+                    <a:lnBlToTr w="12700" cmpd="sng">
+                      <a:noFill/>
+                      <a:prstDash val="solid"/>
+                    </a:lnBlToTr>
+                    <a:solidFill>
+                      <a:srgbClr val="00B0F0"/>
+                    </a:solidFill>
+                  </a:tcPr>
+                </a:tc>
+                <a:tc>
+                  <a:txBody>
+                    <a:bodyPr/>
+                    <a:lstStyle/>
+                    <a:p>
+                      <a:r>
+                        <a:rPr lang="hu-HU" dirty="0">
+                          <a:solidFill>
+                            <a:schemeClr val="tx1"/>
+                          </a:solidFill>
+                        </a:rPr>
+                        <a:t>IPv4/IPv6 címzés</a:t>
+                      </a:r>
+                    </a:p>
+                  </a:txBody>
+                  <a:tcPr>
+                    <a:lnL w="12700" cap="flat" cmpd="sng" algn="ctr">
+                      <a:solidFill>
+                        <a:schemeClr val="tx1"/>
+                      </a:solidFill>
+                      <a:prstDash val="solid"/>
+                      <a:round/>
+                      <a:headEnd type="none" w="med" len="med"/>
+                      <a:tailEnd type="none" w="med" len="med"/>
+                    </a:lnL>
+                    <a:lnR w="12700" cap="flat" cmpd="sng" algn="ctr">
+                      <a:solidFill>
+                        <a:schemeClr val="tx1"/>
+                      </a:solidFill>
+                      <a:prstDash val="solid"/>
+                      <a:round/>
+                      <a:headEnd type="none" w="med" len="med"/>
+                      <a:tailEnd type="none" w="med" len="med"/>
+                    </a:lnR>
+                    <a:lnT w="12700" cap="flat" cmpd="sng" algn="ctr">
+                      <a:solidFill>
+                        <a:schemeClr val="tx1"/>
+                      </a:solidFill>
+                      <a:prstDash val="solid"/>
+                      <a:round/>
+                      <a:headEnd type="none" w="med" len="med"/>
+                      <a:tailEnd type="none" w="med" len="med"/>
+                    </a:lnT>
+                    <a:lnB w="12700" cap="flat" cmpd="sng" algn="ctr">
+                      <a:solidFill>
+                        <a:schemeClr val="tx1"/>
+                      </a:solidFill>
+                      <a:prstDash val="solid"/>
+                      <a:round/>
+                      <a:headEnd type="none" w="med" len="med"/>
+                      <a:tailEnd type="none" w="med" len="med"/>
+                    </a:lnB>
+                    <a:lnTlToBr w="12700" cmpd="sng">
+                      <a:noFill/>
+                      <a:prstDash val="solid"/>
+                    </a:lnTlToBr>
+                    <a:lnBlToTr w="12700" cmpd="sng">
+                      <a:noFill/>
+                      <a:prstDash val="solid"/>
+                    </a:lnBlToTr>
+                    <a:solidFill>
+                      <a:schemeClr val="accent4">
+                        <a:lumMod val="60000"/>
+                        <a:lumOff val="40000"/>
+                      </a:schemeClr>
+                    </a:solidFill>
+                  </a:tcPr>
+                </a:tc>
+                <a:tc>
+                  <a:txBody>
+                    <a:bodyPr/>
+                    <a:lstStyle/>
+                    <a:p>
+                      <a:endParaRPr lang="hu-HU" dirty="0">
+                        <a:solidFill>
+                          <a:schemeClr val="tx1"/>
+                        </a:solidFill>
+                      </a:endParaRPr>
+                    </a:p>
+                  </a:txBody>
+                  <a:tcPr>
+                    <a:lnL w="12700" cap="flat" cmpd="sng" algn="ctr">
+                      <a:solidFill>
+                        <a:schemeClr val="tx1"/>
+                      </a:solidFill>
+                      <a:prstDash val="solid"/>
+                      <a:round/>
+                      <a:headEnd type="none" w="med" len="med"/>
+                      <a:tailEnd type="none" w="med" len="med"/>
+                    </a:lnL>
+                    <a:lnR w="12700" cap="flat" cmpd="sng" algn="ctr">
+                      <a:solidFill>
+                        <a:schemeClr val="tx1"/>
+                      </a:solidFill>
+                      <a:prstDash val="solid"/>
+                      <a:round/>
+                      <a:headEnd type="none" w="med" len="med"/>
+                      <a:tailEnd type="none" w="med" len="med"/>
+                    </a:lnR>
+                    <a:lnT w="12700" cap="flat" cmpd="sng" algn="ctr">
+                      <a:solidFill>
+                        <a:schemeClr val="tx1"/>
+                      </a:solidFill>
+                      <a:prstDash val="solid"/>
+                      <a:round/>
+                      <a:headEnd type="none" w="med" len="med"/>
+                      <a:tailEnd type="none" w="med" len="med"/>
+                    </a:lnT>
+                    <a:lnB w="12700" cap="flat" cmpd="sng" algn="ctr">
+                      <a:solidFill>
+                        <a:schemeClr val="tx1"/>
+                      </a:solidFill>
+                      <a:prstDash val="solid"/>
+                      <a:round/>
+                      <a:headEnd type="none" w="med" len="med"/>
+                      <a:tailEnd type="none" w="med" len="med"/>
+                    </a:lnB>
+                    <a:lnTlToBr w="12700" cmpd="sng">
+                      <a:noFill/>
+                      <a:prstDash val="solid"/>
+                    </a:lnTlToBr>
+                    <a:lnBlToTr w="12700" cmpd="sng">
+                      <a:noFill/>
+                      <a:prstDash val="solid"/>
+                    </a:lnBlToTr>
+                    <a:solidFill>
+                      <a:schemeClr val="accent1">
+                        <a:lumMod val="60000"/>
+                        <a:lumOff val="40000"/>
+                      </a:schemeClr>
+                    </a:solidFill>
+                  </a:tcPr>
+                </a:tc>
+                <a:extLst>
+                  <a:ext uri="{0D108BD9-81ED-4DB2-BD59-A6C34878D82A}">
+                    <a16:rowId xmlns:a16="http://schemas.microsoft.com/office/drawing/2014/main" val="2878739769"/>
+                  </a:ext>
+                </a:extLst>
+              </a:tr>
+            </a:tbl>
+          </a:graphicData>
+        </a:graphic>
+      </p:graphicFrame>
+      <p:sp>
+        <p:nvSpPr>
+          <p:cNvPr id="5" name="Szövegdoboz 4"/>
+          <p:cNvSpPr txBox="1"/>
+          <p:nvPr/>
+        </p:nvSpPr>
+        <p:spPr>
+          <a:xfrm>
+            <a:off x="3500846" y="1236617"/>
+            <a:ext cx="4339650" cy="707886"/>
+          </a:xfrm>
+          <a:prstGeom prst="rect">
+            <a:avLst/>
+          </a:prstGeom>
+          <a:noFill/>
+        </p:spPr>
+        <p:txBody>
+          <a:bodyPr wrap="none" rtlCol="0">
+            <a:spAutoFit/>
+          </a:bodyPr>
+          <a:lstStyle/>
+          <a:p>
+            <a:r>
+              <a:rPr lang="hu-HU" sz="4000" dirty="0" err="1"/>
+              <a:t>Task</a:t>
+            </a:r>
+            <a:r>
+              <a:rPr lang="hu-HU" sz="4000" dirty="0"/>
+              <a:t> </a:t>
+            </a:r>
+            <a:r>
+              <a:rPr lang="hu-HU" sz="4000" dirty="0" err="1"/>
+              <a:t>seperations</a:t>
+            </a:r>
+            <a:r>
+              <a:rPr lang="hu-HU" sz="4000" dirty="0"/>
+              <a:t>:</a:t>
+            </a:r>
+          </a:p>
+        </p:txBody>
+      </p:sp>
+    </p:spTree>
+    <p:extLst>
+      <p:ext uri="{BB962C8B-B14F-4D97-AF65-F5344CB8AC3E}">
+        <p14:creationId xmlns:p14="http://schemas.microsoft.com/office/powerpoint/2010/main" val="885574126"/>
+      </p:ext>
+    </p:extLst>
+  </p:cSld>
+  <p:clrMapOvr>
+    <a:masterClrMapping/>
+  </p:clrMapOvr>
+  <p:transition spd="slow">
+    <p:push dir="u"/>
+  </p:transition>
+</p:sld>
+</file>
+
+<file path=ppt/slides/slide50.xml><?xml version="1.0" encoding="utf-8"?>
 <p:sld xmlns:a="http://schemas.openxmlformats.org/drawingml/2006/main" xmlns:r="http://schemas.openxmlformats.org/officeDocument/2006/relationships" xmlns:p="http://schemas.openxmlformats.org/presentationml/2006/main">
   <p:cSld>
     <p:bg>
@@ -21092,7 +23950,7 @@
 </p:sld>
 </file>
 
-<file path=ppt/slides/slide47.xml><?xml version="1.0" encoding="utf-8"?>
+<file path=ppt/slides/slide51.xml><?xml version="1.0" encoding="utf-8"?>
 <p:sld xmlns:a="http://schemas.openxmlformats.org/drawingml/2006/main" xmlns:r="http://schemas.openxmlformats.org/officeDocument/2006/relationships" xmlns:p="http://schemas.openxmlformats.org/presentationml/2006/main">
   <p:cSld>
     <p:spTree>
@@ -21194,7 +24052,7 @@
 </p:sld>
 </file>
 
-<file path=ppt/slides/slide48.xml><?xml version="1.0" encoding="utf-8"?>
+<file path=ppt/slides/slide52.xml><?xml version="1.0" encoding="utf-8"?>
 <p:sld xmlns:a="http://schemas.openxmlformats.org/drawingml/2006/main" xmlns:r="http://schemas.openxmlformats.org/officeDocument/2006/relationships" xmlns:p="http://schemas.openxmlformats.org/presentationml/2006/main">
   <p:cSld>
     <p:spTree>
@@ -21309,7 +24167,7 @@
 </p:sld>
 </file>
 
-<file path=ppt/slides/slide49.xml><?xml version="1.0" encoding="utf-8"?>
+<file path=ppt/slides/slide53.xml><?xml version="1.0" encoding="utf-8"?>
 <p:sld xmlns:a="http://schemas.openxmlformats.org/drawingml/2006/main" xmlns:r="http://schemas.openxmlformats.org/officeDocument/2006/relationships" xmlns:p="http://schemas.openxmlformats.org/presentationml/2006/main">
   <p:cSld>
     <p:spTree>
@@ -21491,1402 +24349,7 @@
 </p:sld>
 </file>
 
-<file path=ppt/slides/slide5.xml><?xml version="1.0" encoding="utf-8"?>
-<p:sld xmlns:a="http://schemas.openxmlformats.org/drawingml/2006/main" xmlns:r="http://schemas.openxmlformats.org/officeDocument/2006/relationships" xmlns:p="http://schemas.openxmlformats.org/presentationml/2006/main">
-  <p:cSld>
-    <p:spTree>
-      <p:nvGrpSpPr>
-        <p:cNvPr id="1" name=""/>
-        <p:cNvGrpSpPr/>
-        <p:nvPr/>
-      </p:nvGrpSpPr>
-      <p:grpSpPr>
-        <a:xfrm>
-          <a:off x="0" y="0"/>
-          <a:ext cx="0" cy="0"/>
-          <a:chOff x="0" y="0"/>
-          <a:chExt cx="0" cy="0"/>
-        </a:xfrm>
-      </p:grpSpPr>
-      <p:graphicFrame>
-        <p:nvGraphicFramePr>
-          <p:cNvPr id="4" name="Táblázat 3"/>
-          <p:cNvGraphicFramePr>
-            <a:graphicFrameLocks noGrp="1"/>
-          </p:cNvGraphicFramePr>
-          <p:nvPr>
-            <p:extLst>
-              <p:ext uri="{D42A27DB-BD31-4B8C-83A1-F6EECF244321}">
-                <p14:modId xmlns:p14="http://schemas.microsoft.com/office/powerpoint/2010/main" val="2091294985"/>
-              </p:ext>
-            </p:extLst>
-          </p:nvPr>
-        </p:nvGraphicFramePr>
-        <p:xfrm>
-          <a:off x="1027611" y="3445448"/>
-          <a:ext cx="10215153" cy="2225040"/>
-        </p:xfrm>
-        <a:graphic>
-          <a:graphicData uri="http://schemas.openxmlformats.org/drawingml/2006/table">
-            <a:tbl>
-              <a:tblPr firstRow="1" bandRow="1">
-                <a:tableStyleId>{5C22544A-7EE6-4342-B048-85BDC9FD1C3A}</a:tableStyleId>
-              </a:tblPr>
-              <a:tblGrid>
-                <a:gridCol w="3405051">
-                  <a:extLst>
-                    <a:ext uri="{9D8B030D-6E8A-4147-A177-3AD203B41FA5}">
-                      <a16:colId xmlns:a16="http://schemas.microsoft.com/office/drawing/2014/main" val="813460602"/>
-                    </a:ext>
-                  </a:extLst>
-                </a:gridCol>
-                <a:gridCol w="3405051">
-                  <a:extLst>
-                    <a:ext uri="{9D8B030D-6E8A-4147-A177-3AD203B41FA5}">
-                      <a16:colId xmlns:a16="http://schemas.microsoft.com/office/drawing/2014/main" val="2116787683"/>
-                    </a:ext>
-                  </a:extLst>
-                </a:gridCol>
-                <a:gridCol w="3405051">
-                  <a:extLst>
-                    <a:ext uri="{9D8B030D-6E8A-4147-A177-3AD203B41FA5}">
-                      <a16:colId xmlns:a16="http://schemas.microsoft.com/office/drawing/2014/main" val="2670074441"/>
-                    </a:ext>
-                  </a:extLst>
-                </a:gridCol>
-              </a:tblGrid>
-              <a:tr h="370840">
-                <a:tc>
-                  <a:txBody>
-                    <a:bodyPr/>
-                    <a:lstStyle/>
-                    <a:p>
-                      <a:r>
-                        <a:rPr lang="hu-HU" dirty="0"/>
-                        <a:t>Lajka Kristóf</a:t>
-                      </a:r>
-                    </a:p>
-                  </a:txBody>
-                  <a:tcPr>
-                    <a:lnL w="12700" cap="flat" cmpd="sng" algn="ctr">
-                      <a:solidFill>
-                        <a:schemeClr val="tx1"/>
-                      </a:solidFill>
-                      <a:prstDash val="solid"/>
-                      <a:round/>
-                      <a:headEnd type="none" w="med" len="med"/>
-                      <a:tailEnd type="none" w="med" len="med"/>
-                    </a:lnL>
-                    <a:lnR w="12700" cap="flat" cmpd="sng" algn="ctr">
-                      <a:solidFill>
-                        <a:schemeClr val="tx1"/>
-                      </a:solidFill>
-                      <a:prstDash val="solid"/>
-                      <a:round/>
-                      <a:headEnd type="none" w="med" len="med"/>
-                      <a:tailEnd type="none" w="med" len="med"/>
-                    </a:lnR>
-                    <a:lnT w="12700" cap="flat" cmpd="sng" algn="ctr">
-                      <a:solidFill>
-                        <a:schemeClr val="tx1"/>
-                      </a:solidFill>
-                      <a:prstDash val="solid"/>
-                      <a:round/>
-                      <a:headEnd type="none" w="med" len="med"/>
-                      <a:tailEnd type="none" w="med" len="med"/>
-                    </a:lnT>
-                    <a:lnB w="12700" cap="flat" cmpd="sng" algn="ctr">
-                      <a:solidFill>
-                        <a:schemeClr val="tx1"/>
-                      </a:solidFill>
-                      <a:prstDash val="solid"/>
-                      <a:round/>
-                      <a:headEnd type="none" w="med" len="med"/>
-                      <a:tailEnd type="none" w="med" len="med"/>
-                    </a:lnB>
-                    <a:lnTlToBr w="12700" cmpd="sng">
-                      <a:noFill/>
-                      <a:prstDash val="solid"/>
-                    </a:lnTlToBr>
-                    <a:lnBlToTr w="12700" cmpd="sng">
-                      <a:noFill/>
-                      <a:prstDash val="solid"/>
-                    </a:lnBlToTr>
-                    <a:solidFill>
-                      <a:srgbClr val="0070C0"/>
-                    </a:solidFill>
-                  </a:tcPr>
-                </a:tc>
-                <a:tc>
-                  <a:txBody>
-                    <a:bodyPr/>
-                    <a:lstStyle/>
-                    <a:p>
-                      <a:r>
-                        <a:rPr lang="hu-HU" dirty="0">
-                          <a:solidFill>
-                            <a:schemeClr val="tx1"/>
-                          </a:solidFill>
-                        </a:rPr>
-                        <a:t>Váradi Ádám</a:t>
-                      </a:r>
-                    </a:p>
-                  </a:txBody>
-                  <a:tcPr>
-                    <a:lnL w="12700" cap="flat" cmpd="sng" algn="ctr">
-                      <a:solidFill>
-                        <a:schemeClr val="tx1"/>
-                      </a:solidFill>
-                      <a:prstDash val="solid"/>
-                      <a:round/>
-                      <a:headEnd type="none" w="med" len="med"/>
-                      <a:tailEnd type="none" w="med" len="med"/>
-                    </a:lnL>
-                    <a:lnR w="12700" cap="flat" cmpd="sng" algn="ctr">
-                      <a:solidFill>
-                        <a:schemeClr val="tx1"/>
-                      </a:solidFill>
-                      <a:prstDash val="solid"/>
-                      <a:round/>
-                      <a:headEnd type="none" w="med" len="med"/>
-                      <a:tailEnd type="none" w="med" len="med"/>
-                    </a:lnR>
-                    <a:lnT w="12700" cap="flat" cmpd="sng" algn="ctr">
-                      <a:solidFill>
-                        <a:schemeClr val="tx1"/>
-                      </a:solidFill>
-                      <a:prstDash val="solid"/>
-                      <a:round/>
-                      <a:headEnd type="none" w="med" len="med"/>
-                      <a:tailEnd type="none" w="med" len="med"/>
-                    </a:lnT>
-                    <a:lnB w="12700" cap="flat" cmpd="sng" algn="ctr">
-                      <a:solidFill>
-                        <a:schemeClr val="tx1"/>
-                      </a:solidFill>
-                      <a:prstDash val="solid"/>
-                      <a:round/>
-                      <a:headEnd type="none" w="med" len="med"/>
-                      <a:tailEnd type="none" w="med" len="med"/>
-                    </a:lnB>
-                    <a:lnTlToBr w="12700" cmpd="sng">
-                      <a:noFill/>
-                      <a:prstDash val="solid"/>
-                    </a:lnTlToBr>
-                    <a:lnBlToTr w="12700" cmpd="sng">
-                      <a:noFill/>
-                      <a:prstDash val="solid"/>
-                    </a:lnBlToTr>
-                    <a:solidFill>
-                      <a:schemeClr val="accent4">
-                        <a:lumMod val="75000"/>
-                      </a:schemeClr>
-                    </a:solidFill>
-                  </a:tcPr>
-                </a:tc>
-                <a:tc>
-                  <a:txBody>
-                    <a:bodyPr/>
-                    <a:lstStyle/>
-                    <a:p>
-                      <a:r>
-                        <a:rPr lang="hu-HU" dirty="0"/>
-                        <a:t>Enyedi</a:t>
-                      </a:r>
-                      <a:r>
-                        <a:rPr lang="hu-HU" baseline="0" dirty="0"/>
-                        <a:t> Sándor</a:t>
-                      </a:r>
-                      <a:endParaRPr lang="hu-HU" dirty="0"/>
-                    </a:p>
-                  </a:txBody>
-                  <a:tcPr>
-                    <a:lnL w="12700" cap="flat" cmpd="sng" algn="ctr">
-                      <a:solidFill>
-                        <a:schemeClr val="tx1"/>
-                      </a:solidFill>
-                      <a:prstDash val="solid"/>
-                      <a:round/>
-                      <a:headEnd type="none" w="med" len="med"/>
-                      <a:tailEnd type="none" w="med" len="med"/>
-                    </a:lnL>
-                    <a:lnR w="12700" cap="flat" cmpd="sng" algn="ctr">
-                      <a:solidFill>
-                        <a:schemeClr val="tx1"/>
-                      </a:solidFill>
-                      <a:prstDash val="solid"/>
-                      <a:round/>
-                      <a:headEnd type="none" w="med" len="med"/>
-                      <a:tailEnd type="none" w="med" len="med"/>
-                    </a:lnR>
-                    <a:lnT w="12700" cap="flat" cmpd="sng" algn="ctr">
-                      <a:solidFill>
-                        <a:schemeClr val="tx1"/>
-                      </a:solidFill>
-                      <a:prstDash val="solid"/>
-                      <a:round/>
-                      <a:headEnd type="none" w="med" len="med"/>
-                      <a:tailEnd type="none" w="med" len="med"/>
-                    </a:lnT>
-                    <a:lnB w="12700" cap="flat" cmpd="sng" algn="ctr">
-                      <a:solidFill>
-                        <a:schemeClr val="tx1"/>
-                      </a:solidFill>
-                      <a:prstDash val="solid"/>
-                      <a:round/>
-                      <a:headEnd type="none" w="med" len="med"/>
-                      <a:tailEnd type="none" w="med" len="med"/>
-                    </a:lnB>
-                    <a:lnTlToBr w="12700" cmpd="sng">
-                      <a:noFill/>
-                      <a:prstDash val="solid"/>
-                    </a:lnTlToBr>
-                    <a:lnBlToTr w="12700" cmpd="sng">
-                      <a:noFill/>
-                      <a:prstDash val="solid"/>
-                    </a:lnBlToTr>
-                    <a:solidFill>
-                      <a:schemeClr val="accent1">
-                        <a:lumMod val="50000"/>
-                      </a:schemeClr>
-                    </a:solidFill>
-                  </a:tcPr>
-                </a:tc>
-                <a:extLst>
-                  <a:ext uri="{0D108BD9-81ED-4DB2-BD59-A6C34878D82A}">
-                    <a16:rowId xmlns:a16="http://schemas.microsoft.com/office/drawing/2014/main" val="4233294084"/>
-                  </a:ext>
-                </a:extLst>
-              </a:tr>
-              <a:tr h="370840">
-                <a:tc>
-                  <a:txBody>
-                    <a:bodyPr/>
-                    <a:lstStyle/>
-                    <a:p>
-                      <a:r>
-                        <a:rPr lang="hu-HU" dirty="0">
-                          <a:solidFill>
-                            <a:schemeClr val="tx1"/>
-                          </a:solidFill>
-                        </a:rPr>
-                        <a:t>A topológia kialakítása</a:t>
-                      </a:r>
-                    </a:p>
-                  </a:txBody>
-                  <a:tcPr>
-                    <a:lnL w="12700" cap="flat" cmpd="sng" algn="ctr">
-                      <a:solidFill>
-                        <a:schemeClr val="tx1"/>
-                      </a:solidFill>
-                      <a:prstDash val="solid"/>
-                      <a:round/>
-                      <a:headEnd type="none" w="med" len="med"/>
-                      <a:tailEnd type="none" w="med" len="med"/>
-                    </a:lnL>
-                    <a:lnR w="12700" cap="flat" cmpd="sng" algn="ctr">
-                      <a:solidFill>
-                        <a:schemeClr val="tx1"/>
-                      </a:solidFill>
-                      <a:prstDash val="solid"/>
-                      <a:round/>
-                      <a:headEnd type="none" w="med" len="med"/>
-                      <a:tailEnd type="none" w="med" len="med"/>
-                    </a:lnR>
-                    <a:lnT w="12700" cap="flat" cmpd="sng" algn="ctr">
-                      <a:solidFill>
-                        <a:schemeClr val="tx1"/>
-                      </a:solidFill>
-                      <a:prstDash val="solid"/>
-                      <a:round/>
-                      <a:headEnd type="none" w="med" len="med"/>
-                      <a:tailEnd type="none" w="med" len="med"/>
-                    </a:lnT>
-                    <a:lnB w="12700" cap="flat" cmpd="sng" algn="ctr">
-                      <a:solidFill>
-                        <a:schemeClr val="tx1"/>
-                      </a:solidFill>
-                      <a:prstDash val="solid"/>
-                      <a:round/>
-                      <a:headEnd type="none" w="med" len="med"/>
-                      <a:tailEnd type="none" w="med" len="med"/>
-                    </a:lnB>
-                    <a:lnTlToBr w="12700" cmpd="sng">
-                      <a:noFill/>
-                      <a:prstDash val="solid"/>
-                    </a:lnTlToBr>
-                    <a:lnBlToTr w="12700" cmpd="sng">
-                      <a:noFill/>
-                      <a:prstDash val="solid"/>
-                    </a:lnBlToTr>
-                    <a:solidFill>
-                      <a:srgbClr val="00B0F0"/>
-                    </a:solidFill>
-                  </a:tcPr>
-                </a:tc>
-                <a:tc>
-                  <a:txBody>
-                    <a:bodyPr/>
-                    <a:lstStyle/>
-                    <a:p>
-                      <a:r>
-                        <a:rPr lang="hu-HU" dirty="0">
-                          <a:solidFill>
-                            <a:schemeClr val="tx1"/>
-                          </a:solidFill>
-                        </a:rPr>
-                        <a:t>A topológia kialakítás</a:t>
-                      </a:r>
-                    </a:p>
-                  </a:txBody>
-                  <a:tcPr>
-                    <a:lnL w="12700" cap="flat" cmpd="sng" algn="ctr">
-                      <a:solidFill>
-                        <a:schemeClr val="tx1"/>
-                      </a:solidFill>
-                      <a:prstDash val="solid"/>
-                      <a:round/>
-                      <a:headEnd type="none" w="med" len="med"/>
-                      <a:tailEnd type="none" w="med" len="med"/>
-                    </a:lnL>
-                    <a:lnR w="12700" cap="flat" cmpd="sng" algn="ctr">
-                      <a:solidFill>
-                        <a:schemeClr val="tx1"/>
-                      </a:solidFill>
-                      <a:prstDash val="solid"/>
-                      <a:round/>
-                      <a:headEnd type="none" w="med" len="med"/>
-                      <a:tailEnd type="none" w="med" len="med"/>
-                    </a:lnR>
-                    <a:lnT w="12700" cap="flat" cmpd="sng" algn="ctr">
-                      <a:solidFill>
-                        <a:schemeClr val="tx1"/>
-                      </a:solidFill>
-                      <a:prstDash val="solid"/>
-                      <a:round/>
-                      <a:headEnd type="none" w="med" len="med"/>
-                      <a:tailEnd type="none" w="med" len="med"/>
-                    </a:lnT>
-                    <a:lnB w="12700" cap="flat" cmpd="sng" algn="ctr">
-                      <a:solidFill>
-                        <a:schemeClr val="tx1"/>
-                      </a:solidFill>
-                      <a:prstDash val="solid"/>
-                      <a:round/>
-                      <a:headEnd type="none" w="med" len="med"/>
-                      <a:tailEnd type="none" w="med" len="med"/>
-                    </a:lnB>
-                    <a:lnTlToBr w="12700" cmpd="sng">
-                      <a:noFill/>
-                      <a:prstDash val="solid"/>
-                    </a:lnTlToBr>
-                    <a:lnBlToTr w="12700" cmpd="sng">
-                      <a:noFill/>
-                      <a:prstDash val="solid"/>
-                    </a:lnBlToTr>
-                    <a:solidFill>
-                      <a:schemeClr val="accent4">
-                        <a:lumMod val="60000"/>
-                        <a:lumOff val="40000"/>
-                      </a:schemeClr>
-                    </a:solidFill>
-                  </a:tcPr>
-                </a:tc>
-                <a:tc>
-                  <a:txBody>
-                    <a:bodyPr/>
-                    <a:lstStyle/>
-                    <a:p>
-                      <a:r>
-                        <a:rPr lang="hu-HU" dirty="0">
-                          <a:solidFill>
-                            <a:schemeClr val="tx1"/>
-                          </a:solidFill>
-                        </a:rPr>
-                        <a:t>OSPF konfigurálás</a:t>
-                      </a:r>
-                    </a:p>
-                  </a:txBody>
-                  <a:tcPr>
-                    <a:lnL w="12700" cap="flat" cmpd="sng" algn="ctr">
-                      <a:solidFill>
-                        <a:schemeClr val="tx1"/>
-                      </a:solidFill>
-                      <a:prstDash val="solid"/>
-                      <a:round/>
-                      <a:headEnd type="none" w="med" len="med"/>
-                      <a:tailEnd type="none" w="med" len="med"/>
-                    </a:lnL>
-                    <a:lnR w="12700" cap="flat" cmpd="sng" algn="ctr">
-                      <a:solidFill>
-                        <a:schemeClr val="tx1"/>
-                      </a:solidFill>
-                      <a:prstDash val="solid"/>
-                      <a:round/>
-                      <a:headEnd type="none" w="med" len="med"/>
-                      <a:tailEnd type="none" w="med" len="med"/>
-                    </a:lnR>
-                    <a:lnT w="12700" cap="flat" cmpd="sng" algn="ctr">
-                      <a:solidFill>
-                        <a:schemeClr val="tx1"/>
-                      </a:solidFill>
-                      <a:prstDash val="solid"/>
-                      <a:round/>
-                      <a:headEnd type="none" w="med" len="med"/>
-                      <a:tailEnd type="none" w="med" len="med"/>
-                    </a:lnT>
-                    <a:lnB w="12700" cap="flat" cmpd="sng" algn="ctr">
-                      <a:solidFill>
-                        <a:schemeClr val="tx1"/>
-                      </a:solidFill>
-                      <a:prstDash val="solid"/>
-                      <a:round/>
-                      <a:headEnd type="none" w="med" len="med"/>
-                      <a:tailEnd type="none" w="med" len="med"/>
-                    </a:lnB>
-                    <a:lnTlToBr w="12700" cmpd="sng">
-                      <a:noFill/>
-                      <a:prstDash val="solid"/>
-                    </a:lnTlToBr>
-                    <a:lnBlToTr w="12700" cmpd="sng">
-                      <a:noFill/>
-                      <a:prstDash val="solid"/>
-                    </a:lnBlToTr>
-                    <a:solidFill>
-                      <a:schemeClr val="accent1">
-                        <a:lumMod val="60000"/>
-                        <a:lumOff val="40000"/>
-                      </a:schemeClr>
-                    </a:solidFill>
-                  </a:tcPr>
-                </a:tc>
-                <a:extLst>
-                  <a:ext uri="{0D108BD9-81ED-4DB2-BD59-A6C34878D82A}">
-                    <a16:rowId xmlns:a16="http://schemas.microsoft.com/office/drawing/2014/main" val="557424543"/>
-                  </a:ext>
-                </a:extLst>
-              </a:tr>
-              <a:tr h="370840">
-                <a:tc>
-                  <a:txBody>
-                    <a:bodyPr/>
-                    <a:lstStyle/>
-                    <a:p>
-                      <a:r>
-                        <a:rPr lang="hu-HU" dirty="0">
-                          <a:solidFill>
-                            <a:schemeClr val="tx1"/>
-                          </a:solidFill>
-                        </a:rPr>
-                        <a:t>IPv4/IPv6</a:t>
-                      </a:r>
-                      <a:r>
-                        <a:rPr lang="hu-HU" baseline="0" dirty="0">
-                          <a:solidFill>
-                            <a:schemeClr val="tx1"/>
-                          </a:solidFill>
-                        </a:rPr>
-                        <a:t> címzés</a:t>
-                      </a:r>
-                      <a:endParaRPr lang="hu-HU" dirty="0">
-                        <a:solidFill>
-                          <a:schemeClr val="tx1"/>
-                        </a:solidFill>
-                      </a:endParaRPr>
-                    </a:p>
-                  </a:txBody>
-                  <a:tcPr>
-                    <a:lnL w="12700" cap="flat" cmpd="sng" algn="ctr">
-                      <a:solidFill>
-                        <a:schemeClr val="tx1"/>
-                      </a:solidFill>
-                      <a:prstDash val="solid"/>
-                      <a:round/>
-                      <a:headEnd type="none" w="med" len="med"/>
-                      <a:tailEnd type="none" w="med" len="med"/>
-                    </a:lnL>
-                    <a:lnR w="12700" cap="flat" cmpd="sng" algn="ctr">
-                      <a:solidFill>
-                        <a:schemeClr val="tx1"/>
-                      </a:solidFill>
-                      <a:prstDash val="solid"/>
-                      <a:round/>
-                      <a:headEnd type="none" w="med" len="med"/>
-                      <a:tailEnd type="none" w="med" len="med"/>
-                    </a:lnR>
-                    <a:lnT w="12700" cap="flat" cmpd="sng" algn="ctr">
-                      <a:solidFill>
-                        <a:schemeClr val="tx1"/>
-                      </a:solidFill>
-                      <a:prstDash val="solid"/>
-                      <a:round/>
-                      <a:headEnd type="none" w="med" len="med"/>
-                      <a:tailEnd type="none" w="med" len="med"/>
-                    </a:lnT>
-                    <a:lnB w="12700" cap="flat" cmpd="sng" algn="ctr">
-                      <a:solidFill>
-                        <a:schemeClr val="tx1"/>
-                      </a:solidFill>
-                      <a:prstDash val="solid"/>
-                      <a:round/>
-                      <a:headEnd type="none" w="med" len="med"/>
-                      <a:tailEnd type="none" w="med" len="med"/>
-                    </a:lnB>
-                    <a:lnTlToBr w="12700" cmpd="sng">
-                      <a:noFill/>
-                      <a:prstDash val="solid"/>
-                    </a:lnTlToBr>
-                    <a:lnBlToTr w="12700" cmpd="sng">
-                      <a:noFill/>
-                      <a:prstDash val="solid"/>
-                    </a:lnBlToTr>
-                    <a:solidFill>
-                      <a:srgbClr val="00B0F0"/>
-                    </a:solidFill>
-                  </a:tcPr>
-                </a:tc>
-                <a:tc>
-                  <a:txBody>
-                    <a:bodyPr/>
-                    <a:lstStyle/>
-                    <a:p>
-                      <a:r>
-                        <a:rPr lang="hu-HU" dirty="0">
-                          <a:solidFill>
-                            <a:schemeClr val="tx1"/>
-                          </a:solidFill>
-                        </a:rPr>
-                        <a:t>VLAN-ok és forgalomirányítás</a:t>
-                      </a:r>
-                    </a:p>
-                  </a:txBody>
-                  <a:tcPr>
-                    <a:lnL w="12700" cap="flat" cmpd="sng" algn="ctr">
-                      <a:solidFill>
-                        <a:schemeClr val="tx1"/>
-                      </a:solidFill>
-                      <a:prstDash val="solid"/>
-                      <a:round/>
-                      <a:headEnd type="none" w="med" len="med"/>
-                      <a:tailEnd type="none" w="med" len="med"/>
-                    </a:lnL>
-                    <a:lnR w="12700" cap="flat" cmpd="sng" algn="ctr">
-                      <a:solidFill>
-                        <a:schemeClr val="tx1"/>
-                      </a:solidFill>
-                      <a:prstDash val="solid"/>
-                      <a:round/>
-                      <a:headEnd type="none" w="med" len="med"/>
-                      <a:tailEnd type="none" w="med" len="med"/>
-                    </a:lnR>
-                    <a:lnT w="12700" cap="flat" cmpd="sng" algn="ctr">
-                      <a:solidFill>
-                        <a:schemeClr val="tx1"/>
-                      </a:solidFill>
-                      <a:prstDash val="solid"/>
-                      <a:round/>
-                      <a:headEnd type="none" w="med" len="med"/>
-                      <a:tailEnd type="none" w="med" len="med"/>
-                    </a:lnT>
-                    <a:lnB w="12700" cap="flat" cmpd="sng" algn="ctr">
-                      <a:solidFill>
-                        <a:schemeClr val="tx1"/>
-                      </a:solidFill>
-                      <a:prstDash val="solid"/>
-                      <a:round/>
-                      <a:headEnd type="none" w="med" len="med"/>
-                      <a:tailEnd type="none" w="med" len="med"/>
-                    </a:lnB>
-                    <a:lnTlToBr w="12700" cmpd="sng">
-                      <a:noFill/>
-                      <a:prstDash val="solid"/>
-                    </a:lnTlToBr>
-                    <a:lnBlToTr w="12700" cmpd="sng">
-                      <a:noFill/>
-                      <a:prstDash val="solid"/>
-                    </a:lnBlToTr>
-                    <a:solidFill>
-                      <a:schemeClr val="accent4">
-                        <a:lumMod val="60000"/>
-                        <a:lumOff val="40000"/>
-                      </a:schemeClr>
-                    </a:solidFill>
-                  </a:tcPr>
-                </a:tc>
-                <a:tc>
-                  <a:txBody>
-                    <a:bodyPr/>
-                    <a:lstStyle/>
-                    <a:p>
-                      <a:r>
-                        <a:rPr lang="hu-HU" dirty="0">
-                          <a:solidFill>
-                            <a:schemeClr val="tx1"/>
-                          </a:solidFill>
-                        </a:rPr>
-                        <a:t>Prezentáció</a:t>
-                      </a:r>
-                    </a:p>
-                  </a:txBody>
-                  <a:tcPr>
-                    <a:lnL w="12700" cap="flat" cmpd="sng" algn="ctr">
-                      <a:solidFill>
-                        <a:schemeClr val="tx1"/>
-                      </a:solidFill>
-                      <a:prstDash val="solid"/>
-                      <a:round/>
-                      <a:headEnd type="none" w="med" len="med"/>
-                      <a:tailEnd type="none" w="med" len="med"/>
-                    </a:lnL>
-                    <a:lnR w="12700" cap="flat" cmpd="sng" algn="ctr">
-                      <a:solidFill>
-                        <a:schemeClr val="tx1"/>
-                      </a:solidFill>
-                      <a:prstDash val="solid"/>
-                      <a:round/>
-                      <a:headEnd type="none" w="med" len="med"/>
-                      <a:tailEnd type="none" w="med" len="med"/>
-                    </a:lnR>
-                    <a:lnT w="12700" cap="flat" cmpd="sng" algn="ctr">
-                      <a:solidFill>
-                        <a:schemeClr val="tx1"/>
-                      </a:solidFill>
-                      <a:prstDash val="solid"/>
-                      <a:round/>
-                      <a:headEnd type="none" w="med" len="med"/>
-                      <a:tailEnd type="none" w="med" len="med"/>
-                    </a:lnT>
-                    <a:lnB w="12700" cap="flat" cmpd="sng" algn="ctr">
-                      <a:solidFill>
-                        <a:schemeClr val="tx1"/>
-                      </a:solidFill>
-                      <a:prstDash val="solid"/>
-                      <a:round/>
-                      <a:headEnd type="none" w="med" len="med"/>
-                      <a:tailEnd type="none" w="med" len="med"/>
-                    </a:lnB>
-                    <a:lnTlToBr w="12700" cmpd="sng">
-                      <a:noFill/>
-                      <a:prstDash val="solid"/>
-                    </a:lnTlToBr>
-                    <a:lnBlToTr w="12700" cmpd="sng">
-                      <a:noFill/>
-                      <a:prstDash val="solid"/>
-                    </a:lnBlToTr>
-                    <a:solidFill>
-                      <a:schemeClr val="accent1">
-                        <a:lumMod val="60000"/>
-                        <a:lumOff val="40000"/>
-                      </a:schemeClr>
-                    </a:solidFill>
-                  </a:tcPr>
-                </a:tc>
-                <a:extLst>
-                  <a:ext uri="{0D108BD9-81ED-4DB2-BD59-A6C34878D82A}">
-                    <a16:rowId xmlns:a16="http://schemas.microsoft.com/office/drawing/2014/main" val="1987530793"/>
-                  </a:ext>
-                </a:extLst>
-              </a:tr>
-              <a:tr h="370840">
-                <a:tc>
-                  <a:txBody>
-                    <a:bodyPr/>
-                    <a:lstStyle/>
-                    <a:p>
-                      <a:r>
-                        <a:rPr lang="hu-HU" dirty="0">
-                          <a:solidFill>
-                            <a:schemeClr val="tx1"/>
-                          </a:solidFill>
-                        </a:rPr>
-                        <a:t>VLAN-ok és forgalomirányítás</a:t>
-                      </a:r>
-                    </a:p>
-                  </a:txBody>
-                  <a:tcPr>
-                    <a:lnL w="12700" cap="flat" cmpd="sng" algn="ctr">
-                      <a:solidFill>
-                        <a:schemeClr val="tx1"/>
-                      </a:solidFill>
-                      <a:prstDash val="solid"/>
-                      <a:round/>
-                      <a:headEnd type="none" w="med" len="med"/>
-                      <a:tailEnd type="none" w="med" len="med"/>
-                    </a:lnL>
-                    <a:lnR w="12700" cap="flat" cmpd="sng" algn="ctr">
-                      <a:solidFill>
-                        <a:schemeClr val="tx1"/>
-                      </a:solidFill>
-                      <a:prstDash val="solid"/>
-                      <a:round/>
-                      <a:headEnd type="none" w="med" len="med"/>
-                      <a:tailEnd type="none" w="med" len="med"/>
-                    </a:lnR>
-                    <a:lnT w="12700" cap="flat" cmpd="sng" algn="ctr">
-                      <a:solidFill>
-                        <a:schemeClr val="tx1"/>
-                      </a:solidFill>
-                      <a:prstDash val="solid"/>
-                      <a:round/>
-                      <a:headEnd type="none" w="med" len="med"/>
-                      <a:tailEnd type="none" w="med" len="med"/>
-                    </a:lnT>
-                    <a:lnB w="12700" cap="flat" cmpd="sng" algn="ctr">
-                      <a:solidFill>
-                        <a:schemeClr val="tx1"/>
-                      </a:solidFill>
-                      <a:prstDash val="solid"/>
-                      <a:round/>
-                      <a:headEnd type="none" w="med" len="med"/>
-                      <a:tailEnd type="none" w="med" len="med"/>
-                    </a:lnB>
-                    <a:lnTlToBr w="12700" cmpd="sng">
-                      <a:noFill/>
-                      <a:prstDash val="solid"/>
-                    </a:lnTlToBr>
-                    <a:lnBlToTr w="12700" cmpd="sng">
-                      <a:noFill/>
-                      <a:prstDash val="solid"/>
-                    </a:lnBlToTr>
-                    <a:solidFill>
-                      <a:srgbClr val="00B0F0"/>
-                    </a:solidFill>
-                  </a:tcPr>
-                </a:tc>
-                <a:tc>
-                  <a:txBody>
-                    <a:bodyPr/>
-                    <a:lstStyle/>
-                    <a:p>
-                      <a:r>
-                        <a:rPr lang="hu-HU" dirty="0">
-                          <a:solidFill>
-                            <a:schemeClr val="tx1"/>
-                          </a:solidFill>
-                        </a:rPr>
-                        <a:t>NAT konfigurálás</a:t>
-                      </a:r>
-                    </a:p>
-                  </a:txBody>
-                  <a:tcPr>
-                    <a:lnL w="12700" cap="flat" cmpd="sng" algn="ctr">
-                      <a:solidFill>
-                        <a:schemeClr val="tx1"/>
-                      </a:solidFill>
-                      <a:prstDash val="solid"/>
-                      <a:round/>
-                      <a:headEnd type="none" w="med" len="med"/>
-                      <a:tailEnd type="none" w="med" len="med"/>
-                    </a:lnL>
-                    <a:lnR w="12700" cap="flat" cmpd="sng" algn="ctr">
-                      <a:solidFill>
-                        <a:schemeClr val="tx1"/>
-                      </a:solidFill>
-                      <a:prstDash val="solid"/>
-                      <a:round/>
-                      <a:headEnd type="none" w="med" len="med"/>
-                      <a:tailEnd type="none" w="med" len="med"/>
-                    </a:lnR>
-                    <a:lnT w="12700" cap="flat" cmpd="sng" algn="ctr">
-                      <a:solidFill>
-                        <a:schemeClr val="tx1"/>
-                      </a:solidFill>
-                      <a:prstDash val="solid"/>
-                      <a:round/>
-                      <a:headEnd type="none" w="med" len="med"/>
-                      <a:tailEnd type="none" w="med" len="med"/>
-                    </a:lnT>
-                    <a:lnB w="12700" cap="flat" cmpd="sng" algn="ctr">
-                      <a:solidFill>
-                        <a:schemeClr val="tx1"/>
-                      </a:solidFill>
-                      <a:prstDash val="solid"/>
-                      <a:round/>
-                      <a:headEnd type="none" w="med" len="med"/>
-                      <a:tailEnd type="none" w="med" len="med"/>
-                    </a:lnB>
-                    <a:lnTlToBr w="12700" cmpd="sng">
-                      <a:noFill/>
-                      <a:prstDash val="solid"/>
-                    </a:lnTlToBr>
-                    <a:lnBlToTr w="12700" cmpd="sng">
-                      <a:noFill/>
-                      <a:prstDash val="solid"/>
-                    </a:lnBlToTr>
-                    <a:solidFill>
-                      <a:schemeClr val="accent4">
-                        <a:lumMod val="60000"/>
-                        <a:lumOff val="40000"/>
-                      </a:schemeClr>
-                    </a:solidFill>
-                  </a:tcPr>
-                </a:tc>
-                <a:tc>
-                  <a:txBody>
-                    <a:bodyPr/>
-                    <a:lstStyle/>
-                    <a:p>
-                      <a:r>
-                        <a:rPr lang="hu-HU" dirty="0">
-                          <a:solidFill>
-                            <a:schemeClr val="tx1"/>
-                          </a:solidFill>
-                        </a:rPr>
-                        <a:t>Dokumentálás</a:t>
-                      </a:r>
-                    </a:p>
-                  </a:txBody>
-                  <a:tcPr>
-                    <a:lnL w="12700" cap="flat" cmpd="sng" algn="ctr">
-                      <a:solidFill>
-                        <a:schemeClr val="tx1"/>
-                      </a:solidFill>
-                      <a:prstDash val="solid"/>
-                      <a:round/>
-                      <a:headEnd type="none" w="med" len="med"/>
-                      <a:tailEnd type="none" w="med" len="med"/>
-                    </a:lnL>
-                    <a:lnR w="12700" cap="flat" cmpd="sng" algn="ctr">
-                      <a:solidFill>
-                        <a:schemeClr val="tx1"/>
-                      </a:solidFill>
-                      <a:prstDash val="solid"/>
-                      <a:round/>
-                      <a:headEnd type="none" w="med" len="med"/>
-                      <a:tailEnd type="none" w="med" len="med"/>
-                    </a:lnR>
-                    <a:lnT w="12700" cap="flat" cmpd="sng" algn="ctr">
-                      <a:solidFill>
-                        <a:schemeClr val="tx1"/>
-                      </a:solidFill>
-                      <a:prstDash val="solid"/>
-                      <a:round/>
-                      <a:headEnd type="none" w="med" len="med"/>
-                      <a:tailEnd type="none" w="med" len="med"/>
-                    </a:lnT>
-                    <a:lnB w="12700" cap="flat" cmpd="sng" algn="ctr">
-                      <a:solidFill>
-                        <a:schemeClr val="tx1"/>
-                      </a:solidFill>
-                      <a:prstDash val="solid"/>
-                      <a:round/>
-                      <a:headEnd type="none" w="med" len="med"/>
-                      <a:tailEnd type="none" w="med" len="med"/>
-                    </a:lnB>
-                    <a:lnTlToBr w="12700" cmpd="sng">
-                      <a:noFill/>
-                      <a:prstDash val="solid"/>
-                    </a:lnTlToBr>
-                    <a:lnBlToTr w="12700" cmpd="sng">
-                      <a:noFill/>
-                      <a:prstDash val="solid"/>
-                    </a:lnBlToTr>
-                    <a:solidFill>
-                      <a:schemeClr val="accent1">
-                        <a:lumMod val="60000"/>
-                        <a:lumOff val="40000"/>
-                      </a:schemeClr>
-                    </a:solidFill>
-                  </a:tcPr>
-                </a:tc>
-                <a:extLst>
-                  <a:ext uri="{0D108BD9-81ED-4DB2-BD59-A6C34878D82A}">
-                    <a16:rowId xmlns:a16="http://schemas.microsoft.com/office/drawing/2014/main" val="2236792374"/>
-                  </a:ext>
-                </a:extLst>
-              </a:tr>
-              <a:tr h="370840">
-                <a:tc>
-                  <a:txBody>
-                    <a:bodyPr/>
-                    <a:lstStyle/>
-                    <a:p>
-                      <a:r>
-                        <a:rPr lang="hu-HU" dirty="0">
-                          <a:solidFill>
-                            <a:schemeClr val="tx1"/>
-                          </a:solidFill>
-                        </a:rPr>
-                        <a:t>ACL beállítás</a:t>
-                      </a:r>
-                    </a:p>
-                  </a:txBody>
-                  <a:tcPr>
-                    <a:lnL w="12700" cap="flat" cmpd="sng" algn="ctr">
-                      <a:solidFill>
-                        <a:schemeClr val="tx1"/>
-                      </a:solidFill>
-                      <a:prstDash val="solid"/>
-                      <a:round/>
-                      <a:headEnd type="none" w="med" len="med"/>
-                      <a:tailEnd type="none" w="med" len="med"/>
-                    </a:lnL>
-                    <a:lnR w="12700" cap="flat" cmpd="sng" algn="ctr">
-                      <a:solidFill>
-                        <a:schemeClr val="tx1"/>
-                      </a:solidFill>
-                      <a:prstDash val="solid"/>
-                      <a:round/>
-                      <a:headEnd type="none" w="med" len="med"/>
-                      <a:tailEnd type="none" w="med" len="med"/>
-                    </a:lnR>
-                    <a:lnT w="12700" cap="flat" cmpd="sng" algn="ctr">
-                      <a:solidFill>
-                        <a:schemeClr val="tx1"/>
-                      </a:solidFill>
-                      <a:prstDash val="solid"/>
-                      <a:round/>
-                      <a:headEnd type="none" w="med" len="med"/>
-                      <a:tailEnd type="none" w="med" len="med"/>
-                    </a:lnT>
-                    <a:lnB w="12700" cap="flat" cmpd="sng" algn="ctr">
-                      <a:solidFill>
-                        <a:schemeClr val="tx1"/>
-                      </a:solidFill>
-                      <a:prstDash val="solid"/>
-                      <a:round/>
-                      <a:headEnd type="none" w="med" len="med"/>
-                      <a:tailEnd type="none" w="med" len="med"/>
-                    </a:lnB>
-                    <a:lnTlToBr w="12700" cmpd="sng">
-                      <a:noFill/>
-                      <a:prstDash val="solid"/>
-                    </a:lnTlToBr>
-                    <a:lnBlToTr w="12700" cmpd="sng">
-                      <a:noFill/>
-                      <a:prstDash val="solid"/>
-                    </a:lnBlToTr>
-                    <a:solidFill>
-                      <a:srgbClr val="00B0F0"/>
-                    </a:solidFill>
-                  </a:tcPr>
-                </a:tc>
-                <a:tc>
-                  <a:txBody>
-                    <a:bodyPr/>
-                    <a:lstStyle/>
-                    <a:p>
-                      <a:r>
-                        <a:rPr lang="hu-HU" dirty="0">
-                          <a:solidFill>
-                            <a:schemeClr val="tx1"/>
-                          </a:solidFill>
-                        </a:rPr>
-                        <a:t>SSH konfigurálás</a:t>
-                      </a:r>
-                    </a:p>
-                  </a:txBody>
-                  <a:tcPr>
-                    <a:lnL w="12700" cap="flat" cmpd="sng" algn="ctr">
-                      <a:solidFill>
-                        <a:schemeClr val="tx1"/>
-                      </a:solidFill>
-                      <a:prstDash val="solid"/>
-                      <a:round/>
-                      <a:headEnd type="none" w="med" len="med"/>
-                      <a:tailEnd type="none" w="med" len="med"/>
-                    </a:lnL>
-                    <a:lnR w="12700" cap="flat" cmpd="sng" algn="ctr">
-                      <a:solidFill>
-                        <a:schemeClr val="tx1"/>
-                      </a:solidFill>
-                      <a:prstDash val="solid"/>
-                      <a:round/>
-                      <a:headEnd type="none" w="med" len="med"/>
-                      <a:tailEnd type="none" w="med" len="med"/>
-                    </a:lnR>
-                    <a:lnT w="12700" cap="flat" cmpd="sng" algn="ctr">
-                      <a:solidFill>
-                        <a:schemeClr val="tx1"/>
-                      </a:solidFill>
-                      <a:prstDash val="solid"/>
-                      <a:round/>
-                      <a:headEnd type="none" w="med" len="med"/>
-                      <a:tailEnd type="none" w="med" len="med"/>
-                    </a:lnT>
-                    <a:lnB w="12700" cap="flat" cmpd="sng" algn="ctr">
-                      <a:solidFill>
-                        <a:schemeClr val="tx1"/>
-                      </a:solidFill>
-                      <a:prstDash val="solid"/>
-                      <a:round/>
-                      <a:headEnd type="none" w="med" len="med"/>
-                      <a:tailEnd type="none" w="med" len="med"/>
-                    </a:lnB>
-                    <a:lnTlToBr w="12700" cmpd="sng">
-                      <a:noFill/>
-                      <a:prstDash val="solid"/>
-                    </a:lnTlToBr>
-                    <a:lnBlToTr w="12700" cmpd="sng">
-                      <a:noFill/>
-                      <a:prstDash val="solid"/>
-                    </a:lnBlToTr>
-                    <a:solidFill>
-                      <a:schemeClr val="accent4">
-                        <a:lumMod val="60000"/>
-                        <a:lumOff val="40000"/>
-                      </a:schemeClr>
-                    </a:solidFill>
-                  </a:tcPr>
-                </a:tc>
-                <a:tc>
-                  <a:txBody>
-                    <a:bodyPr/>
-                    <a:lstStyle/>
-                    <a:p>
-                      <a:pPr marL="0" marR="0" lvl="0" indent="0" algn="l" defTabSz="457200" rtl="0" eaLnBrk="1" fontAlgn="auto" latinLnBrk="0" hangingPunct="1">
-                        <a:lnSpc>
-                          <a:spcPct val="100000"/>
-                        </a:lnSpc>
-                        <a:spcBef>
-                          <a:spcPts val="0"/>
-                        </a:spcBef>
-                        <a:spcAft>
-                          <a:spcPts val="0"/>
-                        </a:spcAft>
-                        <a:buClrTx/>
-                        <a:buSzTx/>
-                        <a:buFontTx/>
-                        <a:buNone/>
-                        <a:tabLst/>
-                        <a:defRPr/>
-                      </a:pPr>
-                      <a:r>
-                        <a:rPr lang="hu-HU" dirty="0">
-                          <a:solidFill>
-                            <a:schemeClr val="tx1"/>
-                          </a:solidFill>
-                        </a:rPr>
-                        <a:t>SSH konfigurálás</a:t>
-                      </a:r>
-                    </a:p>
-                  </a:txBody>
-                  <a:tcPr>
-                    <a:lnL w="12700" cap="flat" cmpd="sng" algn="ctr">
-                      <a:solidFill>
-                        <a:schemeClr val="tx1"/>
-                      </a:solidFill>
-                      <a:prstDash val="solid"/>
-                      <a:round/>
-                      <a:headEnd type="none" w="med" len="med"/>
-                      <a:tailEnd type="none" w="med" len="med"/>
-                    </a:lnL>
-                    <a:lnR w="12700" cap="flat" cmpd="sng" algn="ctr">
-                      <a:solidFill>
-                        <a:schemeClr val="tx1"/>
-                      </a:solidFill>
-                      <a:prstDash val="solid"/>
-                      <a:round/>
-                      <a:headEnd type="none" w="med" len="med"/>
-                      <a:tailEnd type="none" w="med" len="med"/>
-                    </a:lnR>
-                    <a:lnT w="12700" cap="flat" cmpd="sng" algn="ctr">
-                      <a:solidFill>
-                        <a:schemeClr val="tx1"/>
-                      </a:solidFill>
-                      <a:prstDash val="solid"/>
-                      <a:round/>
-                      <a:headEnd type="none" w="med" len="med"/>
-                      <a:tailEnd type="none" w="med" len="med"/>
-                    </a:lnT>
-                    <a:lnB w="12700" cap="flat" cmpd="sng" algn="ctr">
-                      <a:solidFill>
-                        <a:schemeClr val="tx1"/>
-                      </a:solidFill>
-                      <a:prstDash val="solid"/>
-                      <a:round/>
-                      <a:headEnd type="none" w="med" len="med"/>
-                      <a:tailEnd type="none" w="med" len="med"/>
-                    </a:lnB>
-                    <a:lnTlToBr w="12700" cmpd="sng">
-                      <a:noFill/>
-                      <a:prstDash val="solid"/>
-                    </a:lnTlToBr>
-                    <a:lnBlToTr w="12700" cmpd="sng">
-                      <a:noFill/>
-                      <a:prstDash val="solid"/>
-                    </a:lnBlToTr>
-                    <a:solidFill>
-                      <a:schemeClr val="accent1">
-                        <a:lumMod val="60000"/>
-                        <a:lumOff val="40000"/>
-                      </a:schemeClr>
-                    </a:solidFill>
-                  </a:tcPr>
-                </a:tc>
-                <a:extLst>
-                  <a:ext uri="{0D108BD9-81ED-4DB2-BD59-A6C34878D82A}">
-                    <a16:rowId xmlns:a16="http://schemas.microsoft.com/office/drawing/2014/main" val="3996496129"/>
-                  </a:ext>
-                </a:extLst>
-              </a:tr>
-              <a:tr h="370840">
-                <a:tc>
-                  <a:txBody>
-                    <a:bodyPr/>
-                    <a:lstStyle/>
-                    <a:p>
-                      <a:r>
-                        <a:rPr lang="hu-HU" dirty="0">
-                          <a:solidFill>
-                            <a:schemeClr val="tx1"/>
-                          </a:solidFill>
-                        </a:rPr>
-                        <a:t>HSRP beállítás</a:t>
-                      </a:r>
-                    </a:p>
-                  </a:txBody>
-                  <a:tcPr>
-                    <a:lnL w="12700" cap="flat" cmpd="sng" algn="ctr">
-                      <a:solidFill>
-                        <a:schemeClr val="tx1"/>
-                      </a:solidFill>
-                      <a:prstDash val="solid"/>
-                      <a:round/>
-                      <a:headEnd type="none" w="med" len="med"/>
-                      <a:tailEnd type="none" w="med" len="med"/>
-                    </a:lnL>
-                    <a:lnR w="12700" cap="flat" cmpd="sng" algn="ctr">
-                      <a:solidFill>
-                        <a:schemeClr val="tx1"/>
-                      </a:solidFill>
-                      <a:prstDash val="solid"/>
-                      <a:round/>
-                      <a:headEnd type="none" w="med" len="med"/>
-                      <a:tailEnd type="none" w="med" len="med"/>
-                    </a:lnR>
-                    <a:lnT w="12700" cap="flat" cmpd="sng" algn="ctr">
-                      <a:solidFill>
-                        <a:schemeClr val="tx1"/>
-                      </a:solidFill>
-                      <a:prstDash val="solid"/>
-                      <a:round/>
-                      <a:headEnd type="none" w="med" len="med"/>
-                      <a:tailEnd type="none" w="med" len="med"/>
-                    </a:lnT>
-                    <a:lnB w="12700" cap="flat" cmpd="sng" algn="ctr">
-                      <a:solidFill>
-                        <a:schemeClr val="tx1"/>
-                      </a:solidFill>
-                      <a:prstDash val="solid"/>
-                      <a:round/>
-                      <a:headEnd type="none" w="med" len="med"/>
-                      <a:tailEnd type="none" w="med" len="med"/>
-                    </a:lnB>
-                    <a:lnTlToBr w="12700" cmpd="sng">
-                      <a:noFill/>
-                      <a:prstDash val="solid"/>
-                    </a:lnTlToBr>
-                    <a:lnBlToTr w="12700" cmpd="sng">
-                      <a:noFill/>
-                      <a:prstDash val="solid"/>
-                    </a:lnBlToTr>
-                    <a:solidFill>
-                      <a:srgbClr val="00B0F0"/>
-                    </a:solidFill>
-                  </a:tcPr>
-                </a:tc>
-                <a:tc>
-                  <a:txBody>
-                    <a:bodyPr/>
-                    <a:lstStyle/>
-                    <a:p>
-                      <a:r>
-                        <a:rPr lang="hu-HU" dirty="0">
-                          <a:solidFill>
-                            <a:schemeClr val="tx1"/>
-                          </a:solidFill>
-                        </a:rPr>
-                        <a:t>IPv4/IPv6 címzés</a:t>
-                      </a:r>
-                    </a:p>
-                  </a:txBody>
-                  <a:tcPr>
-                    <a:lnL w="12700" cap="flat" cmpd="sng" algn="ctr">
-                      <a:solidFill>
-                        <a:schemeClr val="tx1"/>
-                      </a:solidFill>
-                      <a:prstDash val="solid"/>
-                      <a:round/>
-                      <a:headEnd type="none" w="med" len="med"/>
-                      <a:tailEnd type="none" w="med" len="med"/>
-                    </a:lnL>
-                    <a:lnR w="12700" cap="flat" cmpd="sng" algn="ctr">
-                      <a:solidFill>
-                        <a:schemeClr val="tx1"/>
-                      </a:solidFill>
-                      <a:prstDash val="solid"/>
-                      <a:round/>
-                      <a:headEnd type="none" w="med" len="med"/>
-                      <a:tailEnd type="none" w="med" len="med"/>
-                    </a:lnR>
-                    <a:lnT w="12700" cap="flat" cmpd="sng" algn="ctr">
-                      <a:solidFill>
-                        <a:schemeClr val="tx1"/>
-                      </a:solidFill>
-                      <a:prstDash val="solid"/>
-                      <a:round/>
-                      <a:headEnd type="none" w="med" len="med"/>
-                      <a:tailEnd type="none" w="med" len="med"/>
-                    </a:lnT>
-                    <a:lnB w="12700" cap="flat" cmpd="sng" algn="ctr">
-                      <a:solidFill>
-                        <a:schemeClr val="tx1"/>
-                      </a:solidFill>
-                      <a:prstDash val="solid"/>
-                      <a:round/>
-                      <a:headEnd type="none" w="med" len="med"/>
-                      <a:tailEnd type="none" w="med" len="med"/>
-                    </a:lnB>
-                    <a:lnTlToBr w="12700" cmpd="sng">
-                      <a:noFill/>
-                      <a:prstDash val="solid"/>
-                    </a:lnTlToBr>
-                    <a:lnBlToTr w="12700" cmpd="sng">
-                      <a:noFill/>
-                      <a:prstDash val="solid"/>
-                    </a:lnBlToTr>
-                    <a:solidFill>
-                      <a:schemeClr val="accent4">
-                        <a:lumMod val="60000"/>
-                        <a:lumOff val="40000"/>
-                      </a:schemeClr>
-                    </a:solidFill>
-                  </a:tcPr>
-                </a:tc>
-                <a:tc>
-                  <a:txBody>
-                    <a:bodyPr/>
-                    <a:lstStyle/>
-                    <a:p>
-                      <a:endParaRPr lang="hu-HU" dirty="0">
-                        <a:solidFill>
-                          <a:schemeClr val="tx1"/>
-                        </a:solidFill>
-                      </a:endParaRPr>
-                    </a:p>
-                  </a:txBody>
-                  <a:tcPr>
-                    <a:lnL w="12700" cap="flat" cmpd="sng" algn="ctr">
-                      <a:solidFill>
-                        <a:schemeClr val="tx1"/>
-                      </a:solidFill>
-                      <a:prstDash val="solid"/>
-                      <a:round/>
-                      <a:headEnd type="none" w="med" len="med"/>
-                      <a:tailEnd type="none" w="med" len="med"/>
-                    </a:lnL>
-                    <a:lnR w="12700" cap="flat" cmpd="sng" algn="ctr">
-                      <a:solidFill>
-                        <a:schemeClr val="tx1"/>
-                      </a:solidFill>
-                      <a:prstDash val="solid"/>
-                      <a:round/>
-                      <a:headEnd type="none" w="med" len="med"/>
-                      <a:tailEnd type="none" w="med" len="med"/>
-                    </a:lnR>
-                    <a:lnT w="12700" cap="flat" cmpd="sng" algn="ctr">
-                      <a:solidFill>
-                        <a:schemeClr val="tx1"/>
-                      </a:solidFill>
-                      <a:prstDash val="solid"/>
-                      <a:round/>
-                      <a:headEnd type="none" w="med" len="med"/>
-                      <a:tailEnd type="none" w="med" len="med"/>
-                    </a:lnT>
-                    <a:lnB w="12700" cap="flat" cmpd="sng" algn="ctr">
-                      <a:solidFill>
-                        <a:schemeClr val="tx1"/>
-                      </a:solidFill>
-                      <a:prstDash val="solid"/>
-                      <a:round/>
-                      <a:headEnd type="none" w="med" len="med"/>
-                      <a:tailEnd type="none" w="med" len="med"/>
-                    </a:lnB>
-                    <a:lnTlToBr w="12700" cmpd="sng">
-                      <a:noFill/>
-                      <a:prstDash val="solid"/>
-                    </a:lnTlToBr>
-                    <a:lnBlToTr w="12700" cmpd="sng">
-                      <a:noFill/>
-                      <a:prstDash val="solid"/>
-                    </a:lnBlToTr>
-                    <a:solidFill>
-                      <a:schemeClr val="accent1">
-                        <a:lumMod val="60000"/>
-                        <a:lumOff val="40000"/>
-                      </a:schemeClr>
-                    </a:solidFill>
-                  </a:tcPr>
-                </a:tc>
-                <a:extLst>
-                  <a:ext uri="{0D108BD9-81ED-4DB2-BD59-A6C34878D82A}">
-                    <a16:rowId xmlns:a16="http://schemas.microsoft.com/office/drawing/2014/main" val="2878739769"/>
-                  </a:ext>
-                </a:extLst>
-              </a:tr>
-            </a:tbl>
-          </a:graphicData>
-        </a:graphic>
-      </p:graphicFrame>
-      <p:sp>
-        <p:nvSpPr>
-          <p:cNvPr id="5" name="Szövegdoboz 4"/>
-          <p:cNvSpPr txBox="1"/>
-          <p:nvPr/>
-        </p:nvSpPr>
-        <p:spPr>
-          <a:xfrm>
-            <a:off x="3500846" y="1236617"/>
-            <a:ext cx="4339650" cy="707886"/>
-          </a:xfrm>
-          <a:prstGeom prst="rect">
-            <a:avLst/>
-          </a:prstGeom>
-          <a:noFill/>
-        </p:spPr>
-        <p:txBody>
-          <a:bodyPr wrap="none" rtlCol="0">
-            <a:spAutoFit/>
-          </a:bodyPr>
-          <a:lstStyle/>
-          <a:p>
-            <a:r>
-              <a:rPr lang="hu-HU" sz="4000" dirty="0" err="1"/>
-              <a:t>Task</a:t>
-            </a:r>
-            <a:r>
-              <a:rPr lang="hu-HU" sz="4000" dirty="0"/>
-              <a:t> </a:t>
-            </a:r>
-            <a:r>
-              <a:rPr lang="hu-HU" sz="4000" dirty="0" err="1"/>
-              <a:t>seperations</a:t>
-            </a:r>
-            <a:r>
-              <a:rPr lang="hu-HU" sz="4000" dirty="0"/>
-              <a:t>:</a:t>
-            </a:r>
-          </a:p>
-        </p:txBody>
-      </p:sp>
-    </p:spTree>
-    <p:extLst>
-      <p:ext uri="{BB962C8B-B14F-4D97-AF65-F5344CB8AC3E}">
-        <p14:creationId xmlns:p14="http://schemas.microsoft.com/office/powerpoint/2010/main" val="885574126"/>
-      </p:ext>
-    </p:extLst>
-  </p:cSld>
-  <p:clrMapOvr>
-    <a:masterClrMapping/>
-  </p:clrMapOvr>
-  <p:transition spd="slow">
-    <p:push dir="u"/>
-  </p:transition>
-</p:sld>
-</file>
-
-<file path=ppt/slides/slide50.xml><?xml version="1.0" encoding="utf-8"?>
+<file path=ppt/slides/slide54.xml><?xml version="1.0" encoding="utf-8"?>
 <p:sld xmlns:a="http://schemas.openxmlformats.org/drawingml/2006/main" xmlns:r="http://schemas.openxmlformats.org/officeDocument/2006/relationships" xmlns:p="http://schemas.openxmlformats.org/presentationml/2006/main">
   <p:cSld>
     <p:bg>

--- a/BorsodNet.pptx
+++ b/BorsodNet.pptx
@@ -6516,7 +6516,7 @@
           <a:p>
             <a:fld id="{4AAD347D-5ACD-4C99-B74B-A9C85AD731AF}" type="datetimeFigureOut">
               <a:rPr lang="en-US" dirty="0"/>
-              <a:t>3/19/2025</a:t>
+              <a:t>3/21/2025</a:t>
             </a:fld>
             <a:endParaRPr lang="en-US" dirty="0"/>
           </a:p>
@@ -6786,7 +6786,7 @@
           <a:p>
             <a:fld id="{4509A250-FF31-4206-8172-F9D3106AACB1}" type="datetimeFigureOut">
               <a:rPr lang="en-US" dirty="0"/>
-              <a:t>3/19/2025</a:t>
+              <a:t>3/21/2025</a:t>
             </a:fld>
             <a:endParaRPr lang="en-US" dirty="0"/>
           </a:p>
@@ -6979,7 +6979,7 @@
           <a:p>
             <a:fld id="{4509A250-FF31-4206-8172-F9D3106AACB1}" type="datetimeFigureOut">
               <a:rPr lang="en-US" dirty="0"/>
-              <a:t>3/19/2025</a:t>
+              <a:t>3/21/2025</a:t>
             </a:fld>
             <a:endParaRPr lang="en-US" dirty="0"/>
           </a:p>
@@ -7246,7 +7246,7 @@
           <a:p>
             <a:fld id="{4509A250-FF31-4206-8172-F9D3106AACB1}" type="datetimeFigureOut">
               <a:rPr lang="en-US" dirty="0"/>
-              <a:t>3/19/2025</a:t>
+              <a:t>3/21/2025</a:t>
             </a:fld>
             <a:endParaRPr lang="en-US" dirty="0"/>
           </a:p>
@@ -7577,7 +7577,7 @@
           <a:p>
             <a:fld id="{4509A250-FF31-4206-8172-F9D3106AACB1}" type="datetimeFigureOut">
               <a:rPr lang="en-US" dirty="0"/>
-              <a:t>3/19/2025</a:t>
+              <a:t>3/21/2025</a:t>
             </a:fld>
             <a:endParaRPr lang="en-US" dirty="0"/>
           </a:p>
@@ -8186,7 +8186,7 @@
           <a:p>
             <a:fld id="{4509A250-FF31-4206-8172-F9D3106AACB1}" type="datetimeFigureOut">
               <a:rPr lang="en-US" dirty="0"/>
-              <a:t>3/19/2025</a:t>
+              <a:t>3/21/2025</a:t>
             </a:fld>
             <a:endParaRPr lang="en-US" dirty="0"/>
           </a:p>
@@ -9020,7 +9020,7 @@
           <a:p>
             <a:fld id="{4509A250-FF31-4206-8172-F9D3106AACB1}" type="datetimeFigureOut">
               <a:rPr lang="en-US" dirty="0"/>
-              <a:t>3/19/2025</a:t>
+              <a:t>3/21/2025</a:t>
             </a:fld>
             <a:endParaRPr lang="en-US" dirty="0"/>
           </a:p>
@@ -9188,7 +9188,7 @@
           <a:p>
             <a:fld id="{4509A250-FF31-4206-8172-F9D3106AACB1}" type="datetimeFigureOut">
               <a:rPr lang="en-US" dirty="0"/>
-              <a:t>3/19/2025</a:t>
+              <a:t>3/21/2025</a:t>
             </a:fld>
             <a:endParaRPr lang="en-US" dirty="0"/>
           </a:p>
@@ -9366,7 +9366,7 @@
           <a:p>
             <a:fld id="{4509A250-FF31-4206-8172-F9D3106AACB1}" type="datetimeFigureOut">
               <a:rPr lang="en-US" dirty="0"/>
-              <a:t>3/19/2025</a:t>
+              <a:t>3/21/2025</a:t>
             </a:fld>
             <a:endParaRPr lang="en-US" dirty="0"/>
           </a:p>
@@ -9534,7 +9534,7 @@
           <a:p>
             <a:fld id="{4509A250-FF31-4206-8172-F9D3106AACB1}" type="datetimeFigureOut">
               <a:rPr lang="en-US" dirty="0"/>
-              <a:t>3/19/2025</a:t>
+              <a:t>3/21/2025</a:t>
             </a:fld>
             <a:endParaRPr lang="en-US" dirty="0"/>
           </a:p>
@@ -9777,7 +9777,7 @@
           <a:p>
             <a:fld id="{9796027F-7875-4030-9381-8BD8C4F21935}" type="datetimeFigureOut">
               <a:rPr lang="en-US" dirty="0"/>
-              <a:t>3/19/2025</a:t>
+              <a:t>3/21/2025</a:t>
             </a:fld>
             <a:endParaRPr lang="en-US" dirty="0"/>
           </a:p>
@@ -10066,7 +10066,7 @@
           <a:p>
             <a:fld id="{9796027F-7875-4030-9381-8BD8C4F21935}" type="datetimeFigureOut">
               <a:rPr lang="en-US" dirty="0"/>
-              <a:t>3/19/2025</a:t>
+              <a:t>3/21/2025</a:t>
             </a:fld>
             <a:endParaRPr lang="en-US" dirty="0"/>
           </a:p>
@@ -10501,7 +10501,7 @@
           <a:p>
             <a:fld id="{9796027F-7875-4030-9381-8BD8C4F21935}" type="datetimeFigureOut">
               <a:rPr lang="en-US" dirty="0"/>
-              <a:t>3/19/2025</a:t>
+              <a:t>3/21/2025</a:t>
             </a:fld>
             <a:endParaRPr lang="en-US" dirty="0"/>
           </a:p>
@@ -10618,7 +10618,7 @@
           <a:p>
             <a:fld id="{4509A250-FF31-4206-8172-F9D3106AACB1}" type="datetimeFigureOut">
               <a:rPr lang="en-US" dirty="0"/>
-              <a:t>3/19/2025</a:t>
+              <a:t>3/21/2025</a:t>
             </a:fld>
             <a:endParaRPr lang="en-US" dirty="0"/>
           </a:p>
@@ -10713,7 +10713,7 @@
           <a:p>
             <a:fld id="{4509A250-FF31-4206-8172-F9D3106AACB1}" type="datetimeFigureOut">
               <a:rPr lang="en-US" dirty="0"/>
-              <a:t>3/19/2025</a:t>
+              <a:t>3/21/2025</a:t>
             </a:fld>
             <a:endParaRPr lang="en-US" dirty="0"/>
           </a:p>
@@ -10990,7 +10990,7 @@
           <a:p>
             <a:fld id="{4509A250-FF31-4206-8172-F9D3106AACB1}" type="datetimeFigureOut">
               <a:rPr lang="en-US" dirty="0"/>
-              <a:t>3/19/2025</a:t>
+              <a:t>3/21/2025</a:t>
             </a:fld>
             <a:endParaRPr lang="en-US" dirty="0"/>
           </a:p>
@@ -11260,7 +11260,7 @@
           <a:p>
             <a:fld id="{4509A250-FF31-4206-8172-F9D3106AACB1}" type="datetimeFigureOut">
               <a:rPr lang="en-US" dirty="0"/>
-              <a:t>3/19/2025</a:t>
+              <a:t>3/21/2025</a:t>
             </a:fld>
             <a:endParaRPr lang="en-US" dirty="0"/>
           </a:p>
@@ -11687,7 +11687,7 @@
           <a:p>
             <a:fld id="{4AAD347D-5ACD-4C99-B74B-A9C85AD731AF}" type="datetimeFigureOut">
               <a:rPr lang="en-US" dirty="0"/>
-              <a:t>3/19/2025</a:t>
+              <a:t>3/21/2025</a:t>
             </a:fld>
             <a:endParaRPr lang="en-US" dirty="0"/>
           </a:p>
@@ -15114,7 +15114,7 @@
                 <a16:creationId xmlns:a16="http://schemas.microsoft.com/office/drawing/2014/main" id="{A4322390-8B58-46BE-88EB-D9FD30C08743}"/>
               </a:ext>
               <a:ext uri="{C183D7F6-B498-43B3-948B-1728B52AA6E4}">
-                <adec:decorative xmlns:adec="http://schemas.microsoft.com/office/drawing/2017/decorative" val="1"/>
+                <adec:decorative xmlns:adec="http://schemas.microsoft.com/office/drawing/2017/decorative" xmlns="" val="1"/>
               </a:ext>
             </a:extLst>
           </p:cNvPr>
@@ -15261,7 +15261,7 @@
                 <a16:creationId xmlns:a16="http://schemas.microsoft.com/office/drawing/2014/main" id="{C885E190-58DD-42DD-A4A8-401E15C92A52}"/>
               </a:ext>
               <a:ext uri="{C183D7F6-B498-43B3-948B-1728B52AA6E4}">
-                <adec:decorative xmlns:adec="http://schemas.microsoft.com/office/drawing/2017/decorative" val="1"/>
+                <adec:decorative xmlns:adec="http://schemas.microsoft.com/office/drawing/2017/decorative" xmlns="" val="1"/>
               </a:ext>
             </a:extLst>
           </p:cNvPr>
@@ -15475,7 +15475,7 @@
                 <a16:creationId xmlns:a16="http://schemas.microsoft.com/office/drawing/2014/main" id="{0D187C4E-14B9-4504-B200-5127823FA78C}"/>
               </a:ext>
               <a:ext uri="{C183D7F6-B498-43B3-948B-1728B52AA6E4}">
-                <adec:decorative xmlns:adec="http://schemas.microsoft.com/office/drawing/2017/decorative" val="1"/>
+                <adec:decorative xmlns:adec="http://schemas.microsoft.com/office/drawing/2017/decorative" xmlns="" val="1"/>
               </a:ext>
             </a:extLst>
           </p:cNvPr>
@@ -16147,7 +16147,7 @@
                 <a16:creationId xmlns:a16="http://schemas.microsoft.com/office/drawing/2014/main" id="{A4322390-8B58-46BE-88EB-D9FD30C08743}"/>
               </a:ext>
               <a:ext uri="{C183D7F6-B498-43B3-948B-1728B52AA6E4}">
-                <adec:decorative xmlns:adec="http://schemas.microsoft.com/office/drawing/2017/decorative" val="1"/>
+                <adec:decorative xmlns:adec="http://schemas.microsoft.com/office/drawing/2017/decorative" xmlns="" val="1"/>
               </a:ext>
             </a:extLst>
           </p:cNvPr>
@@ -16277,7 +16277,7 @@
                 <a16:creationId xmlns:a16="http://schemas.microsoft.com/office/drawing/2014/main" id="{C885E190-58DD-42DD-A4A8-401E15C92A52}"/>
               </a:ext>
               <a:ext uri="{C183D7F6-B498-43B3-948B-1728B52AA6E4}">
-                <adec:decorative xmlns:adec="http://schemas.microsoft.com/office/drawing/2017/decorative" val="1"/>
+                <adec:decorative xmlns:adec="http://schemas.microsoft.com/office/drawing/2017/decorative" xmlns="" val="1"/>
               </a:ext>
             </a:extLst>
           </p:cNvPr>
@@ -16398,7 +16398,7 @@
                 <a16:creationId xmlns:a16="http://schemas.microsoft.com/office/drawing/2014/main" id="{A4322390-8B58-46BE-88EB-D9FD30C08743}"/>
               </a:ext>
               <a:ext uri="{C183D7F6-B498-43B3-948B-1728B52AA6E4}">
-                <adec:decorative xmlns:adec="http://schemas.microsoft.com/office/drawing/2017/decorative" val="1"/>
+                <adec:decorative xmlns:adec="http://schemas.microsoft.com/office/drawing/2017/decorative" xmlns="" val="1"/>
               </a:ext>
             </a:extLst>
           </p:cNvPr>
@@ -16541,7 +16541,7 @@
                 <a16:creationId xmlns:a16="http://schemas.microsoft.com/office/drawing/2014/main" id="{C885E190-58DD-42DD-A4A8-401E15C92A52}"/>
               </a:ext>
               <a:ext uri="{C183D7F6-B498-43B3-948B-1728B52AA6E4}">
-                <adec:decorative xmlns:adec="http://schemas.microsoft.com/office/drawing/2017/decorative" val="1"/>
+                <adec:decorative xmlns:adec="http://schemas.microsoft.com/office/drawing/2017/decorative" xmlns="" val="1"/>
               </a:ext>
             </a:extLst>
           </p:cNvPr>
@@ -16943,7 +16943,7 @@
                 <a16:creationId xmlns:a16="http://schemas.microsoft.com/office/drawing/2014/main" id="{A4322390-8B58-46BE-88EB-D9FD30C08743}"/>
               </a:ext>
               <a:ext uri="{C183D7F6-B498-43B3-948B-1728B52AA6E4}">
-                <adec:decorative xmlns:adec="http://schemas.microsoft.com/office/drawing/2017/decorative" val="1"/>
+                <adec:decorative xmlns:adec="http://schemas.microsoft.com/office/drawing/2017/decorative" xmlns="" val="1"/>
               </a:ext>
             </a:extLst>
           </p:cNvPr>
@@ -17067,7 +17067,7 @@
                 <a16:creationId xmlns:a16="http://schemas.microsoft.com/office/drawing/2014/main" id="{C885E190-58DD-42DD-A4A8-401E15C92A52}"/>
               </a:ext>
               <a:ext uri="{C183D7F6-B498-43B3-948B-1728B52AA6E4}">
-                <adec:decorative xmlns:adec="http://schemas.microsoft.com/office/drawing/2017/decorative" val="1"/>
+                <adec:decorative xmlns:adec="http://schemas.microsoft.com/office/drawing/2017/decorative" xmlns="" val="1"/>
               </a:ext>
             </a:extLst>
           </p:cNvPr>
@@ -17407,7 +17407,7 @@
                 <a16:creationId xmlns:a16="http://schemas.microsoft.com/office/drawing/2014/main" id="{F39D3E2F-9AB0-4CB6-9F0C-2645BE7D709D}"/>
               </a:ext>
               <a:ext uri="{C183D7F6-B498-43B3-948B-1728B52AA6E4}">
-                <adec:decorative xmlns:adec="http://schemas.microsoft.com/office/drawing/2017/decorative" val="1"/>
+                <adec:decorative xmlns:adec="http://schemas.microsoft.com/office/drawing/2017/decorative" xmlns="" val="1"/>
               </a:ext>
             </a:extLst>
           </p:cNvPr>
@@ -17518,7 +17518,7 @@
                 <a16:creationId xmlns:a16="http://schemas.microsoft.com/office/drawing/2014/main" id="{169C63AC-F81B-4A83-929A-8350AA47146E}"/>
               </a:ext>
               <a:ext uri="{C183D7F6-B498-43B3-948B-1728B52AA6E4}">
-                <adec:decorative xmlns:adec="http://schemas.microsoft.com/office/drawing/2017/decorative" val="1"/>
+                <adec:decorative xmlns:adec="http://schemas.microsoft.com/office/drawing/2017/decorative" xmlns="" val="1"/>
               </a:ext>
             </a:extLst>
           </p:cNvPr>
@@ -17570,7 +17570,7 @@
                 <a16:creationId xmlns:a16="http://schemas.microsoft.com/office/drawing/2014/main" id="{2345B159-B1C1-44FE-9671-A618F09D68EC}"/>
               </a:ext>
               <a:ext uri="{C183D7F6-B498-43B3-948B-1728B52AA6E4}">
-                <adec:decorative xmlns:adec="http://schemas.microsoft.com/office/drawing/2017/decorative" val="1"/>
+                <adec:decorative xmlns:adec="http://schemas.microsoft.com/office/drawing/2017/decorative" xmlns="" val="1"/>
               </a:ext>
             </a:extLst>
           </p:cNvPr>
@@ -17861,7 +17861,7 @@
                 <a16:creationId xmlns:a16="http://schemas.microsoft.com/office/drawing/2014/main" id="{0D187C4E-14B9-4504-B200-5127823FA78C}"/>
               </a:ext>
               <a:ext uri="{C183D7F6-B498-43B3-948B-1728B52AA6E4}">
-                <adec:decorative xmlns:adec="http://schemas.microsoft.com/office/drawing/2017/decorative" val="1"/>
+                <adec:decorative xmlns:adec="http://schemas.microsoft.com/office/drawing/2017/decorative" xmlns="" val="1"/>
               </a:ext>
             </a:extLst>
           </p:cNvPr>
@@ -18357,7 +18357,7 @@
                 <a16:creationId xmlns:a16="http://schemas.microsoft.com/office/drawing/2014/main" id="{90057C55-0717-453E-A5DA-677D79D42D18}"/>
               </a:ext>
               <a:ext uri="{C183D7F6-B498-43B3-948B-1728B52AA6E4}">
-                <adec:decorative xmlns:adec="http://schemas.microsoft.com/office/drawing/2017/decorative" val="1"/>
+                <adec:decorative xmlns:adec="http://schemas.microsoft.com/office/drawing/2017/decorative" xmlns="" val="1"/>
               </a:ext>
             </a:extLst>
           </p:cNvPr>
@@ -19957,7 +19957,7 @@
                 <a16:creationId xmlns:a16="http://schemas.microsoft.com/office/drawing/2014/main" id="{C0F4014E-6BAF-4F6C-B8CE-81A4D8F8801E}"/>
               </a:ext>
               <a:ext uri="{C183D7F6-B498-43B3-948B-1728B52AA6E4}">
-                <adec:decorative xmlns:adec="http://schemas.microsoft.com/office/drawing/2017/decorative" val="1"/>
+                <adec:decorative xmlns:adec="http://schemas.microsoft.com/office/drawing/2017/decorative" xmlns="" val="1"/>
               </a:ext>
             </a:extLst>
           </p:cNvPr>
@@ -20001,7 +20001,7 @@
                 <a16:creationId xmlns:a16="http://schemas.microsoft.com/office/drawing/2014/main" id="{B891C919-1CCE-4DE8-BCB6-6D4A823ABA63}"/>
               </a:ext>
               <a:ext uri="{C183D7F6-B498-43B3-948B-1728B52AA6E4}">
-                <adec:decorative xmlns:adec="http://schemas.microsoft.com/office/drawing/2017/decorative" val="1"/>
+                <adec:decorative xmlns:adec="http://schemas.microsoft.com/office/drawing/2017/decorative" xmlns="" val="1"/>
               </a:ext>
             </a:extLst>
           </p:cNvPr>
@@ -20045,7 +20045,7 @@
                 <a16:creationId xmlns:a16="http://schemas.microsoft.com/office/drawing/2014/main" id="{845D3C1D-A85C-44EE-A21E-2DAAEC79F14E}"/>
               </a:ext>
               <a:ext uri="{C183D7F6-B498-43B3-948B-1728B52AA6E4}">
-                <adec:decorative xmlns:adec="http://schemas.microsoft.com/office/drawing/2017/decorative" val="1"/>
+                <adec:decorative xmlns:adec="http://schemas.microsoft.com/office/drawing/2017/decorative" xmlns="" val="1"/>
               </a:ext>
             </a:extLst>
           </p:cNvPr>
@@ -20125,7 +20125,7 @@
                 <a16:creationId xmlns:a16="http://schemas.microsoft.com/office/drawing/2014/main" id="{1272C03D-FF5F-4787-9923-252D8F950C24}"/>
               </a:ext>
               <a:ext uri="{C183D7F6-B498-43B3-948B-1728B52AA6E4}">
-                <adec:decorative xmlns:adec="http://schemas.microsoft.com/office/drawing/2017/decorative" val="1"/>
+                <adec:decorative xmlns:adec="http://schemas.microsoft.com/office/drawing/2017/decorative" xmlns="" val="1"/>
               </a:ext>
             </a:extLst>
           </p:cNvPr>
@@ -20169,7 +20169,7 @@
                 <a16:creationId xmlns:a16="http://schemas.microsoft.com/office/drawing/2014/main" id="{809E94B5-14C4-4FFC-A641-4DD9C0733BEC}"/>
               </a:ext>
               <a:ext uri="{C183D7F6-B498-43B3-948B-1728B52AA6E4}">
-                <adec:decorative xmlns:adec="http://schemas.microsoft.com/office/drawing/2017/decorative" val="1"/>
+                <adec:decorative xmlns:adec="http://schemas.microsoft.com/office/drawing/2017/decorative" xmlns="" val="1"/>
               </a:ext>
             </a:extLst>
           </p:cNvPr>
@@ -20213,7 +20213,7 @@
                 <a16:creationId xmlns:a16="http://schemas.microsoft.com/office/drawing/2014/main" id="{D987E165-75F1-443C-9A05-ADC511C3375C}"/>
               </a:ext>
               <a:ext uri="{C183D7F6-B498-43B3-948B-1728B52AA6E4}">
-                <adec:decorative xmlns:adec="http://schemas.microsoft.com/office/drawing/2017/decorative" val="1"/>
+                <adec:decorative xmlns:adec="http://schemas.microsoft.com/office/drawing/2017/decorative" xmlns="" val="1"/>
               </a:ext>
             </a:extLst>
           </p:cNvPr>
@@ -20445,10 +20445,8 @@
       </p:sp>
       <p:pic>
         <p:nvPicPr>
-          <p:cNvPr id="3" name="Kép 2"/>
-          <p:cNvPicPr>
-            <a:picLocks noChangeAspect="1"/>
-          </p:cNvPicPr>
+          <p:cNvPr id="4" name="Kép 3"/>
+          <p:cNvPicPr/>
           <p:nvPr/>
         </p:nvPicPr>
         <p:blipFill>
@@ -20465,8 +20463,8 @@
         </p:blipFill>
         <p:spPr>
           <a:xfrm>
-            <a:off x="646112" y="2898538"/>
-            <a:ext cx="4875002" cy="1764901"/>
+            <a:off x="1541462" y="2421254"/>
+            <a:ext cx="5497513" cy="3186353"/>
           </a:xfrm>
           <a:prstGeom prst="rect">
             <a:avLst/>
@@ -20522,7 +20520,7 @@
                 <a16:creationId xmlns:a16="http://schemas.microsoft.com/office/drawing/2014/main" id="{A4322390-8B58-46BE-88EB-D9FD30C08743}"/>
               </a:ext>
               <a:ext uri="{C183D7F6-B498-43B3-948B-1728B52AA6E4}">
-                <adec:decorative xmlns:adec="http://schemas.microsoft.com/office/drawing/2017/decorative" val="1"/>
+                <adec:decorative xmlns:adec="http://schemas.microsoft.com/office/drawing/2017/decorative" xmlns="" val="1"/>
               </a:ext>
             </a:extLst>
           </p:cNvPr>
@@ -20646,7 +20644,7 @@
                 <a16:creationId xmlns:a16="http://schemas.microsoft.com/office/drawing/2014/main" id="{C885E190-58DD-42DD-A4A8-401E15C92A52}"/>
               </a:ext>
               <a:ext uri="{C183D7F6-B498-43B3-948B-1728B52AA6E4}">
-                <adec:decorative xmlns:adec="http://schemas.microsoft.com/office/drawing/2017/decorative" val="1"/>
+                <adec:decorative xmlns:adec="http://schemas.microsoft.com/office/drawing/2017/decorative" xmlns="" val="1"/>
               </a:ext>
             </a:extLst>
           </p:cNvPr>
@@ -20959,7 +20957,7 @@
                 <a16:creationId xmlns:a16="http://schemas.microsoft.com/office/drawing/2014/main" id="{A4322390-8B58-46BE-88EB-D9FD30C08743}"/>
               </a:ext>
               <a:ext uri="{C183D7F6-B498-43B3-948B-1728B52AA6E4}">
-                <adec:decorative xmlns:adec="http://schemas.microsoft.com/office/drawing/2017/decorative" val="1"/>
+                <adec:decorative xmlns:adec="http://schemas.microsoft.com/office/drawing/2017/decorative" xmlns="" val="1"/>
               </a:ext>
             </a:extLst>
           </p:cNvPr>
@@ -21089,7 +21087,7 @@
                 <a16:creationId xmlns:a16="http://schemas.microsoft.com/office/drawing/2014/main" id="{C885E190-58DD-42DD-A4A8-401E15C92A52}"/>
               </a:ext>
               <a:ext uri="{C183D7F6-B498-43B3-948B-1728B52AA6E4}">
-                <adec:decorative xmlns:adec="http://schemas.microsoft.com/office/drawing/2017/decorative" val="1"/>
+                <adec:decorative xmlns:adec="http://schemas.microsoft.com/office/drawing/2017/decorative" xmlns="" val="1"/>
               </a:ext>
             </a:extLst>
           </p:cNvPr>
@@ -23765,7 +23763,7 @@
                 <a16:creationId xmlns:a16="http://schemas.microsoft.com/office/drawing/2014/main" id="{A4322390-8B58-46BE-88EB-D9FD30C08743}"/>
               </a:ext>
               <a:ext uri="{C183D7F6-B498-43B3-948B-1728B52AA6E4}">
-                <adec:decorative xmlns:adec="http://schemas.microsoft.com/office/drawing/2017/decorative" val="1"/>
+                <adec:decorative xmlns:adec="http://schemas.microsoft.com/office/drawing/2017/decorative" xmlns="" val="1"/>
               </a:ext>
             </a:extLst>
           </p:cNvPr>
@@ -23889,7 +23887,7 @@
                 <a16:creationId xmlns:a16="http://schemas.microsoft.com/office/drawing/2014/main" id="{C885E190-58DD-42DD-A4A8-401E15C92A52}"/>
               </a:ext>
               <a:ext uri="{C183D7F6-B498-43B3-948B-1728B52AA6E4}">
-                <adec:decorative xmlns:adec="http://schemas.microsoft.com/office/drawing/2017/decorative" val="1"/>
+                <adec:decorative xmlns:adec="http://schemas.microsoft.com/office/drawing/2017/decorative" xmlns="" val="1"/>
               </a:ext>
             </a:extLst>
           </p:cNvPr>
@@ -24382,7 +24380,7 @@
                 <a16:creationId xmlns:a16="http://schemas.microsoft.com/office/drawing/2014/main" id="{A4322390-8B58-46BE-88EB-D9FD30C08743}"/>
               </a:ext>
               <a:ext uri="{C183D7F6-B498-43B3-948B-1728B52AA6E4}">
-                <adec:decorative xmlns:adec="http://schemas.microsoft.com/office/drawing/2017/decorative" val="1"/>
+                <adec:decorative xmlns:adec="http://schemas.microsoft.com/office/drawing/2017/decorative" xmlns="" val="1"/>
               </a:ext>
             </a:extLst>
           </p:cNvPr>
@@ -24589,7 +24587,7 @@
                 <a16:creationId xmlns:a16="http://schemas.microsoft.com/office/drawing/2014/main" id="{C885E190-58DD-42DD-A4A8-401E15C92A52}"/>
               </a:ext>
               <a:ext uri="{C183D7F6-B498-43B3-948B-1728B52AA6E4}">
-                <adec:decorative xmlns:adec="http://schemas.microsoft.com/office/drawing/2017/decorative" val="1"/>
+                <adec:decorative xmlns:adec="http://schemas.microsoft.com/office/drawing/2017/decorative" xmlns="" val="1"/>
               </a:ext>
             </a:extLst>
           </p:cNvPr>
@@ -24699,7 +24697,7 @@
                 <a16:creationId xmlns:a16="http://schemas.microsoft.com/office/drawing/2014/main" id="{C9ECDD5C-152A-4CC7-8333-0F367B3A62EA}"/>
               </a:ext>
               <a:ext uri="{C183D7F6-B498-43B3-948B-1728B52AA6E4}">
-                <adec:decorative xmlns:adec="http://schemas.microsoft.com/office/drawing/2017/decorative" val="1"/>
+                <adec:decorative xmlns:adec="http://schemas.microsoft.com/office/drawing/2017/decorative" xmlns="" val="1"/>
               </a:ext>
             </a:extLst>
           </p:cNvPr>
@@ -24743,7 +24741,7 @@
                 <a16:creationId xmlns:a16="http://schemas.microsoft.com/office/drawing/2014/main" id="{7F5C92A3-369B-43F3-BDCE-E560B1B0EC89}"/>
               </a:ext>
               <a:ext uri="{C183D7F6-B498-43B3-948B-1728B52AA6E4}">
-                <adec:decorative xmlns:adec="http://schemas.microsoft.com/office/drawing/2017/decorative" val="1"/>
+                <adec:decorative xmlns:adec="http://schemas.microsoft.com/office/drawing/2017/decorative" xmlns="" val="1"/>
               </a:ext>
             </a:extLst>
           </p:cNvPr>
@@ -24787,7 +24785,7 @@
                 <a16:creationId xmlns:a16="http://schemas.microsoft.com/office/drawing/2014/main" id="{AEBE9F1A-B38D-446E-83AE-14B17CE77FF2}"/>
               </a:ext>
               <a:ext uri="{C183D7F6-B498-43B3-948B-1728B52AA6E4}">
-                <adec:decorative xmlns:adec="http://schemas.microsoft.com/office/drawing/2017/decorative" val="1"/>
+                <adec:decorative xmlns:adec="http://schemas.microsoft.com/office/drawing/2017/decorative" xmlns="" val="1"/>
               </a:ext>
             </a:extLst>
           </p:cNvPr>
@@ -24867,7 +24865,7 @@
                 <a16:creationId xmlns:a16="http://schemas.microsoft.com/office/drawing/2014/main" id="{915B5014-A7EC-4BA6-9C83-8840CF81DB28}"/>
               </a:ext>
               <a:ext uri="{C183D7F6-B498-43B3-948B-1728B52AA6E4}">
-                <adec:decorative xmlns:adec="http://schemas.microsoft.com/office/drawing/2017/decorative" val="1"/>
+                <adec:decorative xmlns:adec="http://schemas.microsoft.com/office/drawing/2017/decorative" xmlns="" val="1"/>
               </a:ext>
             </a:extLst>
           </p:cNvPr>
@@ -24911,7 +24909,7 @@
                 <a16:creationId xmlns:a16="http://schemas.microsoft.com/office/drawing/2014/main" id="{022C43AB-86D7-420D-8AD7-DC0A15FDD0AF}"/>
               </a:ext>
               <a:ext uri="{C183D7F6-B498-43B3-948B-1728B52AA6E4}">
-                <adec:decorative xmlns:adec="http://schemas.microsoft.com/office/drawing/2017/decorative" val="1"/>
+                <adec:decorative xmlns:adec="http://schemas.microsoft.com/office/drawing/2017/decorative" xmlns="" val="1"/>
               </a:ext>
             </a:extLst>
           </p:cNvPr>
@@ -24955,7 +24953,7 @@
                 <a16:creationId xmlns:a16="http://schemas.microsoft.com/office/drawing/2014/main" id="{5E3EB826-A471-488F-9E8A-D65528A3C0CA}"/>
               </a:ext>
               <a:ext uri="{C183D7F6-B498-43B3-948B-1728B52AA6E4}">
-                <adec:decorative xmlns:adec="http://schemas.microsoft.com/office/drawing/2017/decorative" val="1"/>
+                <adec:decorative xmlns:adec="http://schemas.microsoft.com/office/drawing/2017/decorative" xmlns="" val="1"/>
               </a:ext>
             </a:extLst>
           </p:cNvPr>
@@ -25008,7 +25006,7 @@
                 <a16:creationId xmlns:a16="http://schemas.microsoft.com/office/drawing/2014/main" id="{4309F268-A45B-4517-B03F-2774BAEFFBA6}"/>
               </a:ext>
               <a:ext uri="{C183D7F6-B498-43B3-948B-1728B52AA6E4}">
-                <adec:decorative xmlns:adec="http://schemas.microsoft.com/office/drawing/2017/decorative" val="1"/>
+                <adec:decorative xmlns:adec="http://schemas.microsoft.com/office/drawing/2017/decorative" xmlns="" val="1"/>
               </a:ext>
             </a:extLst>
           </p:cNvPr>
@@ -32985,7 +32983,7 @@
                 <a16:creationId xmlns:a16="http://schemas.microsoft.com/office/drawing/2014/main" id="{A4322390-8B58-46BE-88EB-D9FD30C08743}"/>
               </a:ext>
               <a:ext uri="{C183D7F6-B498-43B3-948B-1728B52AA6E4}">
-                <adec:decorative xmlns:adec="http://schemas.microsoft.com/office/drawing/2017/decorative" val="1"/>
+                <adec:decorative xmlns:adec="http://schemas.microsoft.com/office/drawing/2017/decorative" xmlns="" val="1"/>
               </a:ext>
             </a:extLst>
           </p:cNvPr>
@@ -33124,7 +33122,7 @@
                 <a16:creationId xmlns:a16="http://schemas.microsoft.com/office/drawing/2014/main" id="{C885E190-58DD-42DD-A4A8-401E15C92A52}"/>
               </a:ext>
               <a:ext uri="{C183D7F6-B498-43B3-948B-1728B52AA6E4}">
-                <adec:decorative xmlns:adec="http://schemas.microsoft.com/office/drawing/2017/decorative" val="1"/>
+                <adec:decorative xmlns:adec="http://schemas.microsoft.com/office/drawing/2017/decorative" xmlns="" val="1"/>
               </a:ext>
             </a:extLst>
           </p:cNvPr>
@@ -33338,7 +33336,7 @@
                 <a16:creationId xmlns:a16="http://schemas.microsoft.com/office/drawing/2014/main" id="{0D187C4E-14B9-4504-B200-5127823FA78C}"/>
               </a:ext>
               <a:ext uri="{C183D7F6-B498-43B3-948B-1728B52AA6E4}">
-                <adec:decorative xmlns:adec="http://schemas.microsoft.com/office/drawing/2017/decorative" val="1"/>
+                <adec:decorative xmlns:adec="http://schemas.microsoft.com/office/drawing/2017/decorative" xmlns="" val="1"/>
               </a:ext>
             </a:extLst>
           </p:cNvPr>
@@ -33566,7 +33564,7 @@
         </p:nvGraphicFramePr>
         <p:xfrm>
           <a:off x="1189404" y="2275703"/>
-          <a:ext cx="9808110" cy="2870772"/>
+          <a:ext cx="9808110" cy="2946273"/>
         </p:xfrm>
         <a:graphic>
           <a:graphicData uri="http://schemas.openxmlformats.org/drawingml/2006/table">

--- a/BorsodNet.pptx
+++ b/BorsodNet.pptx
@@ -168,9 +168,7 @@
 <file path=ppt/revisionInfo.xml><?xml version="1.0" encoding="utf-8"?>
 <p1510:revInfo xmlns:a="http://schemas.openxmlformats.org/drawingml/2006/main" xmlns:r="http://schemas.openxmlformats.org/officeDocument/2006/relationships" xmlns:p1510="http://schemas.microsoft.com/office/powerpoint/2015/10/main">
   <p1510:revLst>
-    <p1510:client id="{30CA4A85-AF90-295C-8D38-AA50E8AFAF55}" v="234" dt="2025-03-17T11:18:38.149"/>
-    <p1510:client id="{BE1144B1-0F23-1DAC-49FE-4F762E2B47C2}" v="248" dt="2025-03-19T10:25:13.276"/>
-    <p1510:client id="{FF2DDE22-F4D8-F6EB-D28D-483D37AAEA1B}" v="330" dt="2025-03-19T08:44:25.576"/>
+    <p1510:client id="{7F99C35F-5CB5-A1C0-C094-4C4545293C7D}" v="19" dt="2025-03-21T15:57:59.336"/>
   </p1510:revLst>
 </p1510:revInfo>
 </file>
@@ -1739,6 +1737,70 @@
             <pc:docMk/>
             <pc:sldMk cId="1179111677" sldId="295"/>
             <ac:picMk id="2" creationId="{F5FD445D-1E8A-3317-E5FA-99C665B7FD8F}"/>
+          </ac:picMkLst>
+        </pc:picChg>
+      </pc:sldChg>
+    </pc:docChg>
+  </pc:docChgLst>
+  <pc:docChgLst>
+    <pc:chgData name="Kristóf Lajka" userId="5e6963896e59b084" providerId="Windows Live" clId="Web-{7F99C35F-5CB5-A1C0-C094-4C4545293C7D}"/>
+    <pc:docChg chg="modSld">
+      <pc:chgData name="Kristóf Lajka" userId="5e6963896e59b084" providerId="Windows Live" clId="Web-{7F99C35F-5CB5-A1C0-C094-4C4545293C7D}" dt="2025-03-21T15:57:59.336" v="11" actId="1076"/>
+      <pc:docMkLst>
+        <pc:docMk/>
+      </pc:docMkLst>
+      <pc:sldChg chg="addSp delSp modSp">
+        <pc:chgData name="Kristóf Lajka" userId="5e6963896e59b084" providerId="Windows Live" clId="Web-{7F99C35F-5CB5-A1C0-C094-4C4545293C7D}" dt="2025-03-21T15:57:59.336" v="11" actId="1076"/>
+        <pc:sldMkLst>
+          <pc:docMk/>
+          <pc:sldMk cId="3092647374" sldId="272"/>
+        </pc:sldMkLst>
+        <pc:spChg chg="mod">
+          <ac:chgData name="Kristóf Lajka" userId="5e6963896e59b084" providerId="Windows Live" clId="Web-{7F99C35F-5CB5-A1C0-C094-4C4545293C7D}" dt="2025-03-21T15:57:53.117" v="9" actId="1076"/>
+          <ac:spMkLst>
+            <pc:docMk/>
+            <pc:sldMk cId="3092647374" sldId="272"/>
+            <ac:spMk id="7" creationId="{D9C922F4-7BCB-B0E1-B623-7AD1C3EC51F1}"/>
+          </ac:spMkLst>
+        </pc:spChg>
+        <pc:spChg chg="mod">
+          <ac:chgData name="Kristóf Lajka" userId="5e6963896e59b084" providerId="Windows Live" clId="Web-{7F99C35F-5CB5-A1C0-C094-4C4545293C7D}" dt="2025-03-21T15:57:59.336" v="11" actId="1076"/>
+          <ac:spMkLst>
+            <pc:docMk/>
+            <pc:sldMk cId="3092647374" sldId="272"/>
+            <ac:spMk id="9" creationId="{F85E2508-6E72-60A8-E687-155C9A0D1C24}"/>
+          </ac:spMkLst>
+        </pc:spChg>
+        <pc:picChg chg="mod">
+          <ac:chgData name="Kristóf Lajka" userId="5e6963896e59b084" providerId="Windows Live" clId="Web-{7F99C35F-5CB5-A1C0-C094-4C4545293C7D}" dt="2025-03-21T15:57:46.883" v="7" actId="1076"/>
+          <ac:picMkLst>
+            <pc:docMk/>
+            <pc:sldMk cId="3092647374" sldId="272"/>
+            <ac:picMk id="3" creationId="{00000000-0000-0000-0000-000000000000}"/>
+          </ac:picMkLst>
+        </pc:picChg>
+        <pc:picChg chg="add mod">
+          <ac:chgData name="Kristóf Lajka" userId="5e6963896e59b084" providerId="Windows Live" clId="Web-{7F99C35F-5CB5-A1C0-C094-4C4545293C7D}" dt="2025-03-21T15:57:55.164" v="10" actId="1076"/>
+          <ac:picMkLst>
+            <pc:docMk/>
+            <pc:sldMk cId="3092647374" sldId="272"/>
+            <ac:picMk id="4" creationId="{2C55C7A4-F045-9EED-A1FF-A2FC85F107AD}"/>
+          </ac:picMkLst>
+        </pc:picChg>
+        <pc:picChg chg="del">
+          <ac:chgData name="Kristóf Lajka" userId="5e6963896e59b084" providerId="Windows Live" clId="Web-{7F99C35F-5CB5-A1C0-C094-4C4545293C7D}" dt="2025-03-21T15:57:28.710" v="0"/>
+          <ac:picMkLst>
+            <pc:docMk/>
+            <pc:sldMk cId="3092647374" sldId="272"/>
+            <ac:picMk id="8" creationId="{047AAA7C-B3CF-3A1C-3D4C-98D2E83A772F}"/>
+          </ac:picMkLst>
+        </pc:picChg>
+        <pc:picChg chg="mod">
+          <ac:chgData name="Kristóf Lajka" userId="5e6963896e59b084" providerId="Windows Live" clId="Web-{7F99C35F-5CB5-A1C0-C094-4C4545293C7D}" dt="2025-03-21T15:57:50.117" v="8" actId="1076"/>
+          <ac:picMkLst>
+            <pc:docMk/>
+            <pc:sldMk cId="3092647374" sldId="272"/>
+            <ac:picMk id="11" creationId="{00000000-0000-0000-0000-000000000000}"/>
           </ac:picMkLst>
         </pc:picChg>
       </pc:sldChg>
@@ -15114,7 +15176,7 @@
                 <a16:creationId xmlns:a16="http://schemas.microsoft.com/office/drawing/2014/main" id="{A4322390-8B58-46BE-88EB-D9FD30C08743}"/>
               </a:ext>
               <a:ext uri="{C183D7F6-B498-43B3-948B-1728B52AA6E4}">
-                <adec:decorative xmlns:adec="http://schemas.microsoft.com/office/drawing/2017/decorative" xmlns="" val="1"/>
+                <adec:decorative xmlns:adec="http://schemas.microsoft.com/office/drawing/2017/decorative" val="1"/>
               </a:ext>
             </a:extLst>
           </p:cNvPr>
@@ -15261,7 +15323,7 @@
                 <a16:creationId xmlns:a16="http://schemas.microsoft.com/office/drawing/2014/main" id="{C885E190-58DD-42DD-A4A8-401E15C92A52}"/>
               </a:ext>
               <a:ext uri="{C183D7F6-B498-43B3-948B-1728B52AA6E4}">
-                <adec:decorative xmlns:adec="http://schemas.microsoft.com/office/drawing/2017/decorative" xmlns="" val="1"/>
+                <adec:decorative xmlns:adec="http://schemas.microsoft.com/office/drawing/2017/decorative" val="1"/>
               </a:ext>
             </a:extLst>
           </p:cNvPr>
@@ -15475,7 +15537,7 @@
                 <a16:creationId xmlns:a16="http://schemas.microsoft.com/office/drawing/2014/main" id="{0D187C4E-14B9-4504-B200-5127823FA78C}"/>
               </a:ext>
               <a:ext uri="{C183D7F6-B498-43B3-948B-1728B52AA6E4}">
-                <adec:decorative xmlns:adec="http://schemas.microsoft.com/office/drawing/2017/decorative" xmlns="" val="1"/>
+                <adec:decorative xmlns:adec="http://schemas.microsoft.com/office/drawing/2017/decorative" val="1"/>
               </a:ext>
             </a:extLst>
           </p:cNvPr>
@@ -16147,7 +16209,7 @@
                 <a16:creationId xmlns:a16="http://schemas.microsoft.com/office/drawing/2014/main" id="{A4322390-8B58-46BE-88EB-D9FD30C08743}"/>
               </a:ext>
               <a:ext uri="{C183D7F6-B498-43B3-948B-1728B52AA6E4}">
-                <adec:decorative xmlns:adec="http://schemas.microsoft.com/office/drawing/2017/decorative" xmlns="" val="1"/>
+                <adec:decorative xmlns:adec="http://schemas.microsoft.com/office/drawing/2017/decorative" val="1"/>
               </a:ext>
             </a:extLst>
           </p:cNvPr>
@@ -16277,7 +16339,7 @@
                 <a16:creationId xmlns:a16="http://schemas.microsoft.com/office/drawing/2014/main" id="{C885E190-58DD-42DD-A4A8-401E15C92A52}"/>
               </a:ext>
               <a:ext uri="{C183D7F6-B498-43B3-948B-1728B52AA6E4}">
-                <adec:decorative xmlns:adec="http://schemas.microsoft.com/office/drawing/2017/decorative" xmlns="" val="1"/>
+                <adec:decorative xmlns:adec="http://schemas.microsoft.com/office/drawing/2017/decorative" val="1"/>
               </a:ext>
             </a:extLst>
           </p:cNvPr>
@@ -16398,7 +16460,7 @@
                 <a16:creationId xmlns:a16="http://schemas.microsoft.com/office/drawing/2014/main" id="{A4322390-8B58-46BE-88EB-D9FD30C08743}"/>
               </a:ext>
               <a:ext uri="{C183D7F6-B498-43B3-948B-1728B52AA6E4}">
-                <adec:decorative xmlns:adec="http://schemas.microsoft.com/office/drawing/2017/decorative" xmlns="" val="1"/>
+                <adec:decorative xmlns:adec="http://schemas.microsoft.com/office/drawing/2017/decorative" val="1"/>
               </a:ext>
             </a:extLst>
           </p:cNvPr>
@@ -16541,7 +16603,7 @@
                 <a16:creationId xmlns:a16="http://schemas.microsoft.com/office/drawing/2014/main" id="{C885E190-58DD-42DD-A4A8-401E15C92A52}"/>
               </a:ext>
               <a:ext uri="{C183D7F6-B498-43B3-948B-1728B52AA6E4}">
-                <adec:decorative xmlns:adec="http://schemas.microsoft.com/office/drawing/2017/decorative" xmlns="" val="1"/>
+                <adec:decorative xmlns:adec="http://schemas.microsoft.com/office/drawing/2017/decorative" val="1"/>
               </a:ext>
             </a:extLst>
           </p:cNvPr>
@@ -16943,7 +17005,7 @@
                 <a16:creationId xmlns:a16="http://schemas.microsoft.com/office/drawing/2014/main" id="{A4322390-8B58-46BE-88EB-D9FD30C08743}"/>
               </a:ext>
               <a:ext uri="{C183D7F6-B498-43B3-948B-1728B52AA6E4}">
-                <adec:decorative xmlns:adec="http://schemas.microsoft.com/office/drawing/2017/decorative" xmlns="" val="1"/>
+                <adec:decorative xmlns:adec="http://schemas.microsoft.com/office/drawing/2017/decorative" val="1"/>
               </a:ext>
             </a:extLst>
           </p:cNvPr>
@@ -17067,7 +17129,7 @@
                 <a16:creationId xmlns:a16="http://schemas.microsoft.com/office/drawing/2014/main" id="{C885E190-58DD-42DD-A4A8-401E15C92A52}"/>
               </a:ext>
               <a:ext uri="{C183D7F6-B498-43B3-948B-1728B52AA6E4}">
-                <adec:decorative xmlns:adec="http://schemas.microsoft.com/office/drawing/2017/decorative" xmlns="" val="1"/>
+                <adec:decorative xmlns:adec="http://schemas.microsoft.com/office/drawing/2017/decorative" val="1"/>
               </a:ext>
             </a:extLst>
           </p:cNvPr>
@@ -17407,7 +17469,7 @@
                 <a16:creationId xmlns:a16="http://schemas.microsoft.com/office/drawing/2014/main" id="{F39D3E2F-9AB0-4CB6-9F0C-2645BE7D709D}"/>
               </a:ext>
               <a:ext uri="{C183D7F6-B498-43B3-948B-1728B52AA6E4}">
-                <adec:decorative xmlns:adec="http://schemas.microsoft.com/office/drawing/2017/decorative" xmlns="" val="1"/>
+                <adec:decorative xmlns:adec="http://schemas.microsoft.com/office/drawing/2017/decorative" val="1"/>
               </a:ext>
             </a:extLst>
           </p:cNvPr>
@@ -17518,7 +17580,7 @@
                 <a16:creationId xmlns:a16="http://schemas.microsoft.com/office/drawing/2014/main" id="{169C63AC-F81B-4A83-929A-8350AA47146E}"/>
               </a:ext>
               <a:ext uri="{C183D7F6-B498-43B3-948B-1728B52AA6E4}">
-                <adec:decorative xmlns:adec="http://schemas.microsoft.com/office/drawing/2017/decorative" xmlns="" val="1"/>
+                <adec:decorative xmlns:adec="http://schemas.microsoft.com/office/drawing/2017/decorative" val="1"/>
               </a:ext>
             </a:extLst>
           </p:cNvPr>
@@ -17570,7 +17632,7 @@
                 <a16:creationId xmlns:a16="http://schemas.microsoft.com/office/drawing/2014/main" id="{2345B159-B1C1-44FE-9671-A618F09D68EC}"/>
               </a:ext>
               <a:ext uri="{C183D7F6-B498-43B3-948B-1728B52AA6E4}">
-                <adec:decorative xmlns:adec="http://schemas.microsoft.com/office/drawing/2017/decorative" xmlns="" val="1"/>
+                <adec:decorative xmlns:adec="http://schemas.microsoft.com/office/drawing/2017/decorative" val="1"/>
               </a:ext>
             </a:extLst>
           </p:cNvPr>
@@ -17861,7 +17923,7 @@
                 <a16:creationId xmlns:a16="http://schemas.microsoft.com/office/drawing/2014/main" id="{0D187C4E-14B9-4504-B200-5127823FA78C}"/>
               </a:ext>
               <a:ext uri="{C183D7F6-B498-43B3-948B-1728B52AA6E4}">
-                <adec:decorative xmlns:adec="http://schemas.microsoft.com/office/drawing/2017/decorative" xmlns="" val="1"/>
+                <adec:decorative xmlns:adec="http://schemas.microsoft.com/office/drawing/2017/decorative" val="1"/>
               </a:ext>
             </a:extLst>
           </p:cNvPr>
@@ -18357,7 +18419,7 @@
                 <a16:creationId xmlns:a16="http://schemas.microsoft.com/office/drawing/2014/main" id="{90057C55-0717-453E-A5DA-677D79D42D18}"/>
               </a:ext>
               <a:ext uri="{C183D7F6-B498-43B3-948B-1728B52AA6E4}">
-                <adec:decorative xmlns:adec="http://schemas.microsoft.com/office/drawing/2017/decorative" xmlns="" val="1"/>
+                <adec:decorative xmlns:adec="http://schemas.microsoft.com/office/drawing/2017/decorative" val="1"/>
               </a:ext>
             </a:extLst>
           </p:cNvPr>
@@ -19957,7 +20019,7 @@
                 <a16:creationId xmlns:a16="http://schemas.microsoft.com/office/drawing/2014/main" id="{C0F4014E-6BAF-4F6C-B8CE-81A4D8F8801E}"/>
               </a:ext>
               <a:ext uri="{C183D7F6-B498-43B3-948B-1728B52AA6E4}">
-                <adec:decorative xmlns:adec="http://schemas.microsoft.com/office/drawing/2017/decorative" xmlns="" val="1"/>
+                <adec:decorative xmlns:adec="http://schemas.microsoft.com/office/drawing/2017/decorative" val="1"/>
               </a:ext>
             </a:extLst>
           </p:cNvPr>
@@ -20001,7 +20063,7 @@
                 <a16:creationId xmlns:a16="http://schemas.microsoft.com/office/drawing/2014/main" id="{B891C919-1CCE-4DE8-BCB6-6D4A823ABA63}"/>
               </a:ext>
               <a:ext uri="{C183D7F6-B498-43B3-948B-1728B52AA6E4}">
-                <adec:decorative xmlns:adec="http://schemas.microsoft.com/office/drawing/2017/decorative" xmlns="" val="1"/>
+                <adec:decorative xmlns:adec="http://schemas.microsoft.com/office/drawing/2017/decorative" val="1"/>
               </a:ext>
             </a:extLst>
           </p:cNvPr>
@@ -20045,7 +20107,7 @@
                 <a16:creationId xmlns:a16="http://schemas.microsoft.com/office/drawing/2014/main" id="{845D3C1D-A85C-44EE-A21E-2DAAEC79F14E}"/>
               </a:ext>
               <a:ext uri="{C183D7F6-B498-43B3-948B-1728B52AA6E4}">
-                <adec:decorative xmlns:adec="http://schemas.microsoft.com/office/drawing/2017/decorative" xmlns="" val="1"/>
+                <adec:decorative xmlns:adec="http://schemas.microsoft.com/office/drawing/2017/decorative" val="1"/>
               </a:ext>
             </a:extLst>
           </p:cNvPr>
@@ -20125,7 +20187,7 @@
                 <a16:creationId xmlns:a16="http://schemas.microsoft.com/office/drawing/2014/main" id="{1272C03D-FF5F-4787-9923-252D8F950C24}"/>
               </a:ext>
               <a:ext uri="{C183D7F6-B498-43B3-948B-1728B52AA6E4}">
-                <adec:decorative xmlns:adec="http://schemas.microsoft.com/office/drawing/2017/decorative" xmlns="" val="1"/>
+                <adec:decorative xmlns:adec="http://schemas.microsoft.com/office/drawing/2017/decorative" val="1"/>
               </a:ext>
             </a:extLst>
           </p:cNvPr>
@@ -20169,7 +20231,7 @@
                 <a16:creationId xmlns:a16="http://schemas.microsoft.com/office/drawing/2014/main" id="{809E94B5-14C4-4FFC-A641-4DD9C0733BEC}"/>
               </a:ext>
               <a:ext uri="{C183D7F6-B498-43B3-948B-1728B52AA6E4}">
-                <adec:decorative xmlns:adec="http://schemas.microsoft.com/office/drawing/2017/decorative" xmlns="" val="1"/>
+                <adec:decorative xmlns:adec="http://schemas.microsoft.com/office/drawing/2017/decorative" val="1"/>
               </a:ext>
             </a:extLst>
           </p:cNvPr>
@@ -20213,7 +20275,7 @@
                 <a16:creationId xmlns:a16="http://schemas.microsoft.com/office/drawing/2014/main" id="{D987E165-75F1-443C-9A05-ADC511C3375C}"/>
               </a:ext>
               <a:ext uri="{C183D7F6-B498-43B3-948B-1728B52AA6E4}">
-                <adec:decorative xmlns:adec="http://schemas.microsoft.com/office/drawing/2017/decorative" xmlns="" val="1"/>
+                <adec:decorative xmlns:adec="http://schemas.microsoft.com/office/drawing/2017/decorative" val="1"/>
               </a:ext>
             </a:extLst>
           </p:cNvPr>
@@ -20445,8 +20507,10 @@
       </p:sp>
       <p:pic>
         <p:nvPicPr>
-          <p:cNvPr id="4" name="Kép 3"/>
-          <p:cNvPicPr/>
+          <p:cNvPr id="3" name="Kép 2"/>
+          <p:cNvPicPr>
+            <a:picLocks noChangeAspect="1"/>
+          </p:cNvPicPr>
           <p:nvPr/>
         </p:nvPicPr>
         <p:blipFill>
@@ -20463,8 +20527,8 @@
         </p:blipFill>
         <p:spPr>
           <a:xfrm>
-            <a:off x="1541462" y="2421254"/>
-            <a:ext cx="5497513" cy="3186353"/>
+            <a:off x="646112" y="2898538"/>
+            <a:ext cx="4875002" cy="1764901"/>
           </a:xfrm>
           <a:prstGeom prst="rect">
             <a:avLst/>
@@ -20520,7 +20584,7 @@
                 <a16:creationId xmlns:a16="http://schemas.microsoft.com/office/drawing/2014/main" id="{A4322390-8B58-46BE-88EB-D9FD30C08743}"/>
               </a:ext>
               <a:ext uri="{C183D7F6-B498-43B3-948B-1728B52AA6E4}">
-                <adec:decorative xmlns:adec="http://schemas.microsoft.com/office/drawing/2017/decorative" xmlns="" val="1"/>
+                <adec:decorative xmlns:adec="http://schemas.microsoft.com/office/drawing/2017/decorative" val="1"/>
               </a:ext>
             </a:extLst>
           </p:cNvPr>
@@ -20644,7 +20708,7 @@
                 <a16:creationId xmlns:a16="http://schemas.microsoft.com/office/drawing/2014/main" id="{C885E190-58DD-42DD-A4A8-401E15C92A52}"/>
               </a:ext>
               <a:ext uri="{C183D7F6-B498-43B3-948B-1728B52AA6E4}">
-                <adec:decorative xmlns:adec="http://schemas.microsoft.com/office/drawing/2017/decorative" xmlns="" val="1"/>
+                <adec:decorative xmlns:adec="http://schemas.microsoft.com/office/drawing/2017/decorative" val="1"/>
               </a:ext>
             </a:extLst>
           </p:cNvPr>
@@ -20957,7 +21021,7 @@
                 <a16:creationId xmlns:a16="http://schemas.microsoft.com/office/drawing/2014/main" id="{A4322390-8B58-46BE-88EB-D9FD30C08743}"/>
               </a:ext>
               <a:ext uri="{C183D7F6-B498-43B3-948B-1728B52AA6E4}">
-                <adec:decorative xmlns:adec="http://schemas.microsoft.com/office/drawing/2017/decorative" xmlns="" val="1"/>
+                <adec:decorative xmlns:adec="http://schemas.microsoft.com/office/drawing/2017/decorative" val="1"/>
               </a:ext>
             </a:extLst>
           </p:cNvPr>
@@ -21087,7 +21151,7 @@
                 <a16:creationId xmlns:a16="http://schemas.microsoft.com/office/drawing/2014/main" id="{C885E190-58DD-42DD-A4A8-401E15C92A52}"/>
               </a:ext>
               <a:ext uri="{C183D7F6-B498-43B3-948B-1728B52AA6E4}">
-                <adec:decorative xmlns:adec="http://schemas.microsoft.com/office/drawing/2017/decorative" xmlns="" val="1"/>
+                <adec:decorative xmlns:adec="http://schemas.microsoft.com/office/drawing/2017/decorative" val="1"/>
               </a:ext>
             </a:extLst>
           </p:cNvPr>
@@ -21218,7 +21282,7 @@
         </p:blipFill>
         <p:spPr>
           <a:xfrm>
-            <a:off x="170796" y="1483127"/>
+            <a:off x="2693634" y="316"/>
             <a:ext cx="5099031" cy="2573279"/>
           </a:xfrm>
         </p:spPr>
@@ -21284,7 +21348,7 @@
         </p:nvSpPr>
         <p:spPr>
           <a:xfrm>
-            <a:off x="1979022" y="4056406"/>
+            <a:off x="3976698" y="2748649"/>
             <a:ext cx="2743200" cy="365760"/>
           </a:xfrm>
           <a:prstGeom prst="rect">
@@ -21317,36 +21381,6 @@
           </a:p>
         </p:txBody>
       </p:sp>
-      <p:pic>
-        <p:nvPicPr>
-          <p:cNvPr id="8" name="Kép 7" descr="A képen szöveg, képernyőkép, Betűtípus látható&#10;&#10;Automatikusan generált leírás">
-            <a:extLst>
-              <a:ext uri="{FF2B5EF4-FFF2-40B4-BE49-F238E27FC236}">
-                <a16:creationId xmlns:a16="http://schemas.microsoft.com/office/drawing/2014/main" id="{047AAA7C-B3CF-3A1C-3D4C-98D2E83A772F}"/>
-              </a:ext>
-            </a:extLst>
-          </p:cNvPr>
-          <p:cNvPicPr>
-            <a:picLocks noChangeAspect="1"/>
-          </p:cNvPicPr>
-          <p:nvPr/>
-        </p:nvPicPr>
-        <p:blipFill>
-          <a:blip r:embed="rId3"/>
-          <a:stretch>
-            <a:fillRect/>
-          </a:stretch>
-        </p:blipFill>
-        <p:spPr>
-          <a:xfrm>
-            <a:off x="7271801" y="4189639"/>
-            <a:ext cx="4924425" cy="2114550"/>
-          </a:xfrm>
-          <a:prstGeom prst="rect">
-            <a:avLst/>
-          </a:prstGeom>
-        </p:spPr>
-      </p:pic>
       <p:sp>
         <p:nvSpPr>
           <p:cNvPr id="9" name="Szövegdoboz 8">
@@ -21361,7 +21395,7 @@
         </p:nvSpPr>
         <p:spPr>
           <a:xfrm>
-            <a:off x="8191500" y="6300107"/>
+            <a:off x="1673311" y="6052972"/>
             <a:ext cx="2743200" cy="365760"/>
           </a:xfrm>
           <a:prstGeom prst="rect">
@@ -21380,7 +21414,7 @@
           <a:p>
             <a:r>
               <a:rPr lang="hu-HU" dirty="0"/>
-              <a:t>Server </a:t>
+              <a:t>DNS Server </a:t>
             </a:r>
             <a:r>
               <a:rPr lang="hu-HU" dirty="0" err="1"/>
@@ -21399,7 +21433,7 @@
           <p:nvPr/>
         </p:nvPicPr>
         <p:blipFill>
-          <a:blip r:embed="rId4">
+          <a:blip r:embed="rId3">
             <a:extLst>
               <a:ext uri="{28A0092B-C50C-407E-A947-70E740481C1C}">
                 <a14:useLocalDpi xmlns:a14="http://schemas.microsoft.com/office/drawing/2010/main" val="0"/>
@@ -21412,8 +21446,38 @@
         </p:blipFill>
         <p:spPr>
           <a:xfrm>
-            <a:off x="7119997" y="19822"/>
+            <a:off x="8180619" y="19822"/>
             <a:ext cx="4016088" cy="2266322"/>
+          </a:xfrm>
+          <a:prstGeom prst="rect">
+            <a:avLst/>
+          </a:prstGeom>
+        </p:spPr>
+      </p:pic>
+      <p:pic>
+        <p:nvPicPr>
+          <p:cNvPr id="4" name="Kép 3" descr="A képen szöveg, képernyőkép, Betűtípus látható&#10;&#10;Lehet, hogy a mesterséges intelligencia által generált tartalom helytelen.">
+            <a:extLst>
+              <a:ext uri="{FF2B5EF4-FFF2-40B4-BE49-F238E27FC236}">
+                <a16:creationId xmlns:a16="http://schemas.microsoft.com/office/drawing/2014/main" id="{2C55C7A4-F045-9EED-A1FF-A2FC85F107AD}"/>
+              </a:ext>
+            </a:extLst>
+          </p:cNvPr>
+          <p:cNvPicPr>
+            <a:picLocks noChangeAspect="1"/>
+          </p:cNvPicPr>
+          <p:nvPr/>
+        </p:nvPicPr>
+        <p:blipFill>
+          <a:blip r:embed="rId4"/>
+          <a:stretch>
+            <a:fillRect/>
+          </a:stretch>
+        </p:blipFill>
+        <p:spPr>
+          <a:xfrm>
+            <a:off x="533400" y="3320234"/>
+            <a:ext cx="5029200" cy="2524125"/>
           </a:xfrm>
           <a:prstGeom prst="rect">
             <a:avLst/>
@@ -23763,7 +23827,7 @@
                 <a16:creationId xmlns:a16="http://schemas.microsoft.com/office/drawing/2014/main" id="{A4322390-8B58-46BE-88EB-D9FD30C08743}"/>
               </a:ext>
               <a:ext uri="{C183D7F6-B498-43B3-948B-1728B52AA6E4}">
-                <adec:decorative xmlns:adec="http://schemas.microsoft.com/office/drawing/2017/decorative" xmlns="" val="1"/>
+                <adec:decorative xmlns:adec="http://schemas.microsoft.com/office/drawing/2017/decorative" val="1"/>
               </a:ext>
             </a:extLst>
           </p:cNvPr>
@@ -23887,7 +23951,7 @@
                 <a16:creationId xmlns:a16="http://schemas.microsoft.com/office/drawing/2014/main" id="{C885E190-58DD-42DD-A4A8-401E15C92A52}"/>
               </a:ext>
               <a:ext uri="{C183D7F6-B498-43B3-948B-1728B52AA6E4}">
-                <adec:decorative xmlns:adec="http://schemas.microsoft.com/office/drawing/2017/decorative" xmlns="" val="1"/>
+                <adec:decorative xmlns:adec="http://schemas.microsoft.com/office/drawing/2017/decorative" val="1"/>
               </a:ext>
             </a:extLst>
           </p:cNvPr>
@@ -24380,7 +24444,7 @@
                 <a16:creationId xmlns:a16="http://schemas.microsoft.com/office/drawing/2014/main" id="{A4322390-8B58-46BE-88EB-D9FD30C08743}"/>
               </a:ext>
               <a:ext uri="{C183D7F6-B498-43B3-948B-1728B52AA6E4}">
-                <adec:decorative xmlns:adec="http://schemas.microsoft.com/office/drawing/2017/decorative" xmlns="" val="1"/>
+                <adec:decorative xmlns:adec="http://schemas.microsoft.com/office/drawing/2017/decorative" val="1"/>
               </a:ext>
             </a:extLst>
           </p:cNvPr>
@@ -24587,7 +24651,7 @@
                 <a16:creationId xmlns:a16="http://schemas.microsoft.com/office/drawing/2014/main" id="{C885E190-58DD-42DD-A4A8-401E15C92A52}"/>
               </a:ext>
               <a:ext uri="{C183D7F6-B498-43B3-948B-1728B52AA6E4}">
-                <adec:decorative xmlns:adec="http://schemas.microsoft.com/office/drawing/2017/decorative" xmlns="" val="1"/>
+                <adec:decorative xmlns:adec="http://schemas.microsoft.com/office/drawing/2017/decorative" val="1"/>
               </a:ext>
             </a:extLst>
           </p:cNvPr>
@@ -24697,7 +24761,7 @@
                 <a16:creationId xmlns:a16="http://schemas.microsoft.com/office/drawing/2014/main" id="{C9ECDD5C-152A-4CC7-8333-0F367B3A62EA}"/>
               </a:ext>
               <a:ext uri="{C183D7F6-B498-43B3-948B-1728B52AA6E4}">
-                <adec:decorative xmlns:adec="http://schemas.microsoft.com/office/drawing/2017/decorative" xmlns="" val="1"/>
+                <adec:decorative xmlns:adec="http://schemas.microsoft.com/office/drawing/2017/decorative" val="1"/>
               </a:ext>
             </a:extLst>
           </p:cNvPr>
@@ -24741,7 +24805,7 @@
                 <a16:creationId xmlns:a16="http://schemas.microsoft.com/office/drawing/2014/main" id="{7F5C92A3-369B-43F3-BDCE-E560B1B0EC89}"/>
               </a:ext>
               <a:ext uri="{C183D7F6-B498-43B3-948B-1728B52AA6E4}">
-                <adec:decorative xmlns:adec="http://schemas.microsoft.com/office/drawing/2017/decorative" xmlns="" val="1"/>
+                <adec:decorative xmlns:adec="http://schemas.microsoft.com/office/drawing/2017/decorative" val="1"/>
               </a:ext>
             </a:extLst>
           </p:cNvPr>
@@ -24785,7 +24849,7 @@
                 <a16:creationId xmlns:a16="http://schemas.microsoft.com/office/drawing/2014/main" id="{AEBE9F1A-B38D-446E-83AE-14B17CE77FF2}"/>
               </a:ext>
               <a:ext uri="{C183D7F6-B498-43B3-948B-1728B52AA6E4}">
-                <adec:decorative xmlns:adec="http://schemas.microsoft.com/office/drawing/2017/decorative" xmlns="" val="1"/>
+                <adec:decorative xmlns:adec="http://schemas.microsoft.com/office/drawing/2017/decorative" val="1"/>
               </a:ext>
             </a:extLst>
           </p:cNvPr>
@@ -24865,7 +24929,7 @@
                 <a16:creationId xmlns:a16="http://schemas.microsoft.com/office/drawing/2014/main" id="{915B5014-A7EC-4BA6-9C83-8840CF81DB28}"/>
               </a:ext>
               <a:ext uri="{C183D7F6-B498-43B3-948B-1728B52AA6E4}">
-                <adec:decorative xmlns:adec="http://schemas.microsoft.com/office/drawing/2017/decorative" xmlns="" val="1"/>
+                <adec:decorative xmlns:adec="http://schemas.microsoft.com/office/drawing/2017/decorative" val="1"/>
               </a:ext>
             </a:extLst>
           </p:cNvPr>
@@ -24909,7 +24973,7 @@
                 <a16:creationId xmlns:a16="http://schemas.microsoft.com/office/drawing/2014/main" id="{022C43AB-86D7-420D-8AD7-DC0A15FDD0AF}"/>
               </a:ext>
               <a:ext uri="{C183D7F6-B498-43B3-948B-1728B52AA6E4}">
-                <adec:decorative xmlns:adec="http://schemas.microsoft.com/office/drawing/2017/decorative" xmlns="" val="1"/>
+                <adec:decorative xmlns:adec="http://schemas.microsoft.com/office/drawing/2017/decorative" val="1"/>
               </a:ext>
             </a:extLst>
           </p:cNvPr>
@@ -24953,7 +25017,7 @@
                 <a16:creationId xmlns:a16="http://schemas.microsoft.com/office/drawing/2014/main" id="{5E3EB826-A471-488F-9E8A-D65528A3C0CA}"/>
               </a:ext>
               <a:ext uri="{C183D7F6-B498-43B3-948B-1728B52AA6E4}">
-                <adec:decorative xmlns:adec="http://schemas.microsoft.com/office/drawing/2017/decorative" xmlns="" val="1"/>
+                <adec:decorative xmlns:adec="http://schemas.microsoft.com/office/drawing/2017/decorative" val="1"/>
               </a:ext>
             </a:extLst>
           </p:cNvPr>
@@ -25006,7 +25070,7 @@
                 <a16:creationId xmlns:a16="http://schemas.microsoft.com/office/drawing/2014/main" id="{4309F268-A45B-4517-B03F-2774BAEFFBA6}"/>
               </a:ext>
               <a:ext uri="{C183D7F6-B498-43B3-948B-1728B52AA6E4}">
-                <adec:decorative xmlns:adec="http://schemas.microsoft.com/office/drawing/2017/decorative" xmlns="" val="1"/>
+                <adec:decorative xmlns:adec="http://schemas.microsoft.com/office/drawing/2017/decorative" val="1"/>
               </a:ext>
             </a:extLst>
           </p:cNvPr>
@@ -32983,7 +33047,7 @@
                 <a16:creationId xmlns:a16="http://schemas.microsoft.com/office/drawing/2014/main" id="{A4322390-8B58-46BE-88EB-D9FD30C08743}"/>
               </a:ext>
               <a:ext uri="{C183D7F6-B498-43B3-948B-1728B52AA6E4}">
-                <adec:decorative xmlns:adec="http://schemas.microsoft.com/office/drawing/2017/decorative" xmlns="" val="1"/>
+                <adec:decorative xmlns:adec="http://schemas.microsoft.com/office/drawing/2017/decorative" val="1"/>
               </a:ext>
             </a:extLst>
           </p:cNvPr>
@@ -33122,7 +33186,7 @@
                 <a16:creationId xmlns:a16="http://schemas.microsoft.com/office/drawing/2014/main" id="{C885E190-58DD-42DD-A4A8-401E15C92A52}"/>
               </a:ext>
               <a:ext uri="{C183D7F6-B498-43B3-948B-1728B52AA6E4}">
-                <adec:decorative xmlns:adec="http://schemas.microsoft.com/office/drawing/2017/decorative" xmlns="" val="1"/>
+                <adec:decorative xmlns:adec="http://schemas.microsoft.com/office/drawing/2017/decorative" val="1"/>
               </a:ext>
             </a:extLst>
           </p:cNvPr>
@@ -33336,7 +33400,7 @@
                 <a16:creationId xmlns:a16="http://schemas.microsoft.com/office/drawing/2014/main" id="{0D187C4E-14B9-4504-B200-5127823FA78C}"/>
               </a:ext>
               <a:ext uri="{C183D7F6-B498-43B3-948B-1728B52AA6E4}">
-                <adec:decorative xmlns:adec="http://schemas.microsoft.com/office/drawing/2017/decorative" xmlns="" val="1"/>
+                <adec:decorative xmlns:adec="http://schemas.microsoft.com/office/drawing/2017/decorative" val="1"/>
               </a:ext>
             </a:extLst>
           </p:cNvPr>
@@ -33564,7 +33628,7 @@
         </p:nvGraphicFramePr>
         <p:xfrm>
           <a:off x="1189404" y="2275703"/>
-          <a:ext cx="9808110" cy="2946273"/>
+          <a:ext cx="9808110" cy="2870772"/>
         </p:xfrm>
         <a:graphic>
           <a:graphicData uri="http://schemas.openxmlformats.org/drawingml/2006/table">
